--- a/Curso AABD-SQL (Notas).pptx
+++ b/Curso AABD-SQL (Notas).pptx
@@ -108,6 +108,11 @@
       </a:defRPr>
     </a:lvl9pPr>
   </p:defaultTextStyle>
+  <p:extLst>
+    <p:ext uri="{EFAFB233-063F-42B5-8137-9DF3F51BA10A}">
+      <p15:sldGuideLst xmlns:p15="http://schemas.microsoft.com/office/powerpoint/2012/main"/>
+    </p:ext>
+  </p:extLst>
 </p:presentation>
 </file>
 
@@ -260,7 +265,7 @@
           <a:p>
             <a:fld id="{88DB2A45-B92C-450A-8ABF-83088A5CA865}" type="datetimeFigureOut">
               <a:rPr lang="es-MX" smtClean="0"/>
-              <a:t>05/06/2023</a:t>
+              <a:t>06/06/2023</a:t>
             </a:fld>
             <a:endParaRPr lang="es-MX"/>
           </a:p>
@@ -460,7 +465,7 @@
           <a:p>
             <a:fld id="{88DB2A45-B92C-450A-8ABF-83088A5CA865}" type="datetimeFigureOut">
               <a:rPr lang="es-MX" smtClean="0"/>
-              <a:t>05/06/2023</a:t>
+              <a:t>06/06/2023</a:t>
             </a:fld>
             <a:endParaRPr lang="es-MX"/>
           </a:p>
@@ -670,7 +675,7 @@
           <a:p>
             <a:fld id="{88DB2A45-B92C-450A-8ABF-83088A5CA865}" type="datetimeFigureOut">
               <a:rPr lang="es-MX" smtClean="0"/>
-              <a:t>05/06/2023</a:t>
+              <a:t>06/06/2023</a:t>
             </a:fld>
             <a:endParaRPr lang="es-MX"/>
           </a:p>
@@ -870,7 +875,7 @@
           <a:p>
             <a:fld id="{88DB2A45-B92C-450A-8ABF-83088A5CA865}" type="datetimeFigureOut">
               <a:rPr lang="es-MX" smtClean="0"/>
-              <a:t>05/06/2023</a:t>
+              <a:t>06/06/2023</a:t>
             </a:fld>
             <a:endParaRPr lang="es-MX"/>
           </a:p>
@@ -1146,7 +1151,7 @@
           <a:p>
             <a:fld id="{88DB2A45-B92C-450A-8ABF-83088A5CA865}" type="datetimeFigureOut">
               <a:rPr lang="es-MX" smtClean="0"/>
-              <a:t>05/06/2023</a:t>
+              <a:t>06/06/2023</a:t>
             </a:fld>
             <a:endParaRPr lang="es-MX"/>
           </a:p>
@@ -1414,7 +1419,7 @@
           <a:p>
             <a:fld id="{88DB2A45-B92C-450A-8ABF-83088A5CA865}" type="datetimeFigureOut">
               <a:rPr lang="es-MX" smtClean="0"/>
-              <a:t>05/06/2023</a:t>
+              <a:t>06/06/2023</a:t>
             </a:fld>
             <a:endParaRPr lang="es-MX"/>
           </a:p>
@@ -1829,7 +1834,7 @@
           <a:p>
             <a:fld id="{88DB2A45-B92C-450A-8ABF-83088A5CA865}" type="datetimeFigureOut">
               <a:rPr lang="es-MX" smtClean="0"/>
-              <a:t>05/06/2023</a:t>
+              <a:t>06/06/2023</a:t>
             </a:fld>
             <a:endParaRPr lang="es-MX"/>
           </a:p>
@@ -1971,7 +1976,7 @@
           <a:p>
             <a:fld id="{88DB2A45-B92C-450A-8ABF-83088A5CA865}" type="datetimeFigureOut">
               <a:rPr lang="es-MX" smtClean="0"/>
-              <a:t>05/06/2023</a:t>
+              <a:t>06/06/2023</a:t>
             </a:fld>
             <a:endParaRPr lang="es-MX"/>
           </a:p>
@@ -2084,7 +2089,7 @@
           <a:p>
             <a:fld id="{88DB2A45-B92C-450A-8ABF-83088A5CA865}" type="datetimeFigureOut">
               <a:rPr lang="es-MX" smtClean="0"/>
-              <a:t>05/06/2023</a:t>
+              <a:t>06/06/2023</a:t>
             </a:fld>
             <a:endParaRPr lang="es-MX"/>
           </a:p>
@@ -2397,7 +2402,7 @@
           <a:p>
             <a:fld id="{88DB2A45-B92C-450A-8ABF-83088A5CA865}" type="datetimeFigureOut">
               <a:rPr lang="es-MX" smtClean="0"/>
-              <a:t>05/06/2023</a:t>
+              <a:t>06/06/2023</a:t>
             </a:fld>
             <a:endParaRPr lang="es-MX"/>
           </a:p>
@@ -2686,7 +2691,7 @@
           <a:p>
             <a:fld id="{88DB2A45-B92C-450A-8ABF-83088A5CA865}" type="datetimeFigureOut">
               <a:rPr lang="es-MX" smtClean="0"/>
-              <a:t>05/06/2023</a:t>
+              <a:t>06/06/2023</a:t>
             </a:fld>
             <a:endParaRPr lang="es-MX"/>
           </a:p>
@@ -2929,7 +2934,7 @@
           <a:p>
             <a:fld id="{88DB2A45-B92C-450A-8ABF-83088A5CA865}" type="datetimeFigureOut">
               <a:rPr lang="es-MX" smtClean="0"/>
-              <a:t>05/06/2023</a:t>
+              <a:t>06/06/2023</a:t>
             </a:fld>
             <a:endParaRPr lang="es-MX"/>
           </a:p>
@@ -7359,7 +7364,7 @@
         <p:spPr>
           <a:xfrm>
             <a:off x="8285018" y="2657873"/>
-            <a:ext cx="3906981" cy="1165982"/>
+            <a:ext cx="3906981" cy="554438"/>
           </a:xfrm>
           <a:prstGeom prst="rect">
             <a:avLst/>
@@ -7538,6 +7543,206 @@
             <a:r>
               <a:rPr lang="es-MX" sz="1600" dirty="0"/>
               <a:t>+ El archivo que contiene la tabla debe estar en la parte pública de la computadora.</a:t>
+            </a:r>
+          </a:p>
+        </p:txBody>
+      </p:sp>
+      <p:sp>
+        <p:nvSpPr>
+          <p:cNvPr id="4" name="Subtítulo 2">
+            <a:extLst>
+              <a:ext uri="{FF2B5EF4-FFF2-40B4-BE49-F238E27FC236}">
+                <a16:creationId xmlns:a16="http://schemas.microsoft.com/office/drawing/2014/main" id="{7ADF159A-92A7-C5C1-A52A-B846CAE55D49}"/>
+              </a:ext>
+            </a:extLst>
+          </p:cNvPr>
+          <p:cNvSpPr txBox="1">
+            <a:spLocks/>
+          </p:cNvSpPr>
+          <p:nvPr/>
+        </p:nvSpPr>
+        <p:spPr>
+          <a:xfrm>
+            <a:off x="8229600" y="3477673"/>
+            <a:ext cx="3906981" cy="953875"/>
+          </a:xfrm>
+          <a:prstGeom prst="rect">
+            <a:avLst/>
+          </a:prstGeom>
+        </p:spPr>
+        <p:txBody>
+          <a:bodyPr vert="horz" lIns="91440" tIns="45720" rIns="91440" bIns="45720" rtlCol="0">
+            <a:normAutofit/>
+          </a:bodyPr>
+          <a:lstStyle>
+            <a:lvl1pPr marL="0" indent="0" algn="ctr" defTabSz="914400" rtl="0" eaLnBrk="1" latinLnBrk="0" hangingPunct="1">
+              <a:lnSpc>
+                <a:spcPct val="90000"/>
+              </a:lnSpc>
+              <a:spcBef>
+                <a:spcPts val="1000"/>
+              </a:spcBef>
+              <a:buFont typeface="Arial" panose="020B0604020202020204" pitchFamily="34" charset="0"/>
+              <a:buNone/>
+              <a:defRPr sz="2400" kern="1200">
+                <a:solidFill>
+                  <a:schemeClr val="tx1"/>
+                </a:solidFill>
+                <a:latin typeface="+mn-lt"/>
+                <a:ea typeface="+mn-ea"/>
+                <a:cs typeface="+mn-cs"/>
+              </a:defRPr>
+            </a:lvl1pPr>
+            <a:lvl2pPr marL="457200" indent="0" algn="ctr" defTabSz="914400" rtl="0" eaLnBrk="1" latinLnBrk="0" hangingPunct="1">
+              <a:lnSpc>
+                <a:spcPct val="90000"/>
+              </a:lnSpc>
+              <a:spcBef>
+                <a:spcPts val="500"/>
+              </a:spcBef>
+              <a:buFont typeface="Arial" panose="020B0604020202020204" pitchFamily="34" charset="0"/>
+              <a:buNone/>
+              <a:defRPr sz="2000" kern="1200">
+                <a:solidFill>
+                  <a:schemeClr val="tx1"/>
+                </a:solidFill>
+                <a:latin typeface="+mn-lt"/>
+                <a:ea typeface="+mn-ea"/>
+                <a:cs typeface="+mn-cs"/>
+              </a:defRPr>
+            </a:lvl2pPr>
+            <a:lvl3pPr marL="914400" indent="0" algn="ctr" defTabSz="914400" rtl="0" eaLnBrk="1" latinLnBrk="0" hangingPunct="1">
+              <a:lnSpc>
+                <a:spcPct val="90000"/>
+              </a:lnSpc>
+              <a:spcBef>
+                <a:spcPts val="500"/>
+              </a:spcBef>
+              <a:buFont typeface="Arial" panose="020B0604020202020204" pitchFamily="34" charset="0"/>
+              <a:buNone/>
+              <a:defRPr sz="1800" kern="1200">
+                <a:solidFill>
+                  <a:schemeClr val="tx1"/>
+                </a:solidFill>
+                <a:latin typeface="+mn-lt"/>
+                <a:ea typeface="+mn-ea"/>
+                <a:cs typeface="+mn-cs"/>
+              </a:defRPr>
+            </a:lvl3pPr>
+            <a:lvl4pPr marL="1371600" indent="0" algn="ctr" defTabSz="914400" rtl="0" eaLnBrk="1" latinLnBrk="0" hangingPunct="1">
+              <a:lnSpc>
+                <a:spcPct val="90000"/>
+              </a:lnSpc>
+              <a:spcBef>
+                <a:spcPts val="500"/>
+              </a:spcBef>
+              <a:buFont typeface="Arial" panose="020B0604020202020204" pitchFamily="34" charset="0"/>
+              <a:buNone/>
+              <a:defRPr sz="1600" kern="1200">
+                <a:solidFill>
+                  <a:schemeClr val="tx1"/>
+                </a:solidFill>
+                <a:latin typeface="+mn-lt"/>
+                <a:ea typeface="+mn-ea"/>
+                <a:cs typeface="+mn-cs"/>
+              </a:defRPr>
+            </a:lvl4pPr>
+            <a:lvl5pPr marL="1828800" indent="0" algn="ctr" defTabSz="914400" rtl="0" eaLnBrk="1" latinLnBrk="0" hangingPunct="1">
+              <a:lnSpc>
+                <a:spcPct val="90000"/>
+              </a:lnSpc>
+              <a:spcBef>
+                <a:spcPts val="500"/>
+              </a:spcBef>
+              <a:buFont typeface="Arial" panose="020B0604020202020204" pitchFamily="34" charset="0"/>
+              <a:buNone/>
+              <a:defRPr sz="1600" kern="1200">
+                <a:solidFill>
+                  <a:schemeClr val="tx1"/>
+                </a:solidFill>
+                <a:latin typeface="+mn-lt"/>
+                <a:ea typeface="+mn-ea"/>
+                <a:cs typeface="+mn-cs"/>
+              </a:defRPr>
+            </a:lvl5pPr>
+            <a:lvl6pPr marL="2286000" indent="0" algn="ctr" defTabSz="914400" rtl="0" eaLnBrk="1" latinLnBrk="0" hangingPunct="1">
+              <a:lnSpc>
+                <a:spcPct val="90000"/>
+              </a:lnSpc>
+              <a:spcBef>
+                <a:spcPts val="500"/>
+              </a:spcBef>
+              <a:buFont typeface="Arial" panose="020B0604020202020204" pitchFamily="34" charset="0"/>
+              <a:buNone/>
+              <a:defRPr sz="1600" kern="1200">
+                <a:solidFill>
+                  <a:schemeClr val="tx1"/>
+                </a:solidFill>
+                <a:latin typeface="+mn-lt"/>
+                <a:ea typeface="+mn-ea"/>
+                <a:cs typeface="+mn-cs"/>
+              </a:defRPr>
+            </a:lvl6pPr>
+            <a:lvl7pPr marL="2743200" indent="0" algn="ctr" defTabSz="914400" rtl="0" eaLnBrk="1" latinLnBrk="0" hangingPunct="1">
+              <a:lnSpc>
+                <a:spcPct val="90000"/>
+              </a:lnSpc>
+              <a:spcBef>
+                <a:spcPts val="500"/>
+              </a:spcBef>
+              <a:buFont typeface="Arial" panose="020B0604020202020204" pitchFamily="34" charset="0"/>
+              <a:buNone/>
+              <a:defRPr sz="1600" kern="1200">
+                <a:solidFill>
+                  <a:schemeClr val="tx1"/>
+                </a:solidFill>
+                <a:latin typeface="+mn-lt"/>
+                <a:ea typeface="+mn-ea"/>
+                <a:cs typeface="+mn-cs"/>
+              </a:defRPr>
+            </a:lvl7pPr>
+            <a:lvl8pPr marL="3200400" indent="0" algn="ctr" defTabSz="914400" rtl="0" eaLnBrk="1" latinLnBrk="0" hangingPunct="1">
+              <a:lnSpc>
+                <a:spcPct val="90000"/>
+              </a:lnSpc>
+              <a:spcBef>
+                <a:spcPts val="500"/>
+              </a:spcBef>
+              <a:buFont typeface="Arial" panose="020B0604020202020204" pitchFamily="34" charset="0"/>
+              <a:buNone/>
+              <a:defRPr sz="1600" kern="1200">
+                <a:solidFill>
+                  <a:schemeClr val="tx1"/>
+                </a:solidFill>
+                <a:latin typeface="+mn-lt"/>
+                <a:ea typeface="+mn-ea"/>
+                <a:cs typeface="+mn-cs"/>
+              </a:defRPr>
+            </a:lvl8pPr>
+            <a:lvl9pPr marL="3657600" indent="0" algn="ctr" defTabSz="914400" rtl="0" eaLnBrk="1" latinLnBrk="0" hangingPunct="1">
+              <a:lnSpc>
+                <a:spcPct val="90000"/>
+              </a:lnSpc>
+              <a:spcBef>
+                <a:spcPts val="500"/>
+              </a:spcBef>
+              <a:buFont typeface="Arial" panose="020B0604020202020204" pitchFamily="34" charset="0"/>
+              <a:buNone/>
+              <a:defRPr sz="1600" kern="1200">
+                <a:solidFill>
+                  <a:schemeClr val="tx1"/>
+                </a:solidFill>
+                <a:latin typeface="+mn-lt"/>
+                <a:ea typeface="+mn-ea"/>
+                <a:cs typeface="+mn-cs"/>
+              </a:defRPr>
+            </a:lvl9pPr>
+          </a:lstStyle>
+          <a:p>
+            <a:pPr algn="l"/>
+            <a:r>
+              <a:rPr lang="es-MX" sz="1600" dirty="0"/>
+              <a:t>+ Si la tabla ya fue creada con los nombres de las columnas en CREATE TABLE, se puede evitar el primer paréntesis</a:t>
             </a:r>
           </a:p>
         </p:txBody>

--- a/Curso AABD-SQL (Notas).pptx
+++ b/Curso AABD-SQL (Notas).pptx
@@ -10,6 +10,8 @@
     <p:sldId id="258" r:id="rId4"/>
     <p:sldId id="259" r:id="rId5"/>
     <p:sldId id="260" r:id="rId6"/>
+    <p:sldId id="261" r:id="rId7"/>
+    <p:sldId id="262" r:id="rId8"/>
   </p:sldIdLst>
   <p:sldSz cx="12192000" cy="6858000"/>
   <p:notesSz cx="6858000" cy="9144000"/>
@@ -265,7 +267,7 @@
           <a:p>
             <a:fld id="{88DB2A45-B92C-450A-8ABF-83088A5CA865}" type="datetimeFigureOut">
               <a:rPr lang="es-MX" smtClean="0"/>
-              <a:t>06/06/2023</a:t>
+              <a:t>07/06/2023</a:t>
             </a:fld>
             <a:endParaRPr lang="es-MX"/>
           </a:p>
@@ -465,7 +467,7 @@
           <a:p>
             <a:fld id="{88DB2A45-B92C-450A-8ABF-83088A5CA865}" type="datetimeFigureOut">
               <a:rPr lang="es-MX" smtClean="0"/>
-              <a:t>06/06/2023</a:t>
+              <a:t>07/06/2023</a:t>
             </a:fld>
             <a:endParaRPr lang="es-MX"/>
           </a:p>
@@ -675,7 +677,7 @@
           <a:p>
             <a:fld id="{88DB2A45-B92C-450A-8ABF-83088A5CA865}" type="datetimeFigureOut">
               <a:rPr lang="es-MX" smtClean="0"/>
-              <a:t>06/06/2023</a:t>
+              <a:t>07/06/2023</a:t>
             </a:fld>
             <a:endParaRPr lang="es-MX"/>
           </a:p>
@@ -875,7 +877,7 @@
           <a:p>
             <a:fld id="{88DB2A45-B92C-450A-8ABF-83088A5CA865}" type="datetimeFigureOut">
               <a:rPr lang="es-MX" smtClean="0"/>
-              <a:t>06/06/2023</a:t>
+              <a:t>07/06/2023</a:t>
             </a:fld>
             <a:endParaRPr lang="es-MX"/>
           </a:p>
@@ -1151,7 +1153,7 @@
           <a:p>
             <a:fld id="{88DB2A45-B92C-450A-8ABF-83088A5CA865}" type="datetimeFigureOut">
               <a:rPr lang="es-MX" smtClean="0"/>
-              <a:t>06/06/2023</a:t>
+              <a:t>07/06/2023</a:t>
             </a:fld>
             <a:endParaRPr lang="es-MX"/>
           </a:p>
@@ -1419,7 +1421,7 @@
           <a:p>
             <a:fld id="{88DB2A45-B92C-450A-8ABF-83088A5CA865}" type="datetimeFigureOut">
               <a:rPr lang="es-MX" smtClean="0"/>
-              <a:t>06/06/2023</a:t>
+              <a:t>07/06/2023</a:t>
             </a:fld>
             <a:endParaRPr lang="es-MX"/>
           </a:p>
@@ -1834,7 +1836,7 @@
           <a:p>
             <a:fld id="{88DB2A45-B92C-450A-8ABF-83088A5CA865}" type="datetimeFigureOut">
               <a:rPr lang="es-MX" smtClean="0"/>
-              <a:t>06/06/2023</a:t>
+              <a:t>07/06/2023</a:t>
             </a:fld>
             <a:endParaRPr lang="es-MX"/>
           </a:p>
@@ -1976,7 +1978,7 @@
           <a:p>
             <a:fld id="{88DB2A45-B92C-450A-8ABF-83088A5CA865}" type="datetimeFigureOut">
               <a:rPr lang="es-MX" smtClean="0"/>
-              <a:t>06/06/2023</a:t>
+              <a:t>07/06/2023</a:t>
             </a:fld>
             <a:endParaRPr lang="es-MX"/>
           </a:p>
@@ -2089,7 +2091,7 @@
           <a:p>
             <a:fld id="{88DB2A45-B92C-450A-8ABF-83088A5CA865}" type="datetimeFigureOut">
               <a:rPr lang="es-MX" smtClean="0"/>
-              <a:t>06/06/2023</a:t>
+              <a:t>07/06/2023</a:t>
             </a:fld>
             <a:endParaRPr lang="es-MX"/>
           </a:p>
@@ -2402,7 +2404,7 @@
           <a:p>
             <a:fld id="{88DB2A45-B92C-450A-8ABF-83088A5CA865}" type="datetimeFigureOut">
               <a:rPr lang="es-MX" smtClean="0"/>
-              <a:t>06/06/2023</a:t>
+              <a:t>07/06/2023</a:t>
             </a:fld>
             <a:endParaRPr lang="es-MX"/>
           </a:p>
@@ -2691,7 +2693,7 @@
           <a:p>
             <a:fld id="{88DB2A45-B92C-450A-8ABF-83088A5CA865}" type="datetimeFigureOut">
               <a:rPr lang="es-MX" smtClean="0"/>
-              <a:t>06/06/2023</a:t>
+              <a:t>07/06/2023</a:t>
             </a:fld>
             <a:endParaRPr lang="es-MX"/>
           </a:p>
@@ -2934,7 +2936,7 @@
           <a:p>
             <a:fld id="{88DB2A45-B92C-450A-8ABF-83088A5CA865}" type="datetimeFigureOut">
               <a:rPr lang="es-MX" smtClean="0"/>
-              <a:t>06/06/2023</a:t>
+              <a:t>07/06/2023</a:t>
             </a:fld>
             <a:endParaRPr lang="es-MX"/>
           </a:p>
@@ -6728,7 +6730,7 @@
             <a:pPr algn="l"/>
             <a:r>
               <a:rPr lang="es-MX" b="1" dirty="0"/>
-              <a:t>CSV HEADER:</a:t>
+              <a:t>CSV HEADER;</a:t>
             </a:r>
           </a:p>
         </p:txBody>
@@ -7751,6 +7753,2925 @@
     <p:extLst>
       <p:ext uri="{BB962C8B-B14F-4D97-AF65-F5344CB8AC3E}">
         <p14:creationId xmlns:p14="http://schemas.microsoft.com/office/powerpoint/2010/main" val="2314690856"/>
+      </p:ext>
+    </p:extLst>
+  </p:cSld>
+  <p:clrMapOvr>
+    <a:masterClrMapping/>
+  </p:clrMapOvr>
+</p:sld>
+</file>
+
+<file path=ppt/slides/slide6.xml><?xml version="1.0" encoding="utf-8"?>
+<p:sld xmlns:a="http://schemas.openxmlformats.org/drawingml/2006/main" xmlns:r="http://schemas.openxmlformats.org/officeDocument/2006/relationships" xmlns:p="http://schemas.openxmlformats.org/presentationml/2006/main">
+  <p:cSld>
+    <p:spTree>
+      <p:nvGrpSpPr>
+        <p:cNvPr id="1" name=""/>
+        <p:cNvGrpSpPr/>
+        <p:nvPr/>
+      </p:nvGrpSpPr>
+      <p:grpSpPr>
+        <a:xfrm>
+          <a:off x="0" y="0"/>
+          <a:ext cx="0" cy="0"/>
+          <a:chOff x="0" y="0"/>
+          <a:chExt cx="0" cy="0"/>
+        </a:xfrm>
+      </p:grpSpPr>
+      <p:sp>
+        <p:nvSpPr>
+          <p:cNvPr id="2" name="Título 1">
+            <a:extLst>
+              <a:ext uri="{FF2B5EF4-FFF2-40B4-BE49-F238E27FC236}">
+                <a16:creationId xmlns:a16="http://schemas.microsoft.com/office/drawing/2014/main" id="{095D5E06-C433-C836-106A-B2D45ADCF04F}"/>
+              </a:ext>
+            </a:extLst>
+          </p:cNvPr>
+          <p:cNvSpPr>
+            <a:spLocks noGrp="1"/>
+          </p:cNvSpPr>
+          <p:nvPr>
+            <p:ph type="ctrTitle"/>
+          </p:nvPr>
+        </p:nvSpPr>
+        <p:spPr>
+          <a:xfrm>
+            <a:off x="304800" y="277091"/>
+            <a:ext cx="9144000" cy="669781"/>
+          </a:xfrm>
+        </p:spPr>
+        <p:txBody>
+          <a:bodyPr>
+            <a:normAutofit/>
+          </a:bodyPr>
+          <a:lstStyle/>
+          <a:p>
+            <a:pPr algn="l"/>
+            <a:r>
+              <a:rPr lang="es-MX" sz="3600" b="1" dirty="0">
+                <a:latin typeface="Gadugi" panose="020B0502040204020203" pitchFamily="34" charset="0"/>
+                <a:ea typeface="Gadugi" panose="020B0502040204020203" pitchFamily="34" charset="0"/>
+              </a:rPr>
+              <a:t>SELECT</a:t>
+            </a:r>
+          </a:p>
+        </p:txBody>
+      </p:sp>
+      <p:sp>
+        <p:nvSpPr>
+          <p:cNvPr id="3" name="Subtítulo 2">
+            <a:extLst>
+              <a:ext uri="{FF2B5EF4-FFF2-40B4-BE49-F238E27FC236}">
+                <a16:creationId xmlns:a16="http://schemas.microsoft.com/office/drawing/2014/main" id="{1A30F90B-0731-20CA-E914-48343967869A}"/>
+              </a:ext>
+            </a:extLst>
+          </p:cNvPr>
+          <p:cNvSpPr>
+            <a:spLocks noGrp="1"/>
+          </p:cNvSpPr>
+          <p:nvPr>
+            <p:ph type="subTitle" idx="1"/>
+          </p:nvPr>
+        </p:nvSpPr>
+        <p:spPr>
+          <a:xfrm>
+            <a:off x="152400" y="1602656"/>
+            <a:ext cx="7966356" cy="1826344"/>
+          </a:xfrm>
+        </p:spPr>
+        <p:txBody>
+          <a:bodyPr>
+            <a:normAutofit/>
+          </a:bodyPr>
+          <a:lstStyle/>
+          <a:p>
+            <a:pPr algn="l"/>
+            <a:r>
+              <a:rPr lang="es-MX" b="1" dirty="0"/>
+              <a:t>SELECT </a:t>
+            </a:r>
+            <a:r>
+              <a:rPr lang="es-MX" dirty="0"/>
+              <a:t>[nombre alguna columna] </a:t>
+            </a:r>
+            <a:r>
+              <a:rPr lang="es-MX" b="1" dirty="0"/>
+              <a:t>,</a:t>
+            </a:r>
+            <a:r>
+              <a:rPr lang="es-MX" dirty="0"/>
+              <a:t> [nombre alguna columna] , …</a:t>
+            </a:r>
+          </a:p>
+          <a:p>
+            <a:pPr algn="l"/>
+            <a:r>
+              <a:rPr lang="es-MX" b="1" dirty="0"/>
+              <a:t>FROM</a:t>
+            </a:r>
+            <a:r>
+              <a:rPr lang="es-MX" dirty="0"/>
+              <a:t> [nombre de la tabla] </a:t>
+            </a:r>
+            <a:r>
+              <a:rPr lang="es-MX" b="1" dirty="0"/>
+              <a:t>;</a:t>
+            </a:r>
+          </a:p>
+        </p:txBody>
+      </p:sp>
+      <p:cxnSp>
+        <p:nvCxnSpPr>
+          <p:cNvPr id="5" name="Conector recto 4">
+            <a:extLst>
+              <a:ext uri="{FF2B5EF4-FFF2-40B4-BE49-F238E27FC236}">
+                <a16:creationId xmlns:a16="http://schemas.microsoft.com/office/drawing/2014/main" id="{8185E119-0A24-A724-B622-7DB91F3252A8}"/>
+              </a:ext>
+            </a:extLst>
+          </p:cNvPr>
+          <p:cNvCxnSpPr/>
+          <p:nvPr/>
+        </p:nvCxnSpPr>
+        <p:spPr>
+          <a:xfrm>
+            <a:off x="0" y="946872"/>
+            <a:ext cx="5472545" cy="0"/>
+          </a:xfrm>
+          <a:prstGeom prst="line">
+            <a:avLst/>
+          </a:prstGeom>
+          <a:ln w="38100">
+            <a:solidFill>
+              <a:srgbClr val="7030A0"/>
+            </a:solidFill>
+          </a:ln>
+        </p:spPr>
+        <p:style>
+          <a:lnRef idx="1">
+            <a:schemeClr val="accent1"/>
+          </a:lnRef>
+          <a:fillRef idx="0">
+            <a:schemeClr val="accent1"/>
+          </a:fillRef>
+          <a:effectRef idx="0">
+            <a:schemeClr val="accent1"/>
+          </a:effectRef>
+          <a:fontRef idx="minor">
+            <a:schemeClr val="tx1"/>
+          </a:fontRef>
+        </p:style>
+      </p:cxnSp>
+      <p:cxnSp>
+        <p:nvCxnSpPr>
+          <p:cNvPr id="6" name="Conector recto 5">
+            <a:extLst>
+              <a:ext uri="{FF2B5EF4-FFF2-40B4-BE49-F238E27FC236}">
+                <a16:creationId xmlns:a16="http://schemas.microsoft.com/office/drawing/2014/main" id="{BEFC1D1B-E623-58C6-AEC5-FBF9FC0A9DBC}"/>
+              </a:ext>
+            </a:extLst>
+          </p:cNvPr>
+          <p:cNvCxnSpPr>
+            <a:cxnSpLocks/>
+          </p:cNvCxnSpPr>
+          <p:nvPr/>
+        </p:nvCxnSpPr>
+        <p:spPr>
+          <a:xfrm flipV="1">
+            <a:off x="8257309" y="0"/>
+            <a:ext cx="0" cy="6858000"/>
+          </a:xfrm>
+          <a:prstGeom prst="line">
+            <a:avLst/>
+          </a:prstGeom>
+          <a:ln w="38100">
+            <a:solidFill>
+              <a:srgbClr val="7030A0"/>
+            </a:solidFill>
+          </a:ln>
+        </p:spPr>
+        <p:style>
+          <a:lnRef idx="1">
+            <a:schemeClr val="accent1"/>
+          </a:lnRef>
+          <a:fillRef idx="0">
+            <a:schemeClr val="accent1"/>
+          </a:fillRef>
+          <a:effectRef idx="0">
+            <a:schemeClr val="accent1"/>
+          </a:effectRef>
+          <a:fontRef idx="minor">
+            <a:schemeClr val="tx1"/>
+          </a:fontRef>
+        </p:style>
+      </p:cxnSp>
+      <p:sp>
+        <p:nvSpPr>
+          <p:cNvPr id="9" name="Subtítulo 2">
+            <a:extLst>
+              <a:ext uri="{FF2B5EF4-FFF2-40B4-BE49-F238E27FC236}">
+                <a16:creationId xmlns:a16="http://schemas.microsoft.com/office/drawing/2014/main" id="{B2F69EEF-1183-1D61-4B75-D786FD98E6A3}"/>
+              </a:ext>
+            </a:extLst>
+          </p:cNvPr>
+          <p:cNvSpPr txBox="1">
+            <a:spLocks/>
+          </p:cNvSpPr>
+          <p:nvPr/>
+        </p:nvSpPr>
+        <p:spPr>
+          <a:xfrm>
+            <a:off x="8285019" y="1602655"/>
+            <a:ext cx="3906981" cy="554438"/>
+          </a:xfrm>
+          <a:prstGeom prst="rect">
+            <a:avLst/>
+          </a:prstGeom>
+        </p:spPr>
+        <p:txBody>
+          <a:bodyPr vert="horz" lIns="91440" tIns="45720" rIns="91440" bIns="45720" rtlCol="0">
+            <a:normAutofit/>
+          </a:bodyPr>
+          <a:lstStyle>
+            <a:lvl1pPr marL="0" indent="0" algn="ctr" defTabSz="914400" rtl="0" eaLnBrk="1" latinLnBrk="0" hangingPunct="1">
+              <a:lnSpc>
+                <a:spcPct val="90000"/>
+              </a:lnSpc>
+              <a:spcBef>
+                <a:spcPts val="1000"/>
+              </a:spcBef>
+              <a:buFont typeface="Arial" panose="020B0604020202020204" pitchFamily="34" charset="0"/>
+              <a:buNone/>
+              <a:defRPr sz="2400" kern="1200">
+                <a:solidFill>
+                  <a:schemeClr val="tx1"/>
+                </a:solidFill>
+                <a:latin typeface="+mn-lt"/>
+                <a:ea typeface="+mn-ea"/>
+                <a:cs typeface="+mn-cs"/>
+              </a:defRPr>
+            </a:lvl1pPr>
+            <a:lvl2pPr marL="457200" indent="0" algn="ctr" defTabSz="914400" rtl="0" eaLnBrk="1" latinLnBrk="0" hangingPunct="1">
+              <a:lnSpc>
+                <a:spcPct val="90000"/>
+              </a:lnSpc>
+              <a:spcBef>
+                <a:spcPts val="500"/>
+              </a:spcBef>
+              <a:buFont typeface="Arial" panose="020B0604020202020204" pitchFamily="34" charset="0"/>
+              <a:buNone/>
+              <a:defRPr sz="2000" kern="1200">
+                <a:solidFill>
+                  <a:schemeClr val="tx1"/>
+                </a:solidFill>
+                <a:latin typeface="+mn-lt"/>
+                <a:ea typeface="+mn-ea"/>
+                <a:cs typeface="+mn-cs"/>
+              </a:defRPr>
+            </a:lvl2pPr>
+            <a:lvl3pPr marL="914400" indent="0" algn="ctr" defTabSz="914400" rtl="0" eaLnBrk="1" latinLnBrk="0" hangingPunct="1">
+              <a:lnSpc>
+                <a:spcPct val="90000"/>
+              </a:lnSpc>
+              <a:spcBef>
+                <a:spcPts val="500"/>
+              </a:spcBef>
+              <a:buFont typeface="Arial" panose="020B0604020202020204" pitchFamily="34" charset="0"/>
+              <a:buNone/>
+              <a:defRPr sz="1800" kern="1200">
+                <a:solidFill>
+                  <a:schemeClr val="tx1"/>
+                </a:solidFill>
+                <a:latin typeface="+mn-lt"/>
+                <a:ea typeface="+mn-ea"/>
+                <a:cs typeface="+mn-cs"/>
+              </a:defRPr>
+            </a:lvl3pPr>
+            <a:lvl4pPr marL="1371600" indent="0" algn="ctr" defTabSz="914400" rtl="0" eaLnBrk="1" latinLnBrk="0" hangingPunct="1">
+              <a:lnSpc>
+                <a:spcPct val="90000"/>
+              </a:lnSpc>
+              <a:spcBef>
+                <a:spcPts val="500"/>
+              </a:spcBef>
+              <a:buFont typeface="Arial" panose="020B0604020202020204" pitchFamily="34" charset="0"/>
+              <a:buNone/>
+              <a:defRPr sz="1600" kern="1200">
+                <a:solidFill>
+                  <a:schemeClr val="tx1"/>
+                </a:solidFill>
+                <a:latin typeface="+mn-lt"/>
+                <a:ea typeface="+mn-ea"/>
+                <a:cs typeface="+mn-cs"/>
+              </a:defRPr>
+            </a:lvl4pPr>
+            <a:lvl5pPr marL="1828800" indent="0" algn="ctr" defTabSz="914400" rtl="0" eaLnBrk="1" latinLnBrk="0" hangingPunct="1">
+              <a:lnSpc>
+                <a:spcPct val="90000"/>
+              </a:lnSpc>
+              <a:spcBef>
+                <a:spcPts val="500"/>
+              </a:spcBef>
+              <a:buFont typeface="Arial" panose="020B0604020202020204" pitchFamily="34" charset="0"/>
+              <a:buNone/>
+              <a:defRPr sz="1600" kern="1200">
+                <a:solidFill>
+                  <a:schemeClr val="tx1"/>
+                </a:solidFill>
+                <a:latin typeface="+mn-lt"/>
+                <a:ea typeface="+mn-ea"/>
+                <a:cs typeface="+mn-cs"/>
+              </a:defRPr>
+            </a:lvl5pPr>
+            <a:lvl6pPr marL="2286000" indent="0" algn="ctr" defTabSz="914400" rtl="0" eaLnBrk="1" latinLnBrk="0" hangingPunct="1">
+              <a:lnSpc>
+                <a:spcPct val="90000"/>
+              </a:lnSpc>
+              <a:spcBef>
+                <a:spcPts val="500"/>
+              </a:spcBef>
+              <a:buFont typeface="Arial" panose="020B0604020202020204" pitchFamily="34" charset="0"/>
+              <a:buNone/>
+              <a:defRPr sz="1600" kern="1200">
+                <a:solidFill>
+                  <a:schemeClr val="tx1"/>
+                </a:solidFill>
+                <a:latin typeface="+mn-lt"/>
+                <a:ea typeface="+mn-ea"/>
+                <a:cs typeface="+mn-cs"/>
+              </a:defRPr>
+            </a:lvl6pPr>
+            <a:lvl7pPr marL="2743200" indent="0" algn="ctr" defTabSz="914400" rtl="0" eaLnBrk="1" latinLnBrk="0" hangingPunct="1">
+              <a:lnSpc>
+                <a:spcPct val="90000"/>
+              </a:lnSpc>
+              <a:spcBef>
+                <a:spcPts val="500"/>
+              </a:spcBef>
+              <a:buFont typeface="Arial" panose="020B0604020202020204" pitchFamily="34" charset="0"/>
+              <a:buNone/>
+              <a:defRPr sz="1600" kern="1200">
+                <a:solidFill>
+                  <a:schemeClr val="tx1"/>
+                </a:solidFill>
+                <a:latin typeface="+mn-lt"/>
+                <a:ea typeface="+mn-ea"/>
+                <a:cs typeface="+mn-cs"/>
+              </a:defRPr>
+            </a:lvl7pPr>
+            <a:lvl8pPr marL="3200400" indent="0" algn="ctr" defTabSz="914400" rtl="0" eaLnBrk="1" latinLnBrk="0" hangingPunct="1">
+              <a:lnSpc>
+                <a:spcPct val="90000"/>
+              </a:lnSpc>
+              <a:spcBef>
+                <a:spcPts val="500"/>
+              </a:spcBef>
+              <a:buFont typeface="Arial" panose="020B0604020202020204" pitchFamily="34" charset="0"/>
+              <a:buNone/>
+              <a:defRPr sz="1600" kern="1200">
+                <a:solidFill>
+                  <a:schemeClr val="tx1"/>
+                </a:solidFill>
+                <a:latin typeface="+mn-lt"/>
+                <a:ea typeface="+mn-ea"/>
+                <a:cs typeface="+mn-cs"/>
+              </a:defRPr>
+            </a:lvl8pPr>
+            <a:lvl9pPr marL="3657600" indent="0" algn="ctr" defTabSz="914400" rtl="0" eaLnBrk="1" latinLnBrk="0" hangingPunct="1">
+              <a:lnSpc>
+                <a:spcPct val="90000"/>
+              </a:lnSpc>
+              <a:spcBef>
+                <a:spcPts val="500"/>
+              </a:spcBef>
+              <a:buFont typeface="Arial" panose="020B0604020202020204" pitchFamily="34" charset="0"/>
+              <a:buNone/>
+              <a:defRPr sz="1600" kern="1200">
+                <a:solidFill>
+                  <a:schemeClr val="tx1"/>
+                </a:solidFill>
+                <a:latin typeface="+mn-lt"/>
+                <a:ea typeface="+mn-ea"/>
+                <a:cs typeface="+mn-cs"/>
+              </a:defRPr>
+            </a:lvl9pPr>
+          </a:lstStyle>
+          <a:p>
+            <a:pPr algn="l"/>
+            <a:r>
+              <a:rPr lang="es-MX" sz="1600" dirty="0"/>
+              <a:t>+ Muestra los </a:t>
+            </a:r>
+            <a:r>
+              <a:rPr lang="es-MX" sz="1600" b="1" dirty="0"/>
+              <a:t>registros </a:t>
+            </a:r>
+            <a:r>
+              <a:rPr lang="es-MX" sz="1600" dirty="0"/>
+              <a:t>de las columnas seleccionadas.</a:t>
+            </a:r>
+          </a:p>
+        </p:txBody>
+      </p:sp>
+      <p:sp>
+        <p:nvSpPr>
+          <p:cNvPr id="7" name="Subtítulo 2">
+            <a:extLst>
+              <a:ext uri="{FF2B5EF4-FFF2-40B4-BE49-F238E27FC236}">
+                <a16:creationId xmlns:a16="http://schemas.microsoft.com/office/drawing/2014/main" id="{94D37E03-4B38-E901-9A62-2FB9ECB510D0}"/>
+              </a:ext>
+            </a:extLst>
+          </p:cNvPr>
+          <p:cNvSpPr txBox="1">
+            <a:spLocks/>
+          </p:cNvSpPr>
+          <p:nvPr/>
+        </p:nvSpPr>
+        <p:spPr>
+          <a:xfrm>
+            <a:off x="152393" y="2819694"/>
+            <a:ext cx="7966363" cy="412210"/>
+          </a:xfrm>
+          <a:prstGeom prst="rect">
+            <a:avLst/>
+          </a:prstGeom>
+        </p:spPr>
+        <p:txBody>
+          <a:bodyPr vert="horz" lIns="91440" tIns="45720" rIns="91440" bIns="45720" rtlCol="0">
+            <a:normAutofit/>
+          </a:bodyPr>
+          <a:lstStyle>
+            <a:lvl1pPr marL="0" indent="0" algn="ctr" defTabSz="914400" rtl="0" eaLnBrk="1" latinLnBrk="0" hangingPunct="1">
+              <a:lnSpc>
+                <a:spcPct val="90000"/>
+              </a:lnSpc>
+              <a:spcBef>
+                <a:spcPts val="1000"/>
+              </a:spcBef>
+              <a:buFont typeface="Arial" panose="020B0604020202020204" pitchFamily="34" charset="0"/>
+              <a:buNone/>
+              <a:defRPr sz="2400" kern="1200">
+                <a:solidFill>
+                  <a:schemeClr val="tx1"/>
+                </a:solidFill>
+                <a:latin typeface="+mn-lt"/>
+                <a:ea typeface="+mn-ea"/>
+                <a:cs typeface="+mn-cs"/>
+              </a:defRPr>
+            </a:lvl1pPr>
+            <a:lvl2pPr marL="457200" indent="0" algn="ctr" defTabSz="914400" rtl="0" eaLnBrk="1" latinLnBrk="0" hangingPunct="1">
+              <a:lnSpc>
+                <a:spcPct val="90000"/>
+              </a:lnSpc>
+              <a:spcBef>
+                <a:spcPts val="500"/>
+              </a:spcBef>
+              <a:buFont typeface="Arial" panose="020B0604020202020204" pitchFamily="34" charset="0"/>
+              <a:buNone/>
+              <a:defRPr sz="2000" kern="1200">
+                <a:solidFill>
+                  <a:schemeClr val="tx1"/>
+                </a:solidFill>
+                <a:latin typeface="+mn-lt"/>
+                <a:ea typeface="+mn-ea"/>
+                <a:cs typeface="+mn-cs"/>
+              </a:defRPr>
+            </a:lvl2pPr>
+            <a:lvl3pPr marL="914400" indent="0" algn="ctr" defTabSz="914400" rtl="0" eaLnBrk="1" latinLnBrk="0" hangingPunct="1">
+              <a:lnSpc>
+                <a:spcPct val="90000"/>
+              </a:lnSpc>
+              <a:spcBef>
+                <a:spcPts val="500"/>
+              </a:spcBef>
+              <a:buFont typeface="Arial" panose="020B0604020202020204" pitchFamily="34" charset="0"/>
+              <a:buNone/>
+              <a:defRPr sz="1800" kern="1200">
+                <a:solidFill>
+                  <a:schemeClr val="tx1"/>
+                </a:solidFill>
+                <a:latin typeface="+mn-lt"/>
+                <a:ea typeface="+mn-ea"/>
+                <a:cs typeface="+mn-cs"/>
+              </a:defRPr>
+            </a:lvl3pPr>
+            <a:lvl4pPr marL="1371600" indent="0" algn="ctr" defTabSz="914400" rtl="0" eaLnBrk="1" latinLnBrk="0" hangingPunct="1">
+              <a:lnSpc>
+                <a:spcPct val="90000"/>
+              </a:lnSpc>
+              <a:spcBef>
+                <a:spcPts val="500"/>
+              </a:spcBef>
+              <a:buFont typeface="Arial" panose="020B0604020202020204" pitchFamily="34" charset="0"/>
+              <a:buNone/>
+              <a:defRPr sz="1600" kern="1200">
+                <a:solidFill>
+                  <a:schemeClr val="tx1"/>
+                </a:solidFill>
+                <a:latin typeface="+mn-lt"/>
+                <a:ea typeface="+mn-ea"/>
+                <a:cs typeface="+mn-cs"/>
+              </a:defRPr>
+            </a:lvl4pPr>
+            <a:lvl5pPr marL="1828800" indent="0" algn="ctr" defTabSz="914400" rtl="0" eaLnBrk="1" latinLnBrk="0" hangingPunct="1">
+              <a:lnSpc>
+                <a:spcPct val="90000"/>
+              </a:lnSpc>
+              <a:spcBef>
+                <a:spcPts val="500"/>
+              </a:spcBef>
+              <a:buFont typeface="Arial" panose="020B0604020202020204" pitchFamily="34" charset="0"/>
+              <a:buNone/>
+              <a:defRPr sz="1600" kern="1200">
+                <a:solidFill>
+                  <a:schemeClr val="tx1"/>
+                </a:solidFill>
+                <a:latin typeface="+mn-lt"/>
+                <a:ea typeface="+mn-ea"/>
+                <a:cs typeface="+mn-cs"/>
+              </a:defRPr>
+            </a:lvl5pPr>
+            <a:lvl6pPr marL="2286000" indent="0" algn="ctr" defTabSz="914400" rtl="0" eaLnBrk="1" latinLnBrk="0" hangingPunct="1">
+              <a:lnSpc>
+                <a:spcPct val="90000"/>
+              </a:lnSpc>
+              <a:spcBef>
+                <a:spcPts val="500"/>
+              </a:spcBef>
+              <a:buFont typeface="Arial" panose="020B0604020202020204" pitchFamily="34" charset="0"/>
+              <a:buNone/>
+              <a:defRPr sz="1600" kern="1200">
+                <a:solidFill>
+                  <a:schemeClr val="tx1"/>
+                </a:solidFill>
+                <a:latin typeface="+mn-lt"/>
+                <a:ea typeface="+mn-ea"/>
+                <a:cs typeface="+mn-cs"/>
+              </a:defRPr>
+            </a:lvl6pPr>
+            <a:lvl7pPr marL="2743200" indent="0" algn="ctr" defTabSz="914400" rtl="0" eaLnBrk="1" latinLnBrk="0" hangingPunct="1">
+              <a:lnSpc>
+                <a:spcPct val="90000"/>
+              </a:lnSpc>
+              <a:spcBef>
+                <a:spcPts val="500"/>
+              </a:spcBef>
+              <a:buFont typeface="Arial" panose="020B0604020202020204" pitchFamily="34" charset="0"/>
+              <a:buNone/>
+              <a:defRPr sz="1600" kern="1200">
+                <a:solidFill>
+                  <a:schemeClr val="tx1"/>
+                </a:solidFill>
+                <a:latin typeface="+mn-lt"/>
+                <a:ea typeface="+mn-ea"/>
+                <a:cs typeface="+mn-cs"/>
+              </a:defRPr>
+            </a:lvl7pPr>
+            <a:lvl8pPr marL="3200400" indent="0" algn="ctr" defTabSz="914400" rtl="0" eaLnBrk="1" latinLnBrk="0" hangingPunct="1">
+              <a:lnSpc>
+                <a:spcPct val="90000"/>
+              </a:lnSpc>
+              <a:spcBef>
+                <a:spcPts val="500"/>
+              </a:spcBef>
+              <a:buFont typeface="Arial" panose="020B0604020202020204" pitchFamily="34" charset="0"/>
+              <a:buNone/>
+              <a:defRPr sz="1600" kern="1200">
+                <a:solidFill>
+                  <a:schemeClr val="tx1"/>
+                </a:solidFill>
+                <a:latin typeface="+mn-lt"/>
+                <a:ea typeface="+mn-ea"/>
+                <a:cs typeface="+mn-cs"/>
+              </a:defRPr>
+            </a:lvl8pPr>
+            <a:lvl9pPr marL="3657600" indent="0" algn="ctr" defTabSz="914400" rtl="0" eaLnBrk="1" latinLnBrk="0" hangingPunct="1">
+              <a:lnSpc>
+                <a:spcPct val="90000"/>
+              </a:lnSpc>
+              <a:spcBef>
+                <a:spcPts val="500"/>
+              </a:spcBef>
+              <a:buFont typeface="Arial" panose="020B0604020202020204" pitchFamily="34" charset="0"/>
+              <a:buNone/>
+              <a:defRPr sz="1600" kern="1200">
+                <a:solidFill>
+                  <a:schemeClr val="tx1"/>
+                </a:solidFill>
+                <a:latin typeface="+mn-lt"/>
+                <a:ea typeface="+mn-ea"/>
+                <a:cs typeface="+mn-cs"/>
+              </a:defRPr>
+            </a:lvl9pPr>
+          </a:lstStyle>
+          <a:p>
+            <a:pPr algn="l"/>
+            <a:r>
+              <a:rPr lang="es-MX" sz="2000" b="1" dirty="0">
+                <a:solidFill>
+                  <a:schemeClr val="accent1"/>
+                </a:solidFill>
+              </a:rPr>
+              <a:t>SELECT</a:t>
+            </a:r>
+            <a:r>
+              <a:rPr lang="es-MX" sz="2000" dirty="0">
+                <a:solidFill>
+                  <a:schemeClr val="accent1"/>
+                </a:solidFill>
+              </a:rPr>
+              <a:t> nombre, apellido </a:t>
+            </a:r>
+            <a:r>
+              <a:rPr lang="es-MX" sz="2000" b="1" dirty="0">
+                <a:solidFill>
+                  <a:schemeClr val="accent1"/>
+                </a:solidFill>
+              </a:rPr>
+              <a:t>FROM </a:t>
+            </a:r>
+            <a:r>
+              <a:rPr lang="es-MX" sz="2000" dirty="0" err="1">
+                <a:solidFill>
+                  <a:schemeClr val="accent1"/>
+                </a:solidFill>
+              </a:rPr>
+              <a:t>tabla_clientes</a:t>
+            </a:r>
+            <a:r>
+              <a:rPr lang="es-MX" sz="2000" dirty="0">
+                <a:solidFill>
+                  <a:schemeClr val="accent1"/>
+                </a:solidFill>
+              </a:rPr>
+              <a:t>;</a:t>
+            </a:r>
+          </a:p>
+        </p:txBody>
+      </p:sp>
+      <p:sp>
+        <p:nvSpPr>
+          <p:cNvPr id="8" name="Subtítulo 2">
+            <a:extLst>
+              <a:ext uri="{FF2B5EF4-FFF2-40B4-BE49-F238E27FC236}">
+                <a16:creationId xmlns:a16="http://schemas.microsoft.com/office/drawing/2014/main" id="{CB60E341-26B2-8A28-C319-E0510272E75F}"/>
+              </a:ext>
+            </a:extLst>
+          </p:cNvPr>
+          <p:cNvSpPr txBox="1">
+            <a:spLocks/>
+          </p:cNvSpPr>
+          <p:nvPr/>
+        </p:nvSpPr>
+        <p:spPr>
+          <a:xfrm>
+            <a:off x="8285018" y="2499773"/>
+            <a:ext cx="3906981" cy="669781"/>
+          </a:xfrm>
+          <a:prstGeom prst="rect">
+            <a:avLst/>
+          </a:prstGeom>
+        </p:spPr>
+        <p:txBody>
+          <a:bodyPr vert="horz" lIns="91440" tIns="45720" rIns="91440" bIns="45720" rtlCol="0">
+            <a:normAutofit/>
+          </a:bodyPr>
+          <a:lstStyle>
+            <a:lvl1pPr marL="0" indent="0" algn="ctr" defTabSz="914400" rtl="0" eaLnBrk="1" latinLnBrk="0" hangingPunct="1">
+              <a:lnSpc>
+                <a:spcPct val="90000"/>
+              </a:lnSpc>
+              <a:spcBef>
+                <a:spcPts val="1000"/>
+              </a:spcBef>
+              <a:buFont typeface="Arial" panose="020B0604020202020204" pitchFamily="34" charset="0"/>
+              <a:buNone/>
+              <a:defRPr sz="2400" kern="1200">
+                <a:solidFill>
+                  <a:schemeClr val="tx1"/>
+                </a:solidFill>
+                <a:latin typeface="+mn-lt"/>
+                <a:ea typeface="+mn-ea"/>
+                <a:cs typeface="+mn-cs"/>
+              </a:defRPr>
+            </a:lvl1pPr>
+            <a:lvl2pPr marL="457200" indent="0" algn="ctr" defTabSz="914400" rtl="0" eaLnBrk="1" latinLnBrk="0" hangingPunct="1">
+              <a:lnSpc>
+                <a:spcPct val="90000"/>
+              </a:lnSpc>
+              <a:spcBef>
+                <a:spcPts val="500"/>
+              </a:spcBef>
+              <a:buFont typeface="Arial" panose="020B0604020202020204" pitchFamily="34" charset="0"/>
+              <a:buNone/>
+              <a:defRPr sz="2000" kern="1200">
+                <a:solidFill>
+                  <a:schemeClr val="tx1"/>
+                </a:solidFill>
+                <a:latin typeface="+mn-lt"/>
+                <a:ea typeface="+mn-ea"/>
+                <a:cs typeface="+mn-cs"/>
+              </a:defRPr>
+            </a:lvl2pPr>
+            <a:lvl3pPr marL="914400" indent="0" algn="ctr" defTabSz="914400" rtl="0" eaLnBrk="1" latinLnBrk="0" hangingPunct="1">
+              <a:lnSpc>
+                <a:spcPct val="90000"/>
+              </a:lnSpc>
+              <a:spcBef>
+                <a:spcPts val="500"/>
+              </a:spcBef>
+              <a:buFont typeface="Arial" panose="020B0604020202020204" pitchFamily="34" charset="0"/>
+              <a:buNone/>
+              <a:defRPr sz="1800" kern="1200">
+                <a:solidFill>
+                  <a:schemeClr val="tx1"/>
+                </a:solidFill>
+                <a:latin typeface="+mn-lt"/>
+                <a:ea typeface="+mn-ea"/>
+                <a:cs typeface="+mn-cs"/>
+              </a:defRPr>
+            </a:lvl3pPr>
+            <a:lvl4pPr marL="1371600" indent="0" algn="ctr" defTabSz="914400" rtl="0" eaLnBrk="1" latinLnBrk="0" hangingPunct="1">
+              <a:lnSpc>
+                <a:spcPct val="90000"/>
+              </a:lnSpc>
+              <a:spcBef>
+                <a:spcPts val="500"/>
+              </a:spcBef>
+              <a:buFont typeface="Arial" panose="020B0604020202020204" pitchFamily="34" charset="0"/>
+              <a:buNone/>
+              <a:defRPr sz="1600" kern="1200">
+                <a:solidFill>
+                  <a:schemeClr val="tx1"/>
+                </a:solidFill>
+                <a:latin typeface="+mn-lt"/>
+                <a:ea typeface="+mn-ea"/>
+                <a:cs typeface="+mn-cs"/>
+              </a:defRPr>
+            </a:lvl4pPr>
+            <a:lvl5pPr marL="1828800" indent="0" algn="ctr" defTabSz="914400" rtl="0" eaLnBrk="1" latinLnBrk="0" hangingPunct="1">
+              <a:lnSpc>
+                <a:spcPct val="90000"/>
+              </a:lnSpc>
+              <a:spcBef>
+                <a:spcPts val="500"/>
+              </a:spcBef>
+              <a:buFont typeface="Arial" panose="020B0604020202020204" pitchFamily="34" charset="0"/>
+              <a:buNone/>
+              <a:defRPr sz="1600" kern="1200">
+                <a:solidFill>
+                  <a:schemeClr val="tx1"/>
+                </a:solidFill>
+                <a:latin typeface="+mn-lt"/>
+                <a:ea typeface="+mn-ea"/>
+                <a:cs typeface="+mn-cs"/>
+              </a:defRPr>
+            </a:lvl5pPr>
+            <a:lvl6pPr marL="2286000" indent="0" algn="ctr" defTabSz="914400" rtl="0" eaLnBrk="1" latinLnBrk="0" hangingPunct="1">
+              <a:lnSpc>
+                <a:spcPct val="90000"/>
+              </a:lnSpc>
+              <a:spcBef>
+                <a:spcPts val="500"/>
+              </a:spcBef>
+              <a:buFont typeface="Arial" panose="020B0604020202020204" pitchFamily="34" charset="0"/>
+              <a:buNone/>
+              <a:defRPr sz="1600" kern="1200">
+                <a:solidFill>
+                  <a:schemeClr val="tx1"/>
+                </a:solidFill>
+                <a:latin typeface="+mn-lt"/>
+                <a:ea typeface="+mn-ea"/>
+                <a:cs typeface="+mn-cs"/>
+              </a:defRPr>
+            </a:lvl6pPr>
+            <a:lvl7pPr marL="2743200" indent="0" algn="ctr" defTabSz="914400" rtl="0" eaLnBrk="1" latinLnBrk="0" hangingPunct="1">
+              <a:lnSpc>
+                <a:spcPct val="90000"/>
+              </a:lnSpc>
+              <a:spcBef>
+                <a:spcPts val="500"/>
+              </a:spcBef>
+              <a:buFont typeface="Arial" panose="020B0604020202020204" pitchFamily="34" charset="0"/>
+              <a:buNone/>
+              <a:defRPr sz="1600" kern="1200">
+                <a:solidFill>
+                  <a:schemeClr val="tx1"/>
+                </a:solidFill>
+                <a:latin typeface="+mn-lt"/>
+                <a:ea typeface="+mn-ea"/>
+                <a:cs typeface="+mn-cs"/>
+              </a:defRPr>
+            </a:lvl7pPr>
+            <a:lvl8pPr marL="3200400" indent="0" algn="ctr" defTabSz="914400" rtl="0" eaLnBrk="1" latinLnBrk="0" hangingPunct="1">
+              <a:lnSpc>
+                <a:spcPct val="90000"/>
+              </a:lnSpc>
+              <a:spcBef>
+                <a:spcPts val="500"/>
+              </a:spcBef>
+              <a:buFont typeface="Arial" panose="020B0604020202020204" pitchFamily="34" charset="0"/>
+              <a:buNone/>
+              <a:defRPr sz="1600" kern="1200">
+                <a:solidFill>
+                  <a:schemeClr val="tx1"/>
+                </a:solidFill>
+                <a:latin typeface="+mn-lt"/>
+                <a:ea typeface="+mn-ea"/>
+                <a:cs typeface="+mn-cs"/>
+              </a:defRPr>
+            </a:lvl8pPr>
+            <a:lvl9pPr marL="3657600" indent="0" algn="ctr" defTabSz="914400" rtl="0" eaLnBrk="1" latinLnBrk="0" hangingPunct="1">
+              <a:lnSpc>
+                <a:spcPct val="90000"/>
+              </a:lnSpc>
+              <a:spcBef>
+                <a:spcPts val="500"/>
+              </a:spcBef>
+              <a:buFont typeface="Arial" panose="020B0604020202020204" pitchFamily="34" charset="0"/>
+              <a:buNone/>
+              <a:defRPr sz="1600" kern="1200">
+                <a:solidFill>
+                  <a:schemeClr val="tx1"/>
+                </a:solidFill>
+                <a:latin typeface="+mn-lt"/>
+                <a:ea typeface="+mn-ea"/>
+                <a:cs typeface="+mn-cs"/>
+              </a:defRPr>
+            </a:lvl9pPr>
+          </a:lstStyle>
+          <a:p>
+            <a:pPr algn="l"/>
+            <a:r>
+              <a:rPr lang="es-MX" sz="1600" dirty="0"/>
+              <a:t>+ Poniendo * se puede mostrar la tabla completa.</a:t>
+            </a:r>
+          </a:p>
+        </p:txBody>
+      </p:sp>
+      <p:sp>
+        <p:nvSpPr>
+          <p:cNvPr id="10" name="Título 1">
+            <a:extLst>
+              <a:ext uri="{FF2B5EF4-FFF2-40B4-BE49-F238E27FC236}">
+                <a16:creationId xmlns:a16="http://schemas.microsoft.com/office/drawing/2014/main" id="{FC36A4F4-53CE-3E02-E926-74AE1DECA0EF}"/>
+              </a:ext>
+            </a:extLst>
+          </p:cNvPr>
+          <p:cNvSpPr txBox="1">
+            <a:spLocks/>
+          </p:cNvSpPr>
+          <p:nvPr/>
+        </p:nvSpPr>
+        <p:spPr>
+          <a:xfrm>
+            <a:off x="304800" y="3457927"/>
+            <a:ext cx="9144000" cy="669781"/>
+          </a:xfrm>
+          <a:prstGeom prst="rect">
+            <a:avLst/>
+          </a:prstGeom>
+        </p:spPr>
+        <p:txBody>
+          <a:bodyPr vert="horz" lIns="91440" tIns="45720" rIns="91440" bIns="45720" rtlCol="0" anchor="b">
+            <a:normAutofit/>
+          </a:bodyPr>
+          <a:lstStyle>
+            <a:lvl1pPr algn="ctr" defTabSz="914400" rtl="0" eaLnBrk="1" latinLnBrk="0" hangingPunct="1">
+              <a:lnSpc>
+                <a:spcPct val="90000"/>
+              </a:lnSpc>
+              <a:spcBef>
+                <a:spcPct val="0"/>
+              </a:spcBef>
+              <a:buNone/>
+              <a:defRPr sz="6000" kern="1200">
+                <a:solidFill>
+                  <a:schemeClr val="tx1"/>
+                </a:solidFill>
+                <a:latin typeface="+mj-lt"/>
+                <a:ea typeface="+mj-ea"/>
+                <a:cs typeface="+mj-cs"/>
+              </a:defRPr>
+            </a:lvl1pPr>
+          </a:lstStyle>
+          <a:p>
+            <a:pPr algn="l"/>
+            <a:r>
+              <a:rPr lang="es-MX" sz="3600" b="1" dirty="0">
+                <a:latin typeface="Gadugi" panose="020B0502040204020203" pitchFamily="34" charset="0"/>
+                <a:ea typeface="Gadugi" panose="020B0502040204020203" pitchFamily="34" charset="0"/>
+              </a:rPr>
+              <a:t>SELECT DISTINCT</a:t>
+            </a:r>
+          </a:p>
+        </p:txBody>
+      </p:sp>
+      <p:cxnSp>
+        <p:nvCxnSpPr>
+          <p:cNvPr id="11" name="Conector recto 10">
+            <a:extLst>
+              <a:ext uri="{FF2B5EF4-FFF2-40B4-BE49-F238E27FC236}">
+                <a16:creationId xmlns:a16="http://schemas.microsoft.com/office/drawing/2014/main" id="{6C1E87D9-1CD6-A755-6C5A-D0D9E8E59630}"/>
+              </a:ext>
+            </a:extLst>
+          </p:cNvPr>
+          <p:cNvCxnSpPr/>
+          <p:nvPr/>
+        </p:nvCxnSpPr>
+        <p:spPr>
+          <a:xfrm>
+            <a:off x="0" y="4127708"/>
+            <a:ext cx="5472545" cy="0"/>
+          </a:xfrm>
+          <a:prstGeom prst="line">
+            <a:avLst/>
+          </a:prstGeom>
+          <a:ln w="38100">
+            <a:solidFill>
+              <a:srgbClr val="7030A0"/>
+            </a:solidFill>
+          </a:ln>
+        </p:spPr>
+        <p:style>
+          <a:lnRef idx="1">
+            <a:schemeClr val="accent1"/>
+          </a:lnRef>
+          <a:fillRef idx="0">
+            <a:schemeClr val="accent1"/>
+          </a:fillRef>
+          <a:effectRef idx="0">
+            <a:schemeClr val="accent1"/>
+          </a:effectRef>
+          <a:fontRef idx="minor">
+            <a:schemeClr val="tx1"/>
+          </a:fontRef>
+        </p:style>
+      </p:cxnSp>
+      <p:sp>
+        <p:nvSpPr>
+          <p:cNvPr id="12" name="Subtítulo 2">
+            <a:extLst>
+              <a:ext uri="{FF2B5EF4-FFF2-40B4-BE49-F238E27FC236}">
+                <a16:creationId xmlns:a16="http://schemas.microsoft.com/office/drawing/2014/main" id="{29111D7D-3F82-F24B-AA06-09FFF890D942}"/>
+              </a:ext>
+            </a:extLst>
+          </p:cNvPr>
+          <p:cNvSpPr txBox="1">
+            <a:spLocks/>
+          </p:cNvSpPr>
+          <p:nvPr/>
+        </p:nvSpPr>
+        <p:spPr>
+          <a:xfrm>
+            <a:off x="8395862" y="4642519"/>
+            <a:ext cx="3906981" cy="554438"/>
+          </a:xfrm>
+          <a:prstGeom prst="rect">
+            <a:avLst/>
+          </a:prstGeom>
+        </p:spPr>
+        <p:txBody>
+          <a:bodyPr vert="horz" lIns="91440" tIns="45720" rIns="91440" bIns="45720" rtlCol="0">
+            <a:normAutofit fontScale="92500"/>
+          </a:bodyPr>
+          <a:lstStyle>
+            <a:lvl1pPr marL="0" indent="0" algn="ctr" defTabSz="914400" rtl="0" eaLnBrk="1" latinLnBrk="0" hangingPunct="1">
+              <a:lnSpc>
+                <a:spcPct val="90000"/>
+              </a:lnSpc>
+              <a:spcBef>
+                <a:spcPts val="1000"/>
+              </a:spcBef>
+              <a:buFont typeface="Arial" panose="020B0604020202020204" pitchFamily="34" charset="0"/>
+              <a:buNone/>
+              <a:defRPr sz="2400" kern="1200">
+                <a:solidFill>
+                  <a:schemeClr val="tx1"/>
+                </a:solidFill>
+                <a:latin typeface="+mn-lt"/>
+                <a:ea typeface="+mn-ea"/>
+                <a:cs typeface="+mn-cs"/>
+              </a:defRPr>
+            </a:lvl1pPr>
+            <a:lvl2pPr marL="457200" indent="0" algn="ctr" defTabSz="914400" rtl="0" eaLnBrk="1" latinLnBrk="0" hangingPunct="1">
+              <a:lnSpc>
+                <a:spcPct val="90000"/>
+              </a:lnSpc>
+              <a:spcBef>
+                <a:spcPts val="500"/>
+              </a:spcBef>
+              <a:buFont typeface="Arial" panose="020B0604020202020204" pitchFamily="34" charset="0"/>
+              <a:buNone/>
+              <a:defRPr sz="2000" kern="1200">
+                <a:solidFill>
+                  <a:schemeClr val="tx1"/>
+                </a:solidFill>
+                <a:latin typeface="+mn-lt"/>
+                <a:ea typeface="+mn-ea"/>
+                <a:cs typeface="+mn-cs"/>
+              </a:defRPr>
+            </a:lvl2pPr>
+            <a:lvl3pPr marL="914400" indent="0" algn="ctr" defTabSz="914400" rtl="0" eaLnBrk="1" latinLnBrk="0" hangingPunct="1">
+              <a:lnSpc>
+                <a:spcPct val="90000"/>
+              </a:lnSpc>
+              <a:spcBef>
+                <a:spcPts val="500"/>
+              </a:spcBef>
+              <a:buFont typeface="Arial" panose="020B0604020202020204" pitchFamily="34" charset="0"/>
+              <a:buNone/>
+              <a:defRPr sz="1800" kern="1200">
+                <a:solidFill>
+                  <a:schemeClr val="tx1"/>
+                </a:solidFill>
+                <a:latin typeface="+mn-lt"/>
+                <a:ea typeface="+mn-ea"/>
+                <a:cs typeface="+mn-cs"/>
+              </a:defRPr>
+            </a:lvl3pPr>
+            <a:lvl4pPr marL="1371600" indent="0" algn="ctr" defTabSz="914400" rtl="0" eaLnBrk="1" latinLnBrk="0" hangingPunct="1">
+              <a:lnSpc>
+                <a:spcPct val="90000"/>
+              </a:lnSpc>
+              <a:spcBef>
+                <a:spcPts val="500"/>
+              </a:spcBef>
+              <a:buFont typeface="Arial" panose="020B0604020202020204" pitchFamily="34" charset="0"/>
+              <a:buNone/>
+              <a:defRPr sz="1600" kern="1200">
+                <a:solidFill>
+                  <a:schemeClr val="tx1"/>
+                </a:solidFill>
+                <a:latin typeface="+mn-lt"/>
+                <a:ea typeface="+mn-ea"/>
+                <a:cs typeface="+mn-cs"/>
+              </a:defRPr>
+            </a:lvl4pPr>
+            <a:lvl5pPr marL="1828800" indent="0" algn="ctr" defTabSz="914400" rtl="0" eaLnBrk="1" latinLnBrk="0" hangingPunct="1">
+              <a:lnSpc>
+                <a:spcPct val="90000"/>
+              </a:lnSpc>
+              <a:spcBef>
+                <a:spcPts val="500"/>
+              </a:spcBef>
+              <a:buFont typeface="Arial" panose="020B0604020202020204" pitchFamily="34" charset="0"/>
+              <a:buNone/>
+              <a:defRPr sz="1600" kern="1200">
+                <a:solidFill>
+                  <a:schemeClr val="tx1"/>
+                </a:solidFill>
+                <a:latin typeface="+mn-lt"/>
+                <a:ea typeface="+mn-ea"/>
+                <a:cs typeface="+mn-cs"/>
+              </a:defRPr>
+            </a:lvl5pPr>
+            <a:lvl6pPr marL="2286000" indent="0" algn="ctr" defTabSz="914400" rtl="0" eaLnBrk="1" latinLnBrk="0" hangingPunct="1">
+              <a:lnSpc>
+                <a:spcPct val="90000"/>
+              </a:lnSpc>
+              <a:spcBef>
+                <a:spcPts val="500"/>
+              </a:spcBef>
+              <a:buFont typeface="Arial" panose="020B0604020202020204" pitchFamily="34" charset="0"/>
+              <a:buNone/>
+              <a:defRPr sz="1600" kern="1200">
+                <a:solidFill>
+                  <a:schemeClr val="tx1"/>
+                </a:solidFill>
+                <a:latin typeface="+mn-lt"/>
+                <a:ea typeface="+mn-ea"/>
+                <a:cs typeface="+mn-cs"/>
+              </a:defRPr>
+            </a:lvl6pPr>
+            <a:lvl7pPr marL="2743200" indent="0" algn="ctr" defTabSz="914400" rtl="0" eaLnBrk="1" latinLnBrk="0" hangingPunct="1">
+              <a:lnSpc>
+                <a:spcPct val="90000"/>
+              </a:lnSpc>
+              <a:spcBef>
+                <a:spcPts val="500"/>
+              </a:spcBef>
+              <a:buFont typeface="Arial" panose="020B0604020202020204" pitchFamily="34" charset="0"/>
+              <a:buNone/>
+              <a:defRPr sz="1600" kern="1200">
+                <a:solidFill>
+                  <a:schemeClr val="tx1"/>
+                </a:solidFill>
+                <a:latin typeface="+mn-lt"/>
+                <a:ea typeface="+mn-ea"/>
+                <a:cs typeface="+mn-cs"/>
+              </a:defRPr>
+            </a:lvl7pPr>
+            <a:lvl8pPr marL="3200400" indent="0" algn="ctr" defTabSz="914400" rtl="0" eaLnBrk="1" latinLnBrk="0" hangingPunct="1">
+              <a:lnSpc>
+                <a:spcPct val="90000"/>
+              </a:lnSpc>
+              <a:spcBef>
+                <a:spcPts val="500"/>
+              </a:spcBef>
+              <a:buFont typeface="Arial" panose="020B0604020202020204" pitchFamily="34" charset="0"/>
+              <a:buNone/>
+              <a:defRPr sz="1600" kern="1200">
+                <a:solidFill>
+                  <a:schemeClr val="tx1"/>
+                </a:solidFill>
+                <a:latin typeface="+mn-lt"/>
+                <a:ea typeface="+mn-ea"/>
+                <a:cs typeface="+mn-cs"/>
+              </a:defRPr>
+            </a:lvl8pPr>
+            <a:lvl9pPr marL="3657600" indent="0" algn="ctr" defTabSz="914400" rtl="0" eaLnBrk="1" latinLnBrk="0" hangingPunct="1">
+              <a:lnSpc>
+                <a:spcPct val="90000"/>
+              </a:lnSpc>
+              <a:spcBef>
+                <a:spcPts val="500"/>
+              </a:spcBef>
+              <a:buFont typeface="Arial" panose="020B0604020202020204" pitchFamily="34" charset="0"/>
+              <a:buNone/>
+              <a:defRPr sz="1600" kern="1200">
+                <a:solidFill>
+                  <a:schemeClr val="tx1"/>
+                </a:solidFill>
+                <a:latin typeface="+mn-lt"/>
+                <a:ea typeface="+mn-ea"/>
+                <a:cs typeface="+mn-cs"/>
+              </a:defRPr>
+            </a:lvl9pPr>
+          </a:lstStyle>
+          <a:p>
+            <a:pPr algn="l"/>
+            <a:r>
+              <a:rPr lang="es-MX" sz="1600" dirty="0"/>
+              <a:t>+ Muestra los </a:t>
+            </a:r>
+            <a:r>
+              <a:rPr lang="es-MX" sz="1600" b="1" dirty="0"/>
+              <a:t>registros únicos </a:t>
+            </a:r>
+            <a:r>
+              <a:rPr lang="es-MX" sz="1600" dirty="0"/>
+              <a:t>de las columnas seleccionadas, es decir, valores sin duplicados.</a:t>
+            </a:r>
+          </a:p>
+        </p:txBody>
+      </p:sp>
+      <p:sp>
+        <p:nvSpPr>
+          <p:cNvPr id="13" name="Subtítulo 2">
+            <a:extLst>
+              <a:ext uri="{FF2B5EF4-FFF2-40B4-BE49-F238E27FC236}">
+                <a16:creationId xmlns:a16="http://schemas.microsoft.com/office/drawing/2014/main" id="{37A6EA8D-0FDF-13FA-A786-BBC8E72700E4}"/>
+              </a:ext>
+            </a:extLst>
+          </p:cNvPr>
+          <p:cNvSpPr txBox="1">
+            <a:spLocks/>
+          </p:cNvSpPr>
+          <p:nvPr/>
+        </p:nvSpPr>
+        <p:spPr>
+          <a:xfrm>
+            <a:off x="152400" y="4642519"/>
+            <a:ext cx="7966356" cy="1268607"/>
+          </a:xfrm>
+          <a:prstGeom prst="rect">
+            <a:avLst/>
+          </a:prstGeom>
+        </p:spPr>
+        <p:txBody>
+          <a:bodyPr vert="horz" lIns="91440" tIns="45720" rIns="91440" bIns="45720" rtlCol="0">
+            <a:normAutofit/>
+          </a:bodyPr>
+          <a:lstStyle>
+            <a:lvl1pPr marL="0" indent="0" algn="ctr" defTabSz="914400" rtl="0" eaLnBrk="1" latinLnBrk="0" hangingPunct="1">
+              <a:lnSpc>
+                <a:spcPct val="90000"/>
+              </a:lnSpc>
+              <a:spcBef>
+                <a:spcPts val="1000"/>
+              </a:spcBef>
+              <a:buFont typeface="Arial" panose="020B0604020202020204" pitchFamily="34" charset="0"/>
+              <a:buNone/>
+              <a:defRPr sz="2400" kern="1200">
+                <a:solidFill>
+                  <a:schemeClr val="tx1"/>
+                </a:solidFill>
+                <a:latin typeface="+mn-lt"/>
+                <a:ea typeface="+mn-ea"/>
+                <a:cs typeface="+mn-cs"/>
+              </a:defRPr>
+            </a:lvl1pPr>
+            <a:lvl2pPr marL="457200" indent="0" algn="ctr" defTabSz="914400" rtl="0" eaLnBrk="1" latinLnBrk="0" hangingPunct="1">
+              <a:lnSpc>
+                <a:spcPct val="90000"/>
+              </a:lnSpc>
+              <a:spcBef>
+                <a:spcPts val="500"/>
+              </a:spcBef>
+              <a:buFont typeface="Arial" panose="020B0604020202020204" pitchFamily="34" charset="0"/>
+              <a:buNone/>
+              <a:defRPr sz="2000" kern="1200">
+                <a:solidFill>
+                  <a:schemeClr val="tx1"/>
+                </a:solidFill>
+                <a:latin typeface="+mn-lt"/>
+                <a:ea typeface="+mn-ea"/>
+                <a:cs typeface="+mn-cs"/>
+              </a:defRPr>
+            </a:lvl2pPr>
+            <a:lvl3pPr marL="914400" indent="0" algn="ctr" defTabSz="914400" rtl="0" eaLnBrk="1" latinLnBrk="0" hangingPunct="1">
+              <a:lnSpc>
+                <a:spcPct val="90000"/>
+              </a:lnSpc>
+              <a:spcBef>
+                <a:spcPts val="500"/>
+              </a:spcBef>
+              <a:buFont typeface="Arial" panose="020B0604020202020204" pitchFamily="34" charset="0"/>
+              <a:buNone/>
+              <a:defRPr sz="1800" kern="1200">
+                <a:solidFill>
+                  <a:schemeClr val="tx1"/>
+                </a:solidFill>
+                <a:latin typeface="+mn-lt"/>
+                <a:ea typeface="+mn-ea"/>
+                <a:cs typeface="+mn-cs"/>
+              </a:defRPr>
+            </a:lvl3pPr>
+            <a:lvl4pPr marL="1371600" indent="0" algn="ctr" defTabSz="914400" rtl="0" eaLnBrk="1" latinLnBrk="0" hangingPunct="1">
+              <a:lnSpc>
+                <a:spcPct val="90000"/>
+              </a:lnSpc>
+              <a:spcBef>
+                <a:spcPts val="500"/>
+              </a:spcBef>
+              <a:buFont typeface="Arial" panose="020B0604020202020204" pitchFamily="34" charset="0"/>
+              <a:buNone/>
+              <a:defRPr sz="1600" kern="1200">
+                <a:solidFill>
+                  <a:schemeClr val="tx1"/>
+                </a:solidFill>
+                <a:latin typeface="+mn-lt"/>
+                <a:ea typeface="+mn-ea"/>
+                <a:cs typeface="+mn-cs"/>
+              </a:defRPr>
+            </a:lvl4pPr>
+            <a:lvl5pPr marL="1828800" indent="0" algn="ctr" defTabSz="914400" rtl="0" eaLnBrk="1" latinLnBrk="0" hangingPunct="1">
+              <a:lnSpc>
+                <a:spcPct val="90000"/>
+              </a:lnSpc>
+              <a:spcBef>
+                <a:spcPts val="500"/>
+              </a:spcBef>
+              <a:buFont typeface="Arial" panose="020B0604020202020204" pitchFamily="34" charset="0"/>
+              <a:buNone/>
+              <a:defRPr sz="1600" kern="1200">
+                <a:solidFill>
+                  <a:schemeClr val="tx1"/>
+                </a:solidFill>
+                <a:latin typeface="+mn-lt"/>
+                <a:ea typeface="+mn-ea"/>
+                <a:cs typeface="+mn-cs"/>
+              </a:defRPr>
+            </a:lvl5pPr>
+            <a:lvl6pPr marL="2286000" indent="0" algn="ctr" defTabSz="914400" rtl="0" eaLnBrk="1" latinLnBrk="0" hangingPunct="1">
+              <a:lnSpc>
+                <a:spcPct val="90000"/>
+              </a:lnSpc>
+              <a:spcBef>
+                <a:spcPts val="500"/>
+              </a:spcBef>
+              <a:buFont typeface="Arial" panose="020B0604020202020204" pitchFamily="34" charset="0"/>
+              <a:buNone/>
+              <a:defRPr sz="1600" kern="1200">
+                <a:solidFill>
+                  <a:schemeClr val="tx1"/>
+                </a:solidFill>
+                <a:latin typeface="+mn-lt"/>
+                <a:ea typeface="+mn-ea"/>
+                <a:cs typeface="+mn-cs"/>
+              </a:defRPr>
+            </a:lvl6pPr>
+            <a:lvl7pPr marL="2743200" indent="0" algn="ctr" defTabSz="914400" rtl="0" eaLnBrk="1" latinLnBrk="0" hangingPunct="1">
+              <a:lnSpc>
+                <a:spcPct val="90000"/>
+              </a:lnSpc>
+              <a:spcBef>
+                <a:spcPts val="500"/>
+              </a:spcBef>
+              <a:buFont typeface="Arial" panose="020B0604020202020204" pitchFamily="34" charset="0"/>
+              <a:buNone/>
+              <a:defRPr sz="1600" kern="1200">
+                <a:solidFill>
+                  <a:schemeClr val="tx1"/>
+                </a:solidFill>
+                <a:latin typeface="+mn-lt"/>
+                <a:ea typeface="+mn-ea"/>
+                <a:cs typeface="+mn-cs"/>
+              </a:defRPr>
+            </a:lvl7pPr>
+            <a:lvl8pPr marL="3200400" indent="0" algn="ctr" defTabSz="914400" rtl="0" eaLnBrk="1" latinLnBrk="0" hangingPunct="1">
+              <a:lnSpc>
+                <a:spcPct val="90000"/>
+              </a:lnSpc>
+              <a:spcBef>
+                <a:spcPts val="500"/>
+              </a:spcBef>
+              <a:buFont typeface="Arial" panose="020B0604020202020204" pitchFamily="34" charset="0"/>
+              <a:buNone/>
+              <a:defRPr sz="1600" kern="1200">
+                <a:solidFill>
+                  <a:schemeClr val="tx1"/>
+                </a:solidFill>
+                <a:latin typeface="+mn-lt"/>
+                <a:ea typeface="+mn-ea"/>
+                <a:cs typeface="+mn-cs"/>
+              </a:defRPr>
+            </a:lvl8pPr>
+            <a:lvl9pPr marL="3657600" indent="0" algn="ctr" defTabSz="914400" rtl="0" eaLnBrk="1" latinLnBrk="0" hangingPunct="1">
+              <a:lnSpc>
+                <a:spcPct val="90000"/>
+              </a:lnSpc>
+              <a:spcBef>
+                <a:spcPts val="500"/>
+              </a:spcBef>
+              <a:buFont typeface="Arial" panose="020B0604020202020204" pitchFamily="34" charset="0"/>
+              <a:buNone/>
+              <a:defRPr sz="1600" kern="1200">
+                <a:solidFill>
+                  <a:schemeClr val="tx1"/>
+                </a:solidFill>
+                <a:latin typeface="+mn-lt"/>
+                <a:ea typeface="+mn-ea"/>
+                <a:cs typeface="+mn-cs"/>
+              </a:defRPr>
+            </a:lvl9pPr>
+          </a:lstStyle>
+          <a:p>
+            <a:pPr algn="l"/>
+            <a:r>
+              <a:rPr lang="es-MX" b="1" dirty="0"/>
+              <a:t>SELECT DISTINCT </a:t>
+            </a:r>
+            <a:r>
+              <a:rPr lang="es-MX" dirty="0"/>
+              <a:t>[nombre alguna columna] </a:t>
+            </a:r>
+            <a:r>
+              <a:rPr lang="es-MX" b="1" dirty="0"/>
+              <a:t>,</a:t>
+            </a:r>
+            <a:r>
+              <a:rPr lang="es-MX" dirty="0"/>
+              <a:t> [nombre alguna columna] , …</a:t>
+            </a:r>
+          </a:p>
+          <a:p>
+            <a:pPr algn="l"/>
+            <a:r>
+              <a:rPr lang="es-MX" b="1" dirty="0"/>
+              <a:t>FROM</a:t>
+            </a:r>
+            <a:r>
+              <a:rPr lang="es-MX" dirty="0"/>
+              <a:t> [nombre de la tabla] </a:t>
+            </a:r>
+            <a:r>
+              <a:rPr lang="es-MX" b="1" dirty="0"/>
+              <a:t>;</a:t>
+            </a:r>
+          </a:p>
+        </p:txBody>
+      </p:sp>
+      <p:sp>
+        <p:nvSpPr>
+          <p:cNvPr id="14" name="Subtítulo 2">
+            <a:extLst>
+              <a:ext uri="{FF2B5EF4-FFF2-40B4-BE49-F238E27FC236}">
+                <a16:creationId xmlns:a16="http://schemas.microsoft.com/office/drawing/2014/main" id="{AA1DED62-4FD5-19F5-C01C-E7C32D536424}"/>
+              </a:ext>
+            </a:extLst>
+          </p:cNvPr>
+          <p:cNvSpPr txBox="1">
+            <a:spLocks/>
+          </p:cNvSpPr>
+          <p:nvPr/>
+        </p:nvSpPr>
+        <p:spPr>
+          <a:xfrm>
+            <a:off x="8395863" y="5390389"/>
+            <a:ext cx="3906981" cy="1190519"/>
+          </a:xfrm>
+          <a:prstGeom prst="rect">
+            <a:avLst/>
+          </a:prstGeom>
+        </p:spPr>
+        <p:txBody>
+          <a:bodyPr vert="horz" lIns="91440" tIns="45720" rIns="91440" bIns="45720" rtlCol="0">
+            <a:normAutofit/>
+          </a:bodyPr>
+          <a:lstStyle>
+            <a:lvl1pPr marL="0" indent="0" algn="ctr" defTabSz="914400" rtl="0" eaLnBrk="1" latinLnBrk="0" hangingPunct="1">
+              <a:lnSpc>
+                <a:spcPct val="90000"/>
+              </a:lnSpc>
+              <a:spcBef>
+                <a:spcPts val="1000"/>
+              </a:spcBef>
+              <a:buFont typeface="Arial" panose="020B0604020202020204" pitchFamily="34" charset="0"/>
+              <a:buNone/>
+              <a:defRPr sz="2400" kern="1200">
+                <a:solidFill>
+                  <a:schemeClr val="tx1"/>
+                </a:solidFill>
+                <a:latin typeface="+mn-lt"/>
+                <a:ea typeface="+mn-ea"/>
+                <a:cs typeface="+mn-cs"/>
+              </a:defRPr>
+            </a:lvl1pPr>
+            <a:lvl2pPr marL="457200" indent="0" algn="ctr" defTabSz="914400" rtl="0" eaLnBrk="1" latinLnBrk="0" hangingPunct="1">
+              <a:lnSpc>
+                <a:spcPct val="90000"/>
+              </a:lnSpc>
+              <a:spcBef>
+                <a:spcPts val="500"/>
+              </a:spcBef>
+              <a:buFont typeface="Arial" panose="020B0604020202020204" pitchFamily="34" charset="0"/>
+              <a:buNone/>
+              <a:defRPr sz="2000" kern="1200">
+                <a:solidFill>
+                  <a:schemeClr val="tx1"/>
+                </a:solidFill>
+                <a:latin typeface="+mn-lt"/>
+                <a:ea typeface="+mn-ea"/>
+                <a:cs typeface="+mn-cs"/>
+              </a:defRPr>
+            </a:lvl2pPr>
+            <a:lvl3pPr marL="914400" indent="0" algn="ctr" defTabSz="914400" rtl="0" eaLnBrk="1" latinLnBrk="0" hangingPunct="1">
+              <a:lnSpc>
+                <a:spcPct val="90000"/>
+              </a:lnSpc>
+              <a:spcBef>
+                <a:spcPts val="500"/>
+              </a:spcBef>
+              <a:buFont typeface="Arial" panose="020B0604020202020204" pitchFamily="34" charset="0"/>
+              <a:buNone/>
+              <a:defRPr sz="1800" kern="1200">
+                <a:solidFill>
+                  <a:schemeClr val="tx1"/>
+                </a:solidFill>
+                <a:latin typeface="+mn-lt"/>
+                <a:ea typeface="+mn-ea"/>
+                <a:cs typeface="+mn-cs"/>
+              </a:defRPr>
+            </a:lvl3pPr>
+            <a:lvl4pPr marL="1371600" indent="0" algn="ctr" defTabSz="914400" rtl="0" eaLnBrk="1" latinLnBrk="0" hangingPunct="1">
+              <a:lnSpc>
+                <a:spcPct val="90000"/>
+              </a:lnSpc>
+              <a:spcBef>
+                <a:spcPts val="500"/>
+              </a:spcBef>
+              <a:buFont typeface="Arial" panose="020B0604020202020204" pitchFamily="34" charset="0"/>
+              <a:buNone/>
+              <a:defRPr sz="1600" kern="1200">
+                <a:solidFill>
+                  <a:schemeClr val="tx1"/>
+                </a:solidFill>
+                <a:latin typeface="+mn-lt"/>
+                <a:ea typeface="+mn-ea"/>
+                <a:cs typeface="+mn-cs"/>
+              </a:defRPr>
+            </a:lvl4pPr>
+            <a:lvl5pPr marL="1828800" indent="0" algn="ctr" defTabSz="914400" rtl="0" eaLnBrk="1" latinLnBrk="0" hangingPunct="1">
+              <a:lnSpc>
+                <a:spcPct val="90000"/>
+              </a:lnSpc>
+              <a:spcBef>
+                <a:spcPts val="500"/>
+              </a:spcBef>
+              <a:buFont typeface="Arial" panose="020B0604020202020204" pitchFamily="34" charset="0"/>
+              <a:buNone/>
+              <a:defRPr sz="1600" kern="1200">
+                <a:solidFill>
+                  <a:schemeClr val="tx1"/>
+                </a:solidFill>
+                <a:latin typeface="+mn-lt"/>
+                <a:ea typeface="+mn-ea"/>
+                <a:cs typeface="+mn-cs"/>
+              </a:defRPr>
+            </a:lvl5pPr>
+            <a:lvl6pPr marL="2286000" indent="0" algn="ctr" defTabSz="914400" rtl="0" eaLnBrk="1" latinLnBrk="0" hangingPunct="1">
+              <a:lnSpc>
+                <a:spcPct val="90000"/>
+              </a:lnSpc>
+              <a:spcBef>
+                <a:spcPts val="500"/>
+              </a:spcBef>
+              <a:buFont typeface="Arial" panose="020B0604020202020204" pitchFamily="34" charset="0"/>
+              <a:buNone/>
+              <a:defRPr sz="1600" kern="1200">
+                <a:solidFill>
+                  <a:schemeClr val="tx1"/>
+                </a:solidFill>
+                <a:latin typeface="+mn-lt"/>
+                <a:ea typeface="+mn-ea"/>
+                <a:cs typeface="+mn-cs"/>
+              </a:defRPr>
+            </a:lvl6pPr>
+            <a:lvl7pPr marL="2743200" indent="0" algn="ctr" defTabSz="914400" rtl="0" eaLnBrk="1" latinLnBrk="0" hangingPunct="1">
+              <a:lnSpc>
+                <a:spcPct val="90000"/>
+              </a:lnSpc>
+              <a:spcBef>
+                <a:spcPts val="500"/>
+              </a:spcBef>
+              <a:buFont typeface="Arial" panose="020B0604020202020204" pitchFamily="34" charset="0"/>
+              <a:buNone/>
+              <a:defRPr sz="1600" kern="1200">
+                <a:solidFill>
+                  <a:schemeClr val="tx1"/>
+                </a:solidFill>
+                <a:latin typeface="+mn-lt"/>
+                <a:ea typeface="+mn-ea"/>
+                <a:cs typeface="+mn-cs"/>
+              </a:defRPr>
+            </a:lvl7pPr>
+            <a:lvl8pPr marL="3200400" indent="0" algn="ctr" defTabSz="914400" rtl="0" eaLnBrk="1" latinLnBrk="0" hangingPunct="1">
+              <a:lnSpc>
+                <a:spcPct val="90000"/>
+              </a:lnSpc>
+              <a:spcBef>
+                <a:spcPts val="500"/>
+              </a:spcBef>
+              <a:buFont typeface="Arial" panose="020B0604020202020204" pitchFamily="34" charset="0"/>
+              <a:buNone/>
+              <a:defRPr sz="1600" kern="1200">
+                <a:solidFill>
+                  <a:schemeClr val="tx1"/>
+                </a:solidFill>
+                <a:latin typeface="+mn-lt"/>
+                <a:ea typeface="+mn-ea"/>
+                <a:cs typeface="+mn-cs"/>
+              </a:defRPr>
+            </a:lvl8pPr>
+            <a:lvl9pPr marL="3657600" indent="0" algn="ctr" defTabSz="914400" rtl="0" eaLnBrk="1" latinLnBrk="0" hangingPunct="1">
+              <a:lnSpc>
+                <a:spcPct val="90000"/>
+              </a:lnSpc>
+              <a:spcBef>
+                <a:spcPts val="500"/>
+              </a:spcBef>
+              <a:buFont typeface="Arial" panose="020B0604020202020204" pitchFamily="34" charset="0"/>
+              <a:buNone/>
+              <a:defRPr sz="1600" kern="1200">
+                <a:solidFill>
+                  <a:schemeClr val="tx1"/>
+                </a:solidFill>
+                <a:latin typeface="+mn-lt"/>
+                <a:ea typeface="+mn-ea"/>
+                <a:cs typeface="+mn-cs"/>
+              </a:defRPr>
+            </a:lvl9pPr>
+          </a:lstStyle>
+          <a:p>
+            <a:pPr algn="l"/>
+            <a:r>
+              <a:rPr lang="es-MX" sz="1600" dirty="0"/>
+              <a:t>+ Los datos no los muestra por orden ni frecuencia, esto tiene que ver con la normalización de las bases de datos.</a:t>
+            </a:r>
+          </a:p>
+        </p:txBody>
+      </p:sp>
+      <p:sp>
+        <p:nvSpPr>
+          <p:cNvPr id="16" name="CuadroTexto 15">
+            <a:extLst>
+              <a:ext uri="{FF2B5EF4-FFF2-40B4-BE49-F238E27FC236}">
+                <a16:creationId xmlns:a16="http://schemas.microsoft.com/office/drawing/2014/main" id="{A5A29B35-FC92-EBFC-6D22-993B399665E9}"/>
+              </a:ext>
+            </a:extLst>
+          </p:cNvPr>
+          <p:cNvSpPr txBox="1"/>
+          <p:nvPr/>
+        </p:nvSpPr>
+        <p:spPr>
+          <a:xfrm>
+            <a:off x="152393" y="6056604"/>
+            <a:ext cx="6151418" cy="369332"/>
+          </a:xfrm>
+          <a:prstGeom prst="rect">
+            <a:avLst/>
+          </a:prstGeom>
+          <a:noFill/>
+        </p:spPr>
+        <p:txBody>
+          <a:bodyPr wrap="square">
+            <a:spAutoFit/>
+          </a:bodyPr>
+          <a:lstStyle/>
+          <a:p>
+            <a:pPr algn="l"/>
+            <a:r>
+              <a:rPr lang="es-MX" sz="1800" b="1" dirty="0">
+                <a:solidFill>
+                  <a:schemeClr val="accent1"/>
+                </a:solidFill>
+              </a:rPr>
+              <a:t>SELECT DISTINCT</a:t>
+            </a:r>
+            <a:r>
+              <a:rPr lang="es-MX" sz="1800" dirty="0">
+                <a:solidFill>
+                  <a:schemeClr val="accent1"/>
+                </a:solidFill>
+              </a:rPr>
+              <a:t> nombre </a:t>
+            </a:r>
+            <a:r>
+              <a:rPr lang="es-MX" sz="1800" b="1" dirty="0">
+                <a:solidFill>
+                  <a:schemeClr val="accent1"/>
+                </a:solidFill>
+              </a:rPr>
+              <a:t>FROM</a:t>
+            </a:r>
+            <a:r>
+              <a:rPr lang="es-MX" sz="1800" dirty="0">
+                <a:solidFill>
+                  <a:schemeClr val="accent1"/>
+                </a:solidFill>
+              </a:rPr>
+              <a:t> </a:t>
+            </a:r>
+            <a:r>
+              <a:rPr lang="es-MX" sz="1800" dirty="0" err="1">
+                <a:solidFill>
+                  <a:schemeClr val="accent1"/>
+                </a:solidFill>
+              </a:rPr>
+              <a:t>tabla_clientes</a:t>
+            </a:r>
+            <a:r>
+              <a:rPr lang="es-MX" sz="1800" dirty="0">
+                <a:solidFill>
+                  <a:schemeClr val="accent1"/>
+                </a:solidFill>
+              </a:rPr>
+              <a:t>;</a:t>
+            </a:r>
+            <a:endParaRPr lang="es-MX" sz="1800" b="1" dirty="0">
+              <a:solidFill>
+                <a:schemeClr val="accent1"/>
+              </a:solidFill>
+            </a:endParaRPr>
+          </a:p>
+        </p:txBody>
+      </p:sp>
+    </p:spTree>
+    <p:extLst>
+      <p:ext uri="{BB962C8B-B14F-4D97-AF65-F5344CB8AC3E}">
+        <p14:creationId xmlns:p14="http://schemas.microsoft.com/office/powerpoint/2010/main" val="2737545147"/>
+      </p:ext>
+    </p:extLst>
+  </p:cSld>
+  <p:clrMapOvr>
+    <a:masterClrMapping/>
+  </p:clrMapOvr>
+</p:sld>
+</file>
+
+<file path=ppt/slides/slide7.xml><?xml version="1.0" encoding="utf-8"?>
+<p:sld xmlns:a="http://schemas.openxmlformats.org/drawingml/2006/main" xmlns:r="http://schemas.openxmlformats.org/officeDocument/2006/relationships" xmlns:p="http://schemas.openxmlformats.org/presentationml/2006/main">
+  <p:cSld>
+    <p:spTree>
+      <p:nvGrpSpPr>
+        <p:cNvPr id="1" name=""/>
+        <p:cNvGrpSpPr/>
+        <p:nvPr/>
+      </p:nvGrpSpPr>
+      <p:grpSpPr>
+        <a:xfrm>
+          <a:off x="0" y="0"/>
+          <a:ext cx="0" cy="0"/>
+          <a:chOff x="0" y="0"/>
+          <a:chExt cx="0" cy="0"/>
+        </a:xfrm>
+      </p:grpSpPr>
+      <p:sp>
+        <p:nvSpPr>
+          <p:cNvPr id="2" name="Título 1">
+            <a:extLst>
+              <a:ext uri="{FF2B5EF4-FFF2-40B4-BE49-F238E27FC236}">
+                <a16:creationId xmlns:a16="http://schemas.microsoft.com/office/drawing/2014/main" id="{095D5E06-C433-C836-106A-B2D45ADCF04F}"/>
+              </a:ext>
+            </a:extLst>
+          </p:cNvPr>
+          <p:cNvSpPr>
+            <a:spLocks noGrp="1"/>
+          </p:cNvSpPr>
+          <p:nvPr>
+            <p:ph type="ctrTitle"/>
+          </p:nvPr>
+        </p:nvSpPr>
+        <p:spPr>
+          <a:xfrm>
+            <a:off x="304800" y="277091"/>
+            <a:ext cx="9144000" cy="669781"/>
+          </a:xfrm>
+        </p:spPr>
+        <p:txBody>
+          <a:bodyPr>
+            <a:normAutofit/>
+          </a:bodyPr>
+          <a:lstStyle/>
+          <a:p>
+            <a:pPr algn="l"/>
+            <a:r>
+              <a:rPr lang="es-MX" sz="3600" b="1" dirty="0">
+                <a:latin typeface="Gadugi" panose="020B0502040204020203" pitchFamily="34" charset="0"/>
+                <a:ea typeface="Gadugi" panose="020B0502040204020203" pitchFamily="34" charset="0"/>
+              </a:rPr>
+              <a:t>WHERE</a:t>
+            </a:r>
+          </a:p>
+        </p:txBody>
+      </p:sp>
+      <p:sp>
+        <p:nvSpPr>
+          <p:cNvPr id="3" name="Subtítulo 2">
+            <a:extLst>
+              <a:ext uri="{FF2B5EF4-FFF2-40B4-BE49-F238E27FC236}">
+                <a16:creationId xmlns:a16="http://schemas.microsoft.com/office/drawing/2014/main" id="{1A30F90B-0731-20CA-E914-48343967869A}"/>
+              </a:ext>
+            </a:extLst>
+          </p:cNvPr>
+          <p:cNvSpPr>
+            <a:spLocks noGrp="1"/>
+          </p:cNvSpPr>
+          <p:nvPr>
+            <p:ph type="subTitle" idx="1"/>
+          </p:nvPr>
+        </p:nvSpPr>
+        <p:spPr>
+          <a:xfrm>
+            <a:off x="152400" y="1602656"/>
+            <a:ext cx="7966356" cy="1826344"/>
+          </a:xfrm>
+        </p:spPr>
+        <p:txBody>
+          <a:bodyPr>
+            <a:normAutofit/>
+          </a:bodyPr>
+          <a:lstStyle/>
+          <a:p>
+            <a:pPr algn="l"/>
+            <a:r>
+              <a:rPr lang="es-MX" b="1" dirty="0"/>
+              <a:t>SELECT </a:t>
+            </a:r>
+            <a:r>
+              <a:rPr lang="es-MX" dirty="0"/>
+              <a:t> [nombre de la columna]</a:t>
+            </a:r>
+          </a:p>
+          <a:p>
+            <a:pPr algn="l"/>
+            <a:r>
+              <a:rPr lang="es-MX" b="1" dirty="0"/>
+              <a:t>FROM</a:t>
+            </a:r>
+            <a:r>
+              <a:rPr lang="es-MX" dirty="0"/>
+              <a:t> [nombre de la tabla]</a:t>
+            </a:r>
+          </a:p>
+          <a:p>
+            <a:pPr algn="l"/>
+            <a:r>
+              <a:rPr lang="es-MX" b="1" dirty="0"/>
+              <a:t>WHERE</a:t>
+            </a:r>
+            <a:r>
+              <a:rPr lang="es-MX" dirty="0"/>
+              <a:t> [condición] </a:t>
+            </a:r>
+            <a:r>
+              <a:rPr lang="es-MX" b="1" dirty="0"/>
+              <a:t>;</a:t>
+            </a:r>
+          </a:p>
+        </p:txBody>
+      </p:sp>
+      <p:cxnSp>
+        <p:nvCxnSpPr>
+          <p:cNvPr id="5" name="Conector recto 4">
+            <a:extLst>
+              <a:ext uri="{FF2B5EF4-FFF2-40B4-BE49-F238E27FC236}">
+                <a16:creationId xmlns:a16="http://schemas.microsoft.com/office/drawing/2014/main" id="{8185E119-0A24-A724-B622-7DB91F3252A8}"/>
+              </a:ext>
+            </a:extLst>
+          </p:cNvPr>
+          <p:cNvCxnSpPr/>
+          <p:nvPr/>
+        </p:nvCxnSpPr>
+        <p:spPr>
+          <a:xfrm>
+            <a:off x="0" y="946872"/>
+            <a:ext cx="5472545" cy="0"/>
+          </a:xfrm>
+          <a:prstGeom prst="line">
+            <a:avLst/>
+          </a:prstGeom>
+          <a:ln w="38100">
+            <a:solidFill>
+              <a:srgbClr val="7030A0"/>
+            </a:solidFill>
+          </a:ln>
+        </p:spPr>
+        <p:style>
+          <a:lnRef idx="1">
+            <a:schemeClr val="accent1"/>
+          </a:lnRef>
+          <a:fillRef idx="0">
+            <a:schemeClr val="accent1"/>
+          </a:fillRef>
+          <a:effectRef idx="0">
+            <a:schemeClr val="accent1"/>
+          </a:effectRef>
+          <a:fontRef idx="minor">
+            <a:schemeClr val="tx1"/>
+          </a:fontRef>
+        </p:style>
+      </p:cxnSp>
+      <p:cxnSp>
+        <p:nvCxnSpPr>
+          <p:cNvPr id="6" name="Conector recto 5">
+            <a:extLst>
+              <a:ext uri="{FF2B5EF4-FFF2-40B4-BE49-F238E27FC236}">
+                <a16:creationId xmlns:a16="http://schemas.microsoft.com/office/drawing/2014/main" id="{BEFC1D1B-E623-58C6-AEC5-FBF9FC0A9DBC}"/>
+              </a:ext>
+            </a:extLst>
+          </p:cNvPr>
+          <p:cNvCxnSpPr>
+            <a:cxnSpLocks/>
+          </p:cNvCxnSpPr>
+          <p:nvPr/>
+        </p:nvCxnSpPr>
+        <p:spPr>
+          <a:xfrm flipV="1">
+            <a:off x="8257309" y="0"/>
+            <a:ext cx="0" cy="6858000"/>
+          </a:xfrm>
+          <a:prstGeom prst="line">
+            <a:avLst/>
+          </a:prstGeom>
+          <a:ln w="38100">
+            <a:solidFill>
+              <a:srgbClr val="7030A0"/>
+            </a:solidFill>
+          </a:ln>
+        </p:spPr>
+        <p:style>
+          <a:lnRef idx="1">
+            <a:schemeClr val="accent1"/>
+          </a:lnRef>
+          <a:fillRef idx="0">
+            <a:schemeClr val="accent1"/>
+          </a:fillRef>
+          <a:effectRef idx="0">
+            <a:schemeClr val="accent1"/>
+          </a:effectRef>
+          <a:fontRef idx="minor">
+            <a:schemeClr val="tx1"/>
+          </a:fontRef>
+        </p:style>
+      </p:cxnSp>
+      <p:sp>
+        <p:nvSpPr>
+          <p:cNvPr id="9" name="Subtítulo 2">
+            <a:extLst>
+              <a:ext uri="{FF2B5EF4-FFF2-40B4-BE49-F238E27FC236}">
+                <a16:creationId xmlns:a16="http://schemas.microsoft.com/office/drawing/2014/main" id="{B2F69EEF-1183-1D61-4B75-D786FD98E6A3}"/>
+              </a:ext>
+            </a:extLst>
+          </p:cNvPr>
+          <p:cNvSpPr txBox="1">
+            <a:spLocks/>
+          </p:cNvSpPr>
+          <p:nvPr/>
+        </p:nvSpPr>
+        <p:spPr>
+          <a:xfrm>
+            <a:off x="8285019" y="1602654"/>
+            <a:ext cx="3906981" cy="953875"/>
+          </a:xfrm>
+          <a:prstGeom prst="rect">
+            <a:avLst/>
+          </a:prstGeom>
+        </p:spPr>
+        <p:txBody>
+          <a:bodyPr vert="horz" lIns="91440" tIns="45720" rIns="91440" bIns="45720" rtlCol="0">
+            <a:normAutofit/>
+          </a:bodyPr>
+          <a:lstStyle>
+            <a:lvl1pPr marL="0" indent="0" algn="ctr" defTabSz="914400" rtl="0" eaLnBrk="1" latinLnBrk="0" hangingPunct="1">
+              <a:lnSpc>
+                <a:spcPct val="90000"/>
+              </a:lnSpc>
+              <a:spcBef>
+                <a:spcPts val="1000"/>
+              </a:spcBef>
+              <a:buFont typeface="Arial" panose="020B0604020202020204" pitchFamily="34" charset="0"/>
+              <a:buNone/>
+              <a:defRPr sz="2400" kern="1200">
+                <a:solidFill>
+                  <a:schemeClr val="tx1"/>
+                </a:solidFill>
+                <a:latin typeface="+mn-lt"/>
+                <a:ea typeface="+mn-ea"/>
+                <a:cs typeface="+mn-cs"/>
+              </a:defRPr>
+            </a:lvl1pPr>
+            <a:lvl2pPr marL="457200" indent="0" algn="ctr" defTabSz="914400" rtl="0" eaLnBrk="1" latinLnBrk="0" hangingPunct="1">
+              <a:lnSpc>
+                <a:spcPct val="90000"/>
+              </a:lnSpc>
+              <a:spcBef>
+                <a:spcPts val="500"/>
+              </a:spcBef>
+              <a:buFont typeface="Arial" panose="020B0604020202020204" pitchFamily="34" charset="0"/>
+              <a:buNone/>
+              <a:defRPr sz="2000" kern="1200">
+                <a:solidFill>
+                  <a:schemeClr val="tx1"/>
+                </a:solidFill>
+                <a:latin typeface="+mn-lt"/>
+                <a:ea typeface="+mn-ea"/>
+                <a:cs typeface="+mn-cs"/>
+              </a:defRPr>
+            </a:lvl2pPr>
+            <a:lvl3pPr marL="914400" indent="0" algn="ctr" defTabSz="914400" rtl="0" eaLnBrk="1" latinLnBrk="0" hangingPunct="1">
+              <a:lnSpc>
+                <a:spcPct val="90000"/>
+              </a:lnSpc>
+              <a:spcBef>
+                <a:spcPts val="500"/>
+              </a:spcBef>
+              <a:buFont typeface="Arial" panose="020B0604020202020204" pitchFamily="34" charset="0"/>
+              <a:buNone/>
+              <a:defRPr sz="1800" kern="1200">
+                <a:solidFill>
+                  <a:schemeClr val="tx1"/>
+                </a:solidFill>
+                <a:latin typeface="+mn-lt"/>
+                <a:ea typeface="+mn-ea"/>
+                <a:cs typeface="+mn-cs"/>
+              </a:defRPr>
+            </a:lvl3pPr>
+            <a:lvl4pPr marL="1371600" indent="0" algn="ctr" defTabSz="914400" rtl="0" eaLnBrk="1" latinLnBrk="0" hangingPunct="1">
+              <a:lnSpc>
+                <a:spcPct val="90000"/>
+              </a:lnSpc>
+              <a:spcBef>
+                <a:spcPts val="500"/>
+              </a:spcBef>
+              <a:buFont typeface="Arial" panose="020B0604020202020204" pitchFamily="34" charset="0"/>
+              <a:buNone/>
+              <a:defRPr sz="1600" kern="1200">
+                <a:solidFill>
+                  <a:schemeClr val="tx1"/>
+                </a:solidFill>
+                <a:latin typeface="+mn-lt"/>
+                <a:ea typeface="+mn-ea"/>
+                <a:cs typeface="+mn-cs"/>
+              </a:defRPr>
+            </a:lvl4pPr>
+            <a:lvl5pPr marL="1828800" indent="0" algn="ctr" defTabSz="914400" rtl="0" eaLnBrk="1" latinLnBrk="0" hangingPunct="1">
+              <a:lnSpc>
+                <a:spcPct val="90000"/>
+              </a:lnSpc>
+              <a:spcBef>
+                <a:spcPts val="500"/>
+              </a:spcBef>
+              <a:buFont typeface="Arial" panose="020B0604020202020204" pitchFamily="34" charset="0"/>
+              <a:buNone/>
+              <a:defRPr sz="1600" kern="1200">
+                <a:solidFill>
+                  <a:schemeClr val="tx1"/>
+                </a:solidFill>
+                <a:latin typeface="+mn-lt"/>
+                <a:ea typeface="+mn-ea"/>
+                <a:cs typeface="+mn-cs"/>
+              </a:defRPr>
+            </a:lvl5pPr>
+            <a:lvl6pPr marL="2286000" indent="0" algn="ctr" defTabSz="914400" rtl="0" eaLnBrk="1" latinLnBrk="0" hangingPunct="1">
+              <a:lnSpc>
+                <a:spcPct val="90000"/>
+              </a:lnSpc>
+              <a:spcBef>
+                <a:spcPts val="500"/>
+              </a:spcBef>
+              <a:buFont typeface="Arial" panose="020B0604020202020204" pitchFamily="34" charset="0"/>
+              <a:buNone/>
+              <a:defRPr sz="1600" kern="1200">
+                <a:solidFill>
+                  <a:schemeClr val="tx1"/>
+                </a:solidFill>
+                <a:latin typeface="+mn-lt"/>
+                <a:ea typeface="+mn-ea"/>
+                <a:cs typeface="+mn-cs"/>
+              </a:defRPr>
+            </a:lvl6pPr>
+            <a:lvl7pPr marL="2743200" indent="0" algn="ctr" defTabSz="914400" rtl="0" eaLnBrk="1" latinLnBrk="0" hangingPunct="1">
+              <a:lnSpc>
+                <a:spcPct val="90000"/>
+              </a:lnSpc>
+              <a:spcBef>
+                <a:spcPts val="500"/>
+              </a:spcBef>
+              <a:buFont typeface="Arial" panose="020B0604020202020204" pitchFamily="34" charset="0"/>
+              <a:buNone/>
+              <a:defRPr sz="1600" kern="1200">
+                <a:solidFill>
+                  <a:schemeClr val="tx1"/>
+                </a:solidFill>
+                <a:latin typeface="+mn-lt"/>
+                <a:ea typeface="+mn-ea"/>
+                <a:cs typeface="+mn-cs"/>
+              </a:defRPr>
+            </a:lvl7pPr>
+            <a:lvl8pPr marL="3200400" indent="0" algn="ctr" defTabSz="914400" rtl="0" eaLnBrk="1" latinLnBrk="0" hangingPunct="1">
+              <a:lnSpc>
+                <a:spcPct val="90000"/>
+              </a:lnSpc>
+              <a:spcBef>
+                <a:spcPts val="500"/>
+              </a:spcBef>
+              <a:buFont typeface="Arial" panose="020B0604020202020204" pitchFamily="34" charset="0"/>
+              <a:buNone/>
+              <a:defRPr sz="1600" kern="1200">
+                <a:solidFill>
+                  <a:schemeClr val="tx1"/>
+                </a:solidFill>
+                <a:latin typeface="+mn-lt"/>
+                <a:ea typeface="+mn-ea"/>
+                <a:cs typeface="+mn-cs"/>
+              </a:defRPr>
+            </a:lvl8pPr>
+            <a:lvl9pPr marL="3657600" indent="0" algn="ctr" defTabSz="914400" rtl="0" eaLnBrk="1" latinLnBrk="0" hangingPunct="1">
+              <a:lnSpc>
+                <a:spcPct val="90000"/>
+              </a:lnSpc>
+              <a:spcBef>
+                <a:spcPts val="500"/>
+              </a:spcBef>
+              <a:buFont typeface="Arial" panose="020B0604020202020204" pitchFamily="34" charset="0"/>
+              <a:buNone/>
+              <a:defRPr sz="1600" kern="1200">
+                <a:solidFill>
+                  <a:schemeClr val="tx1"/>
+                </a:solidFill>
+                <a:latin typeface="+mn-lt"/>
+                <a:ea typeface="+mn-ea"/>
+                <a:cs typeface="+mn-cs"/>
+              </a:defRPr>
+            </a:lvl9pPr>
+          </a:lstStyle>
+          <a:p>
+            <a:pPr algn="l"/>
+            <a:r>
+              <a:rPr lang="es-MX" sz="1600" dirty="0"/>
+              <a:t>+ Permite seleccionar aquellas </a:t>
+            </a:r>
+            <a:r>
+              <a:rPr lang="es-MX" sz="1600" i="1" dirty="0"/>
+              <a:t>subtablas</a:t>
+            </a:r>
+            <a:r>
+              <a:rPr lang="es-MX" sz="1600" dirty="0"/>
+              <a:t> donde se cumpla alguna condición </a:t>
+            </a:r>
+          </a:p>
+        </p:txBody>
+      </p:sp>
+      <p:sp>
+        <p:nvSpPr>
+          <p:cNvPr id="7" name="Subtítulo 2">
+            <a:extLst>
+              <a:ext uri="{FF2B5EF4-FFF2-40B4-BE49-F238E27FC236}">
+                <a16:creationId xmlns:a16="http://schemas.microsoft.com/office/drawing/2014/main" id="{94D37E03-4B38-E901-9A62-2FB9ECB510D0}"/>
+              </a:ext>
+            </a:extLst>
+          </p:cNvPr>
+          <p:cNvSpPr txBox="1">
+            <a:spLocks/>
+          </p:cNvSpPr>
+          <p:nvPr/>
+        </p:nvSpPr>
+        <p:spPr>
+          <a:xfrm>
+            <a:off x="152393" y="3219238"/>
+            <a:ext cx="7966363" cy="796633"/>
+          </a:xfrm>
+          <a:prstGeom prst="rect">
+            <a:avLst/>
+          </a:prstGeom>
+        </p:spPr>
+        <p:txBody>
+          <a:bodyPr vert="horz" lIns="91440" tIns="45720" rIns="91440" bIns="45720" rtlCol="0">
+            <a:normAutofit/>
+          </a:bodyPr>
+          <a:lstStyle>
+            <a:lvl1pPr marL="0" indent="0" algn="ctr" defTabSz="914400" rtl="0" eaLnBrk="1" latinLnBrk="0" hangingPunct="1">
+              <a:lnSpc>
+                <a:spcPct val="90000"/>
+              </a:lnSpc>
+              <a:spcBef>
+                <a:spcPts val="1000"/>
+              </a:spcBef>
+              <a:buFont typeface="Arial" panose="020B0604020202020204" pitchFamily="34" charset="0"/>
+              <a:buNone/>
+              <a:defRPr sz="2400" kern="1200">
+                <a:solidFill>
+                  <a:schemeClr val="tx1"/>
+                </a:solidFill>
+                <a:latin typeface="+mn-lt"/>
+                <a:ea typeface="+mn-ea"/>
+                <a:cs typeface="+mn-cs"/>
+              </a:defRPr>
+            </a:lvl1pPr>
+            <a:lvl2pPr marL="457200" indent="0" algn="ctr" defTabSz="914400" rtl="0" eaLnBrk="1" latinLnBrk="0" hangingPunct="1">
+              <a:lnSpc>
+                <a:spcPct val="90000"/>
+              </a:lnSpc>
+              <a:spcBef>
+                <a:spcPts val="500"/>
+              </a:spcBef>
+              <a:buFont typeface="Arial" panose="020B0604020202020204" pitchFamily="34" charset="0"/>
+              <a:buNone/>
+              <a:defRPr sz="2000" kern="1200">
+                <a:solidFill>
+                  <a:schemeClr val="tx1"/>
+                </a:solidFill>
+                <a:latin typeface="+mn-lt"/>
+                <a:ea typeface="+mn-ea"/>
+                <a:cs typeface="+mn-cs"/>
+              </a:defRPr>
+            </a:lvl2pPr>
+            <a:lvl3pPr marL="914400" indent="0" algn="ctr" defTabSz="914400" rtl="0" eaLnBrk="1" latinLnBrk="0" hangingPunct="1">
+              <a:lnSpc>
+                <a:spcPct val="90000"/>
+              </a:lnSpc>
+              <a:spcBef>
+                <a:spcPts val="500"/>
+              </a:spcBef>
+              <a:buFont typeface="Arial" panose="020B0604020202020204" pitchFamily="34" charset="0"/>
+              <a:buNone/>
+              <a:defRPr sz="1800" kern="1200">
+                <a:solidFill>
+                  <a:schemeClr val="tx1"/>
+                </a:solidFill>
+                <a:latin typeface="+mn-lt"/>
+                <a:ea typeface="+mn-ea"/>
+                <a:cs typeface="+mn-cs"/>
+              </a:defRPr>
+            </a:lvl3pPr>
+            <a:lvl4pPr marL="1371600" indent="0" algn="ctr" defTabSz="914400" rtl="0" eaLnBrk="1" latinLnBrk="0" hangingPunct="1">
+              <a:lnSpc>
+                <a:spcPct val="90000"/>
+              </a:lnSpc>
+              <a:spcBef>
+                <a:spcPts val="500"/>
+              </a:spcBef>
+              <a:buFont typeface="Arial" panose="020B0604020202020204" pitchFamily="34" charset="0"/>
+              <a:buNone/>
+              <a:defRPr sz="1600" kern="1200">
+                <a:solidFill>
+                  <a:schemeClr val="tx1"/>
+                </a:solidFill>
+                <a:latin typeface="+mn-lt"/>
+                <a:ea typeface="+mn-ea"/>
+                <a:cs typeface="+mn-cs"/>
+              </a:defRPr>
+            </a:lvl4pPr>
+            <a:lvl5pPr marL="1828800" indent="0" algn="ctr" defTabSz="914400" rtl="0" eaLnBrk="1" latinLnBrk="0" hangingPunct="1">
+              <a:lnSpc>
+                <a:spcPct val="90000"/>
+              </a:lnSpc>
+              <a:spcBef>
+                <a:spcPts val="500"/>
+              </a:spcBef>
+              <a:buFont typeface="Arial" panose="020B0604020202020204" pitchFamily="34" charset="0"/>
+              <a:buNone/>
+              <a:defRPr sz="1600" kern="1200">
+                <a:solidFill>
+                  <a:schemeClr val="tx1"/>
+                </a:solidFill>
+                <a:latin typeface="+mn-lt"/>
+                <a:ea typeface="+mn-ea"/>
+                <a:cs typeface="+mn-cs"/>
+              </a:defRPr>
+            </a:lvl5pPr>
+            <a:lvl6pPr marL="2286000" indent="0" algn="ctr" defTabSz="914400" rtl="0" eaLnBrk="1" latinLnBrk="0" hangingPunct="1">
+              <a:lnSpc>
+                <a:spcPct val="90000"/>
+              </a:lnSpc>
+              <a:spcBef>
+                <a:spcPts val="500"/>
+              </a:spcBef>
+              <a:buFont typeface="Arial" panose="020B0604020202020204" pitchFamily="34" charset="0"/>
+              <a:buNone/>
+              <a:defRPr sz="1600" kern="1200">
+                <a:solidFill>
+                  <a:schemeClr val="tx1"/>
+                </a:solidFill>
+                <a:latin typeface="+mn-lt"/>
+                <a:ea typeface="+mn-ea"/>
+                <a:cs typeface="+mn-cs"/>
+              </a:defRPr>
+            </a:lvl6pPr>
+            <a:lvl7pPr marL="2743200" indent="0" algn="ctr" defTabSz="914400" rtl="0" eaLnBrk="1" latinLnBrk="0" hangingPunct="1">
+              <a:lnSpc>
+                <a:spcPct val="90000"/>
+              </a:lnSpc>
+              <a:spcBef>
+                <a:spcPts val="500"/>
+              </a:spcBef>
+              <a:buFont typeface="Arial" panose="020B0604020202020204" pitchFamily="34" charset="0"/>
+              <a:buNone/>
+              <a:defRPr sz="1600" kern="1200">
+                <a:solidFill>
+                  <a:schemeClr val="tx1"/>
+                </a:solidFill>
+                <a:latin typeface="+mn-lt"/>
+                <a:ea typeface="+mn-ea"/>
+                <a:cs typeface="+mn-cs"/>
+              </a:defRPr>
+            </a:lvl7pPr>
+            <a:lvl8pPr marL="3200400" indent="0" algn="ctr" defTabSz="914400" rtl="0" eaLnBrk="1" latinLnBrk="0" hangingPunct="1">
+              <a:lnSpc>
+                <a:spcPct val="90000"/>
+              </a:lnSpc>
+              <a:spcBef>
+                <a:spcPts val="500"/>
+              </a:spcBef>
+              <a:buFont typeface="Arial" panose="020B0604020202020204" pitchFamily="34" charset="0"/>
+              <a:buNone/>
+              <a:defRPr sz="1600" kern="1200">
+                <a:solidFill>
+                  <a:schemeClr val="tx1"/>
+                </a:solidFill>
+                <a:latin typeface="+mn-lt"/>
+                <a:ea typeface="+mn-ea"/>
+                <a:cs typeface="+mn-cs"/>
+              </a:defRPr>
+            </a:lvl8pPr>
+            <a:lvl9pPr marL="3657600" indent="0" algn="ctr" defTabSz="914400" rtl="0" eaLnBrk="1" latinLnBrk="0" hangingPunct="1">
+              <a:lnSpc>
+                <a:spcPct val="90000"/>
+              </a:lnSpc>
+              <a:spcBef>
+                <a:spcPts val="500"/>
+              </a:spcBef>
+              <a:buFont typeface="Arial" panose="020B0604020202020204" pitchFamily="34" charset="0"/>
+              <a:buNone/>
+              <a:defRPr sz="1600" kern="1200">
+                <a:solidFill>
+                  <a:schemeClr val="tx1"/>
+                </a:solidFill>
+                <a:latin typeface="+mn-lt"/>
+                <a:ea typeface="+mn-ea"/>
+                <a:cs typeface="+mn-cs"/>
+              </a:defRPr>
+            </a:lvl9pPr>
+          </a:lstStyle>
+          <a:p>
+            <a:pPr algn="l"/>
+            <a:r>
+              <a:rPr lang="es-MX" sz="2000" b="1" dirty="0">
+                <a:solidFill>
+                  <a:schemeClr val="accent1"/>
+                </a:solidFill>
+              </a:rPr>
+              <a:t>SELECT </a:t>
+            </a:r>
+            <a:r>
+              <a:rPr lang="es-MX" sz="2000" dirty="0">
+                <a:solidFill>
+                  <a:schemeClr val="accent1"/>
+                </a:solidFill>
+              </a:rPr>
+              <a:t>nombre, apellido </a:t>
+            </a:r>
+            <a:r>
+              <a:rPr lang="es-MX" sz="2000" b="1" dirty="0">
+                <a:solidFill>
+                  <a:schemeClr val="accent1"/>
+                </a:solidFill>
+              </a:rPr>
+              <a:t>FROM</a:t>
+            </a:r>
+            <a:r>
+              <a:rPr lang="es-MX" sz="2000" dirty="0">
+                <a:solidFill>
+                  <a:schemeClr val="accent1"/>
+                </a:solidFill>
+              </a:rPr>
+              <a:t> </a:t>
+            </a:r>
+            <a:r>
+              <a:rPr lang="es-MX" sz="2000" dirty="0" err="1">
+                <a:solidFill>
+                  <a:schemeClr val="accent1"/>
+                </a:solidFill>
+              </a:rPr>
+              <a:t>tabla_clientes</a:t>
+            </a:r>
+            <a:r>
+              <a:rPr lang="es-MX" sz="2000" dirty="0">
+                <a:solidFill>
+                  <a:schemeClr val="accent1"/>
+                </a:solidFill>
+              </a:rPr>
+              <a:t> </a:t>
+            </a:r>
+            <a:endParaRPr lang="es-MX" sz="2000" b="1" dirty="0">
+              <a:solidFill>
+                <a:schemeClr val="accent1"/>
+              </a:solidFill>
+            </a:endParaRPr>
+          </a:p>
+          <a:p>
+            <a:pPr algn="l"/>
+            <a:r>
+              <a:rPr lang="es-MX" sz="2000" b="1" dirty="0">
+                <a:solidFill>
+                  <a:schemeClr val="accent1"/>
+                </a:solidFill>
+              </a:rPr>
+              <a:t>WHERE</a:t>
+            </a:r>
+            <a:r>
+              <a:rPr lang="es-MX" sz="2000" dirty="0">
+                <a:solidFill>
+                  <a:schemeClr val="accent1"/>
+                </a:solidFill>
+              </a:rPr>
+              <a:t> edad&gt;25 </a:t>
+            </a:r>
+            <a:r>
+              <a:rPr lang="es-MX" sz="2000" b="1" dirty="0">
+                <a:solidFill>
+                  <a:schemeClr val="accent1"/>
+                </a:solidFill>
+              </a:rPr>
+              <a:t>;</a:t>
+            </a:r>
+          </a:p>
+          <a:p>
+            <a:pPr algn="l"/>
+            <a:endParaRPr lang="es-MX" sz="2000" dirty="0">
+              <a:solidFill>
+                <a:schemeClr val="accent1"/>
+              </a:solidFill>
+            </a:endParaRPr>
+          </a:p>
+        </p:txBody>
+      </p:sp>
+      <p:sp>
+        <p:nvSpPr>
+          <p:cNvPr id="8" name="Subtítulo 2">
+            <a:extLst>
+              <a:ext uri="{FF2B5EF4-FFF2-40B4-BE49-F238E27FC236}">
+                <a16:creationId xmlns:a16="http://schemas.microsoft.com/office/drawing/2014/main" id="{CB60E341-26B2-8A28-C319-E0510272E75F}"/>
+              </a:ext>
+            </a:extLst>
+          </p:cNvPr>
+          <p:cNvSpPr txBox="1">
+            <a:spLocks/>
+          </p:cNvSpPr>
+          <p:nvPr/>
+        </p:nvSpPr>
+        <p:spPr>
+          <a:xfrm>
+            <a:off x="8285018" y="2657873"/>
+            <a:ext cx="3906981" cy="554438"/>
+          </a:xfrm>
+          <a:prstGeom prst="rect">
+            <a:avLst/>
+          </a:prstGeom>
+        </p:spPr>
+        <p:txBody>
+          <a:bodyPr vert="horz" lIns="91440" tIns="45720" rIns="91440" bIns="45720" rtlCol="0">
+            <a:normAutofit/>
+          </a:bodyPr>
+          <a:lstStyle>
+            <a:lvl1pPr marL="0" indent="0" algn="ctr" defTabSz="914400" rtl="0" eaLnBrk="1" latinLnBrk="0" hangingPunct="1">
+              <a:lnSpc>
+                <a:spcPct val="90000"/>
+              </a:lnSpc>
+              <a:spcBef>
+                <a:spcPts val="1000"/>
+              </a:spcBef>
+              <a:buFont typeface="Arial" panose="020B0604020202020204" pitchFamily="34" charset="0"/>
+              <a:buNone/>
+              <a:defRPr sz="2400" kern="1200">
+                <a:solidFill>
+                  <a:schemeClr val="tx1"/>
+                </a:solidFill>
+                <a:latin typeface="+mn-lt"/>
+                <a:ea typeface="+mn-ea"/>
+                <a:cs typeface="+mn-cs"/>
+              </a:defRPr>
+            </a:lvl1pPr>
+            <a:lvl2pPr marL="457200" indent="0" algn="ctr" defTabSz="914400" rtl="0" eaLnBrk="1" latinLnBrk="0" hangingPunct="1">
+              <a:lnSpc>
+                <a:spcPct val="90000"/>
+              </a:lnSpc>
+              <a:spcBef>
+                <a:spcPts val="500"/>
+              </a:spcBef>
+              <a:buFont typeface="Arial" panose="020B0604020202020204" pitchFamily="34" charset="0"/>
+              <a:buNone/>
+              <a:defRPr sz="2000" kern="1200">
+                <a:solidFill>
+                  <a:schemeClr val="tx1"/>
+                </a:solidFill>
+                <a:latin typeface="+mn-lt"/>
+                <a:ea typeface="+mn-ea"/>
+                <a:cs typeface="+mn-cs"/>
+              </a:defRPr>
+            </a:lvl2pPr>
+            <a:lvl3pPr marL="914400" indent="0" algn="ctr" defTabSz="914400" rtl="0" eaLnBrk="1" latinLnBrk="0" hangingPunct="1">
+              <a:lnSpc>
+                <a:spcPct val="90000"/>
+              </a:lnSpc>
+              <a:spcBef>
+                <a:spcPts val="500"/>
+              </a:spcBef>
+              <a:buFont typeface="Arial" panose="020B0604020202020204" pitchFamily="34" charset="0"/>
+              <a:buNone/>
+              <a:defRPr sz="1800" kern="1200">
+                <a:solidFill>
+                  <a:schemeClr val="tx1"/>
+                </a:solidFill>
+                <a:latin typeface="+mn-lt"/>
+                <a:ea typeface="+mn-ea"/>
+                <a:cs typeface="+mn-cs"/>
+              </a:defRPr>
+            </a:lvl3pPr>
+            <a:lvl4pPr marL="1371600" indent="0" algn="ctr" defTabSz="914400" rtl="0" eaLnBrk="1" latinLnBrk="0" hangingPunct="1">
+              <a:lnSpc>
+                <a:spcPct val="90000"/>
+              </a:lnSpc>
+              <a:spcBef>
+                <a:spcPts val="500"/>
+              </a:spcBef>
+              <a:buFont typeface="Arial" panose="020B0604020202020204" pitchFamily="34" charset="0"/>
+              <a:buNone/>
+              <a:defRPr sz="1600" kern="1200">
+                <a:solidFill>
+                  <a:schemeClr val="tx1"/>
+                </a:solidFill>
+                <a:latin typeface="+mn-lt"/>
+                <a:ea typeface="+mn-ea"/>
+                <a:cs typeface="+mn-cs"/>
+              </a:defRPr>
+            </a:lvl4pPr>
+            <a:lvl5pPr marL="1828800" indent="0" algn="ctr" defTabSz="914400" rtl="0" eaLnBrk="1" latinLnBrk="0" hangingPunct="1">
+              <a:lnSpc>
+                <a:spcPct val="90000"/>
+              </a:lnSpc>
+              <a:spcBef>
+                <a:spcPts val="500"/>
+              </a:spcBef>
+              <a:buFont typeface="Arial" panose="020B0604020202020204" pitchFamily="34" charset="0"/>
+              <a:buNone/>
+              <a:defRPr sz="1600" kern="1200">
+                <a:solidFill>
+                  <a:schemeClr val="tx1"/>
+                </a:solidFill>
+                <a:latin typeface="+mn-lt"/>
+                <a:ea typeface="+mn-ea"/>
+                <a:cs typeface="+mn-cs"/>
+              </a:defRPr>
+            </a:lvl5pPr>
+            <a:lvl6pPr marL="2286000" indent="0" algn="ctr" defTabSz="914400" rtl="0" eaLnBrk="1" latinLnBrk="0" hangingPunct="1">
+              <a:lnSpc>
+                <a:spcPct val="90000"/>
+              </a:lnSpc>
+              <a:spcBef>
+                <a:spcPts val="500"/>
+              </a:spcBef>
+              <a:buFont typeface="Arial" panose="020B0604020202020204" pitchFamily="34" charset="0"/>
+              <a:buNone/>
+              <a:defRPr sz="1600" kern="1200">
+                <a:solidFill>
+                  <a:schemeClr val="tx1"/>
+                </a:solidFill>
+                <a:latin typeface="+mn-lt"/>
+                <a:ea typeface="+mn-ea"/>
+                <a:cs typeface="+mn-cs"/>
+              </a:defRPr>
+            </a:lvl6pPr>
+            <a:lvl7pPr marL="2743200" indent="0" algn="ctr" defTabSz="914400" rtl="0" eaLnBrk="1" latinLnBrk="0" hangingPunct="1">
+              <a:lnSpc>
+                <a:spcPct val="90000"/>
+              </a:lnSpc>
+              <a:spcBef>
+                <a:spcPts val="500"/>
+              </a:spcBef>
+              <a:buFont typeface="Arial" panose="020B0604020202020204" pitchFamily="34" charset="0"/>
+              <a:buNone/>
+              <a:defRPr sz="1600" kern="1200">
+                <a:solidFill>
+                  <a:schemeClr val="tx1"/>
+                </a:solidFill>
+                <a:latin typeface="+mn-lt"/>
+                <a:ea typeface="+mn-ea"/>
+                <a:cs typeface="+mn-cs"/>
+              </a:defRPr>
+            </a:lvl7pPr>
+            <a:lvl8pPr marL="3200400" indent="0" algn="ctr" defTabSz="914400" rtl="0" eaLnBrk="1" latinLnBrk="0" hangingPunct="1">
+              <a:lnSpc>
+                <a:spcPct val="90000"/>
+              </a:lnSpc>
+              <a:spcBef>
+                <a:spcPts val="500"/>
+              </a:spcBef>
+              <a:buFont typeface="Arial" panose="020B0604020202020204" pitchFamily="34" charset="0"/>
+              <a:buNone/>
+              <a:defRPr sz="1600" kern="1200">
+                <a:solidFill>
+                  <a:schemeClr val="tx1"/>
+                </a:solidFill>
+                <a:latin typeface="+mn-lt"/>
+                <a:ea typeface="+mn-ea"/>
+                <a:cs typeface="+mn-cs"/>
+              </a:defRPr>
+            </a:lvl8pPr>
+            <a:lvl9pPr marL="3657600" indent="0" algn="ctr" defTabSz="914400" rtl="0" eaLnBrk="1" latinLnBrk="0" hangingPunct="1">
+              <a:lnSpc>
+                <a:spcPct val="90000"/>
+              </a:lnSpc>
+              <a:spcBef>
+                <a:spcPts val="500"/>
+              </a:spcBef>
+              <a:buFont typeface="Arial" panose="020B0604020202020204" pitchFamily="34" charset="0"/>
+              <a:buNone/>
+              <a:defRPr sz="1600" kern="1200">
+                <a:solidFill>
+                  <a:schemeClr val="tx1"/>
+                </a:solidFill>
+                <a:latin typeface="+mn-lt"/>
+                <a:ea typeface="+mn-ea"/>
+                <a:cs typeface="+mn-cs"/>
+              </a:defRPr>
+            </a:lvl9pPr>
+          </a:lstStyle>
+          <a:p>
+            <a:pPr algn="l"/>
+            <a:r>
+              <a:rPr lang="es-MX" sz="1600" dirty="0"/>
+              <a:t>+ Para poner más de una condición se deben usar operadores lógicos</a:t>
+            </a:r>
+          </a:p>
+        </p:txBody>
+      </p:sp>
+      <p:sp>
+        <p:nvSpPr>
+          <p:cNvPr id="10" name="Subtítulo 2">
+            <a:extLst>
+              <a:ext uri="{FF2B5EF4-FFF2-40B4-BE49-F238E27FC236}">
+                <a16:creationId xmlns:a16="http://schemas.microsoft.com/office/drawing/2014/main" id="{8A02A2A7-A6C8-DBB2-E133-9ACF1096ED9D}"/>
+              </a:ext>
+            </a:extLst>
+          </p:cNvPr>
+          <p:cNvSpPr txBox="1">
+            <a:spLocks/>
+          </p:cNvSpPr>
+          <p:nvPr/>
+        </p:nvSpPr>
+        <p:spPr>
+          <a:xfrm>
+            <a:off x="152393" y="4177368"/>
+            <a:ext cx="7966363" cy="796633"/>
+          </a:xfrm>
+          <a:prstGeom prst="rect">
+            <a:avLst/>
+          </a:prstGeom>
+        </p:spPr>
+        <p:txBody>
+          <a:bodyPr vert="horz" lIns="91440" tIns="45720" rIns="91440" bIns="45720" rtlCol="0">
+            <a:normAutofit/>
+          </a:bodyPr>
+          <a:lstStyle>
+            <a:lvl1pPr marL="0" indent="0" algn="ctr" defTabSz="914400" rtl="0" eaLnBrk="1" latinLnBrk="0" hangingPunct="1">
+              <a:lnSpc>
+                <a:spcPct val="90000"/>
+              </a:lnSpc>
+              <a:spcBef>
+                <a:spcPts val="1000"/>
+              </a:spcBef>
+              <a:buFont typeface="Arial" panose="020B0604020202020204" pitchFamily="34" charset="0"/>
+              <a:buNone/>
+              <a:defRPr sz="2400" kern="1200">
+                <a:solidFill>
+                  <a:schemeClr val="tx1"/>
+                </a:solidFill>
+                <a:latin typeface="+mn-lt"/>
+                <a:ea typeface="+mn-ea"/>
+                <a:cs typeface="+mn-cs"/>
+              </a:defRPr>
+            </a:lvl1pPr>
+            <a:lvl2pPr marL="457200" indent="0" algn="ctr" defTabSz="914400" rtl="0" eaLnBrk="1" latinLnBrk="0" hangingPunct="1">
+              <a:lnSpc>
+                <a:spcPct val="90000"/>
+              </a:lnSpc>
+              <a:spcBef>
+                <a:spcPts val="500"/>
+              </a:spcBef>
+              <a:buFont typeface="Arial" panose="020B0604020202020204" pitchFamily="34" charset="0"/>
+              <a:buNone/>
+              <a:defRPr sz="2000" kern="1200">
+                <a:solidFill>
+                  <a:schemeClr val="tx1"/>
+                </a:solidFill>
+                <a:latin typeface="+mn-lt"/>
+                <a:ea typeface="+mn-ea"/>
+                <a:cs typeface="+mn-cs"/>
+              </a:defRPr>
+            </a:lvl2pPr>
+            <a:lvl3pPr marL="914400" indent="0" algn="ctr" defTabSz="914400" rtl="0" eaLnBrk="1" latinLnBrk="0" hangingPunct="1">
+              <a:lnSpc>
+                <a:spcPct val="90000"/>
+              </a:lnSpc>
+              <a:spcBef>
+                <a:spcPts val="500"/>
+              </a:spcBef>
+              <a:buFont typeface="Arial" panose="020B0604020202020204" pitchFamily="34" charset="0"/>
+              <a:buNone/>
+              <a:defRPr sz="1800" kern="1200">
+                <a:solidFill>
+                  <a:schemeClr val="tx1"/>
+                </a:solidFill>
+                <a:latin typeface="+mn-lt"/>
+                <a:ea typeface="+mn-ea"/>
+                <a:cs typeface="+mn-cs"/>
+              </a:defRPr>
+            </a:lvl3pPr>
+            <a:lvl4pPr marL="1371600" indent="0" algn="ctr" defTabSz="914400" rtl="0" eaLnBrk="1" latinLnBrk="0" hangingPunct="1">
+              <a:lnSpc>
+                <a:spcPct val="90000"/>
+              </a:lnSpc>
+              <a:spcBef>
+                <a:spcPts val="500"/>
+              </a:spcBef>
+              <a:buFont typeface="Arial" panose="020B0604020202020204" pitchFamily="34" charset="0"/>
+              <a:buNone/>
+              <a:defRPr sz="1600" kern="1200">
+                <a:solidFill>
+                  <a:schemeClr val="tx1"/>
+                </a:solidFill>
+                <a:latin typeface="+mn-lt"/>
+                <a:ea typeface="+mn-ea"/>
+                <a:cs typeface="+mn-cs"/>
+              </a:defRPr>
+            </a:lvl4pPr>
+            <a:lvl5pPr marL="1828800" indent="0" algn="ctr" defTabSz="914400" rtl="0" eaLnBrk="1" latinLnBrk="0" hangingPunct="1">
+              <a:lnSpc>
+                <a:spcPct val="90000"/>
+              </a:lnSpc>
+              <a:spcBef>
+                <a:spcPts val="500"/>
+              </a:spcBef>
+              <a:buFont typeface="Arial" panose="020B0604020202020204" pitchFamily="34" charset="0"/>
+              <a:buNone/>
+              <a:defRPr sz="1600" kern="1200">
+                <a:solidFill>
+                  <a:schemeClr val="tx1"/>
+                </a:solidFill>
+                <a:latin typeface="+mn-lt"/>
+                <a:ea typeface="+mn-ea"/>
+                <a:cs typeface="+mn-cs"/>
+              </a:defRPr>
+            </a:lvl5pPr>
+            <a:lvl6pPr marL="2286000" indent="0" algn="ctr" defTabSz="914400" rtl="0" eaLnBrk="1" latinLnBrk="0" hangingPunct="1">
+              <a:lnSpc>
+                <a:spcPct val="90000"/>
+              </a:lnSpc>
+              <a:spcBef>
+                <a:spcPts val="500"/>
+              </a:spcBef>
+              <a:buFont typeface="Arial" panose="020B0604020202020204" pitchFamily="34" charset="0"/>
+              <a:buNone/>
+              <a:defRPr sz="1600" kern="1200">
+                <a:solidFill>
+                  <a:schemeClr val="tx1"/>
+                </a:solidFill>
+                <a:latin typeface="+mn-lt"/>
+                <a:ea typeface="+mn-ea"/>
+                <a:cs typeface="+mn-cs"/>
+              </a:defRPr>
+            </a:lvl6pPr>
+            <a:lvl7pPr marL="2743200" indent="0" algn="ctr" defTabSz="914400" rtl="0" eaLnBrk="1" latinLnBrk="0" hangingPunct="1">
+              <a:lnSpc>
+                <a:spcPct val="90000"/>
+              </a:lnSpc>
+              <a:spcBef>
+                <a:spcPts val="500"/>
+              </a:spcBef>
+              <a:buFont typeface="Arial" panose="020B0604020202020204" pitchFamily="34" charset="0"/>
+              <a:buNone/>
+              <a:defRPr sz="1600" kern="1200">
+                <a:solidFill>
+                  <a:schemeClr val="tx1"/>
+                </a:solidFill>
+                <a:latin typeface="+mn-lt"/>
+                <a:ea typeface="+mn-ea"/>
+                <a:cs typeface="+mn-cs"/>
+              </a:defRPr>
+            </a:lvl7pPr>
+            <a:lvl8pPr marL="3200400" indent="0" algn="ctr" defTabSz="914400" rtl="0" eaLnBrk="1" latinLnBrk="0" hangingPunct="1">
+              <a:lnSpc>
+                <a:spcPct val="90000"/>
+              </a:lnSpc>
+              <a:spcBef>
+                <a:spcPts val="500"/>
+              </a:spcBef>
+              <a:buFont typeface="Arial" panose="020B0604020202020204" pitchFamily="34" charset="0"/>
+              <a:buNone/>
+              <a:defRPr sz="1600" kern="1200">
+                <a:solidFill>
+                  <a:schemeClr val="tx1"/>
+                </a:solidFill>
+                <a:latin typeface="+mn-lt"/>
+                <a:ea typeface="+mn-ea"/>
+                <a:cs typeface="+mn-cs"/>
+              </a:defRPr>
+            </a:lvl8pPr>
+            <a:lvl9pPr marL="3657600" indent="0" algn="ctr" defTabSz="914400" rtl="0" eaLnBrk="1" latinLnBrk="0" hangingPunct="1">
+              <a:lnSpc>
+                <a:spcPct val="90000"/>
+              </a:lnSpc>
+              <a:spcBef>
+                <a:spcPts val="500"/>
+              </a:spcBef>
+              <a:buFont typeface="Arial" panose="020B0604020202020204" pitchFamily="34" charset="0"/>
+              <a:buNone/>
+              <a:defRPr sz="1600" kern="1200">
+                <a:solidFill>
+                  <a:schemeClr val="tx1"/>
+                </a:solidFill>
+                <a:latin typeface="+mn-lt"/>
+                <a:ea typeface="+mn-ea"/>
+                <a:cs typeface="+mn-cs"/>
+              </a:defRPr>
+            </a:lvl9pPr>
+          </a:lstStyle>
+          <a:p>
+            <a:pPr algn="l"/>
+            <a:r>
+              <a:rPr lang="es-MX" sz="2000" b="1" dirty="0">
+                <a:solidFill>
+                  <a:schemeClr val="accent1"/>
+                </a:solidFill>
+              </a:rPr>
+              <a:t>SELECT </a:t>
+            </a:r>
+            <a:r>
+              <a:rPr lang="es-MX" sz="2000" dirty="0">
+                <a:solidFill>
+                  <a:schemeClr val="accent1"/>
+                </a:solidFill>
+              </a:rPr>
+              <a:t>*</a:t>
+            </a:r>
+            <a:r>
+              <a:rPr lang="es-MX" sz="2000" b="1" dirty="0">
+                <a:solidFill>
+                  <a:schemeClr val="accent1"/>
+                </a:solidFill>
+              </a:rPr>
+              <a:t>FROM</a:t>
+            </a:r>
+            <a:r>
+              <a:rPr lang="es-MX" sz="2000" dirty="0">
+                <a:solidFill>
+                  <a:schemeClr val="accent1"/>
+                </a:solidFill>
+              </a:rPr>
+              <a:t> </a:t>
+            </a:r>
+            <a:r>
+              <a:rPr lang="es-MX" sz="2000" dirty="0" err="1">
+                <a:solidFill>
+                  <a:schemeClr val="accent1"/>
+                </a:solidFill>
+              </a:rPr>
+              <a:t>tabla_clientes</a:t>
+            </a:r>
+            <a:r>
+              <a:rPr lang="es-MX" sz="2000" dirty="0">
+                <a:solidFill>
+                  <a:schemeClr val="accent1"/>
+                </a:solidFill>
+              </a:rPr>
+              <a:t> </a:t>
+            </a:r>
+            <a:endParaRPr lang="es-MX" sz="2000" b="1" dirty="0">
+              <a:solidFill>
+                <a:schemeClr val="accent1"/>
+              </a:solidFill>
+            </a:endParaRPr>
+          </a:p>
+          <a:p>
+            <a:pPr algn="l"/>
+            <a:r>
+              <a:rPr lang="es-MX" sz="2000" b="1" dirty="0">
+                <a:solidFill>
+                  <a:schemeClr val="accent1"/>
+                </a:solidFill>
+              </a:rPr>
+              <a:t>WHERE</a:t>
+            </a:r>
+            <a:r>
+              <a:rPr lang="es-MX" sz="2000" dirty="0">
+                <a:solidFill>
+                  <a:schemeClr val="accent1"/>
+                </a:solidFill>
+              </a:rPr>
+              <a:t> nombre=</a:t>
+            </a:r>
+            <a:r>
+              <a:rPr lang="es-MX" sz="2000" b="1" dirty="0">
+                <a:solidFill>
+                  <a:schemeClr val="accent1"/>
+                </a:solidFill>
+              </a:rPr>
+              <a:t>‘</a:t>
+            </a:r>
+            <a:r>
+              <a:rPr lang="es-MX" sz="2000" dirty="0">
+                <a:solidFill>
+                  <a:schemeClr val="accent1"/>
+                </a:solidFill>
+              </a:rPr>
+              <a:t>Gabriela</a:t>
+            </a:r>
+            <a:r>
+              <a:rPr lang="es-MX" sz="2000" b="1" dirty="0">
+                <a:solidFill>
+                  <a:schemeClr val="accent1"/>
+                </a:solidFill>
+              </a:rPr>
+              <a:t>’</a:t>
+            </a:r>
+            <a:r>
+              <a:rPr lang="es-MX" sz="2000" dirty="0">
+                <a:solidFill>
+                  <a:schemeClr val="accent1"/>
+                </a:solidFill>
+              </a:rPr>
+              <a:t> </a:t>
+            </a:r>
+            <a:r>
+              <a:rPr lang="es-MX" sz="2000" b="1" dirty="0">
+                <a:solidFill>
+                  <a:schemeClr val="accent1"/>
+                </a:solidFill>
+              </a:rPr>
+              <a:t>;</a:t>
+            </a:r>
+            <a:r>
+              <a:rPr lang="es-MX" sz="2000" dirty="0">
+                <a:solidFill>
+                  <a:schemeClr val="accent1"/>
+                </a:solidFill>
+              </a:rPr>
+              <a:t> </a:t>
+            </a:r>
+            <a:endParaRPr lang="es-MX" sz="2000" b="1" dirty="0">
+              <a:solidFill>
+                <a:schemeClr val="accent1"/>
+              </a:solidFill>
+            </a:endParaRPr>
+          </a:p>
+          <a:p>
+            <a:pPr algn="l"/>
+            <a:endParaRPr lang="es-MX" sz="2000" dirty="0">
+              <a:solidFill>
+                <a:schemeClr val="accent1"/>
+              </a:solidFill>
+            </a:endParaRPr>
+          </a:p>
+        </p:txBody>
+      </p:sp>
+    </p:spTree>
+    <p:extLst>
+      <p:ext uri="{BB962C8B-B14F-4D97-AF65-F5344CB8AC3E}">
+        <p14:creationId xmlns:p14="http://schemas.microsoft.com/office/powerpoint/2010/main" val="4147176101"/>
       </p:ext>
     </p:extLst>
   </p:cSld>

--- a/Curso AABD-SQL (Notas).pptx
+++ b/Curso AABD-SQL (Notas).pptx
@@ -12,6 +12,12 @@
     <p:sldId id="260" r:id="rId6"/>
     <p:sldId id="261" r:id="rId7"/>
     <p:sldId id="262" r:id="rId8"/>
+    <p:sldId id="263" r:id="rId9"/>
+    <p:sldId id="264" r:id="rId10"/>
+    <p:sldId id="265" r:id="rId11"/>
+    <p:sldId id="266" r:id="rId12"/>
+    <p:sldId id="267" r:id="rId13"/>
+    <p:sldId id="268" r:id="rId14"/>
   </p:sldIdLst>
   <p:sldSz cx="12192000" cy="6858000"/>
   <p:notesSz cx="6858000" cy="9144000"/>
@@ -3634,6 +3640,3277 @@
 </p:sld>
 </file>
 
+<file path=ppt/slides/slide10.xml><?xml version="1.0" encoding="utf-8"?>
+<p:sld xmlns:a="http://schemas.openxmlformats.org/drawingml/2006/main" xmlns:r="http://schemas.openxmlformats.org/officeDocument/2006/relationships" xmlns:p="http://schemas.openxmlformats.org/presentationml/2006/main">
+  <p:cSld>
+    <p:spTree>
+      <p:nvGrpSpPr>
+        <p:cNvPr id="1" name=""/>
+        <p:cNvGrpSpPr/>
+        <p:nvPr/>
+      </p:nvGrpSpPr>
+      <p:grpSpPr>
+        <a:xfrm>
+          <a:off x="0" y="0"/>
+          <a:ext cx="0" cy="0"/>
+          <a:chOff x="0" y="0"/>
+          <a:chExt cx="0" cy="0"/>
+        </a:xfrm>
+      </p:grpSpPr>
+      <p:sp>
+        <p:nvSpPr>
+          <p:cNvPr id="2" name="Título 1">
+            <a:extLst>
+              <a:ext uri="{FF2B5EF4-FFF2-40B4-BE49-F238E27FC236}">
+                <a16:creationId xmlns:a16="http://schemas.microsoft.com/office/drawing/2014/main" id="{095D5E06-C433-C836-106A-B2D45ADCF04F}"/>
+              </a:ext>
+            </a:extLst>
+          </p:cNvPr>
+          <p:cNvSpPr>
+            <a:spLocks noGrp="1"/>
+          </p:cNvSpPr>
+          <p:nvPr>
+            <p:ph type="ctrTitle"/>
+          </p:nvPr>
+        </p:nvSpPr>
+        <p:spPr>
+          <a:xfrm>
+            <a:off x="304800" y="277091"/>
+            <a:ext cx="9144000" cy="669781"/>
+          </a:xfrm>
+        </p:spPr>
+        <p:txBody>
+          <a:bodyPr>
+            <a:normAutofit/>
+          </a:bodyPr>
+          <a:lstStyle/>
+          <a:p>
+            <a:pPr algn="l"/>
+            <a:r>
+              <a:rPr lang="es-MX" sz="3600" b="1" dirty="0">
+                <a:latin typeface="Gadugi" panose="020B0502040204020203" pitchFamily="34" charset="0"/>
+                <a:ea typeface="Gadugi" panose="020B0502040204020203" pitchFamily="34" charset="0"/>
+              </a:rPr>
+              <a:t>DELETE FROM - </a:t>
+            </a:r>
+            <a:r>
+              <a:rPr lang="es-MX" sz="3600" b="1" dirty="0">
+                <a:solidFill>
+                  <a:srgbClr val="FF0000"/>
+                </a:solidFill>
+                <a:latin typeface="Gadugi" panose="020B0502040204020203" pitchFamily="34" charset="0"/>
+                <a:ea typeface="Gadugi" panose="020B0502040204020203" pitchFamily="34" charset="0"/>
+              </a:rPr>
+              <a:t>WHERE</a:t>
+            </a:r>
+          </a:p>
+        </p:txBody>
+      </p:sp>
+      <p:sp>
+        <p:nvSpPr>
+          <p:cNvPr id="3" name="Subtítulo 2">
+            <a:extLst>
+              <a:ext uri="{FF2B5EF4-FFF2-40B4-BE49-F238E27FC236}">
+                <a16:creationId xmlns:a16="http://schemas.microsoft.com/office/drawing/2014/main" id="{1A30F90B-0731-20CA-E914-48343967869A}"/>
+              </a:ext>
+            </a:extLst>
+          </p:cNvPr>
+          <p:cNvSpPr>
+            <a:spLocks noGrp="1"/>
+          </p:cNvSpPr>
+          <p:nvPr>
+            <p:ph type="subTitle" idx="1"/>
+          </p:nvPr>
+        </p:nvSpPr>
+        <p:spPr>
+          <a:xfrm>
+            <a:off x="152400" y="1602656"/>
+            <a:ext cx="7966356" cy="1826344"/>
+          </a:xfrm>
+        </p:spPr>
+        <p:txBody>
+          <a:bodyPr>
+            <a:normAutofit/>
+          </a:bodyPr>
+          <a:lstStyle/>
+          <a:p>
+            <a:pPr algn="l"/>
+            <a:r>
+              <a:rPr lang="es-MX" b="1" dirty="0"/>
+              <a:t>DELETE FROM</a:t>
+            </a:r>
+            <a:r>
+              <a:rPr lang="es-MX" dirty="0"/>
+              <a:t> [nombre de la tabla] </a:t>
+            </a:r>
+          </a:p>
+          <a:p>
+            <a:pPr algn="l"/>
+            <a:r>
+              <a:rPr lang="es-MX" b="1" dirty="0"/>
+              <a:t>WHERE</a:t>
+            </a:r>
+            <a:r>
+              <a:rPr lang="es-MX" dirty="0"/>
+              <a:t> [condición] </a:t>
+            </a:r>
+            <a:r>
+              <a:rPr lang="es-MX" b="1" dirty="0"/>
+              <a:t>;</a:t>
+            </a:r>
+          </a:p>
+        </p:txBody>
+      </p:sp>
+      <p:cxnSp>
+        <p:nvCxnSpPr>
+          <p:cNvPr id="5" name="Conector recto 4">
+            <a:extLst>
+              <a:ext uri="{FF2B5EF4-FFF2-40B4-BE49-F238E27FC236}">
+                <a16:creationId xmlns:a16="http://schemas.microsoft.com/office/drawing/2014/main" id="{8185E119-0A24-A724-B622-7DB91F3252A8}"/>
+              </a:ext>
+            </a:extLst>
+          </p:cNvPr>
+          <p:cNvCxnSpPr/>
+          <p:nvPr/>
+        </p:nvCxnSpPr>
+        <p:spPr>
+          <a:xfrm>
+            <a:off x="0" y="946872"/>
+            <a:ext cx="5472545" cy="0"/>
+          </a:xfrm>
+          <a:prstGeom prst="line">
+            <a:avLst/>
+          </a:prstGeom>
+          <a:ln w="38100">
+            <a:solidFill>
+              <a:srgbClr val="7030A0"/>
+            </a:solidFill>
+          </a:ln>
+        </p:spPr>
+        <p:style>
+          <a:lnRef idx="1">
+            <a:schemeClr val="accent1"/>
+          </a:lnRef>
+          <a:fillRef idx="0">
+            <a:schemeClr val="accent1"/>
+          </a:fillRef>
+          <a:effectRef idx="0">
+            <a:schemeClr val="accent1"/>
+          </a:effectRef>
+          <a:fontRef idx="minor">
+            <a:schemeClr val="tx1"/>
+          </a:fontRef>
+        </p:style>
+      </p:cxnSp>
+      <p:cxnSp>
+        <p:nvCxnSpPr>
+          <p:cNvPr id="6" name="Conector recto 5">
+            <a:extLst>
+              <a:ext uri="{FF2B5EF4-FFF2-40B4-BE49-F238E27FC236}">
+                <a16:creationId xmlns:a16="http://schemas.microsoft.com/office/drawing/2014/main" id="{BEFC1D1B-E623-58C6-AEC5-FBF9FC0A9DBC}"/>
+              </a:ext>
+            </a:extLst>
+          </p:cNvPr>
+          <p:cNvCxnSpPr>
+            <a:cxnSpLocks/>
+          </p:cNvCxnSpPr>
+          <p:nvPr/>
+        </p:nvCxnSpPr>
+        <p:spPr>
+          <a:xfrm flipV="1">
+            <a:off x="8257309" y="0"/>
+            <a:ext cx="0" cy="6858000"/>
+          </a:xfrm>
+          <a:prstGeom prst="line">
+            <a:avLst/>
+          </a:prstGeom>
+          <a:ln w="38100">
+            <a:solidFill>
+              <a:srgbClr val="7030A0"/>
+            </a:solidFill>
+          </a:ln>
+        </p:spPr>
+        <p:style>
+          <a:lnRef idx="1">
+            <a:schemeClr val="accent1"/>
+          </a:lnRef>
+          <a:fillRef idx="0">
+            <a:schemeClr val="accent1"/>
+          </a:fillRef>
+          <a:effectRef idx="0">
+            <a:schemeClr val="accent1"/>
+          </a:effectRef>
+          <a:fontRef idx="minor">
+            <a:schemeClr val="tx1"/>
+          </a:fontRef>
+        </p:style>
+      </p:cxnSp>
+      <p:sp>
+        <p:nvSpPr>
+          <p:cNvPr id="9" name="Subtítulo 2">
+            <a:extLst>
+              <a:ext uri="{FF2B5EF4-FFF2-40B4-BE49-F238E27FC236}">
+                <a16:creationId xmlns:a16="http://schemas.microsoft.com/office/drawing/2014/main" id="{B2F69EEF-1183-1D61-4B75-D786FD98E6A3}"/>
+              </a:ext>
+            </a:extLst>
+          </p:cNvPr>
+          <p:cNvSpPr txBox="1">
+            <a:spLocks/>
+          </p:cNvSpPr>
+          <p:nvPr/>
+        </p:nvSpPr>
+        <p:spPr>
+          <a:xfrm>
+            <a:off x="8285019" y="1602654"/>
+            <a:ext cx="3906981" cy="1154126"/>
+          </a:xfrm>
+          <a:prstGeom prst="rect">
+            <a:avLst/>
+          </a:prstGeom>
+        </p:spPr>
+        <p:txBody>
+          <a:bodyPr vert="horz" lIns="91440" tIns="45720" rIns="91440" bIns="45720" rtlCol="0">
+            <a:normAutofit/>
+          </a:bodyPr>
+          <a:lstStyle>
+            <a:lvl1pPr marL="0" indent="0" algn="ctr" defTabSz="914400" rtl="0" eaLnBrk="1" latinLnBrk="0" hangingPunct="1">
+              <a:lnSpc>
+                <a:spcPct val="90000"/>
+              </a:lnSpc>
+              <a:spcBef>
+                <a:spcPts val="1000"/>
+              </a:spcBef>
+              <a:buFont typeface="Arial" panose="020B0604020202020204" pitchFamily="34" charset="0"/>
+              <a:buNone/>
+              <a:defRPr sz="2400" kern="1200">
+                <a:solidFill>
+                  <a:schemeClr val="tx1"/>
+                </a:solidFill>
+                <a:latin typeface="+mn-lt"/>
+                <a:ea typeface="+mn-ea"/>
+                <a:cs typeface="+mn-cs"/>
+              </a:defRPr>
+            </a:lvl1pPr>
+            <a:lvl2pPr marL="457200" indent="0" algn="ctr" defTabSz="914400" rtl="0" eaLnBrk="1" latinLnBrk="0" hangingPunct="1">
+              <a:lnSpc>
+                <a:spcPct val="90000"/>
+              </a:lnSpc>
+              <a:spcBef>
+                <a:spcPts val="500"/>
+              </a:spcBef>
+              <a:buFont typeface="Arial" panose="020B0604020202020204" pitchFamily="34" charset="0"/>
+              <a:buNone/>
+              <a:defRPr sz="2000" kern="1200">
+                <a:solidFill>
+                  <a:schemeClr val="tx1"/>
+                </a:solidFill>
+                <a:latin typeface="+mn-lt"/>
+                <a:ea typeface="+mn-ea"/>
+                <a:cs typeface="+mn-cs"/>
+              </a:defRPr>
+            </a:lvl2pPr>
+            <a:lvl3pPr marL="914400" indent="0" algn="ctr" defTabSz="914400" rtl="0" eaLnBrk="1" latinLnBrk="0" hangingPunct="1">
+              <a:lnSpc>
+                <a:spcPct val="90000"/>
+              </a:lnSpc>
+              <a:spcBef>
+                <a:spcPts val="500"/>
+              </a:spcBef>
+              <a:buFont typeface="Arial" panose="020B0604020202020204" pitchFamily="34" charset="0"/>
+              <a:buNone/>
+              <a:defRPr sz="1800" kern="1200">
+                <a:solidFill>
+                  <a:schemeClr val="tx1"/>
+                </a:solidFill>
+                <a:latin typeface="+mn-lt"/>
+                <a:ea typeface="+mn-ea"/>
+                <a:cs typeface="+mn-cs"/>
+              </a:defRPr>
+            </a:lvl3pPr>
+            <a:lvl4pPr marL="1371600" indent="0" algn="ctr" defTabSz="914400" rtl="0" eaLnBrk="1" latinLnBrk="0" hangingPunct="1">
+              <a:lnSpc>
+                <a:spcPct val="90000"/>
+              </a:lnSpc>
+              <a:spcBef>
+                <a:spcPts val="500"/>
+              </a:spcBef>
+              <a:buFont typeface="Arial" panose="020B0604020202020204" pitchFamily="34" charset="0"/>
+              <a:buNone/>
+              <a:defRPr sz="1600" kern="1200">
+                <a:solidFill>
+                  <a:schemeClr val="tx1"/>
+                </a:solidFill>
+                <a:latin typeface="+mn-lt"/>
+                <a:ea typeface="+mn-ea"/>
+                <a:cs typeface="+mn-cs"/>
+              </a:defRPr>
+            </a:lvl4pPr>
+            <a:lvl5pPr marL="1828800" indent="0" algn="ctr" defTabSz="914400" rtl="0" eaLnBrk="1" latinLnBrk="0" hangingPunct="1">
+              <a:lnSpc>
+                <a:spcPct val="90000"/>
+              </a:lnSpc>
+              <a:spcBef>
+                <a:spcPts val="500"/>
+              </a:spcBef>
+              <a:buFont typeface="Arial" panose="020B0604020202020204" pitchFamily="34" charset="0"/>
+              <a:buNone/>
+              <a:defRPr sz="1600" kern="1200">
+                <a:solidFill>
+                  <a:schemeClr val="tx1"/>
+                </a:solidFill>
+                <a:latin typeface="+mn-lt"/>
+                <a:ea typeface="+mn-ea"/>
+                <a:cs typeface="+mn-cs"/>
+              </a:defRPr>
+            </a:lvl5pPr>
+            <a:lvl6pPr marL="2286000" indent="0" algn="ctr" defTabSz="914400" rtl="0" eaLnBrk="1" latinLnBrk="0" hangingPunct="1">
+              <a:lnSpc>
+                <a:spcPct val="90000"/>
+              </a:lnSpc>
+              <a:spcBef>
+                <a:spcPts val="500"/>
+              </a:spcBef>
+              <a:buFont typeface="Arial" panose="020B0604020202020204" pitchFamily="34" charset="0"/>
+              <a:buNone/>
+              <a:defRPr sz="1600" kern="1200">
+                <a:solidFill>
+                  <a:schemeClr val="tx1"/>
+                </a:solidFill>
+                <a:latin typeface="+mn-lt"/>
+                <a:ea typeface="+mn-ea"/>
+                <a:cs typeface="+mn-cs"/>
+              </a:defRPr>
+            </a:lvl6pPr>
+            <a:lvl7pPr marL="2743200" indent="0" algn="ctr" defTabSz="914400" rtl="0" eaLnBrk="1" latinLnBrk="0" hangingPunct="1">
+              <a:lnSpc>
+                <a:spcPct val="90000"/>
+              </a:lnSpc>
+              <a:spcBef>
+                <a:spcPts val="500"/>
+              </a:spcBef>
+              <a:buFont typeface="Arial" panose="020B0604020202020204" pitchFamily="34" charset="0"/>
+              <a:buNone/>
+              <a:defRPr sz="1600" kern="1200">
+                <a:solidFill>
+                  <a:schemeClr val="tx1"/>
+                </a:solidFill>
+                <a:latin typeface="+mn-lt"/>
+                <a:ea typeface="+mn-ea"/>
+                <a:cs typeface="+mn-cs"/>
+              </a:defRPr>
+            </a:lvl7pPr>
+            <a:lvl8pPr marL="3200400" indent="0" algn="ctr" defTabSz="914400" rtl="0" eaLnBrk="1" latinLnBrk="0" hangingPunct="1">
+              <a:lnSpc>
+                <a:spcPct val="90000"/>
+              </a:lnSpc>
+              <a:spcBef>
+                <a:spcPts val="500"/>
+              </a:spcBef>
+              <a:buFont typeface="Arial" panose="020B0604020202020204" pitchFamily="34" charset="0"/>
+              <a:buNone/>
+              <a:defRPr sz="1600" kern="1200">
+                <a:solidFill>
+                  <a:schemeClr val="tx1"/>
+                </a:solidFill>
+                <a:latin typeface="+mn-lt"/>
+                <a:ea typeface="+mn-ea"/>
+                <a:cs typeface="+mn-cs"/>
+              </a:defRPr>
+            </a:lvl8pPr>
+            <a:lvl9pPr marL="3657600" indent="0" algn="ctr" defTabSz="914400" rtl="0" eaLnBrk="1" latinLnBrk="0" hangingPunct="1">
+              <a:lnSpc>
+                <a:spcPct val="90000"/>
+              </a:lnSpc>
+              <a:spcBef>
+                <a:spcPts val="500"/>
+              </a:spcBef>
+              <a:buFont typeface="Arial" panose="020B0604020202020204" pitchFamily="34" charset="0"/>
+              <a:buNone/>
+              <a:defRPr sz="1600" kern="1200">
+                <a:solidFill>
+                  <a:schemeClr val="tx1"/>
+                </a:solidFill>
+                <a:latin typeface="+mn-lt"/>
+                <a:ea typeface="+mn-ea"/>
+                <a:cs typeface="+mn-cs"/>
+              </a:defRPr>
+            </a:lvl9pPr>
+          </a:lstStyle>
+          <a:p>
+            <a:pPr algn="l"/>
+            <a:r>
+              <a:rPr lang="es-MX" sz="1600" dirty="0"/>
+              <a:t>+ Esta sentencia se usa para eliminar registros de una tabla</a:t>
+            </a:r>
+          </a:p>
+        </p:txBody>
+      </p:sp>
+      <p:sp>
+        <p:nvSpPr>
+          <p:cNvPr id="10" name="Subtítulo 2">
+            <a:extLst>
+              <a:ext uri="{FF2B5EF4-FFF2-40B4-BE49-F238E27FC236}">
+                <a16:creationId xmlns:a16="http://schemas.microsoft.com/office/drawing/2014/main" id="{8A02A2A7-A6C8-DBB2-E133-9ACF1096ED9D}"/>
+              </a:ext>
+            </a:extLst>
+          </p:cNvPr>
+          <p:cNvSpPr txBox="1">
+            <a:spLocks/>
+          </p:cNvSpPr>
+          <p:nvPr/>
+        </p:nvSpPr>
+        <p:spPr>
+          <a:xfrm>
+            <a:off x="152393" y="3288150"/>
+            <a:ext cx="7966363" cy="796633"/>
+          </a:xfrm>
+          <a:prstGeom prst="rect">
+            <a:avLst/>
+          </a:prstGeom>
+        </p:spPr>
+        <p:txBody>
+          <a:bodyPr vert="horz" lIns="91440" tIns="45720" rIns="91440" bIns="45720" rtlCol="0">
+            <a:normAutofit/>
+          </a:bodyPr>
+          <a:lstStyle>
+            <a:lvl1pPr marL="0" indent="0" algn="ctr" defTabSz="914400" rtl="0" eaLnBrk="1" latinLnBrk="0" hangingPunct="1">
+              <a:lnSpc>
+                <a:spcPct val="90000"/>
+              </a:lnSpc>
+              <a:spcBef>
+                <a:spcPts val="1000"/>
+              </a:spcBef>
+              <a:buFont typeface="Arial" panose="020B0604020202020204" pitchFamily="34" charset="0"/>
+              <a:buNone/>
+              <a:defRPr sz="2400" kern="1200">
+                <a:solidFill>
+                  <a:schemeClr val="tx1"/>
+                </a:solidFill>
+                <a:latin typeface="+mn-lt"/>
+                <a:ea typeface="+mn-ea"/>
+                <a:cs typeface="+mn-cs"/>
+              </a:defRPr>
+            </a:lvl1pPr>
+            <a:lvl2pPr marL="457200" indent="0" algn="ctr" defTabSz="914400" rtl="0" eaLnBrk="1" latinLnBrk="0" hangingPunct="1">
+              <a:lnSpc>
+                <a:spcPct val="90000"/>
+              </a:lnSpc>
+              <a:spcBef>
+                <a:spcPts val="500"/>
+              </a:spcBef>
+              <a:buFont typeface="Arial" panose="020B0604020202020204" pitchFamily="34" charset="0"/>
+              <a:buNone/>
+              <a:defRPr sz="2000" kern="1200">
+                <a:solidFill>
+                  <a:schemeClr val="tx1"/>
+                </a:solidFill>
+                <a:latin typeface="+mn-lt"/>
+                <a:ea typeface="+mn-ea"/>
+                <a:cs typeface="+mn-cs"/>
+              </a:defRPr>
+            </a:lvl2pPr>
+            <a:lvl3pPr marL="914400" indent="0" algn="ctr" defTabSz="914400" rtl="0" eaLnBrk="1" latinLnBrk="0" hangingPunct="1">
+              <a:lnSpc>
+                <a:spcPct val="90000"/>
+              </a:lnSpc>
+              <a:spcBef>
+                <a:spcPts val="500"/>
+              </a:spcBef>
+              <a:buFont typeface="Arial" panose="020B0604020202020204" pitchFamily="34" charset="0"/>
+              <a:buNone/>
+              <a:defRPr sz="1800" kern="1200">
+                <a:solidFill>
+                  <a:schemeClr val="tx1"/>
+                </a:solidFill>
+                <a:latin typeface="+mn-lt"/>
+                <a:ea typeface="+mn-ea"/>
+                <a:cs typeface="+mn-cs"/>
+              </a:defRPr>
+            </a:lvl3pPr>
+            <a:lvl4pPr marL="1371600" indent="0" algn="ctr" defTabSz="914400" rtl="0" eaLnBrk="1" latinLnBrk="0" hangingPunct="1">
+              <a:lnSpc>
+                <a:spcPct val="90000"/>
+              </a:lnSpc>
+              <a:spcBef>
+                <a:spcPts val="500"/>
+              </a:spcBef>
+              <a:buFont typeface="Arial" panose="020B0604020202020204" pitchFamily="34" charset="0"/>
+              <a:buNone/>
+              <a:defRPr sz="1600" kern="1200">
+                <a:solidFill>
+                  <a:schemeClr val="tx1"/>
+                </a:solidFill>
+                <a:latin typeface="+mn-lt"/>
+                <a:ea typeface="+mn-ea"/>
+                <a:cs typeface="+mn-cs"/>
+              </a:defRPr>
+            </a:lvl4pPr>
+            <a:lvl5pPr marL="1828800" indent="0" algn="ctr" defTabSz="914400" rtl="0" eaLnBrk="1" latinLnBrk="0" hangingPunct="1">
+              <a:lnSpc>
+                <a:spcPct val="90000"/>
+              </a:lnSpc>
+              <a:spcBef>
+                <a:spcPts val="500"/>
+              </a:spcBef>
+              <a:buFont typeface="Arial" panose="020B0604020202020204" pitchFamily="34" charset="0"/>
+              <a:buNone/>
+              <a:defRPr sz="1600" kern="1200">
+                <a:solidFill>
+                  <a:schemeClr val="tx1"/>
+                </a:solidFill>
+                <a:latin typeface="+mn-lt"/>
+                <a:ea typeface="+mn-ea"/>
+                <a:cs typeface="+mn-cs"/>
+              </a:defRPr>
+            </a:lvl5pPr>
+            <a:lvl6pPr marL="2286000" indent="0" algn="ctr" defTabSz="914400" rtl="0" eaLnBrk="1" latinLnBrk="0" hangingPunct="1">
+              <a:lnSpc>
+                <a:spcPct val="90000"/>
+              </a:lnSpc>
+              <a:spcBef>
+                <a:spcPts val="500"/>
+              </a:spcBef>
+              <a:buFont typeface="Arial" panose="020B0604020202020204" pitchFamily="34" charset="0"/>
+              <a:buNone/>
+              <a:defRPr sz="1600" kern="1200">
+                <a:solidFill>
+                  <a:schemeClr val="tx1"/>
+                </a:solidFill>
+                <a:latin typeface="+mn-lt"/>
+                <a:ea typeface="+mn-ea"/>
+                <a:cs typeface="+mn-cs"/>
+              </a:defRPr>
+            </a:lvl6pPr>
+            <a:lvl7pPr marL="2743200" indent="0" algn="ctr" defTabSz="914400" rtl="0" eaLnBrk="1" latinLnBrk="0" hangingPunct="1">
+              <a:lnSpc>
+                <a:spcPct val="90000"/>
+              </a:lnSpc>
+              <a:spcBef>
+                <a:spcPts val="500"/>
+              </a:spcBef>
+              <a:buFont typeface="Arial" panose="020B0604020202020204" pitchFamily="34" charset="0"/>
+              <a:buNone/>
+              <a:defRPr sz="1600" kern="1200">
+                <a:solidFill>
+                  <a:schemeClr val="tx1"/>
+                </a:solidFill>
+                <a:latin typeface="+mn-lt"/>
+                <a:ea typeface="+mn-ea"/>
+                <a:cs typeface="+mn-cs"/>
+              </a:defRPr>
+            </a:lvl7pPr>
+            <a:lvl8pPr marL="3200400" indent="0" algn="ctr" defTabSz="914400" rtl="0" eaLnBrk="1" latinLnBrk="0" hangingPunct="1">
+              <a:lnSpc>
+                <a:spcPct val="90000"/>
+              </a:lnSpc>
+              <a:spcBef>
+                <a:spcPts val="500"/>
+              </a:spcBef>
+              <a:buFont typeface="Arial" panose="020B0604020202020204" pitchFamily="34" charset="0"/>
+              <a:buNone/>
+              <a:defRPr sz="1600" kern="1200">
+                <a:solidFill>
+                  <a:schemeClr val="tx1"/>
+                </a:solidFill>
+                <a:latin typeface="+mn-lt"/>
+                <a:ea typeface="+mn-ea"/>
+                <a:cs typeface="+mn-cs"/>
+              </a:defRPr>
+            </a:lvl8pPr>
+            <a:lvl9pPr marL="3657600" indent="0" algn="ctr" defTabSz="914400" rtl="0" eaLnBrk="1" latinLnBrk="0" hangingPunct="1">
+              <a:lnSpc>
+                <a:spcPct val="90000"/>
+              </a:lnSpc>
+              <a:spcBef>
+                <a:spcPts val="500"/>
+              </a:spcBef>
+              <a:buFont typeface="Arial" panose="020B0604020202020204" pitchFamily="34" charset="0"/>
+              <a:buNone/>
+              <a:defRPr sz="1600" kern="1200">
+                <a:solidFill>
+                  <a:schemeClr val="tx1"/>
+                </a:solidFill>
+                <a:latin typeface="+mn-lt"/>
+                <a:ea typeface="+mn-ea"/>
+                <a:cs typeface="+mn-cs"/>
+              </a:defRPr>
+            </a:lvl9pPr>
+          </a:lstStyle>
+          <a:p>
+            <a:pPr algn="l"/>
+            <a:r>
+              <a:rPr lang="es-MX" sz="2000" b="1" dirty="0">
+                <a:solidFill>
+                  <a:schemeClr val="accent1"/>
+                </a:solidFill>
+              </a:rPr>
+              <a:t>DELETE FROM </a:t>
+            </a:r>
+            <a:r>
+              <a:rPr lang="es-MX" sz="2000" dirty="0" err="1">
+                <a:solidFill>
+                  <a:schemeClr val="accent1"/>
+                </a:solidFill>
+              </a:rPr>
+              <a:t>tabla_clientes</a:t>
+            </a:r>
+            <a:endParaRPr lang="es-MX" sz="2000" dirty="0">
+              <a:solidFill>
+                <a:schemeClr val="accent1"/>
+              </a:solidFill>
+            </a:endParaRPr>
+          </a:p>
+          <a:p>
+            <a:pPr algn="l"/>
+            <a:r>
+              <a:rPr lang="es-MX" sz="2000" b="1" dirty="0">
+                <a:solidFill>
+                  <a:schemeClr val="accent1"/>
+                </a:solidFill>
+              </a:rPr>
+              <a:t>WHERE</a:t>
+            </a:r>
+            <a:r>
+              <a:rPr lang="es-MX" sz="2000" dirty="0">
+                <a:solidFill>
+                  <a:schemeClr val="accent1"/>
+                </a:solidFill>
+              </a:rPr>
+              <a:t> </a:t>
+            </a:r>
+            <a:r>
+              <a:rPr lang="es-MX" sz="2000" dirty="0" err="1">
+                <a:solidFill>
+                  <a:schemeClr val="accent1"/>
+                </a:solidFill>
+              </a:rPr>
+              <a:t>id_cliente</a:t>
+            </a:r>
+            <a:r>
+              <a:rPr lang="es-MX" sz="2000" dirty="0">
+                <a:solidFill>
+                  <a:schemeClr val="accent1"/>
+                </a:solidFill>
+              </a:rPr>
+              <a:t>=6 </a:t>
+            </a:r>
+            <a:r>
+              <a:rPr lang="es-MX" sz="2000" b="1" dirty="0">
+                <a:solidFill>
+                  <a:schemeClr val="accent1"/>
+                </a:solidFill>
+              </a:rPr>
+              <a:t>;</a:t>
+            </a:r>
+          </a:p>
+        </p:txBody>
+      </p:sp>
+      <p:sp>
+        <p:nvSpPr>
+          <p:cNvPr id="14" name="Subtítulo 2">
+            <a:extLst>
+              <a:ext uri="{FF2B5EF4-FFF2-40B4-BE49-F238E27FC236}">
+                <a16:creationId xmlns:a16="http://schemas.microsoft.com/office/drawing/2014/main" id="{6F233EAB-FF4C-4BBF-669B-D7A281C95CA1}"/>
+              </a:ext>
+            </a:extLst>
+          </p:cNvPr>
+          <p:cNvSpPr txBox="1">
+            <a:spLocks/>
+          </p:cNvSpPr>
+          <p:nvPr/>
+        </p:nvSpPr>
+        <p:spPr>
+          <a:xfrm>
+            <a:off x="8257309" y="2615062"/>
+            <a:ext cx="3906981" cy="1154126"/>
+          </a:xfrm>
+          <a:prstGeom prst="rect">
+            <a:avLst/>
+          </a:prstGeom>
+        </p:spPr>
+        <p:txBody>
+          <a:bodyPr vert="horz" lIns="91440" tIns="45720" rIns="91440" bIns="45720" rtlCol="0">
+            <a:normAutofit/>
+          </a:bodyPr>
+          <a:lstStyle>
+            <a:lvl1pPr marL="0" indent="0" algn="ctr" defTabSz="914400" rtl="0" eaLnBrk="1" latinLnBrk="0" hangingPunct="1">
+              <a:lnSpc>
+                <a:spcPct val="90000"/>
+              </a:lnSpc>
+              <a:spcBef>
+                <a:spcPts val="1000"/>
+              </a:spcBef>
+              <a:buFont typeface="Arial" panose="020B0604020202020204" pitchFamily="34" charset="0"/>
+              <a:buNone/>
+              <a:defRPr sz="2400" kern="1200">
+                <a:solidFill>
+                  <a:schemeClr val="tx1"/>
+                </a:solidFill>
+                <a:latin typeface="+mn-lt"/>
+                <a:ea typeface="+mn-ea"/>
+                <a:cs typeface="+mn-cs"/>
+              </a:defRPr>
+            </a:lvl1pPr>
+            <a:lvl2pPr marL="457200" indent="0" algn="ctr" defTabSz="914400" rtl="0" eaLnBrk="1" latinLnBrk="0" hangingPunct="1">
+              <a:lnSpc>
+                <a:spcPct val="90000"/>
+              </a:lnSpc>
+              <a:spcBef>
+                <a:spcPts val="500"/>
+              </a:spcBef>
+              <a:buFont typeface="Arial" panose="020B0604020202020204" pitchFamily="34" charset="0"/>
+              <a:buNone/>
+              <a:defRPr sz="2000" kern="1200">
+                <a:solidFill>
+                  <a:schemeClr val="tx1"/>
+                </a:solidFill>
+                <a:latin typeface="+mn-lt"/>
+                <a:ea typeface="+mn-ea"/>
+                <a:cs typeface="+mn-cs"/>
+              </a:defRPr>
+            </a:lvl2pPr>
+            <a:lvl3pPr marL="914400" indent="0" algn="ctr" defTabSz="914400" rtl="0" eaLnBrk="1" latinLnBrk="0" hangingPunct="1">
+              <a:lnSpc>
+                <a:spcPct val="90000"/>
+              </a:lnSpc>
+              <a:spcBef>
+                <a:spcPts val="500"/>
+              </a:spcBef>
+              <a:buFont typeface="Arial" panose="020B0604020202020204" pitchFamily="34" charset="0"/>
+              <a:buNone/>
+              <a:defRPr sz="1800" kern="1200">
+                <a:solidFill>
+                  <a:schemeClr val="tx1"/>
+                </a:solidFill>
+                <a:latin typeface="+mn-lt"/>
+                <a:ea typeface="+mn-ea"/>
+                <a:cs typeface="+mn-cs"/>
+              </a:defRPr>
+            </a:lvl3pPr>
+            <a:lvl4pPr marL="1371600" indent="0" algn="ctr" defTabSz="914400" rtl="0" eaLnBrk="1" latinLnBrk="0" hangingPunct="1">
+              <a:lnSpc>
+                <a:spcPct val="90000"/>
+              </a:lnSpc>
+              <a:spcBef>
+                <a:spcPts val="500"/>
+              </a:spcBef>
+              <a:buFont typeface="Arial" panose="020B0604020202020204" pitchFamily="34" charset="0"/>
+              <a:buNone/>
+              <a:defRPr sz="1600" kern="1200">
+                <a:solidFill>
+                  <a:schemeClr val="tx1"/>
+                </a:solidFill>
+                <a:latin typeface="+mn-lt"/>
+                <a:ea typeface="+mn-ea"/>
+                <a:cs typeface="+mn-cs"/>
+              </a:defRPr>
+            </a:lvl4pPr>
+            <a:lvl5pPr marL="1828800" indent="0" algn="ctr" defTabSz="914400" rtl="0" eaLnBrk="1" latinLnBrk="0" hangingPunct="1">
+              <a:lnSpc>
+                <a:spcPct val="90000"/>
+              </a:lnSpc>
+              <a:spcBef>
+                <a:spcPts val="500"/>
+              </a:spcBef>
+              <a:buFont typeface="Arial" panose="020B0604020202020204" pitchFamily="34" charset="0"/>
+              <a:buNone/>
+              <a:defRPr sz="1600" kern="1200">
+                <a:solidFill>
+                  <a:schemeClr val="tx1"/>
+                </a:solidFill>
+                <a:latin typeface="+mn-lt"/>
+                <a:ea typeface="+mn-ea"/>
+                <a:cs typeface="+mn-cs"/>
+              </a:defRPr>
+            </a:lvl5pPr>
+            <a:lvl6pPr marL="2286000" indent="0" algn="ctr" defTabSz="914400" rtl="0" eaLnBrk="1" latinLnBrk="0" hangingPunct="1">
+              <a:lnSpc>
+                <a:spcPct val="90000"/>
+              </a:lnSpc>
+              <a:spcBef>
+                <a:spcPts val="500"/>
+              </a:spcBef>
+              <a:buFont typeface="Arial" panose="020B0604020202020204" pitchFamily="34" charset="0"/>
+              <a:buNone/>
+              <a:defRPr sz="1600" kern="1200">
+                <a:solidFill>
+                  <a:schemeClr val="tx1"/>
+                </a:solidFill>
+                <a:latin typeface="+mn-lt"/>
+                <a:ea typeface="+mn-ea"/>
+                <a:cs typeface="+mn-cs"/>
+              </a:defRPr>
+            </a:lvl6pPr>
+            <a:lvl7pPr marL="2743200" indent="0" algn="ctr" defTabSz="914400" rtl="0" eaLnBrk="1" latinLnBrk="0" hangingPunct="1">
+              <a:lnSpc>
+                <a:spcPct val="90000"/>
+              </a:lnSpc>
+              <a:spcBef>
+                <a:spcPts val="500"/>
+              </a:spcBef>
+              <a:buFont typeface="Arial" panose="020B0604020202020204" pitchFamily="34" charset="0"/>
+              <a:buNone/>
+              <a:defRPr sz="1600" kern="1200">
+                <a:solidFill>
+                  <a:schemeClr val="tx1"/>
+                </a:solidFill>
+                <a:latin typeface="+mn-lt"/>
+                <a:ea typeface="+mn-ea"/>
+                <a:cs typeface="+mn-cs"/>
+              </a:defRPr>
+            </a:lvl7pPr>
+            <a:lvl8pPr marL="3200400" indent="0" algn="ctr" defTabSz="914400" rtl="0" eaLnBrk="1" latinLnBrk="0" hangingPunct="1">
+              <a:lnSpc>
+                <a:spcPct val="90000"/>
+              </a:lnSpc>
+              <a:spcBef>
+                <a:spcPts val="500"/>
+              </a:spcBef>
+              <a:buFont typeface="Arial" panose="020B0604020202020204" pitchFamily="34" charset="0"/>
+              <a:buNone/>
+              <a:defRPr sz="1600" kern="1200">
+                <a:solidFill>
+                  <a:schemeClr val="tx1"/>
+                </a:solidFill>
+                <a:latin typeface="+mn-lt"/>
+                <a:ea typeface="+mn-ea"/>
+                <a:cs typeface="+mn-cs"/>
+              </a:defRPr>
+            </a:lvl8pPr>
+            <a:lvl9pPr marL="3657600" indent="0" algn="ctr" defTabSz="914400" rtl="0" eaLnBrk="1" latinLnBrk="0" hangingPunct="1">
+              <a:lnSpc>
+                <a:spcPct val="90000"/>
+              </a:lnSpc>
+              <a:spcBef>
+                <a:spcPts val="500"/>
+              </a:spcBef>
+              <a:buFont typeface="Arial" panose="020B0604020202020204" pitchFamily="34" charset="0"/>
+              <a:buNone/>
+              <a:defRPr sz="1600" kern="1200">
+                <a:solidFill>
+                  <a:schemeClr val="tx1"/>
+                </a:solidFill>
+                <a:latin typeface="+mn-lt"/>
+                <a:ea typeface="+mn-ea"/>
+                <a:cs typeface="+mn-cs"/>
+              </a:defRPr>
+            </a:lvl9pPr>
+          </a:lstStyle>
+          <a:p>
+            <a:pPr algn="l"/>
+            <a:r>
+              <a:rPr lang="es-MX" sz="1600" dirty="0"/>
+              <a:t>+ Si no se especifica el </a:t>
+            </a:r>
+            <a:r>
+              <a:rPr lang="es-MX" sz="1600" b="1" dirty="0"/>
+              <a:t>WHERE</a:t>
+            </a:r>
+            <a:r>
+              <a:rPr lang="es-MX" sz="1600" dirty="0"/>
+              <a:t> entonces se </a:t>
+            </a:r>
+            <a:r>
+              <a:rPr lang="es-MX" sz="1600" b="1" dirty="0"/>
+              <a:t>vaciará la tabla completa</a:t>
+            </a:r>
+          </a:p>
+        </p:txBody>
+      </p:sp>
+      <p:sp>
+        <p:nvSpPr>
+          <p:cNvPr id="7" name="Subtítulo 2">
+            <a:extLst>
+              <a:ext uri="{FF2B5EF4-FFF2-40B4-BE49-F238E27FC236}">
+                <a16:creationId xmlns:a16="http://schemas.microsoft.com/office/drawing/2014/main" id="{A9DBB30C-8B9A-20D4-8188-D7476ACED5AC}"/>
+              </a:ext>
+            </a:extLst>
+          </p:cNvPr>
+          <p:cNvSpPr txBox="1">
+            <a:spLocks/>
+          </p:cNvSpPr>
+          <p:nvPr/>
+        </p:nvSpPr>
+        <p:spPr>
+          <a:xfrm>
+            <a:off x="152393" y="4317861"/>
+            <a:ext cx="7966363" cy="796633"/>
+          </a:xfrm>
+          <a:prstGeom prst="rect">
+            <a:avLst/>
+          </a:prstGeom>
+        </p:spPr>
+        <p:txBody>
+          <a:bodyPr vert="horz" lIns="91440" tIns="45720" rIns="91440" bIns="45720" rtlCol="0">
+            <a:normAutofit/>
+          </a:bodyPr>
+          <a:lstStyle>
+            <a:lvl1pPr marL="0" indent="0" algn="ctr" defTabSz="914400" rtl="0" eaLnBrk="1" latinLnBrk="0" hangingPunct="1">
+              <a:lnSpc>
+                <a:spcPct val="90000"/>
+              </a:lnSpc>
+              <a:spcBef>
+                <a:spcPts val="1000"/>
+              </a:spcBef>
+              <a:buFont typeface="Arial" panose="020B0604020202020204" pitchFamily="34" charset="0"/>
+              <a:buNone/>
+              <a:defRPr sz="2400" kern="1200">
+                <a:solidFill>
+                  <a:schemeClr val="tx1"/>
+                </a:solidFill>
+                <a:latin typeface="+mn-lt"/>
+                <a:ea typeface="+mn-ea"/>
+                <a:cs typeface="+mn-cs"/>
+              </a:defRPr>
+            </a:lvl1pPr>
+            <a:lvl2pPr marL="457200" indent="0" algn="ctr" defTabSz="914400" rtl="0" eaLnBrk="1" latinLnBrk="0" hangingPunct="1">
+              <a:lnSpc>
+                <a:spcPct val="90000"/>
+              </a:lnSpc>
+              <a:spcBef>
+                <a:spcPts val="500"/>
+              </a:spcBef>
+              <a:buFont typeface="Arial" panose="020B0604020202020204" pitchFamily="34" charset="0"/>
+              <a:buNone/>
+              <a:defRPr sz="2000" kern="1200">
+                <a:solidFill>
+                  <a:schemeClr val="tx1"/>
+                </a:solidFill>
+                <a:latin typeface="+mn-lt"/>
+                <a:ea typeface="+mn-ea"/>
+                <a:cs typeface="+mn-cs"/>
+              </a:defRPr>
+            </a:lvl2pPr>
+            <a:lvl3pPr marL="914400" indent="0" algn="ctr" defTabSz="914400" rtl="0" eaLnBrk="1" latinLnBrk="0" hangingPunct="1">
+              <a:lnSpc>
+                <a:spcPct val="90000"/>
+              </a:lnSpc>
+              <a:spcBef>
+                <a:spcPts val="500"/>
+              </a:spcBef>
+              <a:buFont typeface="Arial" panose="020B0604020202020204" pitchFamily="34" charset="0"/>
+              <a:buNone/>
+              <a:defRPr sz="1800" kern="1200">
+                <a:solidFill>
+                  <a:schemeClr val="tx1"/>
+                </a:solidFill>
+                <a:latin typeface="+mn-lt"/>
+                <a:ea typeface="+mn-ea"/>
+                <a:cs typeface="+mn-cs"/>
+              </a:defRPr>
+            </a:lvl3pPr>
+            <a:lvl4pPr marL="1371600" indent="0" algn="ctr" defTabSz="914400" rtl="0" eaLnBrk="1" latinLnBrk="0" hangingPunct="1">
+              <a:lnSpc>
+                <a:spcPct val="90000"/>
+              </a:lnSpc>
+              <a:spcBef>
+                <a:spcPts val="500"/>
+              </a:spcBef>
+              <a:buFont typeface="Arial" panose="020B0604020202020204" pitchFamily="34" charset="0"/>
+              <a:buNone/>
+              <a:defRPr sz="1600" kern="1200">
+                <a:solidFill>
+                  <a:schemeClr val="tx1"/>
+                </a:solidFill>
+                <a:latin typeface="+mn-lt"/>
+                <a:ea typeface="+mn-ea"/>
+                <a:cs typeface="+mn-cs"/>
+              </a:defRPr>
+            </a:lvl4pPr>
+            <a:lvl5pPr marL="1828800" indent="0" algn="ctr" defTabSz="914400" rtl="0" eaLnBrk="1" latinLnBrk="0" hangingPunct="1">
+              <a:lnSpc>
+                <a:spcPct val="90000"/>
+              </a:lnSpc>
+              <a:spcBef>
+                <a:spcPts val="500"/>
+              </a:spcBef>
+              <a:buFont typeface="Arial" panose="020B0604020202020204" pitchFamily="34" charset="0"/>
+              <a:buNone/>
+              <a:defRPr sz="1600" kern="1200">
+                <a:solidFill>
+                  <a:schemeClr val="tx1"/>
+                </a:solidFill>
+                <a:latin typeface="+mn-lt"/>
+                <a:ea typeface="+mn-ea"/>
+                <a:cs typeface="+mn-cs"/>
+              </a:defRPr>
+            </a:lvl5pPr>
+            <a:lvl6pPr marL="2286000" indent="0" algn="ctr" defTabSz="914400" rtl="0" eaLnBrk="1" latinLnBrk="0" hangingPunct="1">
+              <a:lnSpc>
+                <a:spcPct val="90000"/>
+              </a:lnSpc>
+              <a:spcBef>
+                <a:spcPts val="500"/>
+              </a:spcBef>
+              <a:buFont typeface="Arial" panose="020B0604020202020204" pitchFamily="34" charset="0"/>
+              <a:buNone/>
+              <a:defRPr sz="1600" kern="1200">
+                <a:solidFill>
+                  <a:schemeClr val="tx1"/>
+                </a:solidFill>
+                <a:latin typeface="+mn-lt"/>
+                <a:ea typeface="+mn-ea"/>
+                <a:cs typeface="+mn-cs"/>
+              </a:defRPr>
+            </a:lvl6pPr>
+            <a:lvl7pPr marL="2743200" indent="0" algn="ctr" defTabSz="914400" rtl="0" eaLnBrk="1" latinLnBrk="0" hangingPunct="1">
+              <a:lnSpc>
+                <a:spcPct val="90000"/>
+              </a:lnSpc>
+              <a:spcBef>
+                <a:spcPts val="500"/>
+              </a:spcBef>
+              <a:buFont typeface="Arial" panose="020B0604020202020204" pitchFamily="34" charset="0"/>
+              <a:buNone/>
+              <a:defRPr sz="1600" kern="1200">
+                <a:solidFill>
+                  <a:schemeClr val="tx1"/>
+                </a:solidFill>
+                <a:latin typeface="+mn-lt"/>
+                <a:ea typeface="+mn-ea"/>
+                <a:cs typeface="+mn-cs"/>
+              </a:defRPr>
+            </a:lvl7pPr>
+            <a:lvl8pPr marL="3200400" indent="0" algn="ctr" defTabSz="914400" rtl="0" eaLnBrk="1" latinLnBrk="0" hangingPunct="1">
+              <a:lnSpc>
+                <a:spcPct val="90000"/>
+              </a:lnSpc>
+              <a:spcBef>
+                <a:spcPts val="500"/>
+              </a:spcBef>
+              <a:buFont typeface="Arial" panose="020B0604020202020204" pitchFamily="34" charset="0"/>
+              <a:buNone/>
+              <a:defRPr sz="1600" kern="1200">
+                <a:solidFill>
+                  <a:schemeClr val="tx1"/>
+                </a:solidFill>
+                <a:latin typeface="+mn-lt"/>
+                <a:ea typeface="+mn-ea"/>
+                <a:cs typeface="+mn-cs"/>
+              </a:defRPr>
+            </a:lvl8pPr>
+            <a:lvl9pPr marL="3657600" indent="0" algn="ctr" defTabSz="914400" rtl="0" eaLnBrk="1" latinLnBrk="0" hangingPunct="1">
+              <a:lnSpc>
+                <a:spcPct val="90000"/>
+              </a:lnSpc>
+              <a:spcBef>
+                <a:spcPts val="500"/>
+              </a:spcBef>
+              <a:buFont typeface="Arial" panose="020B0604020202020204" pitchFamily="34" charset="0"/>
+              <a:buNone/>
+              <a:defRPr sz="1600" kern="1200">
+                <a:solidFill>
+                  <a:schemeClr val="tx1"/>
+                </a:solidFill>
+                <a:latin typeface="+mn-lt"/>
+                <a:ea typeface="+mn-ea"/>
+                <a:cs typeface="+mn-cs"/>
+              </a:defRPr>
+            </a:lvl9pPr>
+          </a:lstStyle>
+          <a:p>
+            <a:pPr algn="l"/>
+            <a:r>
+              <a:rPr lang="es-MX" sz="2000" b="1" dirty="0">
+                <a:solidFill>
+                  <a:schemeClr val="accent1"/>
+                </a:solidFill>
+              </a:rPr>
+              <a:t>DELETE FROM </a:t>
+            </a:r>
+            <a:r>
+              <a:rPr lang="es-MX" sz="2000" dirty="0" err="1">
+                <a:solidFill>
+                  <a:schemeClr val="accent1"/>
+                </a:solidFill>
+              </a:rPr>
+              <a:t>tabla_clientes</a:t>
+            </a:r>
+            <a:r>
+              <a:rPr lang="es-MX" sz="2000" dirty="0">
+                <a:solidFill>
+                  <a:schemeClr val="accent1"/>
+                </a:solidFill>
+              </a:rPr>
+              <a:t> </a:t>
+            </a:r>
+            <a:r>
+              <a:rPr lang="es-MX" sz="2000" b="1" dirty="0">
+                <a:solidFill>
+                  <a:schemeClr val="accent1"/>
+                </a:solidFill>
+              </a:rPr>
+              <a:t>;</a:t>
+            </a:r>
+          </a:p>
+        </p:txBody>
+      </p:sp>
+      <p:sp>
+        <p:nvSpPr>
+          <p:cNvPr id="8" name="Subtítulo 2">
+            <a:extLst>
+              <a:ext uri="{FF2B5EF4-FFF2-40B4-BE49-F238E27FC236}">
+                <a16:creationId xmlns:a16="http://schemas.microsoft.com/office/drawing/2014/main" id="{1075386C-D529-2FEE-7D7B-172AC467E400}"/>
+              </a:ext>
+            </a:extLst>
+          </p:cNvPr>
+          <p:cNvSpPr txBox="1">
+            <a:spLocks/>
+          </p:cNvSpPr>
+          <p:nvPr/>
+        </p:nvSpPr>
+        <p:spPr>
+          <a:xfrm>
+            <a:off x="8285019" y="4317861"/>
+            <a:ext cx="3906981" cy="1154126"/>
+          </a:xfrm>
+          <a:prstGeom prst="rect">
+            <a:avLst/>
+          </a:prstGeom>
+        </p:spPr>
+        <p:txBody>
+          <a:bodyPr vert="horz" lIns="91440" tIns="45720" rIns="91440" bIns="45720" rtlCol="0">
+            <a:normAutofit/>
+          </a:bodyPr>
+          <a:lstStyle>
+            <a:lvl1pPr marL="0" indent="0" algn="ctr" defTabSz="914400" rtl="0" eaLnBrk="1" latinLnBrk="0" hangingPunct="1">
+              <a:lnSpc>
+                <a:spcPct val="90000"/>
+              </a:lnSpc>
+              <a:spcBef>
+                <a:spcPts val="1000"/>
+              </a:spcBef>
+              <a:buFont typeface="Arial" panose="020B0604020202020204" pitchFamily="34" charset="0"/>
+              <a:buNone/>
+              <a:defRPr sz="2400" kern="1200">
+                <a:solidFill>
+                  <a:schemeClr val="tx1"/>
+                </a:solidFill>
+                <a:latin typeface="+mn-lt"/>
+                <a:ea typeface="+mn-ea"/>
+                <a:cs typeface="+mn-cs"/>
+              </a:defRPr>
+            </a:lvl1pPr>
+            <a:lvl2pPr marL="457200" indent="0" algn="ctr" defTabSz="914400" rtl="0" eaLnBrk="1" latinLnBrk="0" hangingPunct="1">
+              <a:lnSpc>
+                <a:spcPct val="90000"/>
+              </a:lnSpc>
+              <a:spcBef>
+                <a:spcPts val="500"/>
+              </a:spcBef>
+              <a:buFont typeface="Arial" panose="020B0604020202020204" pitchFamily="34" charset="0"/>
+              <a:buNone/>
+              <a:defRPr sz="2000" kern="1200">
+                <a:solidFill>
+                  <a:schemeClr val="tx1"/>
+                </a:solidFill>
+                <a:latin typeface="+mn-lt"/>
+                <a:ea typeface="+mn-ea"/>
+                <a:cs typeface="+mn-cs"/>
+              </a:defRPr>
+            </a:lvl2pPr>
+            <a:lvl3pPr marL="914400" indent="0" algn="ctr" defTabSz="914400" rtl="0" eaLnBrk="1" latinLnBrk="0" hangingPunct="1">
+              <a:lnSpc>
+                <a:spcPct val="90000"/>
+              </a:lnSpc>
+              <a:spcBef>
+                <a:spcPts val="500"/>
+              </a:spcBef>
+              <a:buFont typeface="Arial" panose="020B0604020202020204" pitchFamily="34" charset="0"/>
+              <a:buNone/>
+              <a:defRPr sz="1800" kern="1200">
+                <a:solidFill>
+                  <a:schemeClr val="tx1"/>
+                </a:solidFill>
+                <a:latin typeface="+mn-lt"/>
+                <a:ea typeface="+mn-ea"/>
+                <a:cs typeface="+mn-cs"/>
+              </a:defRPr>
+            </a:lvl3pPr>
+            <a:lvl4pPr marL="1371600" indent="0" algn="ctr" defTabSz="914400" rtl="0" eaLnBrk="1" latinLnBrk="0" hangingPunct="1">
+              <a:lnSpc>
+                <a:spcPct val="90000"/>
+              </a:lnSpc>
+              <a:spcBef>
+                <a:spcPts val="500"/>
+              </a:spcBef>
+              <a:buFont typeface="Arial" panose="020B0604020202020204" pitchFamily="34" charset="0"/>
+              <a:buNone/>
+              <a:defRPr sz="1600" kern="1200">
+                <a:solidFill>
+                  <a:schemeClr val="tx1"/>
+                </a:solidFill>
+                <a:latin typeface="+mn-lt"/>
+                <a:ea typeface="+mn-ea"/>
+                <a:cs typeface="+mn-cs"/>
+              </a:defRPr>
+            </a:lvl4pPr>
+            <a:lvl5pPr marL="1828800" indent="0" algn="ctr" defTabSz="914400" rtl="0" eaLnBrk="1" latinLnBrk="0" hangingPunct="1">
+              <a:lnSpc>
+                <a:spcPct val="90000"/>
+              </a:lnSpc>
+              <a:spcBef>
+                <a:spcPts val="500"/>
+              </a:spcBef>
+              <a:buFont typeface="Arial" panose="020B0604020202020204" pitchFamily="34" charset="0"/>
+              <a:buNone/>
+              <a:defRPr sz="1600" kern="1200">
+                <a:solidFill>
+                  <a:schemeClr val="tx1"/>
+                </a:solidFill>
+                <a:latin typeface="+mn-lt"/>
+                <a:ea typeface="+mn-ea"/>
+                <a:cs typeface="+mn-cs"/>
+              </a:defRPr>
+            </a:lvl5pPr>
+            <a:lvl6pPr marL="2286000" indent="0" algn="ctr" defTabSz="914400" rtl="0" eaLnBrk="1" latinLnBrk="0" hangingPunct="1">
+              <a:lnSpc>
+                <a:spcPct val="90000"/>
+              </a:lnSpc>
+              <a:spcBef>
+                <a:spcPts val="500"/>
+              </a:spcBef>
+              <a:buFont typeface="Arial" panose="020B0604020202020204" pitchFamily="34" charset="0"/>
+              <a:buNone/>
+              <a:defRPr sz="1600" kern="1200">
+                <a:solidFill>
+                  <a:schemeClr val="tx1"/>
+                </a:solidFill>
+                <a:latin typeface="+mn-lt"/>
+                <a:ea typeface="+mn-ea"/>
+                <a:cs typeface="+mn-cs"/>
+              </a:defRPr>
+            </a:lvl6pPr>
+            <a:lvl7pPr marL="2743200" indent="0" algn="ctr" defTabSz="914400" rtl="0" eaLnBrk="1" latinLnBrk="0" hangingPunct="1">
+              <a:lnSpc>
+                <a:spcPct val="90000"/>
+              </a:lnSpc>
+              <a:spcBef>
+                <a:spcPts val="500"/>
+              </a:spcBef>
+              <a:buFont typeface="Arial" panose="020B0604020202020204" pitchFamily="34" charset="0"/>
+              <a:buNone/>
+              <a:defRPr sz="1600" kern="1200">
+                <a:solidFill>
+                  <a:schemeClr val="tx1"/>
+                </a:solidFill>
+                <a:latin typeface="+mn-lt"/>
+                <a:ea typeface="+mn-ea"/>
+                <a:cs typeface="+mn-cs"/>
+              </a:defRPr>
+            </a:lvl7pPr>
+            <a:lvl8pPr marL="3200400" indent="0" algn="ctr" defTabSz="914400" rtl="0" eaLnBrk="1" latinLnBrk="0" hangingPunct="1">
+              <a:lnSpc>
+                <a:spcPct val="90000"/>
+              </a:lnSpc>
+              <a:spcBef>
+                <a:spcPts val="500"/>
+              </a:spcBef>
+              <a:buFont typeface="Arial" panose="020B0604020202020204" pitchFamily="34" charset="0"/>
+              <a:buNone/>
+              <a:defRPr sz="1600" kern="1200">
+                <a:solidFill>
+                  <a:schemeClr val="tx1"/>
+                </a:solidFill>
+                <a:latin typeface="+mn-lt"/>
+                <a:ea typeface="+mn-ea"/>
+                <a:cs typeface="+mn-cs"/>
+              </a:defRPr>
+            </a:lvl8pPr>
+            <a:lvl9pPr marL="3657600" indent="0" algn="ctr" defTabSz="914400" rtl="0" eaLnBrk="1" latinLnBrk="0" hangingPunct="1">
+              <a:lnSpc>
+                <a:spcPct val="90000"/>
+              </a:lnSpc>
+              <a:spcBef>
+                <a:spcPts val="500"/>
+              </a:spcBef>
+              <a:buFont typeface="Arial" panose="020B0604020202020204" pitchFamily="34" charset="0"/>
+              <a:buNone/>
+              <a:defRPr sz="1600" kern="1200">
+                <a:solidFill>
+                  <a:schemeClr val="tx1"/>
+                </a:solidFill>
+                <a:latin typeface="+mn-lt"/>
+                <a:ea typeface="+mn-ea"/>
+                <a:cs typeface="+mn-cs"/>
+              </a:defRPr>
+            </a:lvl9pPr>
+          </a:lstStyle>
+          <a:p>
+            <a:pPr algn="l"/>
+            <a:r>
+              <a:rPr lang="es-MX" sz="1600" dirty="0"/>
+              <a:t>+ Borramos todos los registros de la tabla</a:t>
+            </a:r>
+            <a:endParaRPr lang="es-MX" sz="1600" b="1" dirty="0"/>
+          </a:p>
+        </p:txBody>
+      </p:sp>
+    </p:spTree>
+    <p:extLst>
+      <p:ext uri="{BB962C8B-B14F-4D97-AF65-F5344CB8AC3E}">
+        <p14:creationId xmlns:p14="http://schemas.microsoft.com/office/powerpoint/2010/main" val="65458842"/>
+      </p:ext>
+    </p:extLst>
+  </p:cSld>
+  <p:clrMapOvr>
+    <a:masterClrMapping/>
+  </p:clrMapOvr>
+</p:sld>
+</file>
+
+<file path=ppt/slides/slide11.xml><?xml version="1.0" encoding="utf-8"?>
+<p:sld xmlns:a="http://schemas.openxmlformats.org/drawingml/2006/main" xmlns:r="http://schemas.openxmlformats.org/officeDocument/2006/relationships" xmlns:p="http://schemas.openxmlformats.org/presentationml/2006/main">
+  <p:cSld>
+    <p:spTree>
+      <p:nvGrpSpPr>
+        <p:cNvPr id="1" name=""/>
+        <p:cNvGrpSpPr/>
+        <p:nvPr/>
+      </p:nvGrpSpPr>
+      <p:grpSpPr>
+        <a:xfrm>
+          <a:off x="0" y="0"/>
+          <a:ext cx="0" cy="0"/>
+          <a:chOff x="0" y="0"/>
+          <a:chExt cx="0" cy="0"/>
+        </a:xfrm>
+      </p:grpSpPr>
+      <p:sp>
+        <p:nvSpPr>
+          <p:cNvPr id="2" name="Título 1">
+            <a:extLst>
+              <a:ext uri="{FF2B5EF4-FFF2-40B4-BE49-F238E27FC236}">
+                <a16:creationId xmlns:a16="http://schemas.microsoft.com/office/drawing/2014/main" id="{095D5E06-C433-C836-106A-B2D45ADCF04F}"/>
+              </a:ext>
+            </a:extLst>
+          </p:cNvPr>
+          <p:cNvSpPr>
+            <a:spLocks noGrp="1"/>
+          </p:cNvSpPr>
+          <p:nvPr>
+            <p:ph type="ctrTitle"/>
+          </p:nvPr>
+        </p:nvSpPr>
+        <p:spPr>
+          <a:xfrm>
+            <a:off x="304800" y="277091"/>
+            <a:ext cx="9144000" cy="669781"/>
+          </a:xfrm>
+        </p:spPr>
+        <p:txBody>
+          <a:bodyPr>
+            <a:normAutofit/>
+          </a:bodyPr>
+          <a:lstStyle/>
+          <a:p>
+            <a:pPr algn="l"/>
+            <a:r>
+              <a:rPr lang="es-MX" sz="3600" b="1" dirty="0">
+                <a:latin typeface="Gadugi" panose="020B0502040204020203" pitchFamily="34" charset="0"/>
+                <a:ea typeface="Gadugi" panose="020B0502040204020203" pitchFamily="34" charset="0"/>
+              </a:rPr>
+              <a:t>ALTER TABLE</a:t>
+            </a:r>
+          </a:p>
+        </p:txBody>
+      </p:sp>
+      <p:sp>
+        <p:nvSpPr>
+          <p:cNvPr id="3" name="Subtítulo 2">
+            <a:extLst>
+              <a:ext uri="{FF2B5EF4-FFF2-40B4-BE49-F238E27FC236}">
+                <a16:creationId xmlns:a16="http://schemas.microsoft.com/office/drawing/2014/main" id="{1A30F90B-0731-20CA-E914-48343967869A}"/>
+              </a:ext>
+            </a:extLst>
+          </p:cNvPr>
+          <p:cNvSpPr>
+            <a:spLocks noGrp="1"/>
+          </p:cNvSpPr>
+          <p:nvPr>
+            <p:ph type="subTitle" idx="1"/>
+          </p:nvPr>
+        </p:nvSpPr>
+        <p:spPr>
+          <a:xfrm>
+            <a:off x="152400" y="1602656"/>
+            <a:ext cx="7966356" cy="1826344"/>
+          </a:xfrm>
+        </p:spPr>
+        <p:txBody>
+          <a:bodyPr>
+            <a:normAutofit/>
+          </a:bodyPr>
+          <a:lstStyle/>
+          <a:p>
+            <a:pPr algn="l"/>
+            <a:r>
+              <a:rPr lang="es-MX" b="1" dirty="0"/>
+              <a:t>ALTER TABLE </a:t>
+            </a:r>
+            <a:r>
+              <a:rPr lang="es-MX" dirty="0"/>
+              <a:t>[nombre de la tabla]</a:t>
+            </a:r>
+          </a:p>
+          <a:p>
+            <a:pPr algn="l"/>
+            <a:r>
+              <a:rPr lang="es-MX" dirty="0"/>
+              <a:t>[especificar acciones]</a:t>
+            </a:r>
+          </a:p>
+        </p:txBody>
+      </p:sp>
+      <p:cxnSp>
+        <p:nvCxnSpPr>
+          <p:cNvPr id="5" name="Conector recto 4">
+            <a:extLst>
+              <a:ext uri="{FF2B5EF4-FFF2-40B4-BE49-F238E27FC236}">
+                <a16:creationId xmlns:a16="http://schemas.microsoft.com/office/drawing/2014/main" id="{8185E119-0A24-A724-B622-7DB91F3252A8}"/>
+              </a:ext>
+            </a:extLst>
+          </p:cNvPr>
+          <p:cNvCxnSpPr/>
+          <p:nvPr/>
+        </p:nvCxnSpPr>
+        <p:spPr>
+          <a:xfrm>
+            <a:off x="0" y="946872"/>
+            <a:ext cx="5472545" cy="0"/>
+          </a:xfrm>
+          <a:prstGeom prst="line">
+            <a:avLst/>
+          </a:prstGeom>
+          <a:ln w="38100">
+            <a:solidFill>
+              <a:srgbClr val="7030A0"/>
+            </a:solidFill>
+          </a:ln>
+        </p:spPr>
+        <p:style>
+          <a:lnRef idx="1">
+            <a:schemeClr val="accent1"/>
+          </a:lnRef>
+          <a:fillRef idx="0">
+            <a:schemeClr val="accent1"/>
+          </a:fillRef>
+          <a:effectRef idx="0">
+            <a:schemeClr val="accent1"/>
+          </a:effectRef>
+          <a:fontRef idx="minor">
+            <a:schemeClr val="tx1"/>
+          </a:fontRef>
+        </p:style>
+      </p:cxnSp>
+      <p:cxnSp>
+        <p:nvCxnSpPr>
+          <p:cNvPr id="6" name="Conector recto 5">
+            <a:extLst>
+              <a:ext uri="{FF2B5EF4-FFF2-40B4-BE49-F238E27FC236}">
+                <a16:creationId xmlns:a16="http://schemas.microsoft.com/office/drawing/2014/main" id="{BEFC1D1B-E623-58C6-AEC5-FBF9FC0A9DBC}"/>
+              </a:ext>
+            </a:extLst>
+          </p:cNvPr>
+          <p:cNvCxnSpPr>
+            <a:cxnSpLocks/>
+          </p:cNvCxnSpPr>
+          <p:nvPr/>
+        </p:nvCxnSpPr>
+        <p:spPr>
+          <a:xfrm flipV="1">
+            <a:off x="8257309" y="0"/>
+            <a:ext cx="0" cy="6858000"/>
+          </a:xfrm>
+          <a:prstGeom prst="line">
+            <a:avLst/>
+          </a:prstGeom>
+          <a:ln w="38100">
+            <a:solidFill>
+              <a:srgbClr val="7030A0"/>
+            </a:solidFill>
+          </a:ln>
+        </p:spPr>
+        <p:style>
+          <a:lnRef idx="1">
+            <a:schemeClr val="accent1"/>
+          </a:lnRef>
+          <a:fillRef idx="0">
+            <a:schemeClr val="accent1"/>
+          </a:fillRef>
+          <a:effectRef idx="0">
+            <a:schemeClr val="accent1"/>
+          </a:effectRef>
+          <a:fontRef idx="minor">
+            <a:schemeClr val="tx1"/>
+          </a:fontRef>
+        </p:style>
+      </p:cxnSp>
+      <p:sp>
+        <p:nvSpPr>
+          <p:cNvPr id="9" name="Subtítulo 2">
+            <a:extLst>
+              <a:ext uri="{FF2B5EF4-FFF2-40B4-BE49-F238E27FC236}">
+                <a16:creationId xmlns:a16="http://schemas.microsoft.com/office/drawing/2014/main" id="{B2F69EEF-1183-1D61-4B75-D786FD98E6A3}"/>
+              </a:ext>
+            </a:extLst>
+          </p:cNvPr>
+          <p:cNvSpPr txBox="1">
+            <a:spLocks/>
+          </p:cNvSpPr>
+          <p:nvPr/>
+        </p:nvSpPr>
+        <p:spPr>
+          <a:xfrm>
+            <a:off x="8285019" y="1602654"/>
+            <a:ext cx="3906981" cy="1154126"/>
+          </a:xfrm>
+          <a:prstGeom prst="rect">
+            <a:avLst/>
+          </a:prstGeom>
+        </p:spPr>
+        <p:txBody>
+          <a:bodyPr vert="horz" lIns="91440" tIns="45720" rIns="91440" bIns="45720" rtlCol="0">
+            <a:normAutofit/>
+          </a:bodyPr>
+          <a:lstStyle>
+            <a:lvl1pPr marL="0" indent="0" algn="ctr" defTabSz="914400" rtl="0" eaLnBrk="1" latinLnBrk="0" hangingPunct="1">
+              <a:lnSpc>
+                <a:spcPct val="90000"/>
+              </a:lnSpc>
+              <a:spcBef>
+                <a:spcPts val="1000"/>
+              </a:spcBef>
+              <a:buFont typeface="Arial" panose="020B0604020202020204" pitchFamily="34" charset="0"/>
+              <a:buNone/>
+              <a:defRPr sz="2400" kern="1200">
+                <a:solidFill>
+                  <a:schemeClr val="tx1"/>
+                </a:solidFill>
+                <a:latin typeface="+mn-lt"/>
+                <a:ea typeface="+mn-ea"/>
+                <a:cs typeface="+mn-cs"/>
+              </a:defRPr>
+            </a:lvl1pPr>
+            <a:lvl2pPr marL="457200" indent="0" algn="ctr" defTabSz="914400" rtl="0" eaLnBrk="1" latinLnBrk="0" hangingPunct="1">
+              <a:lnSpc>
+                <a:spcPct val="90000"/>
+              </a:lnSpc>
+              <a:spcBef>
+                <a:spcPts val="500"/>
+              </a:spcBef>
+              <a:buFont typeface="Arial" panose="020B0604020202020204" pitchFamily="34" charset="0"/>
+              <a:buNone/>
+              <a:defRPr sz="2000" kern="1200">
+                <a:solidFill>
+                  <a:schemeClr val="tx1"/>
+                </a:solidFill>
+                <a:latin typeface="+mn-lt"/>
+                <a:ea typeface="+mn-ea"/>
+                <a:cs typeface="+mn-cs"/>
+              </a:defRPr>
+            </a:lvl2pPr>
+            <a:lvl3pPr marL="914400" indent="0" algn="ctr" defTabSz="914400" rtl="0" eaLnBrk="1" latinLnBrk="0" hangingPunct="1">
+              <a:lnSpc>
+                <a:spcPct val="90000"/>
+              </a:lnSpc>
+              <a:spcBef>
+                <a:spcPts val="500"/>
+              </a:spcBef>
+              <a:buFont typeface="Arial" panose="020B0604020202020204" pitchFamily="34" charset="0"/>
+              <a:buNone/>
+              <a:defRPr sz="1800" kern="1200">
+                <a:solidFill>
+                  <a:schemeClr val="tx1"/>
+                </a:solidFill>
+                <a:latin typeface="+mn-lt"/>
+                <a:ea typeface="+mn-ea"/>
+                <a:cs typeface="+mn-cs"/>
+              </a:defRPr>
+            </a:lvl3pPr>
+            <a:lvl4pPr marL="1371600" indent="0" algn="ctr" defTabSz="914400" rtl="0" eaLnBrk="1" latinLnBrk="0" hangingPunct="1">
+              <a:lnSpc>
+                <a:spcPct val="90000"/>
+              </a:lnSpc>
+              <a:spcBef>
+                <a:spcPts val="500"/>
+              </a:spcBef>
+              <a:buFont typeface="Arial" panose="020B0604020202020204" pitchFamily="34" charset="0"/>
+              <a:buNone/>
+              <a:defRPr sz="1600" kern="1200">
+                <a:solidFill>
+                  <a:schemeClr val="tx1"/>
+                </a:solidFill>
+                <a:latin typeface="+mn-lt"/>
+                <a:ea typeface="+mn-ea"/>
+                <a:cs typeface="+mn-cs"/>
+              </a:defRPr>
+            </a:lvl4pPr>
+            <a:lvl5pPr marL="1828800" indent="0" algn="ctr" defTabSz="914400" rtl="0" eaLnBrk="1" latinLnBrk="0" hangingPunct="1">
+              <a:lnSpc>
+                <a:spcPct val="90000"/>
+              </a:lnSpc>
+              <a:spcBef>
+                <a:spcPts val="500"/>
+              </a:spcBef>
+              <a:buFont typeface="Arial" panose="020B0604020202020204" pitchFamily="34" charset="0"/>
+              <a:buNone/>
+              <a:defRPr sz="1600" kern="1200">
+                <a:solidFill>
+                  <a:schemeClr val="tx1"/>
+                </a:solidFill>
+                <a:latin typeface="+mn-lt"/>
+                <a:ea typeface="+mn-ea"/>
+                <a:cs typeface="+mn-cs"/>
+              </a:defRPr>
+            </a:lvl5pPr>
+            <a:lvl6pPr marL="2286000" indent="0" algn="ctr" defTabSz="914400" rtl="0" eaLnBrk="1" latinLnBrk="0" hangingPunct="1">
+              <a:lnSpc>
+                <a:spcPct val="90000"/>
+              </a:lnSpc>
+              <a:spcBef>
+                <a:spcPts val="500"/>
+              </a:spcBef>
+              <a:buFont typeface="Arial" panose="020B0604020202020204" pitchFamily="34" charset="0"/>
+              <a:buNone/>
+              <a:defRPr sz="1600" kern="1200">
+                <a:solidFill>
+                  <a:schemeClr val="tx1"/>
+                </a:solidFill>
+                <a:latin typeface="+mn-lt"/>
+                <a:ea typeface="+mn-ea"/>
+                <a:cs typeface="+mn-cs"/>
+              </a:defRPr>
+            </a:lvl6pPr>
+            <a:lvl7pPr marL="2743200" indent="0" algn="ctr" defTabSz="914400" rtl="0" eaLnBrk="1" latinLnBrk="0" hangingPunct="1">
+              <a:lnSpc>
+                <a:spcPct val="90000"/>
+              </a:lnSpc>
+              <a:spcBef>
+                <a:spcPts val="500"/>
+              </a:spcBef>
+              <a:buFont typeface="Arial" panose="020B0604020202020204" pitchFamily="34" charset="0"/>
+              <a:buNone/>
+              <a:defRPr sz="1600" kern="1200">
+                <a:solidFill>
+                  <a:schemeClr val="tx1"/>
+                </a:solidFill>
+                <a:latin typeface="+mn-lt"/>
+                <a:ea typeface="+mn-ea"/>
+                <a:cs typeface="+mn-cs"/>
+              </a:defRPr>
+            </a:lvl7pPr>
+            <a:lvl8pPr marL="3200400" indent="0" algn="ctr" defTabSz="914400" rtl="0" eaLnBrk="1" latinLnBrk="0" hangingPunct="1">
+              <a:lnSpc>
+                <a:spcPct val="90000"/>
+              </a:lnSpc>
+              <a:spcBef>
+                <a:spcPts val="500"/>
+              </a:spcBef>
+              <a:buFont typeface="Arial" panose="020B0604020202020204" pitchFamily="34" charset="0"/>
+              <a:buNone/>
+              <a:defRPr sz="1600" kern="1200">
+                <a:solidFill>
+                  <a:schemeClr val="tx1"/>
+                </a:solidFill>
+                <a:latin typeface="+mn-lt"/>
+                <a:ea typeface="+mn-ea"/>
+                <a:cs typeface="+mn-cs"/>
+              </a:defRPr>
+            </a:lvl8pPr>
+            <a:lvl9pPr marL="3657600" indent="0" algn="ctr" defTabSz="914400" rtl="0" eaLnBrk="1" latinLnBrk="0" hangingPunct="1">
+              <a:lnSpc>
+                <a:spcPct val="90000"/>
+              </a:lnSpc>
+              <a:spcBef>
+                <a:spcPts val="500"/>
+              </a:spcBef>
+              <a:buFont typeface="Arial" panose="020B0604020202020204" pitchFamily="34" charset="0"/>
+              <a:buNone/>
+              <a:defRPr sz="1600" kern="1200">
+                <a:solidFill>
+                  <a:schemeClr val="tx1"/>
+                </a:solidFill>
+                <a:latin typeface="+mn-lt"/>
+                <a:ea typeface="+mn-ea"/>
+                <a:cs typeface="+mn-cs"/>
+              </a:defRPr>
+            </a:lvl9pPr>
+          </a:lstStyle>
+          <a:p>
+            <a:pPr algn="l"/>
+            <a:r>
+              <a:rPr lang="es-MX" sz="1600" dirty="0"/>
+              <a:t>+ Esta sentencia nos permite realizar diversas acciones con las columnas o con las condiciones que estas tienen</a:t>
+            </a:r>
+          </a:p>
+        </p:txBody>
+      </p:sp>
+      <p:sp>
+        <p:nvSpPr>
+          <p:cNvPr id="7" name="Subtítulo 2">
+            <a:extLst>
+              <a:ext uri="{FF2B5EF4-FFF2-40B4-BE49-F238E27FC236}">
+                <a16:creationId xmlns:a16="http://schemas.microsoft.com/office/drawing/2014/main" id="{7E3ECDFF-33DC-A854-93D1-3ADE3DEADA39}"/>
+              </a:ext>
+            </a:extLst>
+          </p:cNvPr>
+          <p:cNvSpPr txBox="1">
+            <a:spLocks/>
+          </p:cNvSpPr>
+          <p:nvPr/>
+        </p:nvSpPr>
+        <p:spPr>
+          <a:xfrm>
+            <a:off x="193956" y="2877105"/>
+            <a:ext cx="7966363" cy="2789285"/>
+          </a:xfrm>
+          <a:prstGeom prst="rect">
+            <a:avLst/>
+          </a:prstGeom>
+        </p:spPr>
+        <p:txBody>
+          <a:bodyPr vert="horz" lIns="91440" tIns="45720" rIns="91440" bIns="45720" rtlCol="0">
+            <a:normAutofit/>
+          </a:bodyPr>
+          <a:lstStyle>
+            <a:lvl1pPr marL="0" indent="0" algn="ctr" defTabSz="914400" rtl="0" eaLnBrk="1" latinLnBrk="0" hangingPunct="1">
+              <a:lnSpc>
+                <a:spcPct val="90000"/>
+              </a:lnSpc>
+              <a:spcBef>
+                <a:spcPts val="1000"/>
+              </a:spcBef>
+              <a:buFont typeface="Arial" panose="020B0604020202020204" pitchFamily="34" charset="0"/>
+              <a:buNone/>
+              <a:defRPr sz="2400" kern="1200">
+                <a:solidFill>
+                  <a:schemeClr val="tx1"/>
+                </a:solidFill>
+                <a:latin typeface="+mn-lt"/>
+                <a:ea typeface="+mn-ea"/>
+                <a:cs typeface="+mn-cs"/>
+              </a:defRPr>
+            </a:lvl1pPr>
+            <a:lvl2pPr marL="457200" indent="0" algn="ctr" defTabSz="914400" rtl="0" eaLnBrk="1" latinLnBrk="0" hangingPunct="1">
+              <a:lnSpc>
+                <a:spcPct val="90000"/>
+              </a:lnSpc>
+              <a:spcBef>
+                <a:spcPts val="500"/>
+              </a:spcBef>
+              <a:buFont typeface="Arial" panose="020B0604020202020204" pitchFamily="34" charset="0"/>
+              <a:buNone/>
+              <a:defRPr sz="2000" kern="1200">
+                <a:solidFill>
+                  <a:schemeClr val="tx1"/>
+                </a:solidFill>
+                <a:latin typeface="+mn-lt"/>
+                <a:ea typeface="+mn-ea"/>
+                <a:cs typeface="+mn-cs"/>
+              </a:defRPr>
+            </a:lvl2pPr>
+            <a:lvl3pPr marL="914400" indent="0" algn="ctr" defTabSz="914400" rtl="0" eaLnBrk="1" latinLnBrk="0" hangingPunct="1">
+              <a:lnSpc>
+                <a:spcPct val="90000"/>
+              </a:lnSpc>
+              <a:spcBef>
+                <a:spcPts val="500"/>
+              </a:spcBef>
+              <a:buFont typeface="Arial" panose="020B0604020202020204" pitchFamily="34" charset="0"/>
+              <a:buNone/>
+              <a:defRPr sz="1800" kern="1200">
+                <a:solidFill>
+                  <a:schemeClr val="tx1"/>
+                </a:solidFill>
+                <a:latin typeface="+mn-lt"/>
+                <a:ea typeface="+mn-ea"/>
+                <a:cs typeface="+mn-cs"/>
+              </a:defRPr>
+            </a:lvl3pPr>
+            <a:lvl4pPr marL="1371600" indent="0" algn="ctr" defTabSz="914400" rtl="0" eaLnBrk="1" latinLnBrk="0" hangingPunct="1">
+              <a:lnSpc>
+                <a:spcPct val="90000"/>
+              </a:lnSpc>
+              <a:spcBef>
+                <a:spcPts val="500"/>
+              </a:spcBef>
+              <a:buFont typeface="Arial" panose="020B0604020202020204" pitchFamily="34" charset="0"/>
+              <a:buNone/>
+              <a:defRPr sz="1600" kern="1200">
+                <a:solidFill>
+                  <a:schemeClr val="tx1"/>
+                </a:solidFill>
+                <a:latin typeface="+mn-lt"/>
+                <a:ea typeface="+mn-ea"/>
+                <a:cs typeface="+mn-cs"/>
+              </a:defRPr>
+            </a:lvl4pPr>
+            <a:lvl5pPr marL="1828800" indent="0" algn="ctr" defTabSz="914400" rtl="0" eaLnBrk="1" latinLnBrk="0" hangingPunct="1">
+              <a:lnSpc>
+                <a:spcPct val="90000"/>
+              </a:lnSpc>
+              <a:spcBef>
+                <a:spcPts val="500"/>
+              </a:spcBef>
+              <a:buFont typeface="Arial" panose="020B0604020202020204" pitchFamily="34" charset="0"/>
+              <a:buNone/>
+              <a:defRPr sz="1600" kern="1200">
+                <a:solidFill>
+                  <a:schemeClr val="tx1"/>
+                </a:solidFill>
+                <a:latin typeface="+mn-lt"/>
+                <a:ea typeface="+mn-ea"/>
+                <a:cs typeface="+mn-cs"/>
+              </a:defRPr>
+            </a:lvl5pPr>
+            <a:lvl6pPr marL="2286000" indent="0" algn="ctr" defTabSz="914400" rtl="0" eaLnBrk="1" latinLnBrk="0" hangingPunct="1">
+              <a:lnSpc>
+                <a:spcPct val="90000"/>
+              </a:lnSpc>
+              <a:spcBef>
+                <a:spcPts val="500"/>
+              </a:spcBef>
+              <a:buFont typeface="Arial" panose="020B0604020202020204" pitchFamily="34" charset="0"/>
+              <a:buNone/>
+              <a:defRPr sz="1600" kern="1200">
+                <a:solidFill>
+                  <a:schemeClr val="tx1"/>
+                </a:solidFill>
+                <a:latin typeface="+mn-lt"/>
+                <a:ea typeface="+mn-ea"/>
+                <a:cs typeface="+mn-cs"/>
+              </a:defRPr>
+            </a:lvl6pPr>
+            <a:lvl7pPr marL="2743200" indent="0" algn="ctr" defTabSz="914400" rtl="0" eaLnBrk="1" latinLnBrk="0" hangingPunct="1">
+              <a:lnSpc>
+                <a:spcPct val="90000"/>
+              </a:lnSpc>
+              <a:spcBef>
+                <a:spcPts val="500"/>
+              </a:spcBef>
+              <a:buFont typeface="Arial" panose="020B0604020202020204" pitchFamily="34" charset="0"/>
+              <a:buNone/>
+              <a:defRPr sz="1600" kern="1200">
+                <a:solidFill>
+                  <a:schemeClr val="tx1"/>
+                </a:solidFill>
+                <a:latin typeface="+mn-lt"/>
+                <a:ea typeface="+mn-ea"/>
+                <a:cs typeface="+mn-cs"/>
+              </a:defRPr>
+            </a:lvl7pPr>
+            <a:lvl8pPr marL="3200400" indent="0" algn="ctr" defTabSz="914400" rtl="0" eaLnBrk="1" latinLnBrk="0" hangingPunct="1">
+              <a:lnSpc>
+                <a:spcPct val="90000"/>
+              </a:lnSpc>
+              <a:spcBef>
+                <a:spcPts val="500"/>
+              </a:spcBef>
+              <a:buFont typeface="Arial" panose="020B0604020202020204" pitchFamily="34" charset="0"/>
+              <a:buNone/>
+              <a:defRPr sz="1600" kern="1200">
+                <a:solidFill>
+                  <a:schemeClr val="tx1"/>
+                </a:solidFill>
+                <a:latin typeface="+mn-lt"/>
+                <a:ea typeface="+mn-ea"/>
+                <a:cs typeface="+mn-cs"/>
+              </a:defRPr>
+            </a:lvl8pPr>
+            <a:lvl9pPr marL="3657600" indent="0" algn="ctr" defTabSz="914400" rtl="0" eaLnBrk="1" latinLnBrk="0" hangingPunct="1">
+              <a:lnSpc>
+                <a:spcPct val="90000"/>
+              </a:lnSpc>
+              <a:spcBef>
+                <a:spcPts val="500"/>
+              </a:spcBef>
+              <a:buFont typeface="Arial" panose="020B0604020202020204" pitchFamily="34" charset="0"/>
+              <a:buNone/>
+              <a:defRPr sz="1600" kern="1200">
+                <a:solidFill>
+                  <a:schemeClr val="tx1"/>
+                </a:solidFill>
+                <a:latin typeface="+mn-lt"/>
+                <a:ea typeface="+mn-ea"/>
+                <a:cs typeface="+mn-cs"/>
+              </a:defRPr>
+            </a:lvl9pPr>
+          </a:lstStyle>
+          <a:p>
+            <a:pPr algn="l"/>
+            <a:r>
+              <a:rPr lang="es-MX" sz="2000" dirty="0"/>
+              <a:t>El conjunto de acciones que se pueden hacer es</a:t>
+            </a:r>
+          </a:p>
+          <a:p>
+            <a:pPr algn="l"/>
+            <a:endParaRPr lang="es-MX" sz="2000" dirty="0"/>
+          </a:p>
+          <a:p>
+            <a:pPr algn="l"/>
+            <a:r>
+              <a:rPr lang="es-MX" sz="2000" dirty="0"/>
+              <a:t>1. Respecto a </a:t>
+            </a:r>
+            <a:r>
+              <a:rPr lang="es-MX" sz="2000" i="1" dirty="0"/>
+              <a:t>columnas</a:t>
+            </a:r>
+          </a:p>
+          <a:p>
+            <a:pPr algn="l"/>
+            <a:r>
+              <a:rPr lang="es-MX" sz="2000" b="1" dirty="0"/>
+              <a:t>ADD COLUMN </a:t>
+            </a:r>
+            <a:r>
+              <a:rPr lang="es-MX" sz="2000" dirty="0"/>
+              <a:t>[tipo de datos] </a:t>
+            </a:r>
+            <a:r>
+              <a:rPr lang="es-MX" sz="2000" b="1" dirty="0"/>
+              <a:t>;</a:t>
+            </a:r>
+          </a:p>
+          <a:p>
+            <a:pPr algn="l"/>
+            <a:r>
+              <a:rPr lang="es-MX" sz="2000" b="1" dirty="0"/>
+              <a:t>DROP COLUMN </a:t>
+            </a:r>
+            <a:r>
+              <a:rPr lang="es-MX" sz="2000" dirty="0"/>
+              <a:t>[nombre de la columna] </a:t>
+            </a:r>
+            <a:r>
+              <a:rPr lang="es-MX" sz="2000" b="1" dirty="0"/>
+              <a:t>;</a:t>
+            </a:r>
+          </a:p>
+          <a:p>
+            <a:pPr algn="l"/>
+            <a:r>
+              <a:rPr lang="es-MX" sz="2000" b="1" dirty="0"/>
+              <a:t>ALTER COLUMN </a:t>
+            </a:r>
+            <a:r>
+              <a:rPr lang="es-MX" sz="2000" dirty="0"/>
+              <a:t>[nombre de la columna] </a:t>
+            </a:r>
+            <a:r>
+              <a:rPr lang="es-MX" sz="2000" b="1" dirty="0"/>
+              <a:t>TYPE</a:t>
+            </a:r>
+            <a:r>
+              <a:rPr lang="es-MX" sz="2000" dirty="0"/>
+              <a:t> [nuevo tipo de datos] </a:t>
+            </a:r>
+            <a:r>
+              <a:rPr lang="es-MX" sz="2000" b="1" dirty="0"/>
+              <a:t>;</a:t>
+            </a:r>
+          </a:p>
+          <a:p>
+            <a:pPr algn="l"/>
+            <a:r>
+              <a:rPr lang="es-MX" sz="2000" b="1" dirty="0"/>
+              <a:t>RENAME COLUMN </a:t>
+            </a:r>
+            <a:r>
+              <a:rPr lang="es-MX" sz="2000" dirty="0"/>
+              <a:t>[nombre de la columna] </a:t>
+            </a:r>
+            <a:r>
+              <a:rPr lang="es-MX" sz="2000" b="1" dirty="0"/>
+              <a:t>TO</a:t>
+            </a:r>
+            <a:r>
+              <a:rPr lang="es-MX" sz="2000" dirty="0"/>
+              <a:t> [nuevo nombre] </a:t>
+            </a:r>
+            <a:r>
+              <a:rPr lang="es-MX" sz="2000" b="1" dirty="0"/>
+              <a:t>;</a:t>
+            </a:r>
+          </a:p>
+        </p:txBody>
+      </p:sp>
+    </p:spTree>
+    <p:extLst>
+      <p:ext uri="{BB962C8B-B14F-4D97-AF65-F5344CB8AC3E}">
+        <p14:creationId xmlns:p14="http://schemas.microsoft.com/office/powerpoint/2010/main" val="3156706117"/>
+      </p:ext>
+    </p:extLst>
+  </p:cSld>
+  <p:clrMapOvr>
+    <a:masterClrMapping/>
+  </p:clrMapOvr>
+</p:sld>
+</file>
+
+<file path=ppt/slides/slide12.xml><?xml version="1.0" encoding="utf-8"?>
+<p:sld xmlns:a="http://schemas.openxmlformats.org/drawingml/2006/main" xmlns:r="http://schemas.openxmlformats.org/officeDocument/2006/relationships" xmlns:p="http://schemas.openxmlformats.org/presentationml/2006/main">
+  <p:cSld>
+    <p:spTree>
+      <p:nvGrpSpPr>
+        <p:cNvPr id="1" name=""/>
+        <p:cNvGrpSpPr/>
+        <p:nvPr/>
+      </p:nvGrpSpPr>
+      <p:grpSpPr>
+        <a:xfrm>
+          <a:off x="0" y="0"/>
+          <a:ext cx="0" cy="0"/>
+          <a:chOff x="0" y="0"/>
+          <a:chExt cx="0" cy="0"/>
+        </a:xfrm>
+      </p:grpSpPr>
+      <p:sp>
+        <p:nvSpPr>
+          <p:cNvPr id="2" name="Título 1">
+            <a:extLst>
+              <a:ext uri="{FF2B5EF4-FFF2-40B4-BE49-F238E27FC236}">
+                <a16:creationId xmlns:a16="http://schemas.microsoft.com/office/drawing/2014/main" id="{095D5E06-C433-C836-106A-B2D45ADCF04F}"/>
+              </a:ext>
+            </a:extLst>
+          </p:cNvPr>
+          <p:cNvSpPr>
+            <a:spLocks noGrp="1"/>
+          </p:cNvSpPr>
+          <p:nvPr>
+            <p:ph type="ctrTitle"/>
+          </p:nvPr>
+        </p:nvSpPr>
+        <p:spPr>
+          <a:xfrm>
+            <a:off x="304800" y="277091"/>
+            <a:ext cx="9144000" cy="669781"/>
+          </a:xfrm>
+        </p:spPr>
+        <p:txBody>
+          <a:bodyPr>
+            <a:normAutofit/>
+          </a:bodyPr>
+          <a:lstStyle/>
+          <a:p>
+            <a:pPr algn="l"/>
+            <a:r>
+              <a:rPr lang="es-MX" sz="3600" b="1" dirty="0">
+                <a:latin typeface="Gadugi" panose="020B0502040204020203" pitchFamily="34" charset="0"/>
+                <a:ea typeface="Gadugi" panose="020B0502040204020203" pitchFamily="34" charset="0"/>
+              </a:rPr>
+              <a:t>ALTER TABLE</a:t>
+            </a:r>
+          </a:p>
+        </p:txBody>
+      </p:sp>
+      <p:sp>
+        <p:nvSpPr>
+          <p:cNvPr id="3" name="Subtítulo 2">
+            <a:extLst>
+              <a:ext uri="{FF2B5EF4-FFF2-40B4-BE49-F238E27FC236}">
+                <a16:creationId xmlns:a16="http://schemas.microsoft.com/office/drawing/2014/main" id="{1A30F90B-0731-20CA-E914-48343967869A}"/>
+              </a:ext>
+            </a:extLst>
+          </p:cNvPr>
+          <p:cNvSpPr>
+            <a:spLocks noGrp="1"/>
+          </p:cNvSpPr>
+          <p:nvPr>
+            <p:ph type="subTitle" idx="1"/>
+          </p:nvPr>
+        </p:nvSpPr>
+        <p:spPr>
+          <a:xfrm>
+            <a:off x="152400" y="1602656"/>
+            <a:ext cx="7966356" cy="1826344"/>
+          </a:xfrm>
+        </p:spPr>
+        <p:txBody>
+          <a:bodyPr>
+            <a:normAutofit/>
+          </a:bodyPr>
+          <a:lstStyle/>
+          <a:p>
+            <a:pPr algn="l"/>
+            <a:r>
+              <a:rPr lang="es-MX" b="1" dirty="0"/>
+              <a:t>ALTER TABLE </a:t>
+            </a:r>
+            <a:r>
+              <a:rPr lang="es-MX" dirty="0"/>
+              <a:t>[nombre de la tabla]</a:t>
+            </a:r>
+          </a:p>
+          <a:p>
+            <a:pPr algn="l"/>
+            <a:r>
+              <a:rPr lang="es-MX" dirty="0"/>
+              <a:t>[especificar acciones]</a:t>
+            </a:r>
+          </a:p>
+        </p:txBody>
+      </p:sp>
+      <p:cxnSp>
+        <p:nvCxnSpPr>
+          <p:cNvPr id="5" name="Conector recto 4">
+            <a:extLst>
+              <a:ext uri="{FF2B5EF4-FFF2-40B4-BE49-F238E27FC236}">
+                <a16:creationId xmlns:a16="http://schemas.microsoft.com/office/drawing/2014/main" id="{8185E119-0A24-A724-B622-7DB91F3252A8}"/>
+              </a:ext>
+            </a:extLst>
+          </p:cNvPr>
+          <p:cNvCxnSpPr/>
+          <p:nvPr/>
+        </p:nvCxnSpPr>
+        <p:spPr>
+          <a:xfrm>
+            <a:off x="0" y="946872"/>
+            <a:ext cx="5472545" cy="0"/>
+          </a:xfrm>
+          <a:prstGeom prst="line">
+            <a:avLst/>
+          </a:prstGeom>
+          <a:ln w="38100">
+            <a:solidFill>
+              <a:srgbClr val="7030A0"/>
+            </a:solidFill>
+          </a:ln>
+        </p:spPr>
+        <p:style>
+          <a:lnRef idx="1">
+            <a:schemeClr val="accent1"/>
+          </a:lnRef>
+          <a:fillRef idx="0">
+            <a:schemeClr val="accent1"/>
+          </a:fillRef>
+          <a:effectRef idx="0">
+            <a:schemeClr val="accent1"/>
+          </a:effectRef>
+          <a:fontRef idx="minor">
+            <a:schemeClr val="tx1"/>
+          </a:fontRef>
+        </p:style>
+      </p:cxnSp>
+      <p:cxnSp>
+        <p:nvCxnSpPr>
+          <p:cNvPr id="6" name="Conector recto 5">
+            <a:extLst>
+              <a:ext uri="{FF2B5EF4-FFF2-40B4-BE49-F238E27FC236}">
+                <a16:creationId xmlns:a16="http://schemas.microsoft.com/office/drawing/2014/main" id="{BEFC1D1B-E623-58C6-AEC5-FBF9FC0A9DBC}"/>
+              </a:ext>
+            </a:extLst>
+          </p:cNvPr>
+          <p:cNvCxnSpPr>
+            <a:cxnSpLocks/>
+          </p:cNvCxnSpPr>
+          <p:nvPr/>
+        </p:nvCxnSpPr>
+        <p:spPr>
+          <a:xfrm flipV="1">
+            <a:off x="8257309" y="0"/>
+            <a:ext cx="0" cy="6858000"/>
+          </a:xfrm>
+          <a:prstGeom prst="line">
+            <a:avLst/>
+          </a:prstGeom>
+          <a:ln w="38100">
+            <a:solidFill>
+              <a:srgbClr val="7030A0"/>
+            </a:solidFill>
+          </a:ln>
+        </p:spPr>
+        <p:style>
+          <a:lnRef idx="1">
+            <a:schemeClr val="accent1"/>
+          </a:lnRef>
+          <a:fillRef idx="0">
+            <a:schemeClr val="accent1"/>
+          </a:fillRef>
+          <a:effectRef idx="0">
+            <a:schemeClr val="accent1"/>
+          </a:effectRef>
+          <a:fontRef idx="minor">
+            <a:schemeClr val="tx1"/>
+          </a:fontRef>
+        </p:style>
+      </p:cxnSp>
+      <p:sp>
+        <p:nvSpPr>
+          <p:cNvPr id="9" name="Subtítulo 2">
+            <a:extLst>
+              <a:ext uri="{FF2B5EF4-FFF2-40B4-BE49-F238E27FC236}">
+                <a16:creationId xmlns:a16="http://schemas.microsoft.com/office/drawing/2014/main" id="{B2F69EEF-1183-1D61-4B75-D786FD98E6A3}"/>
+              </a:ext>
+            </a:extLst>
+          </p:cNvPr>
+          <p:cNvSpPr txBox="1">
+            <a:spLocks/>
+          </p:cNvSpPr>
+          <p:nvPr/>
+        </p:nvSpPr>
+        <p:spPr>
+          <a:xfrm>
+            <a:off x="8285019" y="1602654"/>
+            <a:ext cx="3906981" cy="1154126"/>
+          </a:xfrm>
+          <a:prstGeom prst="rect">
+            <a:avLst/>
+          </a:prstGeom>
+        </p:spPr>
+        <p:txBody>
+          <a:bodyPr vert="horz" lIns="91440" tIns="45720" rIns="91440" bIns="45720" rtlCol="0">
+            <a:normAutofit/>
+          </a:bodyPr>
+          <a:lstStyle>
+            <a:lvl1pPr marL="0" indent="0" algn="ctr" defTabSz="914400" rtl="0" eaLnBrk="1" latinLnBrk="0" hangingPunct="1">
+              <a:lnSpc>
+                <a:spcPct val="90000"/>
+              </a:lnSpc>
+              <a:spcBef>
+                <a:spcPts val="1000"/>
+              </a:spcBef>
+              <a:buFont typeface="Arial" panose="020B0604020202020204" pitchFamily="34" charset="0"/>
+              <a:buNone/>
+              <a:defRPr sz="2400" kern="1200">
+                <a:solidFill>
+                  <a:schemeClr val="tx1"/>
+                </a:solidFill>
+                <a:latin typeface="+mn-lt"/>
+                <a:ea typeface="+mn-ea"/>
+                <a:cs typeface="+mn-cs"/>
+              </a:defRPr>
+            </a:lvl1pPr>
+            <a:lvl2pPr marL="457200" indent="0" algn="ctr" defTabSz="914400" rtl="0" eaLnBrk="1" latinLnBrk="0" hangingPunct="1">
+              <a:lnSpc>
+                <a:spcPct val="90000"/>
+              </a:lnSpc>
+              <a:spcBef>
+                <a:spcPts val="500"/>
+              </a:spcBef>
+              <a:buFont typeface="Arial" panose="020B0604020202020204" pitchFamily="34" charset="0"/>
+              <a:buNone/>
+              <a:defRPr sz="2000" kern="1200">
+                <a:solidFill>
+                  <a:schemeClr val="tx1"/>
+                </a:solidFill>
+                <a:latin typeface="+mn-lt"/>
+                <a:ea typeface="+mn-ea"/>
+                <a:cs typeface="+mn-cs"/>
+              </a:defRPr>
+            </a:lvl2pPr>
+            <a:lvl3pPr marL="914400" indent="0" algn="ctr" defTabSz="914400" rtl="0" eaLnBrk="1" latinLnBrk="0" hangingPunct="1">
+              <a:lnSpc>
+                <a:spcPct val="90000"/>
+              </a:lnSpc>
+              <a:spcBef>
+                <a:spcPts val="500"/>
+              </a:spcBef>
+              <a:buFont typeface="Arial" panose="020B0604020202020204" pitchFamily="34" charset="0"/>
+              <a:buNone/>
+              <a:defRPr sz="1800" kern="1200">
+                <a:solidFill>
+                  <a:schemeClr val="tx1"/>
+                </a:solidFill>
+                <a:latin typeface="+mn-lt"/>
+                <a:ea typeface="+mn-ea"/>
+                <a:cs typeface="+mn-cs"/>
+              </a:defRPr>
+            </a:lvl3pPr>
+            <a:lvl4pPr marL="1371600" indent="0" algn="ctr" defTabSz="914400" rtl="0" eaLnBrk="1" latinLnBrk="0" hangingPunct="1">
+              <a:lnSpc>
+                <a:spcPct val="90000"/>
+              </a:lnSpc>
+              <a:spcBef>
+                <a:spcPts val="500"/>
+              </a:spcBef>
+              <a:buFont typeface="Arial" panose="020B0604020202020204" pitchFamily="34" charset="0"/>
+              <a:buNone/>
+              <a:defRPr sz="1600" kern="1200">
+                <a:solidFill>
+                  <a:schemeClr val="tx1"/>
+                </a:solidFill>
+                <a:latin typeface="+mn-lt"/>
+                <a:ea typeface="+mn-ea"/>
+                <a:cs typeface="+mn-cs"/>
+              </a:defRPr>
+            </a:lvl4pPr>
+            <a:lvl5pPr marL="1828800" indent="0" algn="ctr" defTabSz="914400" rtl="0" eaLnBrk="1" latinLnBrk="0" hangingPunct="1">
+              <a:lnSpc>
+                <a:spcPct val="90000"/>
+              </a:lnSpc>
+              <a:spcBef>
+                <a:spcPts val="500"/>
+              </a:spcBef>
+              <a:buFont typeface="Arial" panose="020B0604020202020204" pitchFamily="34" charset="0"/>
+              <a:buNone/>
+              <a:defRPr sz="1600" kern="1200">
+                <a:solidFill>
+                  <a:schemeClr val="tx1"/>
+                </a:solidFill>
+                <a:latin typeface="+mn-lt"/>
+                <a:ea typeface="+mn-ea"/>
+                <a:cs typeface="+mn-cs"/>
+              </a:defRPr>
+            </a:lvl5pPr>
+            <a:lvl6pPr marL="2286000" indent="0" algn="ctr" defTabSz="914400" rtl="0" eaLnBrk="1" latinLnBrk="0" hangingPunct="1">
+              <a:lnSpc>
+                <a:spcPct val="90000"/>
+              </a:lnSpc>
+              <a:spcBef>
+                <a:spcPts val="500"/>
+              </a:spcBef>
+              <a:buFont typeface="Arial" panose="020B0604020202020204" pitchFamily="34" charset="0"/>
+              <a:buNone/>
+              <a:defRPr sz="1600" kern="1200">
+                <a:solidFill>
+                  <a:schemeClr val="tx1"/>
+                </a:solidFill>
+                <a:latin typeface="+mn-lt"/>
+                <a:ea typeface="+mn-ea"/>
+                <a:cs typeface="+mn-cs"/>
+              </a:defRPr>
+            </a:lvl6pPr>
+            <a:lvl7pPr marL="2743200" indent="0" algn="ctr" defTabSz="914400" rtl="0" eaLnBrk="1" latinLnBrk="0" hangingPunct="1">
+              <a:lnSpc>
+                <a:spcPct val="90000"/>
+              </a:lnSpc>
+              <a:spcBef>
+                <a:spcPts val="500"/>
+              </a:spcBef>
+              <a:buFont typeface="Arial" panose="020B0604020202020204" pitchFamily="34" charset="0"/>
+              <a:buNone/>
+              <a:defRPr sz="1600" kern="1200">
+                <a:solidFill>
+                  <a:schemeClr val="tx1"/>
+                </a:solidFill>
+                <a:latin typeface="+mn-lt"/>
+                <a:ea typeface="+mn-ea"/>
+                <a:cs typeface="+mn-cs"/>
+              </a:defRPr>
+            </a:lvl7pPr>
+            <a:lvl8pPr marL="3200400" indent="0" algn="ctr" defTabSz="914400" rtl="0" eaLnBrk="1" latinLnBrk="0" hangingPunct="1">
+              <a:lnSpc>
+                <a:spcPct val="90000"/>
+              </a:lnSpc>
+              <a:spcBef>
+                <a:spcPts val="500"/>
+              </a:spcBef>
+              <a:buFont typeface="Arial" panose="020B0604020202020204" pitchFamily="34" charset="0"/>
+              <a:buNone/>
+              <a:defRPr sz="1600" kern="1200">
+                <a:solidFill>
+                  <a:schemeClr val="tx1"/>
+                </a:solidFill>
+                <a:latin typeface="+mn-lt"/>
+                <a:ea typeface="+mn-ea"/>
+                <a:cs typeface="+mn-cs"/>
+              </a:defRPr>
+            </a:lvl8pPr>
+            <a:lvl9pPr marL="3657600" indent="0" algn="ctr" defTabSz="914400" rtl="0" eaLnBrk="1" latinLnBrk="0" hangingPunct="1">
+              <a:lnSpc>
+                <a:spcPct val="90000"/>
+              </a:lnSpc>
+              <a:spcBef>
+                <a:spcPts val="500"/>
+              </a:spcBef>
+              <a:buFont typeface="Arial" panose="020B0604020202020204" pitchFamily="34" charset="0"/>
+              <a:buNone/>
+              <a:defRPr sz="1600" kern="1200">
+                <a:solidFill>
+                  <a:schemeClr val="tx1"/>
+                </a:solidFill>
+                <a:latin typeface="+mn-lt"/>
+                <a:ea typeface="+mn-ea"/>
+                <a:cs typeface="+mn-cs"/>
+              </a:defRPr>
+            </a:lvl9pPr>
+          </a:lstStyle>
+          <a:p>
+            <a:pPr algn="l"/>
+            <a:r>
+              <a:rPr lang="es-MX" sz="1600" dirty="0"/>
+              <a:t>+ Esta sentencia nos permite realizar diversas acciones con las columnas o con las condiciones que estas tienen</a:t>
+            </a:r>
+          </a:p>
+        </p:txBody>
+      </p:sp>
+      <p:sp>
+        <p:nvSpPr>
+          <p:cNvPr id="7" name="Subtítulo 2">
+            <a:extLst>
+              <a:ext uri="{FF2B5EF4-FFF2-40B4-BE49-F238E27FC236}">
+                <a16:creationId xmlns:a16="http://schemas.microsoft.com/office/drawing/2014/main" id="{7E3ECDFF-33DC-A854-93D1-3ADE3DEADA39}"/>
+              </a:ext>
+            </a:extLst>
+          </p:cNvPr>
+          <p:cNvSpPr txBox="1">
+            <a:spLocks/>
+          </p:cNvSpPr>
+          <p:nvPr/>
+        </p:nvSpPr>
+        <p:spPr>
+          <a:xfrm>
+            <a:off x="193956" y="2877105"/>
+            <a:ext cx="7966363" cy="2789285"/>
+          </a:xfrm>
+          <a:prstGeom prst="rect">
+            <a:avLst/>
+          </a:prstGeom>
+        </p:spPr>
+        <p:txBody>
+          <a:bodyPr vert="horz" lIns="91440" tIns="45720" rIns="91440" bIns="45720" rtlCol="0">
+            <a:normAutofit/>
+          </a:bodyPr>
+          <a:lstStyle>
+            <a:lvl1pPr marL="0" indent="0" algn="ctr" defTabSz="914400" rtl="0" eaLnBrk="1" latinLnBrk="0" hangingPunct="1">
+              <a:lnSpc>
+                <a:spcPct val="90000"/>
+              </a:lnSpc>
+              <a:spcBef>
+                <a:spcPts val="1000"/>
+              </a:spcBef>
+              <a:buFont typeface="Arial" panose="020B0604020202020204" pitchFamily="34" charset="0"/>
+              <a:buNone/>
+              <a:defRPr sz="2400" kern="1200">
+                <a:solidFill>
+                  <a:schemeClr val="tx1"/>
+                </a:solidFill>
+                <a:latin typeface="+mn-lt"/>
+                <a:ea typeface="+mn-ea"/>
+                <a:cs typeface="+mn-cs"/>
+              </a:defRPr>
+            </a:lvl1pPr>
+            <a:lvl2pPr marL="457200" indent="0" algn="ctr" defTabSz="914400" rtl="0" eaLnBrk="1" latinLnBrk="0" hangingPunct="1">
+              <a:lnSpc>
+                <a:spcPct val="90000"/>
+              </a:lnSpc>
+              <a:spcBef>
+                <a:spcPts val="500"/>
+              </a:spcBef>
+              <a:buFont typeface="Arial" panose="020B0604020202020204" pitchFamily="34" charset="0"/>
+              <a:buNone/>
+              <a:defRPr sz="2000" kern="1200">
+                <a:solidFill>
+                  <a:schemeClr val="tx1"/>
+                </a:solidFill>
+                <a:latin typeface="+mn-lt"/>
+                <a:ea typeface="+mn-ea"/>
+                <a:cs typeface="+mn-cs"/>
+              </a:defRPr>
+            </a:lvl2pPr>
+            <a:lvl3pPr marL="914400" indent="0" algn="ctr" defTabSz="914400" rtl="0" eaLnBrk="1" latinLnBrk="0" hangingPunct="1">
+              <a:lnSpc>
+                <a:spcPct val="90000"/>
+              </a:lnSpc>
+              <a:spcBef>
+                <a:spcPts val="500"/>
+              </a:spcBef>
+              <a:buFont typeface="Arial" panose="020B0604020202020204" pitchFamily="34" charset="0"/>
+              <a:buNone/>
+              <a:defRPr sz="1800" kern="1200">
+                <a:solidFill>
+                  <a:schemeClr val="tx1"/>
+                </a:solidFill>
+                <a:latin typeface="+mn-lt"/>
+                <a:ea typeface="+mn-ea"/>
+                <a:cs typeface="+mn-cs"/>
+              </a:defRPr>
+            </a:lvl3pPr>
+            <a:lvl4pPr marL="1371600" indent="0" algn="ctr" defTabSz="914400" rtl="0" eaLnBrk="1" latinLnBrk="0" hangingPunct="1">
+              <a:lnSpc>
+                <a:spcPct val="90000"/>
+              </a:lnSpc>
+              <a:spcBef>
+                <a:spcPts val="500"/>
+              </a:spcBef>
+              <a:buFont typeface="Arial" panose="020B0604020202020204" pitchFamily="34" charset="0"/>
+              <a:buNone/>
+              <a:defRPr sz="1600" kern="1200">
+                <a:solidFill>
+                  <a:schemeClr val="tx1"/>
+                </a:solidFill>
+                <a:latin typeface="+mn-lt"/>
+                <a:ea typeface="+mn-ea"/>
+                <a:cs typeface="+mn-cs"/>
+              </a:defRPr>
+            </a:lvl4pPr>
+            <a:lvl5pPr marL="1828800" indent="0" algn="ctr" defTabSz="914400" rtl="0" eaLnBrk="1" latinLnBrk="0" hangingPunct="1">
+              <a:lnSpc>
+                <a:spcPct val="90000"/>
+              </a:lnSpc>
+              <a:spcBef>
+                <a:spcPts val="500"/>
+              </a:spcBef>
+              <a:buFont typeface="Arial" panose="020B0604020202020204" pitchFamily="34" charset="0"/>
+              <a:buNone/>
+              <a:defRPr sz="1600" kern="1200">
+                <a:solidFill>
+                  <a:schemeClr val="tx1"/>
+                </a:solidFill>
+                <a:latin typeface="+mn-lt"/>
+                <a:ea typeface="+mn-ea"/>
+                <a:cs typeface="+mn-cs"/>
+              </a:defRPr>
+            </a:lvl5pPr>
+            <a:lvl6pPr marL="2286000" indent="0" algn="ctr" defTabSz="914400" rtl="0" eaLnBrk="1" latinLnBrk="0" hangingPunct="1">
+              <a:lnSpc>
+                <a:spcPct val="90000"/>
+              </a:lnSpc>
+              <a:spcBef>
+                <a:spcPts val="500"/>
+              </a:spcBef>
+              <a:buFont typeface="Arial" panose="020B0604020202020204" pitchFamily="34" charset="0"/>
+              <a:buNone/>
+              <a:defRPr sz="1600" kern="1200">
+                <a:solidFill>
+                  <a:schemeClr val="tx1"/>
+                </a:solidFill>
+                <a:latin typeface="+mn-lt"/>
+                <a:ea typeface="+mn-ea"/>
+                <a:cs typeface="+mn-cs"/>
+              </a:defRPr>
+            </a:lvl6pPr>
+            <a:lvl7pPr marL="2743200" indent="0" algn="ctr" defTabSz="914400" rtl="0" eaLnBrk="1" latinLnBrk="0" hangingPunct="1">
+              <a:lnSpc>
+                <a:spcPct val="90000"/>
+              </a:lnSpc>
+              <a:spcBef>
+                <a:spcPts val="500"/>
+              </a:spcBef>
+              <a:buFont typeface="Arial" panose="020B0604020202020204" pitchFamily="34" charset="0"/>
+              <a:buNone/>
+              <a:defRPr sz="1600" kern="1200">
+                <a:solidFill>
+                  <a:schemeClr val="tx1"/>
+                </a:solidFill>
+                <a:latin typeface="+mn-lt"/>
+                <a:ea typeface="+mn-ea"/>
+                <a:cs typeface="+mn-cs"/>
+              </a:defRPr>
+            </a:lvl7pPr>
+            <a:lvl8pPr marL="3200400" indent="0" algn="ctr" defTabSz="914400" rtl="0" eaLnBrk="1" latinLnBrk="0" hangingPunct="1">
+              <a:lnSpc>
+                <a:spcPct val="90000"/>
+              </a:lnSpc>
+              <a:spcBef>
+                <a:spcPts val="500"/>
+              </a:spcBef>
+              <a:buFont typeface="Arial" panose="020B0604020202020204" pitchFamily="34" charset="0"/>
+              <a:buNone/>
+              <a:defRPr sz="1600" kern="1200">
+                <a:solidFill>
+                  <a:schemeClr val="tx1"/>
+                </a:solidFill>
+                <a:latin typeface="+mn-lt"/>
+                <a:ea typeface="+mn-ea"/>
+                <a:cs typeface="+mn-cs"/>
+              </a:defRPr>
+            </a:lvl8pPr>
+            <a:lvl9pPr marL="3657600" indent="0" algn="ctr" defTabSz="914400" rtl="0" eaLnBrk="1" latinLnBrk="0" hangingPunct="1">
+              <a:lnSpc>
+                <a:spcPct val="90000"/>
+              </a:lnSpc>
+              <a:spcBef>
+                <a:spcPts val="500"/>
+              </a:spcBef>
+              <a:buFont typeface="Arial" panose="020B0604020202020204" pitchFamily="34" charset="0"/>
+              <a:buNone/>
+              <a:defRPr sz="1600" kern="1200">
+                <a:solidFill>
+                  <a:schemeClr val="tx1"/>
+                </a:solidFill>
+                <a:latin typeface="+mn-lt"/>
+                <a:ea typeface="+mn-ea"/>
+                <a:cs typeface="+mn-cs"/>
+              </a:defRPr>
+            </a:lvl9pPr>
+          </a:lstStyle>
+          <a:p>
+            <a:pPr algn="l"/>
+            <a:r>
+              <a:rPr lang="es-MX" sz="2000" dirty="0"/>
+              <a:t>El conjunto de acciones que se pueden hacer es</a:t>
+            </a:r>
+          </a:p>
+          <a:p>
+            <a:pPr algn="l"/>
+            <a:endParaRPr lang="es-MX" sz="2000" dirty="0"/>
+          </a:p>
+          <a:p>
+            <a:pPr algn="l"/>
+            <a:r>
+              <a:rPr lang="es-MX" sz="2000" dirty="0"/>
+              <a:t>2. Respecto a las </a:t>
+            </a:r>
+            <a:r>
+              <a:rPr lang="es-MX" sz="2000" i="1" dirty="0"/>
+              <a:t>condiciones</a:t>
+            </a:r>
+          </a:p>
+          <a:p>
+            <a:pPr algn="l"/>
+            <a:r>
+              <a:rPr lang="es-MX" sz="2000" b="1" dirty="0"/>
+              <a:t>ALTER COLUMN </a:t>
+            </a:r>
+            <a:r>
+              <a:rPr lang="es-MX" sz="2000" dirty="0"/>
+              <a:t>[nombre de la columna] </a:t>
+            </a:r>
+            <a:r>
+              <a:rPr lang="es-MX" sz="2000" b="1" dirty="0"/>
+              <a:t>SET </a:t>
+            </a:r>
+            <a:r>
+              <a:rPr lang="es-MX" sz="2000" dirty="0"/>
+              <a:t>NOT NULL </a:t>
+            </a:r>
+            <a:r>
+              <a:rPr lang="es-MX" sz="2000" b="1" dirty="0"/>
+              <a:t>;</a:t>
+            </a:r>
+          </a:p>
+          <a:p>
+            <a:pPr algn="l"/>
+            <a:r>
+              <a:rPr lang="es-MX" sz="2000" b="1" dirty="0"/>
+              <a:t>ALTER COLUMN </a:t>
+            </a:r>
+            <a:r>
+              <a:rPr lang="es-MX" sz="2000" dirty="0"/>
+              <a:t>[nombre de la columna] </a:t>
+            </a:r>
+            <a:r>
+              <a:rPr lang="es-MX" sz="2000" b="1" dirty="0"/>
+              <a:t>DROP </a:t>
+            </a:r>
+            <a:r>
+              <a:rPr lang="es-MX" sz="2000" dirty="0"/>
+              <a:t> NOT NULL </a:t>
+            </a:r>
+            <a:r>
+              <a:rPr lang="es-MX" sz="2000" b="1" dirty="0"/>
+              <a:t>;</a:t>
+            </a:r>
+          </a:p>
+          <a:p>
+            <a:pPr algn="l"/>
+            <a:r>
+              <a:rPr lang="es-MX" sz="2000" b="1" dirty="0"/>
+              <a:t>ADD CONSTRAINT </a:t>
+            </a:r>
+            <a:r>
+              <a:rPr lang="es-MX" sz="2000" dirty="0"/>
+              <a:t>[nombre de la columna] </a:t>
+            </a:r>
+            <a:r>
+              <a:rPr lang="es-MX" sz="2000" b="1" dirty="0"/>
+              <a:t>CHECK</a:t>
+            </a:r>
+            <a:r>
+              <a:rPr lang="es-MX" sz="2000" dirty="0"/>
+              <a:t> [condición] </a:t>
+            </a:r>
+            <a:r>
+              <a:rPr lang="es-MX" sz="2000" b="1" dirty="0"/>
+              <a:t>;</a:t>
+            </a:r>
+          </a:p>
+          <a:p>
+            <a:pPr algn="l"/>
+            <a:r>
+              <a:rPr lang="es-MX" sz="2000" b="1" dirty="0"/>
+              <a:t>ADD PRIMARY KEY </a:t>
+            </a:r>
+            <a:r>
+              <a:rPr lang="es-MX" sz="2000" dirty="0"/>
+              <a:t>[nombre de la columna]</a:t>
+            </a:r>
+            <a:r>
+              <a:rPr lang="es-MX" sz="2000" b="1" dirty="0"/>
+              <a:t>;</a:t>
+            </a:r>
+          </a:p>
+        </p:txBody>
+      </p:sp>
+    </p:spTree>
+    <p:extLst>
+      <p:ext uri="{BB962C8B-B14F-4D97-AF65-F5344CB8AC3E}">
+        <p14:creationId xmlns:p14="http://schemas.microsoft.com/office/powerpoint/2010/main" val="4160356816"/>
+      </p:ext>
+    </p:extLst>
+  </p:cSld>
+  <p:clrMapOvr>
+    <a:masterClrMapping/>
+  </p:clrMapOvr>
+</p:sld>
+</file>
+
+<file path=ppt/slides/slide13.xml><?xml version="1.0" encoding="utf-8"?>
+<p:sld xmlns:a="http://schemas.openxmlformats.org/drawingml/2006/main" xmlns:r="http://schemas.openxmlformats.org/officeDocument/2006/relationships" xmlns:p="http://schemas.openxmlformats.org/presentationml/2006/main">
+  <p:cSld>
+    <p:spTree>
+      <p:nvGrpSpPr>
+        <p:cNvPr id="1" name=""/>
+        <p:cNvGrpSpPr/>
+        <p:nvPr/>
+      </p:nvGrpSpPr>
+      <p:grpSpPr>
+        <a:xfrm>
+          <a:off x="0" y="0"/>
+          <a:ext cx="0" cy="0"/>
+          <a:chOff x="0" y="0"/>
+          <a:chExt cx="0" cy="0"/>
+        </a:xfrm>
+      </p:grpSpPr>
+      <p:sp>
+        <p:nvSpPr>
+          <p:cNvPr id="2" name="Título 1">
+            <a:extLst>
+              <a:ext uri="{FF2B5EF4-FFF2-40B4-BE49-F238E27FC236}">
+                <a16:creationId xmlns:a16="http://schemas.microsoft.com/office/drawing/2014/main" id="{095D5E06-C433-C836-106A-B2D45ADCF04F}"/>
+              </a:ext>
+            </a:extLst>
+          </p:cNvPr>
+          <p:cNvSpPr>
+            <a:spLocks noGrp="1"/>
+          </p:cNvSpPr>
+          <p:nvPr>
+            <p:ph type="ctrTitle"/>
+          </p:nvPr>
+        </p:nvSpPr>
+        <p:spPr>
+          <a:xfrm>
+            <a:off x="304800" y="277091"/>
+            <a:ext cx="9144000" cy="669781"/>
+          </a:xfrm>
+        </p:spPr>
+        <p:txBody>
+          <a:bodyPr>
+            <a:normAutofit/>
+          </a:bodyPr>
+          <a:lstStyle/>
+          <a:p>
+            <a:pPr algn="l"/>
+            <a:r>
+              <a:rPr lang="es-MX" sz="3600" b="1" dirty="0">
+                <a:latin typeface="Gadugi" panose="020B0502040204020203" pitchFamily="34" charset="0"/>
+                <a:ea typeface="Gadugi" panose="020B0502040204020203" pitchFamily="34" charset="0"/>
+              </a:rPr>
+              <a:t>ALTER TABLE</a:t>
+            </a:r>
+          </a:p>
+        </p:txBody>
+      </p:sp>
+      <p:cxnSp>
+        <p:nvCxnSpPr>
+          <p:cNvPr id="5" name="Conector recto 4">
+            <a:extLst>
+              <a:ext uri="{FF2B5EF4-FFF2-40B4-BE49-F238E27FC236}">
+                <a16:creationId xmlns:a16="http://schemas.microsoft.com/office/drawing/2014/main" id="{8185E119-0A24-A724-B622-7DB91F3252A8}"/>
+              </a:ext>
+            </a:extLst>
+          </p:cNvPr>
+          <p:cNvCxnSpPr/>
+          <p:nvPr/>
+        </p:nvCxnSpPr>
+        <p:spPr>
+          <a:xfrm>
+            <a:off x="0" y="946872"/>
+            <a:ext cx="5472545" cy="0"/>
+          </a:xfrm>
+          <a:prstGeom prst="line">
+            <a:avLst/>
+          </a:prstGeom>
+          <a:ln w="38100">
+            <a:solidFill>
+              <a:srgbClr val="7030A0"/>
+            </a:solidFill>
+          </a:ln>
+        </p:spPr>
+        <p:style>
+          <a:lnRef idx="1">
+            <a:schemeClr val="accent1"/>
+          </a:lnRef>
+          <a:fillRef idx="0">
+            <a:schemeClr val="accent1"/>
+          </a:fillRef>
+          <a:effectRef idx="0">
+            <a:schemeClr val="accent1"/>
+          </a:effectRef>
+          <a:fontRef idx="minor">
+            <a:schemeClr val="tx1"/>
+          </a:fontRef>
+        </p:style>
+      </p:cxnSp>
+      <p:cxnSp>
+        <p:nvCxnSpPr>
+          <p:cNvPr id="6" name="Conector recto 5">
+            <a:extLst>
+              <a:ext uri="{FF2B5EF4-FFF2-40B4-BE49-F238E27FC236}">
+                <a16:creationId xmlns:a16="http://schemas.microsoft.com/office/drawing/2014/main" id="{BEFC1D1B-E623-58C6-AEC5-FBF9FC0A9DBC}"/>
+              </a:ext>
+            </a:extLst>
+          </p:cNvPr>
+          <p:cNvCxnSpPr>
+            <a:cxnSpLocks/>
+          </p:cNvCxnSpPr>
+          <p:nvPr/>
+        </p:nvCxnSpPr>
+        <p:spPr>
+          <a:xfrm flipV="1">
+            <a:off x="8257309" y="0"/>
+            <a:ext cx="0" cy="6858000"/>
+          </a:xfrm>
+          <a:prstGeom prst="line">
+            <a:avLst/>
+          </a:prstGeom>
+          <a:ln w="38100">
+            <a:solidFill>
+              <a:srgbClr val="7030A0"/>
+            </a:solidFill>
+          </a:ln>
+        </p:spPr>
+        <p:style>
+          <a:lnRef idx="1">
+            <a:schemeClr val="accent1"/>
+          </a:lnRef>
+          <a:fillRef idx="0">
+            <a:schemeClr val="accent1"/>
+          </a:fillRef>
+          <a:effectRef idx="0">
+            <a:schemeClr val="accent1"/>
+          </a:effectRef>
+          <a:fontRef idx="minor">
+            <a:schemeClr val="tx1"/>
+          </a:fontRef>
+        </p:style>
+      </p:cxnSp>
+      <p:sp>
+        <p:nvSpPr>
+          <p:cNvPr id="9" name="Subtítulo 2">
+            <a:extLst>
+              <a:ext uri="{FF2B5EF4-FFF2-40B4-BE49-F238E27FC236}">
+                <a16:creationId xmlns:a16="http://schemas.microsoft.com/office/drawing/2014/main" id="{B2F69EEF-1183-1D61-4B75-D786FD98E6A3}"/>
+              </a:ext>
+            </a:extLst>
+          </p:cNvPr>
+          <p:cNvSpPr txBox="1">
+            <a:spLocks/>
+          </p:cNvSpPr>
+          <p:nvPr/>
+        </p:nvSpPr>
+        <p:spPr>
+          <a:xfrm>
+            <a:off x="8285019" y="1602654"/>
+            <a:ext cx="3906981" cy="1154126"/>
+          </a:xfrm>
+          <a:prstGeom prst="rect">
+            <a:avLst/>
+          </a:prstGeom>
+        </p:spPr>
+        <p:txBody>
+          <a:bodyPr vert="horz" lIns="91440" tIns="45720" rIns="91440" bIns="45720" rtlCol="0">
+            <a:normAutofit/>
+          </a:bodyPr>
+          <a:lstStyle>
+            <a:lvl1pPr marL="0" indent="0" algn="ctr" defTabSz="914400" rtl="0" eaLnBrk="1" latinLnBrk="0" hangingPunct="1">
+              <a:lnSpc>
+                <a:spcPct val="90000"/>
+              </a:lnSpc>
+              <a:spcBef>
+                <a:spcPts val="1000"/>
+              </a:spcBef>
+              <a:buFont typeface="Arial" panose="020B0604020202020204" pitchFamily="34" charset="0"/>
+              <a:buNone/>
+              <a:defRPr sz="2400" kern="1200">
+                <a:solidFill>
+                  <a:schemeClr val="tx1"/>
+                </a:solidFill>
+                <a:latin typeface="+mn-lt"/>
+                <a:ea typeface="+mn-ea"/>
+                <a:cs typeface="+mn-cs"/>
+              </a:defRPr>
+            </a:lvl1pPr>
+            <a:lvl2pPr marL="457200" indent="0" algn="ctr" defTabSz="914400" rtl="0" eaLnBrk="1" latinLnBrk="0" hangingPunct="1">
+              <a:lnSpc>
+                <a:spcPct val="90000"/>
+              </a:lnSpc>
+              <a:spcBef>
+                <a:spcPts val="500"/>
+              </a:spcBef>
+              <a:buFont typeface="Arial" panose="020B0604020202020204" pitchFamily="34" charset="0"/>
+              <a:buNone/>
+              <a:defRPr sz="2000" kern="1200">
+                <a:solidFill>
+                  <a:schemeClr val="tx1"/>
+                </a:solidFill>
+                <a:latin typeface="+mn-lt"/>
+                <a:ea typeface="+mn-ea"/>
+                <a:cs typeface="+mn-cs"/>
+              </a:defRPr>
+            </a:lvl2pPr>
+            <a:lvl3pPr marL="914400" indent="0" algn="ctr" defTabSz="914400" rtl="0" eaLnBrk="1" latinLnBrk="0" hangingPunct="1">
+              <a:lnSpc>
+                <a:spcPct val="90000"/>
+              </a:lnSpc>
+              <a:spcBef>
+                <a:spcPts val="500"/>
+              </a:spcBef>
+              <a:buFont typeface="Arial" panose="020B0604020202020204" pitchFamily="34" charset="0"/>
+              <a:buNone/>
+              <a:defRPr sz="1800" kern="1200">
+                <a:solidFill>
+                  <a:schemeClr val="tx1"/>
+                </a:solidFill>
+                <a:latin typeface="+mn-lt"/>
+                <a:ea typeface="+mn-ea"/>
+                <a:cs typeface="+mn-cs"/>
+              </a:defRPr>
+            </a:lvl3pPr>
+            <a:lvl4pPr marL="1371600" indent="0" algn="ctr" defTabSz="914400" rtl="0" eaLnBrk="1" latinLnBrk="0" hangingPunct="1">
+              <a:lnSpc>
+                <a:spcPct val="90000"/>
+              </a:lnSpc>
+              <a:spcBef>
+                <a:spcPts val="500"/>
+              </a:spcBef>
+              <a:buFont typeface="Arial" panose="020B0604020202020204" pitchFamily="34" charset="0"/>
+              <a:buNone/>
+              <a:defRPr sz="1600" kern="1200">
+                <a:solidFill>
+                  <a:schemeClr val="tx1"/>
+                </a:solidFill>
+                <a:latin typeface="+mn-lt"/>
+                <a:ea typeface="+mn-ea"/>
+                <a:cs typeface="+mn-cs"/>
+              </a:defRPr>
+            </a:lvl4pPr>
+            <a:lvl5pPr marL="1828800" indent="0" algn="ctr" defTabSz="914400" rtl="0" eaLnBrk="1" latinLnBrk="0" hangingPunct="1">
+              <a:lnSpc>
+                <a:spcPct val="90000"/>
+              </a:lnSpc>
+              <a:spcBef>
+                <a:spcPts val="500"/>
+              </a:spcBef>
+              <a:buFont typeface="Arial" panose="020B0604020202020204" pitchFamily="34" charset="0"/>
+              <a:buNone/>
+              <a:defRPr sz="1600" kern="1200">
+                <a:solidFill>
+                  <a:schemeClr val="tx1"/>
+                </a:solidFill>
+                <a:latin typeface="+mn-lt"/>
+                <a:ea typeface="+mn-ea"/>
+                <a:cs typeface="+mn-cs"/>
+              </a:defRPr>
+            </a:lvl5pPr>
+            <a:lvl6pPr marL="2286000" indent="0" algn="ctr" defTabSz="914400" rtl="0" eaLnBrk="1" latinLnBrk="0" hangingPunct="1">
+              <a:lnSpc>
+                <a:spcPct val="90000"/>
+              </a:lnSpc>
+              <a:spcBef>
+                <a:spcPts val="500"/>
+              </a:spcBef>
+              <a:buFont typeface="Arial" panose="020B0604020202020204" pitchFamily="34" charset="0"/>
+              <a:buNone/>
+              <a:defRPr sz="1600" kern="1200">
+                <a:solidFill>
+                  <a:schemeClr val="tx1"/>
+                </a:solidFill>
+                <a:latin typeface="+mn-lt"/>
+                <a:ea typeface="+mn-ea"/>
+                <a:cs typeface="+mn-cs"/>
+              </a:defRPr>
+            </a:lvl6pPr>
+            <a:lvl7pPr marL="2743200" indent="0" algn="ctr" defTabSz="914400" rtl="0" eaLnBrk="1" latinLnBrk="0" hangingPunct="1">
+              <a:lnSpc>
+                <a:spcPct val="90000"/>
+              </a:lnSpc>
+              <a:spcBef>
+                <a:spcPts val="500"/>
+              </a:spcBef>
+              <a:buFont typeface="Arial" panose="020B0604020202020204" pitchFamily="34" charset="0"/>
+              <a:buNone/>
+              <a:defRPr sz="1600" kern="1200">
+                <a:solidFill>
+                  <a:schemeClr val="tx1"/>
+                </a:solidFill>
+                <a:latin typeface="+mn-lt"/>
+                <a:ea typeface="+mn-ea"/>
+                <a:cs typeface="+mn-cs"/>
+              </a:defRPr>
+            </a:lvl7pPr>
+            <a:lvl8pPr marL="3200400" indent="0" algn="ctr" defTabSz="914400" rtl="0" eaLnBrk="1" latinLnBrk="0" hangingPunct="1">
+              <a:lnSpc>
+                <a:spcPct val="90000"/>
+              </a:lnSpc>
+              <a:spcBef>
+                <a:spcPts val="500"/>
+              </a:spcBef>
+              <a:buFont typeface="Arial" panose="020B0604020202020204" pitchFamily="34" charset="0"/>
+              <a:buNone/>
+              <a:defRPr sz="1600" kern="1200">
+                <a:solidFill>
+                  <a:schemeClr val="tx1"/>
+                </a:solidFill>
+                <a:latin typeface="+mn-lt"/>
+                <a:ea typeface="+mn-ea"/>
+                <a:cs typeface="+mn-cs"/>
+              </a:defRPr>
+            </a:lvl8pPr>
+            <a:lvl9pPr marL="3657600" indent="0" algn="ctr" defTabSz="914400" rtl="0" eaLnBrk="1" latinLnBrk="0" hangingPunct="1">
+              <a:lnSpc>
+                <a:spcPct val="90000"/>
+              </a:lnSpc>
+              <a:spcBef>
+                <a:spcPts val="500"/>
+              </a:spcBef>
+              <a:buFont typeface="Arial" panose="020B0604020202020204" pitchFamily="34" charset="0"/>
+              <a:buNone/>
+              <a:defRPr sz="1600" kern="1200">
+                <a:solidFill>
+                  <a:schemeClr val="tx1"/>
+                </a:solidFill>
+                <a:latin typeface="+mn-lt"/>
+                <a:ea typeface="+mn-ea"/>
+                <a:cs typeface="+mn-cs"/>
+              </a:defRPr>
+            </a:lvl9pPr>
+          </a:lstStyle>
+          <a:p>
+            <a:pPr algn="l"/>
+            <a:r>
+              <a:rPr lang="es-MX" sz="1600" dirty="0"/>
+              <a:t>+ Esta sentencia nos permite realizar diversas acciones con las columnas o con las condiciones que estas tienen</a:t>
+            </a:r>
+          </a:p>
+        </p:txBody>
+      </p:sp>
+      <p:sp>
+        <p:nvSpPr>
+          <p:cNvPr id="7" name="Subtítulo 2">
+            <a:extLst>
+              <a:ext uri="{FF2B5EF4-FFF2-40B4-BE49-F238E27FC236}">
+                <a16:creationId xmlns:a16="http://schemas.microsoft.com/office/drawing/2014/main" id="{7E3ECDFF-33DC-A854-93D1-3ADE3DEADA39}"/>
+              </a:ext>
+            </a:extLst>
+          </p:cNvPr>
+          <p:cNvSpPr txBox="1">
+            <a:spLocks/>
+          </p:cNvSpPr>
+          <p:nvPr/>
+        </p:nvSpPr>
+        <p:spPr>
+          <a:xfrm>
+            <a:off x="263237" y="1362137"/>
+            <a:ext cx="7966363" cy="2789285"/>
+          </a:xfrm>
+          <a:prstGeom prst="rect">
+            <a:avLst/>
+          </a:prstGeom>
+        </p:spPr>
+        <p:txBody>
+          <a:bodyPr vert="horz" lIns="91440" tIns="45720" rIns="91440" bIns="45720" rtlCol="0">
+            <a:normAutofit/>
+          </a:bodyPr>
+          <a:lstStyle>
+            <a:lvl1pPr marL="0" indent="0" algn="ctr" defTabSz="914400" rtl="0" eaLnBrk="1" latinLnBrk="0" hangingPunct="1">
+              <a:lnSpc>
+                <a:spcPct val="90000"/>
+              </a:lnSpc>
+              <a:spcBef>
+                <a:spcPts val="1000"/>
+              </a:spcBef>
+              <a:buFont typeface="Arial" panose="020B0604020202020204" pitchFamily="34" charset="0"/>
+              <a:buNone/>
+              <a:defRPr sz="2400" kern="1200">
+                <a:solidFill>
+                  <a:schemeClr val="tx1"/>
+                </a:solidFill>
+                <a:latin typeface="+mn-lt"/>
+                <a:ea typeface="+mn-ea"/>
+                <a:cs typeface="+mn-cs"/>
+              </a:defRPr>
+            </a:lvl1pPr>
+            <a:lvl2pPr marL="457200" indent="0" algn="ctr" defTabSz="914400" rtl="0" eaLnBrk="1" latinLnBrk="0" hangingPunct="1">
+              <a:lnSpc>
+                <a:spcPct val="90000"/>
+              </a:lnSpc>
+              <a:spcBef>
+                <a:spcPts val="500"/>
+              </a:spcBef>
+              <a:buFont typeface="Arial" panose="020B0604020202020204" pitchFamily="34" charset="0"/>
+              <a:buNone/>
+              <a:defRPr sz="2000" kern="1200">
+                <a:solidFill>
+                  <a:schemeClr val="tx1"/>
+                </a:solidFill>
+                <a:latin typeface="+mn-lt"/>
+                <a:ea typeface="+mn-ea"/>
+                <a:cs typeface="+mn-cs"/>
+              </a:defRPr>
+            </a:lvl2pPr>
+            <a:lvl3pPr marL="914400" indent="0" algn="ctr" defTabSz="914400" rtl="0" eaLnBrk="1" latinLnBrk="0" hangingPunct="1">
+              <a:lnSpc>
+                <a:spcPct val="90000"/>
+              </a:lnSpc>
+              <a:spcBef>
+                <a:spcPts val="500"/>
+              </a:spcBef>
+              <a:buFont typeface="Arial" panose="020B0604020202020204" pitchFamily="34" charset="0"/>
+              <a:buNone/>
+              <a:defRPr sz="1800" kern="1200">
+                <a:solidFill>
+                  <a:schemeClr val="tx1"/>
+                </a:solidFill>
+                <a:latin typeface="+mn-lt"/>
+                <a:ea typeface="+mn-ea"/>
+                <a:cs typeface="+mn-cs"/>
+              </a:defRPr>
+            </a:lvl3pPr>
+            <a:lvl4pPr marL="1371600" indent="0" algn="ctr" defTabSz="914400" rtl="0" eaLnBrk="1" latinLnBrk="0" hangingPunct="1">
+              <a:lnSpc>
+                <a:spcPct val="90000"/>
+              </a:lnSpc>
+              <a:spcBef>
+                <a:spcPts val="500"/>
+              </a:spcBef>
+              <a:buFont typeface="Arial" panose="020B0604020202020204" pitchFamily="34" charset="0"/>
+              <a:buNone/>
+              <a:defRPr sz="1600" kern="1200">
+                <a:solidFill>
+                  <a:schemeClr val="tx1"/>
+                </a:solidFill>
+                <a:latin typeface="+mn-lt"/>
+                <a:ea typeface="+mn-ea"/>
+                <a:cs typeface="+mn-cs"/>
+              </a:defRPr>
+            </a:lvl4pPr>
+            <a:lvl5pPr marL="1828800" indent="0" algn="ctr" defTabSz="914400" rtl="0" eaLnBrk="1" latinLnBrk="0" hangingPunct="1">
+              <a:lnSpc>
+                <a:spcPct val="90000"/>
+              </a:lnSpc>
+              <a:spcBef>
+                <a:spcPts val="500"/>
+              </a:spcBef>
+              <a:buFont typeface="Arial" panose="020B0604020202020204" pitchFamily="34" charset="0"/>
+              <a:buNone/>
+              <a:defRPr sz="1600" kern="1200">
+                <a:solidFill>
+                  <a:schemeClr val="tx1"/>
+                </a:solidFill>
+                <a:latin typeface="+mn-lt"/>
+                <a:ea typeface="+mn-ea"/>
+                <a:cs typeface="+mn-cs"/>
+              </a:defRPr>
+            </a:lvl5pPr>
+            <a:lvl6pPr marL="2286000" indent="0" algn="ctr" defTabSz="914400" rtl="0" eaLnBrk="1" latinLnBrk="0" hangingPunct="1">
+              <a:lnSpc>
+                <a:spcPct val="90000"/>
+              </a:lnSpc>
+              <a:spcBef>
+                <a:spcPts val="500"/>
+              </a:spcBef>
+              <a:buFont typeface="Arial" panose="020B0604020202020204" pitchFamily="34" charset="0"/>
+              <a:buNone/>
+              <a:defRPr sz="1600" kern="1200">
+                <a:solidFill>
+                  <a:schemeClr val="tx1"/>
+                </a:solidFill>
+                <a:latin typeface="+mn-lt"/>
+                <a:ea typeface="+mn-ea"/>
+                <a:cs typeface="+mn-cs"/>
+              </a:defRPr>
+            </a:lvl6pPr>
+            <a:lvl7pPr marL="2743200" indent="0" algn="ctr" defTabSz="914400" rtl="0" eaLnBrk="1" latinLnBrk="0" hangingPunct="1">
+              <a:lnSpc>
+                <a:spcPct val="90000"/>
+              </a:lnSpc>
+              <a:spcBef>
+                <a:spcPts val="500"/>
+              </a:spcBef>
+              <a:buFont typeface="Arial" panose="020B0604020202020204" pitchFamily="34" charset="0"/>
+              <a:buNone/>
+              <a:defRPr sz="1600" kern="1200">
+                <a:solidFill>
+                  <a:schemeClr val="tx1"/>
+                </a:solidFill>
+                <a:latin typeface="+mn-lt"/>
+                <a:ea typeface="+mn-ea"/>
+                <a:cs typeface="+mn-cs"/>
+              </a:defRPr>
+            </a:lvl7pPr>
+            <a:lvl8pPr marL="3200400" indent="0" algn="ctr" defTabSz="914400" rtl="0" eaLnBrk="1" latinLnBrk="0" hangingPunct="1">
+              <a:lnSpc>
+                <a:spcPct val="90000"/>
+              </a:lnSpc>
+              <a:spcBef>
+                <a:spcPts val="500"/>
+              </a:spcBef>
+              <a:buFont typeface="Arial" panose="020B0604020202020204" pitchFamily="34" charset="0"/>
+              <a:buNone/>
+              <a:defRPr sz="1600" kern="1200">
+                <a:solidFill>
+                  <a:schemeClr val="tx1"/>
+                </a:solidFill>
+                <a:latin typeface="+mn-lt"/>
+                <a:ea typeface="+mn-ea"/>
+                <a:cs typeface="+mn-cs"/>
+              </a:defRPr>
+            </a:lvl8pPr>
+            <a:lvl9pPr marL="3657600" indent="0" algn="ctr" defTabSz="914400" rtl="0" eaLnBrk="1" latinLnBrk="0" hangingPunct="1">
+              <a:lnSpc>
+                <a:spcPct val="90000"/>
+              </a:lnSpc>
+              <a:spcBef>
+                <a:spcPts val="500"/>
+              </a:spcBef>
+              <a:buFont typeface="Arial" panose="020B0604020202020204" pitchFamily="34" charset="0"/>
+              <a:buNone/>
+              <a:defRPr sz="1600" kern="1200">
+                <a:solidFill>
+                  <a:schemeClr val="tx1"/>
+                </a:solidFill>
+                <a:latin typeface="+mn-lt"/>
+                <a:ea typeface="+mn-ea"/>
+                <a:cs typeface="+mn-cs"/>
+              </a:defRPr>
+            </a:lvl9pPr>
+          </a:lstStyle>
+          <a:p>
+            <a:pPr algn="l"/>
+            <a:r>
+              <a:rPr lang="es-MX" sz="2000" dirty="0">
+                <a:solidFill>
+                  <a:schemeClr val="accent1"/>
+                </a:solidFill>
+              </a:rPr>
+              <a:t>EJEMPLOS</a:t>
+            </a:r>
+            <a:endParaRPr lang="es-MX" sz="2000" b="1" dirty="0">
+              <a:solidFill>
+                <a:schemeClr val="accent1"/>
+              </a:solidFill>
+            </a:endParaRPr>
+          </a:p>
+        </p:txBody>
+      </p:sp>
+    </p:spTree>
+    <p:extLst>
+      <p:ext uri="{BB962C8B-B14F-4D97-AF65-F5344CB8AC3E}">
+        <p14:creationId xmlns:p14="http://schemas.microsoft.com/office/powerpoint/2010/main" val="2467110144"/>
+      </p:ext>
+    </p:extLst>
+  </p:cSld>
+  <p:clrMapOvr>
+    <a:masterClrMapping/>
+  </p:clrMapOvr>
+</p:sld>
+</file>
+
 <file path=ppt/slides/slide2.xml><?xml version="1.0" encoding="utf-8"?>
 <p:sld xmlns:a="http://schemas.openxmlformats.org/drawingml/2006/main" xmlns:r="http://schemas.openxmlformats.org/officeDocument/2006/relationships" xmlns:p="http://schemas.openxmlformats.org/presentationml/2006/main">
   <p:cSld>
@@ -10672,6 +13949,3609 @@
     <p:extLst>
       <p:ext uri="{BB962C8B-B14F-4D97-AF65-F5344CB8AC3E}">
         <p14:creationId xmlns:p14="http://schemas.microsoft.com/office/powerpoint/2010/main" val="4147176101"/>
+      </p:ext>
+    </p:extLst>
+  </p:cSld>
+  <p:clrMapOvr>
+    <a:masterClrMapping/>
+  </p:clrMapOvr>
+</p:sld>
+</file>
+
+<file path=ppt/slides/slide8.xml><?xml version="1.0" encoding="utf-8"?>
+<p:sld xmlns:a="http://schemas.openxmlformats.org/drawingml/2006/main" xmlns:r="http://schemas.openxmlformats.org/officeDocument/2006/relationships" xmlns:p="http://schemas.openxmlformats.org/presentationml/2006/main">
+  <p:cSld>
+    <p:spTree>
+      <p:nvGrpSpPr>
+        <p:cNvPr id="1" name=""/>
+        <p:cNvGrpSpPr/>
+        <p:nvPr/>
+      </p:nvGrpSpPr>
+      <p:grpSpPr>
+        <a:xfrm>
+          <a:off x="0" y="0"/>
+          <a:ext cx="0" cy="0"/>
+          <a:chOff x="0" y="0"/>
+          <a:chExt cx="0" cy="0"/>
+        </a:xfrm>
+      </p:grpSpPr>
+      <p:sp>
+        <p:nvSpPr>
+          <p:cNvPr id="2" name="Título 1">
+            <a:extLst>
+              <a:ext uri="{FF2B5EF4-FFF2-40B4-BE49-F238E27FC236}">
+                <a16:creationId xmlns:a16="http://schemas.microsoft.com/office/drawing/2014/main" id="{095D5E06-C433-C836-106A-B2D45ADCF04F}"/>
+              </a:ext>
+            </a:extLst>
+          </p:cNvPr>
+          <p:cNvSpPr>
+            <a:spLocks noGrp="1"/>
+          </p:cNvSpPr>
+          <p:nvPr>
+            <p:ph type="ctrTitle"/>
+          </p:nvPr>
+        </p:nvSpPr>
+        <p:spPr>
+          <a:xfrm>
+            <a:off x="304800" y="277091"/>
+            <a:ext cx="9144000" cy="669781"/>
+          </a:xfrm>
+        </p:spPr>
+        <p:txBody>
+          <a:bodyPr>
+            <a:normAutofit/>
+          </a:bodyPr>
+          <a:lstStyle/>
+          <a:p>
+            <a:pPr algn="l"/>
+            <a:r>
+              <a:rPr lang="es-MX" sz="3600" b="1" dirty="0">
+                <a:latin typeface="Gadugi" panose="020B0502040204020203" pitchFamily="34" charset="0"/>
+                <a:ea typeface="Gadugi" panose="020B0502040204020203" pitchFamily="34" charset="0"/>
+              </a:rPr>
+              <a:t>OR, AND, NOT</a:t>
+            </a:r>
+          </a:p>
+        </p:txBody>
+      </p:sp>
+      <p:sp>
+        <p:nvSpPr>
+          <p:cNvPr id="3" name="Subtítulo 2">
+            <a:extLst>
+              <a:ext uri="{FF2B5EF4-FFF2-40B4-BE49-F238E27FC236}">
+                <a16:creationId xmlns:a16="http://schemas.microsoft.com/office/drawing/2014/main" id="{1A30F90B-0731-20CA-E914-48343967869A}"/>
+              </a:ext>
+            </a:extLst>
+          </p:cNvPr>
+          <p:cNvSpPr>
+            <a:spLocks noGrp="1"/>
+          </p:cNvSpPr>
+          <p:nvPr>
+            <p:ph type="subTitle" idx="1"/>
+          </p:nvPr>
+        </p:nvSpPr>
+        <p:spPr>
+          <a:xfrm>
+            <a:off x="152400" y="1602656"/>
+            <a:ext cx="7966356" cy="1826344"/>
+          </a:xfrm>
+        </p:spPr>
+        <p:txBody>
+          <a:bodyPr>
+            <a:normAutofit/>
+          </a:bodyPr>
+          <a:lstStyle/>
+          <a:p>
+            <a:pPr algn="l"/>
+            <a:r>
+              <a:rPr lang="es-MX" b="1" dirty="0"/>
+              <a:t>SELECT </a:t>
+            </a:r>
+            <a:r>
+              <a:rPr lang="es-MX" dirty="0"/>
+              <a:t> [nombre de la columna]</a:t>
+            </a:r>
+          </a:p>
+          <a:p>
+            <a:pPr algn="l"/>
+            <a:r>
+              <a:rPr lang="es-MX" b="1" dirty="0"/>
+              <a:t>FROM</a:t>
+            </a:r>
+            <a:r>
+              <a:rPr lang="es-MX" dirty="0"/>
+              <a:t> [nombre de la tabla]</a:t>
+            </a:r>
+          </a:p>
+          <a:p>
+            <a:pPr algn="l"/>
+            <a:r>
+              <a:rPr lang="es-MX" b="1" dirty="0"/>
+              <a:t>WHERE</a:t>
+            </a:r>
+            <a:r>
+              <a:rPr lang="es-MX" dirty="0"/>
+              <a:t> [condición con OR, AND o NOT] </a:t>
+            </a:r>
+            <a:r>
+              <a:rPr lang="es-MX" b="1" dirty="0"/>
+              <a:t>;</a:t>
+            </a:r>
+          </a:p>
+        </p:txBody>
+      </p:sp>
+      <p:cxnSp>
+        <p:nvCxnSpPr>
+          <p:cNvPr id="5" name="Conector recto 4">
+            <a:extLst>
+              <a:ext uri="{FF2B5EF4-FFF2-40B4-BE49-F238E27FC236}">
+                <a16:creationId xmlns:a16="http://schemas.microsoft.com/office/drawing/2014/main" id="{8185E119-0A24-A724-B622-7DB91F3252A8}"/>
+              </a:ext>
+            </a:extLst>
+          </p:cNvPr>
+          <p:cNvCxnSpPr/>
+          <p:nvPr/>
+        </p:nvCxnSpPr>
+        <p:spPr>
+          <a:xfrm>
+            <a:off x="0" y="946872"/>
+            <a:ext cx="5472545" cy="0"/>
+          </a:xfrm>
+          <a:prstGeom prst="line">
+            <a:avLst/>
+          </a:prstGeom>
+          <a:ln w="38100">
+            <a:solidFill>
+              <a:srgbClr val="7030A0"/>
+            </a:solidFill>
+          </a:ln>
+        </p:spPr>
+        <p:style>
+          <a:lnRef idx="1">
+            <a:schemeClr val="accent1"/>
+          </a:lnRef>
+          <a:fillRef idx="0">
+            <a:schemeClr val="accent1"/>
+          </a:fillRef>
+          <a:effectRef idx="0">
+            <a:schemeClr val="accent1"/>
+          </a:effectRef>
+          <a:fontRef idx="minor">
+            <a:schemeClr val="tx1"/>
+          </a:fontRef>
+        </p:style>
+      </p:cxnSp>
+      <p:cxnSp>
+        <p:nvCxnSpPr>
+          <p:cNvPr id="6" name="Conector recto 5">
+            <a:extLst>
+              <a:ext uri="{FF2B5EF4-FFF2-40B4-BE49-F238E27FC236}">
+                <a16:creationId xmlns:a16="http://schemas.microsoft.com/office/drawing/2014/main" id="{BEFC1D1B-E623-58C6-AEC5-FBF9FC0A9DBC}"/>
+              </a:ext>
+            </a:extLst>
+          </p:cNvPr>
+          <p:cNvCxnSpPr>
+            <a:cxnSpLocks/>
+          </p:cNvCxnSpPr>
+          <p:nvPr/>
+        </p:nvCxnSpPr>
+        <p:spPr>
+          <a:xfrm flipV="1">
+            <a:off x="8257309" y="0"/>
+            <a:ext cx="0" cy="6858000"/>
+          </a:xfrm>
+          <a:prstGeom prst="line">
+            <a:avLst/>
+          </a:prstGeom>
+          <a:ln w="38100">
+            <a:solidFill>
+              <a:srgbClr val="7030A0"/>
+            </a:solidFill>
+          </a:ln>
+        </p:spPr>
+        <p:style>
+          <a:lnRef idx="1">
+            <a:schemeClr val="accent1"/>
+          </a:lnRef>
+          <a:fillRef idx="0">
+            <a:schemeClr val="accent1"/>
+          </a:fillRef>
+          <a:effectRef idx="0">
+            <a:schemeClr val="accent1"/>
+          </a:effectRef>
+          <a:fontRef idx="minor">
+            <a:schemeClr val="tx1"/>
+          </a:fontRef>
+        </p:style>
+      </p:cxnSp>
+      <p:sp>
+        <p:nvSpPr>
+          <p:cNvPr id="9" name="Subtítulo 2">
+            <a:extLst>
+              <a:ext uri="{FF2B5EF4-FFF2-40B4-BE49-F238E27FC236}">
+                <a16:creationId xmlns:a16="http://schemas.microsoft.com/office/drawing/2014/main" id="{B2F69EEF-1183-1D61-4B75-D786FD98E6A3}"/>
+              </a:ext>
+            </a:extLst>
+          </p:cNvPr>
+          <p:cNvSpPr txBox="1">
+            <a:spLocks/>
+          </p:cNvSpPr>
+          <p:nvPr/>
+        </p:nvSpPr>
+        <p:spPr>
+          <a:xfrm>
+            <a:off x="8285019" y="1602654"/>
+            <a:ext cx="3906981" cy="953875"/>
+          </a:xfrm>
+          <a:prstGeom prst="rect">
+            <a:avLst/>
+          </a:prstGeom>
+        </p:spPr>
+        <p:txBody>
+          <a:bodyPr vert="horz" lIns="91440" tIns="45720" rIns="91440" bIns="45720" rtlCol="0">
+            <a:normAutofit/>
+          </a:bodyPr>
+          <a:lstStyle>
+            <a:lvl1pPr marL="0" indent="0" algn="ctr" defTabSz="914400" rtl="0" eaLnBrk="1" latinLnBrk="0" hangingPunct="1">
+              <a:lnSpc>
+                <a:spcPct val="90000"/>
+              </a:lnSpc>
+              <a:spcBef>
+                <a:spcPts val="1000"/>
+              </a:spcBef>
+              <a:buFont typeface="Arial" panose="020B0604020202020204" pitchFamily="34" charset="0"/>
+              <a:buNone/>
+              <a:defRPr sz="2400" kern="1200">
+                <a:solidFill>
+                  <a:schemeClr val="tx1"/>
+                </a:solidFill>
+                <a:latin typeface="+mn-lt"/>
+                <a:ea typeface="+mn-ea"/>
+                <a:cs typeface="+mn-cs"/>
+              </a:defRPr>
+            </a:lvl1pPr>
+            <a:lvl2pPr marL="457200" indent="0" algn="ctr" defTabSz="914400" rtl="0" eaLnBrk="1" latinLnBrk="0" hangingPunct="1">
+              <a:lnSpc>
+                <a:spcPct val="90000"/>
+              </a:lnSpc>
+              <a:spcBef>
+                <a:spcPts val="500"/>
+              </a:spcBef>
+              <a:buFont typeface="Arial" panose="020B0604020202020204" pitchFamily="34" charset="0"/>
+              <a:buNone/>
+              <a:defRPr sz="2000" kern="1200">
+                <a:solidFill>
+                  <a:schemeClr val="tx1"/>
+                </a:solidFill>
+                <a:latin typeface="+mn-lt"/>
+                <a:ea typeface="+mn-ea"/>
+                <a:cs typeface="+mn-cs"/>
+              </a:defRPr>
+            </a:lvl2pPr>
+            <a:lvl3pPr marL="914400" indent="0" algn="ctr" defTabSz="914400" rtl="0" eaLnBrk="1" latinLnBrk="0" hangingPunct="1">
+              <a:lnSpc>
+                <a:spcPct val="90000"/>
+              </a:lnSpc>
+              <a:spcBef>
+                <a:spcPts val="500"/>
+              </a:spcBef>
+              <a:buFont typeface="Arial" panose="020B0604020202020204" pitchFamily="34" charset="0"/>
+              <a:buNone/>
+              <a:defRPr sz="1800" kern="1200">
+                <a:solidFill>
+                  <a:schemeClr val="tx1"/>
+                </a:solidFill>
+                <a:latin typeface="+mn-lt"/>
+                <a:ea typeface="+mn-ea"/>
+                <a:cs typeface="+mn-cs"/>
+              </a:defRPr>
+            </a:lvl3pPr>
+            <a:lvl4pPr marL="1371600" indent="0" algn="ctr" defTabSz="914400" rtl="0" eaLnBrk="1" latinLnBrk="0" hangingPunct="1">
+              <a:lnSpc>
+                <a:spcPct val="90000"/>
+              </a:lnSpc>
+              <a:spcBef>
+                <a:spcPts val="500"/>
+              </a:spcBef>
+              <a:buFont typeface="Arial" panose="020B0604020202020204" pitchFamily="34" charset="0"/>
+              <a:buNone/>
+              <a:defRPr sz="1600" kern="1200">
+                <a:solidFill>
+                  <a:schemeClr val="tx1"/>
+                </a:solidFill>
+                <a:latin typeface="+mn-lt"/>
+                <a:ea typeface="+mn-ea"/>
+                <a:cs typeface="+mn-cs"/>
+              </a:defRPr>
+            </a:lvl4pPr>
+            <a:lvl5pPr marL="1828800" indent="0" algn="ctr" defTabSz="914400" rtl="0" eaLnBrk="1" latinLnBrk="0" hangingPunct="1">
+              <a:lnSpc>
+                <a:spcPct val="90000"/>
+              </a:lnSpc>
+              <a:spcBef>
+                <a:spcPts val="500"/>
+              </a:spcBef>
+              <a:buFont typeface="Arial" panose="020B0604020202020204" pitchFamily="34" charset="0"/>
+              <a:buNone/>
+              <a:defRPr sz="1600" kern="1200">
+                <a:solidFill>
+                  <a:schemeClr val="tx1"/>
+                </a:solidFill>
+                <a:latin typeface="+mn-lt"/>
+                <a:ea typeface="+mn-ea"/>
+                <a:cs typeface="+mn-cs"/>
+              </a:defRPr>
+            </a:lvl5pPr>
+            <a:lvl6pPr marL="2286000" indent="0" algn="ctr" defTabSz="914400" rtl="0" eaLnBrk="1" latinLnBrk="0" hangingPunct="1">
+              <a:lnSpc>
+                <a:spcPct val="90000"/>
+              </a:lnSpc>
+              <a:spcBef>
+                <a:spcPts val="500"/>
+              </a:spcBef>
+              <a:buFont typeface="Arial" panose="020B0604020202020204" pitchFamily="34" charset="0"/>
+              <a:buNone/>
+              <a:defRPr sz="1600" kern="1200">
+                <a:solidFill>
+                  <a:schemeClr val="tx1"/>
+                </a:solidFill>
+                <a:latin typeface="+mn-lt"/>
+                <a:ea typeface="+mn-ea"/>
+                <a:cs typeface="+mn-cs"/>
+              </a:defRPr>
+            </a:lvl6pPr>
+            <a:lvl7pPr marL="2743200" indent="0" algn="ctr" defTabSz="914400" rtl="0" eaLnBrk="1" latinLnBrk="0" hangingPunct="1">
+              <a:lnSpc>
+                <a:spcPct val="90000"/>
+              </a:lnSpc>
+              <a:spcBef>
+                <a:spcPts val="500"/>
+              </a:spcBef>
+              <a:buFont typeface="Arial" panose="020B0604020202020204" pitchFamily="34" charset="0"/>
+              <a:buNone/>
+              <a:defRPr sz="1600" kern="1200">
+                <a:solidFill>
+                  <a:schemeClr val="tx1"/>
+                </a:solidFill>
+                <a:latin typeface="+mn-lt"/>
+                <a:ea typeface="+mn-ea"/>
+                <a:cs typeface="+mn-cs"/>
+              </a:defRPr>
+            </a:lvl7pPr>
+            <a:lvl8pPr marL="3200400" indent="0" algn="ctr" defTabSz="914400" rtl="0" eaLnBrk="1" latinLnBrk="0" hangingPunct="1">
+              <a:lnSpc>
+                <a:spcPct val="90000"/>
+              </a:lnSpc>
+              <a:spcBef>
+                <a:spcPts val="500"/>
+              </a:spcBef>
+              <a:buFont typeface="Arial" panose="020B0604020202020204" pitchFamily="34" charset="0"/>
+              <a:buNone/>
+              <a:defRPr sz="1600" kern="1200">
+                <a:solidFill>
+                  <a:schemeClr val="tx1"/>
+                </a:solidFill>
+                <a:latin typeface="+mn-lt"/>
+                <a:ea typeface="+mn-ea"/>
+                <a:cs typeface="+mn-cs"/>
+              </a:defRPr>
+            </a:lvl8pPr>
+            <a:lvl9pPr marL="3657600" indent="0" algn="ctr" defTabSz="914400" rtl="0" eaLnBrk="1" latinLnBrk="0" hangingPunct="1">
+              <a:lnSpc>
+                <a:spcPct val="90000"/>
+              </a:lnSpc>
+              <a:spcBef>
+                <a:spcPts val="500"/>
+              </a:spcBef>
+              <a:buFont typeface="Arial" panose="020B0604020202020204" pitchFamily="34" charset="0"/>
+              <a:buNone/>
+              <a:defRPr sz="1600" kern="1200">
+                <a:solidFill>
+                  <a:schemeClr val="tx1"/>
+                </a:solidFill>
+                <a:latin typeface="+mn-lt"/>
+                <a:ea typeface="+mn-ea"/>
+                <a:cs typeface="+mn-cs"/>
+              </a:defRPr>
+            </a:lvl9pPr>
+          </a:lstStyle>
+          <a:p>
+            <a:pPr algn="l"/>
+            <a:r>
+              <a:rPr lang="es-MX" sz="1600" dirty="0"/>
+              <a:t>+ Estos operadores lógicos se pueden combinar con </a:t>
+            </a:r>
+            <a:r>
+              <a:rPr lang="es-MX" sz="1600" b="1" dirty="0"/>
+              <a:t>WHERE</a:t>
+            </a:r>
+            <a:r>
+              <a:rPr lang="es-MX" sz="1600" dirty="0"/>
+              <a:t> para realizar múltiples filtros.</a:t>
+            </a:r>
+          </a:p>
+        </p:txBody>
+      </p:sp>
+      <p:sp>
+        <p:nvSpPr>
+          <p:cNvPr id="7" name="Subtítulo 2">
+            <a:extLst>
+              <a:ext uri="{FF2B5EF4-FFF2-40B4-BE49-F238E27FC236}">
+                <a16:creationId xmlns:a16="http://schemas.microsoft.com/office/drawing/2014/main" id="{94D37E03-4B38-E901-9A62-2FB9ECB510D0}"/>
+              </a:ext>
+            </a:extLst>
+          </p:cNvPr>
+          <p:cNvSpPr txBox="1">
+            <a:spLocks/>
+          </p:cNvSpPr>
+          <p:nvPr/>
+        </p:nvSpPr>
+        <p:spPr>
+          <a:xfrm>
+            <a:off x="152393" y="3219238"/>
+            <a:ext cx="7966363" cy="796633"/>
+          </a:xfrm>
+          <a:prstGeom prst="rect">
+            <a:avLst/>
+          </a:prstGeom>
+        </p:spPr>
+        <p:txBody>
+          <a:bodyPr vert="horz" lIns="91440" tIns="45720" rIns="91440" bIns="45720" rtlCol="0">
+            <a:normAutofit/>
+          </a:bodyPr>
+          <a:lstStyle>
+            <a:lvl1pPr marL="0" indent="0" algn="ctr" defTabSz="914400" rtl="0" eaLnBrk="1" latinLnBrk="0" hangingPunct="1">
+              <a:lnSpc>
+                <a:spcPct val="90000"/>
+              </a:lnSpc>
+              <a:spcBef>
+                <a:spcPts val="1000"/>
+              </a:spcBef>
+              <a:buFont typeface="Arial" panose="020B0604020202020204" pitchFamily="34" charset="0"/>
+              <a:buNone/>
+              <a:defRPr sz="2400" kern="1200">
+                <a:solidFill>
+                  <a:schemeClr val="tx1"/>
+                </a:solidFill>
+                <a:latin typeface="+mn-lt"/>
+                <a:ea typeface="+mn-ea"/>
+                <a:cs typeface="+mn-cs"/>
+              </a:defRPr>
+            </a:lvl1pPr>
+            <a:lvl2pPr marL="457200" indent="0" algn="ctr" defTabSz="914400" rtl="0" eaLnBrk="1" latinLnBrk="0" hangingPunct="1">
+              <a:lnSpc>
+                <a:spcPct val="90000"/>
+              </a:lnSpc>
+              <a:spcBef>
+                <a:spcPts val="500"/>
+              </a:spcBef>
+              <a:buFont typeface="Arial" panose="020B0604020202020204" pitchFamily="34" charset="0"/>
+              <a:buNone/>
+              <a:defRPr sz="2000" kern="1200">
+                <a:solidFill>
+                  <a:schemeClr val="tx1"/>
+                </a:solidFill>
+                <a:latin typeface="+mn-lt"/>
+                <a:ea typeface="+mn-ea"/>
+                <a:cs typeface="+mn-cs"/>
+              </a:defRPr>
+            </a:lvl2pPr>
+            <a:lvl3pPr marL="914400" indent="0" algn="ctr" defTabSz="914400" rtl="0" eaLnBrk="1" latinLnBrk="0" hangingPunct="1">
+              <a:lnSpc>
+                <a:spcPct val="90000"/>
+              </a:lnSpc>
+              <a:spcBef>
+                <a:spcPts val="500"/>
+              </a:spcBef>
+              <a:buFont typeface="Arial" panose="020B0604020202020204" pitchFamily="34" charset="0"/>
+              <a:buNone/>
+              <a:defRPr sz="1800" kern="1200">
+                <a:solidFill>
+                  <a:schemeClr val="tx1"/>
+                </a:solidFill>
+                <a:latin typeface="+mn-lt"/>
+                <a:ea typeface="+mn-ea"/>
+                <a:cs typeface="+mn-cs"/>
+              </a:defRPr>
+            </a:lvl3pPr>
+            <a:lvl4pPr marL="1371600" indent="0" algn="ctr" defTabSz="914400" rtl="0" eaLnBrk="1" latinLnBrk="0" hangingPunct="1">
+              <a:lnSpc>
+                <a:spcPct val="90000"/>
+              </a:lnSpc>
+              <a:spcBef>
+                <a:spcPts val="500"/>
+              </a:spcBef>
+              <a:buFont typeface="Arial" panose="020B0604020202020204" pitchFamily="34" charset="0"/>
+              <a:buNone/>
+              <a:defRPr sz="1600" kern="1200">
+                <a:solidFill>
+                  <a:schemeClr val="tx1"/>
+                </a:solidFill>
+                <a:latin typeface="+mn-lt"/>
+                <a:ea typeface="+mn-ea"/>
+                <a:cs typeface="+mn-cs"/>
+              </a:defRPr>
+            </a:lvl4pPr>
+            <a:lvl5pPr marL="1828800" indent="0" algn="ctr" defTabSz="914400" rtl="0" eaLnBrk="1" latinLnBrk="0" hangingPunct="1">
+              <a:lnSpc>
+                <a:spcPct val="90000"/>
+              </a:lnSpc>
+              <a:spcBef>
+                <a:spcPts val="500"/>
+              </a:spcBef>
+              <a:buFont typeface="Arial" panose="020B0604020202020204" pitchFamily="34" charset="0"/>
+              <a:buNone/>
+              <a:defRPr sz="1600" kern="1200">
+                <a:solidFill>
+                  <a:schemeClr val="tx1"/>
+                </a:solidFill>
+                <a:latin typeface="+mn-lt"/>
+                <a:ea typeface="+mn-ea"/>
+                <a:cs typeface="+mn-cs"/>
+              </a:defRPr>
+            </a:lvl5pPr>
+            <a:lvl6pPr marL="2286000" indent="0" algn="ctr" defTabSz="914400" rtl="0" eaLnBrk="1" latinLnBrk="0" hangingPunct="1">
+              <a:lnSpc>
+                <a:spcPct val="90000"/>
+              </a:lnSpc>
+              <a:spcBef>
+                <a:spcPts val="500"/>
+              </a:spcBef>
+              <a:buFont typeface="Arial" panose="020B0604020202020204" pitchFamily="34" charset="0"/>
+              <a:buNone/>
+              <a:defRPr sz="1600" kern="1200">
+                <a:solidFill>
+                  <a:schemeClr val="tx1"/>
+                </a:solidFill>
+                <a:latin typeface="+mn-lt"/>
+                <a:ea typeface="+mn-ea"/>
+                <a:cs typeface="+mn-cs"/>
+              </a:defRPr>
+            </a:lvl6pPr>
+            <a:lvl7pPr marL="2743200" indent="0" algn="ctr" defTabSz="914400" rtl="0" eaLnBrk="1" latinLnBrk="0" hangingPunct="1">
+              <a:lnSpc>
+                <a:spcPct val="90000"/>
+              </a:lnSpc>
+              <a:spcBef>
+                <a:spcPts val="500"/>
+              </a:spcBef>
+              <a:buFont typeface="Arial" panose="020B0604020202020204" pitchFamily="34" charset="0"/>
+              <a:buNone/>
+              <a:defRPr sz="1600" kern="1200">
+                <a:solidFill>
+                  <a:schemeClr val="tx1"/>
+                </a:solidFill>
+                <a:latin typeface="+mn-lt"/>
+                <a:ea typeface="+mn-ea"/>
+                <a:cs typeface="+mn-cs"/>
+              </a:defRPr>
+            </a:lvl7pPr>
+            <a:lvl8pPr marL="3200400" indent="0" algn="ctr" defTabSz="914400" rtl="0" eaLnBrk="1" latinLnBrk="0" hangingPunct="1">
+              <a:lnSpc>
+                <a:spcPct val="90000"/>
+              </a:lnSpc>
+              <a:spcBef>
+                <a:spcPts val="500"/>
+              </a:spcBef>
+              <a:buFont typeface="Arial" panose="020B0604020202020204" pitchFamily="34" charset="0"/>
+              <a:buNone/>
+              <a:defRPr sz="1600" kern="1200">
+                <a:solidFill>
+                  <a:schemeClr val="tx1"/>
+                </a:solidFill>
+                <a:latin typeface="+mn-lt"/>
+                <a:ea typeface="+mn-ea"/>
+                <a:cs typeface="+mn-cs"/>
+              </a:defRPr>
+            </a:lvl8pPr>
+            <a:lvl9pPr marL="3657600" indent="0" algn="ctr" defTabSz="914400" rtl="0" eaLnBrk="1" latinLnBrk="0" hangingPunct="1">
+              <a:lnSpc>
+                <a:spcPct val="90000"/>
+              </a:lnSpc>
+              <a:spcBef>
+                <a:spcPts val="500"/>
+              </a:spcBef>
+              <a:buFont typeface="Arial" panose="020B0604020202020204" pitchFamily="34" charset="0"/>
+              <a:buNone/>
+              <a:defRPr sz="1600" kern="1200">
+                <a:solidFill>
+                  <a:schemeClr val="tx1"/>
+                </a:solidFill>
+                <a:latin typeface="+mn-lt"/>
+                <a:ea typeface="+mn-ea"/>
+                <a:cs typeface="+mn-cs"/>
+              </a:defRPr>
+            </a:lvl9pPr>
+          </a:lstStyle>
+          <a:p>
+            <a:pPr algn="l"/>
+            <a:r>
+              <a:rPr lang="es-MX" sz="2000" b="1" dirty="0">
+                <a:solidFill>
+                  <a:schemeClr val="accent1"/>
+                </a:solidFill>
+              </a:rPr>
+              <a:t>SELECT </a:t>
+            </a:r>
+            <a:r>
+              <a:rPr lang="es-MX" sz="2000" dirty="0">
+                <a:solidFill>
+                  <a:schemeClr val="accent1"/>
+                </a:solidFill>
+              </a:rPr>
+              <a:t>nombre, apellido </a:t>
+            </a:r>
+            <a:r>
+              <a:rPr lang="es-MX" sz="2000" b="1" dirty="0">
+                <a:solidFill>
+                  <a:schemeClr val="accent1"/>
+                </a:solidFill>
+              </a:rPr>
+              <a:t>FROM</a:t>
+            </a:r>
+            <a:r>
+              <a:rPr lang="es-MX" sz="2000" dirty="0">
+                <a:solidFill>
+                  <a:schemeClr val="accent1"/>
+                </a:solidFill>
+              </a:rPr>
+              <a:t> </a:t>
+            </a:r>
+            <a:r>
+              <a:rPr lang="es-MX" sz="2000" dirty="0" err="1">
+                <a:solidFill>
+                  <a:schemeClr val="accent1"/>
+                </a:solidFill>
+              </a:rPr>
+              <a:t>tabla_clientes</a:t>
+            </a:r>
+            <a:r>
+              <a:rPr lang="es-MX" sz="2000" dirty="0">
+                <a:solidFill>
+                  <a:schemeClr val="accent1"/>
+                </a:solidFill>
+              </a:rPr>
+              <a:t> </a:t>
+            </a:r>
+            <a:endParaRPr lang="es-MX" sz="2000" b="1" dirty="0">
+              <a:solidFill>
+                <a:schemeClr val="accent1"/>
+              </a:solidFill>
+            </a:endParaRPr>
+          </a:p>
+          <a:p>
+            <a:pPr algn="l"/>
+            <a:r>
+              <a:rPr lang="es-MX" sz="2000" b="1" dirty="0">
+                <a:solidFill>
+                  <a:schemeClr val="accent1"/>
+                </a:solidFill>
+              </a:rPr>
+              <a:t>WHERE</a:t>
+            </a:r>
+            <a:r>
+              <a:rPr lang="es-MX" sz="2000" dirty="0">
+                <a:solidFill>
+                  <a:schemeClr val="accent1"/>
+                </a:solidFill>
+              </a:rPr>
+              <a:t> edad&gt;20 </a:t>
+            </a:r>
+            <a:r>
+              <a:rPr lang="es-MX" sz="2000" b="1" dirty="0">
+                <a:solidFill>
+                  <a:schemeClr val="accent1"/>
+                </a:solidFill>
+              </a:rPr>
+              <a:t>AND </a:t>
+            </a:r>
+            <a:r>
+              <a:rPr lang="es-MX" sz="2000" dirty="0">
+                <a:solidFill>
+                  <a:schemeClr val="accent1"/>
+                </a:solidFill>
+              </a:rPr>
+              <a:t> edad&lt;30 </a:t>
+            </a:r>
+            <a:r>
+              <a:rPr lang="es-MX" sz="2000" b="1" dirty="0">
+                <a:solidFill>
+                  <a:schemeClr val="accent1"/>
+                </a:solidFill>
+              </a:rPr>
+              <a:t>;</a:t>
+            </a:r>
+          </a:p>
+          <a:p>
+            <a:pPr algn="l"/>
+            <a:endParaRPr lang="es-MX" sz="2000" dirty="0">
+              <a:solidFill>
+                <a:schemeClr val="accent1"/>
+              </a:solidFill>
+            </a:endParaRPr>
+          </a:p>
+        </p:txBody>
+      </p:sp>
+      <p:sp>
+        <p:nvSpPr>
+          <p:cNvPr id="8" name="Subtítulo 2">
+            <a:extLst>
+              <a:ext uri="{FF2B5EF4-FFF2-40B4-BE49-F238E27FC236}">
+                <a16:creationId xmlns:a16="http://schemas.microsoft.com/office/drawing/2014/main" id="{CB60E341-26B2-8A28-C319-E0510272E75F}"/>
+              </a:ext>
+            </a:extLst>
+          </p:cNvPr>
+          <p:cNvSpPr txBox="1">
+            <a:spLocks/>
+          </p:cNvSpPr>
+          <p:nvPr/>
+        </p:nvSpPr>
+        <p:spPr>
+          <a:xfrm>
+            <a:off x="8285018" y="2657873"/>
+            <a:ext cx="3906981" cy="554438"/>
+          </a:xfrm>
+          <a:prstGeom prst="rect">
+            <a:avLst/>
+          </a:prstGeom>
+        </p:spPr>
+        <p:txBody>
+          <a:bodyPr vert="horz" lIns="91440" tIns="45720" rIns="91440" bIns="45720" rtlCol="0">
+            <a:normAutofit/>
+          </a:bodyPr>
+          <a:lstStyle>
+            <a:lvl1pPr marL="0" indent="0" algn="ctr" defTabSz="914400" rtl="0" eaLnBrk="1" latinLnBrk="0" hangingPunct="1">
+              <a:lnSpc>
+                <a:spcPct val="90000"/>
+              </a:lnSpc>
+              <a:spcBef>
+                <a:spcPts val="1000"/>
+              </a:spcBef>
+              <a:buFont typeface="Arial" panose="020B0604020202020204" pitchFamily="34" charset="0"/>
+              <a:buNone/>
+              <a:defRPr sz="2400" kern="1200">
+                <a:solidFill>
+                  <a:schemeClr val="tx1"/>
+                </a:solidFill>
+                <a:latin typeface="+mn-lt"/>
+                <a:ea typeface="+mn-ea"/>
+                <a:cs typeface="+mn-cs"/>
+              </a:defRPr>
+            </a:lvl1pPr>
+            <a:lvl2pPr marL="457200" indent="0" algn="ctr" defTabSz="914400" rtl="0" eaLnBrk="1" latinLnBrk="0" hangingPunct="1">
+              <a:lnSpc>
+                <a:spcPct val="90000"/>
+              </a:lnSpc>
+              <a:spcBef>
+                <a:spcPts val="500"/>
+              </a:spcBef>
+              <a:buFont typeface="Arial" panose="020B0604020202020204" pitchFamily="34" charset="0"/>
+              <a:buNone/>
+              <a:defRPr sz="2000" kern="1200">
+                <a:solidFill>
+                  <a:schemeClr val="tx1"/>
+                </a:solidFill>
+                <a:latin typeface="+mn-lt"/>
+                <a:ea typeface="+mn-ea"/>
+                <a:cs typeface="+mn-cs"/>
+              </a:defRPr>
+            </a:lvl2pPr>
+            <a:lvl3pPr marL="914400" indent="0" algn="ctr" defTabSz="914400" rtl="0" eaLnBrk="1" latinLnBrk="0" hangingPunct="1">
+              <a:lnSpc>
+                <a:spcPct val="90000"/>
+              </a:lnSpc>
+              <a:spcBef>
+                <a:spcPts val="500"/>
+              </a:spcBef>
+              <a:buFont typeface="Arial" panose="020B0604020202020204" pitchFamily="34" charset="0"/>
+              <a:buNone/>
+              <a:defRPr sz="1800" kern="1200">
+                <a:solidFill>
+                  <a:schemeClr val="tx1"/>
+                </a:solidFill>
+                <a:latin typeface="+mn-lt"/>
+                <a:ea typeface="+mn-ea"/>
+                <a:cs typeface="+mn-cs"/>
+              </a:defRPr>
+            </a:lvl3pPr>
+            <a:lvl4pPr marL="1371600" indent="0" algn="ctr" defTabSz="914400" rtl="0" eaLnBrk="1" latinLnBrk="0" hangingPunct="1">
+              <a:lnSpc>
+                <a:spcPct val="90000"/>
+              </a:lnSpc>
+              <a:spcBef>
+                <a:spcPts val="500"/>
+              </a:spcBef>
+              <a:buFont typeface="Arial" panose="020B0604020202020204" pitchFamily="34" charset="0"/>
+              <a:buNone/>
+              <a:defRPr sz="1600" kern="1200">
+                <a:solidFill>
+                  <a:schemeClr val="tx1"/>
+                </a:solidFill>
+                <a:latin typeface="+mn-lt"/>
+                <a:ea typeface="+mn-ea"/>
+                <a:cs typeface="+mn-cs"/>
+              </a:defRPr>
+            </a:lvl4pPr>
+            <a:lvl5pPr marL="1828800" indent="0" algn="ctr" defTabSz="914400" rtl="0" eaLnBrk="1" latinLnBrk="0" hangingPunct="1">
+              <a:lnSpc>
+                <a:spcPct val="90000"/>
+              </a:lnSpc>
+              <a:spcBef>
+                <a:spcPts val="500"/>
+              </a:spcBef>
+              <a:buFont typeface="Arial" panose="020B0604020202020204" pitchFamily="34" charset="0"/>
+              <a:buNone/>
+              <a:defRPr sz="1600" kern="1200">
+                <a:solidFill>
+                  <a:schemeClr val="tx1"/>
+                </a:solidFill>
+                <a:latin typeface="+mn-lt"/>
+                <a:ea typeface="+mn-ea"/>
+                <a:cs typeface="+mn-cs"/>
+              </a:defRPr>
+            </a:lvl5pPr>
+            <a:lvl6pPr marL="2286000" indent="0" algn="ctr" defTabSz="914400" rtl="0" eaLnBrk="1" latinLnBrk="0" hangingPunct="1">
+              <a:lnSpc>
+                <a:spcPct val="90000"/>
+              </a:lnSpc>
+              <a:spcBef>
+                <a:spcPts val="500"/>
+              </a:spcBef>
+              <a:buFont typeface="Arial" panose="020B0604020202020204" pitchFamily="34" charset="0"/>
+              <a:buNone/>
+              <a:defRPr sz="1600" kern="1200">
+                <a:solidFill>
+                  <a:schemeClr val="tx1"/>
+                </a:solidFill>
+                <a:latin typeface="+mn-lt"/>
+                <a:ea typeface="+mn-ea"/>
+                <a:cs typeface="+mn-cs"/>
+              </a:defRPr>
+            </a:lvl6pPr>
+            <a:lvl7pPr marL="2743200" indent="0" algn="ctr" defTabSz="914400" rtl="0" eaLnBrk="1" latinLnBrk="0" hangingPunct="1">
+              <a:lnSpc>
+                <a:spcPct val="90000"/>
+              </a:lnSpc>
+              <a:spcBef>
+                <a:spcPts val="500"/>
+              </a:spcBef>
+              <a:buFont typeface="Arial" panose="020B0604020202020204" pitchFamily="34" charset="0"/>
+              <a:buNone/>
+              <a:defRPr sz="1600" kern="1200">
+                <a:solidFill>
+                  <a:schemeClr val="tx1"/>
+                </a:solidFill>
+                <a:latin typeface="+mn-lt"/>
+                <a:ea typeface="+mn-ea"/>
+                <a:cs typeface="+mn-cs"/>
+              </a:defRPr>
+            </a:lvl7pPr>
+            <a:lvl8pPr marL="3200400" indent="0" algn="ctr" defTabSz="914400" rtl="0" eaLnBrk="1" latinLnBrk="0" hangingPunct="1">
+              <a:lnSpc>
+                <a:spcPct val="90000"/>
+              </a:lnSpc>
+              <a:spcBef>
+                <a:spcPts val="500"/>
+              </a:spcBef>
+              <a:buFont typeface="Arial" panose="020B0604020202020204" pitchFamily="34" charset="0"/>
+              <a:buNone/>
+              <a:defRPr sz="1600" kern="1200">
+                <a:solidFill>
+                  <a:schemeClr val="tx1"/>
+                </a:solidFill>
+                <a:latin typeface="+mn-lt"/>
+                <a:ea typeface="+mn-ea"/>
+                <a:cs typeface="+mn-cs"/>
+              </a:defRPr>
+            </a:lvl8pPr>
+            <a:lvl9pPr marL="3657600" indent="0" algn="ctr" defTabSz="914400" rtl="0" eaLnBrk="1" latinLnBrk="0" hangingPunct="1">
+              <a:lnSpc>
+                <a:spcPct val="90000"/>
+              </a:lnSpc>
+              <a:spcBef>
+                <a:spcPts val="500"/>
+              </a:spcBef>
+              <a:buFont typeface="Arial" panose="020B0604020202020204" pitchFamily="34" charset="0"/>
+              <a:buNone/>
+              <a:defRPr sz="1600" kern="1200">
+                <a:solidFill>
+                  <a:schemeClr val="tx1"/>
+                </a:solidFill>
+                <a:latin typeface="+mn-lt"/>
+                <a:ea typeface="+mn-ea"/>
+                <a:cs typeface="+mn-cs"/>
+              </a:defRPr>
+            </a:lvl9pPr>
+          </a:lstStyle>
+          <a:p>
+            <a:pPr algn="l"/>
+            <a:r>
+              <a:rPr lang="es-MX" sz="1600" dirty="0"/>
+              <a:t>+ Para una desigualdad se puede usar “&lt;&gt;” , “!=“ o un </a:t>
+            </a:r>
+            <a:r>
+              <a:rPr lang="es-MX" sz="1600" b="1" dirty="0"/>
+              <a:t>NOT</a:t>
+            </a:r>
+          </a:p>
+        </p:txBody>
+      </p:sp>
+      <p:sp>
+        <p:nvSpPr>
+          <p:cNvPr id="10" name="Subtítulo 2">
+            <a:extLst>
+              <a:ext uri="{FF2B5EF4-FFF2-40B4-BE49-F238E27FC236}">
+                <a16:creationId xmlns:a16="http://schemas.microsoft.com/office/drawing/2014/main" id="{8A02A2A7-A6C8-DBB2-E133-9ACF1096ED9D}"/>
+              </a:ext>
+            </a:extLst>
+          </p:cNvPr>
+          <p:cNvSpPr txBox="1">
+            <a:spLocks/>
+          </p:cNvSpPr>
+          <p:nvPr/>
+        </p:nvSpPr>
+        <p:spPr>
+          <a:xfrm>
+            <a:off x="152393" y="4177368"/>
+            <a:ext cx="7966363" cy="796633"/>
+          </a:xfrm>
+          <a:prstGeom prst="rect">
+            <a:avLst/>
+          </a:prstGeom>
+        </p:spPr>
+        <p:txBody>
+          <a:bodyPr vert="horz" lIns="91440" tIns="45720" rIns="91440" bIns="45720" rtlCol="0">
+            <a:normAutofit/>
+          </a:bodyPr>
+          <a:lstStyle>
+            <a:lvl1pPr marL="0" indent="0" algn="ctr" defTabSz="914400" rtl="0" eaLnBrk="1" latinLnBrk="0" hangingPunct="1">
+              <a:lnSpc>
+                <a:spcPct val="90000"/>
+              </a:lnSpc>
+              <a:spcBef>
+                <a:spcPts val="1000"/>
+              </a:spcBef>
+              <a:buFont typeface="Arial" panose="020B0604020202020204" pitchFamily="34" charset="0"/>
+              <a:buNone/>
+              <a:defRPr sz="2400" kern="1200">
+                <a:solidFill>
+                  <a:schemeClr val="tx1"/>
+                </a:solidFill>
+                <a:latin typeface="+mn-lt"/>
+                <a:ea typeface="+mn-ea"/>
+                <a:cs typeface="+mn-cs"/>
+              </a:defRPr>
+            </a:lvl1pPr>
+            <a:lvl2pPr marL="457200" indent="0" algn="ctr" defTabSz="914400" rtl="0" eaLnBrk="1" latinLnBrk="0" hangingPunct="1">
+              <a:lnSpc>
+                <a:spcPct val="90000"/>
+              </a:lnSpc>
+              <a:spcBef>
+                <a:spcPts val="500"/>
+              </a:spcBef>
+              <a:buFont typeface="Arial" panose="020B0604020202020204" pitchFamily="34" charset="0"/>
+              <a:buNone/>
+              <a:defRPr sz="2000" kern="1200">
+                <a:solidFill>
+                  <a:schemeClr val="tx1"/>
+                </a:solidFill>
+                <a:latin typeface="+mn-lt"/>
+                <a:ea typeface="+mn-ea"/>
+                <a:cs typeface="+mn-cs"/>
+              </a:defRPr>
+            </a:lvl2pPr>
+            <a:lvl3pPr marL="914400" indent="0" algn="ctr" defTabSz="914400" rtl="0" eaLnBrk="1" latinLnBrk="0" hangingPunct="1">
+              <a:lnSpc>
+                <a:spcPct val="90000"/>
+              </a:lnSpc>
+              <a:spcBef>
+                <a:spcPts val="500"/>
+              </a:spcBef>
+              <a:buFont typeface="Arial" panose="020B0604020202020204" pitchFamily="34" charset="0"/>
+              <a:buNone/>
+              <a:defRPr sz="1800" kern="1200">
+                <a:solidFill>
+                  <a:schemeClr val="tx1"/>
+                </a:solidFill>
+                <a:latin typeface="+mn-lt"/>
+                <a:ea typeface="+mn-ea"/>
+                <a:cs typeface="+mn-cs"/>
+              </a:defRPr>
+            </a:lvl3pPr>
+            <a:lvl4pPr marL="1371600" indent="0" algn="ctr" defTabSz="914400" rtl="0" eaLnBrk="1" latinLnBrk="0" hangingPunct="1">
+              <a:lnSpc>
+                <a:spcPct val="90000"/>
+              </a:lnSpc>
+              <a:spcBef>
+                <a:spcPts val="500"/>
+              </a:spcBef>
+              <a:buFont typeface="Arial" panose="020B0604020202020204" pitchFamily="34" charset="0"/>
+              <a:buNone/>
+              <a:defRPr sz="1600" kern="1200">
+                <a:solidFill>
+                  <a:schemeClr val="tx1"/>
+                </a:solidFill>
+                <a:latin typeface="+mn-lt"/>
+                <a:ea typeface="+mn-ea"/>
+                <a:cs typeface="+mn-cs"/>
+              </a:defRPr>
+            </a:lvl4pPr>
+            <a:lvl5pPr marL="1828800" indent="0" algn="ctr" defTabSz="914400" rtl="0" eaLnBrk="1" latinLnBrk="0" hangingPunct="1">
+              <a:lnSpc>
+                <a:spcPct val="90000"/>
+              </a:lnSpc>
+              <a:spcBef>
+                <a:spcPts val="500"/>
+              </a:spcBef>
+              <a:buFont typeface="Arial" panose="020B0604020202020204" pitchFamily="34" charset="0"/>
+              <a:buNone/>
+              <a:defRPr sz="1600" kern="1200">
+                <a:solidFill>
+                  <a:schemeClr val="tx1"/>
+                </a:solidFill>
+                <a:latin typeface="+mn-lt"/>
+                <a:ea typeface="+mn-ea"/>
+                <a:cs typeface="+mn-cs"/>
+              </a:defRPr>
+            </a:lvl5pPr>
+            <a:lvl6pPr marL="2286000" indent="0" algn="ctr" defTabSz="914400" rtl="0" eaLnBrk="1" latinLnBrk="0" hangingPunct="1">
+              <a:lnSpc>
+                <a:spcPct val="90000"/>
+              </a:lnSpc>
+              <a:spcBef>
+                <a:spcPts val="500"/>
+              </a:spcBef>
+              <a:buFont typeface="Arial" panose="020B0604020202020204" pitchFamily="34" charset="0"/>
+              <a:buNone/>
+              <a:defRPr sz="1600" kern="1200">
+                <a:solidFill>
+                  <a:schemeClr val="tx1"/>
+                </a:solidFill>
+                <a:latin typeface="+mn-lt"/>
+                <a:ea typeface="+mn-ea"/>
+                <a:cs typeface="+mn-cs"/>
+              </a:defRPr>
+            </a:lvl6pPr>
+            <a:lvl7pPr marL="2743200" indent="0" algn="ctr" defTabSz="914400" rtl="0" eaLnBrk="1" latinLnBrk="0" hangingPunct="1">
+              <a:lnSpc>
+                <a:spcPct val="90000"/>
+              </a:lnSpc>
+              <a:spcBef>
+                <a:spcPts val="500"/>
+              </a:spcBef>
+              <a:buFont typeface="Arial" panose="020B0604020202020204" pitchFamily="34" charset="0"/>
+              <a:buNone/>
+              <a:defRPr sz="1600" kern="1200">
+                <a:solidFill>
+                  <a:schemeClr val="tx1"/>
+                </a:solidFill>
+                <a:latin typeface="+mn-lt"/>
+                <a:ea typeface="+mn-ea"/>
+                <a:cs typeface="+mn-cs"/>
+              </a:defRPr>
+            </a:lvl7pPr>
+            <a:lvl8pPr marL="3200400" indent="0" algn="ctr" defTabSz="914400" rtl="0" eaLnBrk="1" latinLnBrk="0" hangingPunct="1">
+              <a:lnSpc>
+                <a:spcPct val="90000"/>
+              </a:lnSpc>
+              <a:spcBef>
+                <a:spcPts val="500"/>
+              </a:spcBef>
+              <a:buFont typeface="Arial" panose="020B0604020202020204" pitchFamily="34" charset="0"/>
+              <a:buNone/>
+              <a:defRPr sz="1600" kern="1200">
+                <a:solidFill>
+                  <a:schemeClr val="tx1"/>
+                </a:solidFill>
+                <a:latin typeface="+mn-lt"/>
+                <a:ea typeface="+mn-ea"/>
+                <a:cs typeface="+mn-cs"/>
+              </a:defRPr>
+            </a:lvl8pPr>
+            <a:lvl9pPr marL="3657600" indent="0" algn="ctr" defTabSz="914400" rtl="0" eaLnBrk="1" latinLnBrk="0" hangingPunct="1">
+              <a:lnSpc>
+                <a:spcPct val="90000"/>
+              </a:lnSpc>
+              <a:spcBef>
+                <a:spcPts val="500"/>
+              </a:spcBef>
+              <a:buFont typeface="Arial" panose="020B0604020202020204" pitchFamily="34" charset="0"/>
+              <a:buNone/>
+              <a:defRPr sz="1600" kern="1200">
+                <a:solidFill>
+                  <a:schemeClr val="tx1"/>
+                </a:solidFill>
+                <a:latin typeface="+mn-lt"/>
+                <a:ea typeface="+mn-ea"/>
+                <a:cs typeface="+mn-cs"/>
+              </a:defRPr>
+            </a:lvl9pPr>
+          </a:lstStyle>
+          <a:p>
+            <a:pPr algn="l"/>
+            <a:r>
+              <a:rPr lang="es-MX" sz="2000" b="1" dirty="0">
+                <a:solidFill>
+                  <a:schemeClr val="accent1"/>
+                </a:solidFill>
+              </a:rPr>
+              <a:t>SELECT </a:t>
+            </a:r>
+            <a:r>
+              <a:rPr lang="es-MX" sz="2000" dirty="0">
+                <a:solidFill>
+                  <a:schemeClr val="accent1"/>
+                </a:solidFill>
+              </a:rPr>
+              <a:t>*</a:t>
+            </a:r>
+            <a:r>
+              <a:rPr lang="es-MX" sz="2000" b="1" dirty="0">
+                <a:solidFill>
+                  <a:schemeClr val="accent1"/>
+                </a:solidFill>
+              </a:rPr>
+              <a:t>FROM</a:t>
+            </a:r>
+            <a:r>
+              <a:rPr lang="es-MX" sz="2000" dirty="0">
+                <a:solidFill>
+                  <a:schemeClr val="accent1"/>
+                </a:solidFill>
+              </a:rPr>
+              <a:t> </a:t>
+            </a:r>
+            <a:r>
+              <a:rPr lang="es-MX" sz="2000" dirty="0" err="1">
+                <a:solidFill>
+                  <a:schemeClr val="accent1"/>
+                </a:solidFill>
+              </a:rPr>
+              <a:t>tabla_clientes</a:t>
+            </a:r>
+            <a:r>
+              <a:rPr lang="es-MX" sz="2000" dirty="0">
+                <a:solidFill>
+                  <a:schemeClr val="accent1"/>
+                </a:solidFill>
+              </a:rPr>
+              <a:t> </a:t>
+            </a:r>
+          </a:p>
+          <a:p>
+            <a:pPr algn="l"/>
+            <a:r>
+              <a:rPr lang="es-MX" sz="2000" b="1" dirty="0">
+                <a:solidFill>
+                  <a:schemeClr val="accent1"/>
+                </a:solidFill>
+              </a:rPr>
+              <a:t>WHERE</a:t>
+            </a:r>
+            <a:r>
+              <a:rPr lang="es-MX" sz="2000" dirty="0">
+                <a:solidFill>
+                  <a:schemeClr val="accent1"/>
+                </a:solidFill>
+              </a:rPr>
+              <a:t> </a:t>
+            </a:r>
+            <a:r>
+              <a:rPr lang="es-MX" sz="2000" b="1" dirty="0">
+                <a:solidFill>
+                  <a:schemeClr val="accent1"/>
+                </a:solidFill>
+              </a:rPr>
+              <a:t>(</a:t>
+            </a:r>
+            <a:r>
+              <a:rPr lang="es-MX" sz="2000" dirty="0">
+                <a:solidFill>
+                  <a:schemeClr val="accent1"/>
+                </a:solidFill>
+              </a:rPr>
+              <a:t>edad&lt;=25 </a:t>
+            </a:r>
+            <a:r>
+              <a:rPr lang="es-MX" sz="2000" b="1" dirty="0">
+                <a:solidFill>
+                  <a:schemeClr val="accent1"/>
+                </a:solidFill>
+              </a:rPr>
+              <a:t>OR </a:t>
+            </a:r>
+            <a:r>
+              <a:rPr lang="es-MX" sz="2000" dirty="0">
+                <a:solidFill>
+                  <a:schemeClr val="accent1"/>
+                </a:solidFill>
+              </a:rPr>
+              <a:t> edad&gt;30</a:t>
+            </a:r>
+            <a:r>
+              <a:rPr lang="es-MX" sz="2000" b="1" dirty="0">
+                <a:solidFill>
+                  <a:schemeClr val="accent1"/>
+                </a:solidFill>
+              </a:rPr>
+              <a:t>)</a:t>
+            </a:r>
+            <a:r>
+              <a:rPr lang="es-MX" sz="2000" dirty="0">
+                <a:solidFill>
+                  <a:schemeClr val="accent1"/>
+                </a:solidFill>
+              </a:rPr>
+              <a:t> </a:t>
+            </a:r>
+            <a:r>
+              <a:rPr lang="es-MX" sz="2000" b="1" dirty="0">
+                <a:solidFill>
+                  <a:schemeClr val="accent1"/>
+                </a:solidFill>
+              </a:rPr>
+              <a:t>AND</a:t>
+            </a:r>
+            <a:r>
+              <a:rPr lang="es-MX" sz="2000" dirty="0">
+                <a:solidFill>
+                  <a:schemeClr val="accent1"/>
+                </a:solidFill>
+              </a:rPr>
+              <a:t> nombre=</a:t>
+            </a:r>
+            <a:r>
+              <a:rPr lang="es-MX" sz="2000" b="1" dirty="0">
+                <a:solidFill>
+                  <a:schemeClr val="accent1"/>
+                </a:solidFill>
+              </a:rPr>
+              <a:t>‘</a:t>
+            </a:r>
+            <a:r>
+              <a:rPr lang="es-MX" sz="2000" dirty="0">
+                <a:solidFill>
+                  <a:schemeClr val="accent1"/>
+                </a:solidFill>
+              </a:rPr>
+              <a:t>Gabriela</a:t>
+            </a:r>
+            <a:r>
+              <a:rPr lang="es-MX" sz="2000" b="1" dirty="0">
+                <a:solidFill>
+                  <a:schemeClr val="accent1"/>
+                </a:solidFill>
+              </a:rPr>
+              <a:t>’</a:t>
+            </a:r>
+            <a:r>
+              <a:rPr lang="es-MX" sz="2000" dirty="0">
+                <a:solidFill>
+                  <a:schemeClr val="accent1"/>
+                </a:solidFill>
+              </a:rPr>
+              <a:t> </a:t>
+            </a:r>
+            <a:r>
+              <a:rPr lang="es-MX" sz="2000" b="1" dirty="0">
+                <a:solidFill>
+                  <a:schemeClr val="accent1"/>
+                </a:solidFill>
+              </a:rPr>
+              <a:t>;</a:t>
+            </a:r>
+            <a:r>
+              <a:rPr lang="es-MX" sz="2000" dirty="0">
+                <a:solidFill>
+                  <a:schemeClr val="accent1"/>
+                </a:solidFill>
+              </a:rPr>
+              <a:t> </a:t>
+            </a:r>
+            <a:endParaRPr lang="es-MX" sz="2000" b="1" dirty="0">
+              <a:solidFill>
+                <a:schemeClr val="accent1"/>
+              </a:solidFill>
+            </a:endParaRPr>
+          </a:p>
+          <a:p>
+            <a:pPr algn="l"/>
+            <a:endParaRPr lang="es-MX" sz="2000" dirty="0">
+              <a:solidFill>
+                <a:schemeClr val="accent1"/>
+              </a:solidFill>
+            </a:endParaRPr>
+          </a:p>
+        </p:txBody>
+      </p:sp>
+      <p:sp>
+        <p:nvSpPr>
+          <p:cNvPr id="4" name="Subtítulo 2">
+            <a:extLst>
+              <a:ext uri="{FF2B5EF4-FFF2-40B4-BE49-F238E27FC236}">
+                <a16:creationId xmlns:a16="http://schemas.microsoft.com/office/drawing/2014/main" id="{535B85CF-C9B2-EB9F-DE7E-93F0C263DD80}"/>
+              </a:ext>
+            </a:extLst>
+          </p:cNvPr>
+          <p:cNvSpPr txBox="1">
+            <a:spLocks/>
+          </p:cNvSpPr>
+          <p:nvPr/>
+        </p:nvSpPr>
+        <p:spPr>
+          <a:xfrm>
+            <a:off x="8285018" y="3625217"/>
+            <a:ext cx="3906981" cy="822092"/>
+          </a:xfrm>
+          <a:prstGeom prst="rect">
+            <a:avLst/>
+          </a:prstGeom>
+        </p:spPr>
+        <p:txBody>
+          <a:bodyPr vert="horz" lIns="91440" tIns="45720" rIns="91440" bIns="45720" rtlCol="0">
+            <a:normAutofit/>
+          </a:bodyPr>
+          <a:lstStyle>
+            <a:lvl1pPr marL="0" indent="0" algn="ctr" defTabSz="914400" rtl="0" eaLnBrk="1" latinLnBrk="0" hangingPunct="1">
+              <a:lnSpc>
+                <a:spcPct val="90000"/>
+              </a:lnSpc>
+              <a:spcBef>
+                <a:spcPts val="1000"/>
+              </a:spcBef>
+              <a:buFont typeface="Arial" panose="020B0604020202020204" pitchFamily="34" charset="0"/>
+              <a:buNone/>
+              <a:defRPr sz="2400" kern="1200">
+                <a:solidFill>
+                  <a:schemeClr val="tx1"/>
+                </a:solidFill>
+                <a:latin typeface="+mn-lt"/>
+                <a:ea typeface="+mn-ea"/>
+                <a:cs typeface="+mn-cs"/>
+              </a:defRPr>
+            </a:lvl1pPr>
+            <a:lvl2pPr marL="457200" indent="0" algn="ctr" defTabSz="914400" rtl="0" eaLnBrk="1" latinLnBrk="0" hangingPunct="1">
+              <a:lnSpc>
+                <a:spcPct val="90000"/>
+              </a:lnSpc>
+              <a:spcBef>
+                <a:spcPts val="500"/>
+              </a:spcBef>
+              <a:buFont typeface="Arial" panose="020B0604020202020204" pitchFamily="34" charset="0"/>
+              <a:buNone/>
+              <a:defRPr sz="2000" kern="1200">
+                <a:solidFill>
+                  <a:schemeClr val="tx1"/>
+                </a:solidFill>
+                <a:latin typeface="+mn-lt"/>
+                <a:ea typeface="+mn-ea"/>
+                <a:cs typeface="+mn-cs"/>
+              </a:defRPr>
+            </a:lvl2pPr>
+            <a:lvl3pPr marL="914400" indent="0" algn="ctr" defTabSz="914400" rtl="0" eaLnBrk="1" latinLnBrk="0" hangingPunct="1">
+              <a:lnSpc>
+                <a:spcPct val="90000"/>
+              </a:lnSpc>
+              <a:spcBef>
+                <a:spcPts val="500"/>
+              </a:spcBef>
+              <a:buFont typeface="Arial" panose="020B0604020202020204" pitchFamily="34" charset="0"/>
+              <a:buNone/>
+              <a:defRPr sz="1800" kern="1200">
+                <a:solidFill>
+                  <a:schemeClr val="tx1"/>
+                </a:solidFill>
+                <a:latin typeface="+mn-lt"/>
+                <a:ea typeface="+mn-ea"/>
+                <a:cs typeface="+mn-cs"/>
+              </a:defRPr>
+            </a:lvl3pPr>
+            <a:lvl4pPr marL="1371600" indent="0" algn="ctr" defTabSz="914400" rtl="0" eaLnBrk="1" latinLnBrk="0" hangingPunct="1">
+              <a:lnSpc>
+                <a:spcPct val="90000"/>
+              </a:lnSpc>
+              <a:spcBef>
+                <a:spcPts val="500"/>
+              </a:spcBef>
+              <a:buFont typeface="Arial" panose="020B0604020202020204" pitchFamily="34" charset="0"/>
+              <a:buNone/>
+              <a:defRPr sz="1600" kern="1200">
+                <a:solidFill>
+                  <a:schemeClr val="tx1"/>
+                </a:solidFill>
+                <a:latin typeface="+mn-lt"/>
+                <a:ea typeface="+mn-ea"/>
+                <a:cs typeface="+mn-cs"/>
+              </a:defRPr>
+            </a:lvl4pPr>
+            <a:lvl5pPr marL="1828800" indent="0" algn="ctr" defTabSz="914400" rtl="0" eaLnBrk="1" latinLnBrk="0" hangingPunct="1">
+              <a:lnSpc>
+                <a:spcPct val="90000"/>
+              </a:lnSpc>
+              <a:spcBef>
+                <a:spcPts val="500"/>
+              </a:spcBef>
+              <a:buFont typeface="Arial" panose="020B0604020202020204" pitchFamily="34" charset="0"/>
+              <a:buNone/>
+              <a:defRPr sz="1600" kern="1200">
+                <a:solidFill>
+                  <a:schemeClr val="tx1"/>
+                </a:solidFill>
+                <a:latin typeface="+mn-lt"/>
+                <a:ea typeface="+mn-ea"/>
+                <a:cs typeface="+mn-cs"/>
+              </a:defRPr>
+            </a:lvl5pPr>
+            <a:lvl6pPr marL="2286000" indent="0" algn="ctr" defTabSz="914400" rtl="0" eaLnBrk="1" latinLnBrk="0" hangingPunct="1">
+              <a:lnSpc>
+                <a:spcPct val="90000"/>
+              </a:lnSpc>
+              <a:spcBef>
+                <a:spcPts val="500"/>
+              </a:spcBef>
+              <a:buFont typeface="Arial" panose="020B0604020202020204" pitchFamily="34" charset="0"/>
+              <a:buNone/>
+              <a:defRPr sz="1600" kern="1200">
+                <a:solidFill>
+                  <a:schemeClr val="tx1"/>
+                </a:solidFill>
+                <a:latin typeface="+mn-lt"/>
+                <a:ea typeface="+mn-ea"/>
+                <a:cs typeface="+mn-cs"/>
+              </a:defRPr>
+            </a:lvl6pPr>
+            <a:lvl7pPr marL="2743200" indent="0" algn="ctr" defTabSz="914400" rtl="0" eaLnBrk="1" latinLnBrk="0" hangingPunct="1">
+              <a:lnSpc>
+                <a:spcPct val="90000"/>
+              </a:lnSpc>
+              <a:spcBef>
+                <a:spcPts val="500"/>
+              </a:spcBef>
+              <a:buFont typeface="Arial" panose="020B0604020202020204" pitchFamily="34" charset="0"/>
+              <a:buNone/>
+              <a:defRPr sz="1600" kern="1200">
+                <a:solidFill>
+                  <a:schemeClr val="tx1"/>
+                </a:solidFill>
+                <a:latin typeface="+mn-lt"/>
+                <a:ea typeface="+mn-ea"/>
+                <a:cs typeface="+mn-cs"/>
+              </a:defRPr>
+            </a:lvl7pPr>
+            <a:lvl8pPr marL="3200400" indent="0" algn="ctr" defTabSz="914400" rtl="0" eaLnBrk="1" latinLnBrk="0" hangingPunct="1">
+              <a:lnSpc>
+                <a:spcPct val="90000"/>
+              </a:lnSpc>
+              <a:spcBef>
+                <a:spcPts val="500"/>
+              </a:spcBef>
+              <a:buFont typeface="Arial" panose="020B0604020202020204" pitchFamily="34" charset="0"/>
+              <a:buNone/>
+              <a:defRPr sz="1600" kern="1200">
+                <a:solidFill>
+                  <a:schemeClr val="tx1"/>
+                </a:solidFill>
+                <a:latin typeface="+mn-lt"/>
+                <a:ea typeface="+mn-ea"/>
+                <a:cs typeface="+mn-cs"/>
+              </a:defRPr>
+            </a:lvl8pPr>
+            <a:lvl9pPr marL="3657600" indent="0" algn="ctr" defTabSz="914400" rtl="0" eaLnBrk="1" latinLnBrk="0" hangingPunct="1">
+              <a:lnSpc>
+                <a:spcPct val="90000"/>
+              </a:lnSpc>
+              <a:spcBef>
+                <a:spcPts val="500"/>
+              </a:spcBef>
+              <a:buFont typeface="Arial" panose="020B0604020202020204" pitchFamily="34" charset="0"/>
+              <a:buNone/>
+              <a:defRPr sz="1600" kern="1200">
+                <a:solidFill>
+                  <a:schemeClr val="tx1"/>
+                </a:solidFill>
+                <a:latin typeface="+mn-lt"/>
+                <a:ea typeface="+mn-ea"/>
+                <a:cs typeface="+mn-cs"/>
+              </a:defRPr>
+            </a:lvl9pPr>
+          </a:lstStyle>
+          <a:p>
+            <a:pPr algn="l"/>
+            <a:r>
+              <a:rPr lang="es-MX" sz="1600" dirty="0"/>
+              <a:t>+ Las proposiciones (AUB)</a:t>
+            </a:r>
+            <a:r>
+              <a:rPr lang="es-MX" sz="1600" dirty="0" err="1"/>
+              <a:t>nC</a:t>
+            </a:r>
+            <a:r>
+              <a:rPr lang="es-MX" sz="1600" dirty="0"/>
+              <a:t> se escribe como</a:t>
+            </a:r>
+          </a:p>
+          <a:p>
+            <a:pPr algn="l"/>
+            <a:r>
+              <a:rPr lang="es-MX" sz="1600" dirty="0"/>
+              <a:t>(A OR B) AND C</a:t>
+            </a:r>
+          </a:p>
+        </p:txBody>
+      </p:sp>
+      <p:sp>
+        <p:nvSpPr>
+          <p:cNvPr id="11" name="Subtítulo 2">
+            <a:extLst>
+              <a:ext uri="{FF2B5EF4-FFF2-40B4-BE49-F238E27FC236}">
+                <a16:creationId xmlns:a16="http://schemas.microsoft.com/office/drawing/2014/main" id="{6F521DCC-92EC-15A5-66E5-0961F47D9CED}"/>
+              </a:ext>
+            </a:extLst>
+          </p:cNvPr>
+          <p:cNvSpPr txBox="1">
+            <a:spLocks/>
+          </p:cNvSpPr>
+          <p:nvPr/>
+        </p:nvSpPr>
+        <p:spPr>
+          <a:xfrm>
+            <a:off x="152392" y="5475718"/>
+            <a:ext cx="7966363" cy="796633"/>
+          </a:xfrm>
+          <a:prstGeom prst="rect">
+            <a:avLst/>
+          </a:prstGeom>
+        </p:spPr>
+        <p:txBody>
+          <a:bodyPr vert="horz" lIns="91440" tIns="45720" rIns="91440" bIns="45720" rtlCol="0">
+            <a:normAutofit/>
+          </a:bodyPr>
+          <a:lstStyle>
+            <a:lvl1pPr marL="0" indent="0" algn="ctr" defTabSz="914400" rtl="0" eaLnBrk="1" latinLnBrk="0" hangingPunct="1">
+              <a:lnSpc>
+                <a:spcPct val="90000"/>
+              </a:lnSpc>
+              <a:spcBef>
+                <a:spcPts val="1000"/>
+              </a:spcBef>
+              <a:buFont typeface="Arial" panose="020B0604020202020204" pitchFamily="34" charset="0"/>
+              <a:buNone/>
+              <a:defRPr sz="2400" kern="1200">
+                <a:solidFill>
+                  <a:schemeClr val="tx1"/>
+                </a:solidFill>
+                <a:latin typeface="+mn-lt"/>
+                <a:ea typeface="+mn-ea"/>
+                <a:cs typeface="+mn-cs"/>
+              </a:defRPr>
+            </a:lvl1pPr>
+            <a:lvl2pPr marL="457200" indent="0" algn="ctr" defTabSz="914400" rtl="0" eaLnBrk="1" latinLnBrk="0" hangingPunct="1">
+              <a:lnSpc>
+                <a:spcPct val="90000"/>
+              </a:lnSpc>
+              <a:spcBef>
+                <a:spcPts val="500"/>
+              </a:spcBef>
+              <a:buFont typeface="Arial" panose="020B0604020202020204" pitchFamily="34" charset="0"/>
+              <a:buNone/>
+              <a:defRPr sz="2000" kern="1200">
+                <a:solidFill>
+                  <a:schemeClr val="tx1"/>
+                </a:solidFill>
+                <a:latin typeface="+mn-lt"/>
+                <a:ea typeface="+mn-ea"/>
+                <a:cs typeface="+mn-cs"/>
+              </a:defRPr>
+            </a:lvl2pPr>
+            <a:lvl3pPr marL="914400" indent="0" algn="ctr" defTabSz="914400" rtl="0" eaLnBrk="1" latinLnBrk="0" hangingPunct="1">
+              <a:lnSpc>
+                <a:spcPct val="90000"/>
+              </a:lnSpc>
+              <a:spcBef>
+                <a:spcPts val="500"/>
+              </a:spcBef>
+              <a:buFont typeface="Arial" panose="020B0604020202020204" pitchFamily="34" charset="0"/>
+              <a:buNone/>
+              <a:defRPr sz="1800" kern="1200">
+                <a:solidFill>
+                  <a:schemeClr val="tx1"/>
+                </a:solidFill>
+                <a:latin typeface="+mn-lt"/>
+                <a:ea typeface="+mn-ea"/>
+                <a:cs typeface="+mn-cs"/>
+              </a:defRPr>
+            </a:lvl3pPr>
+            <a:lvl4pPr marL="1371600" indent="0" algn="ctr" defTabSz="914400" rtl="0" eaLnBrk="1" latinLnBrk="0" hangingPunct="1">
+              <a:lnSpc>
+                <a:spcPct val="90000"/>
+              </a:lnSpc>
+              <a:spcBef>
+                <a:spcPts val="500"/>
+              </a:spcBef>
+              <a:buFont typeface="Arial" panose="020B0604020202020204" pitchFamily="34" charset="0"/>
+              <a:buNone/>
+              <a:defRPr sz="1600" kern="1200">
+                <a:solidFill>
+                  <a:schemeClr val="tx1"/>
+                </a:solidFill>
+                <a:latin typeface="+mn-lt"/>
+                <a:ea typeface="+mn-ea"/>
+                <a:cs typeface="+mn-cs"/>
+              </a:defRPr>
+            </a:lvl4pPr>
+            <a:lvl5pPr marL="1828800" indent="0" algn="ctr" defTabSz="914400" rtl="0" eaLnBrk="1" latinLnBrk="0" hangingPunct="1">
+              <a:lnSpc>
+                <a:spcPct val="90000"/>
+              </a:lnSpc>
+              <a:spcBef>
+                <a:spcPts val="500"/>
+              </a:spcBef>
+              <a:buFont typeface="Arial" panose="020B0604020202020204" pitchFamily="34" charset="0"/>
+              <a:buNone/>
+              <a:defRPr sz="1600" kern="1200">
+                <a:solidFill>
+                  <a:schemeClr val="tx1"/>
+                </a:solidFill>
+                <a:latin typeface="+mn-lt"/>
+                <a:ea typeface="+mn-ea"/>
+                <a:cs typeface="+mn-cs"/>
+              </a:defRPr>
+            </a:lvl5pPr>
+            <a:lvl6pPr marL="2286000" indent="0" algn="ctr" defTabSz="914400" rtl="0" eaLnBrk="1" latinLnBrk="0" hangingPunct="1">
+              <a:lnSpc>
+                <a:spcPct val="90000"/>
+              </a:lnSpc>
+              <a:spcBef>
+                <a:spcPts val="500"/>
+              </a:spcBef>
+              <a:buFont typeface="Arial" panose="020B0604020202020204" pitchFamily="34" charset="0"/>
+              <a:buNone/>
+              <a:defRPr sz="1600" kern="1200">
+                <a:solidFill>
+                  <a:schemeClr val="tx1"/>
+                </a:solidFill>
+                <a:latin typeface="+mn-lt"/>
+                <a:ea typeface="+mn-ea"/>
+                <a:cs typeface="+mn-cs"/>
+              </a:defRPr>
+            </a:lvl6pPr>
+            <a:lvl7pPr marL="2743200" indent="0" algn="ctr" defTabSz="914400" rtl="0" eaLnBrk="1" latinLnBrk="0" hangingPunct="1">
+              <a:lnSpc>
+                <a:spcPct val="90000"/>
+              </a:lnSpc>
+              <a:spcBef>
+                <a:spcPts val="500"/>
+              </a:spcBef>
+              <a:buFont typeface="Arial" panose="020B0604020202020204" pitchFamily="34" charset="0"/>
+              <a:buNone/>
+              <a:defRPr sz="1600" kern="1200">
+                <a:solidFill>
+                  <a:schemeClr val="tx1"/>
+                </a:solidFill>
+                <a:latin typeface="+mn-lt"/>
+                <a:ea typeface="+mn-ea"/>
+                <a:cs typeface="+mn-cs"/>
+              </a:defRPr>
+            </a:lvl7pPr>
+            <a:lvl8pPr marL="3200400" indent="0" algn="ctr" defTabSz="914400" rtl="0" eaLnBrk="1" latinLnBrk="0" hangingPunct="1">
+              <a:lnSpc>
+                <a:spcPct val="90000"/>
+              </a:lnSpc>
+              <a:spcBef>
+                <a:spcPts val="500"/>
+              </a:spcBef>
+              <a:buFont typeface="Arial" panose="020B0604020202020204" pitchFamily="34" charset="0"/>
+              <a:buNone/>
+              <a:defRPr sz="1600" kern="1200">
+                <a:solidFill>
+                  <a:schemeClr val="tx1"/>
+                </a:solidFill>
+                <a:latin typeface="+mn-lt"/>
+                <a:ea typeface="+mn-ea"/>
+                <a:cs typeface="+mn-cs"/>
+              </a:defRPr>
+            </a:lvl8pPr>
+            <a:lvl9pPr marL="3657600" indent="0" algn="ctr" defTabSz="914400" rtl="0" eaLnBrk="1" latinLnBrk="0" hangingPunct="1">
+              <a:lnSpc>
+                <a:spcPct val="90000"/>
+              </a:lnSpc>
+              <a:spcBef>
+                <a:spcPts val="500"/>
+              </a:spcBef>
+              <a:buFont typeface="Arial" panose="020B0604020202020204" pitchFamily="34" charset="0"/>
+              <a:buNone/>
+              <a:defRPr sz="1600" kern="1200">
+                <a:solidFill>
+                  <a:schemeClr val="tx1"/>
+                </a:solidFill>
+                <a:latin typeface="+mn-lt"/>
+                <a:ea typeface="+mn-ea"/>
+                <a:cs typeface="+mn-cs"/>
+              </a:defRPr>
+            </a:lvl9pPr>
+          </a:lstStyle>
+          <a:p>
+            <a:pPr algn="l"/>
+            <a:r>
+              <a:rPr lang="es-MX" sz="2000" b="1" dirty="0">
+                <a:solidFill>
+                  <a:schemeClr val="accent1"/>
+                </a:solidFill>
+              </a:rPr>
+              <a:t>SELECT </a:t>
+            </a:r>
+            <a:r>
+              <a:rPr lang="es-MX" sz="2000" dirty="0">
+                <a:solidFill>
+                  <a:schemeClr val="accent1"/>
+                </a:solidFill>
+              </a:rPr>
+              <a:t>*</a:t>
+            </a:r>
+            <a:r>
+              <a:rPr lang="es-MX" sz="2000" b="1" dirty="0">
+                <a:solidFill>
+                  <a:schemeClr val="accent1"/>
+                </a:solidFill>
+              </a:rPr>
+              <a:t>FROM</a:t>
+            </a:r>
+            <a:r>
+              <a:rPr lang="es-MX" sz="2000" dirty="0">
+                <a:solidFill>
+                  <a:schemeClr val="accent1"/>
+                </a:solidFill>
+              </a:rPr>
+              <a:t> </a:t>
+            </a:r>
+            <a:r>
+              <a:rPr lang="es-MX" sz="2000" dirty="0" err="1">
+                <a:solidFill>
+                  <a:schemeClr val="accent1"/>
+                </a:solidFill>
+              </a:rPr>
+              <a:t>tabla_clientes</a:t>
+            </a:r>
+            <a:r>
+              <a:rPr lang="es-MX" sz="2000" dirty="0">
+                <a:solidFill>
+                  <a:schemeClr val="accent1"/>
+                </a:solidFill>
+              </a:rPr>
+              <a:t> </a:t>
+            </a:r>
+          </a:p>
+          <a:p>
+            <a:pPr algn="l"/>
+            <a:r>
+              <a:rPr lang="es-MX" sz="2000" b="1" dirty="0">
+                <a:solidFill>
+                  <a:schemeClr val="accent1"/>
+                </a:solidFill>
+              </a:rPr>
+              <a:t>WHERE</a:t>
+            </a:r>
+            <a:r>
+              <a:rPr lang="es-MX" sz="2000" dirty="0">
+                <a:solidFill>
+                  <a:schemeClr val="accent1"/>
+                </a:solidFill>
+              </a:rPr>
+              <a:t> apellido </a:t>
+            </a:r>
+            <a:r>
+              <a:rPr lang="es-MX" sz="2000" b="1" dirty="0">
+                <a:solidFill>
+                  <a:schemeClr val="accent1"/>
+                </a:solidFill>
+              </a:rPr>
+              <a:t>IS NULL;</a:t>
+            </a:r>
+          </a:p>
+          <a:p>
+            <a:pPr algn="l"/>
+            <a:endParaRPr lang="es-MX" sz="2000" dirty="0">
+              <a:solidFill>
+                <a:schemeClr val="accent1"/>
+              </a:solidFill>
+            </a:endParaRPr>
+          </a:p>
+        </p:txBody>
+      </p:sp>
+      <p:sp>
+        <p:nvSpPr>
+          <p:cNvPr id="12" name="Subtítulo 2">
+            <a:extLst>
+              <a:ext uri="{FF2B5EF4-FFF2-40B4-BE49-F238E27FC236}">
+                <a16:creationId xmlns:a16="http://schemas.microsoft.com/office/drawing/2014/main" id="{0EB225E9-125E-230F-E723-68E5C4BE566F}"/>
+              </a:ext>
+            </a:extLst>
+          </p:cNvPr>
+          <p:cNvSpPr txBox="1">
+            <a:spLocks/>
+          </p:cNvSpPr>
+          <p:nvPr/>
+        </p:nvSpPr>
+        <p:spPr>
+          <a:xfrm>
+            <a:off x="8285017" y="5493257"/>
+            <a:ext cx="3906981" cy="822092"/>
+          </a:xfrm>
+          <a:prstGeom prst="rect">
+            <a:avLst/>
+          </a:prstGeom>
+        </p:spPr>
+        <p:txBody>
+          <a:bodyPr vert="horz" lIns="91440" tIns="45720" rIns="91440" bIns="45720" rtlCol="0">
+            <a:normAutofit/>
+          </a:bodyPr>
+          <a:lstStyle>
+            <a:lvl1pPr marL="0" indent="0" algn="ctr" defTabSz="914400" rtl="0" eaLnBrk="1" latinLnBrk="0" hangingPunct="1">
+              <a:lnSpc>
+                <a:spcPct val="90000"/>
+              </a:lnSpc>
+              <a:spcBef>
+                <a:spcPts val="1000"/>
+              </a:spcBef>
+              <a:buFont typeface="Arial" panose="020B0604020202020204" pitchFamily="34" charset="0"/>
+              <a:buNone/>
+              <a:defRPr sz="2400" kern="1200">
+                <a:solidFill>
+                  <a:schemeClr val="tx1"/>
+                </a:solidFill>
+                <a:latin typeface="+mn-lt"/>
+                <a:ea typeface="+mn-ea"/>
+                <a:cs typeface="+mn-cs"/>
+              </a:defRPr>
+            </a:lvl1pPr>
+            <a:lvl2pPr marL="457200" indent="0" algn="ctr" defTabSz="914400" rtl="0" eaLnBrk="1" latinLnBrk="0" hangingPunct="1">
+              <a:lnSpc>
+                <a:spcPct val="90000"/>
+              </a:lnSpc>
+              <a:spcBef>
+                <a:spcPts val="500"/>
+              </a:spcBef>
+              <a:buFont typeface="Arial" panose="020B0604020202020204" pitchFamily="34" charset="0"/>
+              <a:buNone/>
+              <a:defRPr sz="2000" kern="1200">
+                <a:solidFill>
+                  <a:schemeClr val="tx1"/>
+                </a:solidFill>
+                <a:latin typeface="+mn-lt"/>
+                <a:ea typeface="+mn-ea"/>
+                <a:cs typeface="+mn-cs"/>
+              </a:defRPr>
+            </a:lvl2pPr>
+            <a:lvl3pPr marL="914400" indent="0" algn="ctr" defTabSz="914400" rtl="0" eaLnBrk="1" latinLnBrk="0" hangingPunct="1">
+              <a:lnSpc>
+                <a:spcPct val="90000"/>
+              </a:lnSpc>
+              <a:spcBef>
+                <a:spcPts val="500"/>
+              </a:spcBef>
+              <a:buFont typeface="Arial" panose="020B0604020202020204" pitchFamily="34" charset="0"/>
+              <a:buNone/>
+              <a:defRPr sz="1800" kern="1200">
+                <a:solidFill>
+                  <a:schemeClr val="tx1"/>
+                </a:solidFill>
+                <a:latin typeface="+mn-lt"/>
+                <a:ea typeface="+mn-ea"/>
+                <a:cs typeface="+mn-cs"/>
+              </a:defRPr>
+            </a:lvl3pPr>
+            <a:lvl4pPr marL="1371600" indent="0" algn="ctr" defTabSz="914400" rtl="0" eaLnBrk="1" latinLnBrk="0" hangingPunct="1">
+              <a:lnSpc>
+                <a:spcPct val="90000"/>
+              </a:lnSpc>
+              <a:spcBef>
+                <a:spcPts val="500"/>
+              </a:spcBef>
+              <a:buFont typeface="Arial" panose="020B0604020202020204" pitchFamily="34" charset="0"/>
+              <a:buNone/>
+              <a:defRPr sz="1600" kern="1200">
+                <a:solidFill>
+                  <a:schemeClr val="tx1"/>
+                </a:solidFill>
+                <a:latin typeface="+mn-lt"/>
+                <a:ea typeface="+mn-ea"/>
+                <a:cs typeface="+mn-cs"/>
+              </a:defRPr>
+            </a:lvl4pPr>
+            <a:lvl5pPr marL="1828800" indent="0" algn="ctr" defTabSz="914400" rtl="0" eaLnBrk="1" latinLnBrk="0" hangingPunct="1">
+              <a:lnSpc>
+                <a:spcPct val="90000"/>
+              </a:lnSpc>
+              <a:spcBef>
+                <a:spcPts val="500"/>
+              </a:spcBef>
+              <a:buFont typeface="Arial" panose="020B0604020202020204" pitchFamily="34" charset="0"/>
+              <a:buNone/>
+              <a:defRPr sz="1600" kern="1200">
+                <a:solidFill>
+                  <a:schemeClr val="tx1"/>
+                </a:solidFill>
+                <a:latin typeface="+mn-lt"/>
+                <a:ea typeface="+mn-ea"/>
+                <a:cs typeface="+mn-cs"/>
+              </a:defRPr>
+            </a:lvl5pPr>
+            <a:lvl6pPr marL="2286000" indent="0" algn="ctr" defTabSz="914400" rtl="0" eaLnBrk="1" latinLnBrk="0" hangingPunct="1">
+              <a:lnSpc>
+                <a:spcPct val="90000"/>
+              </a:lnSpc>
+              <a:spcBef>
+                <a:spcPts val="500"/>
+              </a:spcBef>
+              <a:buFont typeface="Arial" panose="020B0604020202020204" pitchFamily="34" charset="0"/>
+              <a:buNone/>
+              <a:defRPr sz="1600" kern="1200">
+                <a:solidFill>
+                  <a:schemeClr val="tx1"/>
+                </a:solidFill>
+                <a:latin typeface="+mn-lt"/>
+                <a:ea typeface="+mn-ea"/>
+                <a:cs typeface="+mn-cs"/>
+              </a:defRPr>
+            </a:lvl6pPr>
+            <a:lvl7pPr marL="2743200" indent="0" algn="ctr" defTabSz="914400" rtl="0" eaLnBrk="1" latinLnBrk="0" hangingPunct="1">
+              <a:lnSpc>
+                <a:spcPct val="90000"/>
+              </a:lnSpc>
+              <a:spcBef>
+                <a:spcPts val="500"/>
+              </a:spcBef>
+              <a:buFont typeface="Arial" panose="020B0604020202020204" pitchFamily="34" charset="0"/>
+              <a:buNone/>
+              <a:defRPr sz="1600" kern="1200">
+                <a:solidFill>
+                  <a:schemeClr val="tx1"/>
+                </a:solidFill>
+                <a:latin typeface="+mn-lt"/>
+                <a:ea typeface="+mn-ea"/>
+                <a:cs typeface="+mn-cs"/>
+              </a:defRPr>
+            </a:lvl7pPr>
+            <a:lvl8pPr marL="3200400" indent="0" algn="ctr" defTabSz="914400" rtl="0" eaLnBrk="1" latinLnBrk="0" hangingPunct="1">
+              <a:lnSpc>
+                <a:spcPct val="90000"/>
+              </a:lnSpc>
+              <a:spcBef>
+                <a:spcPts val="500"/>
+              </a:spcBef>
+              <a:buFont typeface="Arial" panose="020B0604020202020204" pitchFamily="34" charset="0"/>
+              <a:buNone/>
+              <a:defRPr sz="1600" kern="1200">
+                <a:solidFill>
+                  <a:schemeClr val="tx1"/>
+                </a:solidFill>
+                <a:latin typeface="+mn-lt"/>
+                <a:ea typeface="+mn-ea"/>
+                <a:cs typeface="+mn-cs"/>
+              </a:defRPr>
+            </a:lvl8pPr>
+            <a:lvl9pPr marL="3657600" indent="0" algn="ctr" defTabSz="914400" rtl="0" eaLnBrk="1" latinLnBrk="0" hangingPunct="1">
+              <a:lnSpc>
+                <a:spcPct val="90000"/>
+              </a:lnSpc>
+              <a:spcBef>
+                <a:spcPts val="500"/>
+              </a:spcBef>
+              <a:buFont typeface="Arial" panose="020B0604020202020204" pitchFamily="34" charset="0"/>
+              <a:buNone/>
+              <a:defRPr sz="1600" kern="1200">
+                <a:solidFill>
+                  <a:schemeClr val="tx1"/>
+                </a:solidFill>
+                <a:latin typeface="+mn-lt"/>
+                <a:ea typeface="+mn-ea"/>
+                <a:cs typeface="+mn-cs"/>
+              </a:defRPr>
+            </a:lvl9pPr>
+          </a:lstStyle>
+          <a:p>
+            <a:pPr algn="l"/>
+            <a:r>
+              <a:rPr lang="es-MX" sz="1600" dirty="0"/>
+              <a:t>+ Esto es para seleccionar registros donde cierta columna tenga valores nulos.</a:t>
+            </a:r>
+          </a:p>
+        </p:txBody>
+      </p:sp>
+    </p:spTree>
+    <p:extLst>
+      <p:ext uri="{BB962C8B-B14F-4D97-AF65-F5344CB8AC3E}">
+        <p14:creationId xmlns:p14="http://schemas.microsoft.com/office/powerpoint/2010/main" val="1780334429"/>
+      </p:ext>
+    </p:extLst>
+  </p:cSld>
+  <p:clrMapOvr>
+    <a:masterClrMapping/>
+  </p:clrMapOvr>
+</p:sld>
+</file>
+
+<file path=ppt/slides/slide9.xml><?xml version="1.0" encoding="utf-8"?>
+<p:sld xmlns:a="http://schemas.openxmlformats.org/drawingml/2006/main" xmlns:r="http://schemas.openxmlformats.org/officeDocument/2006/relationships" xmlns:p="http://schemas.openxmlformats.org/presentationml/2006/main">
+  <p:cSld>
+    <p:spTree>
+      <p:nvGrpSpPr>
+        <p:cNvPr id="1" name=""/>
+        <p:cNvGrpSpPr/>
+        <p:nvPr/>
+      </p:nvGrpSpPr>
+      <p:grpSpPr>
+        <a:xfrm>
+          <a:off x="0" y="0"/>
+          <a:ext cx="0" cy="0"/>
+          <a:chOff x="0" y="0"/>
+          <a:chExt cx="0" cy="0"/>
+        </a:xfrm>
+      </p:grpSpPr>
+      <p:sp>
+        <p:nvSpPr>
+          <p:cNvPr id="2" name="Título 1">
+            <a:extLst>
+              <a:ext uri="{FF2B5EF4-FFF2-40B4-BE49-F238E27FC236}">
+                <a16:creationId xmlns:a16="http://schemas.microsoft.com/office/drawing/2014/main" id="{095D5E06-C433-C836-106A-B2D45ADCF04F}"/>
+              </a:ext>
+            </a:extLst>
+          </p:cNvPr>
+          <p:cNvSpPr>
+            <a:spLocks noGrp="1"/>
+          </p:cNvSpPr>
+          <p:nvPr>
+            <p:ph type="ctrTitle"/>
+          </p:nvPr>
+        </p:nvSpPr>
+        <p:spPr>
+          <a:xfrm>
+            <a:off x="304800" y="277091"/>
+            <a:ext cx="9144000" cy="669781"/>
+          </a:xfrm>
+        </p:spPr>
+        <p:txBody>
+          <a:bodyPr>
+            <a:normAutofit/>
+          </a:bodyPr>
+          <a:lstStyle/>
+          <a:p>
+            <a:pPr algn="l"/>
+            <a:r>
+              <a:rPr lang="es-MX" sz="3600" b="1" dirty="0">
+                <a:latin typeface="Gadugi" panose="020B0502040204020203" pitchFamily="34" charset="0"/>
+                <a:ea typeface="Gadugi" panose="020B0502040204020203" pitchFamily="34" charset="0"/>
+              </a:rPr>
+              <a:t>UPDATE - SET</a:t>
+            </a:r>
+          </a:p>
+        </p:txBody>
+      </p:sp>
+      <p:sp>
+        <p:nvSpPr>
+          <p:cNvPr id="3" name="Subtítulo 2">
+            <a:extLst>
+              <a:ext uri="{FF2B5EF4-FFF2-40B4-BE49-F238E27FC236}">
+                <a16:creationId xmlns:a16="http://schemas.microsoft.com/office/drawing/2014/main" id="{1A30F90B-0731-20CA-E914-48343967869A}"/>
+              </a:ext>
+            </a:extLst>
+          </p:cNvPr>
+          <p:cNvSpPr>
+            <a:spLocks noGrp="1"/>
+          </p:cNvSpPr>
+          <p:nvPr>
+            <p:ph type="subTitle" idx="1"/>
+          </p:nvPr>
+        </p:nvSpPr>
+        <p:spPr>
+          <a:xfrm>
+            <a:off x="152400" y="1602656"/>
+            <a:ext cx="7966356" cy="1826344"/>
+          </a:xfrm>
+        </p:spPr>
+        <p:txBody>
+          <a:bodyPr>
+            <a:normAutofit/>
+          </a:bodyPr>
+          <a:lstStyle/>
+          <a:p>
+            <a:pPr algn="l"/>
+            <a:r>
+              <a:rPr lang="es-MX" b="1" dirty="0"/>
+              <a:t>UPDATE </a:t>
+            </a:r>
+            <a:r>
+              <a:rPr lang="es-MX" dirty="0"/>
+              <a:t>[nombre de la tabla]</a:t>
+            </a:r>
+          </a:p>
+          <a:p>
+            <a:pPr algn="l"/>
+            <a:r>
+              <a:rPr lang="es-MX" b="1" dirty="0"/>
+              <a:t>SET</a:t>
+            </a:r>
+            <a:r>
+              <a:rPr lang="es-MX" dirty="0"/>
+              <a:t> [nombre de la columna] = [valor],</a:t>
+            </a:r>
+          </a:p>
+          <a:p>
+            <a:pPr algn="l"/>
+            <a:r>
+              <a:rPr lang="es-MX" dirty="0"/>
+              <a:t>[nombre de la columna] = [valor]</a:t>
+            </a:r>
+            <a:endParaRPr lang="es-MX" b="1" dirty="0"/>
+          </a:p>
+          <a:p>
+            <a:pPr algn="l"/>
+            <a:r>
+              <a:rPr lang="es-MX" b="1" dirty="0"/>
+              <a:t>WHERE</a:t>
+            </a:r>
+            <a:r>
+              <a:rPr lang="es-MX" dirty="0"/>
+              <a:t> [condición] </a:t>
+            </a:r>
+            <a:r>
+              <a:rPr lang="es-MX" b="1" dirty="0"/>
+              <a:t>;</a:t>
+            </a:r>
+          </a:p>
+        </p:txBody>
+      </p:sp>
+      <p:cxnSp>
+        <p:nvCxnSpPr>
+          <p:cNvPr id="5" name="Conector recto 4">
+            <a:extLst>
+              <a:ext uri="{FF2B5EF4-FFF2-40B4-BE49-F238E27FC236}">
+                <a16:creationId xmlns:a16="http://schemas.microsoft.com/office/drawing/2014/main" id="{8185E119-0A24-A724-B622-7DB91F3252A8}"/>
+              </a:ext>
+            </a:extLst>
+          </p:cNvPr>
+          <p:cNvCxnSpPr/>
+          <p:nvPr/>
+        </p:nvCxnSpPr>
+        <p:spPr>
+          <a:xfrm>
+            <a:off x="0" y="946872"/>
+            <a:ext cx="5472545" cy="0"/>
+          </a:xfrm>
+          <a:prstGeom prst="line">
+            <a:avLst/>
+          </a:prstGeom>
+          <a:ln w="38100">
+            <a:solidFill>
+              <a:srgbClr val="7030A0"/>
+            </a:solidFill>
+          </a:ln>
+        </p:spPr>
+        <p:style>
+          <a:lnRef idx="1">
+            <a:schemeClr val="accent1"/>
+          </a:lnRef>
+          <a:fillRef idx="0">
+            <a:schemeClr val="accent1"/>
+          </a:fillRef>
+          <a:effectRef idx="0">
+            <a:schemeClr val="accent1"/>
+          </a:effectRef>
+          <a:fontRef idx="minor">
+            <a:schemeClr val="tx1"/>
+          </a:fontRef>
+        </p:style>
+      </p:cxnSp>
+      <p:cxnSp>
+        <p:nvCxnSpPr>
+          <p:cNvPr id="6" name="Conector recto 5">
+            <a:extLst>
+              <a:ext uri="{FF2B5EF4-FFF2-40B4-BE49-F238E27FC236}">
+                <a16:creationId xmlns:a16="http://schemas.microsoft.com/office/drawing/2014/main" id="{BEFC1D1B-E623-58C6-AEC5-FBF9FC0A9DBC}"/>
+              </a:ext>
+            </a:extLst>
+          </p:cNvPr>
+          <p:cNvCxnSpPr>
+            <a:cxnSpLocks/>
+          </p:cNvCxnSpPr>
+          <p:nvPr/>
+        </p:nvCxnSpPr>
+        <p:spPr>
+          <a:xfrm flipV="1">
+            <a:off x="8257309" y="0"/>
+            <a:ext cx="0" cy="6858000"/>
+          </a:xfrm>
+          <a:prstGeom prst="line">
+            <a:avLst/>
+          </a:prstGeom>
+          <a:ln w="38100">
+            <a:solidFill>
+              <a:srgbClr val="7030A0"/>
+            </a:solidFill>
+          </a:ln>
+        </p:spPr>
+        <p:style>
+          <a:lnRef idx="1">
+            <a:schemeClr val="accent1"/>
+          </a:lnRef>
+          <a:fillRef idx="0">
+            <a:schemeClr val="accent1"/>
+          </a:fillRef>
+          <a:effectRef idx="0">
+            <a:schemeClr val="accent1"/>
+          </a:effectRef>
+          <a:fontRef idx="minor">
+            <a:schemeClr val="tx1"/>
+          </a:fontRef>
+        </p:style>
+      </p:cxnSp>
+      <p:sp>
+        <p:nvSpPr>
+          <p:cNvPr id="9" name="Subtítulo 2">
+            <a:extLst>
+              <a:ext uri="{FF2B5EF4-FFF2-40B4-BE49-F238E27FC236}">
+                <a16:creationId xmlns:a16="http://schemas.microsoft.com/office/drawing/2014/main" id="{B2F69EEF-1183-1D61-4B75-D786FD98E6A3}"/>
+              </a:ext>
+            </a:extLst>
+          </p:cNvPr>
+          <p:cNvSpPr txBox="1">
+            <a:spLocks/>
+          </p:cNvSpPr>
+          <p:nvPr/>
+        </p:nvSpPr>
+        <p:spPr>
+          <a:xfrm>
+            <a:off x="8285019" y="1602654"/>
+            <a:ext cx="3906981" cy="1154126"/>
+          </a:xfrm>
+          <a:prstGeom prst="rect">
+            <a:avLst/>
+          </a:prstGeom>
+        </p:spPr>
+        <p:txBody>
+          <a:bodyPr vert="horz" lIns="91440" tIns="45720" rIns="91440" bIns="45720" rtlCol="0">
+            <a:normAutofit/>
+          </a:bodyPr>
+          <a:lstStyle>
+            <a:lvl1pPr marL="0" indent="0" algn="ctr" defTabSz="914400" rtl="0" eaLnBrk="1" latinLnBrk="0" hangingPunct="1">
+              <a:lnSpc>
+                <a:spcPct val="90000"/>
+              </a:lnSpc>
+              <a:spcBef>
+                <a:spcPts val="1000"/>
+              </a:spcBef>
+              <a:buFont typeface="Arial" panose="020B0604020202020204" pitchFamily="34" charset="0"/>
+              <a:buNone/>
+              <a:defRPr sz="2400" kern="1200">
+                <a:solidFill>
+                  <a:schemeClr val="tx1"/>
+                </a:solidFill>
+                <a:latin typeface="+mn-lt"/>
+                <a:ea typeface="+mn-ea"/>
+                <a:cs typeface="+mn-cs"/>
+              </a:defRPr>
+            </a:lvl1pPr>
+            <a:lvl2pPr marL="457200" indent="0" algn="ctr" defTabSz="914400" rtl="0" eaLnBrk="1" latinLnBrk="0" hangingPunct="1">
+              <a:lnSpc>
+                <a:spcPct val="90000"/>
+              </a:lnSpc>
+              <a:spcBef>
+                <a:spcPts val="500"/>
+              </a:spcBef>
+              <a:buFont typeface="Arial" panose="020B0604020202020204" pitchFamily="34" charset="0"/>
+              <a:buNone/>
+              <a:defRPr sz="2000" kern="1200">
+                <a:solidFill>
+                  <a:schemeClr val="tx1"/>
+                </a:solidFill>
+                <a:latin typeface="+mn-lt"/>
+                <a:ea typeface="+mn-ea"/>
+                <a:cs typeface="+mn-cs"/>
+              </a:defRPr>
+            </a:lvl2pPr>
+            <a:lvl3pPr marL="914400" indent="0" algn="ctr" defTabSz="914400" rtl="0" eaLnBrk="1" latinLnBrk="0" hangingPunct="1">
+              <a:lnSpc>
+                <a:spcPct val="90000"/>
+              </a:lnSpc>
+              <a:spcBef>
+                <a:spcPts val="500"/>
+              </a:spcBef>
+              <a:buFont typeface="Arial" panose="020B0604020202020204" pitchFamily="34" charset="0"/>
+              <a:buNone/>
+              <a:defRPr sz="1800" kern="1200">
+                <a:solidFill>
+                  <a:schemeClr val="tx1"/>
+                </a:solidFill>
+                <a:latin typeface="+mn-lt"/>
+                <a:ea typeface="+mn-ea"/>
+                <a:cs typeface="+mn-cs"/>
+              </a:defRPr>
+            </a:lvl3pPr>
+            <a:lvl4pPr marL="1371600" indent="0" algn="ctr" defTabSz="914400" rtl="0" eaLnBrk="1" latinLnBrk="0" hangingPunct="1">
+              <a:lnSpc>
+                <a:spcPct val="90000"/>
+              </a:lnSpc>
+              <a:spcBef>
+                <a:spcPts val="500"/>
+              </a:spcBef>
+              <a:buFont typeface="Arial" panose="020B0604020202020204" pitchFamily="34" charset="0"/>
+              <a:buNone/>
+              <a:defRPr sz="1600" kern="1200">
+                <a:solidFill>
+                  <a:schemeClr val="tx1"/>
+                </a:solidFill>
+                <a:latin typeface="+mn-lt"/>
+                <a:ea typeface="+mn-ea"/>
+                <a:cs typeface="+mn-cs"/>
+              </a:defRPr>
+            </a:lvl4pPr>
+            <a:lvl5pPr marL="1828800" indent="0" algn="ctr" defTabSz="914400" rtl="0" eaLnBrk="1" latinLnBrk="0" hangingPunct="1">
+              <a:lnSpc>
+                <a:spcPct val="90000"/>
+              </a:lnSpc>
+              <a:spcBef>
+                <a:spcPts val="500"/>
+              </a:spcBef>
+              <a:buFont typeface="Arial" panose="020B0604020202020204" pitchFamily="34" charset="0"/>
+              <a:buNone/>
+              <a:defRPr sz="1600" kern="1200">
+                <a:solidFill>
+                  <a:schemeClr val="tx1"/>
+                </a:solidFill>
+                <a:latin typeface="+mn-lt"/>
+                <a:ea typeface="+mn-ea"/>
+                <a:cs typeface="+mn-cs"/>
+              </a:defRPr>
+            </a:lvl5pPr>
+            <a:lvl6pPr marL="2286000" indent="0" algn="ctr" defTabSz="914400" rtl="0" eaLnBrk="1" latinLnBrk="0" hangingPunct="1">
+              <a:lnSpc>
+                <a:spcPct val="90000"/>
+              </a:lnSpc>
+              <a:spcBef>
+                <a:spcPts val="500"/>
+              </a:spcBef>
+              <a:buFont typeface="Arial" panose="020B0604020202020204" pitchFamily="34" charset="0"/>
+              <a:buNone/>
+              <a:defRPr sz="1600" kern="1200">
+                <a:solidFill>
+                  <a:schemeClr val="tx1"/>
+                </a:solidFill>
+                <a:latin typeface="+mn-lt"/>
+                <a:ea typeface="+mn-ea"/>
+                <a:cs typeface="+mn-cs"/>
+              </a:defRPr>
+            </a:lvl6pPr>
+            <a:lvl7pPr marL="2743200" indent="0" algn="ctr" defTabSz="914400" rtl="0" eaLnBrk="1" latinLnBrk="0" hangingPunct="1">
+              <a:lnSpc>
+                <a:spcPct val="90000"/>
+              </a:lnSpc>
+              <a:spcBef>
+                <a:spcPts val="500"/>
+              </a:spcBef>
+              <a:buFont typeface="Arial" panose="020B0604020202020204" pitchFamily="34" charset="0"/>
+              <a:buNone/>
+              <a:defRPr sz="1600" kern="1200">
+                <a:solidFill>
+                  <a:schemeClr val="tx1"/>
+                </a:solidFill>
+                <a:latin typeface="+mn-lt"/>
+                <a:ea typeface="+mn-ea"/>
+                <a:cs typeface="+mn-cs"/>
+              </a:defRPr>
+            </a:lvl7pPr>
+            <a:lvl8pPr marL="3200400" indent="0" algn="ctr" defTabSz="914400" rtl="0" eaLnBrk="1" latinLnBrk="0" hangingPunct="1">
+              <a:lnSpc>
+                <a:spcPct val="90000"/>
+              </a:lnSpc>
+              <a:spcBef>
+                <a:spcPts val="500"/>
+              </a:spcBef>
+              <a:buFont typeface="Arial" panose="020B0604020202020204" pitchFamily="34" charset="0"/>
+              <a:buNone/>
+              <a:defRPr sz="1600" kern="1200">
+                <a:solidFill>
+                  <a:schemeClr val="tx1"/>
+                </a:solidFill>
+                <a:latin typeface="+mn-lt"/>
+                <a:ea typeface="+mn-ea"/>
+                <a:cs typeface="+mn-cs"/>
+              </a:defRPr>
+            </a:lvl8pPr>
+            <a:lvl9pPr marL="3657600" indent="0" algn="ctr" defTabSz="914400" rtl="0" eaLnBrk="1" latinLnBrk="0" hangingPunct="1">
+              <a:lnSpc>
+                <a:spcPct val="90000"/>
+              </a:lnSpc>
+              <a:spcBef>
+                <a:spcPts val="500"/>
+              </a:spcBef>
+              <a:buFont typeface="Arial" panose="020B0604020202020204" pitchFamily="34" charset="0"/>
+              <a:buNone/>
+              <a:defRPr sz="1600" kern="1200">
+                <a:solidFill>
+                  <a:schemeClr val="tx1"/>
+                </a:solidFill>
+                <a:latin typeface="+mn-lt"/>
+                <a:ea typeface="+mn-ea"/>
+                <a:cs typeface="+mn-cs"/>
+              </a:defRPr>
+            </a:lvl9pPr>
+          </a:lstStyle>
+          <a:p>
+            <a:pPr algn="l"/>
+            <a:r>
+              <a:rPr lang="es-MX" sz="1600" dirty="0"/>
+              <a:t>+ Es útil para cambiar el valor de algunas columnas (campos) para un registro en específico (o conjunto de ellos que cumplan una condición</a:t>
+            </a:r>
+          </a:p>
+        </p:txBody>
+      </p:sp>
+      <p:sp>
+        <p:nvSpPr>
+          <p:cNvPr id="10" name="Subtítulo 2">
+            <a:extLst>
+              <a:ext uri="{FF2B5EF4-FFF2-40B4-BE49-F238E27FC236}">
+                <a16:creationId xmlns:a16="http://schemas.microsoft.com/office/drawing/2014/main" id="{8A02A2A7-A6C8-DBB2-E133-9ACF1096ED9D}"/>
+              </a:ext>
+            </a:extLst>
+          </p:cNvPr>
+          <p:cNvSpPr txBox="1">
+            <a:spLocks/>
+          </p:cNvSpPr>
+          <p:nvPr/>
+        </p:nvSpPr>
+        <p:spPr>
+          <a:xfrm>
+            <a:off x="152391" y="4036263"/>
+            <a:ext cx="7966363" cy="796633"/>
+          </a:xfrm>
+          <a:prstGeom prst="rect">
+            <a:avLst/>
+          </a:prstGeom>
+        </p:spPr>
+        <p:txBody>
+          <a:bodyPr vert="horz" lIns="91440" tIns="45720" rIns="91440" bIns="45720" rtlCol="0">
+            <a:normAutofit/>
+          </a:bodyPr>
+          <a:lstStyle>
+            <a:lvl1pPr marL="0" indent="0" algn="ctr" defTabSz="914400" rtl="0" eaLnBrk="1" latinLnBrk="0" hangingPunct="1">
+              <a:lnSpc>
+                <a:spcPct val="90000"/>
+              </a:lnSpc>
+              <a:spcBef>
+                <a:spcPts val="1000"/>
+              </a:spcBef>
+              <a:buFont typeface="Arial" panose="020B0604020202020204" pitchFamily="34" charset="0"/>
+              <a:buNone/>
+              <a:defRPr sz="2400" kern="1200">
+                <a:solidFill>
+                  <a:schemeClr val="tx1"/>
+                </a:solidFill>
+                <a:latin typeface="+mn-lt"/>
+                <a:ea typeface="+mn-ea"/>
+                <a:cs typeface="+mn-cs"/>
+              </a:defRPr>
+            </a:lvl1pPr>
+            <a:lvl2pPr marL="457200" indent="0" algn="ctr" defTabSz="914400" rtl="0" eaLnBrk="1" latinLnBrk="0" hangingPunct="1">
+              <a:lnSpc>
+                <a:spcPct val="90000"/>
+              </a:lnSpc>
+              <a:spcBef>
+                <a:spcPts val="500"/>
+              </a:spcBef>
+              <a:buFont typeface="Arial" panose="020B0604020202020204" pitchFamily="34" charset="0"/>
+              <a:buNone/>
+              <a:defRPr sz="2000" kern="1200">
+                <a:solidFill>
+                  <a:schemeClr val="tx1"/>
+                </a:solidFill>
+                <a:latin typeface="+mn-lt"/>
+                <a:ea typeface="+mn-ea"/>
+                <a:cs typeface="+mn-cs"/>
+              </a:defRPr>
+            </a:lvl2pPr>
+            <a:lvl3pPr marL="914400" indent="0" algn="ctr" defTabSz="914400" rtl="0" eaLnBrk="1" latinLnBrk="0" hangingPunct="1">
+              <a:lnSpc>
+                <a:spcPct val="90000"/>
+              </a:lnSpc>
+              <a:spcBef>
+                <a:spcPts val="500"/>
+              </a:spcBef>
+              <a:buFont typeface="Arial" panose="020B0604020202020204" pitchFamily="34" charset="0"/>
+              <a:buNone/>
+              <a:defRPr sz="1800" kern="1200">
+                <a:solidFill>
+                  <a:schemeClr val="tx1"/>
+                </a:solidFill>
+                <a:latin typeface="+mn-lt"/>
+                <a:ea typeface="+mn-ea"/>
+                <a:cs typeface="+mn-cs"/>
+              </a:defRPr>
+            </a:lvl3pPr>
+            <a:lvl4pPr marL="1371600" indent="0" algn="ctr" defTabSz="914400" rtl="0" eaLnBrk="1" latinLnBrk="0" hangingPunct="1">
+              <a:lnSpc>
+                <a:spcPct val="90000"/>
+              </a:lnSpc>
+              <a:spcBef>
+                <a:spcPts val="500"/>
+              </a:spcBef>
+              <a:buFont typeface="Arial" panose="020B0604020202020204" pitchFamily="34" charset="0"/>
+              <a:buNone/>
+              <a:defRPr sz="1600" kern="1200">
+                <a:solidFill>
+                  <a:schemeClr val="tx1"/>
+                </a:solidFill>
+                <a:latin typeface="+mn-lt"/>
+                <a:ea typeface="+mn-ea"/>
+                <a:cs typeface="+mn-cs"/>
+              </a:defRPr>
+            </a:lvl4pPr>
+            <a:lvl5pPr marL="1828800" indent="0" algn="ctr" defTabSz="914400" rtl="0" eaLnBrk="1" latinLnBrk="0" hangingPunct="1">
+              <a:lnSpc>
+                <a:spcPct val="90000"/>
+              </a:lnSpc>
+              <a:spcBef>
+                <a:spcPts val="500"/>
+              </a:spcBef>
+              <a:buFont typeface="Arial" panose="020B0604020202020204" pitchFamily="34" charset="0"/>
+              <a:buNone/>
+              <a:defRPr sz="1600" kern="1200">
+                <a:solidFill>
+                  <a:schemeClr val="tx1"/>
+                </a:solidFill>
+                <a:latin typeface="+mn-lt"/>
+                <a:ea typeface="+mn-ea"/>
+                <a:cs typeface="+mn-cs"/>
+              </a:defRPr>
+            </a:lvl5pPr>
+            <a:lvl6pPr marL="2286000" indent="0" algn="ctr" defTabSz="914400" rtl="0" eaLnBrk="1" latinLnBrk="0" hangingPunct="1">
+              <a:lnSpc>
+                <a:spcPct val="90000"/>
+              </a:lnSpc>
+              <a:spcBef>
+                <a:spcPts val="500"/>
+              </a:spcBef>
+              <a:buFont typeface="Arial" panose="020B0604020202020204" pitchFamily="34" charset="0"/>
+              <a:buNone/>
+              <a:defRPr sz="1600" kern="1200">
+                <a:solidFill>
+                  <a:schemeClr val="tx1"/>
+                </a:solidFill>
+                <a:latin typeface="+mn-lt"/>
+                <a:ea typeface="+mn-ea"/>
+                <a:cs typeface="+mn-cs"/>
+              </a:defRPr>
+            </a:lvl6pPr>
+            <a:lvl7pPr marL="2743200" indent="0" algn="ctr" defTabSz="914400" rtl="0" eaLnBrk="1" latinLnBrk="0" hangingPunct="1">
+              <a:lnSpc>
+                <a:spcPct val="90000"/>
+              </a:lnSpc>
+              <a:spcBef>
+                <a:spcPts val="500"/>
+              </a:spcBef>
+              <a:buFont typeface="Arial" panose="020B0604020202020204" pitchFamily="34" charset="0"/>
+              <a:buNone/>
+              <a:defRPr sz="1600" kern="1200">
+                <a:solidFill>
+                  <a:schemeClr val="tx1"/>
+                </a:solidFill>
+                <a:latin typeface="+mn-lt"/>
+                <a:ea typeface="+mn-ea"/>
+                <a:cs typeface="+mn-cs"/>
+              </a:defRPr>
+            </a:lvl7pPr>
+            <a:lvl8pPr marL="3200400" indent="0" algn="ctr" defTabSz="914400" rtl="0" eaLnBrk="1" latinLnBrk="0" hangingPunct="1">
+              <a:lnSpc>
+                <a:spcPct val="90000"/>
+              </a:lnSpc>
+              <a:spcBef>
+                <a:spcPts val="500"/>
+              </a:spcBef>
+              <a:buFont typeface="Arial" panose="020B0604020202020204" pitchFamily="34" charset="0"/>
+              <a:buNone/>
+              <a:defRPr sz="1600" kern="1200">
+                <a:solidFill>
+                  <a:schemeClr val="tx1"/>
+                </a:solidFill>
+                <a:latin typeface="+mn-lt"/>
+                <a:ea typeface="+mn-ea"/>
+                <a:cs typeface="+mn-cs"/>
+              </a:defRPr>
+            </a:lvl8pPr>
+            <a:lvl9pPr marL="3657600" indent="0" algn="ctr" defTabSz="914400" rtl="0" eaLnBrk="1" latinLnBrk="0" hangingPunct="1">
+              <a:lnSpc>
+                <a:spcPct val="90000"/>
+              </a:lnSpc>
+              <a:spcBef>
+                <a:spcPts val="500"/>
+              </a:spcBef>
+              <a:buFont typeface="Arial" panose="020B0604020202020204" pitchFamily="34" charset="0"/>
+              <a:buNone/>
+              <a:defRPr sz="1600" kern="1200">
+                <a:solidFill>
+                  <a:schemeClr val="tx1"/>
+                </a:solidFill>
+                <a:latin typeface="+mn-lt"/>
+                <a:ea typeface="+mn-ea"/>
+                <a:cs typeface="+mn-cs"/>
+              </a:defRPr>
+            </a:lvl9pPr>
+          </a:lstStyle>
+          <a:p>
+            <a:pPr algn="l"/>
+            <a:r>
+              <a:rPr lang="es-MX" sz="2000" b="1" dirty="0">
+                <a:solidFill>
+                  <a:schemeClr val="accent1"/>
+                </a:solidFill>
+              </a:rPr>
+              <a:t>UPDATE</a:t>
+            </a:r>
+            <a:r>
+              <a:rPr lang="es-MX" sz="2000" dirty="0">
+                <a:solidFill>
+                  <a:schemeClr val="accent1"/>
+                </a:solidFill>
+              </a:rPr>
+              <a:t> </a:t>
+            </a:r>
+            <a:r>
+              <a:rPr lang="es-MX" sz="2000" dirty="0" err="1">
+                <a:solidFill>
+                  <a:schemeClr val="accent1"/>
+                </a:solidFill>
+              </a:rPr>
+              <a:t>tabla_clientes</a:t>
+            </a:r>
+            <a:r>
+              <a:rPr lang="es-MX" sz="2000" b="1" dirty="0">
+                <a:solidFill>
+                  <a:schemeClr val="accent1"/>
+                </a:solidFill>
+              </a:rPr>
+              <a:t> </a:t>
+            </a:r>
+          </a:p>
+          <a:p>
+            <a:pPr algn="l"/>
+            <a:r>
+              <a:rPr lang="es-MX" sz="2000" b="1" dirty="0">
+                <a:solidFill>
+                  <a:schemeClr val="accent1"/>
+                </a:solidFill>
+              </a:rPr>
+              <a:t>SET</a:t>
+            </a:r>
+            <a:r>
+              <a:rPr lang="es-MX" sz="2000" dirty="0">
+                <a:solidFill>
+                  <a:schemeClr val="accent1"/>
+                </a:solidFill>
+              </a:rPr>
+              <a:t> apellido=‘</a:t>
+            </a:r>
+            <a:r>
+              <a:rPr lang="es-MX" sz="2000" dirty="0" err="1">
+                <a:solidFill>
+                  <a:schemeClr val="accent1"/>
+                </a:solidFill>
+              </a:rPr>
+              <a:t>Perez</a:t>
+            </a:r>
+            <a:r>
+              <a:rPr lang="es-MX" sz="2000" dirty="0">
+                <a:solidFill>
+                  <a:schemeClr val="accent1"/>
+                </a:solidFill>
+              </a:rPr>
+              <a:t>’, edad=17 </a:t>
+            </a:r>
+            <a:r>
+              <a:rPr lang="es-MX" sz="2000" b="1" dirty="0">
+                <a:solidFill>
+                  <a:schemeClr val="accent1"/>
+                </a:solidFill>
+              </a:rPr>
+              <a:t>WHERE</a:t>
+            </a:r>
+            <a:r>
+              <a:rPr lang="es-MX" sz="2000" dirty="0">
+                <a:solidFill>
+                  <a:schemeClr val="accent1"/>
+                </a:solidFill>
+              </a:rPr>
+              <a:t> </a:t>
+            </a:r>
+            <a:r>
+              <a:rPr lang="es-MX" sz="2000" dirty="0" err="1">
+                <a:solidFill>
+                  <a:schemeClr val="accent1"/>
+                </a:solidFill>
+              </a:rPr>
+              <a:t>id_cliente</a:t>
+            </a:r>
+            <a:r>
+              <a:rPr lang="es-MX" sz="2000" dirty="0">
+                <a:solidFill>
+                  <a:schemeClr val="accent1"/>
+                </a:solidFill>
+              </a:rPr>
+              <a:t>=2 </a:t>
+            </a:r>
+            <a:r>
+              <a:rPr lang="es-MX" sz="2000" b="1" dirty="0">
+                <a:solidFill>
+                  <a:schemeClr val="accent1"/>
+                </a:solidFill>
+              </a:rPr>
+              <a:t>;</a:t>
+            </a:r>
+          </a:p>
+        </p:txBody>
+      </p:sp>
+      <p:sp>
+        <p:nvSpPr>
+          <p:cNvPr id="4" name="Subtítulo 2">
+            <a:extLst>
+              <a:ext uri="{FF2B5EF4-FFF2-40B4-BE49-F238E27FC236}">
+                <a16:creationId xmlns:a16="http://schemas.microsoft.com/office/drawing/2014/main" id="{535B85CF-C9B2-EB9F-DE7E-93F0C263DD80}"/>
+              </a:ext>
+            </a:extLst>
+          </p:cNvPr>
+          <p:cNvSpPr txBox="1">
+            <a:spLocks/>
+          </p:cNvSpPr>
+          <p:nvPr/>
+        </p:nvSpPr>
+        <p:spPr>
+          <a:xfrm>
+            <a:off x="8285019" y="4101220"/>
+            <a:ext cx="3906981" cy="822092"/>
+          </a:xfrm>
+          <a:prstGeom prst="rect">
+            <a:avLst/>
+          </a:prstGeom>
+        </p:spPr>
+        <p:txBody>
+          <a:bodyPr vert="horz" lIns="91440" tIns="45720" rIns="91440" bIns="45720" rtlCol="0">
+            <a:normAutofit/>
+          </a:bodyPr>
+          <a:lstStyle>
+            <a:lvl1pPr marL="0" indent="0" algn="ctr" defTabSz="914400" rtl="0" eaLnBrk="1" latinLnBrk="0" hangingPunct="1">
+              <a:lnSpc>
+                <a:spcPct val="90000"/>
+              </a:lnSpc>
+              <a:spcBef>
+                <a:spcPts val="1000"/>
+              </a:spcBef>
+              <a:buFont typeface="Arial" panose="020B0604020202020204" pitchFamily="34" charset="0"/>
+              <a:buNone/>
+              <a:defRPr sz="2400" kern="1200">
+                <a:solidFill>
+                  <a:schemeClr val="tx1"/>
+                </a:solidFill>
+                <a:latin typeface="+mn-lt"/>
+                <a:ea typeface="+mn-ea"/>
+                <a:cs typeface="+mn-cs"/>
+              </a:defRPr>
+            </a:lvl1pPr>
+            <a:lvl2pPr marL="457200" indent="0" algn="ctr" defTabSz="914400" rtl="0" eaLnBrk="1" latinLnBrk="0" hangingPunct="1">
+              <a:lnSpc>
+                <a:spcPct val="90000"/>
+              </a:lnSpc>
+              <a:spcBef>
+                <a:spcPts val="500"/>
+              </a:spcBef>
+              <a:buFont typeface="Arial" panose="020B0604020202020204" pitchFamily="34" charset="0"/>
+              <a:buNone/>
+              <a:defRPr sz="2000" kern="1200">
+                <a:solidFill>
+                  <a:schemeClr val="tx1"/>
+                </a:solidFill>
+                <a:latin typeface="+mn-lt"/>
+                <a:ea typeface="+mn-ea"/>
+                <a:cs typeface="+mn-cs"/>
+              </a:defRPr>
+            </a:lvl2pPr>
+            <a:lvl3pPr marL="914400" indent="0" algn="ctr" defTabSz="914400" rtl="0" eaLnBrk="1" latinLnBrk="0" hangingPunct="1">
+              <a:lnSpc>
+                <a:spcPct val="90000"/>
+              </a:lnSpc>
+              <a:spcBef>
+                <a:spcPts val="500"/>
+              </a:spcBef>
+              <a:buFont typeface="Arial" panose="020B0604020202020204" pitchFamily="34" charset="0"/>
+              <a:buNone/>
+              <a:defRPr sz="1800" kern="1200">
+                <a:solidFill>
+                  <a:schemeClr val="tx1"/>
+                </a:solidFill>
+                <a:latin typeface="+mn-lt"/>
+                <a:ea typeface="+mn-ea"/>
+                <a:cs typeface="+mn-cs"/>
+              </a:defRPr>
+            </a:lvl3pPr>
+            <a:lvl4pPr marL="1371600" indent="0" algn="ctr" defTabSz="914400" rtl="0" eaLnBrk="1" latinLnBrk="0" hangingPunct="1">
+              <a:lnSpc>
+                <a:spcPct val="90000"/>
+              </a:lnSpc>
+              <a:spcBef>
+                <a:spcPts val="500"/>
+              </a:spcBef>
+              <a:buFont typeface="Arial" panose="020B0604020202020204" pitchFamily="34" charset="0"/>
+              <a:buNone/>
+              <a:defRPr sz="1600" kern="1200">
+                <a:solidFill>
+                  <a:schemeClr val="tx1"/>
+                </a:solidFill>
+                <a:latin typeface="+mn-lt"/>
+                <a:ea typeface="+mn-ea"/>
+                <a:cs typeface="+mn-cs"/>
+              </a:defRPr>
+            </a:lvl4pPr>
+            <a:lvl5pPr marL="1828800" indent="0" algn="ctr" defTabSz="914400" rtl="0" eaLnBrk="1" latinLnBrk="0" hangingPunct="1">
+              <a:lnSpc>
+                <a:spcPct val="90000"/>
+              </a:lnSpc>
+              <a:spcBef>
+                <a:spcPts val="500"/>
+              </a:spcBef>
+              <a:buFont typeface="Arial" panose="020B0604020202020204" pitchFamily="34" charset="0"/>
+              <a:buNone/>
+              <a:defRPr sz="1600" kern="1200">
+                <a:solidFill>
+                  <a:schemeClr val="tx1"/>
+                </a:solidFill>
+                <a:latin typeface="+mn-lt"/>
+                <a:ea typeface="+mn-ea"/>
+                <a:cs typeface="+mn-cs"/>
+              </a:defRPr>
+            </a:lvl5pPr>
+            <a:lvl6pPr marL="2286000" indent="0" algn="ctr" defTabSz="914400" rtl="0" eaLnBrk="1" latinLnBrk="0" hangingPunct="1">
+              <a:lnSpc>
+                <a:spcPct val="90000"/>
+              </a:lnSpc>
+              <a:spcBef>
+                <a:spcPts val="500"/>
+              </a:spcBef>
+              <a:buFont typeface="Arial" panose="020B0604020202020204" pitchFamily="34" charset="0"/>
+              <a:buNone/>
+              <a:defRPr sz="1600" kern="1200">
+                <a:solidFill>
+                  <a:schemeClr val="tx1"/>
+                </a:solidFill>
+                <a:latin typeface="+mn-lt"/>
+                <a:ea typeface="+mn-ea"/>
+                <a:cs typeface="+mn-cs"/>
+              </a:defRPr>
+            </a:lvl6pPr>
+            <a:lvl7pPr marL="2743200" indent="0" algn="ctr" defTabSz="914400" rtl="0" eaLnBrk="1" latinLnBrk="0" hangingPunct="1">
+              <a:lnSpc>
+                <a:spcPct val="90000"/>
+              </a:lnSpc>
+              <a:spcBef>
+                <a:spcPts val="500"/>
+              </a:spcBef>
+              <a:buFont typeface="Arial" panose="020B0604020202020204" pitchFamily="34" charset="0"/>
+              <a:buNone/>
+              <a:defRPr sz="1600" kern="1200">
+                <a:solidFill>
+                  <a:schemeClr val="tx1"/>
+                </a:solidFill>
+                <a:latin typeface="+mn-lt"/>
+                <a:ea typeface="+mn-ea"/>
+                <a:cs typeface="+mn-cs"/>
+              </a:defRPr>
+            </a:lvl7pPr>
+            <a:lvl8pPr marL="3200400" indent="0" algn="ctr" defTabSz="914400" rtl="0" eaLnBrk="1" latinLnBrk="0" hangingPunct="1">
+              <a:lnSpc>
+                <a:spcPct val="90000"/>
+              </a:lnSpc>
+              <a:spcBef>
+                <a:spcPts val="500"/>
+              </a:spcBef>
+              <a:buFont typeface="Arial" panose="020B0604020202020204" pitchFamily="34" charset="0"/>
+              <a:buNone/>
+              <a:defRPr sz="1600" kern="1200">
+                <a:solidFill>
+                  <a:schemeClr val="tx1"/>
+                </a:solidFill>
+                <a:latin typeface="+mn-lt"/>
+                <a:ea typeface="+mn-ea"/>
+                <a:cs typeface="+mn-cs"/>
+              </a:defRPr>
+            </a:lvl8pPr>
+            <a:lvl9pPr marL="3657600" indent="0" algn="ctr" defTabSz="914400" rtl="0" eaLnBrk="1" latinLnBrk="0" hangingPunct="1">
+              <a:lnSpc>
+                <a:spcPct val="90000"/>
+              </a:lnSpc>
+              <a:spcBef>
+                <a:spcPts val="500"/>
+              </a:spcBef>
+              <a:buFont typeface="Arial" panose="020B0604020202020204" pitchFamily="34" charset="0"/>
+              <a:buNone/>
+              <a:defRPr sz="1600" kern="1200">
+                <a:solidFill>
+                  <a:schemeClr val="tx1"/>
+                </a:solidFill>
+                <a:latin typeface="+mn-lt"/>
+                <a:ea typeface="+mn-ea"/>
+                <a:cs typeface="+mn-cs"/>
+              </a:defRPr>
+            </a:lvl9pPr>
+          </a:lstStyle>
+          <a:p>
+            <a:pPr algn="l"/>
+            <a:r>
+              <a:rPr lang="es-MX" sz="1600" dirty="0"/>
+              <a:t>+ Estamos cambiando dos valores de un mismo registro</a:t>
+            </a:r>
+          </a:p>
+        </p:txBody>
+      </p:sp>
+      <p:sp>
+        <p:nvSpPr>
+          <p:cNvPr id="11" name="Subtítulo 2">
+            <a:extLst>
+              <a:ext uri="{FF2B5EF4-FFF2-40B4-BE49-F238E27FC236}">
+                <a16:creationId xmlns:a16="http://schemas.microsoft.com/office/drawing/2014/main" id="{6F521DCC-92EC-15A5-66E5-0961F47D9CED}"/>
+              </a:ext>
+            </a:extLst>
+          </p:cNvPr>
+          <p:cNvSpPr txBox="1">
+            <a:spLocks/>
+          </p:cNvSpPr>
+          <p:nvPr/>
+        </p:nvSpPr>
+        <p:spPr>
+          <a:xfrm>
+            <a:off x="152391" y="5255344"/>
+            <a:ext cx="7966363" cy="796633"/>
+          </a:xfrm>
+          <a:prstGeom prst="rect">
+            <a:avLst/>
+          </a:prstGeom>
+        </p:spPr>
+        <p:txBody>
+          <a:bodyPr vert="horz" lIns="91440" tIns="45720" rIns="91440" bIns="45720" rtlCol="0">
+            <a:normAutofit/>
+          </a:bodyPr>
+          <a:lstStyle>
+            <a:lvl1pPr marL="0" indent="0" algn="ctr" defTabSz="914400" rtl="0" eaLnBrk="1" latinLnBrk="0" hangingPunct="1">
+              <a:lnSpc>
+                <a:spcPct val="90000"/>
+              </a:lnSpc>
+              <a:spcBef>
+                <a:spcPts val="1000"/>
+              </a:spcBef>
+              <a:buFont typeface="Arial" panose="020B0604020202020204" pitchFamily="34" charset="0"/>
+              <a:buNone/>
+              <a:defRPr sz="2400" kern="1200">
+                <a:solidFill>
+                  <a:schemeClr val="tx1"/>
+                </a:solidFill>
+                <a:latin typeface="+mn-lt"/>
+                <a:ea typeface="+mn-ea"/>
+                <a:cs typeface="+mn-cs"/>
+              </a:defRPr>
+            </a:lvl1pPr>
+            <a:lvl2pPr marL="457200" indent="0" algn="ctr" defTabSz="914400" rtl="0" eaLnBrk="1" latinLnBrk="0" hangingPunct="1">
+              <a:lnSpc>
+                <a:spcPct val="90000"/>
+              </a:lnSpc>
+              <a:spcBef>
+                <a:spcPts val="500"/>
+              </a:spcBef>
+              <a:buFont typeface="Arial" panose="020B0604020202020204" pitchFamily="34" charset="0"/>
+              <a:buNone/>
+              <a:defRPr sz="2000" kern="1200">
+                <a:solidFill>
+                  <a:schemeClr val="tx1"/>
+                </a:solidFill>
+                <a:latin typeface="+mn-lt"/>
+                <a:ea typeface="+mn-ea"/>
+                <a:cs typeface="+mn-cs"/>
+              </a:defRPr>
+            </a:lvl2pPr>
+            <a:lvl3pPr marL="914400" indent="0" algn="ctr" defTabSz="914400" rtl="0" eaLnBrk="1" latinLnBrk="0" hangingPunct="1">
+              <a:lnSpc>
+                <a:spcPct val="90000"/>
+              </a:lnSpc>
+              <a:spcBef>
+                <a:spcPts val="500"/>
+              </a:spcBef>
+              <a:buFont typeface="Arial" panose="020B0604020202020204" pitchFamily="34" charset="0"/>
+              <a:buNone/>
+              <a:defRPr sz="1800" kern="1200">
+                <a:solidFill>
+                  <a:schemeClr val="tx1"/>
+                </a:solidFill>
+                <a:latin typeface="+mn-lt"/>
+                <a:ea typeface="+mn-ea"/>
+                <a:cs typeface="+mn-cs"/>
+              </a:defRPr>
+            </a:lvl3pPr>
+            <a:lvl4pPr marL="1371600" indent="0" algn="ctr" defTabSz="914400" rtl="0" eaLnBrk="1" latinLnBrk="0" hangingPunct="1">
+              <a:lnSpc>
+                <a:spcPct val="90000"/>
+              </a:lnSpc>
+              <a:spcBef>
+                <a:spcPts val="500"/>
+              </a:spcBef>
+              <a:buFont typeface="Arial" panose="020B0604020202020204" pitchFamily="34" charset="0"/>
+              <a:buNone/>
+              <a:defRPr sz="1600" kern="1200">
+                <a:solidFill>
+                  <a:schemeClr val="tx1"/>
+                </a:solidFill>
+                <a:latin typeface="+mn-lt"/>
+                <a:ea typeface="+mn-ea"/>
+                <a:cs typeface="+mn-cs"/>
+              </a:defRPr>
+            </a:lvl4pPr>
+            <a:lvl5pPr marL="1828800" indent="0" algn="ctr" defTabSz="914400" rtl="0" eaLnBrk="1" latinLnBrk="0" hangingPunct="1">
+              <a:lnSpc>
+                <a:spcPct val="90000"/>
+              </a:lnSpc>
+              <a:spcBef>
+                <a:spcPts val="500"/>
+              </a:spcBef>
+              <a:buFont typeface="Arial" panose="020B0604020202020204" pitchFamily="34" charset="0"/>
+              <a:buNone/>
+              <a:defRPr sz="1600" kern="1200">
+                <a:solidFill>
+                  <a:schemeClr val="tx1"/>
+                </a:solidFill>
+                <a:latin typeface="+mn-lt"/>
+                <a:ea typeface="+mn-ea"/>
+                <a:cs typeface="+mn-cs"/>
+              </a:defRPr>
+            </a:lvl5pPr>
+            <a:lvl6pPr marL="2286000" indent="0" algn="ctr" defTabSz="914400" rtl="0" eaLnBrk="1" latinLnBrk="0" hangingPunct="1">
+              <a:lnSpc>
+                <a:spcPct val="90000"/>
+              </a:lnSpc>
+              <a:spcBef>
+                <a:spcPts val="500"/>
+              </a:spcBef>
+              <a:buFont typeface="Arial" panose="020B0604020202020204" pitchFamily="34" charset="0"/>
+              <a:buNone/>
+              <a:defRPr sz="1600" kern="1200">
+                <a:solidFill>
+                  <a:schemeClr val="tx1"/>
+                </a:solidFill>
+                <a:latin typeface="+mn-lt"/>
+                <a:ea typeface="+mn-ea"/>
+                <a:cs typeface="+mn-cs"/>
+              </a:defRPr>
+            </a:lvl6pPr>
+            <a:lvl7pPr marL="2743200" indent="0" algn="ctr" defTabSz="914400" rtl="0" eaLnBrk="1" latinLnBrk="0" hangingPunct="1">
+              <a:lnSpc>
+                <a:spcPct val="90000"/>
+              </a:lnSpc>
+              <a:spcBef>
+                <a:spcPts val="500"/>
+              </a:spcBef>
+              <a:buFont typeface="Arial" panose="020B0604020202020204" pitchFamily="34" charset="0"/>
+              <a:buNone/>
+              <a:defRPr sz="1600" kern="1200">
+                <a:solidFill>
+                  <a:schemeClr val="tx1"/>
+                </a:solidFill>
+                <a:latin typeface="+mn-lt"/>
+                <a:ea typeface="+mn-ea"/>
+                <a:cs typeface="+mn-cs"/>
+              </a:defRPr>
+            </a:lvl7pPr>
+            <a:lvl8pPr marL="3200400" indent="0" algn="ctr" defTabSz="914400" rtl="0" eaLnBrk="1" latinLnBrk="0" hangingPunct="1">
+              <a:lnSpc>
+                <a:spcPct val="90000"/>
+              </a:lnSpc>
+              <a:spcBef>
+                <a:spcPts val="500"/>
+              </a:spcBef>
+              <a:buFont typeface="Arial" panose="020B0604020202020204" pitchFamily="34" charset="0"/>
+              <a:buNone/>
+              <a:defRPr sz="1600" kern="1200">
+                <a:solidFill>
+                  <a:schemeClr val="tx1"/>
+                </a:solidFill>
+                <a:latin typeface="+mn-lt"/>
+                <a:ea typeface="+mn-ea"/>
+                <a:cs typeface="+mn-cs"/>
+              </a:defRPr>
+            </a:lvl8pPr>
+            <a:lvl9pPr marL="3657600" indent="0" algn="ctr" defTabSz="914400" rtl="0" eaLnBrk="1" latinLnBrk="0" hangingPunct="1">
+              <a:lnSpc>
+                <a:spcPct val="90000"/>
+              </a:lnSpc>
+              <a:spcBef>
+                <a:spcPts val="500"/>
+              </a:spcBef>
+              <a:buFont typeface="Arial" panose="020B0604020202020204" pitchFamily="34" charset="0"/>
+              <a:buNone/>
+              <a:defRPr sz="1600" kern="1200">
+                <a:solidFill>
+                  <a:schemeClr val="tx1"/>
+                </a:solidFill>
+                <a:latin typeface="+mn-lt"/>
+                <a:ea typeface="+mn-ea"/>
+                <a:cs typeface="+mn-cs"/>
+              </a:defRPr>
+            </a:lvl9pPr>
+          </a:lstStyle>
+          <a:p>
+            <a:pPr algn="l"/>
+            <a:r>
+              <a:rPr lang="es-MX" sz="2000" b="1" dirty="0">
+                <a:solidFill>
+                  <a:schemeClr val="accent1"/>
+                </a:solidFill>
+              </a:rPr>
+              <a:t>UPDATE</a:t>
+            </a:r>
+            <a:r>
+              <a:rPr lang="es-MX" sz="2000" dirty="0">
+                <a:solidFill>
+                  <a:schemeClr val="accent1"/>
+                </a:solidFill>
+              </a:rPr>
+              <a:t> </a:t>
+            </a:r>
+            <a:r>
+              <a:rPr lang="es-MX" sz="2000" dirty="0" err="1">
+                <a:solidFill>
+                  <a:schemeClr val="accent1"/>
+                </a:solidFill>
+              </a:rPr>
+              <a:t>tabla_clientes</a:t>
+            </a:r>
+            <a:r>
+              <a:rPr lang="es-MX" sz="2000" dirty="0">
+                <a:solidFill>
+                  <a:schemeClr val="accent1"/>
+                </a:solidFill>
+              </a:rPr>
+              <a:t> </a:t>
+            </a:r>
+            <a:r>
+              <a:rPr lang="es-MX" sz="2000" b="1" dirty="0">
+                <a:solidFill>
+                  <a:schemeClr val="accent1"/>
+                </a:solidFill>
+              </a:rPr>
+              <a:t>SET</a:t>
+            </a:r>
+            <a:r>
+              <a:rPr lang="es-MX" sz="2000" dirty="0">
+                <a:solidFill>
+                  <a:schemeClr val="accent1"/>
+                </a:solidFill>
+              </a:rPr>
+              <a:t> correo=‘gee@xyz.com’ </a:t>
+            </a:r>
+            <a:r>
+              <a:rPr lang="es-MX" sz="2000" b="1" dirty="0">
+                <a:solidFill>
+                  <a:schemeClr val="accent1"/>
+                </a:solidFill>
+              </a:rPr>
+              <a:t>;</a:t>
+            </a:r>
+          </a:p>
+          <a:p>
+            <a:pPr algn="l"/>
+            <a:endParaRPr lang="es-MX" sz="2000" dirty="0">
+              <a:solidFill>
+                <a:schemeClr val="accent1"/>
+              </a:solidFill>
+            </a:endParaRPr>
+          </a:p>
+        </p:txBody>
+      </p:sp>
+      <p:sp>
+        <p:nvSpPr>
+          <p:cNvPr id="13" name="Subtítulo 2">
+            <a:extLst>
+              <a:ext uri="{FF2B5EF4-FFF2-40B4-BE49-F238E27FC236}">
+                <a16:creationId xmlns:a16="http://schemas.microsoft.com/office/drawing/2014/main" id="{556ED617-C9B5-34E3-4EDC-954DFE77FEDF}"/>
+              </a:ext>
+            </a:extLst>
+          </p:cNvPr>
+          <p:cNvSpPr txBox="1">
+            <a:spLocks/>
+          </p:cNvSpPr>
+          <p:nvPr/>
+        </p:nvSpPr>
+        <p:spPr>
+          <a:xfrm>
+            <a:off x="8285018" y="5255344"/>
+            <a:ext cx="3906981" cy="822092"/>
+          </a:xfrm>
+          <a:prstGeom prst="rect">
+            <a:avLst/>
+          </a:prstGeom>
+        </p:spPr>
+        <p:txBody>
+          <a:bodyPr vert="horz" lIns="91440" tIns="45720" rIns="91440" bIns="45720" rtlCol="0">
+            <a:normAutofit/>
+          </a:bodyPr>
+          <a:lstStyle>
+            <a:lvl1pPr marL="0" indent="0" algn="ctr" defTabSz="914400" rtl="0" eaLnBrk="1" latinLnBrk="0" hangingPunct="1">
+              <a:lnSpc>
+                <a:spcPct val="90000"/>
+              </a:lnSpc>
+              <a:spcBef>
+                <a:spcPts val="1000"/>
+              </a:spcBef>
+              <a:buFont typeface="Arial" panose="020B0604020202020204" pitchFamily="34" charset="0"/>
+              <a:buNone/>
+              <a:defRPr sz="2400" kern="1200">
+                <a:solidFill>
+                  <a:schemeClr val="tx1"/>
+                </a:solidFill>
+                <a:latin typeface="+mn-lt"/>
+                <a:ea typeface="+mn-ea"/>
+                <a:cs typeface="+mn-cs"/>
+              </a:defRPr>
+            </a:lvl1pPr>
+            <a:lvl2pPr marL="457200" indent="0" algn="ctr" defTabSz="914400" rtl="0" eaLnBrk="1" latinLnBrk="0" hangingPunct="1">
+              <a:lnSpc>
+                <a:spcPct val="90000"/>
+              </a:lnSpc>
+              <a:spcBef>
+                <a:spcPts val="500"/>
+              </a:spcBef>
+              <a:buFont typeface="Arial" panose="020B0604020202020204" pitchFamily="34" charset="0"/>
+              <a:buNone/>
+              <a:defRPr sz="2000" kern="1200">
+                <a:solidFill>
+                  <a:schemeClr val="tx1"/>
+                </a:solidFill>
+                <a:latin typeface="+mn-lt"/>
+                <a:ea typeface="+mn-ea"/>
+                <a:cs typeface="+mn-cs"/>
+              </a:defRPr>
+            </a:lvl2pPr>
+            <a:lvl3pPr marL="914400" indent="0" algn="ctr" defTabSz="914400" rtl="0" eaLnBrk="1" latinLnBrk="0" hangingPunct="1">
+              <a:lnSpc>
+                <a:spcPct val="90000"/>
+              </a:lnSpc>
+              <a:spcBef>
+                <a:spcPts val="500"/>
+              </a:spcBef>
+              <a:buFont typeface="Arial" panose="020B0604020202020204" pitchFamily="34" charset="0"/>
+              <a:buNone/>
+              <a:defRPr sz="1800" kern="1200">
+                <a:solidFill>
+                  <a:schemeClr val="tx1"/>
+                </a:solidFill>
+                <a:latin typeface="+mn-lt"/>
+                <a:ea typeface="+mn-ea"/>
+                <a:cs typeface="+mn-cs"/>
+              </a:defRPr>
+            </a:lvl3pPr>
+            <a:lvl4pPr marL="1371600" indent="0" algn="ctr" defTabSz="914400" rtl="0" eaLnBrk="1" latinLnBrk="0" hangingPunct="1">
+              <a:lnSpc>
+                <a:spcPct val="90000"/>
+              </a:lnSpc>
+              <a:spcBef>
+                <a:spcPts val="500"/>
+              </a:spcBef>
+              <a:buFont typeface="Arial" panose="020B0604020202020204" pitchFamily="34" charset="0"/>
+              <a:buNone/>
+              <a:defRPr sz="1600" kern="1200">
+                <a:solidFill>
+                  <a:schemeClr val="tx1"/>
+                </a:solidFill>
+                <a:latin typeface="+mn-lt"/>
+                <a:ea typeface="+mn-ea"/>
+                <a:cs typeface="+mn-cs"/>
+              </a:defRPr>
+            </a:lvl4pPr>
+            <a:lvl5pPr marL="1828800" indent="0" algn="ctr" defTabSz="914400" rtl="0" eaLnBrk="1" latinLnBrk="0" hangingPunct="1">
+              <a:lnSpc>
+                <a:spcPct val="90000"/>
+              </a:lnSpc>
+              <a:spcBef>
+                <a:spcPts val="500"/>
+              </a:spcBef>
+              <a:buFont typeface="Arial" panose="020B0604020202020204" pitchFamily="34" charset="0"/>
+              <a:buNone/>
+              <a:defRPr sz="1600" kern="1200">
+                <a:solidFill>
+                  <a:schemeClr val="tx1"/>
+                </a:solidFill>
+                <a:latin typeface="+mn-lt"/>
+                <a:ea typeface="+mn-ea"/>
+                <a:cs typeface="+mn-cs"/>
+              </a:defRPr>
+            </a:lvl5pPr>
+            <a:lvl6pPr marL="2286000" indent="0" algn="ctr" defTabSz="914400" rtl="0" eaLnBrk="1" latinLnBrk="0" hangingPunct="1">
+              <a:lnSpc>
+                <a:spcPct val="90000"/>
+              </a:lnSpc>
+              <a:spcBef>
+                <a:spcPts val="500"/>
+              </a:spcBef>
+              <a:buFont typeface="Arial" panose="020B0604020202020204" pitchFamily="34" charset="0"/>
+              <a:buNone/>
+              <a:defRPr sz="1600" kern="1200">
+                <a:solidFill>
+                  <a:schemeClr val="tx1"/>
+                </a:solidFill>
+                <a:latin typeface="+mn-lt"/>
+                <a:ea typeface="+mn-ea"/>
+                <a:cs typeface="+mn-cs"/>
+              </a:defRPr>
+            </a:lvl6pPr>
+            <a:lvl7pPr marL="2743200" indent="0" algn="ctr" defTabSz="914400" rtl="0" eaLnBrk="1" latinLnBrk="0" hangingPunct="1">
+              <a:lnSpc>
+                <a:spcPct val="90000"/>
+              </a:lnSpc>
+              <a:spcBef>
+                <a:spcPts val="500"/>
+              </a:spcBef>
+              <a:buFont typeface="Arial" panose="020B0604020202020204" pitchFamily="34" charset="0"/>
+              <a:buNone/>
+              <a:defRPr sz="1600" kern="1200">
+                <a:solidFill>
+                  <a:schemeClr val="tx1"/>
+                </a:solidFill>
+                <a:latin typeface="+mn-lt"/>
+                <a:ea typeface="+mn-ea"/>
+                <a:cs typeface="+mn-cs"/>
+              </a:defRPr>
+            </a:lvl7pPr>
+            <a:lvl8pPr marL="3200400" indent="0" algn="ctr" defTabSz="914400" rtl="0" eaLnBrk="1" latinLnBrk="0" hangingPunct="1">
+              <a:lnSpc>
+                <a:spcPct val="90000"/>
+              </a:lnSpc>
+              <a:spcBef>
+                <a:spcPts val="500"/>
+              </a:spcBef>
+              <a:buFont typeface="Arial" panose="020B0604020202020204" pitchFamily="34" charset="0"/>
+              <a:buNone/>
+              <a:defRPr sz="1600" kern="1200">
+                <a:solidFill>
+                  <a:schemeClr val="tx1"/>
+                </a:solidFill>
+                <a:latin typeface="+mn-lt"/>
+                <a:ea typeface="+mn-ea"/>
+                <a:cs typeface="+mn-cs"/>
+              </a:defRPr>
+            </a:lvl8pPr>
+            <a:lvl9pPr marL="3657600" indent="0" algn="ctr" defTabSz="914400" rtl="0" eaLnBrk="1" latinLnBrk="0" hangingPunct="1">
+              <a:lnSpc>
+                <a:spcPct val="90000"/>
+              </a:lnSpc>
+              <a:spcBef>
+                <a:spcPts val="500"/>
+              </a:spcBef>
+              <a:buFont typeface="Arial" panose="020B0604020202020204" pitchFamily="34" charset="0"/>
+              <a:buNone/>
+              <a:defRPr sz="1600" kern="1200">
+                <a:solidFill>
+                  <a:schemeClr val="tx1"/>
+                </a:solidFill>
+                <a:latin typeface="+mn-lt"/>
+                <a:ea typeface="+mn-ea"/>
+                <a:cs typeface="+mn-cs"/>
+              </a:defRPr>
+            </a:lvl9pPr>
+          </a:lstStyle>
+          <a:p>
+            <a:pPr algn="l"/>
+            <a:r>
+              <a:rPr lang="es-MX" sz="1600" dirty="0"/>
+              <a:t>+ Actualizamos todos los valores de una columna</a:t>
+            </a:r>
+          </a:p>
+        </p:txBody>
+      </p:sp>
+      <p:sp>
+        <p:nvSpPr>
+          <p:cNvPr id="14" name="Subtítulo 2">
+            <a:extLst>
+              <a:ext uri="{FF2B5EF4-FFF2-40B4-BE49-F238E27FC236}">
+                <a16:creationId xmlns:a16="http://schemas.microsoft.com/office/drawing/2014/main" id="{6F233EAB-FF4C-4BBF-669B-D7A281C95CA1}"/>
+              </a:ext>
+            </a:extLst>
+          </p:cNvPr>
+          <p:cNvSpPr txBox="1">
+            <a:spLocks/>
+          </p:cNvSpPr>
+          <p:nvPr/>
+        </p:nvSpPr>
+        <p:spPr>
+          <a:xfrm>
+            <a:off x="8257309" y="2615062"/>
+            <a:ext cx="3906981" cy="1154126"/>
+          </a:xfrm>
+          <a:prstGeom prst="rect">
+            <a:avLst/>
+          </a:prstGeom>
+        </p:spPr>
+        <p:txBody>
+          <a:bodyPr vert="horz" lIns="91440" tIns="45720" rIns="91440" bIns="45720" rtlCol="0">
+            <a:normAutofit/>
+          </a:bodyPr>
+          <a:lstStyle>
+            <a:lvl1pPr marL="0" indent="0" algn="ctr" defTabSz="914400" rtl="0" eaLnBrk="1" latinLnBrk="0" hangingPunct="1">
+              <a:lnSpc>
+                <a:spcPct val="90000"/>
+              </a:lnSpc>
+              <a:spcBef>
+                <a:spcPts val="1000"/>
+              </a:spcBef>
+              <a:buFont typeface="Arial" panose="020B0604020202020204" pitchFamily="34" charset="0"/>
+              <a:buNone/>
+              <a:defRPr sz="2400" kern="1200">
+                <a:solidFill>
+                  <a:schemeClr val="tx1"/>
+                </a:solidFill>
+                <a:latin typeface="+mn-lt"/>
+                <a:ea typeface="+mn-ea"/>
+                <a:cs typeface="+mn-cs"/>
+              </a:defRPr>
+            </a:lvl1pPr>
+            <a:lvl2pPr marL="457200" indent="0" algn="ctr" defTabSz="914400" rtl="0" eaLnBrk="1" latinLnBrk="0" hangingPunct="1">
+              <a:lnSpc>
+                <a:spcPct val="90000"/>
+              </a:lnSpc>
+              <a:spcBef>
+                <a:spcPts val="500"/>
+              </a:spcBef>
+              <a:buFont typeface="Arial" panose="020B0604020202020204" pitchFamily="34" charset="0"/>
+              <a:buNone/>
+              <a:defRPr sz="2000" kern="1200">
+                <a:solidFill>
+                  <a:schemeClr val="tx1"/>
+                </a:solidFill>
+                <a:latin typeface="+mn-lt"/>
+                <a:ea typeface="+mn-ea"/>
+                <a:cs typeface="+mn-cs"/>
+              </a:defRPr>
+            </a:lvl2pPr>
+            <a:lvl3pPr marL="914400" indent="0" algn="ctr" defTabSz="914400" rtl="0" eaLnBrk="1" latinLnBrk="0" hangingPunct="1">
+              <a:lnSpc>
+                <a:spcPct val="90000"/>
+              </a:lnSpc>
+              <a:spcBef>
+                <a:spcPts val="500"/>
+              </a:spcBef>
+              <a:buFont typeface="Arial" panose="020B0604020202020204" pitchFamily="34" charset="0"/>
+              <a:buNone/>
+              <a:defRPr sz="1800" kern="1200">
+                <a:solidFill>
+                  <a:schemeClr val="tx1"/>
+                </a:solidFill>
+                <a:latin typeface="+mn-lt"/>
+                <a:ea typeface="+mn-ea"/>
+                <a:cs typeface="+mn-cs"/>
+              </a:defRPr>
+            </a:lvl3pPr>
+            <a:lvl4pPr marL="1371600" indent="0" algn="ctr" defTabSz="914400" rtl="0" eaLnBrk="1" latinLnBrk="0" hangingPunct="1">
+              <a:lnSpc>
+                <a:spcPct val="90000"/>
+              </a:lnSpc>
+              <a:spcBef>
+                <a:spcPts val="500"/>
+              </a:spcBef>
+              <a:buFont typeface="Arial" panose="020B0604020202020204" pitchFamily="34" charset="0"/>
+              <a:buNone/>
+              <a:defRPr sz="1600" kern="1200">
+                <a:solidFill>
+                  <a:schemeClr val="tx1"/>
+                </a:solidFill>
+                <a:latin typeface="+mn-lt"/>
+                <a:ea typeface="+mn-ea"/>
+                <a:cs typeface="+mn-cs"/>
+              </a:defRPr>
+            </a:lvl4pPr>
+            <a:lvl5pPr marL="1828800" indent="0" algn="ctr" defTabSz="914400" rtl="0" eaLnBrk="1" latinLnBrk="0" hangingPunct="1">
+              <a:lnSpc>
+                <a:spcPct val="90000"/>
+              </a:lnSpc>
+              <a:spcBef>
+                <a:spcPts val="500"/>
+              </a:spcBef>
+              <a:buFont typeface="Arial" panose="020B0604020202020204" pitchFamily="34" charset="0"/>
+              <a:buNone/>
+              <a:defRPr sz="1600" kern="1200">
+                <a:solidFill>
+                  <a:schemeClr val="tx1"/>
+                </a:solidFill>
+                <a:latin typeface="+mn-lt"/>
+                <a:ea typeface="+mn-ea"/>
+                <a:cs typeface="+mn-cs"/>
+              </a:defRPr>
+            </a:lvl5pPr>
+            <a:lvl6pPr marL="2286000" indent="0" algn="ctr" defTabSz="914400" rtl="0" eaLnBrk="1" latinLnBrk="0" hangingPunct="1">
+              <a:lnSpc>
+                <a:spcPct val="90000"/>
+              </a:lnSpc>
+              <a:spcBef>
+                <a:spcPts val="500"/>
+              </a:spcBef>
+              <a:buFont typeface="Arial" panose="020B0604020202020204" pitchFamily="34" charset="0"/>
+              <a:buNone/>
+              <a:defRPr sz="1600" kern="1200">
+                <a:solidFill>
+                  <a:schemeClr val="tx1"/>
+                </a:solidFill>
+                <a:latin typeface="+mn-lt"/>
+                <a:ea typeface="+mn-ea"/>
+                <a:cs typeface="+mn-cs"/>
+              </a:defRPr>
+            </a:lvl6pPr>
+            <a:lvl7pPr marL="2743200" indent="0" algn="ctr" defTabSz="914400" rtl="0" eaLnBrk="1" latinLnBrk="0" hangingPunct="1">
+              <a:lnSpc>
+                <a:spcPct val="90000"/>
+              </a:lnSpc>
+              <a:spcBef>
+                <a:spcPts val="500"/>
+              </a:spcBef>
+              <a:buFont typeface="Arial" panose="020B0604020202020204" pitchFamily="34" charset="0"/>
+              <a:buNone/>
+              <a:defRPr sz="1600" kern="1200">
+                <a:solidFill>
+                  <a:schemeClr val="tx1"/>
+                </a:solidFill>
+                <a:latin typeface="+mn-lt"/>
+                <a:ea typeface="+mn-ea"/>
+                <a:cs typeface="+mn-cs"/>
+              </a:defRPr>
+            </a:lvl7pPr>
+            <a:lvl8pPr marL="3200400" indent="0" algn="ctr" defTabSz="914400" rtl="0" eaLnBrk="1" latinLnBrk="0" hangingPunct="1">
+              <a:lnSpc>
+                <a:spcPct val="90000"/>
+              </a:lnSpc>
+              <a:spcBef>
+                <a:spcPts val="500"/>
+              </a:spcBef>
+              <a:buFont typeface="Arial" panose="020B0604020202020204" pitchFamily="34" charset="0"/>
+              <a:buNone/>
+              <a:defRPr sz="1600" kern="1200">
+                <a:solidFill>
+                  <a:schemeClr val="tx1"/>
+                </a:solidFill>
+                <a:latin typeface="+mn-lt"/>
+                <a:ea typeface="+mn-ea"/>
+                <a:cs typeface="+mn-cs"/>
+              </a:defRPr>
+            </a:lvl8pPr>
+            <a:lvl9pPr marL="3657600" indent="0" algn="ctr" defTabSz="914400" rtl="0" eaLnBrk="1" latinLnBrk="0" hangingPunct="1">
+              <a:lnSpc>
+                <a:spcPct val="90000"/>
+              </a:lnSpc>
+              <a:spcBef>
+                <a:spcPts val="500"/>
+              </a:spcBef>
+              <a:buFont typeface="Arial" panose="020B0604020202020204" pitchFamily="34" charset="0"/>
+              <a:buNone/>
+              <a:defRPr sz="1600" kern="1200">
+                <a:solidFill>
+                  <a:schemeClr val="tx1"/>
+                </a:solidFill>
+                <a:latin typeface="+mn-lt"/>
+                <a:ea typeface="+mn-ea"/>
+                <a:cs typeface="+mn-cs"/>
+              </a:defRPr>
+            </a:lvl9pPr>
+          </a:lstStyle>
+          <a:p>
+            <a:pPr algn="l"/>
+            <a:r>
+              <a:rPr lang="es-MX" sz="1600" dirty="0"/>
+              <a:t>+ Las filas actualizadas se mandan hasta abajo de la tabla</a:t>
+            </a:r>
+          </a:p>
+        </p:txBody>
+      </p:sp>
+    </p:spTree>
+    <p:extLst>
+      <p:ext uri="{BB962C8B-B14F-4D97-AF65-F5344CB8AC3E}">
+        <p14:creationId xmlns:p14="http://schemas.microsoft.com/office/powerpoint/2010/main" val="3341285043"/>
       </p:ext>
     </p:extLst>
   </p:cSld>

--- a/Curso AABD-SQL (Notas).pptx
+++ b/Curso AABD-SQL (Notas).pptx
@@ -5,7 +5,7 @@
     <p:sldMasterId id="2147483648" r:id="rId1"/>
   </p:sldMasterIdLst>
   <p:notesMasterIdLst>
-    <p:notesMasterId r:id="rId27"/>
+    <p:notesMasterId r:id="rId28"/>
   </p:notesMasterIdLst>
   <p:sldIdLst>
     <p:sldId id="256" r:id="rId2"/>
@@ -33,6 +33,7 @@
     <p:sldId id="279" r:id="rId24"/>
     <p:sldId id="280" r:id="rId25"/>
     <p:sldId id="281" r:id="rId26"/>
+    <p:sldId id="282" r:id="rId27"/>
   </p:sldIdLst>
   <p:sldSz cx="12192000" cy="6858000"/>
   <p:notesSz cx="6858000" cy="9144000"/>
@@ -221,7 +222,7 @@
           <a:p>
             <a:fld id="{60FC0CF0-3796-4E17-B7ED-E5E607CC2E7A}" type="datetimeFigureOut">
               <a:rPr lang="es-MX" smtClean="0"/>
-              <a:t>11/06/2023</a:t>
+              <a:t>12/06/2023</a:t>
             </a:fld>
             <a:endParaRPr lang="es-MX"/>
           </a:p>
@@ -573,6 +574,90 @@
 </p:notes>
 </file>
 
+<file path=ppt/notesSlides/notesSlide2.xml><?xml version="1.0" encoding="utf-8"?>
+<p:notes xmlns:a="http://schemas.openxmlformats.org/drawingml/2006/main" xmlns:r="http://schemas.openxmlformats.org/officeDocument/2006/relationships" xmlns:p="http://schemas.openxmlformats.org/presentationml/2006/main">
+  <p:cSld>
+    <p:spTree>
+      <p:nvGrpSpPr>
+        <p:cNvPr id="1" name=""/>
+        <p:cNvGrpSpPr/>
+        <p:nvPr/>
+      </p:nvGrpSpPr>
+      <p:grpSpPr>
+        <a:xfrm>
+          <a:off x="0" y="0"/>
+          <a:ext cx="0" cy="0"/>
+          <a:chOff x="0" y="0"/>
+          <a:chExt cx="0" cy="0"/>
+        </a:xfrm>
+      </p:grpSpPr>
+      <p:sp>
+        <p:nvSpPr>
+          <p:cNvPr id="2" name="Marcador de imagen de diapositiva 1"/>
+          <p:cNvSpPr>
+            <a:spLocks noGrp="1" noRot="1" noChangeAspect="1"/>
+          </p:cNvSpPr>
+          <p:nvPr>
+            <p:ph type="sldImg"/>
+          </p:nvPr>
+        </p:nvSpPr>
+        <p:spPr/>
+      </p:sp>
+      <p:sp>
+        <p:nvSpPr>
+          <p:cNvPr id="3" name="Marcador de notas 2"/>
+          <p:cNvSpPr>
+            <a:spLocks noGrp="1"/>
+          </p:cNvSpPr>
+          <p:nvPr>
+            <p:ph type="body" idx="1"/>
+          </p:nvPr>
+        </p:nvSpPr>
+        <p:spPr/>
+        <p:txBody>
+          <a:bodyPr/>
+          <a:lstStyle/>
+          <a:p>
+            <a:endParaRPr lang="es-MX" dirty="0"/>
+          </a:p>
+        </p:txBody>
+      </p:sp>
+      <p:sp>
+        <p:nvSpPr>
+          <p:cNvPr id="4" name="Marcador de número de diapositiva 3"/>
+          <p:cNvSpPr>
+            <a:spLocks noGrp="1"/>
+          </p:cNvSpPr>
+          <p:nvPr>
+            <p:ph type="sldNum" sz="quarter" idx="5"/>
+          </p:nvPr>
+        </p:nvSpPr>
+        <p:spPr/>
+        <p:txBody>
+          <a:bodyPr/>
+          <a:lstStyle/>
+          <a:p>
+            <a:fld id="{D4A78022-2530-4603-9FD9-5FBF83922B58}" type="slidenum">
+              <a:rPr lang="es-MX" smtClean="0"/>
+              <a:t>26</a:t>
+            </a:fld>
+            <a:endParaRPr lang="es-MX"/>
+          </a:p>
+        </p:txBody>
+      </p:sp>
+    </p:spTree>
+    <p:extLst>
+      <p:ext uri="{BB962C8B-B14F-4D97-AF65-F5344CB8AC3E}">
+        <p14:creationId xmlns:p14="http://schemas.microsoft.com/office/powerpoint/2010/main" val="3500479923"/>
+      </p:ext>
+    </p:extLst>
+  </p:cSld>
+  <p:clrMapOvr>
+    <a:masterClrMapping/>
+  </p:clrMapOvr>
+</p:notes>
+</file>
+
 <file path=ppt/slideLayouts/slideLayout1.xml><?xml version="1.0" encoding="utf-8"?>
 <p:sldLayout xmlns:a="http://schemas.openxmlformats.org/drawingml/2006/main" xmlns:r="http://schemas.openxmlformats.org/officeDocument/2006/relationships" xmlns:p="http://schemas.openxmlformats.org/presentationml/2006/main" type="title" preserve="1">
   <p:cSld name="Diapositiva de título">
@@ -722,7 +807,7 @@
           <a:p>
             <a:fld id="{88DB2A45-B92C-450A-8ABF-83088A5CA865}" type="datetimeFigureOut">
               <a:rPr lang="es-MX" smtClean="0"/>
-              <a:t>11/06/2023</a:t>
+              <a:t>12/06/2023</a:t>
             </a:fld>
             <a:endParaRPr lang="es-MX"/>
           </a:p>
@@ -922,7 +1007,7 @@
           <a:p>
             <a:fld id="{88DB2A45-B92C-450A-8ABF-83088A5CA865}" type="datetimeFigureOut">
               <a:rPr lang="es-MX" smtClean="0"/>
-              <a:t>11/06/2023</a:t>
+              <a:t>12/06/2023</a:t>
             </a:fld>
             <a:endParaRPr lang="es-MX"/>
           </a:p>
@@ -1132,7 +1217,7 @@
           <a:p>
             <a:fld id="{88DB2A45-B92C-450A-8ABF-83088A5CA865}" type="datetimeFigureOut">
               <a:rPr lang="es-MX" smtClean="0"/>
-              <a:t>11/06/2023</a:t>
+              <a:t>12/06/2023</a:t>
             </a:fld>
             <a:endParaRPr lang="es-MX"/>
           </a:p>
@@ -1332,7 +1417,7 @@
           <a:p>
             <a:fld id="{88DB2A45-B92C-450A-8ABF-83088A5CA865}" type="datetimeFigureOut">
               <a:rPr lang="es-MX" smtClean="0"/>
-              <a:t>11/06/2023</a:t>
+              <a:t>12/06/2023</a:t>
             </a:fld>
             <a:endParaRPr lang="es-MX"/>
           </a:p>
@@ -1608,7 +1693,7 @@
           <a:p>
             <a:fld id="{88DB2A45-B92C-450A-8ABF-83088A5CA865}" type="datetimeFigureOut">
               <a:rPr lang="es-MX" smtClean="0"/>
-              <a:t>11/06/2023</a:t>
+              <a:t>12/06/2023</a:t>
             </a:fld>
             <a:endParaRPr lang="es-MX"/>
           </a:p>
@@ -1876,7 +1961,7 @@
           <a:p>
             <a:fld id="{88DB2A45-B92C-450A-8ABF-83088A5CA865}" type="datetimeFigureOut">
               <a:rPr lang="es-MX" smtClean="0"/>
-              <a:t>11/06/2023</a:t>
+              <a:t>12/06/2023</a:t>
             </a:fld>
             <a:endParaRPr lang="es-MX"/>
           </a:p>
@@ -2291,7 +2376,7 @@
           <a:p>
             <a:fld id="{88DB2A45-B92C-450A-8ABF-83088A5CA865}" type="datetimeFigureOut">
               <a:rPr lang="es-MX" smtClean="0"/>
-              <a:t>11/06/2023</a:t>
+              <a:t>12/06/2023</a:t>
             </a:fld>
             <a:endParaRPr lang="es-MX"/>
           </a:p>
@@ -2433,7 +2518,7 @@
           <a:p>
             <a:fld id="{88DB2A45-B92C-450A-8ABF-83088A5CA865}" type="datetimeFigureOut">
               <a:rPr lang="es-MX" smtClean="0"/>
-              <a:t>11/06/2023</a:t>
+              <a:t>12/06/2023</a:t>
             </a:fld>
             <a:endParaRPr lang="es-MX"/>
           </a:p>
@@ -2546,7 +2631,7 @@
           <a:p>
             <a:fld id="{88DB2A45-B92C-450A-8ABF-83088A5CA865}" type="datetimeFigureOut">
               <a:rPr lang="es-MX" smtClean="0"/>
-              <a:t>11/06/2023</a:t>
+              <a:t>12/06/2023</a:t>
             </a:fld>
             <a:endParaRPr lang="es-MX"/>
           </a:p>
@@ -2859,7 +2944,7 @@
           <a:p>
             <a:fld id="{88DB2A45-B92C-450A-8ABF-83088A5CA865}" type="datetimeFigureOut">
               <a:rPr lang="es-MX" smtClean="0"/>
-              <a:t>11/06/2023</a:t>
+              <a:t>12/06/2023</a:t>
             </a:fld>
             <a:endParaRPr lang="es-MX"/>
           </a:p>
@@ -3148,7 +3233,7 @@
           <a:p>
             <a:fld id="{88DB2A45-B92C-450A-8ABF-83088A5CA865}" type="datetimeFigureOut">
               <a:rPr lang="es-MX" smtClean="0"/>
-              <a:t>11/06/2023</a:t>
+              <a:t>12/06/2023</a:t>
             </a:fld>
             <a:endParaRPr lang="es-MX"/>
           </a:p>
@@ -3391,7 +3476,7 @@
           <a:p>
             <a:fld id="{88DB2A45-B92C-450A-8ABF-83088A5CA865}" type="datetimeFigureOut">
               <a:rPr lang="es-MX" smtClean="0"/>
-              <a:t>11/06/2023</a:t>
+              <a:t>12/06/2023</a:t>
             </a:fld>
             <a:endParaRPr lang="es-MX"/>
           </a:p>
@@ -3886,8 +3971,8 @@
         </p:nvSpPr>
         <p:spPr>
           <a:xfrm>
-            <a:off x="249381" y="5905282"/>
-            <a:ext cx="8575963" cy="442119"/>
+            <a:off x="249381" y="5606320"/>
+            <a:ext cx="8575963" cy="741081"/>
           </a:xfrm>
           <a:prstGeom prst="rect">
             <a:avLst/>
@@ -4064,7 +4149,7 @@
           <a:p>
             <a:pPr algn="l"/>
             <a:r>
-              <a:rPr lang="es-MX" dirty="0">
+              <a:rPr lang="es-MX" sz="1800" dirty="0">
                 <a:solidFill>
                   <a:schemeClr val="accent1"/>
                 </a:solidFill>
@@ -4072,6 +4157,19 @@
                 <a:ea typeface="Gadugi" panose="020B0502040204020203" pitchFamily="34" charset="0"/>
               </a:rPr>
               <a:t>Con F5 se corren las líneas de código</a:t>
+            </a:r>
+          </a:p>
+          <a:p>
+            <a:pPr algn="l"/>
+            <a:r>
+              <a:rPr lang="es-MX" sz="1800" dirty="0">
+                <a:solidFill>
+                  <a:schemeClr val="accent1"/>
+                </a:solidFill>
+                <a:latin typeface="Gadugi" panose="020B0502040204020203" pitchFamily="34" charset="0"/>
+                <a:ea typeface="Gadugi" panose="020B0502040204020203" pitchFamily="34" charset="0"/>
+              </a:rPr>
+              <a:t>Los comentarios se hacen con --</a:t>
             </a:r>
           </a:p>
         </p:txBody>
@@ -24927,6 +25025,1467 @@
     <p:extLst>
       <p:ext uri="{BB962C8B-B14F-4D97-AF65-F5344CB8AC3E}">
         <p14:creationId xmlns:p14="http://schemas.microsoft.com/office/powerpoint/2010/main" val="3460919035"/>
+      </p:ext>
+    </p:extLst>
+  </p:cSld>
+  <p:clrMapOvr>
+    <a:masterClrMapping/>
+  </p:clrMapOvr>
+</p:sld>
+</file>
+
+<file path=ppt/slides/slide26.xml><?xml version="1.0" encoding="utf-8"?>
+<p:sld xmlns:a="http://schemas.openxmlformats.org/drawingml/2006/main" xmlns:r="http://schemas.openxmlformats.org/officeDocument/2006/relationships" xmlns:p="http://schemas.openxmlformats.org/presentationml/2006/main">
+  <p:cSld>
+    <p:spTree>
+      <p:nvGrpSpPr>
+        <p:cNvPr id="1" name=""/>
+        <p:cNvGrpSpPr/>
+        <p:nvPr/>
+      </p:nvGrpSpPr>
+      <p:grpSpPr>
+        <a:xfrm>
+          <a:off x="0" y="0"/>
+          <a:ext cx="0" cy="0"/>
+          <a:chOff x="0" y="0"/>
+          <a:chExt cx="0" cy="0"/>
+        </a:xfrm>
+      </p:grpSpPr>
+      <p:sp>
+        <p:nvSpPr>
+          <p:cNvPr id="2" name="Título 1">
+            <a:extLst>
+              <a:ext uri="{FF2B5EF4-FFF2-40B4-BE49-F238E27FC236}">
+                <a16:creationId xmlns:a16="http://schemas.microsoft.com/office/drawing/2014/main" id="{095D5E06-C433-C836-106A-B2D45ADCF04F}"/>
+              </a:ext>
+            </a:extLst>
+          </p:cNvPr>
+          <p:cNvSpPr>
+            <a:spLocks noGrp="1"/>
+          </p:cNvSpPr>
+          <p:nvPr>
+            <p:ph type="ctrTitle"/>
+          </p:nvPr>
+        </p:nvSpPr>
+        <p:spPr>
+          <a:xfrm>
+            <a:off x="304800" y="277091"/>
+            <a:ext cx="9144000" cy="669781"/>
+          </a:xfrm>
+        </p:spPr>
+        <p:txBody>
+          <a:bodyPr>
+            <a:normAutofit/>
+          </a:bodyPr>
+          <a:lstStyle/>
+          <a:p>
+            <a:pPr algn="l"/>
+            <a:r>
+              <a:rPr lang="es-MX" sz="3600" b="1" dirty="0">
+                <a:latin typeface="Gadugi" panose="020B0502040204020203" pitchFamily="34" charset="0"/>
+                <a:ea typeface="Gadugi" panose="020B0502040204020203" pitchFamily="34" charset="0"/>
+              </a:rPr>
+              <a:t>CASE</a:t>
+            </a:r>
+          </a:p>
+        </p:txBody>
+      </p:sp>
+      <p:sp>
+        <p:nvSpPr>
+          <p:cNvPr id="3" name="Subtítulo 2">
+            <a:extLst>
+              <a:ext uri="{FF2B5EF4-FFF2-40B4-BE49-F238E27FC236}">
+                <a16:creationId xmlns:a16="http://schemas.microsoft.com/office/drawing/2014/main" id="{1A30F90B-0731-20CA-E914-48343967869A}"/>
+              </a:ext>
+            </a:extLst>
+          </p:cNvPr>
+          <p:cNvSpPr>
+            <a:spLocks noGrp="1"/>
+          </p:cNvSpPr>
+          <p:nvPr>
+            <p:ph type="subTitle" idx="1"/>
+          </p:nvPr>
+        </p:nvSpPr>
+        <p:spPr>
+          <a:xfrm>
+            <a:off x="152400" y="1602655"/>
+            <a:ext cx="7966356" cy="2623445"/>
+          </a:xfrm>
+        </p:spPr>
+        <p:txBody>
+          <a:bodyPr>
+            <a:normAutofit/>
+          </a:bodyPr>
+          <a:lstStyle/>
+          <a:p>
+            <a:pPr algn="l"/>
+            <a:r>
+              <a:rPr lang="es-MX" b="1" dirty="0"/>
+              <a:t>CASE</a:t>
+            </a:r>
+          </a:p>
+          <a:p>
+            <a:pPr algn="l"/>
+            <a:r>
+              <a:rPr lang="es-MX" b="1" dirty="0"/>
+              <a:t>	WHEN </a:t>
+            </a:r>
+            <a:r>
+              <a:rPr lang="es-MX" dirty="0"/>
+              <a:t>[valor] </a:t>
+            </a:r>
+            <a:r>
+              <a:rPr lang="es-MX" b="1" dirty="0"/>
+              <a:t>THEN </a:t>
+            </a:r>
+            <a:r>
+              <a:rPr lang="es-MX" dirty="0"/>
+              <a:t>[resultado]</a:t>
+            </a:r>
+          </a:p>
+          <a:p>
+            <a:pPr algn="l"/>
+            <a:r>
+              <a:rPr lang="es-MX" b="1" dirty="0"/>
+              <a:t>	WHEN </a:t>
+            </a:r>
+            <a:r>
+              <a:rPr lang="es-MX" dirty="0"/>
+              <a:t>[valor] </a:t>
+            </a:r>
+            <a:r>
+              <a:rPr lang="es-MX" b="1" dirty="0"/>
+              <a:t>THEN </a:t>
+            </a:r>
+            <a:r>
+              <a:rPr lang="es-MX" dirty="0"/>
+              <a:t>[resultado]</a:t>
+            </a:r>
+            <a:endParaRPr lang="es-MX" b="1" dirty="0"/>
+          </a:p>
+          <a:p>
+            <a:pPr algn="l"/>
+            <a:r>
+              <a:rPr lang="es-MX" b="1" dirty="0"/>
+              <a:t>	ELSE </a:t>
+            </a:r>
+            <a:r>
+              <a:rPr lang="es-MX" dirty="0"/>
+              <a:t>[resultado]</a:t>
+            </a:r>
+          </a:p>
+          <a:p>
+            <a:pPr algn="l"/>
+            <a:r>
+              <a:rPr lang="es-MX" b="1" dirty="0"/>
+              <a:t>END;</a:t>
+            </a:r>
+          </a:p>
+        </p:txBody>
+      </p:sp>
+      <p:cxnSp>
+        <p:nvCxnSpPr>
+          <p:cNvPr id="5" name="Conector recto 4">
+            <a:extLst>
+              <a:ext uri="{FF2B5EF4-FFF2-40B4-BE49-F238E27FC236}">
+                <a16:creationId xmlns:a16="http://schemas.microsoft.com/office/drawing/2014/main" id="{8185E119-0A24-A724-B622-7DB91F3252A8}"/>
+              </a:ext>
+            </a:extLst>
+          </p:cNvPr>
+          <p:cNvCxnSpPr/>
+          <p:nvPr/>
+        </p:nvCxnSpPr>
+        <p:spPr>
+          <a:xfrm>
+            <a:off x="0" y="946872"/>
+            <a:ext cx="5472545" cy="0"/>
+          </a:xfrm>
+          <a:prstGeom prst="line">
+            <a:avLst/>
+          </a:prstGeom>
+          <a:ln w="38100">
+            <a:solidFill>
+              <a:srgbClr val="7030A0"/>
+            </a:solidFill>
+          </a:ln>
+        </p:spPr>
+        <p:style>
+          <a:lnRef idx="1">
+            <a:schemeClr val="accent1"/>
+          </a:lnRef>
+          <a:fillRef idx="0">
+            <a:schemeClr val="accent1"/>
+          </a:fillRef>
+          <a:effectRef idx="0">
+            <a:schemeClr val="accent1"/>
+          </a:effectRef>
+          <a:fontRef idx="minor">
+            <a:schemeClr val="tx1"/>
+          </a:fontRef>
+        </p:style>
+      </p:cxnSp>
+      <p:cxnSp>
+        <p:nvCxnSpPr>
+          <p:cNvPr id="6" name="Conector recto 5">
+            <a:extLst>
+              <a:ext uri="{FF2B5EF4-FFF2-40B4-BE49-F238E27FC236}">
+                <a16:creationId xmlns:a16="http://schemas.microsoft.com/office/drawing/2014/main" id="{BEFC1D1B-E623-58C6-AEC5-FBF9FC0A9DBC}"/>
+              </a:ext>
+            </a:extLst>
+          </p:cNvPr>
+          <p:cNvCxnSpPr>
+            <a:cxnSpLocks/>
+          </p:cNvCxnSpPr>
+          <p:nvPr/>
+        </p:nvCxnSpPr>
+        <p:spPr>
+          <a:xfrm flipV="1">
+            <a:off x="8257309" y="0"/>
+            <a:ext cx="0" cy="6858000"/>
+          </a:xfrm>
+          <a:prstGeom prst="line">
+            <a:avLst/>
+          </a:prstGeom>
+          <a:ln w="38100">
+            <a:solidFill>
+              <a:srgbClr val="7030A0"/>
+            </a:solidFill>
+          </a:ln>
+        </p:spPr>
+        <p:style>
+          <a:lnRef idx="1">
+            <a:schemeClr val="accent1"/>
+          </a:lnRef>
+          <a:fillRef idx="0">
+            <a:schemeClr val="accent1"/>
+          </a:fillRef>
+          <a:effectRef idx="0">
+            <a:schemeClr val="accent1"/>
+          </a:effectRef>
+          <a:fontRef idx="minor">
+            <a:schemeClr val="tx1"/>
+          </a:fontRef>
+        </p:style>
+      </p:cxnSp>
+      <p:sp>
+        <p:nvSpPr>
+          <p:cNvPr id="9" name="Subtítulo 2">
+            <a:extLst>
+              <a:ext uri="{FF2B5EF4-FFF2-40B4-BE49-F238E27FC236}">
+                <a16:creationId xmlns:a16="http://schemas.microsoft.com/office/drawing/2014/main" id="{B2F69EEF-1183-1D61-4B75-D786FD98E6A3}"/>
+              </a:ext>
+            </a:extLst>
+          </p:cNvPr>
+          <p:cNvSpPr txBox="1">
+            <a:spLocks/>
+          </p:cNvSpPr>
+          <p:nvPr/>
+        </p:nvSpPr>
+        <p:spPr>
+          <a:xfrm>
+            <a:off x="8285019" y="1602654"/>
+            <a:ext cx="3906981" cy="1154126"/>
+          </a:xfrm>
+          <a:prstGeom prst="rect">
+            <a:avLst/>
+          </a:prstGeom>
+        </p:spPr>
+        <p:txBody>
+          <a:bodyPr vert="horz" lIns="91440" tIns="45720" rIns="91440" bIns="45720" rtlCol="0">
+            <a:normAutofit/>
+          </a:bodyPr>
+          <a:lstStyle>
+            <a:lvl1pPr marL="0" indent="0" algn="ctr" defTabSz="914400" rtl="0" eaLnBrk="1" latinLnBrk="0" hangingPunct="1">
+              <a:lnSpc>
+                <a:spcPct val="90000"/>
+              </a:lnSpc>
+              <a:spcBef>
+                <a:spcPts val="1000"/>
+              </a:spcBef>
+              <a:buFont typeface="Arial" panose="020B0604020202020204" pitchFamily="34" charset="0"/>
+              <a:buNone/>
+              <a:defRPr sz="2400" kern="1200">
+                <a:solidFill>
+                  <a:schemeClr val="tx1"/>
+                </a:solidFill>
+                <a:latin typeface="+mn-lt"/>
+                <a:ea typeface="+mn-ea"/>
+                <a:cs typeface="+mn-cs"/>
+              </a:defRPr>
+            </a:lvl1pPr>
+            <a:lvl2pPr marL="457200" indent="0" algn="ctr" defTabSz="914400" rtl="0" eaLnBrk="1" latinLnBrk="0" hangingPunct="1">
+              <a:lnSpc>
+                <a:spcPct val="90000"/>
+              </a:lnSpc>
+              <a:spcBef>
+                <a:spcPts val="500"/>
+              </a:spcBef>
+              <a:buFont typeface="Arial" panose="020B0604020202020204" pitchFamily="34" charset="0"/>
+              <a:buNone/>
+              <a:defRPr sz="2000" kern="1200">
+                <a:solidFill>
+                  <a:schemeClr val="tx1"/>
+                </a:solidFill>
+                <a:latin typeface="+mn-lt"/>
+                <a:ea typeface="+mn-ea"/>
+                <a:cs typeface="+mn-cs"/>
+              </a:defRPr>
+            </a:lvl2pPr>
+            <a:lvl3pPr marL="914400" indent="0" algn="ctr" defTabSz="914400" rtl="0" eaLnBrk="1" latinLnBrk="0" hangingPunct="1">
+              <a:lnSpc>
+                <a:spcPct val="90000"/>
+              </a:lnSpc>
+              <a:spcBef>
+                <a:spcPts val="500"/>
+              </a:spcBef>
+              <a:buFont typeface="Arial" panose="020B0604020202020204" pitchFamily="34" charset="0"/>
+              <a:buNone/>
+              <a:defRPr sz="1800" kern="1200">
+                <a:solidFill>
+                  <a:schemeClr val="tx1"/>
+                </a:solidFill>
+                <a:latin typeface="+mn-lt"/>
+                <a:ea typeface="+mn-ea"/>
+                <a:cs typeface="+mn-cs"/>
+              </a:defRPr>
+            </a:lvl3pPr>
+            <a:lvl4pPr marL="1371600" indent="0" algn="ctr" defTabSz="914400" rtl="0" eaLnBrk="1" latinLnBrk="0" hangingPunct="1">
+              <a:lnSpc>
+                <a:spcPct val="90000"/>
+              </a:lnSpc>
+              <a:spcBef>
+                <a:spcPts val="500"/>
+              </a:spcBef>
+              <a:buFont typeface="Arial" panose="020B0604020202020204" pitchFamily="34" charset="0"/>
+              <a:buNone/>
+              <a:defRPr sz="1600" kern="1200">
+                <a:solidFill>
+                  <a:schemeClr val="tx1"/>
+                </a:solidFill>
+                <a:latin typeface="+mn-lt"/>
+                <a:ea typeface="+mn-ea"/>
+                <a:cs typeface="+mn-cs"/>
+              </a:defRPr>
+            </a:lvl4pPr>
+            <a:lvl5pPr marL="1828800" indent="0" algn="ctr" defTabSz="914400" rtl="0" eaLnBrk="1" latinLnBrk="0" hangingPunct="1">
+              <a:lnSpc>
+                <a:spcPct val="90000"/>
+              </a:lnSpc>
+              <a:spcBef>
+                <a:spcPts val="500"/>
+              </a:spcBef>
+              <a:buFont typeface="Arial" panose="020B0604020202020204" pitchFamily="34" charset="0"/>
+              <a:buNone/>
+              <a:defRPr sz="1600" kern="1200">
+                <a:solidFill>
+                  <a:schemeClr val="tx1"/>
+                </a:solidFill>
+                <a:latin typeface="+mn-lt"/>
+                <a:ea typeface="+mn-ea"/>
+                <a:cs typeface="+mn-cs"/>
+              </a:defRPr>
+            </a:lvl5pPr>
+            <a:lvl6pPr marL="2286000" indent="0" algn="ctr" defTabSz="914400" rtl="0" eaLnBrk="1" latinLnBrk="0" hangingPunct="1">
+              <a:lnSpc>
+                <a:spcPct val="90000"/>
+              </a:lnSpc>
+              <a:spcBef>
+                <a:spcPts val="500"/>
+              </a:spcBef>
+              <a:buFont typeface="Arial" panose="020B0604020202020204" pitchFamily="34" charset="0"/>
+              <a:buNone/>
+              <a:defRPr sz="1600" kern="1200">
+                <a:solidFill>
+                  <a:schemeClr val="tx1"/>
+                </a:solidFill>
+                <a:latin typeface="+mn-lt"/>
+                <a:ea typeface="+mn-ea"/>
+                <a:cs typeface="+mn-cs"/>
+              </a:defRPr>
+            </a:lvl6pPr>
+            <a:lvl7pPr marL="2743200" indent="0" algn="ctr" defTabSz="914400" rtl="0" eaLnBrk="1" latinLnBrk="0" hangingPunct="1">
+              <a:lnSpc>
+                <a:spcPct val="90000"/>
+              </a:lnSpc>
+              <a:spcBef>
+                <a:spcPts val="500"/>
+              </a:spcBef>
+              <a:buFont typeface="Arial" panose="020B0604020202020204" pitchFamily="34" charset="0"/>
+              <a:buNone/>
+              <a:defRPr sz="1600" kern="1200">
+                <a:solidFill>
+                  <a:schemeClr val="tx1"/>
+                </a:solidFill>
+                <a:latin typeface="+mn-lt"/>
+                <a:ea typeface="+mn-ea"/>
+                <a:cs typeface="+mn-cs"/>
+              </a:defRPr>
+            </a:lvl7pPr>
+            <a:lvl8pPr marL="3200400" indent="0" algn="ctr" defTabSz="914400" rtl="0" eaLnBrk="1" latinLnBrk="0" hangingPunct="1">
+              <a:lnSpc>
+                <a:spcPct val="90000"/>
+              </a:lnSpc>
+              <a:spcBef>
+                <a:spcPts val="500"/>
+              </a:spcBef>
+              <a:buFont typeface="Arial" panose="020B0604020202020204" pitchFamily="34" charset="0"/>
+              <a:buNone/>
+              <a:defRPr sz="1600" kern="1200">
+                <a:solidFill>
+                  <a:schemeClr val="tx1"/>
+                </a:solidFill>
+                <a:latin typeface="+mn-lt"/>
+                <a:ea typeface="+mn-ea"/>
+                <a:cs typeface="+mn-cs"/>
+              </a:defRPr>
+            </a:lvl8pPr>
+            <a:lvl9pPr marL="3657600" indent="0" algn="ctr" defTabSz="914400" rtl="0" eaLnBrk="1" latinLnBrk="0" hangingPunct="1">
+              <a:lnSpc>
+                <a:spcPct val="90000"/>
+              </a:lnSpc>
+              <a:spcBef>
+                <a:spcPts val="500"/>
+              </a:spcBef>
+              <a:buFont typeface="Arial" panose="020B0604020202020204" pitchFamily="34" charset="0"/>
+              <a:buNone/>
+              <a:defRPr sz="1600" kern="1200">
+                <a:solidFill>
+                  <a:schemeClr val="tx1"/>
+                </a:solidFill>
+                <a:latin typeface="+mn-lt"/>
+                <a:ea typeface="+mn-ea"/>
+                <a:cs typeface="+mn-cs"/>
+              </a:defRPr>
+            </a:lvl9pPr>
+          </a:lstStyle>
+          <a:p>
+            <a:pPr algn="l"/>
+            <a:r>
+              <a:rPr lang="es-MX" sz="1600" dirty="0"/>
+              <a:t>+ Se usa como expresión condicional, funciona tal como el </a:t>
+            </a:r>
+            <a:r>
+              <a:rPr lang="es-MX" sz="1600" dirty="0" err="1"/>
+              <a:t>if-else</a:t>
+            </a:r>
+            <a:endParaRPr lang="es-MX" sz="1600" dirty="0"/>
+          </a:p>
+        </p:txBody>
+      </p:sp>
+      <p:sp>
+        <p:nvSpPr>
+          <p:cNvPr id="4" name="Subtítulo 2">
+            <a:extLst>
+              <a:ext uri="{FF2B5EF4-FFF2-40B4-BE49-F238E27FC236}">
+                <a16:creationId xmlns:a16="http://schemas.microsoft.com/office/drawing/2014/main" id="{BF4727F6-54CC-F0AD-E8B6-07222C5082B8}"/>
+              </a:ext>
+            </a:extLst>
+          </p:cNvPr>
+          <p:cNvSpPr txBox="1">
+            <a:spLocks/>
+          </p:cNvSpPr>
+          <p:nvPr/>
+        </p:nvSpPr>
+        <p:spPr>
+          <a:xfrm>
+            <a:off x="8285018" y="2658656"/>
+            <a:ext cx="3906981" cy="1154126"/>
+          </a:xfrm>
+          <a:prstGeom prst="rect">
+            <a:avLst/>
+          </a:prstGeom>
+        </p:spPr>
+        <p:txBody>
+          <a:bodyPr vert="horz" lIns="91440" tIns="45720" rIns="91440" bIns="45720" rtlCol="0">
+            <a:normAutofit/>
+          </a:bodyPr>
+          <a:lstStyle>
+            <a:lvl1pPr marL="0" indent="0" algn="ctr" defTabSz="914400" rtl="0" eaLnBrk="1" latinLnBrk="0" hangingPunct="1">
+              <a:lnSpc>
+                <a:spcPct val="90000"/>
+              </a:lnSpc>
+              <a:spcBef>
+                <a:spcPts val="1000"/>
+              </a:spcBef>
+              <a:buFont typeface="Arial" panose="020B0604020202020204" pitchFamily="34" charset="0"/>
+              <a:buNone/>
+              <a:defRPr sz="2400" kern="1200">
+                <a:solidFill>
+                  <a:schemeClr val="tx1"/>
+                </a:solidFill>
+                <a:latin typeface="+mn-lt"/>
+                <a:ea typeface="+mn-ea"/>
+                <a:cs typeface="+mn-cs"/>
+              </a:defRPr>
+            </a:lvl1pPr>
+            <a:lvl2pPr marL="457200" indent="0" algn="ctr" defTabSz="914400" rtl="0" eaLnBrk="1" latinLnBrk="0" hangingPunct="1">
+              <a:lnSpc>
+                <a:spcPct val="90000"/>
+              </a:lnSpc>
+              <a:spcBef>
+                <a:spcPts val="500"/>
+              </a:spcBef>
+              <a:buFont typeface="Arial" panose="020B0604020202020204" pitchFamily="34" charset="0"/>
+              <a:buNone/>
+              <a:defRPr sz="2000" kern="1200">
+                <a:solidFill>
+                  <a:schemeClr val="tx1"/>
+                </a:solidFill>
+                <a:latin typeface="+mn-lt"/>
+                <a:ea typeface="+mn-ea"/>
+                <a:cs typeface="+mn-cs"/>
+              </a:defRPr>
+            </a:lvl2pPr>
+            <a:lvl3pPr marL="914400" indent="0" algn="ctr" defTabSz="914400" rtl="0" eaLnBrk="1" latinLnBrk="0" hangingPunct="1">
+              <a:lnSpc>
+                <a:spcPct val="90000"/>
+              </a:lnSpc>
+              <a:spcBef>
+                <a:spcPts val="500"/>
+              </a:spcBef>
+              <a:buFont typeface="Arial" panose="020B0604020202020204" pitchFamily="34" charset="0"/>
+              <a:buNone/>
+              <a:defRPr sz="1800" kern="1200">
+                <a:solidFill>
+                  <a:schemeClr val="tx1"/>
+                </a:solidFill>
+                <a:latin typeface="+mn-lt"/>
+                <a:ea typeface="+mn-ea"/>
+                <a:cs typeface="+mn-cs"/>
+              </a:defRPr>
+            </a:lvl3pPr>
+            <a:lvl4pPr marL="1371600" indent="0" algn="ctr" defTabSz="914400" rtl="0" eaLnBrk="1" latinLnBrk="0" hangingPunct="1">
+              <a:lnSpc>
+                <a:spcPct val="90000"/>
+              </a:lnSpc>
+              <a:spcBef>
+                <a:spcPts val="500"/>
+              </a:spcBef>
+              <a:buFont typeface="Arial" panose="020B0604020202020204" pitchFamily="34" charset="0"/>
+              <a:buNone/>
+              <a:defRPr sz="1600" kern="1200">
+                <a:solidFill>
+                  <a:schemeClr val="tx1"/>
+                </a:solidFill>
+                <a:latin typeface="+mn-lt"/>
+                <a:ea typeface="+mn-ea"/>
+                <a:cs typeface="+mn-cs"/>
+              </a:defRPr>
+            </a:lvl4pPr>
+            <a:lvl5pPr marL="1828800" indent="0" algn="ctr" defTabSz="914400" rtl="0" eaLnBrk="1" latinLnBrk="0" hangingPunct="1">
+              <a:lnSpc>
+                <a:spcPct val="90000"/>
+              </a:lnSpc>
+              <a:spcBef>
+                <a:spcPts val="500"/>
+              </a:spcBef>
+              <a:buFont typeface="Arial" panose="020B0604020202020204" pitchFamily="34" charset="0"/>
+              <a:buNone/>
+              <a:defRPr sz="1600" kern="1200">
+                <a:solidFill>
+                  <a:schemeClr val="tx1"/>
+                </a:solidFill>
+                <a:latin typeface="+mn-lt"/>
+                <a:ea typeface="+mn-ea"/>
+                <a:cs typeface="+mn-cs"/>
+              </a:defRPr>
+            </a:lvl5pPr>
+            <a:lvl6pPr marL="2286000" indent="0" algn="ctr" defTabSz="914400" rtl="0" eaLnBrk="1" latinLnBrk="0" hangingPunct="1">
+              <a:lnSpc>
+                <a:spcPct val="90000"/>
+              </a:lnSpc>
+              <a:spcBef>
+                <a:spcPts val="500"/>
+              </a:spcBef>
+              <a:buFont typeface="Arial" panose="020B0604020202020204" pitchFamily="34" charset="0"/>
+              <a:buNone/>
+              <a:defRPr sz="1600" kern="1200">
+                <a:solidFill>
+                  <a:schemeClr val="tx1"/>
+                </a:solidFill>
+                <a:latin typeface="+mn-lt"/>
+                <a:ea typeface="+mn-ea"/>
+                <a:cs typeface="+mn-cs"/>
+              </a:defRPr>
+            </a:lvl6pPr>
+            <a:lvl7pPr marL="2743200" indent="0" algn="ctr" defTabSz="914400" rtl="0" eaLnBrk="1" latinLnBrk="0" hangingPunct="1">
+              <a:lnSpc>
+                <a:spcPct val="90000"/>
+              </a:lnSpc>
+              <a:spcBef>
+                <a:spcPts val="500"/>
+              </a:spcBef>
+              <a:buFont typeface="Arial" panose="020B0604020202020204" pitchFamily="34" charset="0"/>
+              <a:buNone/>
+              <a:defRPr sz="1600" kern="1200">
+                <a:solidFill>
+                  <a:schemeClr val="tx1"/>
+                </a:solidFill>
+                <a:latin typeface="+mn-lt"/>
+                <a:ea typeface="+mn-ea"/>
+                <a:cs typeface="+mn-cs"/>
+              </a:defRPr>
+            </a:lvl7pPr>
+            <a:lvl8pPr marL="3200400" indent="0" algn="ctr" defTabSz="914400" rtl="0" eaLnBrk="1" latinLnBrk="0" hangingPunct="1">
+              <a:lnSpc>
+                <a:spcPct val="90000"/>
+              </a:lnSpc>
+              <a:spcBef>
+                <a:spcPts val="500"/>
+              </a:spcBef>
+              <a:buFont typeface="Arial" panose="020B0604020202020204" pitchFamily="34" charset="0"/>
+              <a:buNone/>
+              <a:defRPr sz="1600" kern="1200">
+                <a:solidFill>
+                  <a:schemeClr val="tx1"/>
+                </a:solidFill>
+                <a:latin typeface="+mn-lt"/>
+                <a:ea typeface="+mn-ea"/>
+                <a:cs typeface="+mn-cs"/>
+              </a:defRPr>
+            </a:lvl8pPr>
+            <a:lvl9pPr marL="3657600" indent="0" algn="ctr" defTabSz="914400" rtl="0" eaLnBrk="1" latinLnBrk="0" hangingPunct="1">
+              <a:lnSpc>
+                <a:spcPct val="90000"/>
+              </a:lnSpc>
+              <a:spcBef>
+                <a:spcPts val="500"/>
+              </a:spcBef>
+              <a:buFont typeface="Arial" panose="020B0604020202020204" pitchFamily="34" charset="0"/>
+              <a:buNone/>
+              <a:defRPr sz="1600" kern="1200">
+                <a:solidFill>
+                  <a:schemeClr val="tx1"/>
+                </a:solidFill>
+                <a:latin typeface="+mn-lt"/>
+                <a:ea typeface="+mn-ea"/>
+                <a:cs typeface="+mn-cs"/>
+              </a:defRPr>
+            </a:lvl9pPr>
+          </a:lstStyle>
+          <a:p>
+            <a:pPr algn="l"/>
+            <a:r>
+              <a:rPr lang="es-MX" sz="1600" dirty="0"/>
+              <a:t>+ En aquellos casos donde no se tenga una instrucción para realizar, terminarán cayendo en el </a:t>
+            </a:r>
+            <a:r>
+              <a:rPr lang="es-MX" sz="1600" b="1" dirty="0"/>
+              <a:t>ELSE	</a:t>
+            </a:r>
+            <a:endParaRPr lang="es-MX" sz="1600" dirty="0"/>
+          </a:p>
+        </p:txBody>
+      </p:sp>
+      <p:sp>
+        <p:nvSpPr>
+          <p:cNvPr id="11" name="Subtítulo 2">
+            <a:extLst>
+              <a:ext uri="{FF2B5EF4-FFF2-40B4-BE49-F238E27FC236}">
+                <a16:creationId xmlns:a16="http://schemas.microsoft.com/office/drawing/2014/main" id="{66F41748-FE48-D4DA-5506-A2B17FA0325D}"/>
+              </a:ext>
+            </a:extLst>
+          </p:cNvPr>
+          <p:cNvSpPr txBox="1">
+            <a:spLocks/>
+          </p:cNvSpPr>
+          <p:nvPr/>
+        </p:nvSpPr>
+        <p:spPr>
+          <a:xfrm>
+            <a:off x="152393" y="4113355"/>
+            <a:ext cx="7966363" cy="2623443"/>
+          </a:xfrm>
+          <a:prstGeom prst="rect">
+            <a:avLst/>
+          </a:prstGeom>
+        </p:spPr>
+        <p:txBody>
+          <a:bodyPr vert="horz" lIns="91440" tIns="45720" rIns="91440" bIns="45720" rtlCol="0">
+            <a:normAutofit/>
+          </a:bodyPr>
+          <a:lstStyle>
+            <a:lvl1pPr marL="0" indent="0" algn="ctr" defTabSz="914400" rtl="0" eaLnBrk="1" latinLnBrk="0" hangingPunct="1">
+              <a:lnSpc>
+                <a:spcPct val="90000"/>
+              </a:lnSpc>
+              <a:spcBef>
+                <a:spcPts val="1000"/>
+              </a:spcBef>
+              <a:buFont typeface="Arial" panose="020B0604020202020204" pitchFamily="34" charset="0"/>
+              <a:buNone/>
+              <a:defRPr sz="2400" kern="1200">
+                <a:solidFill>
+                  <a:schemeClr val="tx1"/>
+                </a:solidFill>
+                <a:latin typeface="+mn-lt"/>
+                <a:ea typeface="+mn-ea"/>
+                <a:cs typeface="+mn-cs"/>
+              </a:defRPr>
+            </a:lvl1pPr>
+            <a:lvl2pPr marL="457200" indent="0" algn="ctr" defTabSz="914400" rtl="0" eaLnBrk="1" latinLnBrk="0" hangingPunct="1">
+              <a:lnSpc>
+                <a:spcPct val="90000"/>
+              </a:lnSpc>
+              <a:spcBef>
+                <a:spcPts val="500"/>
+              </a:spcBef>
+              <a:buFont typeface="Arial" panose="020B0604020202020204" pitchFamily="34" charset="0"/>
+              <a:buNone/>
+              <a:defRPr sz="2000" kern="1200">
+                <a:solidFill>
+                  <a:schemeClr val="tx1"/>
+                </a:solidFill>
+                <a:latin typeface="+mn-lt"/>
+                <a:ea typeface="+mn-ea"/>
+                <a:cs typeface="+mn-cs"/>
+              </a:defRPr>
+            </a:lvl2pPr>
+            <a:lvl3pPr marL="914400" indent="0" algn="ctr" defTabSz="914400" rtl="0" eaLnBrk="1" latinLnBrk="0" hangingPunct="1">
+              <a:lnSpc>
+                <a:spcPct val="90000"/>
+              </a:lnSpc>
+              <a:spcBef>
+                <a:spcPts val="500"/>
+              </a:spcBef>
+              <a:buFont typeface="Arial" panose="020B0604020202020204" pitchFamily="34" charset="0"/>
+              <a:buNone/>
+              <a:defRPr sz="1800" kern="1200">
+                <a:solidFill>
+                  <a:schemeClr val="tx1"/>
+                </a:solidFill>
+                <a:latin typeface="+mn-lt"/>
+                <a:ea typeface="+mn-ea"/>
+                <a:cs typeface="+mn-cs"/>
+              </a:defRPr>
+            </a:lvl3pPr>
+            <a:lvl4pPr marL="1371600" indent="0" algn="ctr" defTabSz="914400" rtl="0" eaLnBrk="1" latinLnBrk="0" hangingPunct="1">
+              <a:lnSpc>
+                <a:spcPct val="90000"/>
+              </a:lnSpc>
+              <a:spcBef>
+                <a:spcPts val="500"/>
+              </a:spcBef>
+              <a:buFont typeface="Arial" panose="020B0604020202020204" pitchFamily="34" charset="0"/>
+              <a:buNone/>
+              <a:defRPr sz="1600" kern="1200">
+                <a:solidFill>
+                  <a:schemeClr val="tx1"/>
+                </a:solidFill>
+                <a:latin typeface="+mn-lt"/>
+                <a:ea typeface="+mn-ea"/>
+                <a:cs typeface="+mn-cs"/>
+              </a:defRPr>
+            </a:lvl4pPr>
+            <a:lvl5pPr marL="1828800" indent="0" algn="ctr" defTabSz="914400" rtl="0" eaLnBrk="1" latinLnBrk="0" hangingPunct="1">
+              <a:lnSpc>
+                <a:spcPct val="90000"/>
+              </a:lnSpc>
+              <a:spcBef>
+                <a:spcPts val="500"/>
+              </a:spcBef>
+              <a:buFont typeface="Arial" panose="020B0604020202020204" pitchFamily="34" charset="0"/>
+              <a:buNone/>
+              <a:defRPr sz="1600" kern="1200">
+                <a:solidFill>
+                  <a:schemeClr val="tx1"/>
+                </a:solidFill>
+                <a:latin typeface="+mn-lt"/>
+                <a:ea typeface="+mn-ea"/>
+                <a:cs typeface="+mn-cs"/>
+              </a:defRPr>
+            </a:lvl5pPr>
+            <a:lvl6pPr marL="2286000" indent="0" algn="ctr" defTabSz="914400" rtl="0" eaLnBrk="1" latinLnBrk="0" hangingPunct="1">
+              <a:lnSpc>
+                <a:spcPct val="90000"/>
+              </a:lnSpc>
+              <a:spcBef>
+                <a:spcPts val="500"/>
+              </a:spcBef>
+              <a:buFont typeface="Arial" panose="020B0604020202020204" pitchFamily="34" charset="0"/>
+              <a:buNone/>
+              <a:defRPr sz="1600" kern="1200">
+                <a:solidFill>
+                  <a:schemeClr val="tx1"/>
+                </a:solidFill>
+                <a:latin typeface="+mn-lt"/>
+                <a:ea typeface="+mn-ea"/>
+                <a:cs typeface="+mn-cs"/>
+              </a:defRPr>
+            </a:lvl6pPr>
+            <a:lvl7pPr marL="2743200" indent="0" algn="ctr" defTabSz="914400" rtl="0" eaLnBrk="1" latinLnBrk="0" hangingPunct="1">
+              <a:lnSpc>
+                <a:spcPct val="90000"/>
+              </a:lnSpc>
+              <a:spcBef>
+                <a:spcPts val="500"/>
+              </a:spcBef>
+              <a:buFont typeface="Arial" panose="020B0604020202020204" pitchFamily="34" charset="0"/>
+              <a:buNone/>
+              <a:defRPr sz="1600" kern="1200">
+                <a:solidFill>
+                  <a:schemeClr val="tx1"/>
+                </a:solidFill>
+                <a:latin typeface="+mn-lt"/>
+                <a:ea typeface="+mn-ea"/>
+                <a:cs typeface="+mn-cs"/>
+              </a:defRPr>
+            </a:lvl7pPr>
+            <a:lvl8pPr marL="3200400" indent="0" algn="ctr" defTabSz="914400" rtl="0" eaLnBrk="1" latinLnBrk="0" hangingPunct="1">
+              <a:lnSpc>
+                <a:spcPct val="90000"/>
+              </a:lnSpc>
+              <a:spcBef>
+                <a:spcPts val="500"/>
+              </a:spcBef>
+              <a:buFont typeface="Arial" panose="020B0604020202020204" pitchFamily="34" charset="0"/>
+              <a:buNone/>
+              <a:defRPr sz="1600" kern="1200">
+                <a:solidFill>
+                  <a:schemeClr val="tx1"/>
+                </a:solidFill>
+                <a:latin typeface="+mn-lt"/>
+                <a:ea typeface="+mn-ea"/>
+                <a:cs typeface="+mn-cs"/>
+              </a:defRPr>
+            </a:lvl8pPr>
+            <a:lvl9pPr marL="3657600" indent="0" algn="ctr" defTabSz="914400" rtl="0" eaLnBrk="1" latinLnBrk="0" hangingPunct="1">
+              <a:lnSpc>
+                <a:spcPct val="90000"/>
+              </a:lnSpc>
+              <a:spcBef>
+                <a:spcPts val="500"/>
+              </a:spcBef>
+              <a:buFont typeface="Arial" panose="020B0604020202020204" pitchFamily="34" charset="0"/>
+              <a:buNone/>
+              <a:defRPr sz="1600" kern="1200">
+                <a:solidFill>
+                  <a:schemeClr val="tx1"/>
+                </a:solidFill>
+                <a:latin typeface="+mn-lt"/>
+                <a:ea typeface="+mn-ea"/>
+                <a:cs typeface="+mn-cs"/>
+              </a:defRPr>
+            </a:lvl9pPr>
+          </a:lstStyle>
+          <a:p>
+            <a:pPr algn="l"/>
+            <a:r>
+              <a:rPr lang="es-MX" sz="2000" b="1" dirty="0">
+                <a:solidFill>
+                  <a:schemeClr val="accent1"/>
+                </a:solidFill>
+              </a:rPr>
+              <a:t>SELECT *, </a:t>
+            </a:r>
+          </a:p>
+          <a:p>
+            <a:pPr algn="l"/>
+            <a:r>
+              <a:rPr lang="es-MX" sz="2000" b="1" dirty="0">
+                <a:solidFill>
+                  <a:schemeClr val="accent1"/>
+                </a:solidFill>
+              </a:rPr>
+              <a:t>CASE</a:t>
+            </a:r>
+            <a:endParaRPr lang="es-MX" sz="2000" dirty="0">
+              <a:solidFill>
+                <a:schemeClr val="accent1"/>
+              </a:solidFill>
+            </a:endParaRPr>
+          </a:p>
+          <a:p>
+            <a:pPr algn="l"/>
+            <a:r>
+              <a:rPr lang="es-MX" sz="2000" b="1" dirty="0">
+                <a:solidFill>
+                  <a:schemeClr val="accent1"/>
+                </a:solidFill>
+              </a:rPr>
+              <a:t>	WHEN </a:t>
+            </a:r>
+            <a:r>
+              <a:rPr lang="es-MX" sz="2000" dirty="0" err="1">
+                <a:solidFill>
+                  <a:schemeClr val="accent1"/>
+                </a:solidFill>
+              </a:rPr>
+              <a:t>age</a:t>
+            </a:r>
+            <a:r>
+              <a:rPr lang="es-MX" sz="2000" dirty="0">
+                <a:solidFill>
+                  <a:schemeClr val="accent1"/>
+                </a:solidFill>
+              </a:rPr>
+              <a:t>&lt;30 </a:t>
+            </a:r>
+            <a:r>
+              <a:rPr lang="es-MX" sz="2000" b="1" dirty="0">
+                <a:solidFill>
+                  <a:schemeClr val="accent1"/>
+                </a:solidFill>
+              </a:rPr>
+              <a:t>THEN ‘</a:t>
+            </a:r>
+            <a:r>
+              <a:rPr lang="es-MX" sz="2000" dirty="0">
+                <a:solidFill>
+                  <a:schemeClr val="accent1"/>
+                </a:solidFill>
+              </a:rPr>
+              <a:t>Joven’</a:t>
+            </a:r>
+          </a:p>
+          <a:p>
+            <a:pPr algn="l"/>
+            <a:r>
+              <a:rPr lang="es-MX" sz="2000" b="1" dirty="0">
+                <a:solidFill>
+                  <a:schemeClr val="accent1"/>
+                </a:solidFill>
+              </a:rPr>
+              <a:t>	WHEN </a:t>
+            </a:r>
+            <a:r>
+              <a:rPr lang="es-MX" sz="2000" dirty="0" err="1">
+                <a:solidFill>
+                  <a:schemeClr val="accent1"/>
+                </a:solidFill>
+              </a:rPr>
+              <a:t>age</a:t>
+            </a:r>
+            <a:r>
+              <a:rPr lang="es-MX" sz="2000" dirty="0">
+                <a:solidFill>
+                  <a:schemeClr val="accent1"/>
+                </a:solidFill>
+              </a:rPr>
+              <a:t>&gt;60 </a:t>
+            </a:r>
+            <a:r>
+              <a:rPr lang="es-MX" sz="2000" b="1" dirty="0">
+                <a:solidFill>
+                  <a:schemeClr val="accent1"/>
+                </a:solidFill>
+              </a:rPr>
+              <a:t>THEN ‘</a:t>
+            </a:r>
+            <a:r>
+              <a:rPr lang="es-MX" sz="2000" dirty="0">
+                <a:solidFill>
+                  <a:schemeClr val="accent1"/>
+                </a:solidFill>
+              </a:rPr>
+              <a:t>Mayor’</a:t>
+            </a:r>
+          </a:p>
+          <a:p>
+            <a:pPr algn="l"/>
+            <a:r>
+              <a:rPr lang="es-MX" sz="2000" b="1" dirty="0">
+                <a:solidFill>
+                  <a:schemeClr val="accent1"/>
+                </a:solidFill>
+              </a:rPr>
+              <a:t>	ELSE </a:t>
+            </a:r>
+            <a:r>
+              <a:rPr lang="es-MX" sz="2000" dirty="0">
+                <a:solidFill>
+                  <a:schemeClr val="accent1"/>
+                </a:solidFill>
+              </a:rPr>
+              <a:t>‘Medio’</a:t>
+            </a:r>
+          </a:p>
+          <a:p>
+            <a:pPr algn="l"/>
+            <a:r>
+              <a:rPr lang="es-MX" sz="2000" b="1" dirty="0">
+                <a:solidFill>
+                  <a:schemeClr val="accent1"/>
+                </a:solidFill>
+              </a:rPr>
+              <a:t>END AS </a:t>
+            </a:r>
+            <a:r>
+              <a:rPr lang="es-MX" sz="2000" dirty="0">
+                <a:solidFill>
+                  <a:schemeClr val="accent1"/>
+                </a:solidFill>
+              </a:rPr>
+              <a:t>‘Categoría de edad’ </a:t>
+            </a:r>
+            <a:r>
+              <a:rPr lang="es-MX" sz="2000" b="1" dirty="0">
+                <a:solidFill>
+                  <a:schemeClr val="accent1"/>
+                </a:solidFill>
+              </a:rPr>
+              <a:t>FROM </a:t>
+            </a:r>
+            <a:r>
+              <a:rPr lang="es-MX" sz="2000" dirty="0" err="1">
+                <a:solidFill>
+                  <a:schemeClr val="accent1"/>
+                </a:solidFill>
+              </a:rPr>
+              <a:t>customer</a:t>
+            </a:r>
+            <a:r>
+              <a:rPr lang="es-MX" sz="2000" dirty="0">
+                <a:solidFill>
+                  <a:schemeClr val="accent1"/>
+                </a:solidFill>
+              </a:rPr>
+              <a:t> </a:t>
+            </a:r>
+            <a:r>
+              <a:rPr lang="es-MX" sz="2000" b="1" dirty="0">
+                <a:solidFill>
+                  <a:schemeClr val="accent1"/>
+                </a:solidFill>
+              </a:rPr>
+              <a:t>;</a:t>
+            </a:r>
+          </a:p>
+          <a:p>
+            <a:pPr algn="l"/>
+            <a:endParaRPr lang="es-MX" sz="2000" b="1" dirty="0">
+              <a:solidFill>
+                <a:schemeClr val="accent1"/>
+              </a:solidFill>
+            </a:endParaRPr>
+          </a:p>
+        </p:txBody>
+      </p:sp>
+      <p:sp>
+        <p:nvSpPr>
+          <p:cNvPr id="13" name="Subtítulo 2">
+            <a:extLst>
+              <a:ext uri="{FF2B5EF4-FFF2-40B4-BE49-F238E27FC236}">
+                <a16:creationId xmlns:a16="http://schemas.microsoft.com/office/drawing/2014/main" id="{73831431-3ED4-EE46-1F5C-C73AF5A9DF0D}"/>
+              </a:ext>
+            </a:extLst>
+          </p:cNvPr>
+          <p:cNvSpPr txBox="1">
+            <a:spLocks/>
+          </p:cNvSpPr>
+          <p:nvPr/>
+        </p:nvSpPr>
+        <p:spPr>
+          <a:xfrm>
+            <a:off x="8285019" y="4101220"/>
+            <a:ext cx="3906981" cy="1154126"/>
+          </a:xfrm>
+          <a:prstGeom prst="rect">
+            <a:avLst/>
+          </a:prstGeom>
+        </p:spPr>
+        <p:txBody>
+          <a:bodyPr vert="horz" lIns="91440" tIns="45720" rIns="91440" bIns="45720" rtlCol="0">
+            <a:normAutofit/>
+          </a:bodyPr>
+          <a:lstStyle>
+            <a:lvl1pPr marL="0" indent="0" algn="ctr" defTabSz="914400" rtl="0" eaLnBrk="1" latinLnBrk="0" hangingPunct="1">
+              <a:lnSpc>
+                <a:spcPct val="90000"/>
+              </a:lnSpc>
+              <a:spcBef>
+                <a:spcPts val="1000"/>
+              </a:spcBef>
+              <a:buFont typeface="Arial" panose="020B0604020202020204" pitchFamily="34" charset="0"/>
+              <a:buNone/>
+              <a:defRPr sz="2400" kern="1200">
+                <a:solidFill>
+                  <a:schemeClr val="tx1"/>
+                </a:solidFill>
+                <a:latin typeface="+mn-lt"/>
+                <a:ea typeface="+mn-ea"/>
+                <a:cs typeface="+mn-cs"/>
+              </a:defRPr>
+            </a:lvl1pPr>
+            <a:lvl2pPr marL="457200" indent="0" algn="ctr" defTabSz="914400" rtl="0" eaLnBrk="1" latinLnBrk="0" hangingPunct="1">
+              <a:lnSpc>
+                <a:spcPct val="90000"/>
+              </a:lnSpc>
+              <a:spcBef>
+                <a:spcPts val="500"/>
+              </a:spcBef>
+              <a:buFont typeface="Arial" panose="020B0604020202020204" pitchFamily="34" charset="0"/>
+              <a:buNone/>
+              <a:defRPr sz="2000" kern="1200">
+                <a:solidFill>
+                  <a:schemeClr val="tx1"/>
+                </a:solidFill>
+                <a:latin typeface="+mn-lt"/>
+                <a:ea typeface="+mn-ea"/>
+                <a:cs typeface="+mn-cs"/>
+              </a:defRPr>
+            </a:lvl2pPr>
+            <a:lvl3pPr marL="914400" indent="0" algn="ctr" defTabSz="914400" rtl="0" eaLnBrk="1" latinLnBrk="0" hangingPunct="1">
+              <a:lnSpc>
+                <a:spcPct val="90000"/>
+              </a:lnSpc>
+              <a:spcBef>
+                <a:spcPts val="500"/>
+              </a:spcBef>
+              <a:buFont typeface="Arial" panose="020B0604020202020204" pitchFamily="34" charset="0"/>
+              <a:buNone/>
+              <a:defRPr sz="1800" kern="1200">
+                <a:solidFill>
+                  <a:schemeClr val="tx1"/>
+                </a:solidFill>
+                <a:latin typeface="+mn-lt"/>
+                <a:ea typeface="+mn-ea"/>
+                <a:cs typeface="+mn-cs"/>
+              </a:defRPr>
+            </a:lvl3pPr>
+            <a:lvl4pPr marL="1371600" indent="0" algn="ctr" defTabSz="914400" rtl="0" eaLnBrk="1" latinLnBrk="0" hangingPunct="1">
+              <a:lnSpc>
+                <a:spcPct val="90000"/>
+              </a:lnSpc>
+              <a:spcBef>
+                <a:spcPts val="500"/>
+              </a:spcBef>
+              <a:buFont typeface="Arial" panose="020B0604020202020204" pitchFamily="34" charset="0"/>
+              <a:buNone/>
+              <a:defRPr sz="1600" kern="1200">
+                <a:solidFill>
+                  <a:schemeClr val="tx1"/>
+                </a:solidFill>
+                <a:latin typeface="+mn-lt"/>
+                <a:ea typeface="+mn-ea"/>
+                <a:cs typeface="+mn-cs"/>
+              </a:defRPr>
+            </a:lvl4pPr>
+            <a:lvl5pPr marL="1828800" indent="0" algn="ctr" defTabSz="914400" rtl="0" eaLnBrk="1" latinLnBrk="0" hangingPunct="1">
+              <a:lnSpc>
+                <a:spcPct val="90000"/>
+              </a:lnSpc>
+              <a:spcBef>
+                <a:spcPts val="500"/>
+              </a:spcBef>
+              <a:buFont typeface="Arial" panose="020B0604020202020204" pitchFamily="34" charset="0"/>
+              <a:buNone/>
+              <a:defRPr sz="1600" kern="1200">
+                <a:solidFill>
+                  <a:schemeClr val="tx1"/>
+                </a:solidFill>
+                <a:latin typeface="+mn-lt"/>
+                <a:ea typeface="+mn-ea"/>
+                <a:cs typeface="+mn-cs"/>
+              </a:defRPr>
+            </a:lvl5pPr>
+            <a:lvl6pPr marL="2286000" indent="0" algn="ctr" defTabSz="914400" rtl="0" eaLnBrk="1" latinLnBrk="0" hangingPunct="1">
+              <a:lnSpc>
+                <a:spcPct val="90000"/>
+              </a:lnSpc>
+              <a:spcBef>
+                <a:spcPts val="500"/>
+              </a:spcBef>
+              <a:buFont typeface="Arial" panose="020B0604020202020204" pitchFamily="34" charset="0"/>
+              <a:buNone/>
+              <a:defRPr sz="1600" kern="1200">
+                <a:solidFill>
+                  <a:schemeClr val="tx1"/>
+                </a:solidFill>
+                <a:latin typeface="+mn-lt"/>
+                <a:ea typeface="+mn-ea"/>
+                <a:cs typeface="+mn-cs"/>
+              </a:defRPr>
+            </a:lvl6pPr>
+            <a:lvl7pPr marL="2743200" indent="0" algn="ctr" defTabSz="914400" rtl="0" eaLnBrk="1" latinLnBrk="0" hangingPunct="1">
+              <a:lnSpc>
+                <a:spcPct val="90000"/>
+              </a:lnSpc>
+              <a:spcBef>
+                <a:spcPts val="500"/>
+              </a:spcBef>
+              <a:buFont typeface="Arial" panose="020B0604020202020204" pitchFamily="34" charset="0"/>
+              <a:buNone/>
+              <a:defRPr sz="1600" kern="1200">
+                <a:solidFill>
+                  <a:schemeClr val="tx1"/>
+                </a:solidFill>
+                <a:latin typeface="+mn-lt"/>
+                <a:ea typeface="+mn-ea"/>
+                <a:cs typeface="+mn-cs"/>
+              </a:defRPr>
+            </a:lvl7pPr>
+            <a:lvl8pPr marL="3200400" indent="0" algn="ctr" defTabSz="914400" rtl="0" eaLnBrk="1" latinLnBrk="0" hangingPunct="1">
+              <a:lnSpc>
+                <a:spcPct val="90000"/>
+              </a:lnSpc>
+              <a:spcBef>
+                <a:spcPts val="500"/>
+              </a:spcBef>
+              <a:buFont typeface="Arial" panose="020B0604020202020204" pitchFamily="34" charset="0"/>
+              <a:buNone/>
+              <a:defRPr sz="1600" kern="1200">
+                <a:solidFill>
+                  <a:schemeClr val="tx1"/>
+                </a:solidFill>
+                <a:latin typeface="+mn-lt"/>
+                <a:ea typeface="+mn-ea"/>
+                <a:cs typeface="+mn-cs"/>
+              </a:defRPr>
+            </a:lvl8pPr>
+            <a:lvl9pPr marL="3657600" indent="0" algn="ctr" defTabSz="914400" rtl="0" eaLnBrk="1" latinLnBrk="0" hangingPunct="1">
+              <a:lnSpc>
+                <a:spcPct val="90000"/>
+              </a:lnSpc>
+              <a:spcBef>
+                <a:spcPts val="500"/>
+              </a:spcBef>
+              <a:buFont typeface="Arial" panose="020B0604020202020204" pitchFamily="34" charset="0"/>
+              <a:buNone/>
+              <a:defRPr sz="1600" kern="1200">
+                <a:solidFill>
+                  <a:schemeClr val="tx1"/>
+                </a:solidFill>
+                <a:latin typeface="+mn-lt"/>
+                <a:ea typeface="+mn-ea"/>
+                <a:cs typeface="+mn-cs"/>
+              </a:defRPr>
+            </a:lvl9pPr>
+          </a:lstStyle>
+          <a:p>
+            <a:pPr algn="l"/>
+            <a:r>
+              <a:rPr lang="es-MX" sz="1600" dirty="0"/>
+              <a:t>+ Muestra la tabla completa y añade una columna más con el nombre de </a:t>
+            </a:r>
+            <a:r>
+              <a:rPr lang="es-MX" sz="1600" i="1" dirty="0"/>
+              <a:t>Categoría de edad</a:t>
+            </a:r>
+            <a:r>
+              <a:rPr lang="es-MX" sz="1600" dirty="0"/>
+              <a:t> , donde se hace la clasificación de acuerdo a la edad</a:t>
+            </a:r>
+          </a:p>
+        </p:txBody>
+      </p:sp>
+      <p:sp>
+        <p:nvSpPr>
+          <p:cNvPr id="7" name="Subtítulo 2">
+            <a:extLst>
+              <a:ext uri="{FF2B5EF4-FFF2-40B4-BE49-F238E27FC236}">
+                <a16:creationId xmlns:a16="http://schemas.microsoft.com/office/drawing/2014/main" id="{D6F07E9B-E9B9-E49B-1B8C-8F90F9F01349}"/>
+              </a:ext>
+            </a:extLst>
+          </p:cNvPr>
+          <p:cNvSpPr txBox="1">
+            <a:spLocks/>
+          </p:cNvSpPr>
+          <p:nvPr/>
+        </p:nvSpPr>
+        <p:spPr>
+          <a:xfrm>
+            <a:off x="8285019" y="5271030"/>
+            <a:ext cx="3906981" cy="1154126"/>
+          </a:xfrm>
+          <a:prstGeom prst="rect">
+            <a:avLst/>
+          </a:prstGeom>
+        </p:spPr>
+        <p:txBody>
+          <a:bodyPr vert="horz" lIns="91440" tIns="45720" rIns="91440" bIns="45720" rtlCol="0">
+            <a:normAutofit/>
+          </a:bodyPr>
+          <a:lstStyle>
+            <a:lvl1pPr marL="0" indent="0" algn="ctr" defTabSz="914400" rtl="0" eaLnBrk="1" latinLnBrk="0" hangingPunct="1">
+              <a:lnSpc>
+                <a:spcPct val="90000"/>
+              </a:lnSpc>
+              <a:spcBef>
+                <a:spcPts val="1000"/>
+              </a:spcBef>
+              <a:buFont typeface="Arial" panose="020B0604020202020204" pitchFamily="34" charset="0"/>
+              <a:buNone/>
+              <a:defRPr sz="2400" kern="1200">
+                <a:solidFill>
+                  <a:schemeClr val="tx1"/>
+                </a:solidFill>
+                <a:latin typeface="+mn-lt"/>
+                <a:ea typeface="+mn-ea"/>
+                <a:cs typeface="+mn-cs"/>
+              </a:defRPr>
+            </a:lvl1pPr>
+            <a:lvl2pPr marL="457200" indent="0" algn="ctr" defTabSz="914400" rtl="0" eaLnBrk="1" latinLnBrk="0" hangingPunct="1">
+              <a:lnSpc>
+                <a:spcPct val="90000"/>
+              </a:lnSpc>
+              <a:spcBef>
+                <a:spcPts val="500"/>
+              </a:spcBef>
+              <a:buFont typeface="Arial" panose="020B0604020202020204" pitchFamily="34" charset="0"/>
+              <a:buNone/>
+              <a:defRPr sz="2000" kern="1200">
+                <a:solidFill>
+                  <a:schemeClr val="tx1"/>
+                </a:solidFill>
+                <a:latin typeface="+mn-lt"/>
+                <a:ea typeface="+mn-ea"/>
+                <a:cs typeface="+mn-cs"/>
+              </a:defRPr>
+            </a:lvl2pPr>
+            <a:lvl3pPr marL="914400" indent="0" algn="ctr" defTabSz="914400" rtl="0" eaLnBrk="1" latinLnBrk="0" hangingPunct="1">
+              <a:lnSpc>
+                <a:spcPct val="90000"/>
+              </a:lnSpc>
+              <a:spcBef>
+                <a:spcPts val="500"/>
+              </a:spcBef>
+              <a:buFont typeface="Arial" panose="020B0604020202020204" pitchFamily="34" charset="0"/>
+              <a:buNone/>
+              <a:defRPr sz="1800" kern="1200">
+                <a:solidFill>
+                  <a:schemeClr val="tx1"/>
+                </a:solidFill>
+                <a:latin typeface="+mn-lt"/>
+                <a:ea typeface="+mn-ea"/>
+                <a:cs typeface="+mn-cs"/>
+              </a:defRPr>
+            </a:lvl3pPr>
+            <a:lvl4pPr marL="1371600" indent="0" algn="ctr" defTabSz="914400" rtl="0" eaLnBrk="1" latinLnBrk="0" hangingPunct="1">
+              <a:lnSpc>
+                <a:spcPct val="90000"/>
+              </a:lnSpc>
+              <a:spcBef>
+                <a:spcPts val="500"/>
+              </a:spcBef>
+              <a:buFont typeface="Arial" panose="020B0604020202020204" pitchFamily="34" charset="0"/>
+              <a:buNone/>
+              <a:defRPr sz="1600" kern="1200">
+                <a:solidFill>
+                  <a:schemeClr val="tx1"/>
+                </a:solidFill>
+                <a:latin typeface="+mn-lt"/>
+                <a:ea typeface="+mn-ea"/>
+                <a:cs typeface="+mn-cs"/>
+              </a:defRPr>
+            </a:lvl4pPr>
+            <a:lvl5pPr marL="1828800" indent="0" algn="ctr" defTabSz="914400" rtl="0" eaLnBrk="1" latinLnBrk="0" hangingPunct="1">
+              <a:lnSpc>
+                <a:spcPct val="90000"/>
+              </a:lnSpc>
+              <a:spcBef>
+                <a:spcPts val="500"/>
+              </a:spcBef>
+              <a:buFont typeface="Arial" panose="020B0604020202020204" pitchFamily="34" charset="0"/>
+              <a:buNone/>
+              <a:defRPr sz="1600" kern="1200">
+                <a:solidFill>
+                  <a:schemeClr val="tx1"/>
+                </a:solidFill>
+                <a:latin typeface="+mn-lt"/>
+                <a:ea typeface="+mn-ea"/>
+                <a:cs typeface="+mn-cs"/>
+              </a:defRPr>
+            </a:lvl5pPr>
+            <a:lvl6pPr marL="2286000" indent="0" algn="ctr" defTabSz="914400" rtl="0" eaLnBrk="1" latinLnBrk="0" hangingPunct="1">
+              <a:lnSpc>
+                <a:spcPct val="90000"/>
+              </a:lnSpc>
+              <a:spcBef>
+                <a:spcPts val="500"/>
+              </a:spcBef>
+              <a:buFont typeface="Arial" panose="020B0604020202020204" pitchFamily="34" charset="0"/>
+              <a:buNone/>
+              <a:defRPr sz="1600" kern="1200">
+                <a:solidFill>
+                  <a:schemeClr val="tx1"/>
+                </a:solidFill>
+                <a:latin typeface="+mn-lt"/>
+                <a:ea typeface="+mn-ea"/>
+                <a:cs typeface="+mn-cs"/>
+              </a:defRPr>
+            </a:lvl6pPr>
+            <a:lvl7pPr marL="2743200" indent="0" algn="ctr" defTabSz="914400" rtl="0" eaLnBrk="1" latinLnBrk="0" hangingPunct="1">
+              <a:lnSpc>
+                <a:spcPct val="90000"/>
+              </a:lnSpc>
+              <a:spcBef>
+                <a:spcPts val="500"/>
+              </a:spcBef>
+              <a:buFont typeface="Arial" panose="020B0604020202020204" pitchFamily="34" charset="0"/>
+              <a:buNone/>
+              <a:defRPr sz="1600" kern="1200">
+                <a:solidFill>
+                  <a:schemeClr val="tx1"/>
+                </a:solidFill>
+                <a:latin typeface="+mn-lt"/>
+                <a:ea typeface="+mn-ea"/>
+                <a:cs typeface="+mn-cs"/>
+              </a:defRPr>
+            </a:lvl7pPr>
+            <a:lvl8pPr marL="3200400" indent="0" algn="ctr" defTabSz="914400" rtl="0" eaLnBrk="1" latinLnBrk="0" hangingPunct="1">
+              <a:lnSpc>
+                <a:spcPct val="90000"/>
+              </a:lnSpc>
+              <a:spcBef>
+                <a:spcPts val="500"/>
+              </a:spcBef>
+              <a:buFont typeface="Arial" panose="020B0604020202020204" pitchFamily="34" charset="0"/>
+              <a:buNone/>
+              <a:defRPr sz="1600" kern="1200">
+                <a:solidFill>
+                  <a:schemeClr val="tx1"/>
+                </a:solidFill>
+                <a:latin typeface="+mn-lt"/>
+                <a:ea typeface="+mn-ea"/>
+                <a:cs typeface="+mn-cs"/>
+              </a:defRPr>
+            </a:lvl8pPr>
+            <a:lvl9pPr marL="3657600" indent="0" algn="ctr" defTabSz="914400" rtl="0" eaLnBrk="1" latinLnBrk="0" hangingPunct="1">
+              <a:lnSpc>
+                <a:spcPct val="90000"/>
+              </a:lnSpc>
+              <a:spcBef>
+                <a:spcPts val="500"/>
+              </a:spcBef>
+              <a:buFont typeface="Arial" panose="020B0604020202020204" pitchFamily="34" charset="0"/>
+              <a:buNone/>
+              <a:defRPr sz="1600" kern="1200">
+                <a:solidFill>
+                  <a:schemeClr val="tx1"/>
+                </a:solidFill>
+                <a:latin typeface="+mn-lt"/>
+                <a:ea typeface="+mn-ea"/>
+                <a:cs typeface="+mn-cs"/>
+              </a:defRPr>
+            </a:lvl9pPr>
+          </a:lstStyle>
+          <a:p>
+            <a:pPr algn="l"/>
+            <a:r>
+              <a:rPr lang="es-MX" sz="1600" dirty="0"/>
+              <a:t>+ Notar que la sentencia </a:t>
+            </a:r>
+            <a:r>
+              <a:rPr lang="es-MX" sz="1600" b="1" dirty="0"/>
+              <a:t>CASE</a:t>
+            </a:r>
+            <a:r>
+              <a:rPr lang="es-MX" sz="1600" dirty="0"/>
+              <a:t> se emplea para crear una columna, por lo que se le puede asignar un alias con la sentencia </a:t>
+            </a:r>
+            <a:r>
+              <a:rPr lang="es-MX" sz="1600" b="1" dirty="0"/>
+              <a:t>AS</a:t>
+            </a:r>
+            <a:endParaRPr lang="es-MX" sz="1600" dirty="0"/>
+          </a:p>
+        </p:txBody>
+      </p:sp>
+    </p:spTree>
+    <p:extLst>
+      <p:ext uri="{BB962C8B-B14F-4D97-AF65-F5344CB8AC3E}">
+        <p14:creationId xmlns:p14="http://schemas.microsoft.com/office/powerpoint/2010/main" val="2508660699"/>
       </p:ext>
     </p:extLst>
   </p:cSld>

--- a/Curso AABD-SQL (Notas).pptx
+++ b/Curso AABD-SQL (Notas).pptx
@@ -5,7 +5,7 @@
     <p:sldMasterId id="2147483648" r:id="rId1"/>
   </p:sldMasterIdLst>
   <p:notesMasterIdLst>
-    <p:notesMasterId r:id="rId28"/>
+    <p:notesMasterId r:id="rId39"/>
   </p:notesMasterIdLst>
   <p:sldIdLst>
     <p:sldId id="256" r:id="rId2"/>
@@ -34,6 +34,17 @@
     <p:sldId id="280" r:id="rId25"/>
     <p:sldId id="281" r:id="rId26"/>
     <p:sldId id="282" r:id="rId27"/>
+    <p:sldId id="283" r:id="rId28"/>
+    <p:sldId id="285" r:id="rId29"/>
+    <p:sldId id="284" r:id="rId30"/>
+    <p:sldId id="286" r:id="rId31"/>
+    <p:sldId id="287" r:id="rId32"/>
+    <p:sldId id="288" r:id="rId33"/>
+    <p:sldId id="289" r:id="rId34"/>
+    <p:sldId id="290" r:id="rId35"/>
+    <p:sldId id="291" r:id="rId36"/>
+    <p:sldId id="292" r:id="rId37"/>
+    <p:sldId id="293" r:id="rId38"/>
   </p:sldIdLst>
   <p:sldSz cx="12192000" cy="6858000"/>
   <p:notesSz cx="6858000" cy="9144000"/>
@@ -649,6 +660,594 @@
     <p:extLst>
       <p:ext uri="{BB962C8B-B14F-4D97-AF65-F5344CB8AC3E}">
         <p14:creationId xmlns:p14="http://schemas.microsoft.com/office/powerpoint/2010/main" val="3500479923"/>
+      </p:ext>
+    </p:extLst>
+  </p:cSld>
+  <p:clrMapOvr>
+    <a:masterClrMapping/>
+  </p:clrMapOvr>
+</p:notes>
+</file>
+
+<file path=ppt/notesSlides/notesSlide3.xml><?xml version="1.0" encoding="utf-8"?>
+<p:notes xmlns:a="http://schemas.openxmlformats.org/drawingml/2006/main" xmlns:r="http://schemas.openxmlformats.org/officeDocument/2006/relationships" xmlns:p="http://schemas.openxmlformats.org/presentationml/2006/main">
+  <p:cSld>
+    <p:spTree>
+      <p:nvGrpSpPr>
+        <p:cNvPr id="1" name=""/>
+        <p:cNvGrpSpPr/>
+        <p:nvPr/>
+      </p:nvGrpSpPr>
+      <p:grpSpPr>
+        <a:xfrm>
+          <a:off x="0" y="0"/>
+          <a:ext cx="0" cy="0"/>
+          <a:chOff x="0" y="0"/>
+          <a:chExt cx="0" cy="0"/>
+        </a:xfrm>
+      </p:grpSpPr>
+      <p:sp>
+        <p:nvSpPr>
+          <p:cNvPr id="2" name="Marcador de imagen de diapositiva 1"/>
+          <p:cNvSpPr>
+            <a:spLocks noGrp="1" noRot="1" noChangeAspect="1"/>
+          </p:cNvSpPr>
+          <p:nvPr>
+            <p:ph type="sldImg"/>
+          </p:nvPr>
+        </p:nvSpPr>
+        <p:spPr/>
+      </p:sp>
+      <p:sp>
+        <p:nvSpPr>
+          <p:cNvPr id="3" name="Marcador de notas 2"/>
+          <p:cNvSpPr>
+            <a:spLocks noGrp="1"/>
+          </p:cNvSpPr>
+          <p:nvPr>
+            <p:ph type="body" idx="1"/>
+          </p:nvPr>
+        </p:nvSpPr>
+        <p:spPr/>
+        <p:txBody>
+          <a:bodyPr/>
+          <a:lstStyle/>
+          <a:p>
+            <a:endParaRPr lang="es-MX" dirty="0"/>
+          </a:p>
+        </p:txBody>
+      </p:sp>
+      <p:sp>
+        <p:nvSpPr>
+          <p:cNvPr id="4" name="Marcador de número de diapositiva 3"/>
+          <p:cNvSpPr>
+            <a:spLocks noGrp="1"/>
+          </p:cNvSpPr>
+          <p:nvPr>
+            <p:ph type="sldNum" sz="quarter" idx="5"/>
+          </p:nvPr>
+        </p:nvSpPr>
+        <p:spPr/>
+        <p:txBody>
+          <a:bodyPr/>
+          <a:lstStyle/>
+          <a:p>
+            <a:fld id="{D4A78022-2530-4603-9FD9-5FBF83922B58}" type="slidenum">
+              <a:rPr lang="es-MX" smtClean="0"/>
+              <a:t>27</a:t>
+            </a:fld>
+            <a:endParaRPr lang="es-MX"/>
+          </a:p>
+        </p:txBody>
+      </p:sp>
+    </p:spTree>
+    <p:extLst>
+      <p:ext uri="{BB962C8B-B14F-4D97-AF65-F5344CB8AC3E}">
+        <p14:creationId xmlns:p14="http://schemas.microsoft.com/office/powerpoint/2010/main" val="191059174"/>
+      </p:ext>
+    </p:extLst>
+  </p:cSld>
+  <p:clrMapOvr>
+    <a:masterClrMapping/>
+  </p:clrMapOvr>
+</p:notes>
+</file>
+
+<file path=ppt/notesSlides/notesSlide4.xml><?xml version="1.0" encoding="utf-8"?>
+<p:notes xmlns:a="http://schemas.openxmlformats.org/drawingml/2006/main" xmlns:r="http://schemas.openxmlformats.org/officeDocument/2006/relationships" xmlns:p="http://schemas.openxmlformats.org/presentationml/2006/main">
+  <p:cSld>
+    <p:spTree>
+      <p:nvGrpSpPr>
+        <p:cNvPr id="1" name=""/>
+        <p:cNvGrpSpPr/>
+        <p:nvPr/>
+      </p:nvGrpSpPr>
+      <p:grpSpPr>
+        <a:xfrm>
+          <a:off x="0" y="0"/>
+          <a:ext cx="0" cy="0"/>
+          <a:chOff x="0" y="0"/>
+          <a:chExt cx="0" cy="0"/>
+        </a:xfrm>
+      </p:grpSpPr>
+      <p:sp>
+        <p:nvSpPr>
+          <p:cNvPr id="2" name="Marcador de imagen de diapositiva 1"/>
+          <p:cNvSpPr>
+            <a:spLocks noGrp="1" noRot="1" noChangeAspect="1"/>
+          </p:cNvSpPr>
+          <p:nvPr>
+            <p:ph type="sldImg"/>
+          </p:nvPr>
+        </p:nvSpPr>
+        <p:spPr/>
+      </p:sp>
+      <p:sp>
+        <p:nvSpPr>
+          <p:cNvPr id="3" name="Marcador de notas 2"/>
+          <p:cNvSpPr>
+            <a:spLocks noGrp="1"/>
+          </p:cNvSpPr>
+          <p:nvPr>
+            <p:ph type="body" idx="1"/>
+          </p:nvPr>
+        </p:nvSpPr>
+        <p:spPr/>
+        <p:txBody>
+          <a:bodyPr/>
+          <a:lstStyle/>
+          <a:p>
+            <a:endParaRPr lang="es-MX" dirty="0"/>
+          </a:p>
+        </p:txBody>
+      </p:sp>
+      <p:sp>
+        <p:nvSpPr>
+          <p:cNvPr id="4" name="Marcador de número de diapositiva 3"/>
+          <p:cNvSpPr>
+            <a:spLocks noGrp="1"/>
+          </p:cNvSpPr>
+          <p:nvPr>
+            <p:ph type="sldNum" sz="quarter" idx="5"/>
+          </p:nvPr>
+        </p:nvSpPr>
+        <p:spPr/>
+        <p:txBody>
+          <a:bodyPr/>
+          <a:lstStyle/>
+          <a:p>
+            <a:fld id="{D4A78022-2530-4603-9FD9-5FBF83922B58}" type="slidenum">
+              <a:rPr lang="es-MX" smtClean="0"/>
+              <a:t>29</a:t>
+            </a:fld>
+            <a:endParaRPr lang="es-MX"/>
+          </a:p>
+        </p:txBody>
+      </p:sp>
+    </p:spTree>
+    <p:extLst>
+      <p:ext uri="{BB962C8B-B14F-4D97-AF65-F5344CB8AC3E}">
+        <p14:creationId xmlns:p14="http://schemas.microsoft.com/office/powerpoint/2010/main" val="3347669544"/>
+      </p:ext>
+    </p:extLst>
+  </p:cSld>
+  <p:clrMapOvr>
+    <a:masterClrMapping/>
+  </p:clrMapOvr>
+</p:notes>
+</file>
+
+<file path=ppt/notesSlides/notesSlide5.xml><?xml version="1.0" encoding="utf-8"?>
+<p:notes xmlns:a="http://schemas.openxmlformats.org/drawingml/2006/main" xmlns:r="http://schemas.openxmlformats.org/officeDocument/2006/relationships" xmlns:p="http://schemas.openxmlformats.org/presentationml/2006/main">
+  <p:cSld>
+    <p:spTree>
+      <p:nvGrpSpPr>
+        <p:cNvPr id="1" name=""/>
+        <p:cNvGrpSpPr/>
+        <p:nvPr/>
+      </p:nvGrpSpPr>
+      <p:grpSpPr>
+        <a:xfrm>
+          <a:off x="0" y="0"/>
+          <a:ext cx="0" cy="0"/>
+          <a:chOff x="0" y="0"/>
+          <a:chExt cx="0" cy="0"/>
+        </a:xfrm>
+      </p:grpSpPr>
+      <p:sp>
+        <p:nvSpPr>
+          <p:cNvPr id="2" name="Marcador de imagen de diapositiva 1"/>
+          <p:cNvSpPr>
+            <a:spLocks noGrp="1" noRot="1" noChangeAspect="1"/>
+          </p:cNvSpPr>
+          <p:nvPr>
+            <p:ph type="sldImg"/>
+          </p:nvPr>
+        </p:nvSpPr>
+        <p:spPr/>
+      </p:sp>
+      <p:sp>
+        <p:nvSpPr>
+          <p:cNvPr id="3" name="Marcador de notas 2"/>
+          <p:cNvSpPr>
+            <a:spLocks noGrp="1"/>
+          </p:cNvSpPr>
+          <p:nvPr>
+            <p:ph type="body" idx="1"/>
+          </p:nvPr>
+        </p:nvSpPr>
+        <p:spPr/>
+        <p:txBody>
+          <a:bodyPr/>
+          <a:lstStyle/>
+          <a:p>
+            <a:endParaRPr lang="es-MX" dirty="0"/>
+          </a:p>
+        </p:txBody>
+      </p:sp>
+      <p:sp>
+        <p:nvSpPr>
+          <p:cNvPr id="4" name="Marcador de número de diapositiva 3"/>
+          <p:cNvSpPr>
+            <a:spLocks noGrp="1"/>
+          </p:cNvSpPr>
+          <p:nvPr>
+            <p:ph type="sldNum" sz="quarter" idx="5"/>
+          </p:nvPr>
+        </p:nvSpPr>
+        <p:spPr/>
+        <p:txBody>
+          <a:bodyPr/>
+          <a:lstStyle/>
+          <a:p>
+            <a:fld id="{D4A78022-2530-4603-9FD9-5FBF83922B58}" type="slidenum">
+              <a:rPr lang="es-MX" smtClean="0"/>
+              <a:t>30</a:t>
+            </a:fld>
+            <a:endParaRPr lang="es-MX"/>
+          </a:p>
+        </p:txBody>
+      </p:sp>
+    </p:spTree>
+    <p:extLst>
+      <p:ext uri="{BB962C8B-B14F-4D97-AF65-F5344CB8AC3E}">
+        <p14:creationId xmlns:p14="http://schemas.microsoft.com/office/powerpoint/2010/main" val="4112241044"/>
+      </p:ext>
+    </p:extLst>
+  </p:cSld>
+  <p:clrMapOvr>
+    <a:masterClrMapping/>
+  </p:clrMapOvr>
+</p:notes>
+</file>
+
+<file path=ppt/notesSlides/notesSlide6.xml><?xml version="1.0" encoding="utf-8"?>
+<p:notes xmlns:a="http://schemas.openxmlformats.org/drawingml/2006/main" xmlns:r="http://schemas.openxmlformats.org/officeDocument/2006/relationships" xmlns:p="http://schemas.openxmlformats.org/presentationml/2006/main">
+  <p:cSld>
+    <p:spTree>
+      <p:nvGrpSpPr>
+        <p:cNvPr id="1" name=""/>
+        <p:cNvGrpSpPr/>
+        <p:nvPr/>
+      </p:nvGrpSpPr>
+      <p:grpSpPr>
+        <a:xfrm>
+          <a:off x="0" y="0"/>
+          <a:ext cx="0" cy="0"/>
+          <a:chOff x="0" y="0"/>
+          <a:chExt cx="0" cy="0"/>
+        </a:xfrm>
+      </p:grpSpPr>
+      <p:sp>
+        <p:nvSpPr>
+          <p:cNvPr id="2" name="Marcador de imagen de diapositiva 1"/>
+          <p:cNvSpPr>
+            <a:spLocks noGrp="1" noRot="1" noChangeAspect="1"/>
+          </p:cNvSpPr>
+          <p:nvPr>
+            <p:ph type="sldImg"/>
+          </p:nvPr>
+        </p:nvSpPr>
+        <p:spPr/>
+      </p:sp>
+      <p:sp>
+        <p:nvSpPr>
+          <p:cNvPr id="3" name="Marcador de notas 2"/>
+          <p:cNvSpPr>
+            <a:spLocks noGrp="1"/>
+          </p:cNvSpPr>
+          <p:nvPr>
+            <p:ph type="body" idx="1"/>
+          </p:nvPr>
+        </p:nvSpPr>
+        <p:spPr/>
+        <p:txBody>
+          <a:bodyPr/>
+          <a:lstStyle/>
+          <a:p>
+            <a:endParaRPr lang="es-MX" dirty="0"/>
+          </a:p>
+        </p:txBody>
+      </p:sp>
+      <p:sp>
+        <p:nvSpPr>
+          <p:cNvPr id="4" name="Marcador de número de diapositiva 3"/>
+          <p:cNvSpPr>
+            <a:spLocks noGrp="1"/>
+          </p:cNvSpPr>
+          <p:nvPr>
+            <p:ph type="sldNum" sz="quarter" idx="5"/>
+          </p:nvPr>
+        </p:nvSpPr>
+        <p:spPr/>
+        <p:txBody>
+          <a:bodyPr/>
+          <a:lstStyle/>
+          <a:p>
+            <a:fld id="{D4A78022-2530-4603-9FD9-5FBF83922B58}" type="slidenum">
+              <a:rPr lang="es-MX" smtClean="0"/>
+              <a:t>31</a:t>
+            </a:fld>
+            <a:endParaRPr lang="es-MX"/>
+          </a:p>
+        </p:txBody>
+      </p:sp>
+    </p:spTree>
+    <p:extLst>
+      <p:ext uri="{BB962C8B-B14F-4D97-AF65-F5344CB8AC3E}">
+        <p14:creationId xmlns:p14="http://schemas.microsoft.com/office/powerpoint/2010/main" val="765155166"/>
+      </p:ext>
+    </p:extLst>
+  </p:cSld>
+  <p:clrMapOvr>
+    <a:masterClrMapping/>
+  </p:clrMapOvr>
+</p:notes>
+</file>
+
+<file path=ppt/notesSlides/notesSlide7.xml><?xml version="1.0" encoding="utf-8"?>
+<p:notes xmlns:a="http://schemas.openxmlformats.org/drawingml/2006/main" xmlns:r="http://schemas.openxmlformats.org/officeDocument/2006/relationships" xmlns:p="http://schemas.openxmlformats.org/presentationml/2006/main">
+  <p:cSld>
+    <p:spTree>
+      <p:nvGrpSpPr>
+        <p:cNvPr id="1" name=""/>
+        <p:cNvGrpSpPr/>
+        <p:nvPr/>
+      </p:nvGrpSpPr>
+      <p:grpSpPr>
+        <a:xfrm>
+          <a:off x="0" y="0"/>
+          <a:ext cx="0" cy="0"/>
+          <a:chOff x="0" y="0"/>
+          <a:chExt cx="0" cy="0"/>
+        </a:xfrm>
+      </p:grpSpPr>
+      <p:sp>
+        <p:nvSpPr>
+          <p:cNvPr id="2" name="Marcador de imagen de diapositiva 1"/>
+          <p:cNvSpPr>
+            <a:spLocks noGrp="1" noRot="1" noChangeAspect="1"/>
+          </p:cNvSpPr>
+          <p:nvPr>
+            <p:ph type="sldImg"/>
+          </p:nvPr>
+        </p:nvSpPr>
+        <p:spPr/>
+      </p:sp>
+      <p:sp>
+        <p:nvSpPr>
+          <p:cNvPr id="3" name="Marcador de notas 2"/>
+          <p:cNvSpPr>
+            <a:spLocks noGrp="1"/>
+          </p:cNvSpPr>
+          <p:nvPr>
+            <p:ph type="body" idx="1"/>
+          </p:nvPr>
+        </p:nvSpPr>
+        <p:spPr/>
+        <p:txBody>
+          <a:bodyPr/>
+          <a:lstStyle/>
+          <a:p>
+            <a:endParaRPr lang="es-MX" dirty="0"/>
+          </a:p>
+        </p:txBody>
+      </p:sp>
+      <p:sp>
+        <p:nvSpPr>
+          <p:cNvPr id="4" name="Marcador de número de diapositiva 3"/>
+          <p:cNvSpPr>
+            <a:spLocks noGrp="1"/>
+          </p:cNvSpPr>
+          <p:nvPr>
+            <p:ph type="sldNum" sz="quarter" idx="5"/>
+          </p:nvPr>
+        </p:nvSpPr>
+        <p:spPr/>
+        <p:txBody>
+          <a:bodyPr/>
+          <a:lstStyle/>
+          <a:p>
+            <a:fld id="{D4A78022-2530-4603-9FD9-5FBF83922B58}" type="slidenum">
+              <a:rPr lang="es-MX" smtClean="0"/>
+              <a:t>33</a:t>
+            </a:fld>
+            <a:endParaRPr lang="es-MX"/>
+          </a:p>
+        </p:txBody>
+      </p:sp>
+    </p:spTree>
+    <p:extLst>
+      <p:ext uri="{BB962C8B-B14F-4D97-AF65-F5344CB8AC3E}">
+        <p14:creationId xmlns:p14="http://schemas.microsoft.com/office/powerpoint/2010/main" val="2990541550"/>
+      </p:ext>
+    </p:extLst>
+  </p:cSld>
+  <p:clrMapOvr>
+    <a:masterClrMapping/>
+  </p:clrMapOvr>
+</p:notes>
+</file>
+
+<file path=ppt/notesSlides/notesSlide8.xml><?xml version="1.0" encoding="utf-8"?>
+<p:notes xmlns:a="http://schemas.openxmlformats.org/drawingml/2006/main" xmlns:r="http://schemas.openxmlformats.org/officeDocument/2006/relationships" xmlns:p="http://schemas.openxmlformats.org/presentationml/2006/main">
+  <p:cSld>
+    <p:spTree>
+      <p:nvGrpSpPr>
+        <p:cNvPr id="1" name=""/>
+        <p:cNvGrpSpPr/>
+        <p:nvPr/>
+      </p:nvGrpSpPr>
+      <p:grpSpPr>
+        <a:xfrm>
+          <a:off x="0" y="0"/>
+          <a:ext cx="0" cy="0"/>
+          <a:chOff x="0" y="0"/>
+          <a:chExt cx="0" cy="0"/>
+        </a:xfrm>
+      </p:grpSpPr>
+      <p:sp>
+        <p:nvSpPr>
+          <p:cNvPr id="2" name="Marcador de imagen de diapositiva 1"/>
+          <p:cNvSpPr>
+            <a:spLocks noGrp="1" noRot="1" noChangeAspect="1"/>
+          </p:cNvSpPr>
+          <p:nvPr>
+            <p:ph type="sldImg"/>
+          </p:nvPr>
+        </p:nvSpPr>
+        <p:spPr/>
+      </p:sp>
+      <p:sp>
+        <p:nvSpPr>
+          <p:cNvPr id="3" name="Marcador de notas 2"/>
+          <p:cNvSpPr>
+            <a:spLocks noGrp="1"/>
+          </p:cNvSpPr>
+          <p:nvPr>
+            <p:ph type="body" idx="1"/>
+          </p:nvPr>
+        </p:nvSpPr>
+        <p:spPr/>
+        <p:txBody>
+          <a:bodyPr/>
+          <a:lstStyle/>
+          <a:p>
+            <a:endParaRPr lang="es-MX" dirty="0"/>
+          </a:p>
+        </p:txBody>
+      </p:sp>
+      <p:sp>
+        <p:nvSpPr>
+          <p:cNvPr id="4" name="Marcador de número de diapositiva 3"/>
+          <p:cNvSpPr>
+            <a:spLocks noGrp="1"/>
+          </p:cNvSpPr>
+          <p:nvPr>
+            <p:ph type="sldNum" sz="quarter" idx="5"/>
+          </p:nvPr>
+        </p:nvSpPr>
+        <p:spPr/>
+        <p:txBody>
+          <a:bodyPr/>
+          <a:lstStyle/>
+          <a:p>
+            <a:fld id="{D4A78022-2530-4603-9FD9-5FBF83922B58}" type="slidenum">
+              <a:rPr lang="es-MX" smtClean="0"/>
+              <a:t>35</a:t>
+            </a:fld>
+            <a:endParaRPr lang="es-MX"/>
+          </a:p>
+        </p:txBody>
+      </p:sp>
+    </p:spTree>
+    <p:extLst>
+      <p:ext uri="{BB962C8B-B14F-4D97-AF65-F5344CB8AC3E}">
+        <p14:creationId xmlns:p14="http://schemas.microsoft.com/office/powerpoint/2010/main" val="964205463"/>
+      </p:ext>
+    </p:extLst>
+  </p:cSld>
+  <p:clrMapOvr>
+    <a:masterClrMapping/>
+  </p:clrMapOvr>
+</p:notes>
+</file>
+
+<file path=ppt/notesSlides/notesSlide9.xml><?xml version="1.0" encoding="utf-8"?>
+<p:notes xmlns:a="http://schemas.openxmlformats.org/drawingml/2006/main" xmlns:r="http://schemas.openxmlformats.org/officeDocument/2006/relationships" xmlns:p="http://schemas.openxmlformats.org/presentationml/2006/main">
+  <p:cSld>
+    <p:spTree>
+      <p:nvGrpSpPr>
+        <p:cNvPr id="1" name=""/>
+        <p:cNvGrpSpPr/>
+        <p:nvPr/>
+      </p:nvGrpSpPr>
+      <p:grpSpPr>
+        <a:xfrm>
+          <a:off x="0" y="0"/>
+          <a:ext cx="0" cy="0"/>
+          <a:chOff x="0" y="0"/>
+          <a:chExt cx="0" cy="0"/>
+        </a:xfrm>
+      </p:grpSpPr>
+      <p:sp>
+        <p:nvSpPr>
+          <p:cNvPr id="2" name="Marcador de imagen de diapositiva 1"/>
+          <p:cNvSpPr>
+            <a:spLocks noGrp="1" noRot="1" noChangeAspect="1"/>
+          </p:cNvSpPr>
+          <p:nvPr>
+            <p:ph type="sldImg"/>
+          </p:nvPr>
+        </p:nvSpPr>
+        <p:spPr/>
+      </p:sp>
+      <p:sp>
+        <p:nvSpPr>
+          <p:cNvPr id="3" name="Marcador de notas 2"/>
+          <p:cNvSpPr>
+            <a:spLocks noGrp="1"/>
+          </p:cNvSpPr>
+          <p:nvPr>
+            <p:ph type="body" idx="1"/>
+          </p:nvPr>
+        </p:nvSpPr>
+        <p:spPr/>
+        <p:txBody>
+          <a:bodyPr/>
+          <a:lstStyle/>
+          <a:p>
+            <a:endParaRPr lang="es-MX" dirty="0"/>
+          </a:p>
+        </p:txBody>
+      </p:sp>
+      <p:sp>
+        <p:nvSpPr>
+          <p:cNvPr id="4" name="Marcador de número de diapositiva 3"/>
+          <p:cNvSpPr>
+            <a:spLocks noGrp="1"/>
+          </p:cNvSpPr>
+          <p:nvPr>
+            <p:ph type="sldNum" sz="quarter" idx="5"/>
+          </p:nvPr>
+        </p:nvSpPr>
+        <p:spPr/>
+        <p:txBody>
+          <a:bodyPr/>
+          <a:lstStyle/>
+          <a:p>
+            <a:fld id="{D4A78022-2530-4603-9FD9-5FBF83922B58}" type="slidenum">
+              <a:rPr lang="es-MX" smtClean="0"/>
+              <a:t>36</a:t>
+            </a:fld>
+            <a:endParaRPr lang="es-MX"/>
+          </a:p>
+        </p:txBody>
+      </p:sp>
+    </p:spTree>
+    <p:extLst>
+      <p:ext uri="{BB962C8B-B14F-4D97-AF65-F5344CB8AC3E}">
+        <p14:creationId xmlns:p14="http://schemas.microsoft.com/office/powerpoint/2010/main" val="243561651"/>
       </p:ext>
     </p:extLst>
   </p:cSld>
@@ -15607,7 +16206,7 @@
             </a:r>
             <a:r>
               <a:rPr lang="es-MX" dirty="0"/>
-              <a:t>[numero de registros a mostrar]</a:t>
+              <a:t>[número de registros a mostrar]</a:t>
             </a:r>
             <a:endParaRPr lang="es-MX" b="1" dirty="0"/>
           </a:p>
@@ -24611,8 +25210,8 @@
         </p:nvSpPr>
         <p:spPr>
           <a:xfrm>
-            <a:off x="338385" y="1589245"/>
-            <a:ext cx="6864607" cy="404447"/>
+            <a:off x="338386" y="1589245"/>
+            <a:ext cx="1790218" cy="404447"/>
           </a:xfrm>
           <a:prstGeom prst="rect">
             <a:avLst/>
@@ -26495,6 +27094,1942 @@
 </p:sld>
 </file>
 
+<file path=ppt/slides/slide27.xml><?xml version="1.0" encoding="utf-8"?>
+<p:sld xmlns:a="http://schemas.openxmlformats.org/drawingml/2006/main" xmlns:r="http://schemas.openxmlformats.org/officeDocument/2006/relationships" xmlns:p="http://schemas.openxmlformats.org/presentationml/2006/main">
+  <p:cSld>
+    <p:spTree>
+      <p:nvGrpSpPr>
+        <p:cNvPr id="1" name=""/>
+        <p:cNvGrpSpPr/>
+        <p:nvPr/>
+      </p:nvGrpSpPr>
+      <p:grpSpPr>
+        <a:xfrm>
+          <a:off x="0" y="0"/>
+          <a:ext cx="0" cy="0"/>
+          <a:chOff x="0" y="0"/>
+          <a:chExt cx="0" cy="0"/>
+        </a:xfrm>
+      </p:grpSpPr>
+      <p:sp>
+        <p:nvSpPr>
+          <p:cNvPr id="2" name="Título 1">
+            <a:extLst>
+              <a:ext uri="{FF2B5EF4-FFF2-40B4-BE49-F238E27FC236}">
+                <a16:creationId xmlns:a16="http://schemas.microsoft.com/office/drawing/2014/main" id="{095D5E06-C433-C836-106A-B2D45ADCF04F}"/>
+              </a:ext>
+            </a:extLst>
+          </p:cNvPr>
+          <p:cNvSpPr>
+            <a:spLocks noGrp="1"/>
+          </p:cNvSpPr>
+          <p:nvPr>
+            <p:ph type="ctrTitle"/>
+          </p:nvPr>
+        </p:nvSpPr>
+        <p:spPr>
+          <a:xfrm>
+            <a:off x="304800" y="277091"/>
+            <a:ext cx="9144000" cy="669781"/>
+          </a:xfrm>
+        </p:spPr>
+        <p:txBody>
+          <a:bodyPr>
+            <a:normAutofit/>
+          </a:bodyPr>
+          <a:lstStyle/>
+          <a:p>
+            <a:pPr algn="l"/>
+            <a:r>
+              <a:rPr lang="es-MX" sz="3600" b="1" dirty="0">
+                <a:latin typeface="Gadugi" panose="020B0502040204020203" pitchFamily="34" charset="0"/>
+                <a:ea typeface="Gadugi" panose="020B0502040204020203" pitchFamily="34" charset="0"/>
+              </a:rPr>
+              <a:t>INNER JOIN</a:t>
+            </a:r>
+          </a:p>
+        </p:txBody>
+      </p:sp>
+      <p:sp>
+        <p:nvSpPr>
+          <p:cNvPr id="3" name="Subtítulo 2">
+            <a:extLst>
+              <a:ext uri="{FF2B5EF4-FFF2-40B4-BE49-F238E27FC236}">
+                <a16:creationId xmlns:a16="http://schemas.microsoft.com/office/drawing/2014/main" id="{1A30F90B-0731-20CA-E914-48343967869A}"/>
+              </a:ext>
+            </a:extLst>
+          </p:cNvPr>
+          <p:cNvSpPr>
+            <a:spLocks noGrp="1"/>
+          </p:cNvSpPr>
+          <p:nvPr>
+            <p:ph type="subTitle" idx="1"/>
+          </p:nvPr>
+        </p:nvSpPr>
+        <p:spPr>
+          <a:xfrm>
+            <a:off x="152400" y="1602655"/>
+            <a:ext cx="7966356" cy="2623445"/>
+          </a:xfrm>
+        </p:spPr>
+        <p:txBody>
+          <a:bodyPr>
+            <a:normAutofit/>
+          </a:bodyPr>
+          <a:lstStyle/>
+          <a:p>
+            <a:pPr algn="l"/>
+            <a:r>
+              <a:rPr lang="es-MX" b="1" dirty="0"/>
+              <a:t>SELECT</a:t>
+            </a:r>
+            <a:r>
+              <a:rPr lang="es-MX" dirty="0"/>
+              <a:t> [columnas]</a:t>
+            </a:r>
+          </a:p>
+          <a:p>
+            <a:pPr algn="l"/>
+            <a:r>
+              <a:rPr lang="es-MX" b="1" dirty="0"/>
+              <a:t>FROM </a:t>
+            </a:r>
+            <a:r>
+              <a:rPr lang="es-MX" dirty="0"/>
+              <a:t>[tabla1]</a:t>
+            </a:r>
+          </a:p>
+          <a:p>
+            <a:pPr algn="l"/>
+            <a:r>
+              <a:rPr lang="es-MX" b="1" dirty="0"/>
+              <a:t>INNER JOIN </a:t>
+            </a:r>
+            <a:r>
+              <a:rPr lang="es-MX" dirty="0"/>
+              <a:t>[tabla2]</a:t>
+            </a:r>
+          </a:p>
+          <a:p>
+            <a:pPr algn="l"/>
+            <a:r>
+              <a:rPr lang="es-MX" b="1" dirty="0"/>
+              <a:t>ON </a:t>
+            </a:r>
+            <a:r>
+              <a:rPr lang="es-MX" dirty="0"/>
+              <a:t>tabla1.columnajoin=tabla2.columnajoin</a:t>
+            </a:r>
+            <a:endParaRPr lang="es-MX" b="1" dirty="0"/>
+          </a:p>
+        </p:txBody>
+      </p:sp>
+      <p:cxnSp>
+        <p:nvCxnSpPr>
+          <p:cNvPr id="5" name="Conector recto 4">
+            <a:extLst>
+              <a:ext uri="{FF2B5EF4-FFF2-40B4-BE49-F238E27FC236}">
+                <a16:creationId xmlns:a16="http://schemas.microsoft.com/office/drawing/2014/main" id="{8185E119-0A24-A724-B622-7DB91F3252A8}"/>
+              </a:ext>
+            </a:extLst>
+          </p:cNvPr>
+          <p:cNvCxnSpPr/>
+          <p:nvPr/>
+        </p:nvCxnSpPr>
+        <p:spPr>
+          <a:xfrm>
+            <a:off x="0" y="946872"/>
+            <a:ext cx="5472545" cy="0"/>
+          </a:xfrm>
+          <a:prstGeom prst="line">
+            <a:avLst/>
+          </a:prstGeom>
+          <a:ln w="38100">
+            <a:solidFill>
+              <a:srgbClr val="7030A0"/>
+            </a:solidFill>
+          </a:ln>
+        </p:spPr>
+        <p:style>
+          <a:lnRef idx="1">
+            <a:schemeClr val="accent1"/>
+          </a:lnRef>
+          <a:fillRef idx="0">
+            <a:schemeClr val="accent1"/>
+          </a:fillRef>
+          <a:effectRef idx="0">
+            <a:schemeClr val="accent1"/>
+          </a:effectRef>
+          <a:fontRef idx="minor">
+            <a:schemeClr val="tx1"/>
+          </a:fontRef>
+        </p:style>
+      </p:cxnSp>
+      <p:cxnSp>
+        <p:nvCxnSpPr>
+          <p:cNvPr id="6" name="Conector recto 5">
+            <a:extLst>
+              <a:ext uri="{FF2B5EF4-FFF2-40B4-BE49-F238E27FC236}">
+                <a16:creationId xmlns:a16="http://schemas.microsoft.com/office/drawing/2014/main" id="{BEFC1D1B-E623-58C6-AEC5-FBF9FC0A9DBC}"/>
+              </a:ext>
+            </a:extLst>
+          </p:cNvPr>
+          <p:cNvCxnSpPr>
+            <a:cxnSpLocks/>
+          </p:cNvCxnSpPr>
+          <p:nvPr/>
+        </p:nvCxnSpPr>
+        <p:spPr>
+          <a:xfrm flipV="1">
+            <a:off x="8257309" y="0"/>
+            <a:ext cx="0" cy="6858000"/>
+          </a:xfrm>
+          <a:prstGeom prst="line">
+            <a:avLst/>
+          </a:prstGeom>
+          <a:ln w="38100">
+            <a:solidFill>
+              <a:srgbClr val="7030A0"/>
+            </a:solidFill>
+          </a:ln>
+        </p:spPr>
+        <p:style>
+          <a:lnRef idx="1">
+            <a:schemeClr val="accent1"/>
+          </a:lnRef>
+          <a:fillRef idx="0">
+            <a:schemeClr val="accent1"/>
+          </a:fillRef>
+          <a:effectRef idx="0">
+            <a:schemeClr val="accent1"/>
+          </a:effectRef>
+          <a:fontRef idx="minor">
+            <a:schemeClr val="tx1"/>
+          </a:fontRef>
+        </p:style>
+      </p:cxnSp>
+      <p:sp>
+        <p:nvSpPr>
+          <p:cNvPr id="9" name="Subtítulo 2">
+            <a:extLst>
+              <a:ext uri="{FF2B5EF4-FFF2-40B4-BE49-F238E27FC236}">
+                <a16:creationId xmlns:a16="http://schemas.microsoft.com/office/drawing/2014/main" id="{B2F69EEF-1183-1D61-4B75-D786FD98E6A3}"/>
+              </a:ext>
+            </a:extLst>
+          </p:cNvPr>
+          <p:cNvSpPr txBox="1">
+            <a:spLocks/>
+          </p:cNvSpPr>
+          <p:nvPr/>
+        </p:nvSpPr>
+        <p:spPr>
+          <a:xfrm>
+            <a:off x="8285019" y="1602654"/>
+            <a:ext cx="3906981" cy="1154126"/>
+          </a:xfrm>
+          <a:prstGeom prst="rect">
+            <a:avLst/>
+          </a:prstGeom>
+        </p:spPr>
+        <p:txBody>
+          <a:bodyPr vert="horz" lIns="91440" tIns="45720" rIns="91440" bIns="45720" rtlCol="0">
+            <a:normAutofit/>
+          </a:bodyPr>
+          <a:lstStyle>
+            <a:lvl1pPr marL="0" indent="0" algn="ctr" defTabSz="914400" rtl="0" eaLnBrk="1" latinLnBrk="0" hangingPunct="1">
+              <a:lnSpc>
+                <a:spcPct val="90000"/>
+              </a:lnSpc>
+              <a:spcBef>
+                <a:spcPts val="1000"/>
+              </a:spcBef>
+              <a:buFont typeface="Arial" panose="020B0604020202020204" pitchFamily="34" charset="0"/>
+              <a:buNone/>
+              <a:defRPr sz="2400" kern="1200">
+                <a:solidFill>
+                  <a:schemeClr val="tx1"/>
+                </a:solidFill>
+                <a:latin typeface="+mn-lt"/>
+                <a:ea typeface="+mn-ea"/>
+                <a:cs typeface="+mn-cs"/>
+              </a:defRPr>
+            </a:lvl1pPr>
+            <a:lvl2pPr marL="457200" indent="0" algn="ctr" defTabSz="914400" rtl="0" eaLnBrk="1" latinLnBrk="0" hangingPunct="1">
+              <a:lnSpc>
+                <a:spcPct val="90000"/>
+              </a:lnSpc>
+              <a:spcBef>
+                <a:spcPts val="500"/>
+              </a:spcBef>
+              <a:buFont typeface="Arial" panose="020B0604020202020204" pitchFamily="34" charset="0"/>
+              <a:buNone/>
+              <a:defRPr sz="2000" kern="1200">
+                <a:solidFill>
+                  <a:schemeClr val="tx1"/>
+                </a:solidFill>
+                <a:latin typeface="+mn-lt"/>
+                <a:ea typeface="+mn-ea"/>
+                <a:cs typeface="+mn-cs"/>
+              </a:defRPr>
+            </a:lvl2pPr>
+            <a:lvl3pPr marL="914400" indent="0" algn="ctr" defTabSz="914400" rtl="0" eaLnBrk="1" latinLnBrk="0" hangingPunct="1">
+              <a:lnSpc>
+                <a:spcPct val="90000"/>
+              </a:lnSpc>
+              <a:spcBef>
+                <a:spcPts val="500"/>
+              </a:spcBef>
+              <a:buFont typeface="Arial" panose="020B0604020202020204" pitchFamily="34" charset="0"/>
+              <a:buNone/>
+              <a:defRPr sz="1800" kern="1200">
+                <a:solidFill>
+                  <a:schemeClr val="tx1"/>
+                </a:solidFill>
+                <a:latin typeface="+mn-lt"/>
+                <a:ea typeface="+mn-ea"/>
+                <a:cs typeface="+mn-cs"/>
+              </a:defRPr>
+            </a:lvl3pPr>
+            <a:lvl4pPr marL="1371600" indent="0" algn="ctr" defTabSz="914400" rtl="0" eaLnBrk="1" latinLnBrk="0" hangingPunct="1">
+              <a:lnSpc>
+                <a:spcPct val="90000"/>
+              </a:lnSpc>
+              <a:spcBef>
+                <a:spcPts val="500"/>
+              </a:spcBef>
+              <a:buFont typeface="Arial" panose="020B0604020202020204" pitchFamily="34" charset="0"/>
+              <a:buNone/>
+              <a:defRPr sz="1600" kern="1200">
+                <a:solidFill>
+                  <a:schemeClr val="tx1"/>
+                </a:solidFill>
+                <a:latin typeface="+mn-lt"/>
+                <a:ea typeface="+mn-ea"/>
+                <a:cs typeface="+mn-cs"/>
+              </a:defRPr>
+            </a:lvl4pPr>
+            <a:lvl5pPr marL="1828800" indent="0" algn="ctr" defTabSz="914400" rtl="0" eaLnBrk="1" latinLnBrk="0" hangingPunct="1">
+              <a:lnSpc>
+                <a:spcPct val="90000"/>
+              </a:lnSpc>
+              <a:spcBef>
+                <a:spcPts val="500"/>
+              </a:spcBef>
+              <a:buFont typeface="Arial" panose="020B0604020202020204" pitchFamily="34" charset="0"/>
+              <a:buNone/>
+              <a:defRPr sz="1600" kern="1200">
+                <a:solidFill>
+                  <a:schemeClr val="tx1"/>
+                </a:solidFill>
+                <a:latin typeface="+mn-lt"/>
+                <a:ea typeface="+mn-ea"/>
+                <a:cs typeface="+mn-cs"/>
+              </a:defRPr>
+            </a:lvl5pPr>
+            <a:lvl6pPr marL="2286000" indent="0" algn="ctr" defTabSz="914400" rtl="0" eaLnBrk="1" latinLnBrk="0" hangingPunct="1">
+              <a:lnSpc>
+                <a:spcPct val="90000"/>
+              </a:lnSpc>
+              <a:spcBef>
+                <a:spcPts val="500"/>
+              </a:spcBef>
+              <a:buFont typeface="Arial" panose="020B0604020202020204" pitchFamily="34" charset="0"/>
+              <a:buNone/>
+              <a:defRPr sz="1600" kern="1200">
+                <a:solidFill>
+                  <a:schemeClr val="tx1"/>
+                </a:solidFill>
+                <a:latin typeface="+mn-lt"/>
+                <a:ea typeface="+mn-ea"/>
+                <a:cs typeface="+mn-cs"/>
+              </a:defRPr>
+            </a:lvl6pPr>
+            <a:lvl7pPr marL="2743200" indent="0" algn="ctr" defTabSz="914400" rtl="0" eaLnBrk="1" latinLnBrk="0" hangingPunct="1">
+              <a:lnSpc>
+                <a:spcPct val="90000"/>
+              </a:lnSpc>
+              <a:spcBef>
+                <a:spcPts val="500"/>
+              </a:spcBef>
+              <a:buFont typeface="Arial" panose="020B0604020202020204" pitchFamily="34" charset="0"/>
+              <a:buNone/>
+              <a:defRPr sz="1600" kern="1200">
+                <a:solidFill>
+                  <a:schemeClr val="tx1"/>
+                </a:solidFill>
+                <a:latin typeface="+mn-lt"/>
+                <a:ea typeface="+mn-ea"/>
+                <a:cs typeface="+mn-cs"/>
+              </a:defRPr>
+            </a:lvl7pPr>
+            <a:lvl8pPr marL="3200400" indent="0" algn="ctr" defTabSz="914400" rtl="0" eaLnBrk="1" latinLnBrk="0" hangingPunct="1">
+              <a:lnSpc>
+                <a:spcPct val="90000"/>
+              </a:lnSpc>
+              <a:spcBef>
+                <a:spcPts val="500"/>
+              </a:spcBef>
+              <a:buFont typeface="Arial" panose="020B0604020202020204" pitchFamily="34" charset="0"/>
+              <a:buNone/>
+              <a:defRPr sz="1600" kern="1200">
+                <a:solidFill>
+                  <a:schemeClr val="tx1"/>
+                </a:solidFill>
+                <a:latin typeface="+mn-lt"/>
+                <a:ea typeface="+mn-ea"/>
+                <a:cs typeface="+mn-cs"/>
+              </a:defRPr>
+            </a:lvl8pPr>
+            <a:lvl9pPr marL="3657600" indent="0" algn="ctr" defTabSz="914400" rtl="0" eaLnBrk="1" latinLnBrk="0" hangingPunct="1">
+              <a:lnSpc>
+                <a:spcPct val="90000"/>
+              </a:lnSpc>
+              <a:spcBef>
+                <a:spcPts val="500"/>
+              </a:spcBef>
+              <a:buFont typeface="Arial" panose="020B0604020202020204" pitchFamily="34" charset="0"/>
+              <a:buNone/>
+              <a:defRPr sz="1600" kern="1200">
+                <a:solidFill>
+                  <a:schemeClr val="tx1"/>
+                </a:solidFill>
+                <a:latin typeface="+mn-lt"/>
+                <a:ea typeface="+mn-ea"/>
+                <a:cs typeface="+mn-cs"/>
+              </a:defRPr>
+            </a:lvl9pPr>
+          </a:lstStyle>
+          <a:p>
+            <a:pPr algn="l"/>
+            <a:r>
+              <a:rPr lang="es-MX" sz="1600" dirty="0"/>
+              <a:t>+ Hace una intersección de ambas tablas mediante la </a:t>
+            </a:r>
+            <a:r>
+              <a:rPr lang="es-MX" sz="1600" b="1" dirty="0"/>
+              <a:t>columna </a:t>
+            </a:r>
+            <a:r>
+              <a:rPr lang="es-MX" sz="1600" b="1" dirty="0" err="1"/>
+              <a:t>join</a:t>
+            </a:r>
+            <a:endParaRPr lang="es-MX" sz="1600" dirty="0"/>
+          </a:p>
+        </p:txBody>
+      </p:sp>
+      <p:sp>
+        <p:nvSpPr>
+          <p:cNvPr id="4" name="Subtítulo 2">
+            <a:extLst>
+              <a:ext uri="{FF2B5EF4-FFF2-40B4-BE49-F238E27FC236}">
+                <a16:creationId xmlns:a16="http://schemas.microsoft.com/office/drawing/2014/main" id="{BF4727F6-54CC-F0AD-E8B6-07222C5082B8}"/>
+              </a:ext>
+            </a:extLst>
+          </p:cNvPr>
+          <p:cNvSpPr txBox="1">
+            <a:spLocks/>
+          </p:cNvSpPr>
+          <p:nvPr/>
+        </p:nvSpPr>
+        <p:spPr>
+          <a:xfrm>
+            <a:off x="8285018" y="2658656"/>
+            <a:ext cx="3906981" cy="1154126"/>
+          </a:xfrm>
+          <a:prstGeom prst="rect">
+            <a:avLst/>
+          </a:prstGeom>
+        </p:spPr>
+        <p:txBody>
+          <a:bodyPr vert="horz" lIns="91440" tIns="45720" rIns="91440" bIns="45720" rtlCol="0">
+            <a:normAutofit/>
+          </a:bodyPr>
+          <a:lstStyle>
+            <a:lvl1pPr marL="0" indent="0" algn="ctr" defTabSz="914400" rtl="0" eaLnBrk="1" latinLnBrk="0" hangingPunct="1">
+              <a:lnSpc>
+                <a:spcPct val="90000"/>
+              </a:lnSpc>
+              <a:spcBef>
+                <a:spcPts val="1000"/>
+              </a:spcBef>
+              <a:buFont typeface="Arial" panose="020B0604020202020204" pitchFamily="34" charset="0"/>
+              <a:buNone/>
+              <a:defRPr sz="2400" kern="1200">
+                <a:solidFill>
+                  <a:schemeClr val="tx1"/>
+                </a:solidFill>
+                <a:latin typeface="+mn-lt"/>
+                <a:ea typeface="+mn-ea"/>
+                <a:cs typeface="+mn-cs"/>
+              </a:defRPr>
+            </a:lvl1pPr>
+            <a:lvl2pPr marL="457200" indent="0" algn="ctr" defTabSz="914400" rtl="0" eaLnBrk="1" latinLnBrk="0" hangingPunct="1">
+              <a:lnSpc>
+                <a:spcPct val="90000"/>
+              </a:lnSpc>
+              <a:spcBef>
+                <a:spcPts val="500"/>
+              </a:spcBef>
+              <a:buFont typeface="Arial" panose="020B0604020202020204" pitchFamily="34" charset="0"/>
+              <a:buNone/>
+              <a:defRPr sz="2000" kern="1200">
+                <a:solidFill>
+                  <a:schemeClr val="tx1"/>
+                </a:solidFill>
+                <a:latin typeface="+mn-lt"/>
+                <a:ea typeface="+mn-ea"/>
+                <a:cs typeface="+mn-cs"/>
+              </a:defRPr>
+            </a:lvl2pPr>
+            <a:lvl3pPr marL="914400" indent="0" algn="ctr" defTabSz="914400" rtl="0" eaLnBrk="1" latinLnBrk="0" hangingPunct="1">
+              <a:lnSpc>
+                <a:spcPct val="90000"/>
+              </a:lnSpc>
+              <a:spcBef>
+                <a:spcPts val="500"/>
+              </a:spcBef>
+              <a:buFont typeface="Arial" panose="020B0604020202020204" pitchFamily="34" charset="0"/>
+              <a:buNone/>
+              <a:defRPr sz="1800" kern="1200">
+                <a:solidFill>
+                  <a:schemeClr val="tx1"/>
+                </a:solidFill>
+                <a:latin typeface="+mn-lt"/>
+                <a:ea typeface="+mn-ea"/>
+                <a:cs typeface="+mn-cs"/>
+              </a:defRPr>
+            </a:lvl3pPr>
+            <a:lvl4pPr marL="1371600" indent="0" algn="ctr" defTabSz="914400" rtl="0" eaLnBrk="1" latinLnBrk="0" hangingPunct="1">
+              <a:lnSpc>
+                <a:spcPct val="90000"/>
+              </a:lnSpc>
+              <a:spcBef>
+                <a:spcPts val="500"/>
+              </a:spcBef>
+              <a:buFont typeface="Arial" panose="020B0604020202020204" pitchFamily="34" charset="0"/>
+              <a:buNone/>
+              <a:defRPr sz="1600" kern="1200">
+                <a:solidFill>
+                  <a:schemeClr val="tx1"/>
+                </a:solidFill>
+                <a:latin typeface="+mn-lt"/>
+                <a:ea typeface="+mn-ea"/>
+                <a:cs typeface="+mn-cs"/>
+              </a:defRPr>
+            </a:lvl4pPr>
+            <a:lvl5pPr marL="1828800" indent="0" algn="ctr" defTabSz="914400" rtl="0" eaLnBrk="1" latinLnBrk="0" hangingPunct="1">
+              <a:lnSpc>
+                <a:spcPct val="90000"/>
+              </a:lnSpc>
+              <a:spcBef>
+                <a:spcPts val="500"/>
+              </a:spcBef>
+              <a:buFont typeface="Arial" panose="020B0604020202020204" pitchFamily="34" charset="0"/>
+              <a:buNone/>
+              <a:defRPr sz="1600" kern="1200">
+                <a:solidFill>
+                  <a:schemeClr val="tx1"/>
+                </a:solidFill>
+                <a:latin typeface="+mn-lt"/>
+                <a:ea typeface="+mn-ea"/>
+                <a:cs typeface="+mn-cs"/>
+              </a:defRPr>
+            </a:lvl5pPr>
+            <a:lvl6pPr marL="2286000" indent="0" algn="ctr" defTabSz="914400" rtl="0" eaLnBrk="1" latinLnBrk="0" hangingPunct="1">
+              <a:lnSpc>
+                <a:spcPct val="90000"/>
+              </a:lnSpc>
+              <a:spcBef>
+                <a:spcPts val="500"/>
+              </a:spcBef>
+              <a:buFont typeface="Arial" panose="020B0604020202020204" pitchFamily="34" charset="0"/>
+              <a:buNone/>
+              <a:defRPr sz="1600" kern="1200">
+                <a:solidFill>
+                  <a:schemeClr val="tx1"/>
+                </a:solidFill>
+                <a:latin typeface="+mn-lt"/>
+                <a:ea typeface="+mn-ea"/>
+                <a:cs typeface="+mn-cs"/>
+              </a:defRPr>
+            </a:lvl6pPr>
+            <a:lvl7pPr marL="2743200" indent="0" algn="ctr" defTabSz="914400" rtl="0" eaLnBrk="1" latinLnBrk="0" hangingPunct="1">
+              <a:lnSpc>
+                <a:spcPct val="90000"/>
+              </a:lnSpc>
+              <a:spcBef>
+                <a:spcPts val="500"/>
+              </a:spcBef>
+              <a:buFont typeface="Arial" panose="020B0604020202020204" pitchFamily="34" charset="0"/>
+              <a:buNone/>
+              <a:defRPr sz="1600" kern="1200">
+                <a:solidFill>
+                  <a:schemeClr val="tx1"/>
+                </a:solidFill>
+                <a:latin typeface="+mn-lt"/>
+                <a:ea typeface="+mn-ea"/>
+                <a:cs typeface="+mn-cs"/>
+              </a:defRPr>
+            </a:lvl7pPr>
+            <a:lvl8pPr marL="3200400" indent="0" algn="ctr" defTabSz="914400" rtl="0" eaLnBrk="1" latinLnBrk="0" hangingPunct="1">
+              <a:lnSpc>
+                <a:spcPct val="90000"/>
+              </a:lnSpc>
+              <a:spcBef>
+                <a:spcPts val="500"/>
+              </a:spcBef>
+              <a:buFont typeface="Arial" panose="020B0604020202020204" pitchFamily="34" charset="0"/>
+              <a:buNone/>
+              <a:defRPr sz="1600" kern="1200">
+                <a:solidFill>
+                  <a:schemeClr val="tx1"/>
+                </a:solidFill>
+                <a:latin typeface="+mn-lt"/>
+                <a:ea typeface="+mn-ea"/>
+                <a:cs typeface="+mn-cs"/>
+              </a:defRPr>
+            </a:lvl8pPr>
+            <a:lvl9pPr marL="3657600" indent="0" algn="ctr" defTabSz="914400" rtl="0" eaLnBrk="1" latinLnBrk="0" hangingPunct="1">
+              <a:lnSpc>
+                <a:spcPct val="90000"/>
+              </a:lnSpc>
+              <a:spcBef>
+                <a:spcPts val="500"/>
+              </a:spcBef>
+              <a:buFont typeface="Arial" panose="020B0604020202020204" pitchFamily="34" charset="0"/>
+              <a:buNone/>
+              <a:defRPr sz="1600" kern="1200">
+                <a:solidFill>
+                  <a:schemeClr val="tx1"/>
+                </a:solidFill>
+                <a:latin typeface="+mn-lt"/>
+                <a:ea typeface="+mn-ea"/>
+                <a:cs typeface="+mn-cs"/>
+              </a:defRPr>
+            </a:lvl9pPr>
+          </a:lstStyle>
+          <a:p>
+            <a:pPr algn="l"/>
+            <a:r>
+              <a:rPr lang="es-MX" sz="1600" dirty="0"/>
+              <a:t>+ Se usa un “.” para acceder al nombre de las columnas de cada tabla. </a:t>
+            </a:r>
+          </a:p>
+        </p:txBody>
+      </p:sp>
+      <p:sp>
+        <p:nvSpPr>
+          <p:cNvPr id="11" name="Subtítulo 2">
+            <a:extLst>
+              <a:ext uri="{FF2B5EF4-FFF2-40B4-BE49-F238E27FC236}">
+                <a16:creationId xmlns:a16="http://schemas.microsoft.com/office/drawing/2014/main" id="{66F41748-FE48-D4DA-5506-A2B17FA0325D}"/>
+              </a:ext>
+            </a:extLst>
+          </p:cNvPr>
+          <p:cNvSpPr txBox="1">
+            <a:spLocks/>
+          </p:cNvSpPr>
+          <p:nvPr/>
+        </p:nvSpPr>
+        <p:spPr>
+          <a:xfrm>
+            <a:off x="152393" y="3597643"/>
+            <a:ext cx="7966363" cy="3139156"/>
+          </a:xfrm>
+          <a:prstGeom prst="rect">
+            <a:avLst/>
+          </a:prstGeom>
+        </p:spPr>
+        <p:txBody>
+          <a:bodyPr vert="horz" lIns="91440" tIns="45720" rIns="91440" bIns="45720" rtlCol="0">
+            <a:normAutofit/>
+          </a:bodyPr>
+          <a:lstStyle>
+            <a:lvl1pPr marL="0" indent="0" algn="ctr" defTabSz="914400" rtl="0" eaLnBrk="1" latinLnBrk="0" hangingPunct="1">
+              <a:lnSpc>
+                <a:spcPct val="90000"/>
+              </a:lnSpc>
+              <a:spcBef>
+                <a:spcPts val="1000"/>
+              </a:spcBef>
+              <a:buFont typeface="Arial" panose="020B0604020202020204" pitchFamily="34" charset="0"/>
+              <a:buNone/>
+              <a:defRPr sz="2400" kern="1200">
+                <a:solidFill>
+                  <a:schemeClr val="tx1"/>
+                </a:solidFill>
+                <a:latin typeface="+mn-lt"/>
+                <a:ea typeface="+mn-ea"/>
+                <a:cs typeface="+mn-cs"/>
+              </a:defRPr>
+            </a:lvl1pPr>
+            <a:lvl2pPr marL="457200" indent="0" algn="ctr" defTabSz="914400" rtl="0" eaLnBrk="1" latinLnBrk="0" hangingPunct="1">
+              <a:lnSpc>
+                <a:spcPct val="90000"/>
+              </a:lnSpc>
+              <a:spcBef>
+                <a:spcPts val="500"/>
+              </a:spcBef>
+              <a:buFont typeface="Arial" panose="020B0604020202020204" pitchFamily="34" charset="0"/>
+              <a:buNone/>
+              <a:defRPr sz="2000" kern="1200">
+                <a:solidFill>
+                  <a:schemeClr val="tx1"/>
+                </a:solidFill>
+                <a:latin typeface="+mn-lt"/>
+                <a:ea typeface="+mn-ea"/>
+                <a:cs typeface="+mn-cs"/>
+              </a:defRPr>
+            </a:lvl2pPr>
+            <a:lvl3pPr marL="914400" indent="0" algn="ctr" defTabSz="914400" rtl="0" eaLnBrk="1" latinLnBrk="0" hangingPunct="1">
+              <a:lnSpc>
+                <a:spcPct val="90000"/>
+              </a:lnSpc>
+              <a:spcBef>
+                <a:spcPts val="500"/>
+              </a:spcBef>
+              <a:buFont typeface="Arial" panose="020B0604020202020204" pitchFamily="34" charset="0"/>
+              <a:buNone/>
+              <a:defRPr sz="1800" kern="1200">
+                <a:solidFill>
+                  <a:schemeClr val="tx1"/>
+                </a:solidFill>
+                <a:latin typeface="+mn-lt"/>
+                <a:ea typeface="+mn-ea"/>
+                <a:cs typeface="+mn-cs"/>
+              </a:defRPr>
+            </a:lvl3pPr>
+            <a:lvl4pPr marL="1371600" indent="0" algn="ctr" defTabSz="914400" rtl="0" eaLnBrk="1" latinLnBrk="0" hangingPunct="1">
+              <a:lnSpc>
+                <a:spcPct val="90000"/>
+              </a:lnSpc>
+              <a:spcBef>
+                <a:spcPts val="500"/>
+              </a:spcBef>
+              <a:buFont typeface="Arial" panose="020B0604020202020204" pitchFamily="34" charset="0"/>
+              <a:buNone/>
+              <a:defRPr sz="1600" kern="1200">
+                <a:solidFill>
+                  <a:schemeClr val="tx1"/>
+                </a:solidFill>
+                <a:latin typeface="+mn-lt"/>
+                <a:ea typeface="+mn-ea"/>
+                <a:cs typeface="+mn-cs"/>
+              </a:defRPr>
+            </a:lvl4pPr>
+            <a:lvl5pPr marL="1828800" indent="0" algn="ctr" defTabSz="914400" rtl="0" eaLnBrk="1" latinLnBrk="0" hangingPunct="1">
+              <a:lnSpc>
+                <a:spcPct val="90000"/>
+              </a:lnSpc>
+              <a:spcBef>
+                <a:spcPts val="500"/>
+              </a:spcBef>
+              <a:buFont typeface="Arial" panose="020B0604020202020204" pitchFamily="34" charset="0"/>
+              <a:buNone/>
+              <a:defRPr sz="1600" kern="1200">
+                <a:solidFill>
+                  <a:schemeClr val="tx1"/>
+                </a:solidFill>
+                <a:latin typeface="+mn-lt"/>
+                <a:ea typeface="+mn-ea"/>
+                <a:cs typeface="+mn-cs"/>
+              </a:defRPr>
+            </a:lvl5pPr>
+            <a:lvl6pPr marL="2286000" indent="0" algn="ctr" defTabSz="914400" rtl="0" eaLnBrk="1" latinLnBrk="0" hangingPunct="1">
+              <a:lnSpc>
+                <a:spcPct val="90000"/>
+              </a:lnSpc>
+              <a:spcBef>
+                <a:spcPts val="500"/>
+              </a:spcBef>
+              <a:buFont typeface="Arial" panose="020B0604020202020204" pitchFamily="34" charset="0"/>
+              <a:buNone/>
+              <a:defRPr sz="1600" kern="1200">
+                <a:solidFill>
+                  <a:schemeClr val="tx1"/>
+                </a:solidFill>
+                <a:latin typeface="+mn-lt"/>
+                <a:ea typeface="+mn-ea"/>
+                <a:cs typeface="+mn-cs"/>
+              </a:defRPr>
+            </a:lvl6pPr>
+            <a:lvl7pPr marL="2743200" indent="0" algn="ctr" defTabSz="914400" rtl="0" eaLnBrk="1" latinLnBrk="0" hangingPunct="1">
+              <a:lnSpc>
+                <a:spcPct val="90000"/>
+              </a:lnSpc>
+              <a:spcBef>
+                <a:spcPts val="500"/>
+              </a:spcBef>
+              <a:buFont typeface="Arial" panose="020B0604020202020204" pitchFamily="34" charset="0"/>
+              <a:buNone/>
+              <a:defRPr sz="1600" kern="1200">
+                <a:solidFill>
+                  <a:schemeClr val="tx1"/>
+                </a:solidFill>
+                <a:latin typeface="+mn-lt"/>
+                <a:ea typeface="+mn-ea"/>
+                <a:cs typeface="+mn-cs"/>
+              </a:defRPr>
+            </a:lvl7pPr>
+            <a:lvl8pPr marL="3200400" indent="0" algn="ctr" defTabSz="914400" rtl="0" eaLnBrk="1" latinLnBrk="0" hangingPunct="1">
+              <a:lnSpc>
+                <a:spcPct val="90000"/>
+              </a:lnSpc>
+              <a:spcBef>
+                <a:spcPts val="500"/>
+              </a:spcBef>
+              <a:buFont typeface="Arial" panose="020B0604020202020204" pitchFamily="34" charset="0"/>
+              <a:buNone/>
+              <a:defRPr sz="1600" kern="1200">
+                <a:solidFill>
+                  <a:schemeClr val="tx1"/>
+                </a:solidFill>
+                <a:latin typeface="+mn-lt"/>
+                <a:ea typeface="+mn-ea"/>
+                <a:cs typeface="+mn-cs"/>
+              </a:defRPr>
+            </a:lvl8pPr>
+            <a:lvl9pPr marL="3657600" indent="0" algn="ctr" defTabSz="914400" rtl="0" eaLnBrk="1" latinLnBrk="0" hangingPunct="1">
+              <a:lnSpc>
+                <a:spcPct val="90000"/>
+              </a:lnSpc>
+              <a:spcBef>
+                <a:spcPts val="500"/>
+              </a:spcBef>
+              <a:buFont typeface="Arial" panose="020B0604020202020204" pitchFamily="34" charset="0"/>
+              <a:buNone/>
+              <a:defRPr sz="1600" kern="1200">
+                <a:solidFill>
+                  <a:schemeClr val="tx1"/>
+                </a:solidFill>
+                <a:latin typeface="+mn-lt"/>
+                <a:ea typeface="+mn-ea"/>
+                <a:cs typeface="+mn-cs"/>
+              </a:defRPr>
+            </a:lvl9pPr>
+          </a:lstStyle>
+          <a:p>
+            <a:pPr algn="l"/>
+            <a:r>
+              <a:rPr lang="es-MX" sz="2000" b="1" dirty="0">
+                <a:solidFill>
+                  <a:schemeClr val="accent1"/>
+                </a:solidFill>
+              </a:rPr>
+              <a:t>SELECT </a:t>
+            </a:r>
+          </a:p>
+          <a:p>
+            <a:pPr algn="l"/>
+            <a:r>
+              <a:rPr lang="es-MX" sz="2000" dirty="0" err="1">
+                <a:solidFill>
+                  <a:schemeClr val="accent1"/>
+                </a:solidFill>
+              </a:rPr>
+              <a:t>a.order_line</a:t>
+            </a:r>
+            <a:r>
+              <a:rPr lang="es-MX" sz="2000" dirty="0">
+                <a:solidFill>
+                  <a:schemeClr val="accent1"/>
+                </a:solidFill>
+              </a:rPr>
+              <a:t>, </a:t>
+            </a:r>
+            <a:r>
+              <a:rPr lang="es-MX" sz="2000" dirty="0" err="1">
+                <a:solidFill>
+                  <a:schemeClr val="accent1"/>
+                </a:solidFill>
+              </a:rPr>
+              <a:t>a.producto_id</a:t>
+            </a:r>
+            <a:r>
+              <a:rPr lang="es-MX" sz="2000" dirty="0">
+                <a:solidFill>
+                  <a:schemeClr val="accent1"/>
+                </a:solidFill>
+              </a:rPr>
+              <a:t>, </a:t>
+            </a:r>
+            <a:r>
+              <a:rPr lang="es-MX" sz="2000" dirty="0" err="1">
+                <a:solidFill>
+                  <a:schemeClr val="accent1"/>
+                </a:solidFill>
+              </a:rPr>
+              <a:t>a.customer_id</a:t>
+            </a:r>
+            <a:r>
+              <a:rPr lang="es-MX" sz="2000" dirty="0">
+                <a:solidFill>
+                  <a:schemeClr val="accent1"/>
+                </a:solidFill>
+              </a:rPr>
+              <a:t>, </a:t>
+            </a:r>
+            <a:r>
+              <a:rPr lang="es-MX" sz="2000" dirty="0" err="1">
+                <a:solidFill>
+                  <a:schemeClr val="accent1"/>
+                </a:solidFill>
+              </a:rPr>
+              <a:t>a.sales</a:t>
+            </a:r>
+            <a:r>
+              <a:rPr lang="es-MX" sz="2000" dirty="0">
+                <a:solidFill>
+                  <a:schemeClr val="accent1"/>
+                </a:solidFill>
+              </a:rPr>
+              <a:t>,</a:t>
+            </a:r>
+          </a:p>
+          <a:p>
+            <a:pPr algn="l"/>
+            <a:r>
+              <a:rPr lang="es-MX" sz="2000" dirty="0" err="1">
+                <a:solidFill>
+                  <a:schemeClr val="accent1"/>
+                </a:solidFill>
+              </a:rPr>
+              <a:t>b.customer_name</a:t>
+            </a:r>
+            <a:r>
+              <a:rPr lang="es-MX" sz="2000" dirty="0">
+                <a:solidFill>
+                  <a:schemeClr val="accent1"/>
+                </a:solidFill>
+              </a:rPr>
+              <a:t>, </a:t>
+            </a:r>
+            <a:r>
+              <a:rPr lang="es-MX" sz="2000" dirty="0" err="1">
+                <a:solidFill>
+                  <a:schemeClr val="accent1"/>
+                </a:solidFill>
+              </a:rPr>
+              <a:t>b.age</a:t>
+            </a:r>
+            <a:endParaRPr lang="es-MX" sz="2000" dirty="0">
+              <a:solidFill>
+                <a:schemeClr val="accent1"/>
+              </a:solidFill>
+            </a:endParaRPr>
+          </a:p>
+          <a:p>
+            <a:pPr algn="l"/>
+            <a:r>
+              <a:rPr lang="es-MX" sz="2000" b="1" dirty="0">
+                <a:solidFill>
+                  <a:schemeClr val="accent1"/>
+                </a:solidFill>
+              </a:rPr>
+              <a:t>FROM</a:t>
+            </a:r>
+            <a:r>
+              <a:rPr lang="es-MX" sz="2000" dirty="0">
+                <a:solidFill>
+                  <a:schemeClr val="accent1"/>
+                </a:solidFill>
+              </a:rPr>
+              <a:t> sales_2015 </a:t>
+            </a:r>
+            <a:r>
+              <a:rPr lang="es-MX" sz="2000" b="1" dirty="0">
+                <a:solidFill>
+                  <a:schemeClr val="accent1"/>
+                </a:solidFill>
+              </a:rPr>
+              <a:t>AS</a:t>
+            </a:r>
+            <a:r>
+              <a:rPr lang="es-MX" sz="2000" dirty="0">
+                <a:solidFill>
+                  <a:schemeClr val="accent1"/>
+                </a:solidFill>
+              </a:rPr>
+              <a:t> a</a:t>
+            </a:r>
+          </a:p>
+          <a:p>
+            <a:pPr algn="l"/>
+            <a:r>
+              <a:rPr lang="es-MX" sz="2000" b="1" dirty="0">
+                <a:solidFill>
+                  <a:schemeClr val="accent1"/>
+                </a:solidFill>
+              </a:rPr>
+              <a:t>INNER JOIN</a:t>
+            </a:r>
+            <a:r>
+              <a:rPr lang="es-MX" sz="2000" dirty="0">
+                <a:solidFill>
+                  <a:schemeClr val="accent1"/>
+                </a:solidFill>
+              </a:rPr>
+              <a:t> customer_20_60 </a:t>
+            </a:r>
+            <a:r>
+              <a:rPr lang="es-MX" sz="2000" b="1" dirty="0">
+                <a:solidFill>
+                  <a:schemeClr val="accent1"/>
+                </a:solidFill>
+              </a:rPr>
+              <a:t>AS </a:t>
+            </a:r>
+            <a:r>
+              <a:rPr lang="es-MX" sz="2000" dirty="0">
+                <a:solidFill>
+                  <a:schemeClr val="accent1"/>
+                </a:solidFill>
+              </a:rPr>
+              <a:t>b</a:t>
+            </a:r>
+          </a:p>
+          <a:p>
+            <a:pPr algn="l"/>
+            <a:r>
+              <a:rPr lang="es-MX" sz="2000" b="1" dirty="0">
+                <a:solidFill>
+                  <a:schemeClr val="accent1"/>
+                </a:solidFill>
+              </a:rPr>
+              <a:t>ON</a:t>
+            </a:r>
+            <a:r>
+              <a:rPr lang="es-MX" sz="2000" dirty="0">
+                <a:solidFill>
+                  <a:schemeClr val="accent1"/>
+                </a:solidFill>
+              </a:rPr>
+              <a:t> </a:t>
+            </a:r>
+            <a:r>
+              <a:rPr lang="es-MX" sz="2000" dirty="0" err="1">
+                <a:solidFill>
+                  <a:schemeClr val="accent1"/>
+                </a:solidFill>
+              </a:rPr>
+              <a:t>a.customer_id</a:t>
+            </a:r>
+            <a:r>
+              <a:rPr lang="es-MX" sz="2000" dirty="0">
+                <a:solidFill>
+                  <a:schemeClr val="accent1"/>
+                </a:solidFill>
+              </a:rPr>
+              <a:t>=</a:t>
+            </a:r>
+            <a:r>
+              <a:rPr lang="es-MX" sz="2000" dirty="0" err="1">
+                <a:solidFill>
+                  <a:schemeClr val="accent1"/>
+                </a:solidFill>
+              </a:rPr>
+              <a:t>b.customer_id</a:t>
+            </a:r>
+            <a:endParaRPr lang="es-MX" sz="2000" dirty="0">
+              <a:solidFill>
+                <a:schemeClr val="accent1"/>
+              </a:solidFill>
+            </a:endParaRPr>
+          </a:p>
+          <a:p>
+            <a:pPr algn="l"/>
+            <a:r>
+              <a:rPr lang="es-MX" sz="2000" b="1" dirty="0">
+                <a:solidFill>
+                  <a:schemeClr val="accent1"/>
+                </a:solidFill>
+              </a:rPr>
+              <a:t>ORDER BY</a:t>
+            </a:r>
+            <a:r>
+              <a:rPr lang="es-MX" sz="2000" dirty="0">
+                <a:solidFill>
+                  <a:schemeClr val="accent1"/>
+                </a:solidFill>
+              </a:rPr>
+              <a:t> </a:t>
+            </a:r>
+            <a:r>
+              <a:rPr lang="es-MX" sz="2000" dirty="0" err="1">
+                <a:solidFill>
+                  <a:schemeClr val="accent1"/>
+                </a:solidFill>
+              </a:rPr>
+              <a:t>customer_id</a:t>
+            </a:r>
+            <a:r>
+              <a:rPr lang="es-MX" sz="2000" b="1" dirty="0">
+                <a:solidFill>
+                  <a:schemeClr val="accent1"/>
+                </a:solidFill>
+              </a:rPr>
+              <a:t>;</a:t>
+            </a:r>
+          </a:p>
+          <a:p>
+            <a:pPr algn="l"/>
+            <a:endParaRPr lang="es-MX" sz="2000" b="1" dirty="0">
+              <a:solidFill>
+                <a:schemeClr val="accent1"/>
+              </a:solidFill>
+            </a:endParaRPr>
+          </a:p>
+        </p:txBody>
+      </p:sp>
+      <p:sp>
+        <p:nvSpPr>
+          <p:cNvPr id="7" name="Subtítulo 2">
+            <a:extLst>
+              <a:ext uri="{FF2B5EF4-FFF2-40B4-BE49-F238E27FC236}">
+                <a16:creationId xmlns:a16="http://schemas.microsoft.com/office/drawing/2014/main" id="{D6F07E9B-E9B9-E49B-1B8C-8F90F9F01349}"/>
+              </a:ext>
+            </a:extLst>
+          </p:cNvPr>
+          <p:cNvSpPr txBox="1">
+            <a:spLocks/>
+          </p:cNvSpPr>
+          <p:nvPr/>
+        </p:nvSpPr>
+        <p:spPr>
+          <a:xfrm>
+            <a:off x="8257309" y="3951594"/>
+            <a:ext cx="3906981" cy="549012"/>
+          </a:xfrm>
+          <a:prstGeom prst="rect">
+            <a:avLst/>
+          </a:prstGeom>
+        </p:spPr>
+        <p:txBody>
+          <a:bodyPr vert="horz" lIns="91440" tIns="45720" rIns="91440" bIns="45720" rtlCol="0">
+            <a:normAutofit/>
+          </a:bodyPr>
+          <a:lstStyle>
+            <a:lvl1pPr marL="0" indent="0" algn="ctr" defTabSz="914400" rtl="0" eaLnBrk="1" latinLnBrk="0" hangingPunct="1">
+              <a:lnSpc>
+                <a:spcPct val="90000"/>
+              </a:lnSpc>
+              <a:spcBef>
+                <a:spcPts val="1000"/>
+              </a:spcBef>
+              <a:buFont typeface="Arial" panose="020B0604020202020204" pitchFamily="34" charset="0"/>
+              <a:buNone/>
+              <a:defRPr sz="2400" kern="1200">
+                <a:solidFill>
+                  <a:schemeClr val="tx1"/>
+                </a:solidFill>
+                <a:latin typeface="+mn-lt"/>
+                <a:ea typeface="+mn-ea"/>
+                <a:cs typeface="+mn-cs"/>
+              </a:defRPr>
+            </a:lvl1pPr>
+            <a:lvl2pPr marL="457200" indent="0" algn="ctr" defTabSz="914400" rtl="0" eaLnBrk="1" latinLnBrk="0" hangingPunct="1">
+              <a:lnSpc>
+                <a:spcPct val="90000"/>
+              </a:lnSpc>
+              <a:spcBef>
+                <a:spcPts val="500"/>
+              </a:spcBef>
+              <a:buFont typeface="Arial" panose="020B0604020202020204" pitchFamily="34" charset="0"/>
+              <a:buNone/>
+              <a:defRPr sz="2000" kern="1200">
+                <a:solidFill>
+                  <a:schemeClr val="tx1"/>
+                </a:solidFill>
+                <a:latin typeface="+mn-lt"/>
+                <a:ea typeface="+mn-ea"/>
+                <a:cs typeface="+mn-cs"/>
+              </a:defRPr>
+            </a:lvl2pPr>
+            <a:lvl3pPr marL="914400" indent="0" algn="ctr" defTabSz="914400" rtl="0" eaLnBrk="1" latinLnBrk="0" hangingPunct="1">
+              <a:lnSpc>
+                <a:spcPct val="90000"/>
+              </a:lnSpc>
+              <a:spcBef>
+                <a:spcPts val="500"/>
+              </a:spcBef>
+              <a:buFont typeface="Arial" panose="020B0604020202020204" pitchFamily="34" charset="0"/>
+              <a:buNone/>
+              <a:defRPr sz="1800" kern="1200">
+                <a:solidFill>
+                  <a:schemeClr val="tx1"/>
+                </a:solidFill>
+                <a:latin typeface="+mn-lt"/>
+                <a:ea typeface="+mn-ea"/>
+                <a:cs typeface="+mn-cs"/>
+              </a:defRPr>
+            </a:lvl3pPr>
+            <a:lvl4pPr marL="1371600" indent="0" algn="ctr" defTabSz="914400" rtl="0" eaLnBrk="1" latinLnBrk="0" hangingPunct="1">
+              <a:lnSpc>
+                <a:spcPct val="90000"/>
+              </a:lnSpc>
+              <a:spcBef>
+                <a:spcPts val="500"/>
+              </a:spcBef>
+              <a:buFont typeface="Arial" panose="020B0604020202020204" pitchFamily="34" charset="0"/>
+              <a:buNone/>
+              <a:defRPr sz="1600" kern="1200">
+                <a:solidFill>
+                  <a:schemeClr val="tx1"/>
+                </a:solidFill>
+                <a:latin typeface="+mn-lt"/>
+                <a:ea typeface="+mn-ea"/>
+                <a:cs typeface="+mn-cs"/>
+              </a:defRPr>
+            </a:lvl4pPr>
+            <a:lvl5pPr marL="1828800" indent="0" algn="ctr" defTabSz="914400" rtl="0" eaLnBrk="1" latinLnBrk="0" hangingPunct="1">
+              <a:lnSpc>
+                <a:spcPct val="90000"/>
+              </a:lnSpc>
+              <a:spcBef>
+                <a:spcPts val="500"/>
+              </a:spcBef>
+              <a:buFont typeface="Arial" panose="020B0604020202020204" pitchFamily="34" charset="0"/>
+              <a:buNone/>
+              <a:defRPr sz="1600" kern="1200">
+                <a:solidFill>
+                  <a:schemeClr val="tx1"/>
+                </a:solidFill>
+                <a:latin typeface="+mn-lt"/>
+                <a:ea typeface="+mn-ea"/>
+                <a:cs typeface="+mn-cs"/>
+              </a:defRPr>
+            </a:lvl5pPr>
+            <a:lvl6pPr marL="2286000" indent="0" algn="ctr" defTabSz="914400" rtl="0" eaLnBrk="1" latinLnBrk="0" hangingPunct="1">
+              <a:lnSpc>
+                <a:spcPct val="90000"/>
+              </a:lnSpc>
+              <a:spcBef>
+                <a:spcPts val="500"/>
+              </a:spcBef>
+              <a:buFont typeface="Arial" panose="020B0604020202020204" pitchFamily="34" charset="0"/>
+              <a:buNone/>
+              <a:defRPr sz="1600" kern="1200">
+                <a:solidFill>
+                  <a:schemeClr val="tx1"/>
+                </a:solidFill>
+                <a:latin typeface="+mn-lt"/>
+                <a:ea typeface="+mn-ea"/>
+                <a:cs typeface="+mn-cs"/>
+              </a:defRPr>
+            </a:lvl6pPr>
+            <a:lvl7pPr marL="2743200" indent="0" algn="ctr" defTabSz="914400" rtl="0" eaLnBrk="1" latinLnBrk="0" hangingPunct="1">
+              <a:lnSpc>
+                <a:spcPct val="90000"/>
+              </a:lnSpc>
+              <a:spcBef>
+                <a:spcPts val="500"/>
+              </a:spcBef>
+              <a:buFont typeface="Arial" panose="020B0604020202020204" pitchFamily="34" charset="0"/>
+              <a:buNone/>
+              <a:defRPr sz="1600" kern="1200">
+                <a:solidFill>
+                  <a:schemeClr val="tx1"/>
+                </a:solidFill>
+                <a:latin typeface="+mn-lt"/>
+                <a:ea typeface="+mn-ea"/>
+                <a:cs typeface="+mn-cs"/>
+              </a:defRPr>
+            </a:lvl7pPr>
+            <a:lvl8pPr marL="3200400" indent="0" algn="ctr" defTabSz="914400" rtl="0" eaLnBrk="1" latinLnBrk="0" hangingPunct="1">
+              <a:lnSpc>
+                <a:spcPct val="90000"/>
+              </a:lnSpc>
+              <a:spcBef>
+                <a:spcPts val="500"/>
+              </a:spcBef>
+              <a:buFont typeface="Arial" panose="020B0604020202020204" pitchFamily="34" charset="0"/>
+              <a:buNone/>
+              <a:defRPr sz="1600" kern="1200">
+                <a:solidFill>
+                  <a:schemeClr val="tx1"/>
+                </a:solidFill>
+                <a:latin typeface="+mn-lt"/>
+                <a:ea typeface="+mn-ea"/>
+                <a:cs typeface="+mn-cs"/>
+              </a:defRPr>
+            </a:lvl8pPr>
+            <a:lvl9pPr marL="3657600" indent="0" algn="ctr" defTabSz="914400" rtl="0" eaLnBrk="1" latinLnBrk="0" hangingPunct="1">
+              <a:lnSpc>
+                <a:spcPct val="90000"/>
+              </a:lnSpc>
+              <a:spcBef>
+                <a:spcPts val="500"/>
+              </a:spcBef>
+              <a:buFont typeface="Arial" panose="020B0604020202020204" pitchFamily="34" charset="0"/>
+              <a:buNone/>
+              <a:defRPr sz="1600" kern="1200">
+                <a:solidFill>
+                  <a:schemeClr val="tx1"/>
+                </a:solidFill>
+                <a:latin typeface="+mn-lt"/>
+                <a:ea typeface="+mn-ea"/>
+                <a:cs typeface="+mn-cs"/>
+              </a:defRPr>
+            </a:lvl9pPr>
+          </a:lstStyle>
+          <a:p>
+            <a:pPr algn="l"/>
+            <a:r>
+              <a:rPr lang="es-MX" sz="1600" dirty="0"/>
+              <a:t>+ Los alias a cada tabla se asignan en la misma </a:t>
+            </a:r>
+            <a:r>
+              <a:rPr lang="es-MX" sz="1600" dirty="0" err="1"/>
+              <a:t>query</a:t>
+            </a:r>
+            <a:endParaRPr lang="es-MX" sz="1600" dirty="0"/>
+          </a:p>
+        </p:txBody>
+      </p:sp>
+    </p:spTree>
+    <p:extLst>
+      <p:ext uri="{BB962C8B-B14F-4D97-AF65-F5344CB8AC3E}">
+        <p14:creationId xmlns:p14="http://schemas.microsoft.com/office/powerpoint/2010/main" val="1504859411"/>
+      </p:ext>
+    </p:extLst>
+  </p:cSld>
+  <p:clrMapOvr>
+    <a:masterClrMapping/>
+  </p:clrMapOvr>
+</p:sld>
+</file>
+
+<file path=ppt/slides/slide28.xml><?xml version="1.0" encoding="utf-8"?>
+<p:sld xmlns:a="http://schemas.openxmlformats.org/drawingml/2006/main" xmlns:r="http://schemas.openxmlformats.org/officeDocument/2006/relationships" xmlns:p="http://schemas.openxmlformats.org/presentationml/2006/main">
+  <p:cSld>
+    <p:spTree>
+      <p:nvGrpSpPr>
+        <p:cNvPr id="1" name=""/>
+        <p:cNvGrpSpPr/>
+        <p:nvPr/>
+      </p:nvGrpSpPr>
+      <p:grpSpPr>
+        <a:xfrm>
+          <a:off x="0" y="0"/>
+          <a:ext cx="0" cy="0"/>
+          <a:chOff x="0" y="0"/>
+          <a:chExt cx="0" cy="0"/>
+        </a:xfrm>
+      </p:grpSpPr>
+      <p:pic>
+        <p:nvPicPr>
+          <p:cNvPr id="3" name="Imagen 2">
+            <a:extLst>
+              <a:ext uri="{FF2B5EF4-FFF2-40B4-BE49-F238E27FC236}">
+                <a16:creationId xmlns:a16="http://schemas.microsoft.com/office/drawing/2014/main" id="{1929F449-FFCA-58C5-5CA0-11211185D792}"/>
+              </a:ext>
+            </a:extLst>
+          </p:cNvPr>
+          <p:cNvPicPr>
+            <a:picLocks noChangeAspect="1"/>
+          </p:cNvPicPr>
+          <p:nvPr/>
+        </p:nvPicPr>
+        <p:blipFill rotWithShape="1">
+          <a:blip r:embed="rId2"/>
+          <a:srcRect l="19549" t="45463" r="19222" b="32669"/>
+          <a:stretch/>
+        </p:blipFill>
+        <p:spPr>
+          <a:xfrm>
+            <a:off x="497173" y="2098623"/>
+            <a:ext cx="11197653" cy="2248524"/>
+          </a:xfrm>
+          <a:prstGeom prst="rect">
+            <a:avLst/>
+          </a:prstGeom>
+        </p:spPr>
+      </p:pic>
+      <p:sp>
+        <p:nvSpPr>
+          <p:cNvPr id="4" name="Rectángulo 3">
+            <a:extLst>
+              <a:ext uri="{FF2B5EF4-FFF2-40B4-BE49-F238E27FC236}">
+                <a16:creationId xmlns:a16="http://schemas.microsoft.com/office/drawing/2014/main" id="{4A04ECB4-B55F-A580-7C2E-4934AD1B24EB}"/>
+              </a:ext>
+            </a:extLst>
+          </p:cNvPr>
+          <p:cNvSpPr/>
+          <p:nvPr/>
+        </p:nvSpPr>
+        <p:spPr>
+          <a:xfrm>
+            <a:off x="974361" y="1993692"/>
+            <a:ext cx="6100996" cy="464695"/>
+          </a:xfrm>
+          <a:prstGeom prst="rect">
+            <a:avLst/>
+          </a:prstGeom>
+          <a:solidFill>
+            <a:schemeClr val="bg1"/>
+          </a:solidFill>
+          <a:ln>
+            <a:solidFill>
+              <a:schemeClr val="bg1"/>
+            </a:solidFill>
+          </a:ln>
+        </p:spPr>
+        <p:style>
+          <a:lnRef idx="2">
+            <a:schemeClr val="accent1">
+              <a:shade val="15000"/>
+            </a:schemeClr>
+          </a:lnRef>
+          <a:fillRef idx="1">
+            <a:schemeClr val="accent1"/>
+          </a:fillRef>
+          <a:effectRef idx="0">
+            <a:schemeClr val="accent1"/>
+          </a:effectRef>
+          <a:fontRef idx="minor">
+            <a:schemeClr val="lt1"/>
+          </a:fontRef>
+        </p:style>
+        <p:txBody>
+          <a:bodyPr rtlCol="0" anchor="ctr"/>
+          <a:lstStyle/>
+          <a:p>
+            <a:pPr algn="ctr"/>
+            <a:endParaRPr lang="es-MX"/>
+          </a:p>
+        </p:txBody>
+      </p:sp>
+      <p:sp>
+        <p:nvSpPr>
+          <p:cNvPr id="5" name="Rectángulo 4">
+            <a:extLst>
+              <a:ext uri="{FF2B5EF4-FFF2-40B4-BE49-F238E27FC236}">
+                <a16:creationId xmlns:a16="http://schemas.microsoft.com/office/drawing/2014/main" id="{FCF4D482-6216-6EDC-9091-1A69599FC0F3}"/>
+              </a:ext>
+            </a:extLst>
+          </p:cNvPr>
+          <p:cNvSpPr/>
+          <p:nvPr/>
+        </p:nvSpPr>
+        <p:spPr>
+          <a:xfrm>
+            <a:off x="6915462" y="3429000"/>
+            <a:ext cx="4779364" cy="1382843"/>
+          </a:xfrm>
+          <a:prstGeom prst="rect">
+            <a:avLst/>
+          </a:prstGeom>
+          <a:solidFill>
+            <a:schemeClr val="bg1"/>
+          </a:solidFill>
+          <a:ln>
+            <a:solidFill>
+              <a:schemeClr val="bg1"/>
+            </a:solidFill>
+          </a:ln>
+        </p:spPr>
+        <p:style>
+          <a:lnRef idx="2">
+            <a:schemeClr val="accent1">
+              <a:shade val="15000"/>
+            </a:schemeClr>
+          </a:lnRef>
+          <a:fillRef idx="1">
+            <a:schemeClr val="accent1"/>
+          </a:fillRef>
+          <a:effectRef idx="0">
+            <a:schemeClr val="accent1"/>
+          </a:effectRef>
+          <a:fontRef idx="minor">
+            <a:schemeClr val="lt1"/>
+          </a:fontRef>
+        </p:style>
+        <p:txBody>
+          <a:bodyPr rtlCol="0" anchor="ctr"/>
+          <a:lstStyle/>
+          <a:p>
+            <a:pPr algn="ctr"/>
+            <a:endParaRPr lang="es-MX"/>
+          </a:p>
+        </p:txBody>
+      </p:sp>
+    </p:spTree>
+    <p:extLst>
+      <p:ext uri="{BB962C8B-B14F-4D97-AF65-F5344CB8AC3E}">
+        <p14:creationId xmlns:p14="http://schemas.microsoft.com/office/powerpoint/2010/main" val="1788968241"/>
+      </p:ext>
+    </p:extLst>
+  </p:cSld>
+  <p:clrMapOvr>
+    <a:masterClrMapping/>
+  </p:clrMapOvr>
+</p:sld>
+</file>
+
+<file path=ppt/slides/slide29.xml><?xml version="1.0" encoding="utf-8"?>
+<p:sld xmlns:a="http://schemas.openxmlformats.org/drawingml/2006/main" xmlns:r="http://schemas.openxmlformats.org/officeDocument/2006/relationships" xmlns:p="http://schemas.openxmlformats.org/presentationml/2006/main">
+  <p:cSld>
+    <p:spTree>
+      <p:nvGrpSpPr>
+        <p:cNvPr id="1" name=""/>
+        <p:cNvGrpSpPr/>
+        <p:nvPr/>
+      </p:nvGrpSpPr>
+      <p:grpSpPr>
+        <a:xfrm>
+          <a:off x="0" y="0"/>
+          <a:ext cx="0" cy="0"/>
+          <a:chOff x="0" y="0"/>
+          <a:chExt cx="0" cy="0"/>
+        </a:xfrm>
+      </p:grpSpPr>
+      <p:sp>
+        <p:nvSpPr>
+          <p:cNvPr id="2" name="Título 1">
+            <a:extLst>
+              <a:ext uri="{FF2B5EF4-FFF2-40B4-BE49-F238E27FC236}">
+                <a16:creationId xmlns:a16="http://schemas.microsoft.com/office/drawing/2014/main" id="{095D5E06-C433-C836-106A-B2D45ADCF04F}"/>
+              </a:ext>
+            </a:extLst>
+          </p:cNvPr>
+          <p:cNvSpPr>
+            <a:spLocks noGrp="1"/>
+          </p:cNvSpPr>
+          <p:nvPr>
+            <p:ph type="ctrTitle"/>
+          </p:nvPr>
+        </p:nvSpPr>
+        <p:spPr>
+          <a:xfrm>
+            <a:off x="304800" y="277091"/>
+            <a:ext cx="9144000" cy="669781"/>
+          </a:xfrm>
+        </p:spPr>
+        <p:txBody>
+          <a:bodyPr>
+            <a:normAutofit/>
+          </a:bodyPr>
+          <a:lstStyle/>
+          <a:p>
+            <a:pPr algn="l"/>
+            <a:r>
+              <a:rPr lang="es-MX" sz="3600" b="1" dirty="0">
+                <a:latin typeface="Gadugi" panose="020B0502040204020203" pitchFamily="34" charset="0"/>
+                <a:ea typeface="Gadugi" panose="020B0502040204020203" pitchFamily="34" charset="0"/>
+              </a:rPr>
+              <a:t>LEFT JOIN</a:t>
+            </a:r>
+          </a:p>
+        </p:txBody>
+      </p:sp>
+      <p:sp>
+        <p:nvSpPr>
+          <p:cNvPr id="3" name="Subtítulo 2">
+            <a:extLst>
+              <a:ext uri="{FF2B5EF4-FFF2-40B4-BE49-F238E27FC236}">
+                <a16:creationId xmlns:a16="http://schemas.microsoft.com/office/drawing/2014/main" id="{1A30F90B-0731-20CA-E914-48343967869A}"/>
+              </a:ext>
+            </a:extLst>
+          </p:cNvPr>
+          <p:cNvSpPr>
+            <a:spLocks noGrp="1"/>
+          </p:cNvSpPr>
+          <p:nvPr>
+            <p:ph type="subTitle" idx="1"/>
+          </p:nvPr>
+        </p:nvSpPr>
+        <p:spPr>
+          <a:xfrm>
+            <a:off x="152400" y="1602655"/>
+            <a:ext cx="7966356" cy="2623445"/>
+          </a:xfrm>
+        </p:spPr>
+        <p:txBody>
+          <a:bodyPr>
+            <a:normAutofit/>
+          </a:bodyPr>
+          <a:lstStyle/>
+          <a:p>
+            <a:pPr algn="l"/>
+            <a:r>
+              <a:rPr lang="es-MX" b="1" dirty="0"/>
+              <a:t>SELECT</a:t>
+            </a:r>
+            <a:r>
+              <a:rPr lang="es-MX" dirty="0"/>
+              <a:t> [columnas]</a:t>
+            </a:r>
+          </a:p>
+          <a:p>
+            <a:pPr algn="l"/>
+            <a:r>
+              <a:rPr lang="es-MX" b="1" dirty="0"/>
+              <a:t>FROM </a:t>
+            </a:r>
+            <a:r>
+              <a:rPr lang="es-MX" dirty="0"/>
+              <a:t>[tabla1]</a:t>
+            </a:r>
+          </a:p>
+          <a:p>
+            <a:pPr algn="l"/>
+            <a:r>
+              <a:rPr lang="es-MX" b="1" dirty="0"/>
+              <a:t>LEFT JOIN </a:t>
+            </a:r>
+            <a:r>
+              <a:rPr lang="es-MX" dirty="0"/>
+              <a:t>[tabla2]</a:t>
+            </a:r>
+          </a:p>
+          <a:p>
+            <a:pPr algn="l"/>
+            <a:r>
+              <a:rPr lang="es-MX" b="1" dirty="0"/>
+              <a:t>ON </a:t>
+            </a:r>
+            <a:r>
+              <a:rPr lang="es-MX" dirty="0"/>
+              <a:t>tabla1.columnajoin=tabla2.columnajoin</a:t>
+            </a:r>
+            <a:endParaRPr lang="es-MX" b="1" dirty="0"/>
+          </a:p>
+        </p:txBody>
+      </p:sp>
+      <p:cxnSp>
+        <p:nvCxnSpPr>
+          <p:cNvPr id="5" name="Conector recto 4">
+            <a:extLst>
+              <a:ext uri="{FF2B5EF4-FFF2-40B4-BE49-F238E27FC236}">
+                <a16:creationId xmlns:a16="http://schemas.microsoft.com/office/drawing/2014/main" id="{8185E119-0A24-A724-B622-7DB91F3252A8}"/>
+              </a:ext>
+            </a:extLst>
+          </p:cNvPr>
+          <p:cNvCxnSpPr/>
+          <p:nvPr/>
+        </p:nvCxnSpPr>
+        <p:spPr>
+          <a:xfrm>
+            <a:off x="0" y="946872"/>
+            <a:ext cx="5472545" cy="0"/>
+          </a:xfrm>
+          <a:prstGeom prst="line">
+            <a:avLst/>
+          </a:prstGeom>
+          <a:ln w="38100">
+            <a:solidFill>
+              <a:srgbClr val="7030A0"/>
+            </a:solidFill>
+          </a:ln>
+        </p:spPr>
+        <p:style>
+          <a:lnRef idx="1">
+            <a:schemeClr val="accent1"/>
+          </a:lnRef>
+          <a:fillRef idx="0">
+            <a:schemeClr val="accent1"/>
+          </a:fillRef>
+          <a:effectRef idx="0">
+            <a:schemeClr val="accent1"/>
+          </a:effectRef>
+          <a:fontRef idx="minor">
+            <a:schemeClr val="tx1"/>
+          </a:fontRef>
+        </p:style>
+      </p:cxnSp>
+      <p:cxnSp>
+        <p:nvCxnSpPr>
+          <p:cNvPr id="6" name="Conector recto 5">
+            <a:extLst>
+              <a:ext uri="{FF2B5EF4-FFF2-40B4-BE49-F238E27FC236}">
+                <a16:creationId xmlns:a16="http://schemas.microsoft.com/office/drawing/2014/main" id="{BEFC1D1B-E623-58C6-AEC5-FBF9FC0A9DBC}"/>
+              </a:ext>
+            </a:extLst>
+          </p:cNvPr>
+          <p:cNvCxnSpPr>
+            <a:cxnSpLocks/>
+          </p:cNvCxnSpPr>
+          <p:nvPr/>
+        </p:nvCxnSpPr>
+        <p:spPr>
+          <a:xfrm flipH="1" flipV="1">
+            <a:off x="8257309" y="0"/>
+            <a:ext cx="27710" cy="4226100"/>
+          </a:xfrm>
+          <a:prstGeom prst="line">
+            <a:avLst/>
+          </a:prstGeom>
+          <a:ln w="38100">
+            <a:solidFill>
+              <a:srgbClr val="7030A0"/>
+            </a:solidFill>
+          </a:ln>
+        </p:spPr>
+        <p:style>
+          <a:lnRef idx="1">
+            <a:schemeClr val="accent1"/>
+          </a:lnRef>
+          <a:fillRef idx="0">
+            <a:schemeClr val="accent1"/>
+          </a:fillRef>
+          <a:effectRef idx="0">
+            <a:schemeClr val="accent1"/>
+          </a:effectRef>
+          <a:fontRef idx="minor">
+            <a:schemeClr val="tx1"/>
+          </a:fontRef>
+        </p:style>
+      </p:cxnSp>
+      <p:sp>
+        <p:nvSpPr>
+          <p:cNvPr id="9" name="Subtítulo 2">
+            <a:extLst>
+              <a:ext uri="{FF2B5EF4-FFF2-40B4-BE49-F238E27FC236}">
+                <a16:creationId xmlns:a16="http://schemas.microsoft.com/office/drawing/2014/main" id="{B2F69EEF-1183-1D61-4B75-D786FD98E6A3}"/>
+              </a:ext>
+            </a:extLst>
+          </p:cNvPr>
+          <p:cNvSpPr txBox="1">
+            <a:spLocks/>
+          </p:cNvSpPr>
+          <p:nvPr/>
+        </p:nvSpPr>
+        <p:spPr>
+          <a:xfrm>
+            <a:off x="8285019" y="1602654"/>
+            <a:ext cx="3906981" cy="1154126"/>
+          </a:xfrm>
+          <a:prstGeom prst="rect">
+            <a:avLst/>
+          </a:prstGeom>
+        </p:spPr>
+        <p:txBody>
+          <a:bodyPr vert="horz" lIns="91440" tIns="45720" rIns="91440" bIns="45720" rtlCol="0">
+            <a:normAutofit/>
+          </a:bodyPr>
+          <a:lstStyle>
+            <a:lvl1pPr marL="0" indent="0" algn="ctr" defTabSz="914400" rtl="0" eaLnBrk="1" latinLnBrk="0" hangingPunct="1">
+              <a:lnSpc>
+                <a:spcPct val="90000"/>
+              </a:lnSpc>
+              <a:spcBef>
+                <a:spcPts val="1000"/>
+              </a:spcBef>
+              <a:buFont typeface="Arial" panose="020B0604020202020204" pitchFamily="34" charset="0"/>
+              <a:buNone/>
+              <a:defRPr sz="2400" kern="1200">
+                <a:solidFill>
+                  <a:schemeClr val="tx1"/>
+                </a:solidFill>
+                <a:latin typeface="+mn-lt"/>
+                <a:ea typeface="+mn-ea"/>
+                <a:cs typeface="+mn-cs"/>
+              </a:defRPr>
+            </a:lvl1pPr>
+            <a:lvl2pPr marL="457200" indent="0" algn="ctr" defTabSz="914400" rtl="0" eaLnBrk="1" latinLnBrk="0" hangingPunct="1">
+              <a:lnSpc>
+                <a:spcPct val="90000"/>
+              </a:lnSpc>
+              <a:spcBef>
+                <a:spcPts val="500"/>
+              </a:spcBef>
+              <a:buFont typeface="Arial" panose="020B0604020202020204" pitchFamily="34" charset="0"/>
+              <a:buNone/>
+              <a:defRPr sz="2000" kern="1200">
+                <a:solidFill>
+                  <a:schemeClr val="tx1"/>
+                </a:solidFill>
+                <a:latin typeface="+mn-lt"/>
+                <a:ea typeface="+mn-ea"/>
+                <a:cs typeface="+mn-cs"/>
+              </a:defRPr>
+            </a:lvl2pPr>
+            <a:lvl3pPr marL="914400" indent="0" algn="ctr" defTabSz="914400" rtl="0" eaLnBrk="1" latinLnBrk="0" hangingPunct="1">
+              <a:lnSpc>
+                <a:spcPct val="90000"/>
+              </a:lnSpc>
+              <a:spcBef>
+                <a:spcPts val="500"/>
+              </a:spcBef>
+              <a:buFont typeface="Arial" panose="020B0604020202020204" pitchFamily="34" charset="0"/>
+              <a:buNone/>
+              <a:defRPr sz="1800" kern="1200">
+                <a:solidFill>
+                  <a:schemeClr val="tx1"/>
+                </a:solidFill>
+                <a:latin typeface="+mn-lt"/>
+                <a:ea typeface="+mn-ea"/>
+                <a:cs typeface="+mn-cs"/>
+              </a:defRPr>
+            </a:lvl3pPr>
+            <a:lvl4pPr marL="1371600" indent="0" algn="ctr" defTabSz="914400" rtl="0" eaLnBrk="1" latinLnBrk="0" hangingPunct="1">
+              <a:lnSpc>
+                <a:spcPct val="90000"/>
+              </a:lnSpc>
+              <a:spcBef>
+                <a:spcPts val="500"/>
+              </a:spcBef>
+              <a:buFont typeface="Arial" panose="020B0604020202020204" pitchFamily="34" charset="0"/>
+              <a:buNone/>
+              <a:defRPr sz="1600" kern="1200">
+                <a:solidFill>
+                  <a:schemeClr val="tx1"/>
+                </a:solidFill>
+                <a:latin typeface="+mn-lt"/>
+                <a:ea typeface="+mn-ea"/>
+                <a:cs typeface="+mn-cs"/>
+              </a:defRPr>
+            </a:lvl4pPr>
+            <a:lvl5pPr marL="1828800" indent="0" algn="ctr" defTabSz="914400" rtl="0" eaLnBrk="1" latinLnBrk="0" hangingPunct="1">
+              <a:lnSpc>
+                <a:spcPct val="90000"/>
+              </a:lnSpc>
+              <a:spcBef>
+                <a:spcPts val="500"/>
+              </a:spcBef>
+              <a:buFont typeface="Arial" panose="020B0604020202020204" pitchFamily="34" charset="0"/>
+              <a:buNone/>
+              <a:defRPr sz="1600" kern="1200">
+                <a:solidFill>
+                  <a:schemeClr val="tx1"/>
+                </a:solidFill>
+                <a:latin typeface="+mn-lt"/>
+                <a:ea typeface="+mn-ea"/>
+                <a:cs typeface="+mn-cs"/>
+              </a:defRPr>
+            </a:lvl5pPr>
+            <a:lvl6pPr marL="2286000" indent="0" algn="ctr" defTabSz="914400" rtl="0" eaLnBrk="1" latinLnBrk="0" hangingPunct="1">
+              <a:lnSpc>
+                <a:spcPct val="90000"/>
+              </a:lnSpc>
+              <a:spcBef>
+                <a:spcPts val="500"/>
+              </a:spcBef>
+              <a:buFont typeface="Arial" panose="020B0604020202020204" pitchFamily="34" charset="0"/>
+              <a:buNone/>
+              <a:defRPr sz="1600" kern="1200">
+                <a:solidFill>
+                  <a:schemeClr val="tx1"/>
+                </a:solidFill>
+                <a:latin typeface="+mn-lt"/>
+                <a:ea typeface="+mn-ea"/>
+                <a:cs typeface="+mn-cs"/>
+              </a:defRPr>
+            </a:lvl6pPr>
+            <a:lvl7pPr marL="2743200" indent="0" algn="ctr" defTabSz="914400" rtl="0" eaLnBrk="1" latinLnBrk="0" hangingPunct="1">
+              <a:lnSpc>
+                <a:spcPct val="90000"/>
+              </a:lnSpc>
+              <a:spcBef>
+                <a:spcPts val="500"/>
+              </a:spcBef>
+              <a:buFont typeface="Arial" panose="020B0604020202020204" pitchFamily="34" charset="0"/>
+              <a:buNone/>
+              <a:defRPr sz="1600" kern="1200">
+                <a:solidFill>
+                  <a:schemeClr val="tx1"/>
+                </a:solidFill>
+                <a:latin typeface="+mn-lt"/>
+                <a:ea typeface="+mn-ea"/>
+                <a:cs typeface="+mn-cs"/>
+              </a:defRPr>
+            </a:lvl7pPr>
+            <a:lvl8pPr marL="3200400" indent="0" algn="ctr" defTabSz="914400" rtl="0" eaLnBrk="1" latinLnBrk="0" hangingPunct="1">
+              <a:lnSpc>
+                <a:spcPct val="90000"/>
+              </a:lnSpc>
+              <a:spcBef>
+                <a:spcPts val="500"/>
+              </a:spcBef>
+              <a:buFont typeface="Arial" panose="020B0604020202020204" pitchFamily="34" charset="0"/>
+              <a:buNone/>
+              <a:defRPr sz="1600" kern="1200">
+                <a:solidFill>
+                  <a:schemeClr val="tx1"/>
+                </a:solidFill>
+                <a:latin typeface="+mn-lt"/>
+                <a:ea typeface="+mn-ea"/>
+                <a:cs typeface="+mn-cs"/>
+              </a:defRPr>
+            </a:lvl8pPr>
+            <a:lvl9pPr marL="3657600" indent="0" algn="ctr" defTabSz="914400" rtl="0" eaLnBrk="1" latinLnBrk="0" hangingPunct="1">
+              <a:lnSpc>
+                <a:spcPct val="90000"/>
+              </a:lnSpc>
+              <a:spcBef>
+                <a:spcPts val="500"/>
+              </a:spcBef>
+              <a:buFont typeface="Arial" panose="020B0604020202020204" pitchFamily="34" charset="0"/>
+              <a:buNone/>
+              <a:defRPr sz="1600" kern="1200">
+                <a:solidFill>
+                  <a:schemeClr val="tx1"/>
+                </a:solidFill>
+                <a:latin typeface="+mn-lt"/>
+                <a:ea typeface="+mn-ea"/>
+                <a:cs typeface="+mn-cs"/>
+              </a:defRPr>
+            </a:lvl9pPr>
+          </a:lstStyle>
+          <a:p>
+            <a:pPr algn="l"/>
+            <a:r>
+              <a:rPr lang="es-MX" sz="1600" dirty="0"/>
+              <a:t>+ Regresa los registros de la </a:t>
+            </a:r>
+            <a:r>
+              <a:rPr lang="es-MX" sz="1600" b="1" dirty="0"/>
+              <a:t>tabla de la izquierda</a:t>
+            </a:r>
+            <a:r>
+              <a:rPr lang="es-MX" sz="1600" dirty="0"/>
+              <a:t> aun cuando no exista coincidencia con los de la segunda tabla (cuyo caso asignará valores nulos)</a:t>
+            </a:r>
+          </a:p>
+        </p:txBody>
+      </p:sp>
+      <p:pic>
+        <p:nvPicPr>
+          <p:cNvPr id="10" name="Imagen 9">
+            <a:extLst>
+              <a:ext uri="{FF2B5EF4-FFF2-40B4-BE49-F238E27FC236}">
+                <a16:creationId xmlns:a16="http://schemas.microsoft.com/office/drawing/2014/main" id="{C16925A5-2D45-9E91-2FC3-FE95FC095A1D}"/>
+              </a:ext>
+            </a:extLst>
+          </p:cNvPr>
+          <p:cNvPicPr>
+            <a:picLocks noChangeAspect="1"/>
+          </p:cNvPicPr>
+          <p:nvPr/>
+        </p:nvPicPr>
+        <p:blipFill rotWithShape="1">
+          <a:blip r:embed="rId3"/>
+          <a:srcRect l="26434" t="54210" r="27213" b="34199"/>
+          <a:stretch/>
+        </p:blipFill>
+        <p:spPr>
+          <a:xfrm>
+            <a:off x="520381" y="4737316"/>
+            <a:ext cx="11151238" cy="1567682"/>
+          </a:xfrm>
+          <a:prstGeom prst="rect">
+            <a:avLst/>
+          </a:prstGeom>
+        </p:spPr>
+      </p:pic>
+    </p:spTree>
+    <p:extLst>
+      <p:ext uri="{BB962C8B-B14F-4D97-AF65-F5344CB8AC3E}">
+        <p14:creationId xmlns:p14="http://schemas.microsoft.com/office/powerpoint/2010/main" val="3557527907"/>
+      </p:ext>
+    </p:extLst>
+  </p:cSld>
+  <p:clrMapOvr>
+    <a:masterClrMapping/>
+  </p:clrMapOvr>
+</p:sld>
+</file>
+
 <file path=ppt/slides/slide3.xml><?xml version="1.0" encoding="utf-8"?>
 <p:sld xmlns:a="http://schemas.openxmlformats.org/drawingml/2006/main" xmlns:r="http://schemas.openxmlformats.org/officeDocument/2006/relationships" xmlns:p="http://schemas.openxmlformats.org/presentationml/2006/main">
   <p:cSld>
@@ -27811,6 +30346,4905 @@
     <p:extLst>
       <p:ext uri="{BB962C8B-B14F-4D97-AF65-F5344CB8AC3E}">
         <p14:creationId xmlns:p14="http://schemas.microsoft.com/office/powerpoint/2010/main" val="776235528"/>
+      </p:ext>
+    </p:extLst>
+  </p:cSld>
+  <p:clrMapOvr>
+    <a:masterClrMapping/>
+  </p:clrMapOvr>
+</p:sld>
+</file>
+
+<file path=ppt/slides/slide30.xml><?xml version="1.0" encoding="utf-8"?>
+<p:sld xmlns:a="http://schemas.openxmlformats.org/drawingml/2006/main" xmlns:r="http://schemas.openxmlformats.org/officeDocument/2006/relationships" xmlns:p="http://schemas.openxmlformats.org/presentationml/2006/main">
+  <p:cSld>
+    <p:spTree>
+      <p:nvGrpSpPr>
+        <p:cNvPr id="1" name=""/>
+        <p:cNvGrpSpPr/>
+        <p:nvPr/>
+      </p:nvGrpSpPr>
+      <p:grpSpPr>
+        <a:xfrm>
+          <a:off x="0" y="0"/>
+          <a:ext cx="0" cy="0"/>
+          <a:chOff x="0" y="0"/>
+          <a:chExt cx="0" cy="0"/>
+        </a:xfrm>
+      </p:grpSpPr>
+      <p:sp>
+        <p:nvSpPr>
+          <p:cNvPr id="2" name="Título 1">
+            <a:extLst>
+              <a:ext uri="{FF2B5EF4-FFF2-40B4-BE49-F238E27FC236}">
+                <a16:creationId xmlns:a16="http://schemas.microsoft.com/office/drawing/2014/main" id="{095D5E06-C433-C836-106A-B2D45ADCF04F}"/>
+              </a:ext>
+            </a:extLst>
+          </p:cNvPr>
+          <p:cNvSpPr>
+            <a:spLocks noGrp="1"/>
+          </p:cNvSpPr>
+          <p:nvPr>
+            <p:ph type="ctrTitle"/>
+          </p:nvPr>
+        </p:nvSpPr>
+        <p:spPr>
+          <a:xfrm>
+            <a:off x="304800" y="277091"/>
+            <a:ext cx="9144000" cy="669781"/>
+          </a:xfrm>
+        </p:spPr>
+        <p:txBody>
+          <a:bodyPr>
+            <a:normAutofit/>
+          </a:bodyPr>
+          <a:lstStyle/>
+          <a:p>
+            <a:pPr algn="l"/>
+            <a:r>
+              <a:rPr lang="es-MX" sz="3600" b="1" dirty="0">
+                <a:latin typeface="Gadugi" panose="020B0502040204020203" pitchFamily="34" charset="0"/>
+                <a:ea typeface="Gadugi" panose="020B0502040204020203" pitchFamily="34" charset="0"/>
+              </a:rPr>
+              <a:t>RIGHT JOIN</a:t>
+            </a:r>
+          </a:p>
+        </p:txBody>
+      </p:sp>
+      <p:sp>
+        <p:nvSpPr>
+          <p:cNvPr id="3" name="Subtítulo 2">
+            <a:extLst>
+              <a:ext uri="{FF2B5EF4-FFF2-40B4-BE49-F238E27FC236}">
+                <a16:creationId xmlns:a16="http://schemas.microsoft.com/office/drawing/2014/main" id="{1A30F90B-0731-20CA-E914-48343967869A}"/>
+              </a:ext>
+            </a:extLst>
+          </p:cNvPr>
+          <p:cNvSpPr>
+            <a:spLocks noGrp="1"/>
+          </p:cNvSpPr>
+          <p:nvPr>
+            <p:ph type="subTitle" idx="1"/>
+          </p:nvPr>
+        </p:nvSpPr>
+        <p:spPr>
+          <a:xfrm>
+            <a:off x="152400" y="1602655"/>
+            <a:ext cx="7966356" cy="2623445"/>
+          </a:xfrm>
+        </p:spPr>
+        <p:txBody>
+          <a:bodyPr>
+            <a:normAutofit/>
+          </a:bodyPr>
+          <a:lstStyle/>
+          <a:p>
+            <a:pPr algn="l"/>
+            <a:r>
+              <a:rPr lang="es-MX" b="1" dirty="0"/>
+              <a:t>SELECT</a:t>
+            </a:r>
+            <a:r>
+              <a:rPr lang="es-MX" dirty="0"/>
+              <a:t> [columnas]</a:t>
+            </a:r>
+          </a:p>
+          <a:p>
+            <a:pPr algn="l"/>
+            <a:r>
+              <a:rPr lang="es-MX" b="1" dirty="0"/>
+              <a:t>FROM </a:t>
+            </a:r>
+            <a:r>
+              <a:rPr lang="es-MX" dirty="0"/>
+              <a:t>[tabla1]</a:t>
+            </a:r>
+          </a:p>
+          <a:p>
+            <a:pPr algn="l"/>
+            <a:r>
+              <a:rPr lang="es-MX" b="1" dirty="0"/>
+              <a:t>RIGHT JOIN </a:t>
+            </a:r>
+            <a:r>
+              <a:rPr lang="es-MX" dirty="0"/>
+              <a:t>[tabla2]</a:t>
+            </a:r>
+          </a:p>
+          <a:p>
+            <a:pPr algn="l"/>
+            <a:r>
+              <a:rPr lang="es-MX" b="1" dirty="0"/>
+              <a:t>ON </a:t>
+            </a:r>
+            <a:r>
+              <a:rPr lang="es-MX" dirty="0"/>
+              <a:t>tabla1.columnajoin=tabla2.columnajoin</a:t>
+            </a:r>
+            <a:endParaRPr lang="es-MX" b="1" dirty="0"/>
+          </a:p>
+        </p:txBody>
+      </p:sp>
+      <p:cxnSp>
+        <p:nvCxnSpPr>
+          <p:cNvPr id="5" name="Conector recto 4">
+            <a:extLst>
+              <a:ext uri="{FF2B5EF4-FFF2-40B4-BE49-F238E27FC236}">
+                <a16:creationId xmlns:a16="http://schemas.microsoft.com/office/drawing/2014/main" id="{8185E119-0A24-A724-B622-7DB91F3252A8}"/>
+              </a:ext>
+            </a:extLst>
+          </p:cNvPr>
+          <p:cNvCxnSpPr/>
+          <p:nvPr/>
+        </p:nvCxnSpPr>
+        <p:spPr>
+          <a:xfrm>
+            <a:off x="0" y="946872"/>
+            <a:ext cx="5472545" cy="0"/>
+          </a:xfrm>
+          <a:prstGeom prst="line">
+            <a:avLst/>
+          </a:prstGeom>
+          <a:ln w="38100">
+            <a:solidFill>
+              <a:srgbClr val="7030A0"/>
+            </a:solidFill>
+          </a:ln>
+        </p:spPr>
+        <p:style>
+          <a:lnRef idx="1">
+            <a:schemeClr val="accent1"/>
+          </a:lnRef>
+          <a:fillRef idx="0">
+            <a:schemeClr val="accent1"/>
+          </a:fillRef>
+          <a:effectRef idx="0">
+            <a:schemeClr val="accent1"/>
+          </a:effectRef>
+          <a:fontRef idx="minor">
+            <a:schemeClr val="tx1"/>
+          </a:fontRef>
+        </p:style>
+      </p:cxnSp>
+      <p:cxnSp>
+        <p:nvCxnSpPr>
+          <p:cNvPr id="6" name="Conector recto 5">
+            <a:extLst>
+              <a:ext uri="{FF2B5EF4-FFF2-40B4-BE49-F238E27FC236}">
+                <a16:creationId xmlns:a16="http://schemas.microsoft.com/office/drawing/2014/main" id="{BEFC1D1B-E623-58C6-AEC5-FBF9FC0A9DBC}"/>
+              </a:ext>
+            </a:extLst>
+          </p:cNvPr>
+          <p:cNvCxnSpPr>
+            <a:cxnSpLocks/>
+          </p:cNvCxnSpPr>
+          <p:nvPr/>
+        </p:nvCxnSpPr>
+        <p:spPr>
+          <a:xfrm flipH="1" flipV="1">
+            <a:off x="8257309" y="0"/>
+            <a:ext cx="27710" cy="4226100"/>
+          </a:xfrm>
+          <a:prstGeom prst="line">
+            <a:avLst/>
+          </a:prstGeom>
+          <a:ln w="38100">
+            <a:solidFill>
+              <a:srgbClr val="7030A0"/>
+            </a:solidFill>
+          </a:ln>
+        </p:spPr>
+        <p:style>
+          <a:lnRef idx="1">
+            <a:schemeClr val="accent1"/>
+          </a:lnRef>
+          <a:fillRef idx="0">
+            <a:schemeClr val="accent1"/>
+          </a:fillRef>
+          <a:effectRef idx="0">
+            <a:schemeClr val="accent1"/>
+          </a:effectRef>
+          <a:fontRef idx="minor">
+            <a:schemeClr val="tx1"/>
+          </a:fontRef>
+        </p:style>
+      </p:cxnSp>
+      <p:sp>
+        <p:nvSpPr>
+          <p:cNvPr id="9" name="Subtítulo 2">
+            <a:extLst>
+              <a:ext uri="{FF2B5EF4-FFF2-40B4-BE49-F238E27FC236}">
+                <a16:creationId xmlns:a16="http://schemas.microsoft.com/office/drawing/2014/main" id="{B2F69EEF-1183-1D61-4B75-D786FD98E6A3}"/>
+              </a:ext>
+            </a:extLst>
+          </p:cNvPr>
+          <p:cNvSpPr txBox="1">
+            <a:spLocks/>
+          </p:cNvSpPr>
+          <p:nvPr/>
+        </p:nvSpPr>
+        <p:spPr>
+          <a:xfrm>
+            <a:off x="8285019" y="1602654"/>
+            <a:ext cx="3906981" cy="1154126"/>
+          </a:xfrm>
+          <a:prstGeom prst="rect">
+            <a:avLst/>
+          </a:prstGeom>
+        </p:spPr>
+        <p:txBody>
+          <a:bodyPr vert="horz" lIns="91440" tIns="45720" rIns="91440" bIns="45720" rtlCol="0">
+            <a:normAutofit/>
+          </a:bodyPr>
+          <a:lstStyle>
+            <a:lvl1pPr marL="0" indent="0" algn="ctr" defTabSz="914400" rtl="0" eaLnBrk="1" latinLnBrk="0" hangingPunct="1">
+              <a:lnSpc>
+                <a:spcPct val="90000"/>
+              </a:lnSpc>
+              <a:spcBef>
+                <a:spcPts val="1000"/>
+              </a:spcBef>
+              <a:buFont typeface="Arial" panose="020B0604020202020204" pitchFamily="34" charset="0"/>
+              <a:buNone/>
+              <a:defRPr sz="2400" kern="1200">
+                <a:solidFill>
+                  <a:schemeClr val="tx1"/>
+                </a:solidFill>
+                <a:latin typeface="+mn-lt"/>
+                <a:ea typeface="+mn-ea"/>
+                <a:cs typeface="+mn-cs"/>
+              </a:defRPr>
+            </a:lvl1pPr>
+            <a:lvl2pPr marL="457200" indent="0" algn="ctr" defTabSz="914400" rtl="0" eaLnBrk="1" latinLnBrk="0" hangingPunct="1">
+              <a:lnSpc>
+                <a:spcPct val="90000"/>
+              </a:lnSpc>
+              <a:spcBef>
+                <a:spcPts val="500"/>
+              </a:spcBef>
+              <a:buFont typeface="Arial" panose="020B0604020202020204" pitchFamily="34" charset="0"/>
+              <a:buNone/>
+              <a:defRPr sz="2000" kern="1200">
+                <a:solidFill>
+                  <a:schemeClr val="tx1"/>
+                </a:solidFill>
+                <a:latin typeface="+mn-lt"/>
+                <a:ea typeface="+mn-ea"/>
+                <a:cs typeface="+mn-cs"/>
+              </a:defRPr>
+            </a:lvl2pPr>
+            <a:lvl3pPr marL="914400" indent="0" algn="ctr" defTabSz="914400" rtl="0" eaLnBrk="1" latinLnBrk="0" hangingPunct="1">
+              <a:lnSpc>
+                <a:spcPct val="90000"/>
+              </a:lnSpc>
+              <a:spcBef>
+                <a:spcPts val="500"/>
+              </a:spcBef>
+              <a:buFont typeface="Arial" panose="020B0604020202020204" pitchFamily="34" charset="0"/>
+              <a:buNone/>
+              <a:defRPr sz="1800" kern="1200">
+                <a:solidFill>
+                  <a:schemeClr val="tx1"/>
+                </a:solidFill>
+                <a:latin typeface="+mn-lt"/>
+                <a:ea typeface="+mn-ea"/>
+                <a:cs typeface="+mn-cs"/>
+              </a:defRPr>
+            </a:lvl3pPr>
+            <a:lvl4pPr marL="1371600" indent="0" algn="ctr" defTabSz="914400" rtl="0" eaLnBrk="1" latinLnBrk="0" hangingPunct="1">
+              <a:lnSpc>
+                <a:spcPct val="90000"/>
+              </a:lnSpc>
+              <a:spcBef>
+                <a:spcPts val="500"/>
+              </a:spcBef>
+              <a:buFont typeface="Arial" panose="020B0604020202020204" pitchFamily="34" charset="0"/>
+              <a:buNone/>
+              <a:defRPr sz="1600" kern="1200">
+                <a:solidFill>
+                  <a:schemeClr val="tx1"/>
+                </a:solidFill>
+                <a:latin typeface="+mn-lt"/>
+                <a:ea typeface="+mn-ea"/>
+                <a:cs typeface="+mn-cs"/>
+              </a:defRPr>
+            </a:lvl4pPr>
+            <a:lvl5pPr marL="1828800" indent="0" algn="ctr" defTabSz="914400" rtl="0" eaLnBrk="1" latinLnBrk="0" hangingPunct="1">
+              <a:lnSpc>
+                <a:spcPct val="90000"/>
+              </a:lnSpc>
+              <a:spcBef>
+                <a:spcPts val="500"/>
+              </a:spcBef>
+              <a:buFont typeface="Arial" panose="020B0604020202020204" pitchFamily="34" charset="0"/>
+              <a:buNone/>
+              <a:defRPr sz="1600" kern="1200">
+                <a:solidFill>
+                  <a:schemeClr val="tx1"/>
+                </a:solidFill>
+                <a:latin typeface="+mn-lt"/>
+                <a:ea typeface="+mn-ea"/>
+                <a:cs typeface="+mn-cs"/>
+              </a:defRPr>
+            </a:lvl5pPr>
+            <a:lvl6pPr marL="2286000" indent="0" algn="ctr" defTabSz="914400" rtl="0" eaLnBrk="1" latinLnBrk="0" hangingPunct="1">
+              <a:lnSpc>
+                <a:spcPct val="90000"/>
+              </a:lnSpc>
+              <a:spcBef>
+                <a:spcPts val="500"/>
+              </a:spcBef>
+              <a:buFont typeface="Arial" panose="020B0604020202020204" pitchFamily="34" charset="0"/>
+              <a:buNone/>
+              <a:defRPr sz="1600" kern="1200">
+                <a:solidFill>
+                  <a:schemeClr val="tx1"/>
+                </a:solidFill>
+                <a:latin typeface="+mn-lt"/>
+                <a:ea typeface="+mn-ea"/>
+                <a:cs typeface="+mn-cs"/>
+              </a:defRPr>
+            </a:lvl6pPr>
+            <a:lvl7pPr marL="2743200" indent="0" algn="ctr" defTabSz="914400" rtl="0" eaLnBrk="1" latinLnBrk="0" hangingPunct="1">
+              <a:lnSpc>
+                <a:spcPct val="90000"/>
+              </a:lnSpc>
+              <a:spcBef>
+                <a:spcPts val="500"/>
+              </a:spcBef>
+              <a:buFont typeface="Arial" panose="020B0604020202020204" pitchFamily="34" charset="0"/>
+              <a:buNone/>
+              <a:defRPr sz="1600" kern="1200">
+                <a:solidFill>
+                  <a:schemeClr val="tx1"/>
+                </a:solidFill>
+                <a:latin typeface="+mn-lt"/>
+                <a:ea typeface="+mn-ea"/>
+                <a:cs typeface="+mn-cs"/>
+              </a:defRPr>
+            </a:lvl7pPr>
+            <a:lvl8pPr marL="3200400" indent="0" algn="ctr" defTabSz="914400" rtl="0" eaLnBrk="1" latinLnBrk="0" hangingPunct="1">
+              <a:lnSpc>
+                <a:spcPct val="90000"/>
+              </a:lnSpc>
+              <a:spcBef>
+                <a:spcPts val="500"/>
+              </a:spcBef>
+              <a:buFont typeface="Arial" panose="020B0604020202020204" pitchFamily="34" charset="0"/>
+              <a:buNone/>
+              <a:defRPr sz="1600" kern="1200">
+                <a:solidFill>
+                  <a:schemeClr val="tx1"/>
+                </a:solidFill>
+                <a:latin typeface="+mn-lt"/>
+                <a:ea typeface="+mn-ea"/>
+                <a:cs typeface="+mn-cs"/>
+              </a:defRPr>
+            </a:lvl8pPr>
+            <a:lvl9pPr marL="3657600" indent="0" algn="ctr" defTabSz="914400" rtl="0" eaLnBrk="1" latinLnBrk="0" hangingPunct="1">
+              <a:lnSpc>
+                <a:spcPct val="90000"/>
+              </a:lnSpc>
+              <a:spcBef>
+                <a:spcPts val="500"/>
+              </a:spcBef>
+              <a:buFont typeface="Arial" panose="020B0604020202020204" pitchFamily="34" charset="0"/>
+              <a:buNone/>
+              <a:defRPr sz="1600" kern="1200">
+                <a:solidFill>
+                  <a:schemeClr val="tx1"/>
+                </a:solidFill>
+                <a:latin typeface="+mn-lt"/>
+                <a:ea typeface="+mn-ea"/>
+                <a:cs typeface="+mn-cs"/>
+              </a:defRPr>
+            </a:lvl9pPr>
+          </a:lstStyle>
+          <a:p>
+            <a:pPr algn="l"/>
+            <a:r>
+              <a:rPr lang="es-MX" sz="1600" dirty="0"/>
+              <a:t>+ Regresa los registros de la </a:t>
+            </a:r>
+            <a:r>
+              <a:rPr lang="es-MX" sz="1600" b="1" dirty="0"/>
+              <a:t>tabla de la derecha </a:t>
+            </a:r>
+            <a:r>
+              <a:rPr lang="es-MX" sz="1600" dirty="0"/>
+              <a:t>aun cuando no exista coincidencia con los de primera tabla(cuyo caso asignará valores nulos)</a:t>
+            </a:r>
+          </a:p>
+        </p:txBody>
+      </p:sp>
+      <p:pic>
+        <p:nvPicPr>
+          <p:cNvPr id="7" name="Imagen 6">
+            <a:extLst>
+              <a:ext uri="{FF2B5EF4-FFF2-40B4-BE49-F238E27FC236}">
+                <a16:creationId xmlns:a16="http://schemas.microsoft.com/office/drawing/2014/main" id="{A7B59CBD-D67B-F1B2-00E1-EEED6F9D6286}"/>
+              </a:ext>
+            </a:extLst>
+          </p:cNvPr>
+          <p:cNvPicPr>
+            <a:picLocks noChangeAspect="1"/>
+          </p:cNvPicPr>
+          <p:nvPr/>
+        </p:nvPicPr>
+        <p:blipFill rotWithShape="1">
+          <a:blip r:embed="rId3"/>
+          <a:srcRect l="21885" t="56396" r="23402" b="32013"/>
+          <a:stretch/>
+        </p:blipFill>
+        <p:spPr>
+          <a:xfrm>
+            <a:off x="348079" y="4757002"/>
+            <a:ext cx="11495842" cy="1369170"/>
+          </a:xfrm>
+          <a:prstGeom prst="rect">
+            <a:avLst/>
+          </a:prstGeom>
+        </p:spPr>
+      </p:pic>
+    </p:spTree>
+    <p:extLst>
+      <p:ext uri="{BB962C8B-B14F-4D97-AF65-F5344CB8AC3E}">
+        <p14:creationId xmlns:p14="http://schemas.microsoft.com/office/powerpoint/2010/main" val="2848801558"/>
+      </p:ext>
+    </p:extLst>
+  </p:cSld>
+  <p:clrMapOvr>
+    <a:masterClrMapping/>
+  </p:clrMapOvr>
+</p:sld>
+</file>
+
+<file path=ppt/slides/slide31.xml><?xml version="1.0" encoding="utf-8"?>
+<p:sld xmlns:a="http://schemas.openxmlformats.org/drawingml/2006/main" xmlns:r="http://schemas.openxmlformats.org/officeDocument/2006/relationships" xmlns:p="http://schemas.openxmlformats.org/presentationml/2006/main">
+  <p:cSld>
+    <p:spTree>
+      <p:nvGrpSpPr>
+        <p:cNvPr id="1" name=""/>
+        <p:cNvGrpSpPr/>
+        <p:nvPr/>
+      </p:nvGrpSpPr>
+      <p:grpSpPr>
+        <a:xfrm>
+          <a:off x="0" y="0"/>
+          <a:ext cx="0" cy="0"/>
+          <a:chOff x="0" y="0"/>
+          <a:chExt cx="0" cy="0"/>
+        </a:xfrm>
+      </p:grpSpPr>
+      <p:sp>
+        <p:nvSpPr>
+          <p:cNvPr id="2" name="Título 1">
+            <a:extLst>
+              <a:ext uri="{FF2B5EF4-FFF2-40B4-BE49-F238E27FC236}">
+                <a16:creationId xmlns:a16="http://schemas.microsoft.com/office/drawing/2014/main" id="{095D5E06-C433-C836-106A-B2D45ADCF04F}"/>
+              </a:ext>
+            </a:extLst>
+          </p:cNvPr>
+          <p:cNvSpPr>
+            <a:spLocks noGrp="1"/>
+          </p:cNvSpPr>
+          <p:nvPr>
+            <p:ph type="ctrTitle"/>
+          </p:nvPr>
+        </p:nvSpPr>
+        <p:spPr>
+          <a:xfrm>
+            <a:off x="304800" y="277091"/>
+            <a:ext cx="9144000" cy="669781"/>
+          </a:xfrm>
+        </p:spPr>
+        <p:txBody>
+          <a:bodyPr>
+            <a:normAutofit/>
+          </a:bodyPr>
+          <a:lstStyle/>
+          <a:p>
+            <a:pPr algn="l"/>
+            <a:r>
+              <a:rPr lang="es-MX" sz="3600" b="1" dirty="0">
+                <a:latin typeface="Gadugi" panose="020B0502040204020203" pitchFamily="34" charset="0"/>
+                <a:ea typeface="Gadugi" panose="020B0502040204020203" pitchFamily="34" charset="0"/>
+              </a:rPr>
+              <a:t>FULL JOIN</a:t>
+            </a:r>
+          </a:p>
+        </p:txBody>
+      </p:sp>
+      <p:sp>
+        <p:nvSpPr>
+          <p:cNvPr id="3" name="Subtítulo 2">
+            <a:extLst>
+              <a:ext uri="{FF2B5EF4-FFF2-40B4-BE49-F238E27FC236}">
+                <a16:creationId xmlns:a16="http://schemas.microsoft.com/office/drawing/2014/main" id="{1A30F90B-0731-20CA-E914-48343967869A}"/>
+              </a:ext>
+            </a:extLst>
+          </p:cNvPr>
+          <p:cNvSpPr>
+            <a:spLocks noGrp="1"/>
+          </p:cNvSpPr>
+          <p:nvPr>
+            <p:ph type="subTitle" idx="1"/>
+          </p:nvPr>
+        </p:nvSpPr>
+        <p:spPr>
+          <a:xfrm>
+            <a:off x="152400" y="1602655"/>
+            <a:ext cx="7966356" cy="2623445"/>
+          </a:xfrm>
+        </p:spPr>
+        <p:txBody>
+          <a:bodyPr>
+            <a:normAutofit/>
+          </a:bodyPr>
+          <a:lstStyle/>
+          <a:p>
+            <a:pPr algn="l"/>
+            <a:r>
+              <a:rPr lang="es-MX" b="1" dirty="0"/>
+              <a:t>SELECT</a:t>
+            </a:r>
+            <a:r>
+              <a:rPr lang="es-MX" dirty="0"/>
+              <a:t> [columnas]</a:t>
+            </a:r>
+          </a:p>
+          <a:p>
+            <a:pPr algn="l"/>
+            <a:r>
+              <a:rPr lang="es-MX" b="1" dirty="0"/>
+              <a:t>FROM </a:t>
+            </a:r>
+            <a:r>
+              <a:rPr lang="es-MX" dirty="0"/>
+              <a:t>[tabla1]</a:t>
+            </a:r>
+          </a:p>
+          <a:p>
+            <a:pPr algn="l"/>
+            <a:r>
+              <a:rPr lang="es-MX" b="1" dirty="0"/>
+              <a:t>FULL JOIN </a:t>
+            </a:r>
+            <a:r>
+              <a:rPr lang="es-MX" dirty="0"/>
+              <a:t>[tabla2]</a:t>
+            </a:r>
+          </a:p>
+          <a:p>
+            <a:pPr algn="l"/>
+            <a:r>
+              <a:rPr lang="es-MX" b="1" dirty="0"/>
+              <a:t>ON </a:t>
+            </a:r>
+            <a:r>
+              <a:rPr lang="es-MX" dirty="0"/>
+              <a:t>tabla1.columnajoin=tabla2.columnajoin</a:t>
+            </a:r>
+            <a:endParaRPr lang="es-MX" b="1" dirty="0"/>
+          </a:p>
+        </p:txBody>
+      </p:sp>
+      <p:cxnSp>
+        <p:nvCxnSpPr>
+          <p:cNvPr id="5" name="Conector recto 4">
+            <a:extLst>
+              <a:ext uri="{FF2B5EF4-FFF2-40B4-BE49-F238E27FC236}">
+                <a16:creationId xmlns:a16="http://schemas.microsoft.com/office/drawing/2014/main" id="{8185E119-0A24-A724-B622-7DB91F3252A8}"/>
+              </a:ext>
+            </a:extLst>
+          </p:cNvPr>
+          <p:cNvCxnSpPr/>
+          <p:nvPr/>
+        </p:nvCxnSpPr>
+        <p:spPr>
+          <a:xfrm>
+            <a:off x="0" y="946872"/>
+            <a:ext cx="5472545" cy="0"/>
+          </a:xfrm>
+          <a:prstGeom prst="line">
+            <a:avLst/>
+          </a:prstGeom>
+          <a:ln w="38100">
+            <a:solidFill>
+              <a:srgbClr val="7030A0"/>
+            </a:solidFill>
+          </a:ln>
+        </p:spPr>
+        <p:style>
+          <a:lnRef idx="1">
+            <a:schemeClr val="accent1"/>
+          </a:lnRef>
+          <a:fillRef idx="0">
+            <a:schemeClr val="accent1"/>
+          </a:fillRef>
+          <a:effectRef idx="0">
+            <a:schemeClr val="accent1"/>
+          </a:effectRef>
+          <a:fontRef idx="minor">
+            <a:schemeClr val="tx1"/>
+          </a:fontRef>
+        </p:style>
+      </p:cxnSp>
+      <p:cxnSp>
+        <p:nvCxnSpPr>
+          <p:cNvPr id="6" name="Conector recto 5">
+            <a:extLst>
+              <a:ext uri="{FF2B5EF4-FFF2-40B4-BE49-F238E27FC236}">
+                <a16:creationId xmlns:a16="http://schemas.microsoft.com/office/drawing/2014/main" id="{BEFC1D1B-E623-58C6-AEC5-FBF9FC0A9DBC}"/>
+              </a:ext>
+            </a:extLst>
+          </p:cNvPr>
+          <p:cNvCxnSpPr>
+            <a:cxnSpLocks/>
+          </p:cNvCxnSpPr>
+          <p:nvPr/>
+        </p:nvCxnSpPr>
+        <p:spPr>
+          <a:xfrm flipH="1" flipV="1">
+            <a:off x="8257309" y="0"/>
+            <a:ext cx="27710" cy="4226100"/>
+          </a:xfrm>
+          <a:prstGeom prst="line">
+            <a:avLst/>
+          </a:prstGeom>
+          <a:ln w="38100">
+            <a:solidFill>
+              <a:srgbClr val="7030A0"/>
+            </a:solidFill>
+          </a:ln>
+        </p:spPr>
+        <p:style>
+          <a:lnRef idx="1">
+            <a:schemeClr val="accent1"/>
+          </a:lnRef>
+          <a:fillRef idx="0">
+            <a:schemeClr val="accent1"/>
+          </a:fillRef>
+          <a:effectRef idx="0">
+            <a:schemeClr val="accent1"/>
+          </a:effectRef>
+          <a:fontRef idx="minor">
+            <a:schemeClr val="tx1"/>
+          </a:fontRef>
+        </p:style>
+      </p:cxnSp>
+      <p:sp>
+        <p:nvSpPr>
+          <p:cNvPr id="9" name="Subtítulo 2">
+            <a:extLst>
+              <a:ext uri="{FF2B5EF4-FFF2-40B4-BE49-F238E27FC236}">
+                <a16:creationId xmlns:a16="http://schemas.microsoft.com/office/drawing/2014/main" id="{B2F69EEF-1183-1D61-4B75-D786FD98E6A3}"/>
+              </a:ext>
+            </a:extLst>
+          </p:cNvPr>
+          <p:cNvSpPr txBox="1">
+            <a:spLocks/>
+          </p:cNvSpPr>
+          <p:nvPr/>
+        </p:nvSpPr>
+        <p:spPr>
+          <a:xfrm>
+            <a:off x="8285019" y="1602654"/>
+            <a:ext cx="3906981" cy="1154126"/>
+          </a:xfrm>
+          <a:prstGeom prst="rect">
+            <a:avLst/>
+          </a:prstGeom>
+        </p:spPr>
+        <p:txBody>
+          <a:bodyPr vert="horz" lIns="91440" tIns="45720" rIns="91440" bIns="45720" rtlCol="0">
+            <a:normAutofit/>
+          </a:bodyPr>
+          <a:lstStyle>
+            <a:lvl1pPr marL="0" indent="0" algn="ctr" defTabSz="914400" rtl="0" eaLnBrk="1" latinLnBrk="0" hangingPunct="1">
+              <a:lnSpc>
+                <a:spcPct val="90000"/>
+              </a:lnSpc>
+              <a:spcBef>
+                <a:spcPts val="1000"/>
+              </a:spcBef>
+              <a:buFont typeface="Arial" panose="020B0604020202020204" pitchFamily="34" charset="0"/>
+              <a:buNone/>
+              <a:defRPr sz="2400" kern="1200">
+                <a:solidFill>
+                  <a:schemeClr val="tx1"/>
+                </a:solidFill>
+                <a:latin typeface="+mn-lt"/>
+                <a:ea typeface="+mn-ea"/>
+                <a:cs typeface="+mn-cs"/>
+              </a:defRPr>
+            </a:lvl1pPr>
+            <a:lvl2pPr marL="457200" indent="0" algn="ctr" defTabSz="914400" rtl="0" eaLnBrk="1" latinLnBrk="0" hangingPunct="1">
+              <a:lnSpc>
+                <a:spcPct val="90000"/>
+              </a:lnSpc>
+              <a:spcBef>
+                <a:spcPts val="500"/>
+              </a:spcBef>
+              <a:buFont typeface="Arial" panose="020B0604020202020204" pitchFamily="34" charset="0"/>
+              <a:buNone/>
+              <a:defRPr sz="2000" kern="1200">
+                <a:solidFill>
+                  <a:schemeClr val="tx1"/>
+                </a:solidFill>
+                <a:latin typeface="+mn-lt"/>
+                <a:ea typeface="+mn-ea"/>
+                <a:cs typeface="+mn-cs"/>
+              </a:defRPr>
+            </a:lvl2pPr>
+            <a:lvl3pPr marL="914400" indent="0" algn="ctr" defTabSz="914400" rtl="0" eaLnBrk="1" latinLnBrk="0" hangingPunct="1">
+              <a:lnSpc>
+                <a:spcPct val="90000"/>
+              </a:lnSpc>
+              <a:spcBef>
+                <a:spcPts val="500"/>
+              </a:spcBef>
+              <a:buFont typeface="Arial" panose="020B0604020202020204" pitchFamily="34" charset="0"/>
+              <a:buNone/>
+              <a:defRPr sz="1800" kern="1200">
+                <a:solidFill>
+                  <a:schemeClr val="tx1"/>
+                </a:solidFill>
+                <a:latin typeface="+mn-lt"/>
+                <a:ea typeface="+mn-ea"/>
+                <a:cs typeface="+mn-cs"/>
+              </a:defRPr>
+            </a:lvl3pPr>
+            <a:lvl4pPr marL="1371600" indent="0" algn="ctr" defTabSz="914400" rtl="0" eaLnBrk="1" latinLnBrk="0" hangingPunct="1">
+              <a:lnSpc>
+                <a:spcPct val="90000"/>
+              </a:lnSpc>
+              <a:spcBef>
+                <a:spcPts val="500"/>
+              </a:spcBef>
+              <a:buFont typeface="Arial" panose="020B0604020202020204" pitchFamily="34" charset="0"/>
+              <a:buNone/>
+              <a:defRPr sz="1600" kern="1200">
+                <a:solidFill>
+                  <a:schemeClr val="tx1"/>
+                </a:solidFill>
+                <a:latin typeface="+mn-lt"/>
+                <a:ea typeface="+mn-ea"/>
+                <a:cs typeface="+mn-cs"/>
+              </a:defRPr>
+            </a:lvl4pPr>
+            <a:lvl5pPr marL="1828800" indent="0" algn="ctr" defTabSz="914400" rtl="0" eaLnBrk="1" latinLnBrk="0" hangingPunct="1">
+              <a:lnSpc>
+                <a:spcPct val="90000"/>
+              </a:lnSpc>
+              <a:spcBef>
+                <a:spcPts val="500"/>
+              </a:spcBef>
+              <a:buFont typeface="Arial" panose="020B0604020202020204" pitchFamily="34" charset="0"/>
+              <a:buNone/>
+              <a:defRPr sz="1600" kern="1200">
+                <a:solidFill>
+                  <a:schemeClr val="tx1"/>
+                </a:solidFill>
+                <a:latin typeface="+mn-lt"/>
+                <a:ea typeface="+mn-ea"/>
+                <a:cs typeface="+mn-cs"/>
+              </a:defRPr>
+            </a:lvl5pPr>
+            <a:lvl6pPr marL="2286000" indent="0" algn="ctr" defTabSz="914400" rtl="0" eaLnBrk="1" latinLnBrk="0" hangingPunct="1">
+              <a:lnSpc>
+                <a:spcPct val="90000"/>
+              </a:lnSpc>
+              <a:spcBef>
+                <a:spcPts val="500"/>
+              </a:spcBef>
+              <a:buFont typeface="Arial" panose="020B0604020202020204" pitchFamily="34" charset="0"/>
+              <a:buNone/>
+              <a:defRPr sz="1600" kern="1200">
+                <a:solidFill>
+                  <a:schemeClr val="tx1"/>
+                </a:solidFill>
+                <a:latin typeface="+mn-lt"/>
+                <a:ea typeface="+mn-ea"/>
+                <a:cs typeface="+mn-cs"/>
+              </a:defRPr>
+            </a:lvl6pPr>
+            <a:lvl7pPr marL="2743200" indent="0" algn="ctr" defTabSz="914400" rtl="0" eaLnBrk="1" latinLnBrk="0" hangingPunct="1">
+              <a:lnSpc>
+                <a:spcPct val="90000"/>
+              </a:lnSpc>
+              <a:spcBef>
+                <a:spcPts val="500"/>
+              </a:spcBef>
+              <a:buFont typeface="Arial" panose="020B0604020202020204" pitchFamily="34" charset="0"/>
+              <a:buNone/>
+              <a:defRPr sz="1600" kern="1200">
+                <a:solidFill>
+                  <a:schemeClr val="tx1"/>
+                </a:solidFill>
+                <a:latin typeface="+mn-lt"/>
+                <a:ea typeface="+mn-ea"/>
+                <a:cs typeface="+mn-cs"/>
+              </a:defRPr>
+            </a:lvl7pPr>
+            <a:lvl8pPr marL="3200400" indent="0" algn="ctr" defTabSz="914400" rtl="0" eaLnBrk="1" latinLnBrk="0" hangingPunct="1">
+              <a:lnSpc>
+                <a:spcPct val="90000"/>
+              </a:lnSpc>
+              <a:spcBef>
+                <a:spcPts val="500"/>
+              </a:spcBef>
+              <a:buFont typeface="Arial" panose="020B0604020202020204" pitchFamily="34" charset="0"/>
+              <a:buNone/>
+              <a:defRPr sz="1600" kern="1200">
+                <a:solidFill>
+                  <a:schemeClr val="tx1"/>
+                </a:solidFill>
+                <a:latin typeface="+mn-lt"/>
+                <a:ea typeface="+mn-ea"/>
+                <a:cs typeface="+mn-cs"/>
+              </a:defRPr>
+            </a:lvl8pPr>
+            <a:lvl9pPr marL="3657600" indent="0" algn="ctr" defTabSz="914400" rtl="0" eaLnBrk="1" latinLnBrk="0" hangingPunct="1">
+              <a:lnSpc>
+                <a:spcPct val="90000"/>
+              </a:lnSpc>
+              <a:spcBef>
+                <a:spcPts val="500"/>
+              </a:spcBef>
+              <a:buFont typeface="Arial" panose="020B0604020202020204" pitchFamily="34" charset="0"/>
+              <a:buNone/>
+              <a:defRPr sz="1600" kern="1200">
+                <a:solidFill>
+                  <a:schemeClr val="tx1"/>
+                </a:solidFill>
+                <a:latin typeface="+mn-lt"/>
+                <a:ea typeface="+mn-ea"/>
+                <a:cs typeface="+mn-cs"/>
+              </a:defRPr>
+            </a:lvl9pPr>
+          </a:lstStyle>
+          <a:p>
+            <a:pPr algn="l"/>
+            <a:r>
+              <a:rPr lang="es-MX" sz="1600" dirty="0"/>
+              <a:t>+ Regresa los registros </a:t>
+            </a:r>
+            <a:r>
+              <a:rPr lang="es-MX" sz="1600" b="1" dirty="0"/>
+              <a:t>todos los registros</a:t>
+            </a:r>
+            <a:r>
+              <a:rPr lang="es-MX" sz="1600" dirty="0"/>
+              <a:t> de ambas tablas, aun cuando no exista coincidencia	</a:t>
+            </a:r>
+          </a:p>
+        </p:txBody>
+      </p:sp>
+      <p:pic>
+        <p:nvPicPr>
+          <p:cNvPr id="8" name="Imagen 7">
+            <a:extLst>
+              <a:ext uri="{FF2B5EF4-FFF2-40B4-BE49-F238E27FC236}">
+                <a16:creationId xmlns:a16="http://schemas.microsoft.com/office/drawing/2014/main" id="{7BC26A60-C362-A4DB-3BD6-BAECCDE1A027}"/>
+              </a:ext>
+            </a:extLst>
+          </p:cNvPr>
+          <p:cNvPicPr>
+            <a:picLocks noChangeAspect="1"/>
+          </p:cNvPicPr>
+          <p:nvPr/>
+        </p:nvPicPr>
+        <p:blipFill rotWithShape="1">
+          <a:blip r:embed="rId3"/>
+          <a:srcRect l="22992" t="61628" r="23402" b="25016"/>
+          <a:stretch/>
+        </p:blipFill>
+        <p:spPr>
+          <a:xfrm>
+            <a:off x="346761" y="4640848"/>
+            <a:ext cx="11498477" cy="1610713"/>
+          </a:xfrm>
+          <a:prstGeom prst="rect">
+            <a:avLst/>
+          </a:prstGeom>
+        </p:spPr>
+      </p:pic>
+    </p:spTree>
+    <p:extLst>
+      <p:ext uri="{BB962C8B-B14F-4D97-AF65-F5344CB8AC3E}">
+        <p14:creationId xmlns:p14="http://schemas.microsoft.com/office/powerpoint/2010/main" val="2282701349"/>
+      </p:ext>
+    </p:extLst>
+  </p:cSld>
+  <p:clrMapOvr>
+    <a:masterClrMapping/>
+  </p:clrMapOvr>
+</p:sld>
+</file>
+
+<file path=ppt/slides/slide32.xml><?xml version="1.0" encoding="utf-8"?>
+<p:sld xmlns:a="http://schemas.openxmlformats.org/drawingml/2006/main" xmlns:r="http://schemas.openxmlformats.org/officeDocument/2006/relationships" xmlns:p="http://schemas.openxmlformats.org/presentationml/2006/main">
+  <p:cSld>
+    <p:spTree>
+      <p:nvGrpSpPr>
+        <p:cNvPr id="1" name=""/>
+        <p:cNvGrpSpPr/>
+        <p:nvPr/>
+      </p:nvGrpSpPr>
+      <p:grpSpPr>
+        <a:xfrm>
+          <a:off x="0" y="0"/>
+          <a:ext cx="0" cy="0"/>
+          <a:chOff x="0" y="0"/>
+          <a:chExt cx="0" cy="0"/>
+        </a:xfrm>
+      </p:grpSpPr>
+      <p:pic>
+        <p:nvPicPr>
+          <p:cNvPr id="3" name="Imagen 2">
+            <a:extLst>
+              <a:ext uri="{FF2B5EF4-FFF2-40B4-BE49-F238E27FC236}">
+                <a16:creationId xmlns:a16="http://schemas.microsoft.com/office/drawing/2014/main" id="{AA00FAE3-6953-3F81-720B-A742DA03BCAE}"/>
+              </a:ext>
+            </a:extLst>
+          </p:cNvPr>
+          <p:cNvPicPr>
+            <a:picLocks noChangeAspect="1"/>
+          </p:cNvPicPr>
+          <p:nvPr/>
+        </p:nvPicPr>
+        <p:blipFill rotWithShape="1">
+          <a:blip r:embed="rId2"/>
+          <a:srcRect l="29386" t="32560" r="23155" b="6864"/>
+          <a:stretch/>
+        </p:blipFill>
+        <p:spPr>
+          <a:xfrm>
+            <a:off x="1464039" y="210056"/>
+            <a:ext cx="9263922" cy="6647944"/>
+          </a:xfrm>
+          <a:prstGeom prst="rect">
+            <a:avLst/>
+          </a:prstGeom>
+        </p:spPr>
+      </p:pic>
+    </p:spTree>
+    <p:extLst>
+      <p:ext uri="{BB962C8B-B14F-4D97-AF65-F5344CB8AC3E}">
+        <p14:creationId xmlns:p14="http://schemas.microsoft.com/office/powerpoint/2010/main" val="1251214186"/>
+      </p:ext>
+    </p:extLst>
+  </p:cSld>
+  <p:clrMapOvr>
+    <a:masterClrMapping/>
+  </p:clrMapOvr>
+</p:sld>
+</file>
+
+<file path=ppt/slides/slide33.xml><?xml version="1.0" encoding="utf-8"?>
+<p:sld xmlns:a="http://schemas.openxmlformats.org/drawingml/2006/main" xmlns:r="http://schemas.openxmlformats.org/officeDocument/2006/relationships" xmlns:p="http://schemas.openxmlformats.org/presentationml/2006/main">
+  <p:cSld>
+    <p:spTree>
+      <p:nvGrpSpPr>
+        <p:cNvPr id="1" name=""/>
+        <p:cNvGrpSpPr/>
+        <p:nvPr/>
+      </p:nvGrpSpPr>
+      <p:grpSpPr>
+        <a:xfrm>
+          <a:off x="0" y="0"/>
+          <a:ext cx="0" cy="0"/>
+          <a:chOff x="0" y="0"/>
+          <a:chExt cx="0" cy="0"/>
+        </a:xfrm>
+      </p:grpSpPr>
+      <p:sp>
+        <p:nvSpPr>
+          <p:cNvPr id="2" name="Título 1">
+            <a:extLst>
+              <a:ext uri="{FF2B5EF4-FFF2-40B4-BE49-F238E27FC236}">
+                <a16:creationId xmlns:a16="http://schemas.microsoft.com/office/drawing/2014/main" id="{095D5E06-C433-C836-106A-B2D45ADCF04F}"/>
+              </a:ext>
+            </a:extLst>
+          </p:cNvPr>
+          <p:cNvSpPr>
+            <a:spLocks noGrp="1"/>
+          </p:cNvSpPr>
+          <p:nvPr>
+            <p:ph type="ctrTitle"/>
+          </p:nvPr>
+        </p:nvSpPr>
+        <p:spPr>
+          <a:xfrm>
+            <a:off x="304800" y="277091"/>
+            <a:ext cx="9144000" cy="669781"/>
+          </a:xfrm>
+        </p:spPr>
+        <p:txBody>
+          <a:bodyPr>
+            <a:normAutofit/>
+          </a:bodyPr>
+          <a:lstStyle/>
+          <a:p>
+            <a:pPr algn="l"/>
+            <a:r>
+              <a:rPr lang="es-MX" sz="3600" b="1" dirty="0">
+                <a:latin typeface="Gadugi" panose="020B0502040204020203" pitchFamily="34" charset="0"/>
+                <a:ea typeface="Gadugi" panose="020B0502040204020203" pitchFamily="34" charset="0"/>
+              </a:rPr>
+              <a:t>CROSS JOIN</a:t>
+            </a:r>
+          </a:p>
+        </p:txBody>
+      </p:sp>
+      <p:sp>
+        <p:nvSpPr>
+          <p:cNvPr id="3" name="Subtítulo 2">
+            <a:extLst>
+              <a:ext uri="{FF2B5EF4-FFF2-40B4-BE49-F238E27FC236}">
+                <a16:creationId xmlns:a16="http://schemas.microsoft.com/office/drawing/2014/main" id="{1A30F90B-0731-20CA-E914-48343967869A}"/>
+              </a:ext>
+            </a:extLst>
+          </p:cNvPr>
+          <p:cNvSpPr>
+            <a:spLocks noGrp="1"/>
+          </p:cNvSpPr>
+          <p:nvPr>
+            <p:ph type="subTitle" idx="1"/>
+          </p:nvPr>
+        </p:nvSpPr>
+        <p:spPr>
+          <a:xfrm>
+            <a:off x="152400" y="1602655"/>
+            <a:ext cx="7966356" cy="2623445"/>
+          </a:xfrm>
+        </p:spPr>
+        <p:txBody>
+          <a:bodyPr>
+            <a:normAutofit/>
+          </a:bodyPr>
+          <a:lstStyle/>
+          <a:p>
+            <a:pPr algn="l"/>
+            <a:r>
+              <a:rPr lang="es-MX" b="1" dirty="0"/>
+              <a:t>SELECT</a:t>
+            </a:r>
+            <a:r>
+              <a:rPr lang="es-MX" dirty="0"/>
+              <a:t> [columnas]</a:t>
+            </a:r>
+          </a:p>
+          <a:p>
+            <a:pPr algn="l"/>
+            <a:r>
+              <a:rPr lang="es-MX" b="1" dirty="0"/>
+              <a:t>FROM </a:t>
+            </a:r>
+            <a:r>
+              <a:rPr lang="es-MX" dirty="0"/>
+              <a:t>[tabla1], [tabla2], …</a:t>
+            </a:r>
+            <a:endParaRPr lang="es-MX" b="1" dirty="0"/>
+          </a:p>
+        </p:txBody>
+      </p:sp>
+      <p:cxnSp>
+        <p:nvCxnSpPr>
+          <p:cNvPr id="5" name="Conector recto 4">
+            <a:extLst>
+              <a:ext uri="{FF2B5EF4-FFF2-40B4-BE49-F238E27FC236}">
+                <a16:creationId xmlns:a16="http://schemas.microsoft.com/office/drawing/2014/main" id="{8185E119-0A24-A724-B622-7DB91F3252A8}"/>
+              </a:ext>
+            </a:extLst>
+          </p:cNvPr>
+          <p:cNvCxnSpPr/>
+          <p:nvPr/>
+        </p:nvCxnSpPr>
+        <p:spPr>
+          <a:xfrm>
+            <a:off x="0" y="946872"/>
+            <a:ext cx="5472545" cy="0"/>
+          </a:xfrm>
+          <a:prstGeom prst="line">
+            <a:avLst/>
+          </a:prstGeom>
+          <a:ln w="38100">
+            <a:solidFill>
+              <a:srgbClr val="7030A0"/>
+            </a:solidFill>
+          </a:ln>
+        </p:spPr>
+        <p:style>
+          <a:lnRef idx="1">
+            <a:schemeClr val="accent1"/>
+          </a:lnRef>
+          <a:fillRef idx="0">
+            <a:schemeClr val="accent1"/>
+          </a:fillRef>
+          <a:effectRef idx="0">
+            <a:schemeClr val="accent1"/>
+          </a:effectRef>
+          <a:fontRef idx="minor">
+            <a:schemeClr val="tx1"/>
+          </a:fontRef>
+        </p:style>
+      </p:cxnSp>
+      <p:cxnSp>
+        <p:nvCxnSpPr>
+          <p:cNvPr id="6" name="Conector recto 5">
+            <a:extLst>
+              <a:ext uri="{FF2B5EF4-FFF2-40B4-BE49-F238E27FC236}">
+                <a16:creationId xmlns:a16="http://schemas.microsoft.com/office/drawing/2014/main" id="{BEFC1D1B-E623-58C6-AEC5-FBF9FC0A9DBC}"/>
+              </a:ext>
+            </a:extLst>
+          </p:cNvPr>
+          <p:cNvCxnSpPr>
+            <a:cxnSpLocks/>
+          </p:cNvCxnSpPr>
+          <p:nvPr/>
+        </p:nvCxnSpPr>
+        <p:spPr>
+          <a:xfrm flipH="1" flipV="1">
+            <a:off x="8257309" y="0"/>
+            <a:ext cx="27710" cy="6858000"/>
+          </a:xfrm>
+          <a:prstGeom prst="line">
+            <a:avLst/>
+          </a:prstGeom>
+          <a:ln w="38100">
+            <a:solidFill>
+              <a:srgbClr val="7030A0"/>
+            </a:solidFill>
+          </a:ln>
+        </p:spPr>
+        <p:style>
+          <a:lnRef idx="1">
+            <a:schemeClr val="accent1"/>
+          </a:lnRef>
+          <a:fillRef idx="0">
+            <a:schemeClr val="accent1"/>
+          </a:fillRef>
+          <a:effectRef idx="0">
+            <a:schemeClr val="accent1"/>
+          </a:effectRef>
+          <a:fontRef idx="minor">
+            <a:schemeClr val="tx1"/>
+          </a:fontRef>
+        </p:style>
+      </p:cxnSp>
+      <p:sp>
+        <p:nvSpPr>
+          <p:cNvPr id="9" name="Subtítulo 2">
+            <a:extLst>
+              <a:ext uri="{FF2B5EF4-FFF2-40B4-BE49-F238E27FC236}">
+                <a16:creationId xmlns:a16="http://schemas.microsoft.com/office/drawing/2014/main" id="{B2F69EEF-1183-1D61-4B75-D786FD98E6A3}"/>
+              </a:ext>
+            </a:extLst>
+          </p:cNvPr>
+          <p:cNvSpPr txBox="1">
+            <a:spLocks/>
+          </p:cNvSpPr>
+          <p:nvPr/>
+        </p:nvSpPr>
+        <p:spPr>
+          <a:xfrm>
+            <a:off x="8285019" y="1602654"/>
+            <a:ext cx="3906981" cy="1154126"/>
+          </a:xfrm>
+          <a:prstGeom prst="rect">
+            <a:avLst/>
+          </a:prstGeom>
+        </p:spPr>
+        <p:txBody>
+          <a:bodyPr vert="horz" lIns="91440" tIns="45720" rIns="91440" bIns="45720" rtlCol="0">
+            <a:normAutofit/>
+          </a:bodyPr>
+          <a:lstStyle>
+            <a:lvl1pPr marL="0" indent="0" algn="ctr" defTabSz="914400" rtl="0" eaLnBrk="1" latinLnBrk="0" hangingPunct="1">
+              <a:lnSpc>
+                <a:spcPct val="90000"/>
+              </a:lnSpc>
+              <a:spcBef>
+                <a:spcPts val="1000"/>
+              </a:spcBef>
+              <a:buFont typeface="Arial" panose="020B0604020202020204" pitchFamily="34" charset="0"/>
+              <a:buNone/>
+              <a:defRPr sz="2400" kern="1200">
+                <a:solidFill>
+                  <a:schemeClr val="tx1"/>
+                </a:solidFill>
+                <a:latin typeface="+mn-lt"/>
+                <a:ea typeface="+mn-ea"/>
+                <a:cs typeface="+mn-cs"/>
+              </a:defRPr>
+            </a:lvl1pPr>
+            <a:lvl2pPr marL="457200" indent="0" algn="ctr" defTabSz="914400" rtl="0" eaLnBrk="1" latinLnBrk="0" hangingPunct="1">
+              <a:lnSpc>
+                <a:spcPct val="90000"/>
+              </a:lnSpc>
+              <a:spcBef>
+                <a:spcPts val="500"/>
+              </a:spcBef>
+              <a:buFont typeface="Arial" panose="020B0604020202020204" pitchFamily="34" charset="0"/>
+              <a:buNone/>
+              <a:defRPr sz="2000" kern="1200">
+                <a:solidFill>
+                  <a:schemeClr val="tx1"/>
+                </a:solidFill>
+                <a:latin typeface="+mn-lt"/>
+                <a:ea typeface="+mn-ea"/>
+                <a:cs typeface="+mn-cs"/>
+              </a:defRPr>
+            </a:lvl2pPr>
+            <a:lvl3pPr marL="914400" indent="0" algn="ctr" defTabSz="914400" rtl="0" eaLnBrk="1" latinLnBrk="0" hangingPunct="1">
+              <a:lnSpc>
+                <a:spcPct val="90000"/>
+              </a:lnSpc>
+              <a:spcBef>
+                <a:spcPts val="500"/>
+              </a:spcBef>
+              <a:buFont typeface="Arial" panose="020B0604020202020204" pitchFamily="34" charset="0"/>
+              <a:buNone/>
+              <a:defRPr sz="1800" kern="1200">
+                <a:solidFill>
+                  <a:schemeClr val="tx1"/>
+                </a:solidFill>
+                <a:latin typeface="+mn-lt"/>
+                <a:ea typeface="+mn-ea"/>
+                <a:cs typeface="+mn-cs"/>
+              </a:defRPr>
+            </a:lvl3pPr>
+            <a:lvl4pPr marL="1371600" indent="0" algn="ctr" defTabSz="914400" rtl="0" eaLnBrk="1" latinLnBrk="0" hangingPunct="1">
+              <a:lnSpc>
+                <a:spcPct val="90000"/>
+              </a:lnSpc>
+              <a:spcBef>
+                <a:spcPts val="500"/>
+              </a:spcBef>
+              <a:buFont typeface="Arial" panose="020B0604020202020204" pitchFamily="34" charset="0"/>
+              <a:buNone/>
+              <a:defRPr sz="1600" kern="1200">
+                <a:solidFill>
+                  <a:schemeClr val="tx1"/>
+                </a:solidFill>
+                <a:latin typeface="+mn-lt"/>
+                <a:ea typeface="+mn-ea"/>
+                <a:cs typeface="+mn-cs"/>
+              </a:defRPr>
+            </a:lvl4pPr>
+            <a:lvl5pPr marL="1828800" indent="0" algn="ctr" defTabSz="914400" rtl="0" eaLnBrk="1" latinLnBrk="0" hangingPunct="1">
+              <a:lnSpc>
+                <a:spcPct val="90000"/>
+              </a:lnSpc>
+              <a:spcBef>
+                <a:spcPts val="500"/>
+              </a:spcBef>
+              <a:buFont typeface="Arial" panose="020B0604020202020204" pitchFamily="34" charset="0"/>
+              <a:buNone/>
+              <a:defRPr sz="1600" kern="1200">
+                <a:solidFill>
+                  <a:schemeClr val="tx1"/>
+                </a:solidFill>
+                <a:latin typeface="+mn-lt"/>
+                <a:ea typeface="+mn-ea"/>
+                <a:cs typeface="+mn-cs"/>
+              </a:defRPr>
+            </a:lvl5pPr>
+            <a:lvl6pPr marL="2286000" indent="0" algn="ctr" defTabSz="914400" rtl="0" eaLnBrk="1" latinLnBrk="0" hangingPunct="1">
+              <a:lnSpc>
+                <a:spcPct val="90000"/>
+              </a:lnSpc>
+              <a:spcBef>
+                <a:spcPts val="500"/>
+              </a:spcBef>
+              <a:buFont typeface="Arial" panose="020B0604020202020204" pitchFamily="34" charset="0"/>
+              <a:buNone/>
+              <a:defRPr sz="1600" kern="1200">
+                <a:solidFill>
+                  <a:schemeClr val="tx1"/>
+                </a:solidFill>
+                <a:latin typeface="+mn-lt"/>
+                <a:ea typeface="+mn-ea"/>
+                <a:cs typeface="+mn-cs"/>
+              </a:defRPr>
+            </a:lvl6pPr>
+            <a:lvl7pPr marL="2743200" indent="0" algn="ctr" defTabSz="914400" rtl="0" eaLnBrk="1" latinLnBrk="0" hangingPunct="1">
+              <a:lnSpc>
+                <a:spcPct val="90000"/>
+              </a:lnSpc>
+              <a:spcBef>
+                <a:spcPts val="500"/>
+              </a:spcBef>
+              <a:buFont typeface="Arial" panose="020B0604020202020204" pitchFamily="34" charset="0"/>
+              <a:buNone/>
+              <a:defRPr sz="1600" kern="1200">
+                <a:solidFill>
+                  <a:schemeClr val="tx1"/>
+                </a:solidFill>
+                <a:latin typeface="+mn-lt"/>
+                <a:ea typeface="+mn-ea"/>
+                <a:cs typeface="+mn-cs"/>
+              </a:defRPr>
+            </a:lvl7pPr>
+            <a:lvl8pPr marL="3200400" indent="0" algn="ctr" defTabSz="914400" rtl="0" eaLnBrk="1" latinLnBrk="0" hangingPunct="1">
+              <a:lnSpc>
+                <a:spcPct val="90000"/>
+              </a:lnSpc>
+              <a:spcBef>
+                <a:spcPts val="500"/>
+              </a:spcBef>
+              <a:buFont typeface="Arial" panose="020B0604020202020204" pitchFamily="34" charset="0"/>
+              <a:buNone/>
+              <a:defRPr sz="1600" kern="1200">
+                <a:solidFill>
+                  <a:schemeClr val="tx1"/>
+                </a:solidFill>
+                <a:latin typeface="+mn-lt"/>
+                <a:ea typeface="+mn-ea"/>
+                <a:cs typeface="+mn-cs"/>
+              </a:defRPr>
+            </a:lvl8pPr>
+            <a:lvl9pPr marL="3657600" indent="0" algn="ctr" defTabSz="914400" rtl="0" eaLnBrk="1" latinLnBrk="0" hangingPunct="1">
+              <a:lnSpc>
+                <a:spcPct val="90000"/>
+              </a:lnSpc>
+              <a:spcBef>
+                <a:spcPts val="500"/>
+              </a:spcBef>
+              <a:buFont typeface="Arial" panose="020B0604020202020204" pitchFamily="34" charset="0"/>
+              <a:buNone/>
+              <a:defRPr sz="1600" kern="1200">
+                <a:solidFill>
+                  <a:schemeClr val="tx1"/>
+                </a:solidFill>
+                <a:latin typeface="+mn-lt"/>
+                <a:ea typeface="+mn-ea"/>
+                <a:cs typeface="+mn-cs"/>
+              </a:defRPr>
+            </a:lvl9pPr>
+          </a:lstStyle>
+          <a:p>
+            <a:pPr algn="l"/>
+            <a:r>
+              <a:rPr lang="es-MX" sz="1600" dirty="0"/>
+              <a:t>+ El resultado de un </a:t>
+            </a:r>
+            <a:r>
+              <a:rPr lang="es-MX" sz="1600" i="1" dirty="0" err="1"/>
+              <a:t>cross</a:t>
+            </a:r>
+            <a:r>
+              <a:rPr lang="es-MX" sz="1600" i="1" dirty="0"/>
+              <a:t> </a:t>
+            </a:r>
+            <a:r>
+              <a:rPr lang="es-MX" sz="1600" i="1" dirty="0" err="1"/>
+              <a:t>join</a:t>
+            </a:r>
+            <a:r>
+              <a:rPr lang="es-MX" sz="1600" b="1" i="1" dirty="0"/>
+              <a:t> </a:t>
+            </a:r>
+            <a:r>
+              <a:rPr lang="es-MX" sz="1600" dirty="0"/>
+              <a:t>de dos tablas consiste en combinar cada registro de la tabla1 con cada registro de la tabla2	</a:t>
+            </a:r>
+          </a:p>
+        </p:txBody>
+      </p:sp>
+      <p:sp>
+        <p:nvSpPr>
+          <p:cNvPr id="13" name="Subtítulo 2">
+            <a:extLst>
+              <a:ext uri="{FF2B5EF4-FFF2-40B4-BE49-F238E27FC236}">
+                <a16:creationId xmlns:a16="http://schemas.microsoft.com/office/drawing/2014/main" id="{CDA30FA0-62EA-B9DD-B6E3-CCBF716EC366}"/>
+              </a:ext>
+            </a:extLst>
+          </p:cNvPr>
+          <p:cNvSpPr txBox="1">
+            <a:spLocks/>
+          </p:cNvSpPr>
+          <p:nvPr/>
+        </p:nvSpPr>
+        <p:spPr>
+          <a:xfrm>
+            <a:off x="152400" y="2756779"/>
+            <a:ext cx="7966363" cy="3958813"/>
+          </a:xfrm>
+          <a:prstGeom prst="rect">
+            <a:avLst/>
+          </a:prstGeom>
+        </p:spPr>
+        <p:txBody>
+          <a:bodyPr vert="horz" lIns="91440" tIns="45720" rIns="91440" bIns="45720" rtlCol="0">
+            <a:normAutofit/>
+          </a:bodyPr>
+          <a:lstStyle>
+            <a:lvl1pPr marL="0" indent="0" algn="ctr" defTabSz="914400" rtl="0" eaLnBrk="1" latinLnBrk="0" hangingPunct="1">
+              <a:lnSpc>
+                <a:spcPct val="90000"/>
+              </a:lnSpc>
+              <a:spcBef>
+                <a:spcPts val="1000"/>
+              </a:spcBef>
+              <a:buFont typeface="Arial" panose="020B0604020202020204" pitchFamily="34" charset="0"/>
+              <a:buNone/>
+              <a:defRPr sz="2400" kern="1200">
+                <a:solidFill>
+                  <a:schemeClr val="tx1"/>
+                </a:solidFill>
+                <a:latin typeface="+mn-lt"/>
+                <a:ea typeface="+mn-ea"/>
+                <a:cs typeface="+mn-cs"/>
+              </a:defRPr>
+            </a:lvl1pPr>
+            <a:lvl2pPr marL="457200" indent="0" algn="ctr" defTabSz="914400" rtl="0" eaLnBrk="1" latinLnBrk="0" hangingPunct="1">
+              <a:lnSpc>
+                <a:spcPct val="90000"/>
+              </a:lnSpc>
+              <a:spcBef>
+                <a:spcPts val="500"/>
+              </a:spcBef>
+              <a:buFont typeface="Arial" panose="020B0604020202020204" pitchFamily="34" charset="0"/>
+              <a:buNone/>
+              <a:defRPr sz="2000" kern="1200">
+                <a:solidFill>
+                  <a:schemeClr val="tx1"/>
+                </a:solidFill>
+                <a:latin typeface="+mn-lt"/>
+                <a:ea typeface="+mn-ea"/>
+                <a:cs typeface="+mn-cs"/>
+              </a:defRPr>
+            </a:lvl2pPr>
+            <a:lvl3pPr marL="914400" indent="0" algn="ctr" defTabSz="914400" rtl="0" eaLnBrk="1" latinLnBrk="0" hangingPunct="1">
+              <a:lnSpc>
+                <a:spcPct val="90000"/>
+              </a:lnSpc>
+              <a:spcBef>
+                <a:spcPts val="500"/>
+              </a:spcBef>
+              <a:buFont typeface="Arial" panose="020B0604020202020204" pitchFamily="34" charset="0"/>
+              <a:buNone/>
+              <a:defRPr sz="1800" kern="1200">
+                <a:solidFill>
+                  <a:schemeClr val="tx1"/>
+                </a:solidFill>
+                <a:latin typeface="+mn-lt"/>
+                <a:ea typeface="+mn-ea"/>
+                <a:cs typeface="+mn-cs"/>
+              </a:defRPr>
+            </a:lvl3pPr>
+            <a:lvl4pPr marL="1371600" indent="0" algn="ctr" defTabSz="914400" rtl="0" eaLnBrk="1" latinLnBrk="0" hangingPunct="1">
+              <a:lnSpc>
+                <a:spcPct val="90000"/>
+              </a:lnSpc>
+              <a:spcBef>
+                <a:spcPts val="500"/>
+              </a:spcBef>
+              <a:buFont typeface="Arial" panose="020B0604020202020204" pitchFamily="34" charset="0"/>
+              <a:buNone/>
+              <a:defRPr sz="1600" kern="1200">
+                <a:solidFill>
+                  <a:schemeClr val="tx1"/>
+                </a:solidFill>
+                <a:latin typeface="+mn-lt"/>
+                <a:ea typeface="+mn-ea"/>
+                <a:cs typeface="+mn-cs"/>
+              </a:defRPr>
+            </a:lvl4pPr>
+            <a:lvl5pPr marL="1828800" indent="0" algn="ctr" defTabSz="914400" rtl="0" eaLnBrk="1" latinLnBrk="0" hangingPunct="1">
+              <a:lnSpc>
+                <a:spcPct val="90000"/>
+              </a:lnSpc>
+              <a:spcBef>
+                <a:spcPts val="500"/>
+              </a:spcBef>
+              <a:buFont typeface="Arial" panose="020B0604020202020204" pitchFamily="34" charset="0"/>
+              <a:buNone/>
+              <a:defRPr sz="1600" kern="1200">
+                <a:solidFill>
+                  <a:schemeClr val="tx1"/>
+                </a:solidFill>
+                <a:latin typeface="+mn-lt"/>
+                <a:ea typeface="+mn-ea"/>
+                <a:cs typeface="+mn-cs"/>
+              </a:defRPr>
+            </a:lvl5pPr>
+            <a:lvl6pPr marL="2286000" indent="0" algn="ctr" defTabSz="914400" rtl="0" eaLnBrk="1" latinLnBrk="0" hangingPunct="1">
+              <a:lnSpc>
+                <a:spcPct val="90000"/>
+              </a:lnSpc>
+              <a:spcBef>
+                <a:spcPts val="500"/>
+              </a:spcBef>
+              <a:buFont typeface="Arial" panose="020B0604020202020204" pitchFamily="34" charset="0"/>
+              <a:buNone/>
+              <a:defRPr sz="1600" kern="1200">
+                <a:solidFill>
+                  <a:schemeClr val="tx1"/>
+                </a:solidFill>
+                <a:latin typeface="+mn-lt"/>
+                <a:ea typeface="+mn-ea"/>
+                <a:cs typeface="+mn-cs"/>
+              </a:defRPr>
+            </a:lvl6pPr>
+            <a:lvl7pPr marL="2743200" indent="0" algn="ctr" defTabSz="914400" rtl="0" eaLnBrk="1" latinLnBrk="0" hangingPunct="1">
+              <a:lnSpc>
+                <a:spcPct val="90000"/>
+              </a:lnSpc>
+              <a:spcBef>
+                <a:spcPts val="500"/>
+              </a:spcBef>
+              <a:buFont typeface="Arial" panose="020B0604020202020204" pitchFamily="34" charset="0"/>
+              <a:buNone/>
+              <a:defRPr sz="1600" kern="1200">
+                <a:solidFill>
+                  <a:schemeClr val="tx1"/>
+                </a:solidFill>
+                <a:latin typeface="+mn-lt"/>
+                <a:ea typeface="+mn-ea"/>
+                <a:cs typeface="+mn-cs"/>
+              </a:defRPr>
+            </a:lvl7pPr>
+            <a:lvl8pPr marL="3200400" indent="0" algn="ctr" defTabSz="914400" rtl="0" eaLnBrk="1" latinLnBrk="0" hangingPunct="1">
+              <a:lnSpc>
+                <a:spcPct val="90000"/>
+              </a:lnSpc>
+              <a:spcBef>
+                <a:spcPts val="500"/>
+              </a:spcBef>
+              <a:buFont typeface="Arial" panose="020B0604020202020204" pitchFamily="34" charset="0"/>
+              <a:buNone/>
+              <a:defRPr sz="1600" kern="1200">
+                <a:solidFill>
+                  <a:schemeClr val="tx1"/>
+                </a:solidFill>
+                <a:latin typeface="+mn-lt"/>
+                <a:ea typeface="+mn-ea"/>
+                <a:cs typeface="+mn-cs"/>
+              </a:defRPr>
+            </a:lvl8pPr>
+            <a:lvl9pPr marL="3657600" indent="0" algn="ctr" defTabSz="914400" rtl="0" eaLnBrk="1" latinLnBrk="0" hangingPunct="1">
+              <a:lnSpc>
+                <a:spcPct val="90000"/>
+              </a:lnSpc>
+              <a:spcBef>
+                <a:spcPts val="500"/>
+              </a:spcBef>
+              <a:buFont typeface="Arial" panose="020B0604020202020204" pitchFamily="34" charset="0"/>
+              <a:buNone/>
+              <a:defRPr sz="1600" kern="1200">
+                <a:solidFill>
+                  <a:schemeClr val="tx1"/>
+                </a:solidFill>
+                <a:latin typeface="+mn-lt"/>
+                <a:ea typeface="+mn-ea"/>
+                <a:cs typeface="+mn-cs"/>
+              </a:defRPr>
+            </a:lvl9pPr>
+          </a:lstStyle>
+          <a:p>
+            <a:pPr algn="l"/>
+            <a:r>
+              <a:rPr lang="es-MX" sz="2000" b="1" dirty="0">
+                <a:solidFill>
+                  <a:schemeClr val="accent1"/>
+                </a:solidFill>
+              </a:rPr>
+              <a:t>CREATE TABLE </a:t>
+            </a:r>
+            <a:r>
+              <a:rPr lang="es-MX" sz="2000" dirty="0" err="1">
+                <a:solidFill>
+                  <a:schemeClr val="accent1"/>
+                </a:solidFill>
+              </a:rPr>
+              <a:t>month</a:t>
+            </a:r>
+            <a:r>
+              <a:rPr lang="es-MX" sz="2000" dirty="0">
+                <a:solidFill>
+                  <a:schemeClr val="accent1"/>
+                </a:solidFill>
+              </a:rPr>
+              <a:t>( MM </a:t>
+            </a:r>
+            <a:r>
+              <a:rPr lang="es-MX" sz="2000" dirty="0" err="1">
+                <a:solidFill>
+                  <a:schemeClr val="accent1"/>
+                </a:solidFill>
+              </a:rPr>
+              <a:t>int</a:t>
+            </a:r>
+            <a:r>
+              <a:rPr lang="es-MX" sz="2000" dirty="0">
+                <a:solidFill>
+                  <a:schemeClr val="accent1"/>
+                </a:solidFill>
+              </a:rPr>
+              <a:t>);</a:t>
+            </a:r>
+          </a:p>
+          <a:p>
+            <a:pPr algn="l"/>
+            <a:r>
+              <a:rPr lang="es-MX" sz="2000" b="1" dirty="0">
+                <a:solidFill>
+                  <a:schemeClr val="accent1"/>
+                </a:solidFill>
+              </a:rPr>
+              <a:t>CREATE TABLE </a:t>
+            </a:r>
+            <a:r>
+              <a:rPr lang="es-MX" sz="2000" dirty="0" err="1">
+                <a:solidFill>
+                  <a:schemeClr val="accent1"/>
+                </a:solidFill>
+              </a:rPr>
+              <a:t>year</a:t>
+            </a:r>
+            <a:r>
+              <a:rPr lang="es-MX" sz="2000" dirty="0">
+                <a:solidFill>
+                  <a:schemeClr val="accent1"/>
+                </a:solidFill>
+              </a:rPr>
+              <a:t>( YYYY </a:t>
+            </a:r>
+            <a:r>
+              <a:rPr lang="es-MX" sz="2000" dirty="0" err="1">
+                <a:solidFill>
+                  <a:schemeClr val="accent1"/>
+                </a:solidFill>
+              </a:rPr>
+              <a:t>int</a:t>
+            </a:r>
+            <a:r>
+              <a:rPr lang="es-MX" sz="2000" dirty="0">
+                <a:solidFill>
+                  <a:schemeClr val="accent1"/>
+                </a:solidFill>
+              </a:rPr>
+              <a:t>);</a:t>
+            </a:r>
+          </a:p>
+          <a:p>
+            <a:pPr algn="l"/>
+            <a:endParaRPr lang="es-MX" sz="2000" b="1" dirty="0">
+              <a:solidFill>
+                <a:schemeClr val="accent1"/>
+              </a:solidFill>
+            </a:endParaRPr>
+          </a:p>
+          <a:p>
+            <a:pPr algn="l"/>
+            <a:r>
+              <a:rPr lang="es-MX" sz="2000" b="1" dirty="0">
+                <a:solidFill>
+                  <a:schemeClr val="accent1"/>
+                </a:solidFill>
+              </a:rPr>
+              <a:t>INSERT INTO </a:t>
+            </a:r>
+            <a:r>
+              <a:rPr lang="es-MX" sz="2000" dirty="0" err="1">
+                <a:solidFill>
+                  <a:schemeClr val="accent1"/>
+                </a:solidFill>
+              </a:rPr>
+              <a:t>month</a:t>
+            </a:r>
+            <a:r>
+              <a:rPr lang="es-MX" sz="2000" dirty="0">
+                <a:solidFill>
+                  <a:schemeClr val="accent1"/>
+                </a:solidFill>
+              </a:rPr>
+              <a:t> </a:t>
+            </a:r>
+          </a:p>
+          <a:p>
+            <a:pPr algn="l"/>
+            <a:r>
+              <a:rPr lang="es-MX" sz="2000" b="1" dirty="0">
+                <a:solidFill>
+                  <a:schemeClr val="accent1"/>
+                </a:solidFill>
+              </a:rPr>
+              <a:t>VALUES </a:t>
+            </a:r>
+            <a:r>
+              <a:rPr lang="es-MX" sz="2000" dirty="0">
+                <a:solidFill>
+                  <a:schemeClr val="accent1"/>
+                </a:solidFill>
+              </a:rPr>
+              <a:t>(1), (2), (3), (4), … , (12);</a:t>
+            </a:r>
+          </a:p>
+          <a:p>
+            <a:pPr algn="l"/>
+            <a:r>
+              <a:rPr lang="es-MX" sz="2000" b="1" dirty="0">
+                <a:solidFill>
+                  <a:schemeClr val="accent1"/>
+                </a:solidFill>
+              </a:rPr>
+              <a:t>INSERT INTO </a:t>
+            </a:r>
+            <a:r>
+              <a:rPr lang="es-MX" sz="2000" dirty="0" err="1">
+                <a:solidFill>
+                  <a:schemeClr val="accent1"/>
+                </a:solidFill>
+              </a:rPr>
+              <a:t>year</a:t>
+            </a:r>
+            <a:endParaRPr lang="es-MX" sz="2000" dirty="0">
+              <a:solidFill>
+                <a:schemeClr val="accent1"/>
+              </a:solidFill>
+            </a:endParaRPr>
+          </a:p>
+          <a:p>
+            <a:pPr algn="l"/>
+            <a:r>
+              <a:rPr lang="es-MX" sz="2000" b="1" dirty="0">
+                <a:solidFill>
+                  <a:schemeClr val="accent1"/>
+                </a:solidFill>
+              </a:rPr>
+              <a:t>VALUES </a:t>
+            </a:r>
+            <a:r>
+              <a:rPr lang="es-MX" sz="2000" dirty="0">
+                <a:solidFill>
+                  <a:schemeClr val="accent1"/>
+                </a:solidFill>
+              </a:rPr>
+              <a:t>(2011), (2012), (2013), (20144), … , (2021);</a:t>
+            </a:r>
+          </a:p>
+          <a:p>
+            <a:pPr algn="l"/>
+            <a:endParaRPr lang="es-MX" sz="2000" dirty="0">
+              <a:solidFill>
+                <a:schemeClr val="accent1"/>
+              </a:solidFill>
+            </a:endParaRPr>
+          </a:p>
+          <a:p>
+            <a:pPr algn="l"/>
+            <a:r>
+              <a:rPr lang="es-MX" sz="2000" b="1" dirty="0">
+                <a:solidFill>
+                  <a:schemeClr val="accent1"/>
+                </a:solidFill>
+              </a:rPr>
+              <a:t>SELECT</a:t>
+            </a:r>
+            <a:r>
+              <a:rPr lang="es-MX" sz="2000" dirty="0">
+                <a:solidFill>
+                  <a:schemeClr val="accent1"/>
+                </a:solidFill>
+              </a:rPr>
+              <a:t> </a:t>
+            </a:r>
+            <a:r>
+              <a:rPr lang="es-MX" sz="2000" dirty="0" err="1">
+                <a:solidFill>
+                  <a:schemeClr val="accent1"/>
+                </a:solidFill>
+              </a:rPr>
+              <a:t>a.YYYY</a:t>
+            </a:r>
+            <a:r>
+              <a:rPr lang="es-MX" sz="2000" dirty="0">
+                <a:solidFill>
+                  <a:schemeClr val="accent1"/>
+                </a:solidFill>
+              </a:rPr>
+              <a:t>, b.MM </a:t>
+            </a:r>
+            <a:r>
+              <a:rPr lang="es-MX" sz="2000" b="1" dirty="0">
+                <a:solidFill>
+                  <a:schemeClr val="accent1"/>
+                </a:solidFill>
+              </a:rPr>
+              <a:t>FROM</a:t>
+            </a:r>
+            <a:r>
+              <a:rPr lang="es-MX" sz="2000" dirty="0">
+                <a:solidFill>
+                  <a:schemeClr val="accent1"/>
+                </a:solidFill>
+              </a:rPr>
+              <a:t> </a:t>
+            </a:r>
+            <a:r>
+              <a:rPr lang="es-MX" sz="2000" dirty="0" err="1">
+                <a:solidFill>
+                  <a:schemeClr val="accent1"/>
+                </a:solidFill>
+              </a:rPr>
+              <a:t>year</a:t>
+            </a:r>
+            <a:r>
+              <a:rPr lang="es-MX" sz="2000" dirty="0">
+                <a:solidFill>
+                  <a:schemeClr val="accent1"/>
+                </a:solidFill>
+              </a:rPr>
+              <a:t> </a:t>
+            </a:r>
+            <a:r>
+              <a:rPr lang="es-MX" sz="2000" b="1" dirty="0">
+                <a:solidFill>
+                  <a:schemeClr val="accent1"/>
+                </a:solidFill>
+              </a:rPr>
+              <a:t>AS</a:t>
+            </a:r>
+            <a:r>
+              <a:rPr lang="es-MX" sz="2000" dirty="0">
+                <a:solidFill>
+                  <a:schemeClr val="accent1"/>
+                </a:solidFill>
+              </a:rPr>
+              <a:t> a, </a:t>
+            </a:r>
+            <a:r>
+              <a:rPr lang="es-MX" sz="2000" dirty="0" err="1">
+                <a:solidFill>
+                  <a:schemeClr val="accent1"/>
+                </a:solidFill>
+              </a:rPr>
+              <a:t>month</a:t>
+            </a:r>
+            <a:r>
+              <a:rPr lang="es-MX" sz="2000" dirty="0">
+                <a:solidFill>
+                  <a:schemeClr val="accent1"/>
+                </a:solidFill>
+              </a:rPr>
+              <a:t> </a:t>
+            </a:r>
+            <a:r>
+              <a:rPr lang="es-MX" sz="2000" b="1" dirty="0">
+                <a:solidFill>
+                  <a:schemeClr val="accent1"/>
+                </a:solidFill>
+              </a:rPr>
+              <a:t>AS</a:t>
+            </a:r>
+            <a:r>
+              <a:rPr lang="es-MX" sz="2000" dirty="0">
+                <a:solidFill>
+                  <a:schemeClr val="accent1"/>
+                </a:solidFill>
+              </a:rPr>
+              <a:t> b</a:t>
+            </a:r>
+            <a:r>
+              <a:rPr lang="es-MX" sz="2000" b="1" dirty="0">
+                <a:solidFill>
+                  <a:schemeClr val="accent1"/>
+                </a:solidFill>
+              </a:rPr>
+              <a:t>;</a:t>
+            </a:r>
+          </a:p>
+          <a:p>
+            <a:pPr algn="l"/>
+            <a:endParaRPr lang="es-MX" sz="2000" b="1" dirty="0">
+              <a:solidFill>
+                <a:schemeClr val="accent1"/>
+              </a:solidFill>
+            </a:endParaRPr>
+          </a:p>
+        </p:txBody>
+      </p:sp>
+    </p:spTree>
+    <p:extLst>
+      <p:ext uri="{BB962C8B-B14F-4D97-AF65-F5344CB8AC3E}">
+        <p14:creationId xmlns:p14="http://schemas.microsoft.com/office/powerpoint/2010/main" val="3129363474"/>
+      </p:ext>
+    </p:extLst>
+  </p:cSld>
+  <p:clrMapOvr>
+    <a:masterClrMapping/>
+  </p:clrMapOvr>
+</p:sld>
+</file>
+
+<file path=ppt/slides/slide34.xml><?xml version="1.0" encoding="utf-8"?>
+<p:sld xmlns:a="http://schemas.openxmlformats.org/drawingml/2006/main" xmlns:r="http://schemas.openxmlformats.org/officeDocument/2006/relationships" xmlns:p="http://schemas.openxmlformats.org/presentationml/2006/main">
+  <p:cSld>
+    <p:spTree>
+      <p:nvGrpSpPr>
+        <p:cNvPr id="1" name=""/>
+        <p:cNvGrpSpPr/>
+        <p:nvPr/>
+      </p:nvGrpSpPr>
+      <p:grpSpPr>
+        <a:xfrm>
+          <a:off x="0" y="0"/>
+          <a:ext cx="0" cy="0"/>
+          <a:chOff x="0" y="0"/>
+          <a:chExt cx="0" cy="0"/>
+        </a:xfrm>
+      </p:grpSpPr>
+      <p:pic>
+        <p:nvPicPr>
+          <p:cNvPr id="2" name="Imagen 1">
+            <a:extLst>
+              <a:ext uri="{FF2B5EF4-FFF2-40B4-BE49-F238E27FC236}">
+                <a16:creationId xmlns:a16="http://schemas.microsoft.com/office/drawing/2014/main" id="{26BA041A-C818-B87B-1069-5D4C7BC8B095}"/>
+              </a:ext>
+            </a:extLst>
+          </p:cNvPr>
+          <p:cNvPicPr>
+            <a:picLocks noChangeAspect="1"/>
+          </p:cNvPicPr>
+          <p:nvPr/>
+        </p:nvPicPr>
+        <p:blipFill rotWithShape="1">
+          <a:blip r:embed="rId2"/>
+          <a:srcRect l="22623" t="56179" r="22500" b="16923"/>
+          <a:stretch/>
+        </p:blipFill>
+        <p:spPr>
+          <a:xfrm>
+            <a:off x="594610" y="1733663"/>
+            <a:ext cx="11396212" cy="3140554"/>
+          </a:xfrm>
+          <a:prstGeom prst="rect">
+            <a:avLst/>
+          </a:prstGeom>
+        </p:spPr>
+      </p:pic>
+    </p:spTree>
+    <p:extLst>
+      <p:ext uri="{BB962C8B-B14F-4D97-AF65-F5344CB8AC3E}">
+        <p14:creationId xmlns:p14="http://schemas.microsoft.com/office/powerpoint/2010/main" val="2603317159"/>
+      </p:ext>
+    </p:extLst>
+  </p:cSld>
+  <p:clrMapOvr>
+    <a:masterClrMapping/>
+  </p:clrMapOvr>
+</p:sld>
+</file>
+
+<file path=ppt/slides/slide35.xml><?xml version="1.0" encoding="utf-8"?>
+<p:sld xmlns:a="http://schemas.openxmlformats.org/drawingml/2006/main" xmlns:r="http://schemas.openxmlformats.org/officeDocument/2006/relationships" xmlns:p="http://schemas.openxmlformats.org/presentationml/2006/main">
+  <p:cSld>
+    <p:spTree>
+      <p:nvGrpSpPr>
+        <p:cNvPr id="1" name=""/>
+        <p:cNvGrpSpPr/>
+        <p:nvPr/>
+      </p:nvGrpSpPr>
+      <p:grpSpPr>
+        <a:xfrm>
+          <a:off x="0" y="0"/>
+          <a:ext cx="0" cy="0"/>
+          <a:chOff x="0" y="0"/>
+          <a:chExt cx="0" cy="0"/>
+        </a:xfrm>
+      </p:grpSpPr>
+      <p:sp>
+        <p:nvSpPr>
+          <p:cNvPr id="2" name="Título 1">
+            <a:extLst>
+              <a:ext uri="{FF2B5EF4-FFF2-40B4-BE49-F238E27FC236}">
+                <a16:creationId xmlns:a16="http://schemas.microsoft.com/office/drawing/2014/main" id="{095D5E06-C433-C836-106A-B2D45ADCF04F}"/>
+              </a:ext>
+            </a:extLst>
+          </p:cNvPr>
+          <p:cNvSpPr>
+            <a:spLocks noGrp="1"/>
+          </p:cNvSpPr>
+          <p:nvPr>
+            <p:ph type="ctrTitle"/>
+          </p:nvPr>
+        </p:nvSpPr>
+        <p:spPr>
+          <a:xfrm>
+            <a:off x="304800" y="277091"/>
+            <a:ext cx="9144000" cy="669781"/>
+          </a:xfrm>
+        </p:spPr>
+        <p:txBody>
+          <a:bodyPr>
+            <a:normAutofit/>
+          </a:bodyPr>
+          <a:lstStyle/>
+          <a:p>
+            <a:pPr algn="l"/>
+            <a:r>
+              <a:rPr lang="es-MX" sz="3600" b="1" dirty="0">
+                <a:latin typeface="Gadugi" panose="020B0502040204020203" pitchFamily="34" charset="0"/>
+                <a:ea typeface="Gadugi" panose="020B0502040204020203" pitchFamily="34" charset="0"/>
+              </a:rPr>
+              <a:t>CONSULTA COMBINADA</a:t>
+            </a:r>
+          </a:p>
+        </p:txBody>
+      </p:sp>
+      <p:sp>
+        <p:nvSpPr>
+          <p:cNvPr id="3" name="Subtítulo 2">
+            <a:extLst>
+              <a:ext uri="{FF2B5EF4-FFF2-40B4-BE49-F238E27FC236}">
+                <a16:creationId xmlns:a16="http://schemas.microsoft.com/office/drawing/2014/main" id="{1A30F90B-0731-20CA-E914-48343967869A}"/>
+              </a:ext>
+            </a:extLst>
+          </p:cNvPr>
+          <p:cNvSpPr>
+            <a:spLocks noGrp="1"/>
+          </p:cNvSpPr>
+          <p:nvPr>
+            <p:ph type="subTitle" idx="1"/>
+          </p:nvPr>
+        </p:nvSpPr>
+        <p:spPr>
+          <a:xfrm>
+            <a:off x="152400" y="1602655"/>
+            <a:ext cx="7966356" cy="2623445"/>
+          </a:xfrm>
+        </p:spPr>
+        <p:txBody>
+          <a:bodyPr>
+            <a:normAutofit/>
+          </a:bodyPr>
+          <a:lstStyle/>
+          <a:p>
+            <a:pPr algn="l"/>
+            <a:r>
+              <a:rPr lang="es-MX" b="1" dirty="0"/>
+              <a:t>SELECT</a:t>
+            </a:r>
+            <a:r>
+              <a:rPr lang="es-MX" dirty="0"/>
+              <a:t> [columnas]</a:t>
+            </a:r>
+          </a:p>
+          <a:p>
+            <a:pPr algn="l"/>
+            <a:r>
+              <a:rPr lang="es-MX" b="1" dirty="0"/>
+              <a:t>FROM </a:t>
+            </a:r>
+            <a:r>
+              <a:rPr lang="es-MX" dirty="0"/>
+              <a:t>[tabla1]</a:t>
+            </a:r>
+          </a:p>
+          <a:p>
+            <a:pPr algn="l"/>
+            <a:r>
+              <a:rPr lang="es-MX" b="1" dirty="0"/>
+              <a:t>COMANDO</a:t>
+            </a:r>
+            <a:endParaRPr lang="es-MX" dirty="0"/>
+          </a:p>
+          <a:p>
+            <a:pPr algn="l"/>
+            <a:r>
+              <a:rPr lang="es-MX" b="1" dirty="0"/>
+              <a:t>SELECT </a:t>
+            </a:r>
+            <a:r>
+              <a:rPr lang="es-MX" dirty="0"/>
+              <a:t>[columnas]</a:t>
+            </a:r>
+          </a:p>
+          <a:p>
+            <a:pPr algn="l"/>
+            <a:r>
+              <a:rPr lang="es-MX" b="1" dirty="0"/>
+              <a:t>FROM</a:t>
+            </a:r>
+            <a:r>
+              <a:rPr lang="es-MX" dirty="0"/>
+              <a:t> [tabla2]</a:t>
+            </a:r>
+            <a:endParaRPr lang="es-MX" b="1" dirty="0"/>
+          </a:p>
+        </p:txBody>
+      </p:sp>
+      <p:cxnSp>
+        <p:nvCxnSpPr>
+          <p:cNvPr id="5" name="Conector recto 4">
+            <a:extLst>
+              <a:ext uri="{FF2B5EF4-FFF2-40B4-BE49-F238E27FC236}">
+                <a16:creationId xmlns:a16="http://schemas.microsoft.com/office/drawing/2014/main" id="{8185E119-0A24-A724-B622-7DB91F3252A8}"/>
+              </a:ext>
+            </a:extLst>
+          </p:cNvPr>
+          <p:cNvCxnSpPr/>
+          <p:nvPr/>
+        </p:nvCxnSpPr>
+        <p:spPr>
+          <a:xfrm>
+            <a:off x="0" y="946872"/>
+            <a:ext cx="5472545" cy="0"/>
+          </a:xfrm>
+          <a:prstGeom prst="line">
+            <a:avLst/>
+          </a:prstGeom>
+          <a:ln w="38100">
+            <a:solidFill>
+              <a:srgbClr val="7030A0"/>
+            </a:solidFill>
+          </a:ln>
+        </p:spPr>
+        <p:style>
+          <a:lnRef idx="1">
+            <a:schemeClr val="accent1"/>
+          </a:lnRef>
+          <a:fillRef idx="0">
+            <a:schemeClr val="accent1"/>
+          </a:fillRef>
+          <a:effectRef idx="0">
+            <a:schemeClr val="accent1"/>
+          </a:effectRef>
+          <a:fontRef idx="minor">
+            <a:schemeClr val="tx1"/>
+          </a:fontRef>
+        </p:style>
+      </p:cxnSp>
+      <p:cxnSp>
+        <p:nvCxnSpPr>
+          <p:cNvPr id="6" name="Conector recto 5">
+            <a:extLst>
+              <a:ext uri="{FF2B5EF4-FFF2-40B4-BE49-F238E27FC236}">
+                <a16:creationId xmlns:a16="http://schemas.microsoft.com/office/drawing/2014/main" id="{BEFC1D1B-E623-58C6-AEC5-FBF9FC0A9DBC}"/>
+              </a:ext>
+            </a:extLst>
+          </p:cNvPr>
+          <p:cNvCxnSpPr>
+            <a:cxnSpLocks/>
+          </p:cNvCxnSpPr>
+          <p:nvPr/>
+        </p:nvCxnSpPr>
+        <p:spPr>
+          <a:xfrm flipH="1" flipV="1">
+            <a:off x="8257309" y="0"/>
+            <a:ext cx="27710" cy="6858000"/>
+          </a:xfrm>
+          <a:prstGeom prst="line">
+            <a:avLst/>
+          </a:prstGeom>
+          <a:ln w="38100">
+            <a:solidFill>
+              <a:srgbClr val="7030A0"/>
+            </a:solidFill>
+          </a:ln>
+        </p:spPr>
+        <p:style>
+          <a:lnRef idx="1">
+            <a:schemeClr val="accent1"/>
+          </a:lnRef>
+          <a:fillRef idx="0">
+            <a:schemeClr val="accent1"/>
+          </a:fillRef>
+          <a:effectRef idx="0">
+            <a:schemeClr val="accent1"/>
+          </a:effectRef>
+          <a:fontRef idx="minor">
+            <a:schemeClr val="tx1"/>
+          </a:fontRef>
+        </p:style>
+      </p:cxnSp>
+      <p:sp>
+        <p:nvSpPr>
+          <p:cNvPr id="9" name="Subtítulo 2">
+            <a:extLst>
+              <a:ext uri="{FF2B5EF4-FFF2-40B4-BE49-F238E27FC236}">
+                <a16:creationId xmlns:a16="http://schemas.microsoft.com/office/drawing/2014/main" id="{B2F69EEF-1183-1D61-4B75-D786FD98E6A3}"/>
+              </a:ext>
+            </a:extLst>
+          </p:cNvPr>
+          <p:cNvSpPr txBox="1">
+            <a:spLocks/>
+          </p:cNvSpPr>
+          <p:nvPr/>
+        </p:nvSpPr>
+        <p:spPr>
+          <a:xfrm>
+            <a:off x="8285019" y="1602654"/>
+            <a:ext cx="3906981" cy="1154126"/>
+          </a:xfrm>
+          <a:prstGeom prst="rect">
+            <a:avLst/>
+          </a:prstGeom>
+        </p:spPr>
+        <p:txBody>
+          <a:bodyPr vert="horz" lIns="91440" tIns="45720" rIns="91440" bIns="45720" rtlCol="0">
+            <a:normAutofit/>
+          </a:bodyPr>
+          <a:lstStyle>
+            <a:lvl1pPr marL="0" indent="0" algn="ctr" defTabSz="914400" rtl="0" eaLnBrk="1" latinLnBrk="0" hangingPunct="1">
+              <a:lnSpc>
+                <a:spcPct val="90000"/>
+              </a:lnSpc>
+              <a:spcBef>
+                <a:spcPts val="1000"/>
+              </a:spcBef>
+              <a:buFont typeface="Arial" panose="020B0604020202020204" pitchFamily="34" charset="0"/>
+              <a:buNone/>
+              <a:defRPr sz="2400" kern="1200">
+                <a:solidFill>
+                  <a:schemeClr val="tx1"/>
+                </a:solidFill>
+                <a:latin typeface="+mn-lt"/>
+                <a:ea typeface="+mn-ea"/>
+                <a:cs typeface="+mn-cs"/>
+              </a:defRPr>
+            </a:lvl1pPr>
+            <a:lvl2pPr marL="457200" indent="0" algn="ctr" defTabSz="914400" rtl="0" eaLnBrk="1" latinLnBrk="0" hangingPunct="1">
+              <a:lnSpc>
+                <a:spcPct val="90000"/>
+              </a:lnSpc>
+              <a:spcBef>
+                <a:spcPts val="500"/>
+              </a:spcBef>
+              <a:buFont typeface="Arial" panose="020B0604020202020204" pitchFamily="34" charset="0"/>
+              <a:buNone/>
+              <a:defRPr sz="2000" kern="1200">
+                <a:solidFill>
+                  <a:schemeClr val="tx1"/>
+                </a:solidFill>
+                <a:latin typeface="+mn-lt"/>
+                <a:ea typeface="+mn-ea"/>
+                <a:cs typeface="+mn-cs"/>
+              </a:defRPr>
+            </a:lvl2pPr>
+            <a:lvl3pPr marL="914400" indent="0" algn="ctr" defTabSz="914400" rtl="0" eaLnBrk="1" latinLnBrk="0" hangingPunct="1">
+              <a:lnSpc>
+                <a:spcPct val="90000"/>
+              </a:lnSpc>
+              <a:spcBef>
+                <a:spcPts val="500"/>
+              </a:spcBef>
+              <a:buFont typeface="Arial" panose="020B0604020202020204" pitchFamily="34" charset="0"/>
+              <a:buNone/>
+              <a:defRPr sz="1800" kern="1200">
+                <a:solidFill>
+                  <a:schemeClr val="tx1"/>
+                </a:solidFill>
+                <a:latin typeface="+mn-lt"/>
+                <a:ea typeface="+mn-ea"/>
+                <a:cs typeface="+mn-cs"/>
+              </a:defRPr>
+            </a:lvl3pPr>
+            <a:lvl4pPr marL="1371600" indent="0" algn="ctr" defTabSz="914400" rtl="0" eaLnBrk="1" latinLnBrk="0" hangingPunct="1">
+              <a:lnSpc>
+                <a:spcPct val="90000"/>
+              </a:lnSpc>
+              <a:spcBef>
+                <a:spcPts val="500"/>
+              </a:spcBef>
+              <a:buFont typeface="Arial" panose="020B0604020202020204" pitchFamily="34" charset="0"/>
+              <a:buNone/>
+              <a:defRPr sz="1600" kern="1200">
+                <a:solidFill>
+                  <a:schemeClr val="tx1"/>
+                </a:solidFill>
+                <a:latin typeface="+mn-lt"/>
+                <a:ea typeface="+mn-ea"/>
+                <a:cs typeface="+mn-cs"/>
+              </a:defRPr>
+            </a:lvl4pPr>
+            <a:lvl5pPr marL="1828800" indent="0" algn="ctr" defTabSz="914400" rtl="0" eaLnBrk="1" latinLnBrk="0" hangingPunct="1">
+              <a:lnSpc>
+                <a:spcPct val="90000"/>
+              </a:lnSpc>
+              <a:spcBef>
+                <a:spcPts val="500"/>
+              </a:spcBef>
+              <a:buFont typeface="Arial" panose="020B0604020202020204" pitchFamily="34" charset="0"/>
+              <a:buNone/>
+              <a:defRPr sz="1600" kern="1200">
+                <a:solidFill>
+                  <a:schemeClr val="tx1"/>
+                </a:solidFill>
+                <a:latin typeface="+mn-lt"/>
+                <a:ea typeface="+mn-ea"/>
+                <a:cs typeface="+mn-cs"/>
+              </a:defRPr>
+            </a:lvl5pPr>
+            <a:lvl6pPr marL="2286000" indent="0" algn="ctr" defTabSz="914400" rtl="0" eaLnBrk="1" latinLnBrk="0" hangingPunct="1">
+              <a:lnSpc>
+                <a:spcPct val="90000"/>
+              </a:lnSpc>
+              <a:spcBef>
+                <a:spcPts val="500"/>
+              </a:spcBef>
+              <a:buFont typeface="Arial" panose="020B0604020202020204" pitchFamily="34" charset="0"/>
+              <a:buNone/>
+              <a:defRPr sz="1600" kern="1200">
+                <a:solidFill>
+                  <a:schemeClr val="tx1"/>
+                </a:solidFill>
+                <a:latin typeface="+mn-lt"/>
+                <a:ea typeface="+mn-ea"/>
+                <a:cs typeface="+mn-cs"/>
+              </a:defRPr>
+            </a:lvl6pPr>
+            <a:lvl7pPr marL="2743200" indent="0" algn="ctr" defTabSz="914400" rtl="0" eaLnBrk="1" latinLnBrk="0" hangingPunct="1">
+              <a:lnSpc>
+                <a:spcPct val="90000"/>
+              </a:lnSpc>
+              <a:spcBef>
+                <a:spcPts val="500"/>
+              </a:spcBef>
+              <a:buFont typeface="Arial" panose="020B0604020202020204" pitchFamily="34" charset="0"/>
+              <a:buNone/>
+              <a:defRPr sz="1600" kern="1200">
+                <a:solidFill>
+                  <a:schemeClr val="tx1"/>
+                </a:solidFill>
+                <a:latin typeface="+mn-lt"/>
+                <a:ea typeface="+mn-ea"/>
+                <a:cs typeface="+mn-cs"/>
+              </a:defRPr>
+            </a:lvl7pPr>
+            <a:lvl8pPr marL="3200400" indent="0" algn="ctr" defTabSz="914400" rtl="0" eaLnBrk="1" latinLnBrk="0" hangingPunct="1">
+              <a:lnSpc>
+                <a:spcPct val="90000"/>
+              </a:lnSpc>
+              <a:spcBef>
+                <a:spcPts val="500"/>
+              </a:spcBef>
+              <a:buFont typeface="Arial" panose="020B0604020202020204" pitchFamily="34" charset="0"/>
+              <a:buNone/>
+              <a:defRPr sz="1600" kern="1200">
+                <a:solidFill>
+                  <a:schemeClr val="tx1"/>
+                </a:solidFill>
+                <a:latin typeface="+mn-lt"/>
+                <a:ea typeface="+mn-ea"/>
+                <a:cs typeface="+mn-cs"/>
+              </a:defRPr>
+            </a:lvl8pPr>
+            <a:lvl9pPr marL="3657600" indent="0" algn="ctr" defTabSz="914400" rtl="0" eaLnBrk="1" latinLnBrk="0" hangingPunct="1">
+              <a:lnSpc>
+                <a:spcPct val="90000"/>
+              </a:lnSpc>
+              <a:spcBef>
+                <a:spcPts val="500"/>
+              </a:spcBef>
+              <a:buFont typeface="Arial" panose="020B0604020202020204" pitchFamily="34" charset="0"/>
+              <a:buNone/>
+              <a:defRPr sz="1600" kern="1200">
+                <a:solidFill>
+                  <a:schemeClr val="tx1"/>
+                </a:solidFill>
+                <a:latin typeface="+mn-lt"/>
+                <a:ea typeface="+mn-ea"/>
+                <a:cs typeface="+mn-cs"/>
+              </a:defRPr>
+            </a:lvl9pPr>
+          </a:lstStyle>
+          <a:p>
+            <a:pPr algn="l"/>
+            <a:r>
+              <a:rPr lang="es-MX" sz="1600" dirty="0"/>
+              <a:t>+ Permite combinar en un solo conjunto de resultados (output de una </a:t>
+            </a:r>
+            <a:r>
+              <a:rPr lang="es-MX" sz="1600" dirty="0" err="1"/>
+              <a:t>query</a:t>
+            </a:r>
+            <a:r>
+              <a:rPr lang="es-MX" sz="1600" dirty="0"/>
+              <a:t>) las salidas de dos consultas de tipo </a:t>
+            </a:r>
+            <a:r>
+              <a:rPr lang="es-MX" sz="1600" b="1" dirty="0"/>
+              <a:t>SELECT</a:t>
+            </a:r>
+            <a:r>
+              <a:rPr lang="es-MX" sz="1600" dirty="0"/>
+              <a:t>	</a:t>
+            </a:r>
+          </a:p>
+        </p:txBody>
+      </p:sp>
+      <p:sp>
+        <p:nvSpPr>
+          <p:cNvPr id="4" name="Subtítulo 2">
+            <a:extLst>
+              <a:ext uri="{FF2B5EF4-FFF2-40B4-BE49-F238E27FC236}">
+                <a16:creationId xmlns:a16="http://schemas.microsoft.com/office/drawing/2014/main" id="{9146A9BC-2C05-B0A3-8C32-12B8FDB612C4}"/>
+              </a:ext>
+            </a:extLst>
+          </p:cNvPr>
+          <p:cNvSpPr txBox="1">
+            <a:spLocks/>
+          </p:cNvSpPr>
+          <p:nvPr/>
+        </p:nvSpPr>
+        <p:spPr>
+          <a:xfrm>
+            <a:off x="152393" y="4311181"/>
+            <a:ext cx="7966363" cy="2269729"/>
+          </a:xfrm>
+          <a:prstGeom prst="rect">
+            <a:avLst/>
+          </a:prstGeom>
+        </p:spPr>
+        <p:txBody>
+          <a:bodyPr vert="horz" lIns="91440" tIns="45720" rIns="91440" bIns="45720" rtlCol="0">
+            <a:normAutofit/>
+          </a:bodyPr>
+          <a:lstStyle>
+            <a:lvl1pPr marL="0" indent="0" algn="ctr" defTabSz="914400" rtl="0" eaLnBrk="1" latinLnBrk="0" hangingPunct="1">
+              <a:lnSpc>
+                <a:spcPct val="90000"/>
+              </a:lnSpc>
+              <a:spcBef>
+                <a:spcPts val="1000"/>
+              </a:spcBef>
+              <a:buFont typeface="Arial" panose="020B0604020202020204" pitchFamily="34" charset="0"/>
+              <a:buNone/>
+              <a:defRPr sz="2400" kern="1200">
+                <a:solidFill>
+                  <a:schemeClr val="tx1"/>
+                </a:solidFill>
+                <a:latin typeface="+mn-lt"/>
+                <a:ea typeface="+mn-ea"/>
+                <a:cs typeface="+mn-cs"/>
+              </a:defRPr>
+            </a:lvl1pPr>
+            <a:lvl2pPr marL="457200" indent="0" algn="ctr" defTabSz="914400" rtl="0" eaLnBrk="1" latinLnBrk="0" hangingPunct="1">
+              <a:lnSpc>
+                <a:spcPct val="90000"/>
+              </a:lnSpc>
+              <a:spcBef>
+                <a:spcPts val="500"/>
+              </a:spcBef>
+              <a:buFont typeface="Arial" panose="020B0604020202020204" pitchFamily="34" charset="0"/>
+              <a:buNone/>
+              <a:defRPr sz="2000" kern="1200">
+                <a:solidFill>
+                  <a:schemeClr val="tx1"/>
+                </a:solidFill>
+                <a:latin typeface="+mn-lt"/>
+                <a:ea typeface="+mn-ea"/>
+                <a:cs typeface="+mn-cs"/>
+              </a:defRPr>
+            </a:lvl2pPr>
+            <a:lvl3pPr marL="914400" indent="0" algn="ctr" defTabSz="914400" rtl="0" eaLnBrk="1" latinLnBrk="0" hangingPunct="1">
+              <a:lnSpc>
+                <a:spcPct val="90000"/>
+              </a:lnSpc>
+              <a:spcBef>
+                <a:spcPts val="500"/>
+              </a:spcBef>
+              <a:buFont typeface="Arial" panose="020B0604020202020204" pitchFamily="34" charset="0"/>
+              <a:buNone/>
+              <a:defRPr sz="1800" kern="1200">
+                <a:solidFill>
+                  <a:schemeClr val="tx1"/>
+                </a:solidFill>
+                <a:latin typeface="+mn-lt"/>
+                <a:ea typeface="+mn-ea"/>
+                <a:cs typeface="+mn-cs"/>
+              </a:defRPr>
+            </a:lvl3pPr>
+            <a:lvl4pPr marL="1371600" indent="0" algn="ctr" defTabSz="914400" rtl="0" eaLnBrk="1" latinLnBrk="0" hangingPunct="1">
+              <a:lnSpc>
+                <a:spcPct val="90000"/>
+              </a:lnSpc>
+              <a:spcBef>
+                <a:spcPts val="500"/>
+              </a:spcBef>
+              <a:buFont typeface="Arial" panose="020B0604020202020204" pitchFamily="34" charset="0"/>
+              <a:buNone/>
+              <a:defRPr sz="1600" kern="1200">
+                <a:solidFill>
+                  <a:schemeClr val="tx1"/>
+                </a:solidFill>
+                <a:latin typeface="+mn-lt"/>
+                <a:ea typeface="+mn-ea"/>
+                <a:cs typeface="+mn-cs"/>
+              </a:defRPr>
+            </a:lvl4pPr>
+            <a:lvl5pPr marL="1828800" indent="0" algn="ctr" defTabSz="914400" rtl="0" eaLnBrk="1" latinLnBrk="0" hangingPunct="1">
+              <a:lnSpc>
+                <a:spcPct val="90000"/>
+              </a:lnSpc>
+              <a:spcBef>
+                <a:spcPts val="500"/>
+              </a:spcBef>
+              <a:buFont typeface="Arial" panose="020B0604020202020204" pitchFamily="34" charset="0"/>
+              <a:buNone/>
+              <a:defRPr sz="1600" kern="1200">
+                <a:solidFill>
+                  <a:schemeClr val="tx1"/>
+                </a:solidFill>
+                <a:latin typeface="+mn-lt"/>
+                <a:ea typeface="+mn-ea"/>
+                <a:cs typeface="+mn-cs"/>
+              </a:defRPr>
+            </a:lvl5pPr>
+            <a:lvl6pPr marL="2286000" indent="0" algn="ctr" defTabSz="914400" rtl="0" eaLnBrk="1" latinLnBrk="0" hangingPunct="1">
+              <a:lnSpc>
+                <a:spcPct val="90000"/>
+              </a:lnSpc>
+              <a:spcBef>
+                <a:spcPts val="500"/>
+              </a:spcBef>
+              <a:buFont typeface="Arial" panose="020B0604020202020204" pitchFamily="34" charset="0"/>
+              <a:buNone/>
+              <a:defRPr sz="1600" kern="1200">
+                <a:solidFill>
+                  <a:schemeClr val="tx1"/>
+                </a:solidFill>
+                <a:latin typeface="+mn-lt"/>
+                <a:ea typeface="+mn-ea"/>
+                <a:cs typeface="+mn-cs"/>
+              </a:defRPr>
+            </a:lvl6pPr>
+            <a:lvl7pPr marL="2743200" indent="0" algn="ctr" defTabSz="914400" rtl="0" eaLnBrk="1" latinLnBrk="0" hangingPunct="1">
+              <a:lnSpc>
+                <a:spcPct val="90000"/>
+              </a:lnSpc>
+              <a:spcBef>
+                <a:spcPts val="500"/>
+              </a:spcBef>
+              <a:buFont typeface="Arial" panose="020B0604020202020204" pitchFamily="34" charset="0"/>
+              <a:buNone/>
+              <a:defRPr sz="1600" kern="1200">
+                <a:solidFill>
+                  <a:schemeClr val="tx1"/>
+                </a:solidFill>
+                <a:latin typeface="+mn-lt"/>
+                <a:ea typeface="+mn-ea"/>
+                <a:cs typeface="+mn-cs"/>
+              </a:defRPr>
+            </a:lvl7pPr>
+            <a:lvl8pPr marL="3200400" indent="0" algn="ctr" defTabSz="914400" rtl="0" eaLnBrk="1" latinLnBrk="0" hangingPunct="1">
+              <a:lnSpc>
+                <a:spcPct val="90000"/>
+              </a:lnSpc>
+              <a:spcBef>
+                <a:spcPts val="500"/>
+              </a:spcBef>
+              <a:buFont typeface="Arial" panose="020B0604020202020204" pitchFamily="34" charset="0"/>
+              <a:buNone/>
+              <a:defRPr sz="1600" kern="1200">
+                <a:solidFill>
+                  <a:schemeClr val="tx1"/>
+                </a:solidFill>
+                <a:latin typeface="+mn-lt"/>
+                <a:ea typeface="+mn-ea"/>
+                <a:cs typeface="+mn-cs"/>
+              </a:defRPr>
+            </a:lvl8pPr>
+            <a:lvl9pPr marL="3657600" indent="0" algn="ctr" defTabSz="914400" rtl="0" eaLnBrk="1" latinLnBrk="0" hangingPunct="1">
+              <a:lnSpc>
+                <a:spcPct val="90000"/>
+              </a:lnSpc>
+              <a:spcBef>
+                <a:spcPts val="500"/>
+              </a:spcBef>
+              <a:buFont typeface="Arial" panose="020B0604020202020204" pitchFamily="34" charset="0"/>
+              <a:buNone/>
+              <a:defRPr sz="1600" kern="1200">
+                <a:solidFill>
+                  <a:schemeClr val="tx1"/>
+                </a:solidFill>
+                <a:latin typeface="+mn-lt"/>
+                <a:ea typeface="+mn-ea"/>
+                <a:cs typeface="+mn-cs"/>
+              </a:defRPr>
+            </a:lvl9pPr>
+          </a:lstStyle>
+          <a:p>
+            <a:pPr algn="l"/>
+            <a:r>
+              <a:rPr lang="es-MX" sz="2000" dirty="0"/>
+              <a:t>Dentro de las sentencias que se pueden usar podemos encontrar</a:t>
+            </a:r>
+          </a:p>
+          <a:p>
+            <a:pPr algn="l"/>
+            <a:r>
+              <a:rPr lang="es-MX" sz="2000" b="1" dirty="0"/>
+              <a:t>INTERSECT, INTERSECT ALL</a:t>
+            </a:r>
+          </a:p>
+          <a:p>
+            <a:pPr algn="l"/>
+            <a:r>
+              <a:rPr lang="es-MX" sz="2000" b="1" dirty="0"/>
+              <a:t>EXCEPT</a:t>
+            </a:r>
+          </a:p>
+          <a:p>
+            <a:pPr algn="l"/>
+            <a:r>
+              <a:rPr lang="es-MX" sz="2000" b="1" dirty="0"/>
+              <a:t>UNION, UNION ALL</a:t>
+            </a:r>
+          </a:p>
+        </p:txBody>
+      </p:sp>
+    </p:spTree>
+    <p:extLst>
+      <p:ext uri="{BB962C8B-B14F-4D97-AF65-F5344CB8AC3E}">
+        <p14:creationId xmlns:p14="http://schemas.microsoft.com/office/powerpoint/2010/main" val="657865154"/>
+      </p:ext>
+    </p:extLst>
+  </p:cSld>
+  <p:clrMapOvr>
+    <a:masterClrMapping/>
+  </p:clrMapOvr>
+</p:sld>
+</file>
+
+<file path=ppt/slides/slide36.xml><?xml version="1.0" encoding="utf-8"?>
+<p:sld xmlns:a="http://schemas.openxmlformats.org/drawingml/2006/main" xmlns:r="http://schemas.openxmlformats.org/officeDocument/2006/relationships" xmlns:p="http://schemas.openxmlformats.org/presentationml/2006/main">
+  <p:cSld>
+    <p:spTree>
+      <p:nvGrpSpPr>
+        <p:cNvPr id="1" name=""/>
+        <p:cNvGrpSpPr/>
+        <p:nvPr/>
+      </p:nvGrpSpPr>
+      <p:grpSpPr>
+        <a:xfrm>
+          <a:off x="0" y="0"/>
+          <a:ext cx="0" cy="0"/>
+          <a:chOff x="0" y="0"/>
+          <a:chExt cx="0" cy="0"/>
+        </a:xfrm>
+      </p:grpSpPr>
+      <p:sp>
+        <p:nvSpPr>
+          <p:cNvPr id="2" name="Título 1">
+            <a:extLst>
+              <a:ext uri="{FF2B5EF4-FFF2-40B4-BE49-F238E27FC236}">
+                <a16:creationId xmlns:a16="http://schemas.microsoft.com/office/drawing/2014/main" id="{095D5E06-C433-C836-106A-B2D45ADCF04F}"/>
+              </a:ext>
+            </a:extLst>
+          </p:cNvPr>
+          <p:cNvSpPr>
+            <a:spLocks noGrp="1"/>
+          </p:cNvSpPr>
+          <p:nvPr>
+            <p:ph type="ctrTitle"/>
+          </p:nvPr>
+        </p:nvSpPr>
+        <p:spPr>
+          <a:xfrm>
+            <a:off x="304800" y="277091"/>
+            <a:ext cx="9144000" cy="669781"/>
+          </a:xfrm>
+        </p:spPr>
+        <p:txBody>
+          <a:bodyPr>
+            <a:normAutofit/>
+          </a:bodyPr>
+          <a:lstStyle/>
+          <a:p>
+            <a:pPr algn="l"/>
+            <a:r>
+              <a:rPr lang="es-MX" sz="3600" b="1" dirty="0">
+                <a:latin typeface="Gadugi" panose="020B0502040204020203" pitchFamily="34" charset="0"/>
+                <a:ea typeface="Gadugi" panose="020B0502040204020203" pitchFamily="34" charset="0"/>
+              </a:rPr>
+              <a:t>CONSULTA COMBINADA</a:t>
+            </a:r>
+          </a:p>
+        </p:txBody>
+      </p:sp>
+      <p:cxnSp>
+        <p:nvCxnSpPr>
+          <p:cNvPr id="5" name="Conector recto 4">
+            <a:extLst>
+              <a:ext uri="{FF2B5EF4-FFF2-40B4-BE49-F238E27FC236}">
+                <a16:creationId xmlns:a16="http://schemas.microsoft.com/office/drawing/2014/main" id="{8185E119-0A24-A724-B622-7DB91F3252A8}"/>
+              </a:ext>
+            </a:extLst>
+          </p:cNvPr>
+          <p:cNvCxnSpPr/>
+          <p:nvPr/>
+        </p:nvCxnSpPr>
+        <p:spPr>
+          <a:xfrm>
+            <a:off x="0" y="946872"/>
+            <a:ext cx="5472545" cy="0"/>
+          </a:xfrm>
+          <a:prstGeom prst="line">
+            <a:avLst/>
+          </a:prstGeom>
+          <a:ln w="38100">
+            <a:solidFill>
+              <a:srgbClr val="7030A0"/>
+            </a:solidFill>
+          </a:ln>
+        </p:spPr>
+        <p:style>
+          <a:lnRef idx="1">
+            <a:schemeClr val="accent1"/>
+          </a:lnRef>
+          <a:fillRef idx="0">
+            <a:schemeClr val="accent1"/>
+          </a:fillRef>
+          <a:effectRef idx="0">
+            <a:schemeClr val="accent1"/>
+          </a:effectRef>
+          <a:fontRef idx="minor">
+            <a:schemeClr val="tx1"/>
+          </a:fontRef>
+        </p:style>
+      </p:cxnSp>
+      <p:cxnSp>
+        <p:nvCxnSpPr>
+          <p:cNvPr id="6" name="Conector recto 5">
+            <a:extLst>
+              <a:ext uri="{FF2B5EF4-FFF2-40B4-BE49-F238E27FC236}">
+                <a16:creationId xmlns:a16="http://schemas.microsoft.com/office/drawing/2014/main" id="{BEFC1D1B-E623-58C6-AEC5-FBF9FC0A9DBC}"/>
+              </a:ext>
+            </a:extLst>
+          </p:cNvPr>
+          <p:cNvCxnSpPr>
+            <a:cxnSpLocks/>
+          </p:cNvCxnSpPr>
+          <p:nvPr/>
+        </p:nvCxnSpPr>
+        <p:spPr>
+          <a:xfrm flipH="1" flipV="1">
+            <a:off x="8257309" y="0"/>
+            <a:ext cx="27710" cy="6858000"/>
+          </a:xfrm>
+          <a:prstGeom prst="line">
+            <a:avLst/>
+          </a:prstGeom>
+          <a:ln w="38100">
+            <a:solidFill>
+              <a:srgbClr val="7030A0"/>
+            </a:solidFill>
+          </a:ln>
+        </p:spPr>
+        <p:style>
+          <a:lnRef idx="1">
+            <a:schemeClr val="accent1"/>
+          </a:lnRef>
+          <a:fillRef idx="0">
+            <a:schemeClr val="accent1"/>
+          </a:fillRef>
+          <a:effectRef idx="0">
+            <a:schemeClr val="accent1"/>
+          </a:effectRef>
+          <a:fontRef idx="minor">
+            <a:schemeClr val="tx1"/>
+          </a:fontRef>
+        </p:style>
+      </p:cxnSp>
+      <p:sp>
+        <p:nvSpPr>
+          <p:cNvPr id="4" name="Subtítulo 2">
+            <a:extLst>
+              <a:ext uri="{FF2B5EF4-FFF2-40B4-BE49-F238E27FC236}">
+                <a16:creationId xmlns:a16="http://schemas.microsoft.com/office/drawing/2014/main" id="{9146A9BC-2C05-B0A3-8C32-12B8FDB612C4}"/>
+              </a:ext>
+            </a:extLst>
+          </p:cNvPr>
+          <p:cNvSpPr txBox="1">
+            <a:spLocks/>
+          </p:cNvSpPr>
+          <p:nvPr/>
+        </p:nvSpPr>
+        <p:spPr>
+          <a:xfrm>
+            <a:off x="152392" y="1680394"/>
+            <a:ext cx="7966363" cy="1124074"/>
+          </a:xfrm>
+          <a:prstGeom prst="rect">
+            <a:avLst/>
+          </a:prstGeom>
+        </p:spPr>
+        <p:txBody>
+          <a:bodyPr vert="horz" lIns="91440" tIns="45720" rIns="91440" bIns="45720" rtlCol="0">
+            <a:normAutofit/>
+          </a:bodyPr>
+          <a:lstStyle>
+            <a:lvl1pPr marL="0" indent="0" algn="ctr" defTabSz="914400" rtl="0" eaLnBrk="1" latinLnBrk="0" hangingPunct="1">
+              <a:lnSpc>
+                <a:spcPct val="90000"/>
+              </a:lnSpc>
+              <a:spcBef>
+                <a:spcPts val="1000"/>
+              </a:spcBef>
+              <a:buFont typeface="Arial" panose="020B0604020202020204" pitchFamily="34" charset="0"/>
+              <a:buNone/>
+              <a:defRPr sz="2400" kern="1200">
+                <a:solidFill>
+                  <a:schemeClr val="tx1"/>
+                </a:solidFill>
+                <a:latin typeface="+mn-lt"/>
+                <a:ea typeface="+mn-ea"/>
+                <a:cs typeface="+mn-cs"/>
+              </a:defRPr>
+            </a:lvl1pPr>
+            <a:lvl2pPr marL="457200" indent="0" algn="ctr" defTabSz="914400" rtl="0" eaLnBrk="1" latinLnBrk="0" hangingPunct="1">
+              <a:lnSpc>
+                <a:spcPct val="90000"/>
+              </a:lnSpc>
+              <a:spcBef>
+                <a:spcPts val="500"/>
+              </a:spcBef>
+              <a:buFont typeface="Arial" panose="020B0604020202020204" pitchFamily="34" charset="0"/>
+              <a:buNone/>
+              <a:defRPr sz="2000" kern="1200">
+                <a:solidFill>
+                  <a:schemeClr val="tx1"/>
+                </a:solidFill>
+                <a:latin typeface="+mn-lt"/>
+                <a:ea typeface="+mn-ea"/>
+                <a:cs typeface="+mn-cs"/>
+              </a:defRPr>
+            </a:lvl2pPr>
+            <a:lvl3pPr marL="914400" indent="0" algn="ctr" defTabSz="914400" rtl="0" eaLnBrk="1" latinLnBrk="0" hangingPunct="1">
+              <a:lnSpc>
+                <a:spcPct val="90000"/>
+              </a:lnSpc>
+              <a:spcBef>
+                <a:spcPts val="500"/>
+              </a:spcBef>
+              <a:buFont typeface="Arial" panose="020B0604020202020204" pitchFamily="34" charset="0"/>
+              <a:buNone/>
+              <a:defRPr sz="1800" kern="1200">
+                <a:solidFill>
+                  <a:schemeClr val="tx1"/>
+                </a:solidFill>
+                <a:latin typeface="+mn-lt"/>
+                <a:ea typeface="+mn-ea"/>
+                <a:cs typeface="+mn-cs"/>
+              </a:defRPr>
+            </a:lvl3pPr>
+            <a:lvl4pPr marL="1371600" indent="0" algn="ctr" defTabSz="914400" rtl="0" eaLnBrk="1" latinLnBrk="0" hangingPunct="1">
+              <a:lnSpc>
+                <a:spcPct val="90000"/>
+              </a:lnSpc>
+              <a:spcBef>
+                <a:spcPts val="500"/>
+              </a:spcBef>
+              <a:buFont typeface="Arial" panose="020B0604020202020204" pitchFamily="34" charset="0"/>
+              <a:buNone/>
+              <a:defRPr sz="1600" kern="1200">
+                <a:solidFill>
+                  <a:schemeClr val="tx1"/>
+                </a:solidFill>
+                <a:latin typeface="+mn-lt"/>
+                <a:ea typeface="+mn-ea"/>
+                <a:cs typeface="+mn-cs"/>
+              </a:defRPr>
+            </a:lvl4pPr>
+            <a:lvl5pPr marL="1828800" indent="0" algn="ctr" defTabSz="914400" rtl="0" eaLnBrk="1" latinLnBrk="0" hangingPunct="1">
+              <a:lnSpc>
+                <a:spcPct val="90000"/>
+              </a:lnSpc>
+              <a:spcBef>
+                <a:spcPts val="500"/>
+              </a:spcBef>
+              <a:buFont typeface="Arial" panose="020B0604020202020204" pitchFamily="34" charset="0"/>
+              <a:buNone/>
+              <a:defRPr sz="1600" kern="1200">
+                <a:solidFill>
+                  <a:schemeClr val="tx1"/>
+                </a:solidFill>
+                <a:latin typeface="+mn-lt"/>
+                <a:ea typeface="+mn-ea"/>
+                <a:cs typeface="+mn-cs"/>
+              </a:defRPr>
+            </a:lvl5pPr>
+            <a:lvl6pPr marL="2286000" indent="0" algn="ctr" defTabSz="914400" rtl="0" eaLnBrk="1" latinLnBrk="0" hangingPunct="1">
+              <a:lnSpc>
+                <a:spcPct val="90000"/>
+              </a:lnSpc>
+              <a:spcBef>
+                <a:spcPts val="500"/>
+              </a:spcBef>
+              <a:buFont typeface="Arial" panose="020B0604020202020204" pitchFamily="34" charset="0"/>
+              <a:buNone/>
+              <a:defRPr sz="1600" kern="1200">
+                <a:solidFill>
+                  <a:schemeClr val="tx1"/>
+                </a:solidFill>
+                <a:latin typeface="+mn-lt"/>
+                <a:ea typeface="+mn-ea"/>
+                <a:cs typeface="+mn-cs"/>
+              </a:defRPr>
+            </a:lvl6pPr>
+            <a:lvl7pPr marL="2743200" indent="0" algn="ctr" defTabSz="914400" rtl="0" eaLnBrk="1" latinLnBrk="0" hangingPunct="1">
+              <a:lnSpc>
+                <a:spcPct val="90000"/>
+              </a:lnSpc>
+              <a:spcBef>
+                <a:spcPts val="500"/>
+              </a:spcBef>
+              <a:buFont typeface="Arial" panose="020B0604020202020204" pitchFamily="34" charset="0"/>
+              <a:buNone/>
+              <a:defRPr sz="1600" kern="1200">
+                <a:solidFill>
+                  <a:schemeClr val="tx1"/>
+                </a:solidFill>
+                <a:latin typeface="+mn-lt"/>
+                <a:ea typeface="+mn-ea"/>
+                <a:cs typeface="+mn-cs"/>
+              </a:defRPr>
+            </a:lvl7pPr>
+            <a:lvl8pPr marL="3200400" indent="0" algn="ctr" defTabSz="914400" rtl="0" eaLnBrk="1" latinLnBrk="0" hangingPunct="1">
+              <a:lnSpc>
+                <a:spcPct val="90000"/>
+              </a:lnSpc>
+              <a:spcBef>
+                <a:spcPts val="500"/>
+              </a:spcBef>
+              <a:buFont typeface="Arial" panose="020B0604020202020204" pitchFamily="34" charset="0"/>
+              <a:buNone/>
+              <a:defRPr sz="1600" kern="1200">
+                <a:solidFill>
+                  <a:schemeClr val="tx1"/>
+                </a:solidFill>
+                <a:latin typeface="+mn-lt"/>
+                <a:ea typeface="+mn-ea"/>
+                <a:cs typeface="+mn-cs"/>
+              </a:defRPr>
+            </a:lvl8pPr>
+            <a:lvl9pPr marL="3657600" indent="0" algn="ctr" defTabSz="914400" rtl="0" eaLnBrk="1" latinLnBrk="0" hangingPunct="1">
+              <a:lnSpc>
+                <a:spcPct val="90000"/>
+              </a:lnSpc>
+              <a:spcBef>
+                <a:spcPts val="500"/>
+              </a:spcBef>
+              <a:buFont typeface="Arial" panose="020B0604020202020204" pitchFamily="34" charset="0"/>
+              <a:buNone/>
+              <a:defRPr sz="1600" kern="1200">
+                <a:solidFill>
+                  <a:schemeClr val="tx1"/>
+                </a:solidFill>
+                <a:latin typeface="+mn-lt"/>
+                <a:ea typeface="+mn-ea"/>
+                <a:cs typeface="+mn-cs"/>
+              </a:defRPr>
+            </a:lvl9pPr>
+          </a:lstStyle>
+          <a:p>
+            <a:pPr algn="l"/>
+            <a:r>
+              <a:rPr lang="es-MX" sz="2000" b="1" dirty="0"/>
+              <a:t>INTERSECT:</a:t>
+            </a:r>
+            <a:r>
+              <a:rPr lang="es-MX" sz="2000" dirty="0"/>
+              <a:t> se utiliza para encontrar filas en común de ambas consultas, sin valores duplicados. Si se añade la sentencia </a:t>
+            </a:r>
+            <a:r>
+              <a:rPr lang="es-MX" sz="2000" b="1" dirty="0"/>
+              <a:t>ALL</a:t>
+            </a:r>
+            <a:r>
+              <a:rPr lang="es-MX" sz="2000" dirty="0"/>
+              <a:t>  muestra aquellos valores duplicados de la primera tabla.</a:t>
+            </a:r>
+            <a:endParaRPr lang="es-MX" sz="2000" b="1" dirty="0"/>
+          </a:p>
+        </p:txBody>
+      </p:sp>
+      <p:sp>
+        <p:nvSpPr>
+          <p:cNvPr id="10" name="Subtítulo 2">
+            <a:extLst>
+              <a:ext uri="{FF2B5EF4-FFF2-40B4-BE49-F238E27FC236}">
+                <a16:creationId xmlns:a16="http://schemas.microsoft.com/office/drawing/2014/main" id="{0813C5D1-B950-63EC-CF4F-05D926558256}"/>
+              </a:ext>
+            </a:extLst>
+          </p:cNvPr>
+          <p:cNvSpPr txBox="1">
+            <a:spLocks/>
+          </p:cNvSpPr>
+          <p:nvPr/>
+        </p:nvSpPr>
+        <p:spPr>
+          <a:xfrm>
+            <a:off x="152392" y="2949399"/>
+            <a:ext cx="7966363" cy="664253"/>
+          </a:xfrm>
+          <a:prstGeom prst="rect">
+            <a:avLst/>
+          </a:prstGeom>
+        </p:spPr>
+        <p:txBody>
+          <a:bodyPr vert="horz" lIns="91440" tIns="45720" rIns="91440" bIns="45720" rtlCol="0">
+            <a:normAutofit/>
+          </a:bodyPr>
+          <a:lstStyle>
+            <a:lvl1pPr marL="0" indent="0" algn="ctr" defTabSz="914400" rtl="0" eaLnBrk="1" latinLnBrk="0" hangingPunct="1">
+              <a:lnSpc>
+                <a:spcPct val="90000"/>
+              </a:lnSpc>
+              <a:spcBef>
+                <a:spcPts val="1000"/>
+              </a:spcBef>
+              <a:buFont typeface="Arial" panose="020B0604020202020204" pitchFamily="34" charset="0"/>
+              <a:buNone/>
+              <a:defRPr sz="2400" kern="1200">
+                <a:solidFill>
+                  <a:schemeClr val="tx1"/>
+                </a:solidFill>
+                <a:latin typeface="+mn-lt"/>
+                <a:ea typeface="+mn-ea"/>
+                <a:cs typeface="+mn-cs"/>
+              </a:defRPr>
+            </a:lvl1pPr>
+            <a:lvl2pPr marL="457200" indent="0" algn="ctr" defTabSz="914400" rtl="0" eaLnBrk="1" latinLnBrk="0" hangingPunct="1">
+              <a:lnSpc>
+                <a:spcPct val="90000"/>
+              </a:lnSpc>
+              <a:spcBef>
+                <a:spcPts val="500"/>
+              </a:spcBef>
+              <a:buFont typeface="Arial" panose="020B0604020202020204" pitchFamily="34" charset="0"/>
+              <a:buNone/>
+              <a:defRPr sz="2000" kern="1200">
+                <a:solidFill>
+                  <a:schemeClr val="tx1"/>
+                </a:solidFill>
+                <a:latin typeface="+mn-lt"/>
+                <a:ea typeface="+mn-ea"/>
+                <a:cs typeface="+mn-cs"/>
+              </a:defRPr>
+            </a:lvl2pPr>
+            <a:lvl3pPr marL="914400" indent="0" algn="ctr" defTabSz="914400" rtl="0" eaLnBrk="1" latinLnBrk="0" hangingPunct="1">
+              <a:lnSpc>
+                <a:spcPct val="90000"/>
+              </a:lnSpc>
+              <a:spcBef>
+                <a:spcPts val="500"/>
+              </a:spcBef>
+              <a:buFont typeface="Arial" panose="020B0604020202020204" pitchFamily="34" charset="0"/>
+              <a:buNone/>
+              <a:defRPr sz="1800" kern="1200">
+                <a:solidFill>
+                  <a:schemeClr val="tx1"/>
+                </a:solidFill>
+                <a:latin typeface="+mn-lt"/>
+                <a:ea typeface="+mn-ea"/>
+                <a:cs typeface="+mn-cs"/>
+              </a:defRPr>
+            </a:lvl3pPr>
+            <a:lvl4pPr marL="1371600" indent="0" algn="ctr" defTabSz="914400" rtl="0" eaLnBrk="1" latinLnBrk="0" hangingPunct="1">
+              <a:lnSpc>
+                <a:spcPct val="90000"/>
+              </a:lnSpc>
+              <a:spcBef>
+                <a:spcPts val="500"/>
+              </a:spcBef>
+              <a:buFont typeface="Arial" panose="020B0604020202020204" pitchFamily="34" charset="0"/>
+              <a:buNone/>
+              <a:defRPr sz="1600" kern="1200">
+                <a:solidFill>
+                  <a:schemeClr val="tx1"/>
+                </a:solidFill>
+                <a:latin typeface="+mn-lt"/>
+                <a:ea typeface="+mn-ea"/>
+                <a:cs typeface="+mn-cs"/>
+              </a:defRPr>
+            </a:lvl4pPr>
+            <a:lvl5pPr marL="1828800" indent="0" algn="ctr" defTabSz="914400" rtl="0" eaLnBrk="1" latinLnBrk="0" hangingPunct="1">
+              <a:lnSpc>
+                <a:spcPct val="90000"/>
+              </a:lnSpc>
+              <a:spcBef>
+                <a:spcPts val="500"/>
+              </a:spcBef>
+              <a:buFont typeface="Arial" panose="020B0604020202020204" pitchFamily="34" charset="0"/>
+              <a:buNone/>
+              <a:defRPr sz="1600" kern="1200">
+                <a:solidFill>
+                  <a:schemeClr val="tx1"/>
+                </a:solidFill>
+                <a:latin typeface="+mn-lt"/>
+                <a:ea typeface="+mn-ea"/>
+                <a:cs typeface="+mn-cs"/>
+              </a:defRPr>
+            </a:lvl5pPr>
+            <a:lvl6pPr marL="2286000" indent="0" algn="ctr" defTabSz="914400" rtl="0" eaLnBrk="1" latinLnBrk="0" hangingPunct="1">
+              <a:lnSpc>
+                <a:spcPct val="90000"/>
+              </a:lnSpc>
+              <a:spcBef>
+                <a:spcPts val="500"/>
+              </a:spcBef>
+              <a:buFont typeface="Arial" panose="020B0604020202020204" pitchFamily="34" charset="0"/>
+              <a:buNone/>
+              <a:defRPr sz="1600" kern="1200">
+                <a:solidFill>
+                  <a:schemeClr val="tx1"/>
+                </a:solidFill>
+                <a:latin typeface="+mn-lt"/>
+                <a:ea typeface="+mn-ea"/>
+                <a:cs typeface="+mn-cs"/>
+              </a:defRPr>
+            </a:lvl6pPr>
+            <a:lvl7pPr marL="2743200" indent="0" algn="ctr" defTabSz="914400" rtl="0" eaLnBrk="1" latinLnBrk="0" hangingPunct="1">
+              <a:lnSpc>
+                <a:spcPct val="90000"/>
+              </a:lnSpc>
+              <a:spcBef>
+                <a:spcPts val="500"/>
+              </a:spcBef>
+              <a:buFont typeface="Arial" panose="020B0604020202020204" pitchFamily="34" charset="0"/>
+              <a:buNone/>
+              <a:defRPr sz="1600" kern="1200">
+                <a:solidFill>
+                  <a:schemeClr val="tx1"/>
+                </a:solidFill>
+                <a:latin typeface="+mn-lt"/>
+                <a:ea typeface="+mn-ea"/>
+                <a:cs typeface="+mn-cs"/>
+              </a:defRPr>
+            </a:lvl7pPr>
+            <a:lvl8pPr marL="3200400" indent="0" algn="ctr" defTabSz="914400" rtl="0" eaLnBrk="1" latinLnBrk="0" hangingPunct="1">
+              <a:lnSpc>
+                <a:spcPct val="90000"/>
+              </a:lnSpc>
+              <a:spcBef>
+                <a:spcPts val="500"/>
+              </a:spcBef>
+              <a:buFont typeface="Arial" panose="020B0604020202020204" pitchFamily="34" charset="0"/>
+              <a:buNone/>
+              <a:defRPr sz="1600" kern="1200">
+                <a:solidFill>
+                  <a:schemeClr val="tx1"/>
+                </a:solidFill>
+                <a:latin typeface="+mn-lt"/>
+                <a:ea typeface="+mn-ea"/>
+                <a:cs typeface="+mn-cs"/>
+              </a:defRPr>
+            </a:lvl8pPr>
+            <a:lvl9pPr marL="3657600" indent="0" algn="ctr" defTabSz="914400" rtl="0" eaLnBrk="1" latinLnBrk="0" hangingPunct="1">
+              <a:lnSpc>
+                <a:spcPct val="90000"/>
+              </a:lnSpc>
+              <a:spcBef>
+                <a:spcPts val="500"/>
+              </a:spcBef>
+              <a:buFont typeface="Arial" panose="020B0604020202020204" pitchFamily="34" charset="0"/>
+              <a:buNone/>
+              <a:defRPr sz="1600" kern="1200">
+                <a:solidFill>
+                  <a:schemeClr val="tx1"/>
+                </a:solidFill>
+                <a:latin typeface="+mn-lt"/>
+                <a:ea typeface="+mn-ea"/>
+                <a:cs typeface="+mn-cs"/>
+              </a:defRPr>
+            </a:lvl9pPr>
+          </a:lstStyle>
+          <a:p>
+            <a:pPr algn="l"/>
+            <a:r>
+              <a:rPr lang="es-MX" sz="2000" b="1" dirty="0"/>
+              <a:t>EXCEPT:</a:t>
+            </a:r>
+            <a:r>
+              <a:rPr lang="es-MX" sz="2000" dirty="0"/>
+              <a:t> se utiliza para encontrar filas que están en una tabla, pero no en la otra.</a:t>
+            </a:r>
+            <a:endParaRPr lang="es-MX" sz="2000" b="1" dirty="0"/>
+          </a:p>
+        </p:txBody>
+      </p:sp>
+      <p:sp>
+        <p:nvSpPr>
+          <p:cNvPr id="11" name="Subtítulo 2">
+            <a:extLst>
+              <a:ext uri="{FF2B5EF4-FFF2-40B4-BE49-F238E27FC236}">
+                <a16:creationId xmlns:a16="http://schemas.microsoft.com/office/drawing/2014/main" id="{3596C874-D620-E7E2-DF29-7EF55AFA87B6}"/>
+              </a:ext>
+            </a:extLst>
+          </p:cNvPr>
+          <p:cNvSpPr txBox="1">
+            <a:spLocks/>
+          </p:cNvSpPr>
+          <p:nvPr/>
+        </p:nvSpPr>
+        <p:spPr>
+          <a:xfrm>
+            <a:off x="152392" y="3972518"/>
+            <a:ext cx="7966363" cy="664253"/>
+          </a:xfrm>
+          <a:prstGeom prst="rect">
+            <a:avLst/>
+          </a:prstGeom>
+        </p:spPr>
+        <p:txBody>
+          <a:bodyPr vert="horz" lIns="91440" tIns="45720" rIns="91440" bIns="45720" rtlCol="0">
+            <a:normAutofit/>
+          </a:bodyPr>
+          <a:lstStyle>
+            <a:lvl1pPr marL="0" indent="0" algn="ctr" defTabSz="914400" rtl="0" eaLnBrk="1" latinLnBrk="0" hangingPunct="1">
+              <a:lnSpc>
+                <a:spcPct val="90000"/>
+              </a:lnSpc>
+              <a:spcBef>
+                <a:spcPts val="1000"/>
+              </a:spcBef>
+              <a:buFont typeface="Arial" panose="020B0604020202020204" pitchFamily="34" charset="0"/>
+              <a:buNone/>
+              <a:defRPr sz="2400" kern="1200">
+                <a:solidFill>
+                  <a:schemeClr val="tx1"/>
+                </a:solidFill>
+                <a:latin typeface="+mn-lt"/>
+                <a:ea typeface="+mn-ea"/>
+                <a:cs typeface="+mn-cs"/>
+              </a:defRPr>
+            </a:lvl1pPr>
+            <a:lvl2pPr marL="457200" indent="0" algn="ctr" defTabSz="914400" rtl="0" eaLnBrk="1" latinLnBrk="0" hangingPunct="1">
+              <a:lnSpc>
+                <a:spcPct val="90000"/>
+              </a:lnSpc>
+              <a:spcBef>
+                <a:spcPts val="500"/>
+              </a:spcBef>
+              <a:buFont typeface="Arial" panose="020B0604020202020204" pitchFamily="34" charset="0"/>
+              <a:buNone/>
+              <a:defRPr sz="2000" kern="1200">
+                <a:solidFill>
+                  <a:schemeClr val="tx1"/>
+                </a:solidFill>
+                <a:latin typeface="+mn-lt"/>
+                <a:ea typeface="+mn-ea"/>
+                <a:cs typeface="+mn-cs"/>
+              </a:defRPr>
+            </a:lvl2pPr>
+            <a:lvl3pPr marL="914400" indent="0" algn="ctr" defTabSz="914400" rtl="0" eaLnBrk="1" latinLnBrk="0" hangingPunct="1">
+              <a:lnSpc>
+                <a:spcPct val="90000"/>
+              </a:lnSpc>
+              <a:spcBef>
+                <a:spcPts val="500"/>
+              </a:spcBef>
+              <a:buFont typeface="Arial" panose="020B0604020202020204" pitchFamily="34" charset="0"/>
+              <a:buNone/>
+              <a:defRPr sz="1800" kern="1200">
+                <a:solidFill>
+                  <a:schemeClr val="tx1"/>
+                </a:solidFill>
+                <a:latin typeface="+mn-lt"/>
+                <a:ea typeface="+mn-ea"/>
+                <a:cs typeface="+mn-cs"/>
+              </a:defRPr>
+            </a:lvl3pPr>
+            <a:lvl4pPr marL="1371600" indent="0" algn="ctr" defTabSz="914400" rtl="0" eaLnBrk="1" latinLnBrk="0" hangingPunct="1">
+              <a:lnSpc>
+                <a:spcPct val="90000"/>
+              </a:lnSpc>
+              <a:spcBef>
+                <a:spcPts val="500"/>
+              </a:spcBef>
+              <a:buFont typeface="Arial" panose="020B0604020202020204" pitchFamily="34" charset="0"/>
+              <a:buNone/>
+              <a:defRPr sz="1600" kern="1200">
+                <a:solidFill>
+                  <a:schemeClr val="tx1"/>
+                </a:solidFill>
+                <a:latin typeface="+mn-lt"/>
+                <a:ea typeface="+mn-ea"/>
+                <a:cs typeface="+mn-cs"/>
+              </a:defRPr>
+            </a:lvl4pPr>
+            <a:lvl5pPr marL="1828800" indent="0" algn="ctr" defTabSz="914400" rtl="0" eaLnBrk="1" latinLnBrk="0" hangingPunct="1">
+              <a:lnSpc>
+                <a:spcPct val="90000"/>
+              </a:lnSpc>
+              <a:spcBef>
+                <a:spcPts val="500"/>
+              </a:spcBef>
+              <a:buFont typeface="Arial" panose="020B0604020202020204" pitchFamily="34" charset="0"/>
+              <a:buNone/>
+              <a:defRPr sz="1600" kern="1200">
+                <a:solidFill>
+                  <a:schemeClr val="tx1"/>
+                </a:solidFill>
+                <a:latin typeface="+mn-lt"/>
+                <a:ea typeface="+mn-ea"/>
+                <a:cs typeface="+mn-cs"/>
+              </a:defRPr>
+            </a:lvl5pPr>
+            <a:lvl6pPr marL="2286000" indent="0" algn="ctr" defTabSz="914400" rtl="0" eaLnBrk="1" latinLnBrk="0" hangingPunct="1">
+              <a:lnSpc>
+                <a:spcPct val="90000"/>
+              </a:lnSpc>
+              <a:spcBef>
+                <a:spcPts val="500"/>
+              </a:spcBef>
+              <a:buFont typeface="Arial" panose="020B0604020202020204" pitchFamily="34" charset="0"/>
+              <a:buNone/>
+              <a:defRPr sz="1600" kern="1200">
+                <a:solidFill>
+                  <a:schemeClr val="tx1"/>
+                </a:solidFill>
+                <a:latin typeface="+mn-lt"/>
+                <a:ea typeface="+mn-ea"/>
+                <a:cs typeface="+mn-cs"/>
+              </a:defRPr>
+            </a:lvl6pPr>
+            <a:lvl7pPr marL="2743200" indent="0" algn="ctr" defTabSz="914400" rtl="0" eaLnBrk="1" latinLnBrk="0" hangingPunct="1">
+              <a:lnSpc>
+                <a:spcPct val="90000"/>
+              </a:lnSpc>
+              <a:spcBef>
+                <a:spcPts val="500"/>
+              </a:spcBef>
+              <a:buFont typeface="Arial" panose="020B0604020202020204" pitchFamily="34" charset="0"/>
+              <a:buNone/>
+              <a:defRPr sz="1600" kern="1200">
+                <a:solidFill>
+                  <a:schemeClr val="tx1"/>
+                </a:solidFill>
+                <a:latin typeface="+mn-lt"/>
+                <a:ea typeface="+mn-ea"/>
+                <a:cs typeface="+mn-cs"/>
+              </a:defRPr>
+            </a:lvl7pPr>
+            <a:lvl8pPr marL="3200400" indent="0" algn="ctr" defTabSz="914400" rtl="0" eaLnBrk="1" latinLnBrk="0" hangingPunct="1">
+              <a:lnSpc>
+                <a:spcPct val="90000"/>
+              </a:lnSpc>
+              <a:spcBef>
+                <a:spcPts val="500"/>
+              </a:spcBef>
+              <a:buFont typeface="Arial" panose="020B0604020202020204" pitchFamily="34" charset="0"/>
+              <a:buNone/>
+              <a:defRPr sz="1600" kern="1200">
+                <a:solidFill>
+                  <a:schemeClr val="tx1"/>
+                </a:solidFill>
+                <a:latin typeface="+mn-lt"/>
+                <a:ea typeface="+mn-ea"/>
+                <a:cs typeface="+mn-cs"/>
+              </a:defRPr>
+            </a:lvl8pPr>
+            <a:lvl9pPr marL="3657600" indent="0" algn="ctr" defTabSz="914400" rtl="0" eaLnBrk="1" latinLnBrk="0" hangingPunct="1">
+              <a:lnSpc>
+                <a:spcPct val="90000"/>
+              </a:lnSpc>
+              <a:spcBef>
+                <a:spcPts val="500"/>
+              </a:spcBef>
+              <a:buFont typeface="Arial" panose="020B0604020202020204" pitchFamily="34" charset="0"/>
+              <a:buNone/>
+              <a:defRPr sz="1600" kern="1200">
+                <a:solidFill>
+                  <a:schemeClr val="tx1"/>
+                </a:solidFill>
+                <a:latin typeface="+mn-lt"/>
+                <a:ea typeface="+mn-ea"/>
+                <a:cs typeface="+mn-cs"/>
+              </a:defRPr>
+            </a:lvl9pPr>
+          </a:lstStyle>
+          <a:p>
+            <a:pPr algn="l"/>
+            <a:r>
+              <a:rPr lang="es-MX" sz="2000" b="1" dirty="0"/>
+              <a:t>UNION:</a:t>
+            </a:r>
+            <a:r>
+              <a:rPr lang="es-MX" sz="2000" dirty="0"/>
+              <a:t> se utiliza para juntar rodas las filas de ambas consultas. Si se añade la sentencia </a:t>
+            </a:r>
+            <a:r>
+              <a:rPr lang="es-MX" sz="2000" b="1" dirty="0"/>
+              <a:t>ALL</a:t>
+            </a:r>
+            <a:r>
+              <a:rPr lang="es-MX" sz="2000" dirty="0"/>
+              <a:t> muestra aquellos valores duplicados.</a:t>
+            </a:r>
+            <a:endParaRPr lang="es-MX" sz="2000" b="1" dirty="0"/>
+          </a:p>
+        </p:txBody>
+      </p:sp>
+      <p:sp>
+        <p:nvSpPr>
+          <p:cNvPr id="12" name="Subtítulo 2">
+            <a:extLst>
+              <a:ext uri="{FF2B5EF4-FFF2-40B4-BE49-F238E27FC236}">
+                <a16:creationId xmlns:a16="http://schemas.microsoft.com/office/drawing/2014/main" id="{FF982140-3F95-0983-9932-4BBDE3F024B9}"/>
+              </a:ext>
+            </a:extLst>
+          </p:cNvPr>
+          <p:cNvSpPr txBox="1">
+            <a:spLocks/>
+          </p:cNvSpPr>
+          <p:nvPr/>
+        </p:nvSpPr>
+        <p:spPr>
+          <a:xfrm>
+            <a:off x="152391" y="4995637"/>
+            <a:ext cx="7966363" cy="1410480"/>
+          </a:xfrm>
+          <a:prstGeom prst="rect">
+            <a:avLst/>
+          </a:prstGeom>
+        </p:spPr>
+        <p:txBody>
+          <a:bodyPr vert="horz" lIns="91440" tIns="45720" rIns="91440" bIns="45720" rtlCol="0">
+            <a:normAutofit/>
+          </a:bodyPr>
+          <a:lstStyle>
+            <a:lvl1pPr marL="0" indent="0" algn="ctr" defTabSz="914400" rtl="0" eaLnBrk="1" latinLnBrk="0" hangingPunct="1">
+              <a:lnSpc>
+                <a:spcPct val="90000"/>
+              </a:lnSpc>
+              <a:spcBef>
+                <a:spcPts val="1000"/>
+              </a:spcBef>
+              <a:buFont typeface="Arial" panose="020B0604020202020204" pitchFamily="34" charset="0"/>
+              <a:buNone/>
+              <a:defRPr sz="2400" kern="1200">
+                <a:solidFill>
+                  <a:schemeClr val="tx1"/>
+                </a:solidFill>
+                <a:latin typeface="+mn-lt"/>
+                <a:ea typeface="+mn-ea"/>
+                <a:cs typeface="+mn-cs"/>
+              </a:defRPr>
+            </a:lvl1pPr>
+            <a:lvl2pPr marL="457200" indent="0" algn="ctr" defTabSz="914400" rtl="0" eaLnBrk="1" latinLnBrk="0" hangingPunct="1">
+              <a:lnSpc>
+                <a:spcPct val="90000"/>
+              </a:lnSpc>
+              <a:spcBef>
+                <a:spcPts val="500"/>
+              </a:spcBef>
+              <a:buFont typeface="Arial" panose="020B0604020202020204" pitchFamily="34" charset="0"/>
+              <a:buNone/>
+              <a:defRPr sz="2000" kern="1200">
+                <a:solidFill>
+                  <a:schemeClr val="tx1"/>
+                </a:solidFill>
+                <a:latin typeface="+mn-lt"/>
+                <a:ea typeface="+mn-ea"/>
+                <a:cs typeface="+mn-cs"/>
+              </a:defRPr>
+            </a:lvl2pPr>
+            <a:lvl3pPr marL="914400" indent="0" algn="ctr" defTabSz="914400" rtl="0" eaLnBrk="1" latinLnBrk="0" hangingPunct="1">
+              <a:lnSpc>
+                <a:spcPct val="90000"/>
+              </a:lnSpc>
+              <a:spcBef>
+                <a:spcPts val="500"/>
+              </a:spcBef>
+              <a:buFont typeface="Arial" panose="020B0604020202020204" pitchFamily="34" charset="0"/>
+              <a:buNone/>
+              <a:defRPr sz="1800" kern="1200">
+                <a:solidFill>
+                  <a:schemeClr val="tx1"/>
+                </a:solidFill>
+                <a:latin typeface="+mn-lt"/>
+                <a:ea typeface="+mn-ea"/>
+                <a:cs typeface="+mn-cs"/>
+              </a:defRPr>
+            </a:lvl3pPr>
+            <a:lvl4pPr marL="1371600" indent="0" algn="ctr" defTabSz="914400" rtl="0" eaLnBrk="1" latinLnBrk="0" hangingPunct="1">
+              <a:lnSpc>
+                <a:spcPct val="90000"/>
+              </a:lnSpc>
+              <a:spcBef>
+                <a:spcPts val="500"/>
+              </a:spcBef>
+              <a:buFont typeface="Arial" panose="020B0604020202020204" pitchFamily="34" charset="0"/>
+              <a:buNone/>
+              <a:defRPr sz="1600" kern="1200">
+                <a:solidFill>
+                  <a:schemeClr val="tx1"/>
+                </a:solidFill>
+                <a:latin typeface="+mn-lt"/>
+                <a:ea typeface="+mn-ea"/>
+                <a:cs typeface="+mn-cs"/>
+              </a:defRPr>
+            </a:lvl4pPr>
+            <a:lvl5pPr marL="1828800" indent="0" algn="ctr" defTabSz="914400" rtl="0" eaLnBrk="1" latinLnBrk="0" hangingPunct="1">
+              <a:lnSpc>
+                <a:spcPct val="90000"/>
+              </a:lnSpc>
+              <a:spcBef>
+                <a:spcPts val="500"/>
+              </a:spcBef>
+              <a:buFont typeface="Arial" panose="020B0604020202020204" pitchFamily="34" charset="0"/>
+              <a:buNone/>
+              <a:defRPr sz="1600" kern="1200">
+                <a:solidFill>
+                  <a:schemeClr val="tx1"/>
+                </a:solidFill>
+                <a:latin typeface="+mn-lt"/>
+                <a:ea typeface="+mn-ea"/>
+                <a:cs typeface="+mn-cs"/>
+              </a:defRPr>
+            </a:lvl5pPr>
+            <a:lvl6pPr marL="2286000" indent="0" algn="ctr" defTabSz="914400" rtl="0" eaLnBrk="1" latinLnBrk="0" hangingPunct="1">
+              <a:lnSpc>
+                <a:spcPct val="90000"/>
+              </a:lnSpc>
+              <a:spcBef>
+                <a:spcPts val="500"/>
+              </a:spcBef>
+              <a:buFont typeface="Arial" panose="020B0604020202020204" pitchFamily="34" charset="0"/>
+              <a:buNone/>
+              <a:defRPr sz="1600" kern="1200">
+                <a:solidFill>
+                  <a:schemeClr val="tx1"/>
+                </a:solidFill>
+                <a:latin typeface="+mn-lt"/>
+                <a:ea typeface="+mn-ea"/>
+                <a:cs typeface="+mn-cs"/>
+              </a:defRPr>
+            </a:lvl6pPr>
+            <a:lvl7pPr marL="2743200" indent="0" algn="ctr" defTabSz="914400" rtl="0" eaLnBrk="1" latinLnBrk="0" hangingPunct="1">
+              <a:lnSpc>
+                <a:spcPct val="90000"/>
+              </a:lnSpc>
+              <a:spcBef>
+                <a:spcPts val="500"/>
+              </a:spcBef>
+              <a:buFont typeface="Arial" panose="020B0604020202020204" pitchFamily="34" charset="0"/>
+              <a:buNone/>
+              <a:defRPr sz="1600" kern="1200">
+                <a:solidFill>
+                  <a:schemeClr val="tx1"/>
+                </a:solidFill>
+                <a:latin typeface="+mn-lt"/>
+                <a:ea typeface="+mn-ea"/>
+                <a:cs typeface="+mn-cs"/>
+              </a:defRPr>
+            </a:lvl7pPr>
+            <a:lvl8pPr marL="3200400" indent="0" algn="ctr" defTabSz="914400" rtl="0" eaLnBrk="1" latinLnBrk="0" hangingPunct="1">
+              <a:lnSpc>
+                <a:spcPct val="90000"/>
+              </a:lnSpc>
+              <a:spcBef>
+                <a:spcPts val="500"/>
+              </a:spcBef>
+              <a:buFont typeface="Arial" panose="020B0604020202020204" pitchFamily="34" charset="0"/>
+              <a:buNone/>
+              <a:defRPr sz="1600" kern="1200">
+                <a:solidFill>
+                  <a:schemeClr val="tx1"/>
+                </a:solidFill>
+                <a:latin typeface="+mn-lt"/>
+                <a:ea typeface="+mn-ea"/>
+                <a:cs typeface="+mn-cs"/>
+              </a:defRPr>
+            </a:lvl8pPr>
+            <a:lvl9pPr marL="3657600" indent="0" algn="ctr" defTabSz="914400" rtl="0" eaLnBrk="1" latinLnBrk="0" hangingPunct="1">
+              <a:lnSpc>
+                <a:spcPct val="90000"/>
+              </a:lnSpc>
+              <a:spcBef>
+                <a:spcPts val="500"/>
+              </a:spcBef>
+              <a:buFont typeface="Arial" panose="020B0604020202020204" pitchFamily="34" charset="0"/>
+              <a:buNone/>
+              <a:defRPr sz="1600" kern="1200">
+                <a:solidFill>
+                  <a:schemeClr val="tx1"/>
+                </a:solidFill>
+                <a:latin typeface="+mn-lt"/>
+                <a:ea typeface="+mn-ea"/>
+                <a:cs typeface="+mn-cs"/>
+              </a:defRPr>
+            </a:lvl9pPr>
+          </a:lstStyle>
+          <a:p>
+            <a:pPr algn="l"/>
+            <a:r>
+              <a:rPr lang="es-MX" sz="2000" b="1" dirty="0">
+                <a:solidFill>
+                  <a:schemeClr val="accent1"/>
+                </a:solidFill>
+              </a:rPr>
+              <a:t>SELECT </a:t>
+            </a:r>
+            <a:r>
+              <a:rPr lang="es-MX" sz="2000" dirty="0">
+                <a:solidFill>
+                  <a:schemeClr val="accent1"/>
+                </a:solidFill>
+              </a:rPr>
+              <a:t> </a:t>
+            </a:r>
+            <a:r>
+              <a:rPr lang="es-MX" sz="2000" dirty="0" err="1">
+                <a:solidFill>
+                  <a:schemeClr val="accent1"/>
+                </a:solidFill>
+              </a:rPr>
+              <a:t>customer_id</a:t>
+            </a:r>
+            <a:r>
+              <a:rPr lang="es-MX" sz="2000" dirty="0">
+                <a:solidFill>
+                  <a:schemeClr val="accent1"/>
+                </a:solidFill>
+              </a:rPr>
+              <a:t> </a:t>
+            </a:r>
+            <a:r>
+              <a:rPr lang="es-MX" sz="2000" b="1" dirty="0">
+                <a:solidFill>
+                  <a:schemeClr val="accent1"/>
+                </a:solidFill>
+              </a:rPr>
+              <a:t>FROM </a:t>
+            </a:r>
+            <a:r>
+              <a:rPr lang="es-MX" sz="2000" dirty="0">
+                <a:solidFill>
+                  <a:schemeClr val="accent1"/>
+                </a:solidFill>
+              </a:rPr>
+              <a:t>sales_2015</a:t>
+            </a:r>
+          </a:p>
+          <a:p>
+            <a:pPr algn="l"/>
+            <a:r>
+              <a:rPr lang="es-MX" sz="2000" b="1" dirty="0">
+                <a:solidFill>
+                  <a:schemeClr val="accent1"/>
+                </a:solidFill>
+              </a:rPr>
+              <a:t>INTERSECT</a:t>
+            </a:r>
+          </a:p>
+          <a:p>
+            <a:pPr algn="l"/>
+            <a:r>
+              <a:rPr lang="es-MX" sz="2000" b="1" dirty="0">
+                <a:solidFill>
+                  <a:schemeClr val="accent1"/>
+                </a:solidFill>
+              </a:rPr>
+              <a:t>SELECT </a:t>
+            </a:r>
+            <a:r>
+              <a:rPr lang="es-MX" sz="2000" dirty="0" err="1">
+                <a:solidFill>
+                  <a:schemeClr val="accent1"/>
+                </a:solidFill>
+              </a:rPr>
+              <a:t>customer_id</a:t>
+            </a:r>
+            <a:r>
+              <a:rPr lang="es-MX" sz="2000" dirty="0">
+                <a:solidFill>
+                  <a:schemeClr val="accent1"/>
+                </a:solidFill>
+              </a:rPr>
+              <a:t> </a:t>
+            </a:r>
+            <a:r>
+              <a:rPr lang="es-MX" sz="2000" b="1" dirty="0">
+                <a:solidFill>
+                  <a:schemeClr val="accent1"/>
+                </a:solidFill>
+              </a:rPr>
+              <a:t>FROM </a:t>
+            </a:r>
+            <a:r>
+              <a:rPr lang="es-MX" sz="2000" dirty="0">
+                <a:solidFill>
+                  <a:schemeClr val="accent1"/>
+                </a:solidFill>
+              </a:rPr>
+              <a:t>customer_20_60 </a:t>
+            </a:r>
+            <a:r>
+              <a:rPr lang="es-MX" sz="2000" b="1" dirty="0">
+                <a:solidFill>
+                  <a:schemeClr val="accent1"/>
+                </a:solidFill>
+              </a:rPr>
+              <a:t>;</a:t>
+            </a:r>
+          </a:p>
+          <a:p>
+            <a:pPr algn="l"/>
+            <a:endParaRPr lang="es-MX" sz="2000" b="1" dirty="0">
+              <a:solidFill>
+                <a:schemeClr val="accent1"/>
+              </a:solidFill>
+            </a:endParaRPr>
+          </a:p>
+        </p:txBody>
+      </p:sp>
+    </p:spTree>
+    <p:extLst>
+      <p:ext uri="{BB962C8B-B14F-4D97-AF65-F5344CB8AC3E}">
+        <p14:creationId xmlns:p14="http://schemas.microsoft.com/office/powerpoint/2010/main" val="442038413"/>
+      </p:ext>
+    </p:extLst>
+  </p:cSld>
+  <p:clrMapOvr>
+    <a:masterClrMapping/>
+  </p:clrMapOvr>
+</p:sld>
+</file>
+
+<file path=ppt/slides/slide37.xml><?xml version="1.0" encoding="utf-8"?>
+<p:sld xmlns:a="http://schemas.openxmlformats.org/drawingml/2006/main" xmlns:r="http://schemas.openxmlformats.org/officeDocument/2006/relationships" xmlns:p="http://schemas.openxmlformats.org/presentationml/2006/main">
+  <p:cSld>
+    <p:spTree>
+      <p:nvGrpSpPr>
+        <p:cNvPr id="1" name=""/>
+        <p:cNvGrpSpPr/>
+        <p:nvPr/>
+      </p:nvGrpSpPr>
+      <p:grpSpPr>
+        <a:xfrm>
+          <a:off x="0" y="0"/>
+          <a:ext cx="0" cy="0"/>
+          <a:chOff x="0" y="0"/>
+          <a:chExt cx="0" cy="0"/>
+        </a:xfrm>
+      </p:grpSpPr>
+      <p:pic>
+        <p:nvPicPr>
+          <p:cNvPr id="3" name="Imagen 2">
+            <a:extLst>
+              <a:ext uri="{FF2B5EF4-FFF2-40B4-BE49-F238E27FC236}">
+                <a16:creationId xmlns:a16="http://schemas.microsoft.com/office/drawing/2014/main" id="{3AD58EA5-338A-6BB1-1CB0-F5C8B80BB3B6}"/>
+              </a:ext>
+            </a:extLst>
+          </p:cNvPr>
+          <p:cNvPicPr>
+            <a:picLocks noChangeAspect="1"/>
+          </p:cNvPicPr>
+          <p:nvPr/>
+        </p:nvPicPr>
+        <p:blipFill rotWithShape="1">
+          <a:blip r:embed="rId2"/>
+          <a:srcRect l="37637" t="34091" r="39102" b="14673"/>
+          <a:stretch/>
+        </p:blipFill>
+        <p:spPr>
+          <a:xfrm>
+            <a:off x="3282846" y="237825"/>
+            <a:ext cx="4976734" cy="6162976"/>
+          </a:xfrm>
+          <a:prstGeom prst="rect">
+            <a:avLst/>
+          </a:prstGeom>
+        </p:spPr>
+      </p:pic>
+      <p:sp>
+        <p:nvSpPr>
+          <p:cNvPr id="4" name="Rectángulo 3">
+            <a:extLst>
+              <a:ext uri="{FF2B5EF4-FFF2-40B4-BE49-F238E27FC236}">
+                <a16:creationId xmlns:a16="http://schemas.microsoft.com/office/drawing/2014/main" id="{B961CA0C-0BA0-FE3E-6D7B-86B6DCAB28E3}"/>
+              </a:ext>
+            </a:extLst>
+          </p:cNvPr>
+          <p:cNvSpPr/>
+          <p:nvPr/>
+        </p:nvSpPr>
+        <p:spPr>
+          <a:xfrm>
+            <a:off x="2938072" y="5756223"/>
+            <a:ext cx="1109272" cy="494675"/>
+          </a:xfrm>
+          <a:prstGeom prst="rect">
+            <a:avLst/>
+          </a:prstGeom>
+          <a:solidFill>
+            <a:schemeClr val="bg1"/>
+          </a:solidFill>
+          <a:ln>
+            <a:solidFill>
+              <a:schemeClr val="bg1"/>
+            </a:solidFill>
+          </a:ln>
+        </p:spPr>
+        <p:style>
+          <a:lnRef idx="2">
+            <a:schemeClr val="accent1">
+              <a:shade val="15000"/>
+            </a:schemeClr>
+          </a:lnRef>
+          <a:fillRef idx="1">
+            <a:schemeClr val="accent1"/>
+          </a:fillRef>
+          <a:effectRef idx="0">
+            <a:schemeClr val="accent1"/>
+          </a:effectRef>
+          <a:fontRef idx="minor">
+            <a:schemeClr val="lt1"/>
+          </a:fontRef>
+        </p:style>
+        <p:txBody>
+          <a:bodyPr rtlCol="0" anchor="ctr"/>
+          <a:lstStyle/>
+          <a:p>
+            <a:pPr algn="ctr"/>
+            <a:endParaRPr lang="es-MX"/>
+          </a:p>
+        </p:txBody>
+      </p:sp>
+      <p:sp>
+        <p:nvSpPr>
+          <p:cNvPr id="5" name="Subtítulo 2">
+            <a:extLst>
+              <a:ext uri="{FF2B5EF4-FFF2-40B4-BE49-F238E27FC236}">
+                <a16:creationId xmlns:a16="http://schemas.microsoft.com/office/drawing/2014/main" id="{C68418C2-74DD-5173-38EB-C37F7E506E0D}"/>
+              </a:ext>
+            </a:extLst>
+          </p:cNvPr>
+          <p:cNvSpPr txBox="1">
+            <a:spLocks/>
+          </p:cNvSpPr>
+          <p:nvPr/>
+        </p:nvSpPr>
+        <p:spPr>
+          <a:xfrm>
+            <a:off x="1702490" y="1769127"/>
+            <a:ext cx="1790218" cy="404447"/>
+          </a:xfrm>
+          <a:prstGeom prst="rect">
+            <a:avLst/>
+          </a:prstGeom>
+        </p:spPr>
+        <p:txBody>
+          <a:bodyPr vert="horz" lIns="91440" tIns="45720" rIns="91440" bIns="45720" rtlCol="0">
+            <a:normAutofit/>
+          </a:bodyPr>
+          <a:lstStyle>
+            <a:lvl1pPr marL="0" indent="0" algn="ctr" defTabSz="914400" rtl="0" eaLnBrk="1" latinLnBrk="0" hangingPunct="1">
+              <a:lnSpc>
+                <a:spcPct val="90000"/>
+              </a:lnSpc>
+              <a:spcBef>
+                <a:spcPts val="1000"/>
+              </a:spcBef>
+              <a:buFont typeface="Arial" panose="020B0604020202020204" pitchFamily="34" charset="0"/>
+              <a:buNone/>
+              <a:defRPr sz="2400" kern="1200">
+                <a:solidFill>
+                  <a:schemeClr val="tx1"/>
+                </a:solidFill>
+                <a:latin typeface="+mn-lt"/>
+                <a:ea typeface="+mn-ea"/>
+                <a:cs typeface="+mn-cs"/>
+              </a:defRPr>
+            </a:lvl1pPr>
+            <a:lvl2pPr marL="457200" indent="0" algn="ctr" defTabSz="914400" rtl="0" eaLnBrk="1" latinLnBrk="0" hangingPunct="1">
+              <a:lnSpc>
+                <a:spcPct val="90000"/>
+              </a:lnSpc>
+              <a:spcBef>
+                <a:spcPts val="500"/>
+              </a:spcBef>
+              <a:buFont typeface="Arial" panose="020B0604020202020204" pitchFamily="34" charset="0"/>
+              <a:buNone/>
+              <a:defRPr sz="2000" kern="1200">
+                <a:solidFill>
+                  <a:schemeClr val="tx1"/>
+                </a:solidFill>
+                <a:latin typeface="+mn-lt"/>
+                <a:ea typeface="+mn-ea"/>
+                <a:cs typeface="+mn-cs"/>
+              </a:defRPr>
+            </a:lvl2pPr>
+            <a:lvl3pPr marL="914400" indent="0" algn="ctr" defTabSz="914400" rtl="0" eaLnBrk="1" latinLnBrk="0" hangingPunct="1">
+              <a:lnSpc>
+                <a:spcPct val="90000"/>
+              </a:lnSpc>
+              <a:spcBef>
+                <a:spcPts val="500"/>
+              </a:spcBef>
+              <a:buFont typeface="Arial" panose="020B0604020202020204" pitchFamily="34" charset="0"/>
+              <a:buNone/>
+              <a:defRPr sz="1800" kern="1200">
+                <a:solidFill>
+                  <a:schemeClr val="tx1"/>
+                </a:solidFill>
+                <a:latin typeface="+mn-lt"/>
+                <a:ea typeface="+mn-ea"/>
+                <a:cs typeface="+mn-cs"/>
+              </a:defRPr>
+            </a:lvl3pPr>
+            <a:lvl4pPr marL="1371600" indent="0" algn="ctr" defTabSz="914400" rtl="0" eaLnBrk="1" latinLnBrk="0" hangingPunct="1">
+              <a:lnSpc>
+                <a:spcPct val="90000"/>
+              </a:lnSpc>
+              <a:spcBef>
+                <a:spcPts val="500"/>
+              </a:spcBef>
+              <a:buFont typeface="Arial" panose="020B0604020202020204" pitchFamily="34" charset="0"/>
+              <a:buNone/>
+              <a:defRPr sz="1600" kern="1200">
+                <a:solidFill>
+                  <a:schemeClr val="tx1"/>
+                </a:solidFill>
+                <a:latin typeface="+mn-lt"/>
+                <a:ea typeface="+mn-ea"/>
+                <a:cs typeface="+mn-cs"/>
+              </a:defRPr>
+            </a:lvl4pPr>
+            <a:lvl5pPr marL="1828800" indent="0" algn="ctr" defTabSz="914400" rtl="0" eaLnBrk="1" latinLnBrk="0" hangingPunct="1">
+              <a:lnSpc>
+                <a:spcPct val="90000"/>
+              </a:lnSpc>
+              <a:spcBef>
+                <a:spcPts val="500"/>
+              </a:spcBef>
+              <a:buFont typeface="Arial" panose="020B0604020202020204" pitchFamily="34" charset="0"/>
+              <a:buNone/>
+              <a:defRPr sz="1600" kern="1200">
+                <a:solidFill>
+                  <a:schemeClr val="tx1"/>
+                </a:solidFill>
+                <a:latin typeface="+mn-lt"/>
+                <a:ea typeface="+mn-ea"/>
+                <a:cs typeface="+mn-cs"/>
+              </a:defRPr>
+            </a:lvl5pPr>
+            <a:lvl6pPr marL="2286000" indent="0" algn="ctr" defTabSz="914400" rtl="0" eaLnBrk="1" latinLnBrk="0" hangingPunct="1">
+              <a:lnSpc>
+                <a:spcPct val="90000"/>
+              </a:lnSpc>
+              <a:spcBef>
+                <a:spcPts val="500"/>
+              </a:spcBef>
+              <a:buFont typeface="Arial" panose="020B0604020202020204" pitchFamily="34" charset="0"/>
+              <a:buNone/>
+              <a:defRPr sz="1600" kern="1200">
+                <a:solidFill>
+                  <a:schemeClr val="tx1"/>
+                </a:solidFill>
+                <a:latin typeface="+mn-lt"/>
+                <a:ea typeface="+mn-ea"/>
+                <a:cs typeface="+mn-cs"/>
+              </a:defRPr>
+            </a:lvl6pPr>
+            <a:lvl7pPr marL="2743200" indent="0" algn="ctr" defTabSz="914400" rtl="0" eaLnBrk="1" latinLnBrk="0" hangingPunct="1">
+              <a:lnSpc>
+                <a:spcPct val="90000"/>
+              </a:lnSpc>
+              <a:spcBef>
+                <a:spcPts val="500"/>
+              </a:spcBef>
+              <a:buFont typeface="Arial" panose="020B0604020202020204" pitchFamily="34" charset="0"/>
+              <a:buNone/>
+              <a:defRPr sz="1600" kern="1200">
+                <a:solidFill>
+                  <a:schemeClr val="tx1"/>
+                </a:solidFill>
+                <a:latin typeface="+mn-lt"/>
+                <a:ea typeface="+mn-ea"/>
+                <a:cs typeface="+mn-cs"/>
+              </a:defRPr>
+            </a:lvl7pPr>
+            <a:lvl8pPr marL="3200400" indent="0" algn="ctr" defTabSz="914400" rtl="0" eaLnBrk="1" latinLnBrk="0" hangingPunct="1">
+              <a:lnSpc>
+                <a:spcPct val="90000"/>
+              </a:lnSpc>
+              <a:spcBef>
+                <a:spcPts val="500"/>
+              </a:spcBef>
+              <a:buFont typeface="Arial" panose="020B0604020202020204" pitchFamily="34" charset="0"/>
+              <a:buNone/>
+              <a:defRPr sz="1600" kern="1200">
+                <a:solidFill>
+                  <a:schemeClr val="tx1"/>
+                </a:solidFill>
+                <a:latin typeface="+mn-lt"/>
+                <a:ea typeface="+mn-ea"/>
+                <a:cs typeface="+mn-cs"/>
+              </a:defRPr>
+            </a:lvl8pPr>
+            <a:lvl9pPr marL="3657600" indent="0" algn="ctr" defTabSz="914400" rtl="0" eaLnBrk="1" latinLnBrk="0" hangingPunct="1">
+              <a:lnSpc>
+                <a:spcPct val="90000"/>
+              </a:lnSpc>
+              <a:spcBef>
+                <a:spcPts val="500"/>
+              </a:spcBef>
+              <a:buFont typeface="Arial" panose="020B0604020202020204" pitchFamily="34" charset="0"/>
+              <a:buNone/>
+              <a:defRPr sz="1600" kern="1200">
+                <a:solidFill>
+                  <a:schemeClr val="tx1"/>
+                </a:solidFill>
+                <a:latin typeface="+mn-lt"/>
+                <a:ea typeface="+mn-ea"/>
+                <a:cs typeface="+mn-cs"/>
+              </a:defRPr>
+            </a:lvl9pPr>
+          </a:lstStyle>
+          <a:p>
+            <a:pPr algn="l"/>
+            <a:r>
+              <a:rPr lang="es-MX" sz="1600" b="1" dirty="0">
+                <a:solidFill>
+                  <a:schemeClr val="bg2">
+                    <a:lumMod val="50000"/>
+                  </a:schemeClr>
+                </a:solidFill>
+              </a:rPr>
+              <a:t>INTERSECT</a:t>
+            </a:r>
+          </a:p>
+        </p:txBody>
+      </p:sp>
+      <p:sp>
+        <p:nvSpPr>
+          <p:cNvPr id="6" name="Subtítulo 2">
+            <a:extLst>
+              <a:ext uri="{FF2B5EF4-FFF2-40B4-BE49-F238E27FC236}">
+                <a16:creationId xmlns:a16="http://schemas.microsoft.com/office/drawing/2014/main" id="{182DAC38-49E0-765D-8D27-09A89356D5C3}"/>
+              </a:ext>
+            </a:extLst>
+          </p:cNvPr>
+          <p:cNvSpPr txBox="1">
+            <a:spLocks/>
+          </p:cNvSpPr>
+          <p:nvPr/>
+        </p:nvSpPr>
+        <p:spPr>
+          <a:xfrm>
+            <a:off x="8390601" y="1769126"/>
+            <a:ext cx="1790218" cy="404447"/>
+          </a:xfrm>
+          <a:prstGeom prst="rect">
+            <a:avLst/>
+          </a:prstGeom>
+        </p:spPr>
+        <p:txBody>
+          <a:bodyPr vert="horz" lIns="91440" tIns="45720" rIns="91440" bIns="45720" rtlCol="0">
+            <a:normAutofit/>
+          </a:bodyPr>
+          <a:lstStyle>
+            <a:lvl1pPr marL="0" indent="0" algn="ctr" defTabSz="914400" rtl="0" eaLnBrk="1" latinLnBrk="0" hangingPunct="1">
+              <a:lnSpc>
+                <a:spcPct val="90000"/>
+              </a:lnSpc>
+              <a:spcBef>
+                <a:spcPts val="1000"/>
+              </a:spcBef>
+              <a:buFont typeface="Arial" panose="020B0604020202020204" pitchFamily="34" charset="0"/>
+              <a:buNone/>
+              <a:defRPr sz="2400" kern="1200">
+                <a:solidFill>
+                  <a:schemeClr val="tx1"/>
+                </a:solidFill>
+                <a:latin typeface="+mn-lt"/>
+                <a:ea typeface="+mn-ea"/>
+                <a:cs typeface="+mn-cs"/>
+              </a:defRPr>
+            </a:lvl1pPr>
+            <a:lvl2pPr marL="457200" indent="0" algn="ctr" defTabSz="914400" rtl="0" eaLnBrk="1" latinLnBrk="0" hangingPunct="1">
+              <a:lnSpc>
+                <a:spcPct val="90000"/>
+              </a:lnSpc>
+              <a:spcBef>
+                <a:spcPts val="500"/>
+              </a:spcBef>
+              <a:buFont typeface="Arial" panose="020B0604020202020204" pitchFamily="34" charset="0"/>
+              <a:buNone/>
+              <a:defRPr sz="2000" kern="1200">
+                <a:solidFill>
+                  <a:schemeClr val="tx1"/>
+                </a:solidFill>
+                <a:latin typeface="+mn-lt"/>
+                <a:ea typeface="+mn-ea"/>
+                <a:cs typeface="+mn-cs"/>
+              </a:defRPr>
+            </a:lvl2pPr>
+            <a:lvl3pPr marL="914400" indent="0" algn="ctr" defTabSz="914400" rtl="0" eaLnBrk="1" latinLnBrk="0" hangingPunct="1">
+              <a:lnSpc>
+                <a:spcPct val="90000"/>
+              </a:lnSpc>
+              <a:spcBef>
+                <a:spcPts val="500"/>
+              </a:spcBef>
+              <a:buFont typeface="Arial" panose="020B0604020202020204" pitchFamily="34" charset="0"/>
+              <a:buNone/>
+              <a:defRPr sz="1800" kern="1200">
+                <a:solidFill>
+                  <a:schemeClr val="tx1"/>
+                </a:solidFill>
+                <a:latin typeface="+mn-lt"/>
+                <a:ea typeface="+mn-ea"/>
+                <a:cs typeface="+mn-cs"/>
+              </a:defRPr>
+            </a:lvl3pPr>
+            <a:lvl4pPr marL="1371600" indent="0" algn="ctr" defTabSz="914400" rtl="0" eaLnBrk="1" latinLnBrk="0" hangingPunct="1">
+              <a:lnSpc>
+                <a:spcPct val="90000"/>
+              </a:lnSpc>
+              <a:spcBef>
+                <a:spcPts val="500"/>
+              </a:spcBef>
+              <a:buFont typeface="Arial" panose="020B0604020202020204" pitchFamily="34" charset="0"/>
+              <a:buNone/>
+              <a:defRPr sz="1600" kern="1200">
+                <a:solidFill>
+                  <a:schemeClr val="tx1"/>
+                </a:solidFill>
+                <a:latin typeface="+mn-lt"/>
+                <a:ea typeface="+mn-ea"/>
+                <a:cs typeface="+mn-cs"/>
+              </a:defRPr>
+            </a:lvl4pPr>
+            <a:lvl5pPr marL="1828800" indent="0" algn="ctr" defTabSz="914400" rtl="0" eaLnBrk="1" latinLnBrk="0" hangingPunct="1">
+              <a:lnSpc>
+                <a:spcPct val="90000"/>
+              </a:lnSpc>
+              <a:spcBef>
+                <a:spcPts val="500"/>
+              </a:spcBef>
+              <a:buFont typeface="Arial" panose="020B0604020202020204" pitchFamily="34" charset="0"/>
+              <a:buNone/>
+              <a:defRPr sz="1600" kern="1200">
+                <a:solidFill>
+                  <a:schemeClr val="tx1"/>
+                </a:solidFill>
+                <a:latin typeface="+mn-lt"/>
+                <a:ea typeface="+mn-ea"/>
+                <a:cs typeface="+mn-cs"/>
+              </a:defRPr>
+            </a:lvl5pPr>
+            <a:lvl6pPr marL="2286000" indent="0" algn="ctr" defTabSz="914400" rtl="0" eaLnBrk="1" latinLnBrk="0" hangingPunct="1">
+              <a:lnSpc>
+                <a:spcPct val="90000"/>
+              </a:lnSpc>
+              <a:spcBef>
+                <a:spcPts val="500"/>
+              </a:spcBef>
+              <a:buFont typeface="Arial" panose="020B0604020202020204" pitchFamily="34" charset="0"/>
+              <a:buNone/>
+              <a:defRPr sz="1600" kern="1200">
+                <a:solidFill>
+                  <a:schemeClr val="tx1"/>
+                </a:solidFill>
+                <a:latin typeface="+mn-lt"/>
+                <a:ea typeface="+mn-ea"/>
+                <a:cs typeface="+mn-cs"/>
+              </a:defRPr>
+            </a:lvl6pPr>
+            <a:lvl7pPr marL="2743200" indent="0" algn="ctr" defTabSz="914400" rtl="0" eaLnBrk="1" latinLnBrk="0" hangingPunct="1">
+              <a:lnSpc>
+                <a:spcPct val="90000"/>
+              </a:lnSpc>
+              <a:spcBef>
+                <a:spcPts val="500"/>
+              </a:spcBef>
+              <a:buFont typeface="Arial" panose="020B0604020202020204" pitchFamily="34" charset="0"/>
+              <a:buNone/>
+              <a:defRPr sz="1600" kern="1200">
+                <a:solidFill>
+                  <a:schemeClr val="tx1"/>
+                </a:solidFill>
+                <a:latin typeface="+mn-lt"/>
+                <a:ea typeface="+mn-ea"/>
+                <a:cs typeface="+mn-cs"/>
+              </a:defRPr>
+            </a:lvl7pPr>
+            <a:lvl8pPr marL="3200400" indent="0" algn="ctr" defTabSz="914400" rtl="0" eaLnBrk="1" latinLnBrk="0" hangingPunct="1">
+              <a:lnSpc>
+                <a:spcPct val="90000"/>
+              </a:lnSpc>
+              <a:spcBef>
+                <a:spcPts val="500"/>
+              </a:spcBef>
+              <a:buFont typeface="Arial" panose="020B0604020202020204" pitchFamily="34" charset="0"/>
+              <a:buNone/>
+              <a:defRPr sz="1600" kern="1200">
+                <a:solidFill>
+                  <a:schemeClr val="tx1"/>
+                </a:solidFill>
+                <a:latin typeface="+mn-lt"/>
+                <a:ea typeface="+mn-ea"/>
+                <a:cs typeface="+mn-cs"/>
+              </a:defRPr>
+            </a:lvl8pPr>
+            <a:lvl9pPr marL="3657600" indent="0" algn="ctr" defTabSz="914400" rtl="0" eaLnBrk="1" latinLnBrk="0" hangingPunct="1">
+              <a:lnSpc>
+                <a:spcPct val="90000"/>
+              </a:lnSpc>
+              <a:spcBef>
+                <a:spcPts val="500"/>
+              </a:spcBef>
+              <a:buFont typeface="Arial" panose="020B0604020202020204" pitchFamily="34" charset="0"/>
+              <a:buNone/>
+              <a:defRPr sz="1600" kern="1200">
+                <a:solidFill>
+                  <a:schemeClr val="tx1"/>
+                </a:solidFill>
+                <a:latin typeface="+mn-lt"/>
+                <a:ea typeface="+mn-ea"/>
+                <a:cs typeface="+mn-cs"/>
+              </a:defRPr>
+            </a:lvl9pPr>
+          </a:lstStyle>
+          <a:p>
+            <a:pPr algn="l"/>
+            <a:r>
+              <a:rPr lang="es-MX" sz="1600" b="1" dirty="0">
+                <a:solidFill>
+                  <a:schemeClr val="bg2">
+                    <a:lumMod val="50000"/>
+                  </a:schemeClr>
+                </a:solidFill>
+              </a:rPr>
+              <a:t>INTERSECT ALL</a:t>
+            </a:r>
+          </a:p>
+        </p:txBody>
+      </p:sp>
+      <p:sp>
+        <p:nvSpPr>
+          <p:cNvPr id="7" name="Subtítulo 2">
+            <a:extLst>
+              <a:ext uri="{FF2B5EF4-FFF2-40B4-BE49-F238E27FC236}">
+                <a16:creationId xmlns:a16="http://schemas.microsoft.com/office/drawing/2014/main" id="{2DE45B26-4D9E-A66E-5D6E-ABEAE7E8CA89}"/>
+              </a:ext>
+            </a:extLst>
+          </p:cNvPr>
+          <p:cNvSpPr txBox="1">
+            <a:spLocks/>
+          </p:cNvSpPr>
+          <p:nvPr/>
+        </p:nvSpPr>
+        <p:spPr>
+          <a:xfrm>
+            <a:off x="1702490" y="2679203"/>
+            <a:ext cx="1790218" cy="404447"/>
+          </a:xfrm>
+          <a:prstGeom prst="rect">
+            <a:avLst/>
+          </a:prstGeom>
+        </p:spPr>
+        <p:txBody>
+          <a:bodyPr vert="horz" lIns="91440" tIns="45720" rIns="91440" bIns="45720" rtlCol="0">
+            <a:normAutofit/>
+          </a:bodyPr>
+          <a:lstStyle>
+            <a:lvl1pPr marL="0" indent="0" algn="ctr" defTabSz="914400" rtl="0" eaLnBrk="1" latinLnBrk="0" hangingPunct="1">
+              <a:lnSpc>
+                <a:spcPct val="90000"/>
+              </a:lnSpc>
+              <a:spcBef>
+                <a:spcPts val="1000"/>
+              </a:spcBef>
+              <a:buFont typeface="Arial" panose="020B0604020202020204" pitchFamily="34" charset="0"/>
+              <a:buNone/>
+              <a:defRPr sz="2400" kern="1200">
+                <a:solidFill>
+                  <a:schemeClr val="tx1"/>
+                </a:solidFill>
+                <a:latin typeface="+mn-lt"/>
+                <a:ea typeface="+mn-ea"/>
+                <a:cs typeface="+mn-cs"/>
+              </a:defRPr>
+            </a:lvl1pPr>
+            <a:lvl2pPr marL="457200" indent="0" algn="ctr" defTabSz="914400" rtl="0" eaLnBrk="1" latinLnBrk="0" hangingPunct="1">
+              <a:lnSpc>
+                <a:spcPct val="90000"/>
+              </a:lnSpc>
+              <a:spcBef>
+                <a:spcPts val="500"/>
+              </a:spcBef>
+              <a:buFont typeface="Arial" panose="020B0604020202020204" pitchFamily="34" charset="0"/>
+              <a:buNone/>
+              <a:defRPr sz="2000" kern="1200">
+                <a:solidFill>
+                  <a:schemeClr val="tx1"/>
+                </a:solidFill>
+                <a:latin typeface="+mn-lt"/>
+                <a:ea typeface="+mn-ea"/>
+                <a:cs typeface="+mn-cs"/>
+              </a:defRPr>
+            </a:lvl2pPr>
+            <a:lvl3pPr marL="914400" indent="0" algn="ctr" defTabSz="914400" rtl="0" eaLnBrk="1" latinLnBrk="0" hangingPunct="1">
+              <a:lnSpc>
+                <a:spcPct val="90000"/>
+              </a:lnSpc>
+              <a:spcBef>
+                <a:spcPts val="500"/>
+              </a:spcBef>
+              <a:buFont typeface="Arial" panose="020B0604020202020204" pitchFamily="34" charset="0"/>
+              <a:buNone/>
+              <a:defRPr sz="1800" kern="1200">
+                <a:solidFill>
+                  <a:schemeClr val="tx1"/>
+                </a:solidFill>
+                <a:latin typeface="+mn-lt"/>
+                <a:ea typeface="+mn-ea"/>
+                <a:cs typeface="+mn-cs"/>
+              </a:defRPr>
+            </a:lvl3pPr>
+            <a:lvl4pPr marL="1371600" indent="0" algn="ctr" defTabSz="914400" rtl="0" eaLnBrk="1" latinLnBrk="0" hangingPunct="1">
+              <a:lnSpc>
+                <a:spcPct val="90000"/>
+              </a:lnSpc>
+              <a:spcBef>
+                <a:spcPts val="500"/>
+              </a:spcBef>
+              <a:buFont typeface="Arial" panose="020B0604020202020204" pitchFamily="34" charset="0"/>
+              <a:buNone/>
+              <a:defRPr sz="1600" kern="1200">
+                <a:solidFill>
+                  <a:schemeClr val="tx1"/>
+                </a:solidFill>
+                <a:latin typeface="+mn-lt"/>
+                <a:ea typeface="+mn-ea"/>
+                <a:cs typeface="+mn-cs"/>
+              </a:defRPr>
+            </a:lvl4pPr>
+            <a:lvl5pPr marL="1828800" indent="0" algn="ctr" defTabSz="914400" rtl="0" eaLnBrk="1" latinLnBrk="0" hangingPunct="1">
+              <a:lnSpc>
+                <a:spcPct val="90000"/>
+              </a:lnSpc>
+              <a:spcBef>
+                <a:spcPts val="500"/>
+              </a:spcBef>
+              <a:buFont typeface="Arial" panose="020B0604020202020204" pitchFamily="34" charset="0"/>
+              <a:buNone/>
+              <a:defRPr sz="1600" kern="1200">
+                <a:solidFill>
+                  <a:schemeClr val="tx1"/>
+                </a:solidFill>
+                <a:latin typeface="+mn-lt"/>
+                <a:ea typeface="+mn-ea"/>
+                <a:cs typeface="+mn-cs"/>
+              </a:defRPr>
+            </a:lvl5pPr>
+            <a:lvl6pPr marL="2286000" indent="0" algn="ctr" defTabSz="914400" rtl="0" eaLnBrk="1" latinLnBrk="0" hangingPunct="1">
+              <a:lnSpc>
+                <a:spcPct val="90000"/>
+              </a:lnSpc>
+              <a:spcBef>
+                <a:spcPts val="500"/>
+              </a:spcBef>
+              <a:buFont typeface="Arial" panose="020B0604020202020204" pitchFamily="34" charset="0"/>
+              <a:buNone/>
+              <a:defRPr sz="1600" kern="1200">
+                <a:solidFill>
+                  <a:schemeClr val="tx1"/>
+                </a:solidFill>
+                <a:latin typeface="+mn-lt"/>
+                <a:ea typeface="+mn-ea"/>
+                <a:cs typeface="+mn-cs"/>
+              </a:defRPr>
+            </a:lvl6pPr>
+            <a:lvl7pPr marL="2743200" indent="0" algn="ctr" defTabSz="914400" rtl="0" eaLnBrk="1" latinLnBrk="0" hangingPunct="1">
+              <a:lnSpc>
+                <a:spcPct val="90000"/>
+              </a:lnSpc>
+              <a:spcBef>
+                <a:spcPts val="500"/>
+              </a:spcBef>
+              <a:buFont typeface="Arial" panose="020B0604020202020204" pitchFamily="34" charset="0"/>
+              <a:buNone/>
+              <a:defRPr sz="1600" kern="1200">
+                <a:solidFill>
+                  <a:schemeClr val="tx1"/>
+                </a:solidFill>
+                <a:latin typeface="+mn-lt"/>
+                <a:ea typeface="+mn-ea"/>
+                <a:cs typeface="+mn-cs"/>
+              </a:defRPr>
+            </a:lvl7pPr>
+            <a:lvl8pPr marL="3200400" indent="0" algn="ctr" defTabSz="914400" rtl="0" eaLnBrk="1" latinLnBrk="0" hangingPunct="1">
+              <a:lnSpc>
+                <a:spcPct val="90000"/>
+              </a:lnSpc>
+              <a:spcBef>
+                <a:spcPts val="500"/>
+              </a:spcBef>
+              <a:buFont typeface="Arial" panose="020B0604020202020204" pitchFamily="34" charset="0"/>
+              <a:buNone/>
+              <a:defRPr sz="1600" kern="1200">
+                <a:solidFill>
+                  <a:schemeClr val="tx1"/>
+                </a:solidFill>
+                <a:latin typeface="+mn-lt"/>
+                <a:ea typeface="+mn-ea"/>
+                <a:cs typeface="+mn-cs"/>
+              </a:defRPr>
+            </a:lvl8pPr>
+            <a:lvl9pPr marL="3657600" indent="0" algn="ctr" defTabSz="914400" rtl="0" eaLnBrk="1" latinLnBrk="0" hangingPunct="1">
+              <a:lnSpc>
+                <a:spcPct val="90000"/>
+              </a:lnSpc>
+              <a:spcBef>
+                <a:spcPts val="500"/>
+              </a:spcBef>
+              <a:buFont typeface="Arial" panose="020B0604020202020204" pitchFamily="34" charset="0"/>
+              <a:buNone/>
+              <a:defRPr sz="1600" kern="1200">
+                <a:solidFill>
+                  <a:schemeClr val="tx1"/>
+                </a:solidFill>
+                <a:latin typeface="+mn-lt"/>
+                <a:ea typeface="+mn-ea"/>
+                <a:cs typeface="+mn-cs"/>
+              </a:defRPr>
+            </a:lvl9pPr>
+          </a:lstStyle>
+          <a:p>
+            <a:pPr algn="l"/>
+            <a:r>
+              <a:rPr lang="es-MX" sz="1600" b="1" dirty="0">
+                <a:solidFill>
+                  <a:schemeClr val="bg2">
+                    <a:lumMod val="50000"/>
+                  </a:schemeClr>
+                </a:solidFill>
+              </a:rPr>
+              <a:t>EXCEPT</a:t>
+            </a:r>
+          </a:p>
+        </p:txBody>
+      </p:sp>
+      <p:sp>
+        <p:nvSpPr>
+          <p:cNvPr id="8" name="Subtítulo 2">
+            <a:extLst>
+              <a:ext uri="{FF2B5EF4-FFF2-40B4-BE49-F238E27FC236}">
+                <a16:creationId xmlns:a16="http://schemas.microsoft.com/office/drawing/2014/main" id="{920C70C7-372B-4C93-B7B4-80CF9CCB7D50}"/>
+              </a:ext>
+            </a:extLst>
+          </p:cNvPr>
+          <p:cNvSpPr txBox="1">
+            <a:spLocks/>
+          </p:cNvSpPr>
+          <p:nvPr/>
+        </p:nvSpPr>
+        <p:spPr>
+          <a:xfrm>
+            <a:off x="1702490" y="3704876"/>
+            <a:ext cx="1790218" cy="404447"/>
+          </a:xfrm>
+          <a:prstGeom prst="rect">
+            <a:avLst/>
+          </a:prstGeom>
+        </p:spPr>
+        <p:txBody>
+          <a:bodyPr vert="horz" lIns="91440" tIns="45720" rIns="91440" bIns="45720" rtlCol="0">
+            <a:normAutofit/>
+          </a:bodyPr>
+          <a:lstStyle>
+            <a:lvl1pPr marL="0" indent="0" algn="ctr" defTabSz="914400" rtl="0" eaLnBrk="1" latinLnBrk="0" hangingPunct="1">
+              <a:lnSpc>
+                <a:spcPct val="90000"/>
+              </a:lnSpc>
+              <a:spcBef>
+                <a:spcPts val="1000"/>
+              </a:spcBef>
+              <a:buFont typeface="Arial" panose="020B0604020202020204" pitchFamily="34" charset="0"/>
+              <a:buNone/>
+              <a:defRPr sz="2400" kern="1200">
+                <a:solidFill>
+                  <a:schemeClr val="tx1"/>
+                </a:solidFill>
+                <a:latin typeface="+mn-lt"/>
+                <a:ea typeface="+mn-ea"/>
+                <a:cs typeface="+mn-cs"/>
+              </a:defRPr>
+            </a:lvl1pPr>
+            <a:lvl2pPr marL="457200" indent="0" algn="ctr" defTabSz="914400" rtl="0" eaLnBrk="1" latinLnBrk="0" hangingPunct="1">
+              <a:lnSpc>
+                <a:spcPct val="90000"/>
+              </a:lnSpc>
+              <a:spcBef>
+                <a:spcPts val="500"/>
+              </a:spcBef>
+              <a:buFont typeface="Arial" panose="020B0604020202020204" pitchFamily="34" charset="0"/>
+              <a:buNone/>
+              <a:defRPr sz="2000" kern="1200">
+                <a:solidFill>
+                  <a:schemeClr val="tx1"/>
+                </a:solidFill>
+                <a:latin typeface="+mn-lt"/>
+                <a:ea typeface="+mn-ea"/>
+                <a:cs typeface="+mn-cs"/>
+              </a:defRPr>
+            </a:lvl2pPr>
+            <a:lvl3pPr marL="914400" indent="0" algn="ctr" defTabSz="914400" rtl="0" eaLnBrk="1" latinLnBrk="0" hangingPunct="1">
+              <a:lnSpc>
+                <a:spcPct val="90000"/>
+              </a:lnSpc>
+              <a:spcBef>
+                <a:spcPts val="500"/>
+              </a:spcBef>
+              <a:buFont typeface="Arial" panose="020B0604020202020204" pitchFamily="34" charset="0"/>
+              <a:buNone/>
+              <a:defRPr sz="1800" kern="1200">
+                <a:solidFill>
+                  <a:schemeClr val="tx1"/>
+                </a:solidFill>
+                <a:latin typeface="+mn-lt"/>
+                <a:ea typeface="+mn-ea"/>
+                <a:cs typeface="+mn-cs"/>
+              </a:defRPr>
+            </a:lvl3pPr>
+            <a:lvl4pPr marL="1371600" indent="0" algn="ctr" defTabSz="914400" rtl="0" eaLnBrk="1" latinLnBrk="0" hangingPunct="1">
+              <a:lnSpc>
+                <a:spcPct val="90000"/>
+              </a:lnSpc>
+              <a:spcBef>
+                <a:spcPts val="500"/>
+              </a:spcBef>
+              <a:buFont typeface="Arial" panose="020B0604020202020204" pitchFamily="34" charset="0"/>
+              <a:buNone/>
+              <a:defRPr sz="1600" kern="1200">
+                <a:solidFill>
+                  <a:schemeClr val="tx1"/>
+                </a:solidFill>
+                <a:latin typeface="+mn-lt"/>
+                <a:ea typeface="+mn-ea"/>
+                <a:cs typeface="+mn-cs"/>
+              </a:defRPr>
+            </a:lvl4pPr>
+            <a:lvl5pPr marL="1828800" indent="0" algn="ctr" defTabSz="914400" rtl="0" eaLnBrk="1" latinLnBrk="0" hangingPunct="1">
+              <a:lnSpc>
+                <a:spcPct val="90000"/>
+              </a:lnSpc>
+              <a:spcBef>
+                <a:spcPts val="500"/>
+              </a:spcBef>
+              <a:buFont typeface="Arial" panose="020B0604020202020204" pitchFamily="34" charset="0"/>
+              <a:buNone/>
+              <a:defRPr sz="1600" kern="1200">
+                <a:solidFill>
+                  <a:schemeClr val="tx1"/>
+                </a:solidFill>
+                <a:latin typeface="+mn-lt"/>
+                <a:ea typeface="+mn-ea"/>
+                <a:cs typeface="+mn-cs"/>
+              </a:defRPr>
+            </a:lvl5pPr>
+            <a:lvl6pPr marL="2286000" indent="0" algn="ctr" defTabSz="914400" rtl="0" eaLnBrk="1" latinLnBrk="0" hangingPunct="1">
+              <a:lnSpc>
+                <a:spcPct val="90000"/>
+              </a:lnSpc>
+              <a:spcBef>
+                <a:spcPts val="500"/>
+              </a:spcBef>
+              <a:buFont typeface="Arial" panose="020B0604020202020204" pitchFamily="34" charset="0"/>
+              <a:buNone/>
+              <a:defRPr sz="1600" kern="1200">
+                <a:solidFill>
+                  <a:schemeClr val="tx1"/>
+                </a:solidFill>
+                <a:latin typeface="+mn-lt"/>
+                <a:ea typeface="+mn-ea"/>
+                <a:cs typeface="+mn-cs"/>
+              </a:defRPr>
+            </a:lvl6pPr>
+            <a:lvl7pPr marL="2743200" indent="0" algn="ctr" defTabSz="914400" rtl="0" eaLnBrk="1" latinLnBrk="0" hangingPunct="1">
+              <a:lnSpc>
+                <a:spcPct val="90000"/>
+              </a:lnSpc>
+              <a:spcBef>
+                <a:spcPts val="500"/>
+              </a:spcBef>
+              <a:buFont typeface="Arial" panose="020B0604020202020204" pitchFamily="34" charset="0"/>
+              <a:buNone/>
+              <a:defRPr sz="1600" kern="1200">
+                <a:solidFill>
+                  <a:schemeClr val="tx1"/>
+                </a:solidFill>
+                <a:latin typeface="+mn-lt"/>
+                <a:ea typeface="+mn-ea"/>
+                <a:cs typeface="+mn-cs"/>
+              </a:defRPr>
+            </a:lvl7pPr>
+            <a:lvl8pPr marL="3200400" indent="0" algn="ctr" defTabSz="914400" rtl="0" eaLnBrk="1" latinLnBrk="0" hangingPunct="1">
+              <a:lnSpc>
+                <a:spcPct val="90000"/>
+              </a:lnSpc>
+              <a:spcBef>
+                <a:spcPts val="500"/>
+              </a:spcBef>
+              <a:buFont typeface="Arial" panose="020B0604020202020204" pitchFamily="34" charset="0"/>
+              <a:buNone/>
+              <a:defRPr sz="1600" kern="1200">
+                <a:solidFill>
+                  <a:schemeClr val="tx1"/>
+                </a:solidFill>
+                <a:latin typeface="+mn-lt"/>
+                <a:ea typeface="+mn-ea"/>
+                <a:cs typeface="+mn-cs"/>
+              </a:defRPr>
+            </a:lvl8pPr>
+            <a:lvl9pPr marL="3657600" indent="0" algn="ctr" defTabSz="914400" rtl="0" eaLnBrk="1" latinLnBrk="0" hangingPunct="1">
+              <a:lnSpc>
+                <a:spcPct val="90000"/>
+              </a:lnSpc>
+              <a:spcBef>
+                <a:spcPts val="500"/>
+              </a:spcBef>
+              <a:buFont typeface="Arial" panose="020B0604020202020204" pitchFamily="34" charset="0"/>
+              <a:buNone/>
+              <a:defRPr sz="1600" kern="1200">
+                <a:solidFill>
+                  <a:schemeClr val="tx1"/>
+                </a:solidFill>
+                <a:latin typeface="+mn-lt"/>
+                <a:ea typeface="+mn-ea"/>
+                <a:cs typeface="+mn-cs"/>
+              </a:defRPr>
+            </a:lvl9pPr>
+          </a:lstStyle>
+          <a:p>
+            <a:pPr algn="l"/>
+            <a:r>
+              <a:rPr lang="es-MX" sz="1600" b="1" dirty="0">
+                <a:solidFill>
+                  <a:schemeClr val="bg2">
+                    <a:lumMod val="50000"/>
+                  </a:schemeClr>
+                </a:solidFill>
+              </a:rPr>
+              <a:t>UNION</a:t>
+            </a:r>
+          </a:p>
+        </p:txBody>
+      </p:sp>
+      <p:sp>
+        <p:nvSpPr>
+          <p:cNvPr id="9" name="Subtítulo 2">
+            <a:extLst>
+              <a:ext uri="{FF2B5EF4-FFF2-40B4-BE49-F238E27FC236}">
+                <a16:creationId xmlns:a16="http://schemas.microsoft.com/office/drawing/2014/main" id="{8ECB3EF5-D52C-F2A3-DB6F-4DB5CD1342D5}"/>
+              </a:ext>
+            </a:extLst>
+          </p:cNvPr>
+          <p:cNvSpPr txBox="1">
+            <a:spLocks/>
+          </p:cNvSpPr>
+          <p:nvPr/>
+        </p:nvSpPr>
+        <p:spPr>
+          <a:xfrm>
+            <a:off x="8390601" y="3704876"/>
+            <a:ext cx="1790218" cy="404447"/>
+          </a:xfrm>
+          <a:prstGeom prst="rect">
+            <a:avLst/>
+          </a:prstGeom>
+        </p:spPr>
+        <p:txBody>
+          <a:bodyPr vert="horz" lIns="91440" tIns="45720" rIns="91440" bIns="45720" rtlCol="0">
+            <a:normAutofit/>
+          </a:bodyPr>
+          <a:lstStyle>
+            <a:lvl1pPr marL="0" indent="0" algn="ctr" defTabSz="914400" rtl="0" eaLnBrk="1" latinLnBrk="0" hangingPunct="1">
+              <a:lnSpc>
+                <a:spcPct val="90000"/>
+              </a:lnSpc>
+              <a:spcBef>
+                <a:spcPts val="1000"/>
+              </a:spcBef>
+              <a:buFont typeface="Arial" panose="020B0604020202020204" pitchFamily="34" charset="0"/>
+              <a:buNone/>
+              <a:defRPr sz="2400" kern="1200">
+                <a:solidFill>
+                  <a:schemeClr val="tx1"/>
+                </a:solidFill>
+                <a:latin typeface="+mn-lt"/>
+                <a:ea typeface="+mn-ea"/>
+                <a:cs typeface="+mn-cs"/>
+              </a:defRPr>
+            </a:lvl1pPr>
+            <a:lvl2pPr marL="457200" indent="0" algn="ctr" defTabSz="914400" rtl="0" eaLnBrk="1" latinLnBrk="0" hangingPunct="1">
+              <a:lnSpc>
+                <a:spcPct val="90000"/>
+              </a:lnSpc>
+              <a:spcBef>
+                <a:spcPts val="500"/>
+              </a:spcBef>
+              <a:buFont typeface="Arial" panose="020B0604020202020204" pitchFamily="34" charset="0"/>
+              <a:buNone/>
+              <a:defRPr sz="2000" kern="1200">
+                <a:solidFill>
+                  <a:schemeClr val="tx1"/>
+                </a:solidFill>
+                <a:latin typeface="+mn-lt"/>
+                <a:ea typeface="+mn-ea"/>
+                <a:cs typeface="+mn-cs"/>
+              </a:defRPr>
+            </a:lvl2pPr>
+            <a:lvl3pPr marL="914400" indent="0" algn="ctr" defTabSz="914400" rtl="0" eaLnBrk="1" latinLnBrk="0" hangingPunct="1">
+              <a:lnSpc>
+                <a:spcPct val="90000"/>
+              </a:lnSpc>
+              <a:spcBef>
+                <a:spcPts val="500"/>
+              </a:spcBef>
+              <a:buFont typeface="Arial" panose="020B0604020202020204" pitchFamily="34" charset="0"/>
+              <a:buNone/>
+              <a:defRPr sz="1800" kern="1200">
+                <a:solidFill>
+                  <a:schemeClr val="tx1"/>
+                </a:solidFill>
+                <a:latin typeface="+mn-lt"/>
+                <a:ea typeface="+mn-ea"/>
+                <a:cs typeface="+mn-cs"/>
+              </a:defRPr>
+            </a:lvl3pPr>
+            <a:lvl4pPr marL="1371600" indent="0" algn="ctr" defTabSz="914400" rtl="0" eaLnBrk="1" latinLnBrk="0" hangingPunct="1">
+              <a:lnSpc>
+                <a:spcPct val="90000"/>
+              </a:lnSpc>
+              <a:spcBef>
+                <a:spcPts val="500"/>
+              </a:spcBef>
+              <a:buFont typeface="Arial" panose="020B0604020202020204" pitchFamily="34" charset="0"/>
+              <a:buNone/>
+              <a:defRPr sz="1600" kern="1200">
+                <a:solidFill>
+                  <a:schemeClr val="tx1"/>
+                </a:solidFill>
+                <a:latin typeface="+mn-lt"/>
+                <a:ea typeface="+mn-ea"/>
+                <a:cs typeface="+mn-cs"/>
+              </a:defRPr>
+            </a:lvl4pPr>
+            <a:lvl5pPr marL="1828800" indent="0" algn="ctr" defTabSz="914400" rtl="0" eaLnBrk="1" latinLnBrk="0" hangingPunct="1">
+              <a:lnSpc>
+                <a:spcPct val="90000"/>
+              </a:lnSpc>
+              <a:spcBef>
+                <a:spcPts val="500"/>
+              </a:spcBef>
+              <a:buFont typeface="Arial" panose="020B0604020202020204" pitchFamily="34" charset="0"/>
+              <a:buNone/>
+              <a:defRPr sz="1600" kern="1200">
+                <a:solidFill>
+                  <a:schemeClr val="tx1"/>
+                </a:solidFill>
+                <a:latin typeface="+mn-lt"/>
+                <a:ea typeface="+mn-ea"/>
+                <a:cs typeface="+mn-cs"/>
+              </a:defRPr>
+            </a:lvl5pPr>
+            <a:lvl6pPr marL="2286000" indent="0" algn="ctr" defTabSz="914400" rtl="0" eaLnBrk="1" latinLnBrk="0" hangingPunct="1">
+              <a:lnSpc>
+                <a:spcPct val="90000"/>
+              </a:lnSpc>
+              <a:spcBef>
+                <a:spcPts val="500"/>
+              </a:spcBef>
+              <a:buFont typeface="Arial" panose="020B0604020202020204" pitchFamily="34" charset="0"/>
+              <a:buNone/>
+              <a:defRPr sz="1600" kern="1200">
+                <a:solidFill>
+                  <a:schemeClr val="tx1"/>
+                </a:solidFill>
+                <a:latin typeface="+mn-lt"/>
+                <a:ea typeface="+mn-ea"/>
+                <a:cs typeface="+mn-cs"/>
+              </a:defRPr>
+            </a:lvl6pPr>
+            <a:lvl7pPr marL="2743200" indent="0" algn="ctr" defTabSz="914400" rtl="0" eaLnBrk="1" latinLnBrk="0" hangingPunct="1">
+              <a:lnSpc>
+                <a:spcPct val="90000"/>
+              </a:lnSpc>
+              <a:spcBef>
+                <a:spcPts val="500"/>
+              </a:spcBef>
+              <a:buFont typeface="Arial" panose="020B0604020202020204" pitchFamily="34" charset="0"/>
+              <a:buNone/>
+              <a:defRPr sz="1600" kern="1200">
+                <a:solidFill>
+                  <a:schemeClr val="tx1"/>
+                </a:solidFill>
+                <a:latin typeface="+mn-lt"/>
+                <a:ea typeface="+mn-ea"/>
+                <a:cs typeface="+mn-cs"/>
+              </a:defRPr>
+            </a:lvl7pPr>
+            <a:lvl8pPr marL="3200400" indent="0" algn="ctr" defTabSz="914400" rtl="0" eaLnBrk="1" latinLnBrk="0" hangingPunct="1">
+              <a:lnSpc>
+                <a:spcPct val="90000"/>
+              </a:lnSpc>
+              <a:spcBef>
+                <a:spcPts val="500"/>
+              </a:spcBef>
+              <a:buFont typeface="Arial" panose="020B0604020202020204" pitchFamily="34" charset="0"/>
+              <a:buNone/>
+              <a:defRPr sz="1600" kern="1200">
+                <a:solidFill>
+                  <a:schemeClr val="tx1"/>
+                </a:solidFill>
+                <a:latin typeface="+mn-lt"/>
+                <a:ea typeface="+mn-ea"/>
+                <a:cs typeface="+mn-cs"/>
+              </a:defRPr>
+            </a:lvl8pPr>
+            <a:lvl9pPr marL="3657600" indent="0" algn="ctr" defTabSz="914400" rtl="0" eaLnBrk="1" latinLnBrk="0" hangingPunct="1">
+              <a:lnSpc>
+                <a:spcPct val="90000"/>
+              </a:lnSpc>
+              <a:spcBef>
+                <a:spcPts val="500"/>
+              </a:spcBef>
+              <a:buFont typeface="Arial" panose="020B0604020202020204" pitchFamily="34" charset="0"/>
+              <a:buNone/>
+              <a:defRPr sz="1600" kern="1200">
+                <a:solidFill>
+                  <a:schemeClr val="tx1"/>
+                </a:solidFill>
+                <a:latin typeface="+mn-lt"/>
+                <a:ea typeface="+mn-ea"/>
+                <a:cs typeface="+mn-cs"/>
+              </a:defRPr>
+            </a:lvl9pPr>
+          </a:lstStyle>
+          <a:p>
+            <a:pPr algn="l"/>
+            <a:r>
+              <a:rPr lang="es-MX" sz="1600" b="1" dirty="0">
+                <a:solidFill>
+                  <a:schemeClr val="bg2">
+                    <a:lumMod val="50000"/>
+                  </a:schemeClr>
+                </a:solidFill>
+              </a:rPr>
+              <a:t>UNION ALL</a:t>
+            </a:r>
+          </a:p>
+        </p:txBody>
+      </p:sp>
+    </p:spTree>
+    <p:extLst>
+      <p:ext uri="{BB962C8B-B14F-4D97-AF65-F5344CB8AC3E}">
+        <p14:creationId xmlns:p14="http://schemas.microsoft.com/office/powerpoint/2010/main" val="386457009"/>
       </p:ext>
     </p:extLst>
   </p:cSld>

--- a/Curso AABD-SQL (Notas).pptx
+++ b/Curso AABD-SQL (Notas).pptx
@@ -5,7 +5,7 @@
     <p:sldMasterId id="2147483648" r:id="rId1"/>
   </p:sldMasterIdLst>
   <p:notesMasterIdLst>
-    <p:notesMasterId r:id="rId39"/>
+    <p:notesMasterId r:id="rId40"/>
   </p:notesMasterIdLst>
   <p:sldIdLst>
     <p:sldId id="256" r:id="rId2"/>
@@ -45,6 +45,7 @@
     <p:sldId id="291" r:id="rId36"/>
     <p:sldId id="292" r:id="rId37"/>
     <p:sldId id="293" r:id="rId38"/>
+    <p:sldId id="294" r:id="rId39"/>
   </p:sldIdLst>
   <p:sldSz cx="12192000" cy="6858000"/>
   <p:notesSz cx="6858000" cy="9144000"/>
@@ -233,7 +234,7 @@
           <a:p>
             <a:fld id="{60FC0CF0-3796-4E17-B7ED-E5E607CC2E7A}" type="datetimeFigureOut">
               <a:rPr lang="es-MX" smtClean="0"/>
-              <a:t>12/06/2023</a:t>
+              <a:t>13/06/2023</a:t>
             </a:fld>
             <a:endParaRPr lang="es-MX"/>
           </a:p>
@@ -585,6 +586,90 @@
 </p:notes>
 </file>
 
+<file path=ppt/notesSlides/notesSlide10.xml><?xml version="1.0" encoding="utf-8"?>
+<p:notes xmlns:a="http://schemas.openxmlformats.org/drawingml/2006/main" xmlns:r="http://schemas.openxmlformats.org/officeDocument/2006/relationships" xmlns:p="http://schemas.openxmlformats.org/presentationml/2006/main">
+  <p:cSld>
+    <p:spTree>
+      <p:nvGrpSpPr>
+        <p:cNvPr id="1" name=""/>
+        <p:cNvGrpSpPr/>
+        <p:nvPr/>
+      </p:nvGrpSpPr>
+      <p:grpSpPr>
+        <a:xfrm>
+          <a:off x="0" y="0"/>
+          <a:ext cx="0" cy="0"/>
+          <a:chOff x="0" y="0"/>
+          <a:chExt cx="0" cy="0"/>
+        </a:xfrm>
+      </p:grpSpPr>
+      <p:sp>
+        <p:nvSpPr>
+          <p:cNvPr id="2" name="Marcador de imagen de diapositiva 1"/>
+          <p:cNvSpPr>
+            <a:spLocks noGrp="1" noRot="1" noChangeAspect="1"/>
+          </p:cNvSpPr>
+          <p:nvPr>
+            <p:ph type="sldImg"/>
+          </p:nvPr>
+        </p:nvSpPr>
+        <p:spPr/>
+      </p:sp>
+      <p:sp>
+        <p:nvSpPr>
+          <p:cNvPr id="3" name="Marcador de notas 2"/>
+          <p:cNvSpPr>
+            <a:spLocks noGrp="1"/>
+          </p:cNvSpPr>
+          <p:nvPr>
+            <p:ph type="body" idx="1"/>
+          </p:nvPr>
+        </p:nvSpPr>
+        <p:spPr/>
+        <p:txBody>
+          <a:bodyPr/>
+          <a:lstStyle/>
+          <a:p>
+            <a:endParaRPr lang="es-MX" dirty="0"/>
+          </a:p>
+        </p:txBody>
+      </p:sp>
+      <p:sp>
+        <p:nvSpPr>
+          <p:cNvPr id="4" name="Marcador de número de diapositiva 3"/>
+          <p:cNvSpPr>
+            <a:spLocks noGrp="1"/>
+          </p:cNvSpPr>
+          <p:nvPr>
+            <p:ph type="sldNum" sz="quarter" idx="5"/>
+          </p:nvPr>
+        </p:nvSpPr>
+        <p:spPr/>
+        <p:txBody>
+          <a:bodyPr/>
+          <a:lstStyle/>
+          <a:p>
+            <a:fld id="{D4A78022-2530-4603-9FD9-5FBF83922B58}" type="slidenum">
+              <a:rPr lang="es-MX" smtClean="0"/>
+              <a:t>38</a:t>
+            </a:fld>
+            <a:endParaRPr lang="es-MX"/>
+          </a:p>
+        </p:txBody>
+      </p:sp>
+    </p:spTree>
+    <p:extLst>
+      <p:ext uri="{BB962C8B-B14F-4D97-AF65-F5344CB8AC3E}">
+        <p14:creationId xmlns:p14="http://schemas.microsoft.com/office/powerpoint/2010/main" val="4240992006"/>
+      </p:ext>
+    </p:extLst>
+  </p:cSld>
+  <p:clrMapOvr>
+    <a:masterClrMapping/>
+  </p:clrMapOvr>
+</p:notes>
+</file>
+
 <file path=ppt/notesSlides/notesSlide2.xml><?xml version="1.0" encoding="utf-8"?>
 <p:notes xmlns:a="http://schemas.openxmlformats.org/drawingml/2006/main" xmlns:r="http://schemas.openxmlformats.org/officeDocument/2006/relationships" xmlns:p="http://schemas.openxmlformats.org/presentationml/2006/main">
   <p:cSld>
@@ -1406,7 +1491,7 @@
           <a:p>
             <a:fld id="{88DB2A45-B92C-450A-8ABF-83088A5CA865}" type="datetimeFigureOut">
               <a:rPr lang="es-MX" smtClean="0"/>
-              <a:t>12/06/2023</a:t>
+              <a:t>13/06/2023</a:t>
             </a:fld>
             <a:endParaRPr lang="es-MX"/>
           </a:p>
@@ -1606,7 +1691,7 @@
           <a:p>
             <a:fld id="{88DB2A45-B92C-450A-8ABF-83088A5CA865}" type="datetimeFigureOut">
               <a:rPr lang="es-MX" smtClean="0"/>
-              <a:t>12/06/2023</a:t>
+              <a:t>13/06/2023</a:t>
             </a:fld>
             <a:endParaRPr lang="es-MX"/>
           </a:p>
@@ -1816,7 +1901,7 @@
           <a:p>
             <a:fld id="{88DB2A45-B92C-450A-8ABF-83088A5CA865}" type="datetimeFigureOut">
               <a:rPr lang="es-MX" smtClean="0"/>
-              <a:t>12/06/2023</a:t>
+              <a:t>13/06/2023</a:t>
             </a:fld>
             <a:endParaRPr lang="es-MX"/>
           </a:p>
@@ -2016,7 +2101,7 @@
           <a:p>
             <a:fld id="{88DB2A45-B92C-450A-8ABF-83088A5CA865}" type="datetimeFigureOut">
               <a:rPr lang="es-MX" smtClean="0"/>
-              <a:t>12/06/2023</a:t>
+              <a:t>13/06/2023</a:t>
             </a:fld>
             <a:endParaRPr lang="es-MX"/>
           </a:p>
@@ -2292,7 +2377,7 @@
           <a:p>
             <a:fld id="{88DB2A45-B92C-450A-8ABF-83088A5CA865}" type="datetimeFigureOut">
               <a:rPr lang="es-MX" smtClean="0"/>
-              <a:t>12/06/2023</a:t>
+              <a:t>13/06/2023</a:t>
             </a:fld>
             <a:endParaRPr lang="es-MX"/>
           </a:p>
@@ -2560,7 +2645,7 @@
           <a:p>
             <a:fld id="{88DB2A45-B92C-450A-8ABF-83088A5CA865}" type="datetimeFigureOut">
               <a:rPr lang="es-MX" smtClean="0"/>
-              <a:t>12/06/2023</a:t>
+              <a:t>13/06/2023</a:t>
             </a:fld>
             <a:endParaRPr lang="es-MX"/>
           </a:p>
@@ -2975,7 +3060,7 @@
           <a:p>
             <a:fld id="{88DB2A45-B92C-450A-8ABF-83088A5CA865}" type="datetimeFigureOut">
               <a:rPr lang="es-MX" smtClean="0"/>
-              <a:t>12/06/2023</a:t>
+              <a:t>13/06/2023</a:t>
             </a:fld>
             <a:endParaRPr lang="es-MX"/>
           </a:p>
@@ -3117,7 +3202,7 @@
           <a:p>
             <a:fld id="{88DB2A45-B92C-450A-8ABF-83088A5CA865}" type="datetimeFigureOut">
               <a:rPr lang="es-MX" smtClean="0"/>
-              <a:t>12/06/2023</a:t>
+              <a:t>13/06/2023</a:t>
             </a:fld>
             <a:endParaRPr lang="es-MX"/>
           </a:p>
@@ -3230,7 +3315,7 @@
           <a:p>
             <a:fld id="{88DB2A45-B92C-450A-8ABF-83088A5CA865}" type="datetimeFigureOut">
               <a:rPr lang="es-MX" smtClean="0"/>
-              <a:t>12/06/2023</a:t>
+              <a:t>13/06/2023</a:t>
             </a:fld>
             <a:endParaRPr lang="es-MX"/>
           </a:p>
@@ -3543,7 +3628,7 @@
           <a:p>
             <a:fld id="{88DB2A45-B92C-450A-8ABF-83088A5CA865}" type="datetimeFigureOut">
               <a:rPr lang="es-MX" smtClean="0"/>
-              <a:t>12/06/2023</a:t>
+              <a:t>13/06/2023</a:t>
             </a:fld>
             <a:endParaRPr lang="es-MX"/>
           </a:p>
@@ -3832,7 +3917,7 @@
           <a:p>
             <a:fld id="{88DB2A45-B92C-450A-8ABF-83088A5CA865}" type="datetimeFigureOut">
               <a:rPr lang="es-MX" smtClean="0"/>
-              <a:t>12/06/2023</a:t>
+              <a:t>13/06/2023</a:t>
             </a:fld>
             <a:endParaRPr lang="es-MX"/>
           </a:p>
@@ -4075,7 +4160,7 @@
           <a:p>
             <a:fld id="{88DB2A45-B92C-450A-8ABF-83088A5CA865}" type="datetimeFigureOut">
               <a:rPr lang="es-MX" smtClean="0"/>
-              <a:t>12/06/2023</a:t>
+              <a:t>13/06/2023</a:t>
             </a:fld>
             <a:endParaRPr lang="es-MX"/>
           </a:p>
@@ -35245,6 +35330,946 @@
     <p:extLst>
       <p:ext uri="{BB962C8B-B14F-4D97-AF65-F5344CB8AC3E}">
         <p14:creationId xmlns:p14="http://schemas.microsoft.com/office/powerpoint/2010/main" val="386457009"/>
+      </p:ext>
+    </p:extLst>
+  </p:cSld>
+  <p:clrMapOvr>
+    <a:masterClrMapping/>
+  </p:clrMapOvr>
+</p:sld>
+</file>
+
+<file path=ppt/slides/slide38.xml><?xml version="1.0" encoding="utf-8"?>
+<p:sld xmlns:a="http://schemas.openxmlformats.org/drawingml/2006/main" xmlns:r="http://schemas.openxmlformats.org/officeDocument/2006/relationships" xmlns:p="http://schemas.openxmlformats.org/presentationml/2006/main">
+  <p:cSld>
+    <p:spTree>
+      <p:nvGrpSpPr>
+        <p:cNvPr id="1" name=""/>
+        <p:cNvGrpSpPr/>
+        <p:nvPr/>
+      </p:nvGrpSpPr>
+      <p:grpSpPr>
+        <a:xfrm>
+          <a:off x="0" y="0"/>
+          <a:ext cx="0" cy="0"/>
+          <a:chOff x="0" y="0"/>
+          <a:chExt cx="0" cy="0"/>
+        </a:xfrm>
+      </p:grpSpPr>
+      <p:sp>
+        <p:nvSpPr>
+          <p:cNvPr id="2" name="Título 1">
+            <a:extLst>
+              <a:ext uri="{FF2B5EF4-FFF2-40B4-BE49-F238E27FC236}">
+                <a16:creationId xmlns:a16="http://schemas.microsoft.com/office/drawing/2014/main" id="{095D5E06-C433-C836-106A-B2D45ADCF04F}"/>
+              </a:ext>
+            </a:extLst>
+          </p:cNvPr>
+          <p:cNvSpPr>
+            <a:spLocks noGrp="1"/>
+          </p:cNvSpPr>
+          <p:nvPr>
+            <p:ph type="ctrTitle"/>
+          </p:nvPr>
+        </p:nvSpPr>
+        <p:spPr>
+          <a:xfrm>
+            <a:off x="304800" y="277091"/>
+            <a:ext cx="9144000" cy="669781"/>
+          </a:xfrm>
+        </p:spPr>
+        <p:txBody>
+          <a:bodyPr>
+            <a:normAutofit/>
+          </a:bodyPr>
+          <a:lstStyle/>
+          <a:p>
+            <a:pPr algn="l"/>
+            <a:r>
+              <a:rPr lang="es-MX" sz="3600" b="1" dirty="0">
+                <a:latin typeface="Gadugi" panose="020B0502040204020203" pitchFamily="34" charset="0"/>
+                <a:ea typeface="Gadugi" panose="020B0502040204020203" pitchFamily="34" charset="0"/>
+              </a:rPr>
+              <a:t>COMBINAR CONSULTAS</a:t>
+            </a:r>
+          </a:p>
+        </p:txBody>
+      </p:sp>
+      <p:sp>
+        <p:nvSpPr>
+          <p:cNvPr id="3" name="Subtítulo 2">
+            <a:extLst>
+              <a:ext uri="{FF2B5EF4-FFF2-40B4-BE49-F238E27FC236}">
+                <a16:creationId xmlns:a16="http://schemas.microsoft.com/office/drawing/2014/main" id="{1A30F90B-0731-20CA-E914-48343967869A}"/>
+              </a:ext>
+            </a:extLst>
+          </p:cNvPr>
+          <p:cNvSpPr>
+            <a:spLocks noGrp="1"/>
+          </p:cNvSpPr>
+          <p:nvPr>
+            <p:ph type="subTitle" idx="1"/>
+          </p:nvPr>
+        </p:nvSpPr>
+        <p:spPr>
+          <a:xfrm>
+            <a:off x="152400" y="1602655"/>
+            <a:ext cx="7966356" cy="2623445"/>
+          </a:xfrm>
+        </p:spPr>
+        <p:txBody>
+          <a:bodyPr>
+            <a:normAutofit/>
+          </a:bodyPr>
+          <a:lstStyle/>
+          <a:p>
+            <a:pPr algn="l"/>
+            <a:r>
+              <a:rPr lang="es-MX" b="1" dirty="0"/>
+              <a:t>SELECT</a:t>
+            </a:r>
+            <a:r>
+              <a:rPr lang="es-MX" dirty="0"/>
+              <a:t> [columnas]</a:t>
+            </a:r>
+          </a:p>
+          <a:p>
+            <a:pPr algn="l"/>
+            <a:r>
+              <a:rPr lang="es-MX" b="1" dirty="0"/>
+              <a:t>FROM </a:t>
+            </a:r>
+            <a:r>
+              <a:rPr lang="es-MX" dirty="0"/>
+              <a:t>[tabla1], [tabla2], …</a:t>
+            </a:r>
+            <a:endParaRPr lang="es-MX" b="1" dirty="0"/>
+          </a:p>
+        </p:txBody>
+      </p:sp>
+      <p:cxnSp>
+        <p:nvCxnSpPr>
+          <p:cNvPr id="5" name="Conector recto 4">
+            <a:extLst>
+              <a:ext uri="{FF2B5EF4-FFF2-40B4-BE49-F238E27FC236}">
+                <a16:creationId xmlns:a16="http://schemas.microsoft.com/office/drawing/2014/main" id="{8185E119-0A24-A724-B622-7DB91F3252A8}"/>
+              </a:ext>
+            </a:extLst>
+          </p:cNvPr>
+          <p:cNvCxnSpPr/>
+          <p:nvPr/>
+        </p:nvCxnSpPr>
+        <p:spPr>
+          <a:xfrm>
+            <a:off x="0" y="946872"/>
+            <a:ext cx="5472545" cy="0"/>
+          </a:xfrm>
+          <a:prstGeom prst="line">
+            <a:avLst/>
+          </a:prstGeom>
+          <a:ln w="38100">
+            <a:solidFill>
+              <a:srgbClr val="7030A0"/>
+            </a:solidFill>
+          </a:ln>
+        </p:spPr>
+        <p:style>
+          <a:lnRef idx="1">
+            <a:schemeClr val="accent1"/>
+          </a:lnRef>
+          <a:fillRef idx="0">
+            <a:schemeClr val="accent1"/>
+          </a:fillRef>
+          <a:effectRef idx="0">
+            <a:schemeClr val="accent1"/>
+          </a:effectRef>
+          <a:fontRef idx="minor">
+            <a:schemeClr val="tx1"/>
+          </a:fontRef>
+        </p:style>
+      </p:cxnSp>
+      <p:cxnSp>
+        <p:nvCxnSpPr>
+          <p:cNvPr id="6" name="Conector recto 5">
+            <a:extLst>
+              <a:ext uri="{FF2B5EF4-FFF2-40B4-BE49-F238E27FC236}">
+                <a16:creationId xmlns:a16="http://schemas.microsoft.com/office/drawing/2014/main" id="{BEFC1D1B-E623-58C6-AEC5-FBF9FC0A9DBC}"/>
+              </a:ext>
+            </a:extLst>
+          </p:cNvPr>
+          <p:cNvCxnSpPr>
+            <a:cxnSpLocks/>
+          </p:cNvCxnSpPr>
+          <p:nvPr/>
+        </p:nvCxnSpPr>
+        <p:spPr>
+          <a:xfrm flipH="1" flipV="1">
+            <a:off x="8257309" y="0"/>
+            <a:ext cx="27710" cy="6858000"/>
+          </a:xfrm>
+          <a:prstGeom prst="line">
+            <a:avLst/>
+          </a:prstGeom>
+          <a:ln w="38100">
+            <a:solidFill>
+              <a:srgbClr val="7030A0"/>
+            </a:solidFill>
+          </a:ln>
+        </p:spPr>
+        <p:style>
+          <a:lnRef idx="1">
+            <a:schemeClr val="accent1"/>
+          </a:lnRef>
+          <a:fillRef idx="0">
+            <a:schemeClr val="accent1"/>
+          </a:fillRef>
+          <a:effectRef idx="0">
+            <a:schemeClr val="accent1"/>
+          </a:effectRef>
+          <a:fontRef idx="minor">
+            <a:schemeClr val="tx1"/>
+          </a:fontRef>
+        </p:style>
+      </p:cxnSp>
+      <p:sp>
+        <p:nvSpPr>
+          <p:cNvPr id="9" name="Subtítulo 2">
+            <a:extLst>
+              <a:ext uri="{FF2B5EF4-FFF2-40B4-BE49-F238E27FC236}">
+                <a16:creationId xmlns:a16="http://schemas.microsoft.com/office/drawing/2014/main" id="{B2F69EEF-1183-1D61-4B75-D786FD98E6A3}"/>
+              </a:ext>
+            </a:extLst>
+          </p:cNvPr>
+          <p:cNvSpPr txBox="1">
+            <a:spLocks/>
+          </p:cNvSpPr>
+          <p:nvPr/>
+        </p:nvSpPr>
+        <p:spPr>
+          <a:xfrm>
+            <a:off x="8285019" y="1602654"/>
+            <a:ext cx="3906981" cy="1154126"/>
+          </a:xfrm>
+          <a:prstGeom prst="rect">
+            <a:avLst/>
+          </a:prstGeom>
+        </p:spPr>
+        <p:txBody>
+          <a:bodyPr vert="horz" lIns="91440" tIns="45720" rIns="91440" bIns="45720" rtlCol="0">
+            <a:normAutofit/>
+          </a:bodyPr>
+          <a:lstStyle>
+            <a:lvl1pPr marL="0" indent="0" algn="ctr" defTabSz="914400" rtl="0" eaLnBrk="1" latinLnBrk="0" hangingPunct="1">
+              <a:lnSpc>
+                <a:spcPct val="90000"/>
+              </a:lnSpc>
+              <a:spcBef>
+                <a:spcPts val="1000"/>
+              </a:spcBef>
+              <a:buFont typeface="Arial" panose="020B0604020202020204" pitchFamily="34" charset="0"/>
+              <a:buNone/>
+              <a:defRPr sz="2400" kern="1200">
+                <a:solidFill>
+                  <a:schemeClr val="tx1"/>
+                </a:solidFill>
+                <a:latin typeface="+mn-lt"/>
+                <a:ea typeface="+mn-ea"/>
+                <a:cs typeface="+mn-cs"/>
+              </a:defRPr>
+            </a:lvl1pPr>
+            <a:lvl2pPr marL="457200" indent="0" algn="ctr" defTabSz="914400" rtl="0" eaLnBrk="1" latinLnBrk="0" hangingPunct="1">
+              <a:lnSpc>
+                <a:spcPct val="90000"/>
+              </a:lnSpc>
+              <a:spcBef>
+                <a:spcPts val="500"/>
+              </a:spcBef>
+              <a:buFont typeface="Arial" panose="020B0604020202020204" pitchFamily="34" charset="0"/>
+              <a:buNone/>
+              <a:defRPr sz="2000" kern="1200">
+                <a:solidFill>
+                  <a:schemeClr val="tx1"/>
+                </a:solidFill>
+                <a:latin typeface="+mn-lt"/>
+                <a:ea typeface="+mn-ea"/>
+                <a:cs typeface="+mn-cs"/>
+              </a:defRPr>
+            </a:lvl2pPr>
+            <a:lvl3pPr marL="914400" indent="0" algn="ctr" defTabSz="914400" rtl="0" eaLnBrk="1" latinLnBrk="0" hangingPunct="1">
+              <a:lnSpc>
+                <a:spcPct val="90000"/>
+              </a:lnSpc>
+              <a:spcBef>
+                <a:spcPts val="500"/>
+              </a:spcBef>
+              <a:buFont typeface="Arial" panose="020B0604020202020204" pitchFamily="34" charset="0"/>
+              <a:buNone/>
+              <a:defRPr sz="1800" kern="1200">
+                <a:solidFill>
+                  <a:schemeClr val="tx1"/>
+                </a:solidFill>
+                <a:latin typeface="+mn-lt"/>
+                <a:ea typeface="+mn-ea"/>
+                <a:cs typeface="+mn-cs"/>
+              </a:defRPr>
+            </a:lvl3pPr>
+            <a:lvl4pPr marL="1371600" indent="0" algn="ctr" defTabSz="914400" rtl="0" eaLnBrk="1" latinLnBrk="0" hangingPunct="1">
+              <a:lnSpc>
+                <a:spcPct val="90000"/>
+              </a:lnSpc>
+              <a:spcBef>
+                <a:spcPts val="500"/>
+              </a:spcBef>
+              <a:buFont typeface="Arial" panose="020B0604020202020204" pitchFamily="34" charset="0"/>
+              <a:buNone/>
+              <a:defRPr sz="1600" kern="1200">
+                <a:solidFill>
+                  <a:schemeClr val="tx1"/>
+                </a:solidFill>
+                <a:latin typeface="+mn-lt"/>
+                <a:ea typeface="+mn-ea"/>
+                <a:cs typeface="+mn-cs"/>
+              </a:defRPr>
+            </a:lvl4pPr>
+            <a:lvl5pPr marL="1828800" indent="0" algn="ctr" defTabSz="914400" rtl="0" eaLnBrk="1" latinLnBrk="0" hangingPunct="1">
+              <a:lnSpc>
+                <a:spcPct val="90000"/>
+              </a:lnSpc>
+              <a:spcBef>
+                <a:spcPts val="500"/>
+              </a:spcBef>
+              <a:buFont typeface="Arial" panose="020B0604020202020204" pitchFamily="34" charset="0"/>
+              <a:buNone/>
+              <a:defRPr sz="1600" kern="1200">
+                <a:solidFill>
+                  <a:schemeClr val="tx1"/>
+                </a:solidFill>
+                <a:latin typeface="+mn-lt"/>
+                <a:ea typeface="+mn-ea"/>
+                <a:cs typeface="+mn-cs"/>
+              </a:defRPr>
+            </a:lvl5pPr>
+            <a:lvl6pPr marL="2286000" indent="0" algn="ctr" defTabSz="914400" rtl="0" eaLnBrk="1" latinLnBrk="0" hangingPunct="1">
+              <a:lnSpc>
+                <a:spcPct val="90000"/>
+              </a:lnSpc>
+              <a:spcBef>
+                <a:spcPts val="500"/>
+              </a:spcBef>
+              <a:buFont typeface="Arial" panose="020B0604020202020204" pitchFamily="34" charset="0"/>
+              <a:buNone/>
+              <a:defRPr sz="1600" kern="1200">
+                <a:solidFill>
+                  <a:schemeClr val="tx1"/>
+                </a:solidFill>
+                <a:latin typeface="+mn-lt"/>
+                <a:ea typeface="+mn-ea"/>
+                <a:cs typeface="+mn-cs"/>
+              </a:defRPr>
+            </a:lvl6pPr>
+            <a:lvl7pPr marL="2743200" indent="0" algn="ctr" defTabSz="914400" rtl="0" eaLnBrk="1" latinLnBrk="0" hangingPunct="1">
+              <a:lnSpc>
+                <a:spcPct val="90000"/>
+              </a:lnSpc>
+              <a:spcBef>
+                <a:spcPts val="500"/>
+              </a:spcBef>
+              <a:buFont typeface="Arial" panose="020B0604020202020204" pitchFamily="34" charset="0"/>
+              <a:buNone/>
+              <a:defRPr sz="1600" kern="1200">
+                <a:solidFill>
+                  <a:schemeClr val="tx1"/>
+                </a:solidFill>
+                <a:latin typeface="+mn-lt"/>
+                <a:ea typeface="+mn-ea"/>
+                <a:cs typeface="+mn-cs"/>
+              </a:defRPr>
+            </a:lvl7pPr>
+            <a:lvl8pPr marL="3200400" indent="0" algn="ctr" defTabSz="914400" rtl="0" eaLnBrk="1" latinLnBrk="0" hangingPunct="1">
+              <a:lnSpc>
+                <a:spcPct val="90000"/>
+              </a:lnSpc>
+              <a:spcBef>
+                <a:spcPts val="500"/>
+              </a:spcBef>
+              <a:buFont typeface="Arial" panose="020B0604020202020204" pitchFamily="34" charset="0"/>
+              <a:buNone/>
+              <a:defRPr sz="1600" kern="1200">
+                <a:solidFill>
+                  <a:schemeClr val="tx1"/>
+                </a:solidFill>
+                <a:latin typeface="+mn-lt"/>
+                <a:ea typeface="+mn-ea"/>
+                <a:cs typeface="+mn-cs"/>
+              </a:defRPr>
+            </a:lvl8pPr>
+            <a:lvl9pPr marL="3657600" indent="0" algn="ctr" defTabSz="914400" rtl="0" eaLnBrk="1" latinLnBrk="0" hangingPunct="1">
+              <a:lnSpc>
+                <a:spcPct val="90000"/>
+              </a:lnSpc>
+              <a:spcBef>
+                <a:spcPts val="500"/>
+              </a:spcBef>
+              <a:buFont typeface="Arial" panose="020B0604020202020204" pitchFamily="34" charset="0"/>
+              <a:buNone/>
+              <a:defRPr sz="1600" kern="1200">
+                <a:solidFill>
+                  <a:schemeClr val="tx1"/>
+                </a:solidFill>
+                <a:latin typeface="+mn-lt"/>
+                <a:ea typeface="+mn-ea"/>
+                <a:cs typeface="+mn-cs"/>
+              </a:defRPr>
+            </a:lvl9pPr>
+          </a:lstStyle>
+          <a:p>
+            <a:pPr algn="l"/>
+            <a:r>
+              <a:rPr lang="es-MX" sz="1600" dirty="0"/>
+              <a:t>+ El resultado de un </a:t>
+            </a:r>
+            <a:r>
+              <a:rPr lang="es-MX" sz="1600" i="1" dirty="0" err="1"/>
+              <a:t>cross</a:t>
+            </a:r>
+            <a:r>
+              <a:rPr lang="es-MX" sz="1600" i="1" dirty="0"/>
+              <a:t> </a:t>
+            </a:r>
+            <a:r>
+              <a:rPr lang="es-MX" sz="1600" i="1" dirty="0" err="1"/>
+              <a:t>join</a:t>
+            </a:r>
+            <a:r>
+              <a:rPr lang="es-MX" sz="1600" b="1" i="1" dirty="0"/>
+              <a:t> </a:t>
+            </a:r>
+            <a:r>
+              <a:rPr lang="es-MX" sz="1600" dirty="0"/>
+              <a:t>de dos tablas consiste en combinar cada registro de la tabla1 con cada registro de la tabla2	</a:t>
+            </a:r>
+          </a:p>
+        </p:txBody>
+      </p:sp>
+      <p:sp>
+        <p:nvSpPr>
+          <p:cNvPr id="13" name="Subtítulo 2">
+            <a:extLst>
+              <a:ext uri="{FF2B5EF4-FFF2-40B4-BE49-F238E27FC236}">
+                <a16:creationId xmlns:a16="http://schemas.microsoft.com/office/drawing/2014/main" id="{CDA30FA0-62EA-B9DD-B6E3-CCBF716EC366}"/>
+              </a:ext>
+            </a:extLst>
+          </p:cNvPr>
+          <p:cNvSpPr txBox="1">
+            <a:spLocks/>
+          </p:cNvSpPr>
+          <p:nvPr/>
+        </p:nvSpPr>
+        <p:spPr>
+          <a:xfrm>
+            <a:off x="152400" y="2756779"/>
+            <a:ext cx="7966363" cy="3958813"/>
+          </a:xfrm>
+          <a:prstGeom prst="rect">
+            <a:avLst/>
+          </a:prstGeom>
+        </p:spPr>
+        <p:txBody>
+          <a:bodyPr vert="horz" lIns="91440" tIns="45720" rIns="91440" bIns="45720" rtlCol="0">
+            <a:normAutofit/>
+          </a:bodyPr>
+          <a:lstStyle>
+            <a:lvl1pPr marL="0" indent="0" algn="ctr" defTabSz="914400" rtl="0" eaLnBrk="1" latinLnBrk="0" hangingPunct="1">
+              <a:lnSpc>
+                <a:spcPct val="90000"/>
+              </a:lnSpc>
+              <a:spcBef>
+                <a:spcPts val="1000"/>
+              </a:spcBef>
+              <a:buFont typeface="Arial" panose="020B0604020202020204" pitchFamily="34" charset="0"/>
+              <a:buNone/>
+              <a:defRPr sz="2400" kern="1200">
+                <a:solidFill>
+                  <a:schemeClr val="tx1"/>
+                </a:solidFill>
+                <a:latin typeface="+mn-lt"/>
+                <a:ea typeface="+mn-ea"/>
+                <a:cs typeface="+mn-cs"/>
+              </a:defRPr>
+            </a:lvl1pPr>
+            <a:lvl2pPr marL="457200" indent="0" algn="ctr" defTabSz="914400" rtl="0" eaLnBrk="1" latinLnBrk="0" hangingPunct="1">
+              <a:lnSpc>
+                <a:spcPct val="90000"/>
+              </a:lnSpc>
+              <a:spcBef>
+                <a:spcPts val="500"/>
+              </a:spcBef>
+              <a:buFont typeface="Arial" panose="020B0604020202020204" pitchFamily="34" charset="0"/>
+              <a:buNone/>
+              <a:defRPr sz="2000" kern="1200">
+                <a:solidFill>
+                  <a:schemeClr val="tx1"/>
+                </a:solidFill>
+                <a:latin typeface="+mn-lt"/>
+                <a:ea typeface="+mn-ea"/>
+                <a:cs typeface="+mn-cs"/>
+              </a:defRPr>
+            </a:lvl2pPr>
+            <a:lvl3pPr marL="914400" indent="0" algn="ctr" defTabSz="914400" rtl="0" eaLnBrk="1" latinLnBrk="0" hangingPunct="1">
+              <a:lnSpc>
+                <a:spcPct val="90000"/>
+              </a:lnSpc>
+              <a:spcBef>
+                <a:spcPts val="500"/>
+              </a:spcBef>
+              <a:buFont typeface="Arial" panose="020B0604020202020204" pitchFamily="34" charset="0"/>
+              <a:buNone/>
+              <a:defRPr sz="1800" kern="1200">
+                <a:solidFill>
+                  <a:schemeClr val="tx1"/>
+                </a:solidFill>
+                <a:latin typeface="+mn-lt"/>
+                <a:ea typeface="+mn-ea"/>
+                <a:cs typeface="+mn-cs"/>
+              </a:defRPr>
+            </a:lvl3pPr>
+            <a:lvl4pPr marL="1371600" indent="0" algn="ctr" defTabSz="914400" rtl="0" eaLnBrk="1" latinLnBrk="0" hangingPunct="1">
+              <a:lnSpc>
+                <a:spcPct val="90000"/>
+              </a:lnSpc>
+              <a:spcBef>
+                <a:spcPts val="500"/>
+              </a:spcBef>
+              <a:buFont typeface="Arial" panose="020B0604020202020204" pitchFamily="34" charset="0"/>
+              <a:buNone/>
+              <a:defRPr sz="1600" kern="1200">
+                <a:solidFill>
+                  <a:schemeClr val="tx1"/>
+                </a:solidFill>
+                <a:latin typeface="+mn-lt"/>
+                <a:ea typeface="+mn-ea"/>
+                <a:cs typeface="+mn-cs"/>
+              </a:defRPr>
+            </a:lvl4pPr>
+            <a:lvl5pPr marL="1828800" indent="0" algn="ctr" defTabSz="914400" rtl="0" eaLnBrk="1" latinLnBrk="0" hangingPunct="1">
+              <a:lnSpc>
+                <a:spcPct val="90000"/>
+              </a:lnSpc>
+              <a:spcBef>
+                <a:spcPts val="500"/>
+              </a:spcBef>
+              <a:buFont typeface="Arial" panose="020B0604020202020204" pitchFamily="34" charset="0"/>
+              <a:buNone/>
+              <a:defRPr sz="1600" kern="1200">
+                <a:solidFill>
+                  <a:schemeClr val="tx1"/>
+                </a:solidFill>
+                <a:latin typeface="+mn-lt"/>
+                <a:ea typeface="+mn-ea"/>
+                <a:cs typeface="+mn-cs"/>
+              </a:defRPr>
+            </a:lvl5pPr>
+            <a:lvl6pPr marL="2286000" indent="0" algn="ctr" defTabSz="914400" rtl="0" eaLnBrk="1" latinLnBrk="0" hangingPunct="1">
+              <a:lnSpc>
+                <a:spcPct val="90000"/>
+              </a:lnSpc>
+              <a:spcBef>
+                <a:spcPts val="500"/>
+              </a:spcBef>
+              <a:buFont typeface="Arial" panose="020B0604020202020204" pitchFamily="34" charset="0"/>
+              <a:buNone/>
+              <a:defRPr sz="1600" kern="1200">
+                <a:solidFill>
+                  <a:schemeClr val="tx1"/>
+                </a:solidFill>
+                <a:latin typeface="+mn-lt"/>
+                <a:ea typeface="+mn-ea"/>
+                <a:cs typeface="+mn-cs"/>
+              </a:defRPr>
+            </a:lvl6pPr>
+            <a:lvl7pPr marL="2743200" indent="0" algn="ctr" defTabSz="914400" rtl="0" eaLnBrk="1" latinLnBrk="0" hangingPunct="1">
+              <a:lnSpc>
+                <a:spcPct val="90000"/>
+              </a:lnSpc>
+              <a:spcBef>
+                <a:spcPts val="500"/>
+              </a:spcBef>
+              <a:buFont typeface="Arial" panose="020B0604020202020204" pitchFamily="34" charset="0"/>
+              <a:buNone/>
+              <a:defRPr sz="1600" kern="1200">
+                <a:solidFill>
+                  <a:schemeClr val="tx1"/>
+                </a:solidFill>
+                <a:latin typeface="+mn-lt"/>
+                <a:ea typeface="+mn-ea"/>
+                <a:cs typeface="+mn-cs"/>
+              </a:defRPr>
+            </a:lvl7pPr>
+            <a:lvl8pPr marL="3200400" indent="0" algn="ctr" defTabSz="914400" rtl="0" eaLnBrk="1" latinLnBrk="0" hangingPunct="1">
+              <a:lnSpc>
+                <a:spcPct val="90000"/>
+              </a:lnSpc>
+              <a:spcBef>
+                <a:spcPts val="500"/>
+              </a:spcBef>
+              <a:buFont typeface="Arial" panose="020B0604020202020204" pitchFamily="34" charset="0"/>
+              <a:buNone/>
+              <a:defRPr sz="1600" kern="1200">
+                <a:solidFill>
+                  <a:schemeClr val="tx1"/>
+                </a:solidFill>
+                <a:latin typeface="+mn-lt"/>
+                <a:ea typeface="+mn-ea"/>
+                <a:cs typeface="+mn-cs"/>
+              </a:defRPr>
+            </a:lvl8pPr>
+            <a:lvl9pPr marL="3657600" indent="0" algn="ctr" defTabSz="914400" rtl="0" eaLnBrk="1" latinLnBrk="0" hangingPunct="1">
+              <a:lnSpc>
+                <a:spcPct val="90000"/>
+              </a:lnSpc>
+              <a:spcBef>
+                <a:spcPts val="500"/>
+              </a:spcBef>
+              <a:buFont typeface="Arial" panose="020B0604020202020204" pitchFamily="34" charset="0"/>
+              <a:buNone/>
+              <a:defRPr sz="1600" kern="1200">
+                <a:solidFill>
+                  <a:schemeClr val="tx1"/>
+                </a:solidFill>
+                <a:latin typeface="+mn-lt"/>
+                <a:ea typeface="+mn-ea"/>
+                <a:cs typeface="+mn-cs"/>
+              </a:defRPr>
+            </a:lvl9pPr>
+          </a:lstStyle>
+          <a:p>
+            <a:pPr algn="l"/>
+            <a:r>
+              <a:rPr lang="es-MX" sz="2000" b="1" dirty="0">
+                <a:solidFill>
+                  <a:schemeClr val="accent1"/>
+                </a:solidFill>
+              </a:rPr>
+              <a:t>CREATE TABLE </a:t>
+            </a:r>
+            <a:r>
+              <a:rPr lang="es-MX" sz="2000" dirty="0" err="1">
+                <a:solidFill>
+                  <a:schemeClr val="accent1"/>
+                </a:solidFill>
+              </a:rPr>
+              <a:t>month</a:t>
+            </a:r>
+            <a:r>
+              <a:rPr lang="es-MX" sz="2000" dirty="0">
+                <a:solidFill>
+                  <a:schemeClr val="accent1"/>
+                </a:solidFill>
+              </a:rPr>
+              <a:t>( MM </a:t>
+            </a:r>
+            <a:r>
+              <a:rPr lang="es-MX" sz="2000" dirty="0" err="1">
+                <a:solidFill>
+                  <a:schemeClr val="accent1"/>
+                </a:solidFill>
+              </a:rPr>
+              <a:t>int</a:t>
+            </a:r>
+            <a:r>
+              <a:rPr lang="es-MX" sz="2000" dirty="0">
+                <a:solidFill>
+                  <a:schemeClr val="accent1"/>
+                </a:solidFill>
+              </a:rPr>
+              <a:t>);</a:t>
+            </a:r>
+          </a:p>
+          <a:p>
+            <a:pPr algn="l"/>
+            <a:r>
+              <a:rPr lang="es-MX" sz="2000" b="1" dirty="0">
+                <a:solidFill>
+                  <a:schemeClr val="accent1"/>
+                </a:solidFill>
+              </a:rPr>
+              <a:t>CREATE TABLE </a:t>
+            </a:r>
+            <a:r>
+              <a:rPr lang="es-MX" sz="2000" dirty="0" err="1">
+                <a:solidFill>
+                  <a:schemeClr val="accent1"/>
+                </a:solidFill>
+              </a:rPr>
+              <a:t>year</a:t>
+            </a:r>
+            <a:r>
+              <a:rPr lang="es-MX" sz="2000" dirty="0">
+                <a:solidFill>
+                  <a:schemeClr val="accent1"/>
+                </a:solidFill>
+              </a:rPr>
+              <a:t>( YYYY </a:t>
+            </a:r>
+            <a:r>
+              <a:rPr lang="es-MX" sz="2000" dirty="0" err="1">
+                <a:solidFill>
+                  <a:schemeClr val="accent1"/>
+                </a:solidFill>
+              </a:rPr>
+              <a:t>int</a:t>
+            </a:r>
+            <a:r>
+              <a:rPr lang="es-MX" sz="2000" dirty="0">
+                <a:solidFill>
+                  <a:schemeClr val="accent1"/>
+                </a:solidFill>
+              </a:rPr>
+              <a:t>);</a:t>
+            </a:r>
+          </a:p>
+          <a:p>
+            <a:pPr algn="l"/>
+            <a:endParaRPr lang="es-MX" sz="2000" b="1" dirty="0">
+              <a:solidFill>
+                <a:schemeClr val="accent1"/>
+              </a:solidFill>
+            </a:endParaRPr>
+          </a:p>
+          <a:p>
+            <a:pPr algn="l"/>
+            <a:r>
+              <a:rPr lang="es-MX" sz="2000" b="1" dirty="0">
+                <a:solidFill>
+                  <a:schemeClr val="accent1"/>
+                </a:solidFill>
+              </a:rPr>
+              <a:t>INSERT INTO </a:t>
+            </a:r>
+            <a:r>
+              <a:rPr lang="es-MX" sz="2000" dirty="0" err="1">
+                <a:solidFill>
+                  <a:schemeClr val="accent1"/>
+                </a:solidFill>
+              </a:rPr>
+              <a:t>month</a:t>
+            </a:r>
+            <a:r>
+              <a:rPr lang="es-MX" sz="2000" dirty="0">
+                <a:solidFill>
+                  <a:schemeClr val="accent1"/>
+                </a:solidFill>
+              </a:rPr>
+              <a:t> </a:t>
+            </a:r>
+          </a:p>
+          <a:p>
+            <a:pPr algn="l"/>
+            <a:r>
+              <a:rPr lang="es-MX" sz="2000" b="1" dirty="0">
+                <a:solidFill>
+                  <a:schemeClr val="accent1"/>
+                </a:solidFill>
+              </a:rPr>
+              <a:t>VALUES </a:t>
+            </a:r>
+            <a:r>
+              <a:rPr lang="es-MX" sz="2000" dirty="0">
+                <a:solidFill>
+                  <a:schemeClr val="accent1"/>
+                </a:solidFill>
+              </a:rPr>
+              <a:t>(1), (2), (3), (4), … , (12);</a:t>
+            </a:r>
+          </a:p>
+          <a:p>
+            <a:pPr algn="l"/>
+            <a:r>
+              <a:rPr lang="es-MX" sz="2000" b="1" dirty="0">
+                <a:solidFill>
+                  <a:schemeClr val="accent1"/>
+                </a:solidFill>
+              </a:rPr>
+              <a:t>INSERT INTO </a:t>
+            </a:r>
+            <a:r>
+              <a:rPr lang="es-MX" sz="2000" dirty="0" err="1">
+                <a:solidFill>
+                  <a:schemeClr val="accent1"/>
+                </a:solidFill>
+              </a:rPr>
+              <a:t>year</a:t>
+            </a:r>
+            <a:endParaRPr lang="es-MX" sz="2000" dirty="0">
+              <a:solidFill>
+                <a:schemeClr val="accent1"/>
+              </a:solidFill>
+            </a:endParaRPr>
+          </a:p>
+          <a:p>
+            <a:pPr algn="l"/>
+            <a:r>
+              <a:rPr lang="es-MX" sz="2000" b="1" dirty="0">
+                <a:solidFill>
+                  <a:schemeClr val="accent1"/>
+                </a:solidFill>
+              </a:rPr>
+              <a:t>VALUES </a:t>
+            </a:r>
+            <a:r>
+              <a:rPr lang="es-MX" sz="2000" dirty="0">
+                <a:solidFill>
+                  <a:schemeClr val="accent1"/>
+                </a:solidFill>
+              </a:rPr>
+              <a:t>(2011), (2012), (2013), (20144), … , (2021);</a:t>
+            </a:r>
+          </a:p>
+          <a:p>
+            <a:pPr algn="l"/>
+            <a:endParaRPr lang="es-MX" sz="2000" dirty="0">
+              <a:solidFill>
+                <a:schemeClr val="accent1"/>
+              </a:solidFill>
+            </a:endParaRPr>
+          </a:p>
+          <a:p>
+            <a:pPr algn="l"/>
+            <a:r>
+              <a:rPr lang="es-MX" sz="2000" b="1" dirty="0">
+                <a:solidFill>
+                  <a:schemeClr val="accent1"/>
+                </a:solidFill>
+              </a:rPr>
+              <a:t>SELECT</a:t>
+            </a:r>
+            <a:r>
+              <a:rPr lang="es-MX" sz="2000" dirty="0">
+                <a:solidFill>
+                  <a:schemeClr val="accent1"/>
+                </a:solidFill>
+              </a:rPr>
+              <a:t> </a:t>
+            </a:r>
+            <a:r>
+              <a:rPr lang="es-MX" sz="2000" dirty="0" err="1">
+                <a:solidFill>
+                  <a:schemeClr val="accent1"/>
+                </a:solidFill>
+              </a:rPr>
+              <a:t>a.YYYY</a:t>
+            </a:r>
+            <a:r>
+              <a:rPr lang="es-MX" sz="2000" dirty="0">
+                <a:solidFill>
+                  <a:schemeClr val="accent1"/>
+                </a:solidFill>
+              </a:rPr>
+              <a:t>, b.MM </a:t>
+            </a:r>
+            <a:r>
+              <a:rPr lang="es-MX" sz="2000" b="1" dirty="0">
+                <a:solidFill>
+                  <a:schemeClr val="accent1"/>
+                </a:solidFill>
+              </a:rPr>
+              <a:t>FROM</a:t>
+            </a:r>
+            <a:r>
+              <a:rPr lang="es-MX" sz="2000" dirty="0">
+                <a:solidFill>
+                  <a:schemeClr val="accent1"/>
+                </a:solidFill>
+              </a:rPr>
+              <a:t> </a:t>
+            </a:r>
+            <a:r>
+              <a:rPr lang="es-MX" sz="2000" dirty="0" err="1">
+                <a:solidFill>
+                  <a:schemeClr val="accent1"/>
+                </a:solidFill>
+              </a:rPr>
+              <a:t>year</a:t>
+            </a:r>
+            <a:r>
+              <a:rPr lang="es-MX" sz="2000" dirty="0">
+                <a:solidFill>
+                  <a:schemeClr val="accent1"/>
+                </a:solidFill>
+              </a:rPr>
+              <a:t> </a:t>
+            </a:r>
+            <a:r>
+              <a:rPr lang="es-MX" sz="2000" b="1" dirty="0">
+                <a:solidFill>
+                  <a:schemeClr val="accent1"/>
+                </a:solidFill>
+              </a:rPr>
+              <a:t>AS</a:t>
+            </a:r>
+            <a:r>
+              <a:rPr lang="es-MX" sz="2000" dirty="0">
+                <a:solidFill>
+                  <a:schemeClr val="accent1"/>
+                </a:solidFill>
+              </a:rPr>
+              <a:t> a, </a:t>
+            </a:r>
+            <a:r>
+              <a:rPr lang="es-MX" sz="2000" dirty="0" err="1">
+                <a:solidFill>
+                  <a:schemeClr val="accent1"/>
+                </a:solidFill>
+              </a:rPr>
+              <a:t>month</a:t>
+            </a:r>
+            <a:r>
+              <a:rPr lang="es-MX" sz="2000" dirty="0">
+                <a:solidFill>
+                  <a:schemeClr val="accent1"/>
+                </a:solidFill>
+              </a:rPr>
+              <a:t> </a:t>
+            </a:r>
+            <a:r>
+              <a:rPr lang="es-MX" sz="2000" b="1" dirty="0">
+                <a:solidFill>
+                  <a:schemeClr val="accent1"/>
+                </a:solidFill>
+              </a:rPr>
+              <a:t>AS</a:t>
+            </a:r>
+            <a:r>
+              <a:rPr lang="es-MX" sz="2000" dirty="0">
+                <a:solidFill>
+                  <a:schemeClr val="accent1"/>
+                </a:solidFill>
+              </a:rPr>
+              <a:t> b</a:t>
+            </a:r>
+            <a:r>
+              <a:rPr lang="es-MX" sz="2000" b="1" dirty="0">
+                <a:solidFill>
+                  <a:schemeClr val="accent1"/>
+                </a:solidFill>
+              </a:rPr>
+              <a:t>;</a:t>
+            </a:r>
+          </a:p>
+          <a:p>
+            <a:pPr algn="l"/>
+            <a:endParaRPr lang="es-MX" sz="2000" b="1" dirty="0">
+              <a:solidFill>
+                <a:schemeClr val="accent1"/>
+              </a:solidFill>
+            </a:endParaRPr>
+          </a:p>
+        </p:txBody>
+      </p:sp>
+    </p:spTree>
+    <p:extLst>
+      <p:ext uri="{BB962C8B-B14F-4D97-AF65-F5344CB8AC3E}">
+        <p14:creationId xmlns:p14="http://schemas.microsoft.com/office/powerpoint/2010/main" val="1723116588"/>
       </p:ext>
     </p:extLst>
   </p:cSld>

--- a/Curso AABD-SQL (Notas).pptx
+++ b/Curso AABD-SQL (Notas).pptx
@@ -5,7 +5,7 @@
     <p:sldMasterId id="2147483648" r:id="rId1"/>
   </p:sldMasterIdLst>
   <p:notesMasterIdLst>
-    <p:notesMasterId r:id="rId40"/>
+    <p:notesMasterId r:id="rId44"/>
   </p:notesMasterIdLst>
   <p:sldIdLst>
     <p:sldId id="256" r:id="rId2"/>
@@ -46,6 +46,10 @@
     <p:sldId id="292" r:id="rId37"/>
     <p:sldId id="293" r:id="rId38"/>
     <p:sldId id="294" r:id="rId39"/>
+    <p:sldId id="295" r:id="rId40"/>
+    <p:sldId id="296" r:id="rId41"/>
+    <p:sldId id="297" r:id="rId42"/>
+    <p:sldId id="298" r:id="rId43"/>
   </p:sldIdLst>
   <p:sldSz cx="12192000" cy="6858000"/>
   <p:notesSz cx="6858000" cy="9144000"/>
@@ -234,7 +238,7 @@
           <a:p>
             <a:fld id="{60FC0CF0-3796-4E17-B7ED-E5E607CC2E7A}" type="datetimeFigureOut">
               <a:rPr lang="es-MX" smtClean="0"/>
-              <a:t>13/06/2023</a:t>
+              <a:t>14/06/2023</a:t>
             </a:fld>
             <a:endParaRPr lang="es-MX"/>
           </a:p>
@@ -670,6 +674,342 @@
 </p:notes>
 </file>
 
+<file path=ppt/notesSlides/notesSlide11.xml><?xml version="1.0" encoding="utf-8"?>
+<p:notes xmlns:a="http://schemas.openxmlformats.org/drawingml/2006/main" xmlns:r="http://schemas.openxmlformats.org/officeDocument/2006/relationships" xmlns:p="http://schemas.openxmlformats.org/presentationml/2006/main">
+  <p:cSld>
+    <p:spTree>
+      <p:nvGrpSpPr>
+        <p:cNvPr id="1" name=""/>
+        <p:cNvGrpSpPr/>
+        <p:nvPr/>
+      </p:nvGrpSpPr>
+      <p:grpSpPr>
+        <a:xfrm>
+          <a:off x="0" y="0"/>
+          <a:ext cx="0" cy="0"/>
+          <a:chOff x="0" y="0"/>
+          <a:chExt cx="0" cy="0"/>
+        </a:xfrm>
+      </p:grpSpPr>
+      <p:sp>
+        <p:nvSpPr>
+          <p:cNvPr id="2" name="Marcador de imagen de diapositiva 1"/>
+          <p:cNvSpPr>
+            <a:spLocks noGrp="1" noRot="1" noChangeAspect="1"/>
+          </p:cNvSpPr>
+          <p:nvPr>
+            <p:ph type="sldImg"/>
+          </p:nvPr>
+        </p:nvSpPr>
+        <p:spPr/>
+      </p:sp>
+      <p:sp>
+        <p:nvSpPr>
+          <p:cNvPr id="3" name="Marcador de notas 2"/>
+          <p:cNvSpPr>
+            <a:spLocks noGrp="1"/>
+          </p:cNvSpPr>
+          <p:nvPr>
+            <p:ph type="body" idx="1"/>
+          </p:nvPr>
+        </p:nvSpPr>
+        <p:spPr/>
+        <p:txBody>
+          <a:bodyPr/>
+          <a:lstStyle/>
+          <a:p>
+            <a:endParaRPr lang="es-MX" dirty="0"/>
+          </a:p>
+        </p:txBody>
+      </p:sp>
+      <p:sp>
+        <p:nvSpPr>
+          <p:cNvPr id="4" name="Marcador de número de diapositiva 3"/>
+          <p:cNvSpPr>
+            <a:spLocks noGrp="1"/>
+          </p:cNvSpPr>
+          <p:nvPr>
+            <p:ph type="sldNum" sz="quarter" idx="5"/>
+          </p:nvPr>
+        </p:nvSpPr>
+        <p:spPr/>
+        <p:txBody>
+          <a:bodyPr/>
+          <a:lstStyle/>
+          <a:p>
+            <a:fld id="{D4A78022-2530-4603-9FD9-5FBF83922B58}" type="slidenum">
+              <a:rPr lang="es-MX" smtClean="0"/>
+              <a:t>39</a:t>
+            </a:fld>
+            <a:endParaRPr lang="es-MX"/>
+          </a:p>
+        </p:txBody>
+      </p:sp>
+    </p:spTree>
+    <p:extLst>
+      <p:ext uri="{BB962C8B-B14F-4D97-AF65-F5344CB8AC3E}">
+        <p14:creationId xmlns:p14="http://schemas.microsoft.com/office/powerpoint/2010/main" val="1643736139"/>
+      </p:ext>
+    </p:extLst>
+  </p:cSld>
+  <p:clrMapOvr>
+    <a:masterClrMapping/>
+  </p:clrMapOvr>
+</p:notes>
+</file>
+
+<file path=ppt/notesSlides/notesSlide12.xml><?xml version="1.0" encoding="utf-8"?>
+<p:notes xmlns:a="http://schemas.openxmlformats.org/drawingml/2006/main" xmlns:r="http://schemas.openxmlformats.org/officeDocument/2006/relationships" xmlns:p="http://schemas.openxmlformats.org/presentationml/2006/main">
+  <p:cSld>
+    <p:spTree>
+      <p:nvGrpSpPr>
+        <p:cNvPr id="1" name=""/>
+        <p:cNvGrpSpPr/>
+        <p:nvPr/>
+      </p:nvGrpSpPr>
+      <p:grpSpPr>
+        <a:xfrm>
+          <a:off x="0" y="0"/>
+          <a:ext cx="0" cy="0"/>
+          <a:chOff x="0" y="0"/>
+          <a:chExt cx="0" cy="0"/>
+        </a:xfrm>
+      </p:grpSpPr>
+      <p:sp>
+        <p:nvSpPr>
+          <p:cNvPr id="2" name="Marcador de imagen de diapositiva 1"/>
+          <p:cNvSpPr>
+            <a:spLocks noGrp="1" noRot="1" noChangeAspect="1"/>
+          </p:cNvSpPr>
+          <p:nvPr>
+            <p:ph type="sldImg"/>
+          </p:nvPr>
+        </p:nvSpPr>
+        <p:spPr/>
+      </p:sp>
+      <p:sp>
+        <p:nvSpPr>
+          <p:cNvPr id="3" name="Marcador de notas 2"/>
+          <p:cNvSpPr>
+            <a:spLocks noGrp="1"/>
+          </p:cNvSpPr>
+          <p:nvPr>
+            <p:ph type="body" idx="1"/>
+          </p:nvPr>
+        </p:nvSpPr>
+        <p:spPr/>
+        <p:txBody>
+          <a:bodyPr/>
+          <a:lstStyle/>
+          <a:p>
+            <a:endParaRPr lang="es-MX" dirty="0"/>
+          </a:p>
+        </p:txBody>
+      </p:sp>
+      <p:sp>
+        <p:nvSpPr>
+          <p:cNvPr id="4" name="Marcador de número de diapositiva 3"/>
+          <p:cNvSpPr>
+            <a:spLocks noGrp="1"/>
+          </p:cNvSpPr>
+          <p:nvPr>
+            <p:ph type="sldNum" sz="quarter" idx="5"/>
+          </p:nvPr>
+        </p:nvSpPr>
+        <p:spPr/>
+        <p:txBody>
+          <a:bodyPr/>
+          <a:lstStyle/>
+          <a:p>
+            <a:fld id="{D4A78022-2530-4603-9FD9-5FBF83922B58}" type="slidenum">
+              <a:rPr lang="es-MX" smtClean="0"/>
+              <a:t>40</a:t>
+            </a:fld>
+            <a:endParaRPr lang="es-MX"/>
+          </a:p>
+        </p:txBody>
+      </p:sp>
+    </p:spTree>
+    <p:extLst>
+      <p:ext uri="{BB962C8B-B14F-4D97-AF65-F5344CB8AC3E}">
+        <p14:creationId xmlns:p14="http://schemas.microsoft.com/office/powerpoint/2010/main" val="1675175383"/>
+      </p:ext>
+    </p:extLst>
+  </p:cSld>
+  <p:clrMapOvr>
+    <a:masterClrMapping/>
+  </p:clrMapOvr>
+</p:notes>
+</file>
+
+<file path=ppt/notesSlides/notesSlide13.xml><?xml version="1.0" encoding="utf-8"?>
+<p:notes xmlns:a="http://schemas.openxmlformats.org/drawingml/2006/main" xmlns:r="http://schemas.openxmlformats.org/officeDocument/2006/relationships" xmlns:p="http://schemas.openxmlformats.org/presentationml/2006/main">
+  <p:cSld>
+    <p:spTree>
+      <p:nvGrpSpPr>
+        <p:cNvPr id="1" name=""/>
+        <p:cNvGrpSpPr/>
+        <p:nvPr/>
+      </p:nvGrpSpPr>
+      <p:grpSpPr>
+        <a:xfrm>
+          <a:off x="0" y="0"/>
+          <a:ext cx="0" cy="0"/>
+          <a:chOff x="0" y="0"/>
+          <a:chExt cx="0" cy="0"/>
+        </a:xfrm>
+      </p:grpSpPr>
+      <p:sp>
+        <p:nvSpPr>
+          <p:cNvPr id="2" name="Marcador de imagen de diapositiva 1"/>
+          <p:cNvSpPr>
+            <a:spLocks noGrp="1" noRot="1" noChangeAspect="1"/>
+          </p:cNvSpPr>
+          <p:nvPr>
+            <p:ph type="sldImg"/>
+          </p:nvPr>
+        </p:nvSpPr>
+        <p:spPr/>
+      </p:sp>
+      <p:sp>
+        <p:nvSpPr>
+          <p:cNvPr id="3" name="Marcador de notas 2"/>
+          <p:cNvSpPr>
+            <a:spLocks noGrp="1"/>
+          </p:cNvSpPr>
+          <p:nvPr>
+            <p:ph type="body" idx="1"/>
+          </p:nvPr>
+        </p:nvSpPr>
+        <p:spPr/>
+        <p:txBody>
+          <a:bodyPr/>
+          <a:lstStyle/>
+          <a:p>
+            <a:endParaRPr lang="es-MX" dirty="0"/>
+          </a:p>
+        </p:txBody>
+      </p:sp>
+      <p:sp>
+        <p:nvSpPr>
+          <p:cNvPr id="4" name="Marcador de número de diapositiva 3"/>
+          <p:cNvSpPr>
+            <a:spLocks noGrp="1"/>
+          </p:cNvSpPr>
+          <p:nvPr>
+            <p:ph type="sldNum" sz="quarter" idx="5"/>
+          </p:nvPr>
+        </p:nvSpPr>
+        <p:spPr/>
+        <p:txBody>
+          <a:bodyPr/>
+          <a:lstStyle/>
+          <a:p>
+            <a:fld id="{D4A78022-2530-4603-9FD9-5FBF83922B58}" type="slidenum">
+              <a:rPr lang="es-MX" smtClean="0"/>
+              <a:t>41</a:t>
+            </a:fld>
+            <a:endParaRPr lang="es-MX"/>
+          </a:p>
+        </p:txBody>
+      </p:sp>
+    </p:spTree>
+    <p:extLst>
+      <p:ext uri="{BB962C8B-B14F-4D97-AF65-F5344CB8AC3E}">
+        <p14:creationId xmlns:p14="http://schemas.microsoft.com/office/powerpoint/2010/main" val="1946581751"/>
+      </p:ext>
+    </p:extLst>
+  </p:cSld>
+  <p:clrMapOvr>
+    <a:masterClrMapping/>
+  </p:clrMapOvr>
+</p:notes>
+</file>
+
+<file path=ppt/notesSlides/notesSlide14.xml><?xml version="1.0" encoding="utf-8"?>
+<p:notes xmlns:a="http://schemas.openxmlformats.org/drawingml/2006/main" xmlns:r="http://schemas.openxmlformats.org/officeDocument/2006/relationships" xmlns:p="http://schemas.openxmlformats.org/presentationml/2006/main">
+  <p:cSld>
+    <p:spTree>
+      <p:nvGrpSpPr>
+        <p:cNvPr id="1" name=""/>
+        <p:cNvGrpSpPr/>
+        <p:nvPr/>
+      </p:nvGrpSpPr>
+      <p:grpSpPr>
+        <a:xfrm>
+          <a:off x="0" y="0"/>
+          <a:ext cx="0" cy="0"/>
+          <a:chOff x="0" y="0"/>
+          <a:chExt cx="0" cy="0"/>
+        </a:xfrm>
+      </p:grpSpPr>
+      <p:sp>
+        <p:nvSpPr>
+          <p:cNvPr id="2" name="Marcador de imagen de diapositiva 1"/>
+          <p:cNvSpPr>
+            <a:spLocks noGrp="1" noRot="1" noChangeAspect="1"/>
+          </p:cNvSpPr>
+          <p:nvPr>
+            <p:ph type="sldImg"/>
+          </p:nvPr>
+        </p:nvSpPr>
+        <p:spPr/>
+      </p:sp>
+      <p:sp>
+        <p:nvSpPr>
+          <p:cNvPr id="3" name="Marcador de notas 2"/>
+          <p:cNvSpPr>
+            <a:spLocks noGrp="1"/>
+          </p:cNvSpPr>
+          <p:nvPr>
+            <p:ph type="body" idx="1"/>
+          </p:nvPr>
+        </p:nvSpPr>
+        <p:spPr/>
+        <p:txBody>
+          <a:bodyPr/>
+          <a:lstStyle/>
+          <a:p>
+            <a:endParaRPr lang="es-MX" dirty="0"/>
+          </a:p>
+        </p:txBody>
+      </p:sp>
+      <p:sp>
+        <p:nvSpPr>
+          <p:cNvPr id="4" name="Marcador de número de diapositiva 3"/>
+          <p:cNvSpPr>
+            <a:spLocks noGrp="1"/>
+          </p:cNvSpPr>
+          <p:nvPr>
+            <p:ph type="sldNum" sz="quarter" idx="5"/>
+          </p:nvPr>
+        </p:nvSpPr>
+        <p:spPr/>
+        <p:txBody>
+          <a:bodyPr/>
+          <a:lstStyle/>
+          <a:p>
+            <a:fld id="{D4A78022-2530-4603-9FD9-5FBF83922B58}" type="slidenum">
+              <a:rPr lang="es-MX" smtClean="0"/>
+              <a:t>42</a:t>
+            </a:fld>
+            <a:endParaRPr lang="es-MX"/>
+          </a:p>
+        </p:txBody>
+      </p:sp>
+    </p:spTree>
+    <p:extLst>
+      <p:ext uri="{BB962C8B-B14F-4D97-AF65-F5344CB8AC3E}">
+        <p14:creationId xmlns:p14="http://schemas.microsoft.com/office/powerpoint/2010/main" val="518360009"/>
+      </p:ext>
+    </p:extLst>
+  </p:cSld>
+  <p:clrMapOvr>
+    <a:masterClrMapping/>
+  </p:clrMapOvr>
+</p:notes>
+</file>
+
 <file path=ppt/notesSlides/notesSlide2.xml><?xml version="1.0" encoding="utf-8"?>
 <p:notes xmlns:a="http://schemas.openxmlformats.org/drawingml/2006/main" xmlns:r="http://schemas.openxmlformats.org/officeDocument/2006/relationships" xmlns:p="http://schemas.openxmlformats.org/presentationml/2006/main">
   <p:cSld>
@@ -1491,7 +1831,7 @@
           <a:p>
             <a:fld id="{88DB2A45-B92C-450A-8ABF-83088A5CA865}" type="datetimeFigureOut">
               <a:rPr lang="es-MX" smtClean="0"/>
-              <a:t>13/06/2023</a:t>
+              <a:t>14/06/2023</a:t>
             </a:fld>
             <a:endParaRPr lang="es-MX"/>
           </a:p>
@@ -1691,7 +2031,7 @@
           <a:p>
             <a:fld id="{88DB2A45-B92C-450A-8ABF-83088A5CA865}" type="datetimeFigureOut">
               <a:rPr lang="es-MX" smtClean="0"/>
-              <a:t>13/06/2023</a:t>
+              <a:t>14/06/2023</a:t>
             </a:fld>
             <a:endParaRPr lang="es-MX"/>
           </a:p>
@@ -1901,7 +2241,7 @@
           <a:p>
             <a:fld id="{88DB2A45-B92C-450A-8ABF-83088A5CA865}" type="datetimeFigureOut">
               <a:rPr lang="es-MX" smtClean="0"/>
-              <a:t>13/06/2023</a:t>
+              <a:t>14/06/2023</a:t>
             </a:fld>
             <a:endParaRPr lang="es-MX"/>
           </a:p>
@@ -2101,7 +2441,7 @@
           <a:p>
             <a:fld id="{88DB2A45-B92C-450A-8ABF-83088A5CA865}" type="datetimeFigureOut">
               <a:rPr lang="es-MX" smtClean="0"/>
-              <a:t>13/06/2023</a:t>
+              <a:t>14/06/2023</a:t>
             </a:fld>
             <a:endParaRPr lang="es-MX"/>
           </a:p>
@@ -2377,7 +2717,7 @@
           <a:p>
             <a:fld id="{88DB2A45-B92C-450A-8ABF-83088A5CA865}" type="datetimeFigureOut">
               <a:rPr lang="es-MX" smtClean="0"/>
-              <a:t>13/06/2023</a:t>
+              <a:t>14/06/2023</a:t>
             </a:fld>
             <a:endParaRPr lang="es-MX"/>
           </a:p>
@@ -2645,7 +2985,7 @@
           <a:p>
             <a:fld id="{88DB2A45-B92C-450A-8ABF-83088A5CA865}" type="datetimeFigureOut">
               <a:rPr lang="es-MX" smtClean="0"/>
-              <a:t>13/06/2023</a:t>
+              <a:t>14/06/2023</a:t>
             </a:fld>
             <a:endParaRPr lang="es-MX"/>
           </a:p>
@@ -3060,7 +3400,7 @@
           <a:p>
             <a:fld id="{88DB2A45-B92C-450A-8ABF-83088A5CA865}" type="datetimeFigureOut">
               <a:rPr lang="es-MX" smtClean="0"/>
-              <a:t>13/06/2023</a:t>
+              <a:t>14/06/2023</a:t>
             </a:fld>
             <a:endParaRPr lang="es-MX"/>
           </a:p>
@@ -3202,7 +3542,7 @@
           <a:p>
             <a:fld id="{88DB2A45-B92C-450A-8ABF-83088A5CA865}" type="datetimeFigureOut">
               <a:rPr lang="es-MX" smtClean="0"/>
-              <a:t>13/06/2023</a:t>
+              <a:t>14/06/2023</a:t>
             </a:fld>
             <a:endParaRPr lang="es-MX"/>
           </a:p>
@@ -3315,7 +3655,7 @@
           <a:p>
             <a:fld id="{88DB2A45-B92C-450A-8ABF-83088A5CA865}" type="datetimeFigureOut">
               <a:rPr lang="es-MX" smtClean="0"/>
-              <a:t>13/06/2023</a:t>
+              <a:t>14/06/2023</a:t>
             </a:fld>
             <a:endParaRPr lang="es-MX"/>
           </a:p>
@@ -3628,7 +3968,7 @@
           <a:p>
             <a:fld id="{88DB2A45-B92C-450A-8ABF-83088A5CA865}" type="datetimeFigureOut">
               <a:rPr lang="es-MX" smtClean="0"/>
-              <a:t>13/06/2023</a:t>
+              <a:t>14/06/2023</a:t>
             </a:fld>
             <a:endParaRPr lang="es-MX"/>
           </a:p>
@@ -3917,7 +4257,7 @@
           <a:p>
             <a:fld id="{88DB2A45-B92C-450A-8ABF-83088A5CA865}" type="datetimeFigureOut">
               <a:rPr lang="es-MX" smtClean="0"/>
-              <a:t>13/06/2023</a:t>
+              <a:t>14/06/2023</a:t>
             </a:fld>
             <a:endParaRPr lang="es-MX"/>
           </a:p>
@@ -4160,7 +4500,7 @@
           <a:p>
             <a:fld id="{88DB2A45-B92C-450A-8ABF-83088A5CA865}" type="datetimeFigureOut">
               <a:rPr lang="es-MX" smtClean="0"/>
-              <a:t>13/06/2023</a:t>
+              <a:t>14/06/2023</a:t>
             </a:fld>
             <a:endParaRPr lang="es-MX"/>
           </a:p>
@@ -25816,7 +26156,7 @@
             </a:r>
             <a:r>
               <a:rPr lang="es-MX" dirty="0"/>
-              <a:t>[valor] </a:t>
+              <a:t>[condición] </a:t>
             </a:r>
             <a:r>
               <a:rPr lang="es-MX" b="1" dirty="0"/>
@@ -25835,7 +26175,7 @@
             </a:r>
             <a:r>
               <a:rPr lang="es-MX" dirty="0"/>
-              <a:t>[valor] </a:t>
+              <a:t>[condición] </a:t>
             </a:r>
             <a:r>
               <a:rPr lang="es-MX" b="1" dirty="0"/>
@@ -25862,7 +26202,7 @@
             <a:pPr algn="l"/>
             <a:r>
               <a:rPr lang="es-MX" b="1" dirty="0"/>
-              <a:t>END;</a:t>
+              <a:t>END</a:t>
             </a:r>
           </a:p>
         </p:txBody>
@@ -30290,7 +30630,7 @@
                   <a:schemeClr val="accent1"/>
                 </a:solidFill>
               </a:rPr>
-              <a:t>, </a:t>
+              <a:t> </a:t>
             </a:r>
           </a:p>
           <a:p>
@@ -35390,7 +35730,7 @@
                 <a:latin typeface="Gadugi" panose="020B0502040204020203" pitchFamily="34" charset="0"/>
                 <a:ea typeface="Gadugi" panose="020B0502040204020203" pitchFamily="34" charset="0"/>
               </a:rPr>
-              <a:t>COMBINAR CONSULTAS</a:t>
+              <a:t>SUBCONSULTAS</a:t>
             </a:r>
           </a:p>
         </p:txBody>
@@ -35413,24 +35753,24 @@
         </p:nvSpPr>
         <p:spPr>
           <a:xfrm>
-            <a:off x="152400" y="1602655"/>
+            <a:off x="180110" y="2117277"/>
             <a:ext cx="7966356" cy="2623445"/>
           </a:xfrm>
         </p:spPr>
         <p:txBody>
           <a:bodyPr>
-            <a:normAutofit/>
+            <a:normAutofit lnSpcReduction="10000"/>
           </a:bodyPr>
           <a:lstStyle/>
           <a:p>
             <a:pPr algn="l"/>
             <a:r>
               <a:rPr lang="es-MX" b="1" dirty="0"/>
-              <a:t>SELECT</a:t>
+              <a:t>SELECT </a:t>
             </a:r>
             <a:r>
               <a:rPr lang="es-MX" dirty="0"/>
-              <a:t> [columnas]</a:t>
+              <a:t>[columnas]</a:t>
             </a:r>
           </a:p>
           <a:p>
@@ -35441,9 +35781,57 @@
             </a:r>
             <a:r>
               <a:rPr lang="es-MX" dirty="0"/>
-              <a:t>[tabla1], [tabla2], …</a:t>
+              <a:t>[nombre tabla 1]</a:t>
+            </a:r>
+          </a:p>
+          <a:p>
+            <a:pPr algn="l"/>
+            <a:r>
+              <a:rPr lang="es-MX" b="1" dirty="0"/>
+              <a:t>WHERE</a:t>
+            </a:r>
+            <a:r>
+              <a:rPr lang="es-MX" dirty="0"/>
+              <a:t> [nombre columna 1] [operador de comparación]</a:t>
+            </a:r>
+          </a:p>
+          <a:p>
+            <a:pPr algn="l"/>
+            <a:r>
+              <a:rPr lang="es-MX" b="1" dirty="0"/>
+              <a:t>	( SELECT </a:t>
+            </a:r>
+            <a:r>
+              <a:rPr lang="es-MX" dirty="0"/>
+              <a:t>[nombre columna 2]</a:t>
             </a:r>
             <a:endParaRPr lang="es-MX" b="1" dirty="0"/>
+          </a:p>
+          <a:p>
+            <a:pPr algn="l"/>
+            <a:r>
+              <a:rPr lang="es-MX" b="1" dirty="0"/>
+              <a:t>	 FROM </a:t>
+            </a:r>
+            <a:r>
+              <a:rPr lang="es-MX" dirty="0"/>
+              <a:t>[nombre tabla 2]</a:t>
+            </a:r>
+          </a:p>
+          <a:p>
+            <a:pPr algn="l"/>
+            <a:r>
+              <a:rPr lang="es-MX" b="1" dirty="0"/>
+              <a:t>	 WHERE </a:t>
+            </a:r>
+            <a:r>
+              <a:rPr lang="es-MX" dirty="0"/>
+              <a:t>[condiciones] </a:t>
+            </a:r>
+            <a:r>
+              <a:rPr lang="es-MX" b="1" dirty="0"/>
+              <a:t>);</a:t>
+            </a:r>
           </a:p>
         </p:txBody>
       </p:sp>
@@ -35726,37 +36114,17 @@
             <a:pPr algn="l"/>
             <a:r>
               <a:rPr lang="es-MX" sz="1600" dirty="0"/>
-              <a:t>+ El resultado de un </a:t>
-            </a:r>
-            <a:r>
-              <a:rPr lang="es-MX" sz="1600" i="1" dirty="0" err="1"/>
-              <a:t>cross</a:t>
-            </a:r>
-            <a:r>
-              <a:rPr lang="es-MX" sz="1600" i="1" dirty="0"/>
-              <a:t> </a:t>
-            </a:r>
-            <a:r>
-              <a:rPr lang="es-MX" sz="1600" i="1" dirty="0" err="1"/>
-              <a:t>join</a:t>
-            </a:r>
-            <a:r>
-              <a:rPr lang="es-MX" sz="1600" b="1" i="1" dirty="0"/>
-              <a:t> </a:t>
-            </a:r>
-            <a:r>
-              <a:rPr lang="es-MX" sz="1600" dirty="0"/>
-              <a:t>de dos tablas consiste en combinar cada registro de la tabla1 con cada registro de la tabla2	</a:t>
+              <a:t>+ Consiste en realizar una consulta dentro de otra consulta que se está realizando en ese momento. 	</a:t>
             </a:r>
           </a:p>
         </p:txBody>
       </p:sp>
       <p:sp>
         <p:nvSpPr>
-          <p:cNvPr id="13" name="Subtítulo 2">
+          <p:cNvPr id="4" name="Subtítulo 2">
             <a:extLst>
               <a:ext uri="{FF2B5EF4-FFF2-40B4-BE49-F238E27FC236}">
-                <a16:creationId xmlns:a16="http://schemas.microsoft.com/office/drawing/2014/main" id="{CDA30FA0-62EA-B9DD-B6E3-CCBF716EC366}"/>
+                <a16:creationId xmlns:a16="http://schemas.microsoft.com/office/drawing/2014/main" id="{3DAC4FC3-688E-1DE5-8E7E-07448AC29C05}"/>
               </a:ext>
             </a:extLst>
           </p:cNvPr>
@@ -35767,8 +36135,8 @@
         </p:nvSpPr>
         <p:spPr>
           <a:xfrm>
-            <a:off x="152400" y="2756779"/>
-            <a:ext cx="7966363" cy="3958813"/>
+            <a:off x="8285019" y="2564523"/>
+            <a:ext cx="3906981" cy="1154126"/>
           </a:xfrm>
           <a:prstGeom prst="rect">
             <a:avLst/>
@@ -35945,12 +36313,484 @@
           <a:p>
             <a:pPr algn="l"/>
             <a:r>
+              <a:rPr lang="es-MX" sz="1600" dirty="0"/>
+              <a:t>+ Estas subconsultas se pueden realizar en el </a:t>
+            </a:r>
+            <a:r>
+              <a:rPr lang="es-MX" sz="1600" b="1" dirty="0"/>
+              <a:t>SELECT</a:t>
+            </a:r>
+            <a:r>
+              <a:rPr lang="es-MX" sz="1600" dirty="0"/>
+              <a:t>, </a:t>
+            </a:r>
+            <a:r>
+              <a:rPr lang="es-MX" sz="1600" b="1" dirty="0"/>
+              <a:t>FROM</a:t>
+            </a:r>
+            <a:r>
+              <a:rPr lang="es-MX" sz="1600" dirty="0"/>
+              <a:t> o en el </a:t>
+            </a:r>
+            <a:r>
+              <a:rPr lang="es-MX" sz="1600" b="1" dirty="0"/>
+              <a:t>WHERE</a:t>
+            </a:r>
+            <a:endParaRPr lang="es-MX" sz="1600" dirty="0"/>
+          </a:p>
+        </p:txBody>
+      </p:sp>
+      <p:sp>
+        <p:nvSpPr>
+          <p:cNvPr id="7" name="Subtítulo 2">
+            <a:extLst>
+              <a:ext uri="{FF2B5EF4-FFF2-40B4-BE49-F238E27FC236}">
+                <a16:creationId xmlns:a16="http://schemas.microsoft.com/office/drawing/2014/main" id="{ADB48741-DDAF-7821-2507-64D4770664D3}"/>
+              </a:ext>
+            </a:extLst>
+          </p:cNvPr>
+          <p:cNvSpPr txBox="1">
+            <a:spLocks/>
+          </p:cNvSpPr>
+          <p:nvPr/>
+        </p:nvSpPr>
+        <p:spPr>
+          <a:xfrm>
+            <a:off x="152393" y="1515464"/>
+            <a:ext cx="7966363" cy="664253"/>
+          </a:xfrm>
+          <a:prstGeom prst="rect">
+            <a:avLst/>
+          </a:prstGeom>
+        </p:spPr>
+        <p:txBody>
+          <a:bodyPr vert="horz" lIns="91440" tIns="45720" rIns="91440" bIns="45720" rtlCol="0">
+            <a:normAutofit/>
+          </a:bodyPr>
+          <a:lstStyle>
+            <a:lvl1pPr marL="0" indent="0" algn="ctr" defTabSz="914400" rtl="0" eaLnBrk="1" latinLnBrk="0" hangingPunct="1">
+              <a:lnSpc>
+                <a:spcPct val="90000"/>
+              </a:lnSpc>
+              <a:spcBef>
+                <a:spcPts val="1000"/>
+              </a:spcBef>
+              <a:buFont typeface="Arial" panose="020B0604020202020204" pitchFamily="34" charset="0"/>
+              <a:buNone/>
+              <a:defRPr sz="2400" kern="1200">
+                <a:solidFill>
+                  <a:schemeClr val="tx1"/>
+                </a:solidFill>
+                <a:latin typeface="+mn-lt"/>
+                <a:ea typeface="+mn-ea"/>
+                <a:cs typeface="+mn-cs"/>
+              </a:defRPr>
+            </a:lvl1pPr>
+            <a:lvl2pPr marL="457200" indent="0" algn="ctr" defTabSz="914400" rtl="0" eaLnBrk="1" latinLnBrk="0" hangingPunct="1">
+              <a:lnSpc>
+                <a:spcPct val="90000"/>
+              </a:lnSpc>
+              <a:spcBef>
+                <a:spcPts val="500"/>
+              </a:spcBef>
+              <a:buFont typeface="Arial" panose="020B0604020202020204" pitchFamily="34" charset="0"/>
+              <a:buNone/>
+              <a:defRPr sz="2000" kern="1200">
+                <a:solidFill>
+                  <a:schemeClr val="tx1"/>
+                </a:solidFill>
+                <a:latin typeface="+mn-lt"/>
+                <a:ea typeface="+mn-ea"/>
+                <a:cs typeface="+mn-cs"/>
+              </a:defRPr>
+            </a:lvl2pPr>
+            <a:lvl3pPr marL="914400" indent="0" algn="ctr" defTabSz="914400" rtl="0" eaLnBrk="1" latinLnBrk="0" hangingPunct="1">
+              <a:lnSpc>
+                <a:spcPct val="90000"/>
+              </a:lnSpc>
+              <a:spcBef>
+                <a:spcPts val="500"/>
+              </a:spcBef>
+              <a:buFont typeface="Arial" panose="020B0604020202020204" pitchFamily="34" charset="0"/>
+              <a:buNone/>
+              <a:defRPr sz="1800" kern="1200">
+                <a:solidFill>
+                  <a:schemeClr val="tx1"/>
+                </a:solidFill>
+                <a:latin typeface="+mn-lt"/>
+                <a:ea typeface="+mn-ea"/>
+                <a:cs typeface="+mn-cs"/>
+              </a:defRPr>
+            </a:lvl3pPr>
+            <a:lvl4pPr marL="1371600" indent="0" algn="ctr" defTabSz="914400" rtl="0" eaLnBrk="1" latinLnBrk="0" hangingPunct="1">
+              <a:lnSpc>
+                <a:spcPct val="90000"/>
+              </a:lnSpc>
+              <a:spcBef>
+                <a:spcPts val="500"/>
+              </a:spcBef>
+              <a:buFont typeface="Arial" panose="020B0604020202020204" pitchFamily="34" charset="0"/>
+              <a:buNone/>
+              <a:defRPr sz="1600" kern="1200">
+                <a:solidFill>
+                  <a:schemeClr val="tx1"/>
+                </a:solidFill>
+                <a:latin typeface="+mn-lt"/>
+                <a:ea typeface="+mn-ea"/>
+                <a:cs typeface="+mn-cs"/>
+              </a:defRPr>
+            </a:lvl4pPr>
+            <a:lvl5pPr marL="1828800" indent="0" algn="ctr" defTabSz="914400" rtl="0" eaLnBrk="1" latinLnBrk="0" hangingPunct="1">
+              <a:lnSpc>
+                <a:spcPct val="90000"/>
+              </a:lnSpc>
+              <a:spcBef>
+                <a:spcPts val="500"/>
+              </a:spcBef>
+              <a:buFont typeface="Arial" panose="020B0604020202020204" pitchFamily="34" charset="0"/>
+              <a:buNone/>
+              <a:defRPr sz="1600" kern="1200">
+                <a:solidFill>
+                  <a:schemeClr val="tx1"/>
+                </a:solidFill>
+                <a:latin typeface="+mn-lt"/>
+                <a:ea typeface="+mn-ea"/>
+                <a:cs typeface="+mn-cs"/>
+              </a:defRPr>
+            </a:lvl5pPr>
+            <a:lvl6pPr marL="2286000" indent="0" algn="ctr" defTabSz="914400" rtl="0" eaLnBrk="1" latinLnBrk="0" hangingPunct="1">
+              <a:lnSpc>
+                <a:spcPct val="90000"/>
+              </a:lnSpc>
+              <a:spcBef>
+                <a:spcPts val="500"/>
+              </a:spcBef>
+              <a:buFont typeface="Arial" panose="020B0604020202020204" pitchFamily="34" charset="0"/>
+              <a:buNone/>
+              <a:defRPr sz="1600" kern="1200">
+                <a:solidFill>
+                  <a:schemeClr val="tx1"/>
+                </a:solidFill>
+                <a:latin typeface="+mn-lt"/>
+                <a:ea typeface="+mn-ea"/>
+                <a:cs typeface="+mn-cs"/>
+              </a:defRPr>
+            </a:lvl6pPr>
+            <a:lvl7pPr marL="2743200" indent="0" algn="ctr" defTabSz="914400" rtl="0" eaLnBrk="1" latinLnBrk="0" hangingPunct="1">
+              <a:lnSpc>
+                <a:spcPct val="90000"/>
+              </a:lnSpc>
+              <a:spcBef>
+                <a:spcPts val="500"/>
+              </a:spcBef>
+              <a:buFont typeface="Arial" panose="020B0604020202020204" pitchFamily="34" charset="0"/>
+              <a:buNone/>
+              <a:defRPr sz="1600" kern="1200">
+                <a:solidFill>
+                  <a:schemeClr val="tx1"/>
+                </a:solidFill>
+                <a:latin typeface="+mn-lt"/>
+                <a:ea typeface="+mn-ea"/>
+                <a:cs typeface="+mn-cs"/>
+              </a:defRPr>
+            </a:lvl7pPr>
+            <a:lvl8pPr marL="3200400" indent="0" algn="ctr" defTabSz="914400" rtl="0" eaLnBrk="1" latinLnBrk="0" hangingPunct="1">
+              <a:lnSpc>
+                <a:spcPct val="90000"/>
+              </a:lnSpc>
+              <a:spcBef>
+                <a:spcPts val="500"/>
+              </a:spcBef>
+              <a:buFont typeface="Arial" panose="020B0604020202020204" pitchFamily="34" charset="0"/>
+              <a:buNone/>
+              <a:defRPr sz="1600" kern="1200">
+                <a:solidFill>
+                  <a:schemeClr val="tx1"/>
+                </a:solidFill>
+                <a:latin typeface="+mn-lt"/>
+                <a:ea typeface="+mn-ea"/>
+                <a:cs typeface="+mn-cs"/>
+              </a:defRPr>
+            </a:lvl8pPr>
+            <a:lvl9pPr marL="3657600" indent="0" algn="ctr" defTabSz="914400" rtl="0" eaLnBrk="1" latinLnBrk="0" hangingPunct="1">
+              <a:lnSpc>
+                <a:spcPct val="90000"/>
+              </a:lnSpc>
+              <a:spcBef>
+                <a:spcPts val="500"/>
+              </a:spcBef>
+              <a:buFont typeface="Arial" panose="020B0604020202020204" pitchFamily="34" charset="0"/>
+              <a:buNone/>
+              <a:defRPr sz="1600" kern="1200">
+                <a:solidFill>
+                  <a:schemeClr val="tx1"/>
+                </a:solidFill>
+                <a:latin typeface="+mn-lt"/>
+                <a:ea typeface="+mn-ea"/>
+                <a:cs typeface="+mn-cs"/>
+              </a:defRPr>
+            </a:lvl9pPr>
+          </a:lstStyle>
+          <a:p>
+            <a:pPr algn="l"/>
+            <a:r>
+              <a:rPr lang="es-MX" sz="2000" dirty="0"/>
+              <a:t>En </a:t>
+            </a:r>
+            <a:r>
+              <a:rPr lang="es-MX" sz="2000" b="1" dirty="0"/>
+              <a:t>WHERE</a:t>
+            </a:r>
+            <a:r>
+              <a:rPr lang="es-MX" sz="2000" dirty="0"/>
+              <a:t>:</a:t>
+            </a:r>
+          </a:p>
+        </p:txBody>
+      </p:sp>
+      <p:sp>
+        <p:nvSpPr>
+          <p:cNvPr id="8" name="Subtítulo 2">
+            <a:extLst>
+              <a:ext uri="{FF2B5EF4-FFF2-40B4-BE49-F238E27FC236}">
+                <a16:creationId xmlns:a16="http://schemas.microsoft.com/office/drawing/2014/main" id="{3727B8FC-A2E4-C9BD-C7A8-FB41348D9C00}"/>
+              </a:ext>
+            </a:extLst>
+          </p:cNvPr>
+          <p:cNvSpPr txBox="1">
+            <a:spLocks/>
+          </p:cNvSpPr>
+          <p:nvPr/>
+        </p:nvSpPr>
+        <p:spPr>
+          <a:xfrm>
+            <a:off x="152391" y="4995636"/>
+            <a:ext cx="7966363" cy="1862363"/>
+          </a:xfrm>
+          <a:prstGeom prst="rect">
+            <a:avLst/>
+          </a:prstGeom>
+        </p:spPr>
+        <p:txBody>
+          <a:bodyPr vert="horz" lIns="91440" tIns="45720" rIns="91440" bIns="45720" rtlCol="0">
+            <a:normAutofit/>
+          </a:bodyPr>
+          <a:lstStyle>
+            <a:lvl1pPr marL="0" indent="0" algn="ctr" defTabSz="914400" rtl="0" eaLnBrk="1" latinLnBrk="0" hangingPunct="1">
+              <a:lnSpc>
+                <a:spcPct val="90000"/>
+              </a:lnSpc>
+              <a:spcBef>
+                <a:spcPts val="1000"/>
+              </a:spcBef>
+              <a:buFont typeface="Arial" panose="020B0604020202020204" pitchFamily="34" charset="0"/>
+              <a:buNone/>
+              <a:defRPr sz="2400" kern="1200">
+                <a:solidFill>
+                  <a:schemeClr val="tx1"/>
+                </a:solidFill>
+                <a:latin typeface="+mn-lt"/>
+                <a:ea typeface="+mn-ea"/>
+                <a:cs typeface="+mn-cs"/>
+              </a:defRPr>
+            </a:lvl1pPr>
+            <a:lvl2pPr marL="457200" indent="0" algn="ctr" defTabSz="914400" rtl="0" eaLnBrk="1" latinLnBrk="0" hangingPunct="1">
+              <a:lnSpc>
+                <a:spcPct val="90000"/>
+              </a:lnSpc>
+              <a:spcBef>
+                <a:spcPts val="500"/>
+              </a:spcBef>
+              <a:buFont typeface="Arial" panose="020B0604020202020204" pitchFamily="34" charset="0"/>
+              <a:buNone/>
+              <a:defRPr sz="2000" kern="1200">
+                <a:solidFill>
+                  <a:schemeClr val="tx1"/>
+                </a:solidFill>
+                <a:latin typeface="+mn-lt"/>
+                <a:ea typeface="+mn-ea"/>
+                <a:cs typeface="+mn-cs"/>
+              </a:defRPr>
+            </a:lvl2pPr>
+            <a:lvl3pPr marL="914400" indent="0" algn="ctr" defTabSz="914400" rtl="0" eaLnBrk="1" latinLnBrk="0" hangingPunct="1">
+              <a:lnSpc>
+                <a:spcPct val="90000"/>
+              </a:lnSpc>
+              <a:spcBef>
+                <a:spcPts val="500"/>
+              </a:spcBef>
+              <a:buFont typeface="Arial" panose="020B0604020202020204" pitchFamily="34" charset="0"/>
+              <a:buNone/>
+              <a:defRPr sz="1800" kern="1200">
+                <a:solidFill>
+                  <a:schemeClr val="tx1"/>
+                </a:solidFill>
+                <a:latin typeface="+mn-lt"/>
+                <a:ea typeface="+mn-ea"/>
+                <a:cs typeface="+mn-cs"/>
+              </a:defRPr>
+            </a:lvl3pPr>
+            <a:lvl4pPr marL="1371600" indent="0" algn="ctr" defTabSz="914400" rtl="0" eaLnBrk="1" latinLnBrk="0" hangingPunct="1">
+              <a:lnSpc>
+                <a:spcPct val="90000"/>
+              </a:lnSpc>
+              <a:spcBef>
+                <a:spcPts val="500"/>
+              </a:spcBef>
+              <a:buFont typeface="Arial" panose="020B0604020202020204" pitchFamily="34" charset="0"/>
+              <a:buNone/>
+              <a:defRPr sz="1600" kern="1200">
+                <a:solidFill>
+                  <a:schemeClr val="tx1"/>
+                </a:solidFill>
+                <a:latin typeface="+mn-lt"/>
+                <a:ea typeface="+mn-ea"/>
+                <a:cs typeface="+mn-cs"/>
+              </a:defRPr>
+            </a:lvl4pPr>
+            <a:lvl5pPr marL="1828800" indent="0" algn="ctr" defTabSz="914400" rtl="0" eaLnBrk="1" latinLnBrk="0" hangingPunct="1">
+              <a:lnSpc>
+                <a:spcPct val="90000"/>
+              </a:lnSpc>
+              <a:spcBef>
+                <a:spcPts val="500"/>
+              </a:spcBef>
+              <a:buFont typeface="Arial" panose="020B0604020202020204" pitchFamily="34" charset="0"/>
+              <a:buNone/>
+              <a:defRPr sz="1600" kern="1200">
+                <a:solidFill>
+                  <a:schemeClr val="tx1"/>
+                </a:solidFill>
+                <a:latin typeface="+mn-lt"/>
+                <a:ea typeface="+mn-ea"/>
+                <a:cs typeface="+mn-cs"/>
+              </a:defRPr>
+            </a:lvl5pPr>
+            <a:lvl6pPr marL="2286000" indent="0" algn="ctr" defTabSz="914400" rtl="0" eaLnBrk="1" latinLnBrk="0" hangingPunct="1">
+              <a:lnSpc>
+                <a:spcPct val="90000"/>
+              </a:lnSpc>
+              <a:spcBef>
+                <a:spcPts val="500"/>
+              </a:spcBef>
+              <a:buFont typeface="Arial" panose="020B0604020202020204" pitchFamily="34" charset="0"/>
+              <a:buNone/>
+              <a:defRPr sz="1600" kern="1200">
+                <a:solidFill>
+                  <a:schemeClr val="tx1"/>
+                </a:solidFill>
+                <a:latin typeface="+mn-lt"/>
+                <a:ea typeface="+mn-ea"/>
+                <a:cs typeface="+mn-cs"/>
+              </a:defRPr>
+            </a:lvl6pPr>
+            <a:lvl7pPr marL="2743200" indent="0" algn="ctr" defTabSz="914400" rtl="0" eaLnBrk="1" latinLnBrk="0" hangingPunct="1">
+              <a:lnSpc>
+                <a:spcPct val="90000"/>
+              </a:lnSpc>
+              <a:spcBef>
+                <a:spcPts val="500"/>
+              </a:spcBef>
+              <a:buFont typeface="Arial" panose="020B0604020202020204" pitchFamily="34" charset="0"/>
+              <a:buNone/>
+              <a:defRPr sz="1600" kern="1200">
+                <a:solidFill>
+                  <a:schemeClr val="tx1"/>
+                </a:solidFill>
+                <a:latin typeface="+mn-lt"/>
+                <a:ea typeface="+mn-ea"/>
+                <a:cs typeface="+mn-cs"/>
+              </a:defRPr>
+            </a:lvl7pPr>
+            <a:lvl8pPr marL="3200400" indent="0" algn="ctr" defTabSz="914400" rtl="0" eaLnBrk="1" latinLnBrk="0" hangingPunct="1">
+              <a:lnSpc>
+                <a:spcPct val="90000"/>
+              </a:lnSpc>
+              <a:spcBef>
+                <a:spcPts val="500"/>
+              </a:spcBef>
+              <a:buFont typeface="Arial" panose="020B0604020202020204" pitchFamily="34" charset="0"/>
+              <a:buNone/>
+              <a:defRPr sz="1600" kern="1200">
+                <a:solidFill>
+                  <a:schemeClr val="tx1"/>
+                </a:solidFill>
+                <a:latin typeface="+mn-lt"/>
+                <a:ea typeface="+mn-ea"/>
+                <a:cs typeface="+mn-cs"/>
+              </a:defRPr>
+            </a:lvl8pPr>
+            <a:lvl9pPr marL="3657600" indent="0" algn="ctr" defTabSz="914400" rtl="0" eaLnBrk="1" latinLnBrk="0" hangingPunct="1">
+              <a:lnSpc>
+                <a:spcPct val="90000"/>
+              </a:lnSpc>
+              <a:spcBef>
+                <a:spcPts val="500"/>
+              </a:spcBef>
+              <a:buFont typeface="Arial" panose="020B0604020202020204" pitchFamily="34" charset="0"/>
+              <a:buNone/>
+              <a:defRPr sz="1600" kern="1200">
+                <a:solidFill>
+                  <a:schemeClr val="tx1"/>
+                </a:solidFill>
+                <a:latin typeface="+mn-lt"/>
+                <a:ea typeface="+mn-ea"/>
+                <a:cs typeface="+mn-cs"/>
+              </a:defRPr>
+            </a:lvl9pPr>
+          </a:lstStyle>
+          <a:p>
+            <a:pPr algn="l"/>
+            <a:r>
               <a:rPr lang="es-MX" sz="2000" b="1" dirty="0">
                 <a:solidFill>
                   <a:schemeClr val="accent1"/>
                 </a:solidFill>
               </a:rPr>
-              <a:t>CREATE TABLE </a:t>
+              <a:t>SELECT *</a:t>
+            </a:r>
+            <a:r>
+              <a:rPr lang="es-MX" sz="2000" dirty="0">
+                <a:solidFill>
+                  <a:schemeClr val="accent1"/>
+                </a:solidFill>
+              </a:rPr>
+              <a:t> </a:t>
+            </a:r>
+            <a:r>
+              <a:rPr lang="es-MX" sz="2000" b="1" dirty="0">
+                <a:solidFill>
+                  <a:schemeClr val="accent1"/>
+                </a:solidFill>
+              </a:rPr>
+              <a:t>FROM </a:t>
+            </a:r>
+            <a:r>
+              <a:rPr lang="es-MX" sz="2000" dirty="0">
+                <a:solidFill>
+                  <a:schemeClr val="accent1"/>
+                </a:solidFill>
+              </a:rPr>
+              <a:t>sales</a:t>
+            </a:r>
+          </a:p>
+          <a:p>
+            <a:pPr algn="l"/>
+            <a:r>
+              <a:rPr lang="es-MX" sz="2000" b="1" dirty="0">
+                <a:solidFill>
+                  <a:schemeClr val="accent1"/>
+                </a:solidFill>
+              </a:rPr>
+              <a:t>WHERE</a:t>
+            </a:r>
+            <a:r>
+              <a:rPr lang="es-MX" sz="2000" dirty="0">
+                <a:solidFill>
+                  <a:schemeClr val="accent1"/>
+                </a:solidFill>
+              </a:rPr>
+              <a:t> </a:t>
             </a:r>
             <a:r>
               <a:rPr lang="es-MX" sz="2000" dirty="0" err="1">
@@ -35958,7 +36798,7 @@
                   <a:schemeClr val="accent1"/>
                 </a:solidFill>
               </a:rPr>
-              <a:t>month</a:t>
+              <a:t>customer_id</a:t>
             </a:r>
             <a:r>
               <a:rPr lang="es-MX" sz="2000" dirty="0">
@@ -35966,7 +36806,26 @@
                   <a:schemeClr val="accent1"/>
                 </a:solidFill>
               </a:rPr>
-              <a:t>( MM </a:t>
+              <a:t> </a:t>
+            </a:r>
+            <a:r>
+              <a:rPr lang="es-MX" sz="2000" b="1" dirty="0">
+                <a:solidFill>
+                  <a:schemeClr val="accent1"/>
+                </a:solidFill>
+              </a:rPr>
+              <a:t>IN</a:t>
+            </a:r>
+          </a:p>
+          <a:p>
+            <a:pPr algn="l"/>
+            <a:r>
+              <a:rPr lang="es-MX" sz="2000" b="1" dirty="0">
+                <a:solidFill>
+                  <a:schemeClr val="accent1"/>
+                </a:solidFill>
+              </a:rPr>
+              <a:t>	( SELECT </a:t>
             </a:r>
             <a:r>
               <a:rPr lang="es-MX" sz="2000" dirty="0" err="1">
@@ -35974,7 +36833,7 @@
                   <a:schemeClr val="accent1"/>
                 </a:solidFill>
               </a:rPr>
-              <a:t>int</a:t>
+              <a:t>customer_id</a:t>
             </a:r>
             <a:r>
               <a:rPr lang="es-MX" sz="2000" dirty="0">
@@ -35982,8 +36841,37 @@
                   <a:schemeClr val="accent1"/>
                 </a:solidFill>
               </a:rPr>
-              <a:t>);</a:t>
-            </a:r>
+              <a:t> </a:t>
+            </a:r>
+            <a:r>
+              <a:rPr lang="es-MX" sz="2000" b="1" dirty="0">
+                <a:solidFill>
+                  <a:schemeClr val="accent1"/>
+                </a:solidFill>
+              </a:rPr>
+              <a:t>FROM</a:t>
+            </a:r>
+            <a:r>
+              <a:rPr lang="es-MX" sz="2000" dirty="0">
+                <a:solidFill>
+                  <a:schemeClr val="accent1"/>
+                </a:solidFill>
+              </a:rPr>
+              <a:t> </a:t>
+            </a:r>
+            <a:r>
+              <a:rPr lang="es-MX" sz="2000" dirty="0" err="1">
+                <a:solidFill>
+                  <a:schemeClr val="accent1"/>
+                </a:solidFill>
+              </a:rPr>
+              <a:t>customer</a:t>
+            </a:r>
+            <a:endParaRPr lang="es-MX" sz="2000" dirty="0">
+              <a:solidFill>
+                <a:schemeClr val="accent1"/>
+              </a:solidFill>
+            </a:endParaRPr>
           </a:p>
           <a:p>
             <a:pPr algn="l"/>
@@ -35993,7 +36881,7 @@
                   <a:schemeClr val="accent1"/>
                 </a:solidFill>
               </a:rPr>
-              <a:t>CREATE TABLE </a:t>
+              <a:t>	  WHERE </a:t>
             </a:r>
             <a:r>
               <a:rPr lang="es-MX" sz="2000" dirty="0" err="1">
@@ -36001,7 +36889,7 @@
                   <a:schemeClr val="accent1"/>
                 </a:solidFill>
               </a:rPr>
-              <a:t>year</a:t>
+              <a:t>age</a:t>
             </a:r>
             <a:r>
               <a:rPr lang="es-MX" sz="2000" dirty="0">
@@ -36009,23 +36897,15 @@
                   <a:schemeClr val="accent1"/>
                 </a:solidFill>
               </a:rPr>
-              <a:t>( YYYY </a:t>
-            </a:r>
-            <a:r>
-              <a:rPr lang="es-MX" sz="2000" dirty="0" err="1">
-                <a:solidFill>
-                  <a:schemeClr val="accent1"/>
-                </a:solidFill>
-              </a:rPr>
-              <a:t>int</a:t>
-            </a:r>
-            <a:r>
-              <a:rPr lang="es-MX" sz="2000" dirty="0">
-                <a:solidFill>
-                  <a:schemeClr val="accent1"/>
-                </a:solidFill>
-              </a:rPr>
-              <a:t>);</a:t>
+              <a:t>&gt;60</a:t>
+            </a:r>
+            <a:r>
+              <a:rPr lang="es-MX" sz="2000" b="1" dirty="0">
+                <a:solidFill>
+                  <a:schemeClr val="accent1"/>
+                </a:solidFill>
+              </a:rPr>
+              <a:t> ) ;</a:t>
             </a:r>
           </a:p>
           <a:p>
@@ -36036,15 +36916,801 @@
               </a:solidFill>
             </a:endParaRPr>
           </a:p>
+        </p:txBody>
+      </p:sp>
+      <p:sp>
+        <p:nvSpPr>
+          <p:cNvPr id="10" name="Subtítulo 2">
+            <a:extLst>
+              <a:ext uri="{FF2B5EF4-FFF2-40B4-BE49-F238E27FC236}">
+                <a16:creationId xmlns:a16="http://schemas.microsoft.com/office/drawing/2014/main" id="{567D891B-38BF-97D0-6DC3-2140893B468B}"/>
+              </a:ext>
+            </a:extLst>
+          </p:cNvPr>
+          <p:cNvSpPr txBox="1">
+            <a:spLocks/>
+          </p:cNvSpPr>
+          <p:nvPr/>
+        </p:nvSpPr>
+        <p:spPr>
+          <a:xfrm>
+            <a:off x="8285019" y="4999223"/>
+            <a:ext cx="3906981" cy="1154126"/>
+          </a:xfrm>
+          <a:prstGeom prst="rect">
+            <a:avLst/>
+          </a:prstGeom>
+        </p:spPr>
+        <p:txBody>
+          <a:bodyPr vert="horz" lIns="91440" tIns="45720" rIns="91440" bIns="45720" rtlCol="0">
+            <a:normAutofit/>
+          </a:bodyPr>
+          <a:lstStyle>
+            <a:lvl1pPr marL="0" indent="0" algn="ctr" defTabSz="914400" rtl="0" eaLnBrk="1" latinLnBrk="0" hangingPunct="1">
+              <a:lnSpc>
+                <a:spcPct val="90000"/>
+              </a:lnSpc>
+              <a:spcBef>
+                <a:spcPts val="1000"/>
+              </a:spcBef>
+              <a:buFont typeface="Arial" panose="020B0604020202020204" pitchFamily="34" charset="0"/>
+              <a:buNone/>
+              <a:defRPr sz="2400" kern="1200">
+                <a:solidFill>
+                  <a:schemeClr val="tx1"/>
+                </a:solidFill>
+                <a:latin typeface="+mn-lt"/>
+                <a:ea typeface="+mn-ea"/>
+                <a:cs typeface="+mn-cs"/>
+              </a:defRPr>
+            </a:lvl1pPr>
+            <a:lvl2pPr marL="457200" indent="0" algn="ctr" defTabSz="914400" rtl="0" eaLnBrk="1" latinLnBrk="0" hangingPunct="1">
+              <a:lnSpc>
+                <a:spcPct val="90000"/>
+              </a:lnSpc>
+              <a:spcBef>
+                <a:spcPts val="500"/>
+              </a:spcBef>
+              <a:buFont typeface="Arial" panose="020B0604020202020204" pitchFamily="34" charset="0"/>
+              <a:buNone/>
+              <a:defRPr sz="2000" kern="1200">
+                <a:solidFill>
+                  <a:schemeClr val="tx1"/>
+                </a:solidFill>
+                <a:latin typeface="+mn-lt"/>
+                <a:ea typeface="+mn-ea"/>
+                <a:cs typeface="+mn-cs"/>
+              </a:defRPr>
+            </a:lvl2pPr>
+            <a:lvl3pPr marL="914400" indent="0" algn="ctr" defTabSz="914400" rtl="0" eaLnBrk="1" latinLnBrk="0" hangingPunct="1">
+              <a:lnSpc>
+                <a:spcPct val="90000"/>
+              </a:lnSpc>
+              <a:spcBef>
+                <a:spcPts val="500"/>
+              </a:spcBef>
+              <a:buFont typeface="Arial" panose="020B0604020202020204" pitchFamily="34" charset="0"/>
+              <a:buNone/>
+              <a:defRPr sz="1800" kern="1200">
+                <a:solidFill>
+                  <a:schemeClr val="tx1"/>
+                </a:solidFill>
+                <a:latin typeface="+mn-lt"/>
+                <a:ea typeface="+mn-ea"/>
+                <a:cs typeface="+mn-cs"/>
+              </a:defRPr>
+            </a:lvl3pPr>
+            <a:lvl4pPr marL="1371600" indent="0" algn="ctr" defTabSz="914400" rtl="0" eaLnBrk="1" latinLnBrk="0" hangingPunct="1">
+              <a:lnSpc>
+                <a:spcPct val="90000"/>
+              </a:lnSpc>
+              <a:spcBef>
+                <a:spcPts val="500"/>
+              </a:spcBef>
+              <a:buFont typeface="Arial" panose="020B0604020202020204" pitchFamily="34" charset="0"/>
+              <a:buNone/>
+              <a:defRPr sz="1600" kern="1200">
+                <a:solidFill>
+                  <a:schemeClr val="tx1"/>
+                </a:solidFill>
+                <a:latin typeface="+mn-lt"/>
+                <a:ea typeface="+mn-ea"/>
+                <a:cs typeface="+mn-cs"/>
+              </a:defRPr>
+            </a:lvl4pPr>
+            <a:lvl5pPr marL="1828800" indent="0" algn="ctr" defTabSz="914400" rtl="0" eaLnBrk="1" latinLnBrk="0" hangingPunct="1">
+              <a:lnSpc>
+                <a:spcPct val="90000"/>
+              </a:lnSpc>
+              <a:spcBef>
+                <a:spcPts val="500"/>
+              </a:spcBef>
+              <a:buFont typeface="Arial" panose="020B0604020202020204" pitchFamily="34" charset="0"/>
+              <a:buNone/>
+              <a:defRPr sz="1600" kern="1200">
+                <a:solidFill>
+                  <a:schemeClr val="tx1"/>
+                </a:solidFill>
+                <a:latin typeface="+mn-lt"/>
+                <a:ea typeface="+mn-ea"/>
+                <a:cs typeface="+mn-cs"/>
+              </a:defRPr>
+            </a:lvl5pPr>
+            <a:lvl6pPr marL="2286000" indent="0" algn="ctr" defTabSz="914400" rtl="0" eaLnBrk="1" latinLnBrk="0" hangingPunct="1">
+              <a:lnSpc>
+                <a:spcPct val="90000"/>
+              </a:lnSpc>
+              <a:spcBef>
+                <a:spcPts val="500"/>
+              </a:spcBef>
+              <a:buFont typeface="Arial" panose="020B0604020202020204" pitchFamily="34" charset="0"/>
+              <a:buNone/>
+              <a:defRPr sz="1600" kern="1200">
+                <a:solidFill>
+                  <a:schemeClr val="tx1"/>
+                </a:solidFill>
+                <a:latin typeface="+mn-lt"/>
+                <a:ea typeface="+mn-ea"/>
+                <a:cs typeface="+mn-cs"/>
+              </a:defRPr>
+            </a:lvl6pPr>
+            <a:lvl7pPr marL="2743200" indent="0" algn="ctr" defTabSz="914400" rtl="0" eaLnBrk="1" latinLnBrk="0" hangingPunct="1">
+              <a:lnSpc>
+                <a:spcPct val="90000"/>
+              </a:lnSpc>
+              <a:spcBef>
+                <a:spcPts val="500"/>
+              </a:spcBef>
+              <a:buFont typeface="Arial" panose="020B0604020202020204" pitchFamily="34" charset="0"/>
+              <a:buNone/>
+              <a:defRPr sz="1600" kern="1200">
+                <a:solidFill>
+                  <a:schemeClr val="tx1"/>
+                </a:solidFill>
+                <a:latin typeface="+mn-lt"/>
+                <a:ea typeface="+mn-ea"/>
+                <a:cs typeface="+mn-cs"/>
+              </a:defRPr>
+            </a:lvl7pPr>
+            <a:lvl8pPr marL="3200400" indent="0" algn="ctr" defTabSz="914400" rtl="0" eaLnBrk="1" latinLnBrk="0" hangingPunct="1">
+              <a:lnSpc>
+                <a:spcPct val="90000"/>
+              </a:lnSpc>
+              <a:spcBef>
+                <a:spcPts val="500"/>
+              </a:spcBef>
+              <a:buFont typeface="Arial" panose="020B0604020202020204" pitchFamily="34" charset="0"/>
+              <a:buNone/>
+              <a:defRPr sz="1600" kern="1200">
+                <a:solidFill>
+                  <a:schemeClr val="tx1"/>
+                </a:solidFill>
+                <a:latin typeface="+mn-lt"/>
+                <a:ea typeface="+mn-ea"/>
+                <a:cs typeface="+mn-cs"/>
+              </a:defRPr>
+            </a:lvl8pPr>
+            <a:lvl9pPr marL="3657600" indent="0" algn="ctr" defTabSz="914400" rtl="0" eaLnBrk="1" latinLnBrk="0" hangingPunct="1">
+              <a:lnSpc>
+                <a:spcPct val="90000"/>
+              </a:lnSpc>
+              <a:spcBef>
+                <a:spcPts val="500"/>
+              </a:spcBef>
+              <a:buFont typeface="Arial" panose="020B0604020202020204" pitchFamily="34" charset="0"/>
+              <a:buNone/>
+              <a:defRPr sz="1600" kern="1200">
+                <a:solidFill>
+                  <a:schemeClr val="tx1"/>
+                </a:solidFill>
+                <a:latin typeface="+mn-lt"/>
+                <a:ea typeface="+mn-ea"/>
+                <a:cs typeface="+mn-cs"/>
+              </a:defRPr>
+            </a:lvl9pPr>
+          </a:lstStyle>
           <a:p>
             <a:pPr algn="l"/>
             <a:r>
+              <a:rPr lang="es-MX" sz="1600" dirty="0"/>
+              <a:t>+ Devolverá aquellos registros cuyos valores de </a:t>
+            </a:r>
+            <a:r>
+              <a:rPr lang="es-MX" sz="1600" dirty="0" err="1"/>
+              <a:t>customer_id</a:t>
+            </a:r>
+            <a:r>
+              <a:rPr lang="es-MX" sz="1600" dirty="0"/>
+              <a:t> coincidan con los valores que aparecen después de la sentencia </a:t>
+            </a:r>
+            <a:r>
+              <a:rPr lang="es-MX" sz="1600" b="1" dirty="0"/>
+              <a:t>IN</a:t>
+            </a:r>
+            <a:endParaRPr lang="es-MX" sz="1600" dirty="0"/>
+          </a:p>
+        </p:txBody>
+      </p:sp>
+    </p:spTree>
+    <p:extLst>
+      <p:ext uri="{BB962C8B-B14F-4D97-AF65-F5344CB8AC3E}">
+        <p14:creationId xmlns:p14="http://schemas.microsoft.com/office/powerpoint/2010/main" val="1723116588"/>
+      </p:ext>
+    </p:extLst>
+  </p:cSld>
+  <p:clrMapOvr>
+    <a:masterClrMapping/>
+  </p:clrMapOvr>
+</p:sld>
+</file>
+
+<file path=ppt/slides/slide39.xml><?xml version="1.0" encoding="utf-8"?>
+<p:sld xmlns:a="http://schemas.openxmlformats.org/drawingml/2006/main" xmlns:r="http://schemas.openxmlformats.org/officeDocument/2006/relationships" xmlns:p="http://schemas.openxmlformats.org/presentationml/2006/main">
+  <p:cSld>
+    <p:spTree>
+      <p:nvGrpSpPr>
+        <p:cNvPr id="1" name=""/>
+        <p:cNvGrpSpPr/>
+        <p:nvPr/>
+      </p:nvGrpSpPr>
+      <p:grpSpPr>
+        <a:xfrm>
+          <a:off x="0" y="0"/>
+          <a:ext cx="0" cy="0"/>
+          <a:chOff x="0" y="0"/>
+          <a:chExt cx="0" cy="0"/>
+        </a:xfrm>
+      </p:grpSpPr>
+      <p:sp>
+        <p:nvSpPr>
+          <p:cNvPr id="2" name="Título 1">
+            <a:extLst>
+              <a:ext uri="{FF2B5EF4-FFF2-40B4-BE49-F238E27FC236}">
+                <a16:creationId xmlns:a16="http://schemas.microsoft.com/office/drawing/2014/main" id="{095D5E06-C433-C836-106A-B2D45ADCF04F}"/>
+              </a:ext>
+            </a:extLst>
+          </p:cNvPr>
+          <p:cNvSpPr>
+            <a:spLocks noGrp="1"/>
+          </p:cNvSpPr>
+          <p:nvPr>
+            <p:ph type="ctrTitle"/>
+          </p:nvPr>
+        </p:nvSpPr>
+        <p:spPr>
+          <a:xfrm>
+            <a:off x="304800" y="277091"/>
+            <a:ext cx="9144000" cy="669781"/>
+          </a:xfrm>
+        </p:spPr>
+        <p:txBody>
+          <a:bodyPr>
+            <a:normAutofit/>
+          </a:bodyPr>
+          <a:lstStyle/>
+          <a:p>
+            <a:pPr algn="l"/>
+            <a:r>
+              <a:rPr lang="es-MX" sz="3600" b="1" dirty="0">
+                <a:latin typeface="Gadugi" panose="020B0502040204020203" pitchFamily="34" charset="0"/>
+                <a:ea typeface="Gadugi" panose="020B0502040204020203" pitchFamily="34" charset="0"/>
+              </a:rPr>
+              <a:t>SUBCONSULTAS</a:t>
+            </a:r>
+          </a:p>
+        </p:txBody>
+      </p:sp>
+      <p:cxnSp>
+        <p:nvCxnSpPr>
+          <p:cNvPr id="5" name="Conector recto 4">
+            <a:extLst>
+              <a:ext uri="{FF2B5EF4-FFF2-40B4-BE49-F238E27FC236}">
+                <a16:creationId xmlns:a16="http://schemas.microsoft.com/office/drawing/2014/main" id="{8185E119-0A24-A724-B622-7DB91F3252A8}"/>
+              </a:ext>
+            </a:extLst>
+          </p:cNvPr>
+          <p:cNvCxnSpPr/>
+          <p:nvPr/>
+        </p:nvCxnSpPr>
+        <p:spPr>
+          <a:xfrm>
+            <a:off x="0" y="946872"/>
+            <a:ext cx="5472545" cy="0"/>
+          </a:xfrm>
+          <a:prstGeom prst="line">
+            <a:avLst/>
+          </a:prstGeom>
+          <a:ln w="38100">
+            <a:solidFill>
+              <a:srgbClr val="7030A0"/>
+            </a:solidFill>
+          </a:ln>
+        </p:spPr>
+        <p:style>
+          <a:lnRef idx="1">
+            <a:schemeClr val="accent1"/>
+          </a:lnRef>
+          <a:fillRef idx="0">
+            <a:schemeClr val="accent1"/>
+          </a:fillRef>
+          <a:effectRef idx="0">
+            <a:schemeClr val="accent1"/>
+          </a:effectRef>
+          <a:fontRef idx="minor">
+            <a:schemeClr val="tx1"/>
+          </a:fontRef>
+        </p:style>
+      </p:cxnSp>
+      <p:cxnSp>
+        <p:nvCxnSpPr>
+          <p:cNvPr id="6" name="Conector recto 5">
+            <a:extLst>
+              <a:ext uri="{FF2B5EF4-FFF2-40B4-BE49-F238E27FC236}">
+                <a16:creationId xmlns:a16="http://schemas.microsoft.com/office/drawing/2014/main" id="{BEFC1D1B-E623-58C6-AEC5-FBF9FC0A9DBC}"/>
+              </a:ext>
+            </a:extLst>
+          </p:cNvPr>
+          <p:cNvCxnSpPr>
+            <a:cxnSpLocks/>
+          </p:cNvCxnSpPr>
+          <p:nvPr/>
+        </p:nvCxnSpPr>
+        <p:spPr>
+          <a:xfrm flipH="1" flipV="1">
+            <a:off x="8257309" y="0"/>
+            <a:ext cx="27710" cy="6858000"/>
+          </a:xfrm>
+          <a:prstGeom prst="line">
+            <a:avLst/>
+          </a:prstGeom>
+          <a:ln w="38100">
+            <a:solidFill>
+              <a:srgbClr val="7030A0"/>
+            </a:solidFill>
+          </a:ln>
+        </p:spPr>
+        <p:style>
+          <a:lnRef idx="1">
+            <a:schemeClr val="accent1"/>
+          </a:lnRef>
+          <a:fillRef idx="0">
+            <a:schemeClr val="accent1"/>
+          </a:fillRef>
+          <a:effectRef idx="0">
+            <a:schemeClr val="accent1"/>
+          </a:effectRef>
+          <a:fontRef idx="minor">
+            <a:schemeClr val="tx1"/>
+          </a:fontRef>
+        </p:style>
+      </p:cxnSp>
+      <p:sp>
+        <p:nvSpPr>
+          <p:cNvPr id="7" name="Subtítulo 2">
+            <a:extLst>
+              <a:ext uri="{FF2B5EF4-FFF2-40B4-BE49-F238E27FC236}">
+                <a16:creationId xmlns:a16="http://schemas.microsoft.com/office/drawing/2014/main" id="{ADB48741-DDAF-7821-2507-64D4770664D3}"/>
+              </a:ext>
+            </a:extLst>
+          </p:cNvPr>
+          <p:cNvSpPr txBox="1">
+            <a:spLocks/>
+          </p:cNvSpPr>
+          <p:nvPr/>
+        </p:nvSpPr>
+        <p:spPr>
+          <a:xfrm>
+            <a:off x="152393" y="1515464"/>
+            <a:ext cx="7966363" cy="664253"/>
+          </a:xfrm>
+          <a:prstGeom prst="rect">
+            <a:avLst/>
+          </a:prstGeom>
+        </p:spPr>
+        <p:txBody>
+          <a:bodyPr vert="horz" lIns="91440" tIns="45720" rIns="91440" bIns="45720" rtlCol="0">
+            <a:normAutofit/>
+          </a:bodyPr>
+          <a:lstStyle>
+            <a:lvl1pPr marL="0" indent="0" algn="ctr" defTabSz="914400" rtl="0" eaLnBrk="1" latinLnBrk="0" hangingPunct="1">
+              <a:lnSpc>
+                <a:spcPct val="90000"/>
+              </a:lnSpc>
+              <a:spcBef>
+                <a:spcPts val="1000"/>
+              </a:spcBef>
+              <a:buFont typeface="Arial" panose="020B0604020202020204" pitchFamily="34" charset="0"/>
+              <a:buNone/>
+              <a:defRPr sz="2400" kern="1200">
+                <a:solidFill>
+                  <a:schemeClr val="tx1"/>
+                </a:solidFill>
+                <a:latin typeface="+mn-lt"/>
+                <a:ea typeface="+mn-ea"/>
+                <a:cs typeface="+mn-cs"/>
+              </a:defRPr>
+            </a:lvl1pPr>
+            <a:lvl2pPr marL="457200" indent="0" algn="ctr" defTabSz="914400" rtl="0" eaLnBrk="1" latinLnBrk="0" hangingPunct="1">
+              <a:lnSpc>
+                <a:spcPct val="90000"/>
+              </a:lnSpc>
+              <a:spcBef>
+                <a:spcPts val="500"/>
+              </a:spcBef>
+              <a:buFont typeface="Arial" panose="020B0604020202020204" pitchFamily="34" charset="0"/>
+              <a:buNone/>
+              <a:defRPr sz="2000" kern="1200">
+                <a:solidFill>
+                  <a:schemeClr val="tx1"/>
+                </a:solidFill>
+                <a:latin typeface="+mn-lt"/>
+                <a:ea typeface="+mn-ea"/>
+                <a:cs typeface="+mn-cs"/>
+              </a:defRPr>
+            </a:lvl2pPr>
+            <a:lvl3pPr marL="914400" indent="0" algn="ctr" defTabSz="914400" rtl="0" eaLnBrk="1" latinLnBrk="0" hangingPunct="1">
+              <a:lnSpc>
+                <a:spcPct val="90000"/>
+              </a:lnSpc>
+              <a:spcBef>
+                <a:spcPts val="500"/>
+              </a:spcBef>
+              <a:buFont typeface="Arial" panose="020B0604020202020204" pitchFamily="34" charset="0"/>
+              <a:buNone/>
+              <a:defRPr sz="1800" kern="1200">
+                <a:solidFill>
+                  <a:schemeClr val="tx1"/>
+                </a:solidFill>
+                <a:latin typeface="+mn-lt"/>
+                <a:ea typeface="+mn-ea"/>
+                <a:cs typeface="+mn-cs"/>
+              </a:defRPr>
+            </a:lvl3pPr>
+            <a:lvl4pPr marL="1371600" indent="0" algn="ctr" defTabSz="914400" rtl="0" eaLnBrk="1" latinLnBrk="0" hangingPunct="1">
+              <a:lnSpc>
+                <a:spcPct val="90000"/>
+              </a:lnSpc>
+              <a:spcBef>
+                <a:spcPts val="500"/>
+              </a:spcBef>
+              <a:buFont typeface="Arial" panose="020B0604020202020204" pitchFamily="34" charset="0"/>
+              <a:buNone/>
+              <a:defRPr sz="1600" kern="1200">
+                <a:solidFill>
+                  <a:schemeClr val="tx1"/>
+                </a:solidFill>
+                <a:latin typeface="+mn-lt"/>
+                <a:ea typeface="+mn-ea"/>
+                <a:cs typeface="+mn-cs"/>
+              </a:defRPr>
+            </a:lvl4pPr>
+            <a:lvl5pPr marL="1828800" indent="0" algn="ctr" defTabSz="914400" rtl="0" eaLnBrk="1" latinLnBrk="0" hangingPunct="1">
+              <a:lnSpc>
+                <a:spcPct val="90000"/>
+              </a:lnSpc>
+              <a:spcBef>
+                <a:spcPts val="500"/>
+              </a:spcBef>
+              <a:buFont typeface="Arial" panose="020B0604020202020204" pitchFamily="34" charset="0"/>
+              <a:buNone/>
+              <a:defRPr sz="1600" kern="1200">
+                <a:solidFill>
+                  <a:schemeClr val="tx1"/>
+                </a:solidFill>
+                <a:latin typeface="+mn-lt"/>
+                <a:ea typeface="+mn-ea"/>
+                <a:cs typeface="+mn-cs"/>
+              </a:defRPr>
+            </a:lvl5pPr>
+            <a:lvl6pPr marL="2286000" indent="0" algn="ctr" defTabSz="914400" rtl="0" eaLnBrk="1" latinLnBrk="0" hangingPunct="1">
+              <a:lnSpc>
+                <a:spcPct val="90000"/>
+              </a:lnSpc>
+              <a:spcBef>
+                <a:spcPts val="500"/>
+              </a:spcBef>
+              <a:buFont typeface="Arial" panose="020B0604020202020204" pitchFamily="34" charset="0"/>
+              <a:buNone/>
+              <a:defRPr sz="1600" kern="1200">
+                <a:solidFill>
+                  <a:schemeClr val="tx1"/>
+                </a:solidFill>
+                <a:latin typeface="+mn-lt"/>
+                <a:ea typeface="+mn-ea"/>
+                <a:cs typeface="+mn-cs"/>
+              </a:defRPr>
+            </a:lvl6pPr>
+            <a:lvl7pPr marL="2743200" indent="0" algn="ctr" defTabSz="914400" rtl="0" eaLnBrk="1" latinLnBrk="0" hangingPunct="1">
+              <a:lnSpc>
+                <a:spcPct val="90000"/>
+              </a:lnSpc>
+              <a:spcBef>
+                <a:spcPts val="500"/>
+              </a:spcBef>
+              <a:buFont typeface="Arial" panose="020B0604020202020204" pitchFamily="34" charset="0"/>
+              <a:buNone/>
+              <a:defRPr sz="1600" kern="1200">
+                <a:solidFill>
+                  <a:schemeClr val="tx1"/>
+                </a:solidFill>
+                <a:latin typeface="+mn-lt"/>
+                <a:ea typeface="+mn-ea"/>
+                <a:cs typeface="+mn-cs"/>
+              </a:defRPr>
+            </a:lvl7pPr>
+            <a:lvl8pPr marL="3200400" indent="0" algn="ctr" defTabSz="914400" rtl="0" eaLnBrk="1" latinLnBrk="0" hangingPunct="1">
+              <a:lnSpc>
+                <a:spcPct val="90000"/>
+              </a:lnSpc>
+              <a:spcBef>
+                <a:spcPts val="500"/>
+              </a:spcBef>
+              <a:buFont typeface="Arial" panose="020B0604020202020204" pitchFamily="34" charset="0"/>
+              <a:buNone/>
+              <a:defRPr sz="1600" kern="1200">
+                <a:solidFill>
+                  <a:schemeClr val="tx1"/>
+                </a:solidFill>
+                <a:latin typeface="+mn-lt"/>
+                <a:ea typeface="+mn-ea"/>
+                <a:cs typeface="+mn-cs"/>
+              </a:defRPr>
+            </a:lvl8pPr>
+            <a:lvl9pPr marL="3657600" indent="0" algn="ctr" defTabSz="914400" rtl="0" eaLnBrk="1" latinLnBrk="0" hangingPunct="1">
+              <a:lnSpc>
+                <a:spcPct val="90000"/>
+              </a:lnSpc>
+              <a:spcBef>
+                <a:spcPts val="500"/>
+              </a:spcBef>
+              <a:buFont typeface="Arial" panose="020B0604020202020204" pitchFamily="34" charset="0"/>
+              <a:buNone/>
+              <a:defRPr sz="1600" kern="1200">
+                <a:solidFill>
+                  <a:schemeClr val="tx1"/>
+                </a:solidFill>
+                <a:latin typeface="+mn-lt"/>
+                <a:ea typeface="+mn-ea"/>
+                <a:cs typeface="+mn-cs"/>
+              </a:defRPr>
+            </a:lvl9pPr>
+          </a:lstStyle>
+          <a:p>
+            <a:pPr algn="l"/>
+            <a:r>
+              <a:rPr lang="es-MX" sz="2000" dirty="0"/>
+              <a:t>En </a:t>
+            </a:r>
+            <a:r>
+              <a:rPr lang="es-MX" sz="2000" b="1" dirty="0"/>
+              <a:t>FROM</a:t>
+            </a:r>
+            <a:r>
+              <a:rPr lang="es-MX" sz="2000" dirty="0"/>
+              <a:t>:</a:t>
+            </a:r>
+          </a:p>
+        </p:txBody>
+      </p:sp>
+      <p:sp>
+        <p:nvSpPr>
+          <p:cNvPr id="8" name="Subtítulo 2">
+            <a:extLst>
+              <a:ext uri="{FF2B5EF4-FFF2-40B4-BE49-F238E27FC236}">
+                <a16:creationId xmlns:a16="http://schemas.microsoft.com/office/drawing/2014/main" id="{3727B8FC-A2E4-C9BD-C7A8-FB41348D9C00}"/>
+              </a:ext>
+            </a:extLst>
+          </p:cNvPr>
+          <p:cNvSpPr txBox="1">
+            <a:spLocks/>
+          </p:cNvSpPr>
+          <p:nvPr/>
+        </p:nvSpPr>
+        <p:spPr>
+          <a:xfrm>
+            <a:off x="152391" y="1933740"/>
+            <a:ext cx="7966363" cy="4924260"/>
+          </a:xfrm>
+          <a:prstGeom prst="rect">
+            <a:avLst/>
+          </a:prstGeom>
+        </p:spPr>
+        <p:txBody>
+          <a:bodyPr vert="horz" lIns="91440" tIns="45720" rIns="91440" bIns="45720" rtlCol="0">
+            <a:normAutofit/>
+          </a:bodyPr>
+          <a:lstStyle>
+            <a:lvl1pPr marL="0" indent="0" algn="ctr" defTabSz="914400" rtl="0" eaLnBrk="1" latinLnBrk="0" hangingPunct="1">
+              <a:lnSpc>
+                <a:spcPct val="90000"/>
+              </a:lnSpc>
+              <a:spcBef>
+                <a:spcPts val="1000"/>
+              </a:spcBef>
+              <a:buFont typeface="Arial" panose="020B0604020202020204" pitchFamily="34" charset="0"/>
+              <a:buNone/>
+              <a:defRPr sz="2400" kern="1200">
+                <a:solidFill>
+                  <a:schemeClr val="tx1"/>
+                </a:solidFill>
+                <a:latin typeface="+mn-lt"/>
+                <a:ea typeface="+mn-ea"/>
+                <a:cs typeface="+mn-cs"/>
+              </a:defRPr>
+            </a:lvl1pPr>
+            <a:lvl2pPr marL="457200" indent="0" algn="ctr" defTabSz="914400" rtl="0" eaLnBrk="1" latinLnBrk="0" hangingPunct="1">
+              <a:lnSpc>
+                <a:spcPct val="90000"/>
+              </a:lnSpc>
+              <a:spcBef>
+                <a:spcPts val="500"/>
+              </a:spcBef>
+              <a:buFont typeface="Arial" panose="020B0604020202020204" pitchFamily="34" charset="0"/>
+              <a:buNone/>
+              <a:defRPr sz="2000" kern="1200">
+                <a:solidFill>
+                  <a:schemeClr val="tx1"/>
+                </a:solidFill>
+                <a:latin typeface="+mn-lt"/>
+                <a:ea typeface="+mn-ea"/>
+                <a:cs typeface="+mn-cs"/>
+              </a:defRPr>
+            </a:lvl2pPr>
+            <a:lvl3pPr marL="914400" indent="0" algn="ctr" defTabSz="914400" rtl="0" eaLnBrk="1" latinLnBrk="0" hangingPunct="1">
+              <a:lnSpc>
+                <a:spcPct val="90000"/>
+              </a:lnSpc>
+              <a:spcBef>
+                <a:spcPts val="500"/>
+              </a:spcBef>
+              <a:buFont typeface="Arial" panose="020B0604020202020204" pitchFamily="34" charset="0"/>
+              <a:buNone/>
+              <a:defRPr sz="1800" kern="1200">
+                <a:solidFill>
+                  <a:schemeClr val="tx1"/>
+                </a:solidFill>
+                <a:latin typeface="+mn-lt"/>
+                <a:ea typeface="+mn-ea"/>
+                <a:cs typeface="+mn-cs"/>
+              </a:defRPr>
+            </a:lvl3pPr>
+            <a:lvl4pPr marL="1371600" indent="0" algn="ctr" defTabSz="914400" rtl="0" eaLnBrk="1" latinLnBrk="0" hangingPunct="1">
+              <a:lnSpc>
+                <a:spcPct val="90000"/>
+              </a:lnSpc>
+              <a:spcBef>
+                <a:spcPts val="500"/>
+              </a:spcBef>
+              <a:buFont typeface="Arial" panose="020B0604020202020204" pitchFamily="34" charset="0"/>
+              <a:buNone/>
+              <a:defRPr sz="1600" kern="1200">
+                <a:solidFill>
+                  <a:schemeClr val="tx1"/>
+                </a:solidFill>
+                <a:latin typeface="+mn-lt"/>
+                <a:ea typeface="+mn-ea"/>
+                <a:cs typeface="+mn-cs"/>
+              </a:defRPr>
+            </a:lvl4pPr>
+            <a:lvl5pPr marL="1828800" indent="0" algn="ctr" defTabSz="914400" rtl="0" eaLnBrk="1" latinLnBrk="0" hangingPunct="1">
+              <a:lnSpc>
+                <a:spcPct val="90000"/>
+              </a:lnSpc>
+              <a:spcBef>
+                <a:spcPts val="500"/>
+              </a:spcBef>
+              <a:buFont typeface="Arial" panose="020B0604020202020204" pitchFamily="34" charset="0"/>
+              <a:buNone/>
+              <a:defRPr sz="1600" kern="1200">
+                <a:solidFill>
+                  <a:schemeClr val="tx1"/>
+                </a:solidFill>
+                <a:latin typeface="+mn-lt"/>
+                <a:ea typeface="+mn-ea"/>
+                <a:cs typeface="+mn-cs"/>
+              </a:defRPr>
+            </a:lvl5pPr>
+            <a:lvl6pPr marL="2286000" indent="0" algn="ctr" defTabSz="914400" rtl="0" eaLnBrk="1" latinLnBrk="0" hangingPunct="1">
+              <a:lnSpc>
+                <a:spcPct val="90000"/>
+              </a:lnSpc>
+              <a:spcBef>
+                <a:spcPts val="500"/>
+              </a:spcBef>
+              <a:buFont typeface="Arial" panose="020B0604020202020204" pitchFamily="34" charset="0"/>
+              <a:buNone/>
+              <a:defRPr sz="1600" kern="1200">
+                <a:solidFill>
+                  <a:schemeClr val="tx1"/>
+                </a:solidFill>
+                <a:latin typeface="+mn-lt"/>
+                <a:ea typeface="+mn-ea"/>
+                <a:cs typeface="+mn-cs"/>
+              </a:defRPr>
+            </a:lvl6pPr>
+            <a:lvl7pPr marL="2743200" indent="0" algn="ctr" defTabSz="914400" rtl="0" eaLnBrk="1" latinLnBrk="0" hangingPunct="1">
+              <a:lnSpc>
+                <a:spcPct val="90000"/>
+              </a:lnSpc>
+              <a:spcBef>
+                <a:spcPts val="500"/>
+              </a:spcBef>
+              <a:buFont typeface="Arial" panose="020B0604020202020204" pitchFamily="34" charset="0"/>
+              <a:buNone/>
+              <a:defRPr sz="1600" kern="1200">
+                <a:solidFill>
+                  <a:schemeClr val="tx1"/>
+                </a:solidFill>
+                <a:latin typeface="+mn-lt"/>
+                <a:ea typeface="+mn-ea"/>
+                <a:cs typeface="+mn-cs"/>
+              </a:defRPr>
+            </a:lvl7pPr>
+            <a:lvl8pPr marL="3200400" indent="0" algn="ctr" defTabSz="914400" rtl="0" eaLnBrk="1" latinLnBrk="0" hangingPunct="1">
+              <a:lnSpc>
+                <a:spcPct val="90000"/>
+              </a:lnSpc>
+              <a:spcBef>
+                <a:spcPts val="500"/>
+              </a:spcBef>
+              <a:buFont typeface="Arial" panose="020B0604020202020204" pitchFamily="34" charset="0"/>
+              <a:buNone/>
+              <a:defRPr sz="1600" kern="1200">
+                <a:solidFill>
+                  <a:schemeClr val="tx1"/>
+                </a:solidFill>
+                <a:latin typeface="+mn-lt"/>
+                <a:ea typeface="+mn-ea"/>
+                <a:cs typeface="+mn-cs"/>
+              </a:defRPr>
+            </a:lvl8pPr>
+            <a:lvl9pPr marL="3657600" indent="0" algn="ctr" defTabSz="914400" rtl="0" eaLnBrk="1" latinLnBrk="0" hangingPunct="1">
+              <a:lnSpc>
+                <a:spcPct val="90000"/>
+              </a:lnSpc>
+              <a:spcBef>
+                <a:spcPts val="500"/>
+              </a:spcBef>
+              <a:buFont typeface="Arial" panose="020B0604020202020204" pitchFamily="34" charset="0"/>
+              <a:buNone/>
+              <a:defRPr sz="1600" kern="1200">
+                <a:solidFill>
+                  <a:schemeClr val="tx1"/>
+                </a:solidFill>
+                <a:latin typeface="+mn-lt"/>
+                <a:ea typeface="+mn-ea"/>
+                <a:cs typeface="+mn-cs"/>
+              </a:defRPr>
+            </a:lvl9pPr>
+          </a:lstStyle>
+          <a:p>
+            <a:pPr algn="l"/>
+            <a:r>
               <a:rPr lang="es-MX" sz="2000" b="1" dirty="0">
                 <a:solidFill>
                   <a:schemeClr val="accent1"/>
                 </a:solidFill>
               </a:rPr>
-              <a:t>INSERT INTO </a:t>
+              <a:t>SELECT</a:t>
+            </a:r>
+            <a:r>
+              <a:rPr lang="es-MX" sz="2000" dirty="0">
+                <a:solidFill>
+                  <a:schemeClr val="accent1"/>
+                </a:solidFill>
+              </a:rPr>
+              <a:t> </a:t>
+            </a:r>
+          </a:p>
+          <a:p>
+            <a:pPr algn="l"/>
+            <a:r>
+              <a:rPr lang="es-MX" sz="2000" b="1" dirty="0">
+                <a:solidFill>
+                  <a:schemeClr val="accent1"/>
+                </a:solidFill>
+              </a:rPr>
+              <a:t>	</a:t>
             </a:r>
             <a:r>
               <a:rPr lang="es-MX" sz="2000" dirty="0" err="1">
@@ -36052,7 +37718,7 @@
                   <a:schemeClr val="accent1"/>
                 </a:solidFill>
               </a:rPr>
-              <a:t>month</a:t>
+              <a:t>a.producto_id</a:t>
             </a:r>
             <a:r>
               <a:rPr lang="es-MX" sz="2000" dirty="0">
@@ -36060,7 +37726,7 @@
                   <a:schemeClr val="accent1"/>
                 </a:solidFill>
               </a:rPr>
-              <a:t> </a:t>
+              <a:t>,</a:t>
             </a:r>
           </a:p>
           <a:p>
@@ -36071,7 +37737,15 @@
                   <a:schemeClr val="accent1"/>
                 </a:solidFill>
               </a:rPr>
-              <a:t>VALUES </a:t>
+              <a:t>	</a:t>
+            </a:r>
+            <a:r>
+              <a:rPr lang="es-MX" sz="2000" dirty="0" err="1">
+                <a:solidFill>
+                  <a:schemeClr val="accent1"/>
+                </a:solidFill>
+              </a:rPr>
+              <a:t>a.product_name</a:t>
             </a:r>
             <a:r>
               <a:rPr lang="es-MX" sz="2000" dirty="0">
@@ -36079,18 +37753,18 @@
                   <a:schemeClr val="accent1"/>
                 </a:solidFill>
               </a:rPr>
-              <a:t>(1), (2), (3), (4), … , (12);</a:t>
+              <a:t>,</a:t>
             </a:r>
           </a:p>
           <a:p>
             <a:pPr algn="l"/>
             <a:r>
-              <a:rPr lang="es-MX" sz="2000" b="1" dirty="0">
-                <a:solidFill>
-                  <a:schemeClr val="accent1"/>
-                </a:solidFill>
-              </a:rPr>
-              <a:t>INSERT INTO </a:t>
+              <a:rPr lang="es-MX" sz="2000" dirty="0">
+                <a:solidFill>
+                  <a:schemeClr val="accent1"/>
+                </a:solidFill>
+              </a:rPr>
+              <a:t>	</a:t>
             </a:r>
             <a:r>
               <a:rPr lang="es-MX" sz="2000" dirty="0" err="1">
@@ -36098,7 +37772,34 @@
                   <a:schemeClr val="accent1"/>
                 </a:solidFill>
               </a:rPr>
-              <a:t>year</a:t>
+              <a:t>a.category</a:t>
+            </a:r>
+            <a:r>
+              <a:rPr lang="es-MX" sz="2000" dirty="0">
+                <a:solidFill>
+                  <a:schemeClr val="accent1"/>
+                </a:solidFill>
+              </a:rPr>
+              <a:t>,</a:t>
+            </a:r>
+          </a:p>
+          <a:p>
+            <a:pPr algn="l"/>
+            <a:r>
+              <a:rPr lang="es-MX" sz="2000" dirty="0">
+                <a:solidFill>
+                  <a:schemeClr val="accent1"/>
+                </a:solidFill>
+              </a:rPr>
+              <a:t>	</a:t>
+            </a:r>
+            <a:r>
+              <a:rPr lang="es-MX" sz="2000" dirty="0" err="1">
+                <a:solidFill>
+                  <a:schemeClr val="accent1"/>
+                </a:solidFill>
+              </a:rPr>
+              <a:t>b.cantidad</a:t>
             </a:r>
             <a:endParaRPr lang="es-MX" sz="2000" dirty="0">
               <a:solidFill>
@@ -36114,7 +37815,15 @@
                   <a:schemeClr val="accent1"/>
                 </a:solidFill>
               </a:rPr>
-              <a:t>VALUES </a:t>
+              <a:t>FROM </a:t>
+            </a:r>
+            <a:r>
+              <a:rPr lang="es-MX" sz="2000" dirty="0" err="1">
+                <a:solidFill>
+                  <a:schemeClr val="accent1"/>
+                </a:solidFill>
+              </a:rPr>
+              <a:t>product</a:t>
             </a:r>
             <a:r>
               <a:rPr lang="es-MX" sz="2000" dirty="0">
@@ -36122,11 +37831,35 @@
                   <a:schemeClr val="accent1"/>
                 </a:solidFill>
               </a:rPr>
-              <a:t>(2011), (2012), (2013), (20144), … , (2021);</a:t>
+              <a:t> </a:t>
+            </a:r>
+            <a:r>
+              <a:rPr lang="es-MX" sz="2000" b="1" dirty="0">
+                <a:solidFill>
+                  <a:schemeClr val="accent1"/>
+                </a:solidFill>
+              </a:rPr>
+              <a:t>AS</a:t>
+            </a:r>
+            <a:r>
+              <a:rPr lang="es-MX" sz="2000" dirty="0">
+                <a:solidFill>
+                  <a:schemeClr val="accent1"/>
+                </a:solidFill>
+              </a:rPr>
+              <a:t> a	</a:t>
             </a:r>
           </a:p>
           <a:p>
             <a:pPr algn="l"/>
+            <a:r>
+              <a:rPr lang="es-MX" sz="2000" b="1" dirty="0">
+                <a:solidFill>
+                  <a:schemeClr val="accent1"/>
+                </a:solidFill>
+              </a:rPr>
+              <a:t>LEFT JOIN</a:t>
+            </a:r>
             <a:endParaRPr lang="es-MX" sz="2000" dirty="0">
               <a:solidFill>
                 <a:schemeClr val="accent1"/>
@@ -36141,7 +37874,7 @@
                   <a:schemeClr val="accent1"/>
                 </a:solidFill>
               </a:rPr>
-              <a:t>SELECT</a:t>
+              <a:t>	(SELECT</a:t>
             </a:r>
             <a:r>
               <a:rPr lang="es-MX" sz="2000" dirty="0">
@@ -36157,7 +37890,15 @@
                   <a:schemeClr val="accent1"/>
                 </a:solidFill>
               </a:rPr>
-              <a:t>a.YYYY</a:t>
+              <a:t>product_id</a:t>
+            </a:r>
+            <a:r>
+              <a:rPr lang="es-MX" sz="2000" b="1" dirty="0">
+                <a:solidFill>
+                  <a:schemeClr val="accent1"/>
+                </a:solidFill>
+              </a:rPr>
+              <a:t>, SUM</a:t>
             </a:r>
             <a:r>
               <a:rPr lang="es-MX" sz="2000" dirty="0">
@@ -36165,7 +37906,23 @@
                   <a:schemeClr val="accent1"/>
                 </a:solidFill>
               </a:rPr>
-              <a:t>, b.MM </a:t>
+              <a:t>(</a:t>
+            </a:r>
+            <a:r>
+              <a:rPr lang="es-MX" sz="2000" dirty="0" err="1">
+                <a:solidFill>
+                  <a:schemeClr val="accent1"/>
+                </a:solidFill>
+              </a:rPr>
+              <a:t>quantity</a:t>
+            </a:r>
+            <a:r>
+              <a:rPr lang="es-MX" sz="2000" dirty="0">
+                <a:solidFill>
+                  <a:schemeClr val="accent1"/>
+                </a:solidFill>
+              </a:rPr>
+              <a:t>) </a:t>
             </a:r>
             <a:r>
               <a:rPr lang="es-MX" sz="2000" b="1" dirty="0">
@@ -36173,6 +37930,22 @@
                   <a:schemeClr val="accent1"/>
                 </a:solidFill>
               </a:rPr>
+              <a:t>AS</a:t>
+            </a:r>
+            <a:r>
+              <a:rPr lang="es-MX" sz="2000" dirty="0">
+                <a:solidFill>
+                  <a:schemeClr val="accent1"/>
+                </a:solidFill>
+              </a:rPr>
+              <a:t> cantidad </a:t>
+            </a:r>
+            <a:r>
+              <a:rPr lang="es-MX" sz="2000" b="1" dirty="0">
+                <a:solidFill>
+                  <a:schemeClr val="accent1"/>
+                </a:solidFill>
+              </a:rPr>
               <a:t>FROM</a:t>
             </a:r>
             <a:r>
@@ -36181,6 +37954,76 @@
                   <a:schemeClr val="accent1"/>
                 </a:solidFill>
               </a:rPr>
+              <a:t> sales</a:t>
+            </a:r>
+          </a:p>
+          <a:p>
+            <a:pPr algn="l"/>
+            <a:r>
+              <a:rPr lang="es-MX" sz="2000" dirty="0">
+                <a:solidFill>
+                  <a:schemeClr val="accent1"/>
+                </a:solidFill>
+              </a:rPr>
+              <a:t>	 </a:t>
+            </a:r>
+            <a:r>
+              <a:rPr lang="es-MX" sz="2000" b="1" dirty="0">
+                <a:solidFill>
+                  <a:schemeClr val="accent1"/>
+                </a:solidFill>
+              </a:rPr>
+              <a:t>GROUP BY </a:t>
+            </a:r>
+            <a:r>
+              <a:rPr lang="es-MX" sz="2000" dirty="0" err="1">
+                <a:solidFill>
+                  <a:schemeClr val="accent1"/>
+                </a:solidFill>
+              </a:rPr>
+              <a:t>product_id</a:t>
+            </a:r>
+            <a:r>
+              <a:rPr lang="es-MX" sz="2000" dirty="0">
+                <a:solidFill>
+                  <a:schemeClr val="accent1"/>
+                </a:solidFill>
+              </a:rPr>
+              <a:t>) </a:t>
+            </a:r>
+            <a:r>
+              <a:rPr lang="es-MX" sz="2000" b="1" dirty="0">
+                <a:solidFill>
+                  <a:schemeClr val="accent1"/>
+                </a:solidFill>
+              </a:rPr>
+              <a:t>AS</a:t>
+            </a:r>
+            <a:r>
+              <a:rPr lang="es-MX" sz="2000" dirty="0">
+                <a:solidFill>
+                  <a:schemeClr val="accent1"/>
+                </a:solidFill>
+              </a:rPr>
+              <a:t> b</a:t>
+            </a:r>
+          </a:p>
+          <a:p>
+            <a:pPr algn="l"/>
+            <a:r>
+              <a:rPr lang="es-MX" sz="2000" b="1" dirty="0">
+                <a:solidFill>
+                  <a:schemeClr val="accent1"/>
+                </a:solidFill>
+              </a:rPr>
+              <a:t>ON</a:t>
+            </a:r>
+            <a:r>
+              <a:rPr lang="es-MX" sz="2000" dirty="0">
+                <a:solidFill>
+                  <a:schemeClr val="accent1"/>
+                </a:solidFill>
+              </a:rPr>
               <a:t> </a:t>
             </a:r>
             <a:r>
@@ -36189,7 +38032,7 @@
                   <a:schemeClr val="accent1"/>
                 </a:solidFill>
               </a:rPr>
-              <a:t>year</a:t>
+              <a:t>a.product_id</a:t>
             </a:r>
             <a:r>
               <a:rPr lang="es-MX" sz="2000" dirty="0">
@@ -36197,55 +38040,47 @@
                   <a:schemeClr val="accent1"/>
                 </a:solidFill>
               </a:rPr>
+              <a:t>=</a:t>
+            </a:r>
+            <a:r>
+              <a:rPr lang="es-MX" sz="2000" dirty="0" err="1">
+                <a:solidFill>
+                  <a:schemeClr val="accent1"/>
+                </a:solidFill>
+              </a:rPr>
+              <a:t>b.product_id</a:t>
+            </a:r>
+            <a:endParaRPr lang="es-MX" sz="2000" dirty="0">
+              <a:solidFill>
+                <a:schemeClr val="accent1"/>
+              </a:solidFill>
+            </a:endParaRPr>
+          </a:p>
+          <a:p>
+            <a:pPr algn="l"/>
+            <a:r>
+              <a:rPr lang="es-MX" sz="2000" b="1" dirty="0">
+                <a:solidFill>
+                  <a:schemeClr val="accent1"/>
+                </a:solidFill>
+              </a:rPr>
+              <a:t>ORDER BY</a:t>
+            </a:r>
+            <a:r>
+              <a:rPr lang="es-MX" sz="2000" dirty="0">
+                <a:solidFill>
+                  <a:schemeClr val="accent1"/>
+                </a:solidFill>
+              </a:rPr>
               <a:t> </a:t>
             </a:r>
             <a:r>
-              <a:rPr lang="es-MX" sz="2000" b="1" dirty="0">
-                <a:solidFill>
-                  <a:schemeClr val="accent1"/>
-                </a:solidFill>
-              </a:rPr>
-              <a:t>AS</a:t>
-            </a:r>
-            <a:r>
-              <a:rPr lang="es-MX" sz="2000" dirty="0">
-                <a:solidFill>
-                  <a:schemeClr val="accent1"/>
-                </a:solidFill>
-              </a:rPr>
-              <a:t> a, </a:t>
-            </a:r>
-            <a:r>
               <a:rPr lang="es-MX" sz="2000" dirty="0" err="1">
                 <a:solidFill>
                   <a:schemeClr val="accent1"/>
                 </a:solidFill>
               </a:rPr>
-              <a:t>month</a:t>
-            </a:r>
-            <a:r>
-              <a:rPr lang="es-MX" sz="2000" dirty="0">
-                <a:solidFill>
-                  <a:schemeClr val="accent1"/>
-                </a:solidFill>
-              </a:rPr>
-              <a:t> </a:t>
-            </a:r>
-            <a:r>
-              <a:rPr lang="es-MX" sz="2000" b="1" dirty="0">
-                <a:solidFill>
-                  <a:schemeClr val="accent1"/>
-                </a:solidFill>
-              </a:rPr>
-              <a:t>AS</a:t>
-            </a:r>
-            <a:r>
-              <a:rPr lang="es-MX" sz="2000" dirty="0">
-                <a:solidFill>
-                  <a:schemeClr val="accent1"/>
-                </a:solidFill>
-              </a:rPr>
-              <a:t> b</a:t>
+              <a:t>b.cantidad</a:t>
             </a:r>
             <a:r>
               <a:rPr lang="es-MX" sz="2000" b="1" dirty="0">
@@ -36266,10 +38101,426 @@
           </a:p>
         </p:txBody>
       </p:sp>
+      <p:sp>
+        <p:nvSpPr>
+          <p:cNvPr id="10" name="Subtítulo 2">
+            <a:extLst>
+              <a:ext uri="{FF2B5EF4-FFF2-40B4-BE49-F238E27FC236}">
+                <a16:creationId xmlns:a16="http://schemas.microsoft.com/office/drawing/2014/main" id="{567D891B-38BF-97D0-6DC3-2140893B468B}"/>
+              </a:ext>
+            </a:extLst>
+          </p:cNvPr>
+          <p:cNvSpPr txBox="1">
+            <a:spLocks/>
+          </p:cNvSpPr>
+          <p:nvPr/>
+        </p:nvSpPr>
+        <p:spPr>
+          <a:xfrm>
+            <a:off x="8290016" y="5620245"/>
+            <a:ext cx="3906981" cy="1154126"/>
+          </a:xfrm>
+          <a:prstGeom prst="rect">
+            <a:avLst/>
+          </a:prstGeom>
+        </p:spPr>
+        <p:txBody>
+          <a:bodyPr vert="horz" lIns="91440" tIns="45720" rIns="91440" bIns="45720" rtlCol="0">
+            <a:normAutofit/>
+          </a:bodyPr>
+          <a:lstStyle>
+            <a:lvl1pPr marL="0" indent="0" algn="ctr" defTabSz="914400" rtl="0" eaLnBrk="1" latinLnBrk="0" hangingPunct="1">
+              <a:lnSpc>
+                <a:spcPct val="90000"/>
+              </a:lnSpc>
+              <a:spcBef>
+                <a:spcPts val="1000"/>
+              </a:spcBef>
+              <a:buFont typeface="Arial" panose="020B0604020202020204" pitchFamily="34" charset="0"/>
+              <a:buNone/>
+              <a:defRPr sz="2400" kern="1200">
+                <a:solidFill>
+                  <a:schemeClr val="tx1"/>
+                </a:solidFill>
+                <a:latin typeface="+mn-lt"/>
+                <a:ea typeface="+mn-ea"/>
+                <a:cs typeface="+mn-cs"/>
+              </a:defRPr>
+            </a:lvl1pPr>
+            <a:lvl2pPr marL="457200" indent="0" algn="ctr" defTabSz="914400" rtl="0" eaLnBrk="1" latinLnBrk="0" hangingPunct="1">
+              <a:lnSpc>
+                <a:spcPct val="90000"/>
+              </a:lnSpc>
+              <a:spcBef>
+                <a:spcPts val="500"/>
+              </a:spcBef>
+              <a:buFont typeface="Arial" panose="020B0604020202020204" pitchFamily="34" charset="0"/>
+              <a:buNone/>
+              <a:defRPr sz="2000" kern="1200">
+                <a:solidFill>
+                  <a:schemeClr val="tx1"/>
+                </a:solidFill>
+                <a:latin typeface="+mn-lt"/>
+                <a:ea typeface="+mn-ea"/>
+                <a:cs typeface="+mn-cs"/>
+              </a:defRPr>
+            </a:lvl2pPr>
+            <a:lvl3pPr marL="914400" indent="0" algn="ctr" defTabSz="914400" rtl="0" eaLnBrk="1" latinLnBrk="0" hangingPunct="1">
+              <a:lnSpc>
+                <a:spcPct val="90000"/>
+              </a:lnSpc>
+              <a:spcBef>
+                <a:spcPts val="500"/>
+              </a:spcBef>
+              <a:buFont typeface="Arial" panose="020B0604020202020204" pitchFamily="34" charset="0"/>
+              <a:buNone/>
+              <a:defRPr sz="1800" kern="1200">
+                <a:solidFill>
+                  <a:schemeClr val="tx1"/>
+                </a:solidFill>
+                <a:latin typeface="+mn-lt"/>
+                <a:ea typeface="+mn-ea"/>
+                <a:cs typeface="+mn-cs"/>
+              </a:defRPr>
+            </a:lvl3pPr>
+            <a:lvl4pPr marL="1371600" indent="0" algn="ctr" defTabSz="914400" rtl="0" eaLnBrk="1" latinLnBrk="0" hangingPunct="1">
+              <a:lnSpc>
+                <a:spcPct val="90000"/>
+              </a:lnSpc>
+              <a:spcBef>
+                <a:spcPts val="500"/>
+              </a:spcBef>
+              <a:buFont typeface="Arial" panose="020B0604020202020204" pitchFamily="34" charset="0"/>
+              <a:buNone/>
+              <a:defRPr sz="1600" kern="1200">
+                <a:solidFill>
+                  <a:schemeClr val="tx1"/>
+                </a:solidFill>
+                <a:latin typeface="+mn-lt"/>
+                <a:ea typeface="+mn-ea"/>
+                <a:cs typeface="+mn-cs"/>
+              </a:defRPr>
+            </a:lvl4pPr>
+            <a:lvl5pPr marL="1828800" indent="0" algn="ctr" defTabSz="914400" rtl="0" eaLnBrk="1" latinLnBrk="0" hangingPunct="1">
+              <a:lnSpc>
+                <a:spcPct val="90000"/>
+              </a:lnSpc>
+              <a:spcBef>
+                <a:spcPts val="500"/>
+              </a:spcBef>
+              <a:buFont typeface="Arial" panose="020B0604020202020204" pitchFamily="34" charset="0"/>
+              <a:buNone/>
+              <a:defRPr sz="1600" kern="1200">
+                <a:solidFill>
+                  <a:schemeClr val="tx1"/>
+                </a:solidFill>
+                <a:latin typeface="+mn-lt"/>
+                <a:ea typeface="+mn-ea"/>
+                <a:cs typeface="+mn-cs"/>
+              </a:defRPr>
+            </a:lvl5pPr>
+            <a:lvl6pPr marL="2286000" indent="0" algn="ctr" defTabSz="914400" rtl="0" eaLnBrk="1" latinLnBrk="0" hangingPunct="1">
+              <a:lnSpc>
+                <a:spcPct val="90000"/>
+              </a:lnSpc>
+              <a:spcBef>
+                <a:spcPts val="500"/>
+              </a:spcBef>
+              <a:buFont typeface="Arial" panose="020B0604020202020204" pitchFamily="34" charset="0"/>
+              <a:buNone/>
+              <a:defRPr sz="1600" kern="1200">
+                <a:solidFill>
+                  <a:schemeClr val="tx1"/>
+                </a:solidFill>
+                <a:latin typeface="+mn-lt"/>
+                <a:ea typeface="+mn-ea"/>
+                <a:cs typeface="+mn-cs"/>
+              </a:defRPr>
+            </a:lvl6pPr>
+            <a:lvl7pPr marL="2743200" indent="0" algn="ctr" defTabSz="914400" rtl="0" eaLnBrk="1" latinLnBrk="0" hangingPunct="1">
+              <a:lnSpc>
+                <a:spcPct val="90000"/>
+              </a:lnSpc>
+              <a:spcBef>
+                <a:spcPts val="500"/>
+              </a:spcBef>
+              <a:buFont typeface="Arial" panose="020B0604020202020204" pitchFamily="34" charset="0"/>
+              <a:buNone/>
+              <a:defRPr sz="1600" kern="1200">
+                <a:solidFill>
+                  <a:schemeClr val="tx1"/>
+                </a:solidFill>
+                <a:latin typeface="+mn-lt"/>
+                <a:ea typeface="+mn-ea"/>
+                <a:cs typeface="+mn-cs"/>
+              </a:defRPr>
+            </a:lvl7pPr>
+            <a:lvl8pPr marL="3200400" indent="0" algn="ctr" defTabSz="914400" rtl="0" eaLnBrk="1" latinLnBrk="0" hangingPunct="1">
+              <a:lnSpc>
+                <a:spcPct val="90000"/>
+              </a:lnSpc>
+              <a:spcBef>
+                <a:spcPts val="500"/>
+              </a:spcBef>
+              <a:buFont typeface="Arial" panose="020B0604020202020204" pitchFamily="34" charset="0"/>
+              <a:buNone/>
+              <a:defRPr sz="1600" kern="1200">
+                <a:solidFill>
+                  <a:schemeClr val="tx1"/>
+                </a:solidFill>
+                <a:latin typeface="+mn-lt"/>
+                <a:ea typeface="+mn-ea"/>
+                <a:cs typeface="+mn-cs"/>
+              </a:defRPr>
+            </a:lvl8pPr>
+            <a:lvl9pPr marL="3657600" indent="0" algn="ctr" defTabSz="914400" rtl="0" eaLnBrk="1" latinLnBrk="0" hangingPunct="1">
+              <a:lnSpc>
+                <a:spcPct val="90000"/>
+              </a:lnSpc>
+              <a:spcBef>
+                <a:spcPts val="500"/>
+              </a:spcBef>
+              <a:buFont typeface="Arial" panose="020B0604020202020204" pitchFamily="34" charset="0"/>
+              <a:buNone/>
+              <a:defRPr sz="1600" kern="1200">
+                <a:solidFill>
+                  <a:schemeClr val="tx1"/>
+                </a:solidFill>
+                <a:latin typeface="+mn-lt"/>
+                <a:ea typeface="+mn-ea"/>
+                <a:cs typeface="+mn-cs"/>
+              </a:defRPr>
+            </a:lvl9pPr>
+          </a:lstStyle>
+          <a:p>
+            <a:pPr algn="l"/>
+            <a:r>
+              <a:rPr lang="es-MX" sz="1600" dirty="0"/>
+              <a:t>+ Se pudo haber puesto </a:t>
+            </a:r>
+            <a:r>
+              <a:rPr lang="es-MX" sz="1600" b="1" dirty="0"/>
+              <a:t>“ORDER BY </a:t>
+            </a:r>
+            <a:r>
+              <a:rPr lang="es-MX" sz="1600" dirty="0"/>
+              <a:t>cantidad” y de igual forma hubiera funcionado</a:t>
+            </a:r>
+          </a:p>
+        </p:txBody>
+      </p:sp>
+      <p:sp>
+        <p:nvSpPr>
+          <p:cNvPr id="13" name="Subtítulo 2">
+            <a:extLst>
+              <a:ext uri="{FF2B5EF4-FFF2-40B4-BE49-F238E27FC236}">
+                <a16:creationId xmlns:a16="http://schemas.microsoft.com/office/drawing/2014/main" id="{4F5C2B03-8CD0-6B04-7624-E80BD58591B3}"/>
+              </a:ext>
+            </a:extLst>
+          </p:cNvPr>
+          <p:cNvSpPr txBox="1">
+            <a:spLocks/>
+          </p:cNvSpPr>
+          <p:nvPr/>
+        </p:nvSpPr>
+        <p:spPr>
+          <a:xfrm>
+            <a:off x="8271164" y="1847590"/>
+            <a:ext cx="3906981" cy="1154126"/>
+          </a:xfrm>
+          <a:prstGeom prst="rect">
+            <a:avLst/>
+          </a:prstGeom>
+        </p:spPr>
+        <p:txBody>
+          <a:bodyPr vert="horz" lIns="91440" tIns="45720" rIns="91440" bIns="45720" rtlCol="0">
+            <a:normAutofit/>
+          </a:bodyPr>
+          <a:lstStyle>
+            <a:lvl1pPr marL="0" indent="0" algn="ctr" defTabSz="914400" rtl="0" eaLnBrk="1" latinLnBrk="0" hangingPunct="1">
+              <a:lnSpc>
+                <a:spcPct val="90000"/>
+              </a:lnSpc>
+              <a:spcBef>
+                <a:spcPts val="1000"/>
+              </a:spcBef>
+              <a:buFont typeface="Arial" panose="020B0604020202020204" pitchFamily="34" charset="0"/>
+              <a:buNone/>
+              <a:defRPr sz="2400" kern="1200">
+                <a:solidFill>
+                  <a:schemeClr val="tx1"/>
+                </a:solidFill>
+                <a:latin typeface="+mn-lt"/>
+                <a:ea typeface="+mn-ea"/>
+                <a:cs typeface="+mn-cs"/>
+              </a:defRPr>
+            </a:lvl1pPr>
+            <a:lvl2pPr marL="457200" indent="0" algn="ctr" defTabSz="914400" rtl="0" eaLnBrk="1" latinLnBrk="0" hangingPunct="1">
+              <a:lnSpc>
+                <a:spcPct val="90000"/>
+              </a:lnSpc>
+              <a:spcBef>
+                <a:spcPts val="500"/>
+              </a:spcBef>
+              <a:buFont typeface="Arial" panose="020B0604020202020204" pitchFamily="34" charset="0"/>
+              <a:buNone/>
+              <a:defRPr sz="2000" kern="1200">
+                <a:solidFill>
+                  <a:schemeClr val="tx1"/>
+                </a:solidFill>
+                <a:latin typeface="+mn-lt"/>
+                <a:ea typeface="+mn-ea"/>
+                <a:cs typeface="+mn-cs"/>
+              </a:defRPr>
+            </a:lvl2pPr>
+            <a:lvl3pPr marL="914400" indent="0" algn="ctr" defTabSz="914400" rtl="0" eaLnBrk="1" latinLnBrk="0" hangingPunct="1">
+              <a:lnSpc>
+                <a:spcPct val="90000"/>
+              </a:lnSpc>
+              <a:spcBef>
+                <a:spcPts val="500"/>
+              </a:spcBef>
+              <a:buFont typeface="Arial" panose="020B0604020202020204" pitchFamily="34" charset="0"/>
+              <a:buNone/>
+              <a:defRPr sz="1800" kern="1200">
+                <a:solidFill>
+                  <a:schemeClr val="tx1"/>
+                </a:solidFill>
+                <a:latin typeface="+mn-lt"/>
+                <a:ea typeface="+mn-ea"/>
+                <a:cs typeface="+mn-cs"/>
+              </a:defRPr>
+            </a:lvl3pPr>
+            <a:lvl4pPr marL="1371600" indent="0" algn="ctr" defTabSz="914400" rtl="0" eaLnBrk="1" latinLnBrk="0" hangingPunct="1">
+              <a:lnSpc>
+                <a:spcPct val="90000"/>
+              </a:lnSpc>
+              <a:spcBef>
+                <a:spcPts val="500"/>
+              </a:spcBef>
+              <a:buFont typeface="Arial" panose="020B0604020202020204" pitchFamily="34" charset="0"/>
+              <a:buNone/>
+              <a:defRPr sz="1600" kern="1200">
+                <a:solidFill>
+                  <a:schemeClr val="tx1"/>
+                </a:solidFill>
+                <a:latin typeface="+mn-lt"/>
+                <a:ea typeface="+mn-ea"/>
+                <a:cs typeface="+mn-cs"/>
+              </a:defRPr>
+            </a:lvl4pPr>
+            <a:lvl5pPr marL="1828800" indent="0" algn="ctr" defTabSz="914400" rtl="0" eaLnBrk="1" latinLnBrk="0" hangingPunct="1">
+              <a:lnSpc>
+                <a:spcPct val="90000"/>
+              </a:lnSpc>
+              <a:spcBef>
+                <a:spcPts val="500"/>
+              </a:spcBef>
+              <a:buFont typeface="Arial" panose="020B0604020202020204" pitchFamily="34" charset="0"/>
+              <a:buNone/>
+              <a:defRPr sz="1600" kern="1200">
+                <a:solidFill>
+                  <a:schemeClr val="tx1"/>
+                </a:solidFill>
+                <a:latin typeface="+mn-lt"/>
+                <a:ea typeface="+mn-ea"/>
+                <a:cs typeface="+mn-cs"/>
+              </a:defRPr>
+            </a:lvl5pPr>
+            <a:lvl6pPr marL="2286000" indent="0" algn="ctr" defTabSz="914400" rtl="0" eaLnBrk="1" latinLnBrk="0" hangingPunct="1">
+              <a:lnSpc>
+                <a:spcPct val="90000"/>
+              </a:lnSpc>
+              <a:spcBef>
+                <a:spcPts val="500"/>
+              </a:spcBef>
+              <a:buFont typeface="Arial" panose="020B0604020202020204" pitchFamily="34" charset="0"/>
+              <a:buNone/>
+              <a:defRPr sz="1600" kern="1200">
+                <a:solidFill>
+                  <a:schemeClr val="tx1"/>
+                </a:solidFill>
+                <a:latin typeface="+mn-lt"/>
+                <a:ea typeface="+mn-ea"/>
+                <a:cs typeface="+mn-cs"/>
+              </a:defRPr>
+            </a:lvl6pPr>
+            <a:lvl7pPr marL="2743200" indent="0" algn="ctr" defTabSz="914400" rtl="0" eaLnBrk="1" latinLnBrk="0" hangingPunct="1">
+              <a:lnSpc>
+                <a:spcPct val="90000"/>
+              </a:lnSpc>
+              <a:spcBef>
+                <a:spcPts val="500"/>
+              </a:spcBef>
+              <a:buFont typeface="Arial" panose="020B0604020202020204" pitchFamily="34" charset="0"/>
+              <a:buNone/>
+              <a:defRPr sz="1600" kern="1200">
+                <a:solidFill>
+                  <a:schemeClr val="tx1"/>
+                </a:solidFill>
+                <a:latin typeface="+mn-lt"/>
+                <a:ea typeface="+mn-ea"/>
+                <a:cs typeface="+mn-cs"/>
+              </a:defRPr>
+            </a:lvl7pPr>
+            <a:lvl8pPr marL="3200400" indent="0" algn="ctr" defTabSz="914400" rtl="0" eaLnBrk="1" latinLnBrk="0" hangingPunct="1">
+              <a:lnSpc>
+                <a:spcPct val="90000"/>
+              </a:lnSpc>
+              <a:spcBef>
+                <a:spcPts val="500"/>
+              </a:spcBef>
+              <a:buFont typeface="Arial" panose="020B0604020202020204" pitchFamily="34" charset="0"/>
+              <a:buNone/>
+              <a:defRPr sz="1600" kern="1200">
+                <a:solidFill>
+                  <a:schemeClr val="tx1"/>
+                </a:solidFill>
+                <a:latin typeface="+mn-lt"/>
+                <a:ea typeface="+mn-ea"/>
+                <a:cs typeface="+mn-cs"/>
+              </a:defRPr>
+            </a:lvl8pPr>
+            <a:lvl9pPr marL="3657600" indent="0" algn="ctr" defTabSz="914400" rtl="0" eaLnBrk="1" latinLnBrk="0" hangingPunct="1">
+              <a:lnSpc>
+                <a:spcPct val="90000"/>
+              </a:lnSpc>
+              <a:spcBef>
+                <a:spcPts val="500"/>
+              </a:spcBef>
+              <a:buFont typeface="Arial" panose="020B0604020202020204" pitchFamily="34" charset="0"/>
+              <a:buNone/>
+              <a:defRPr sz="1600" kern="1200">
+                <a:solidFill>
+                  <a:schemeClr val="tx1"/>
+                </a:solidFill>
+                <a:latin typeface="+mn-lt"/>
+                <a:ea typeface="+mn-ea"/>
+                <a:cs typeface="+mn-cs"/>
+              </a:defRPr>
+            </a:lvl9pPr>
+          </a:lstStyle>
+          <a:p>
+            <a:pPr algn="l"/>
+            <a:r>
+              <a:rPr lang="es-MX" sz="1600" dirty="0"/>
+              <a:t>+ Se pudo haber puesto </a:t>
+            </a:r>
+            <a:r>
+              <a:rPr lang="es-MX" sz="1600" b="1" dirty="0"/>
+              <a:t>“ORDER BY </a:t>
+            </a:r>
+            <a:r>
+              <a:rPr lang="es-MX" sz="1600" dirty="0"/>
+              <a:t>cantidad” y de igual forma hubiera funcionado</a:t>
+            </a:r>
+          </a:p>
+        </p:txBody>
+      </p:sp>
     </p:spTree>
     <p:extLst>
       <p:ext uri="{BB962C8B-B14F-4D97-AF65-F5344CB8AC3E}">
-        <p14:creationId xmlns:p14="http://schemas.microsoft.com/office/powerpoint/2010/main" val="1723116588"/>
+        <p14:creationId xmlns:p14="http://schemas.microsoft.com/office/powerpoint/2010/main" val="2385120095"/>
       </p:ext>
     </p:extLst>
   </p:cSld>
@@ -37494,6 +39745,3582 @@
     <p:extLst>
       <p:ext uri="{BB962C8B-B14F-4D97-AF65-F5344CB8AC3E}">
         <p14:creationId xmlns:p14="http://schemas.microsoft.com/office/powerpoint/2010/main" val="3098743846"/>
+      </p:ext>
+    </p:extLst>
+  </p:cSld>
+  <p:clrMapOvr>
+    <a:masterClrMapping/>
+  </p:clrMapOvr>
+</p:sld>
+</file>
+
+<file path=ppt/slides/slide40.xml><?xml version="1.0" encoding="utf-8"?>
+<p:sld xmlns:a="http://schemas.openxmlformats.org/drawingml/2006/main" xmlns:r="http://schemas.openxmlformats.org/officeDocument/2006/relationships" xmlns:p="http://schemas.openxmlformats.org/presentationml/2006/main">
+  <p:cSld>
+    <p:spTree>
+      <p:nvGrpSpPr>
+        <p:cNvPr id="1" name=""/>
+        <p:cNvGrpSpPr/>
+        <p:nvPr/>
+      </p:nvGrpSpPr>
+      <p:grpSpPr>
+        <a:xfrm>
+          <a:off x="0" y="0"/>
+          <a:ext cx="0" cy="0"/>
+          <a:chOff x="0" y="0"/>
+          <a:chExt cx="0" cy="0"/>
+        </a:xfrm>
+      </p:grpSpPr>
+      <p:sp>
+        <p:nvSpPr>
+          <p:cNvPr id="2" name="Título 1">
+            <a:extLst>
+              <a:ext uri="{FF2B5EF4-FFF2-40B4-BE49-F238E27FC236}">
+                <a16:creationId xmlns:a16="http://schemas.microsoft.com/office/drawing/2014/main" id="{095D5E06-C433-C836-106A-B2D45ADCF04F}"/>
+              </a:ext>
+            </a:extLst>
+          </p:cNvPr>
+          <p:cNvSpPr>
+            <a:spLocks noGrp="1"/>
+          </p:cNvSpPr>
+          <p:nvPr>
+            <p:ph type="ctrTitle"/>
+          </p:nvPr>
+        </p:nvSpPr>
+        <p:spPr>
+          <a:xfrm>
+            <a:off x="304800" y="277091"/>
+            <a:ext cx="9144000" cy="669781"/>
+          </a:xfrm>
+        </p:spPr>
+        <p:txBody>
+          <a:bodyPr>
+            <a:normAutofit/>
+          </a:bodyPr>
+          <a:lstStyle/>
+          <a:p>
+            <a:pPr algn="l"/>
+            <a:r>
+              <a:rPr lang="es-MX" sz="3600" b="1" dirty="0">
+                <a:latin typeface="Gadugi" panose="020B0502040204020203" pitchFamily="34" charset="0"/>
+                <a:ea typeface="Gadugi" panose="020B0502040204020203" pitchFamily="34" charset="0"/>
+              </a:rPr>
+              <a:t>SUBCONSULTAS</a:t>
+            </a:r>
+          </a:p>
+        </p:txBody>
+      </p:sp>
+      <p:cxnSp>
+        <p:nvCxnSpPr>
+          <p:cNvPr id="5" name="Conector recto 4">
+            <a:extLst>
+              <a:ext uri="{FF2B5EF4-FFF2-40B4-BE49-F238E27FC236}">
+                <a16:creationId xmlns:a16="http://schemas.microsoft.com/office/drawing/2014/main" id="{8185E119-0A24-A724-B622-7DB91F3252A8}"/>
+              </a:ext>
+            </a:extLst>
+          </p:cNvPr>
+          <p:cNvCxnSpPr/>
+          <p:nvPr/>
+        </p:nvCxnSpPr>
+        <p:spPr>
+          <a:xfrm>
+            <a:off x="0" y="946872"/>
+            <a:ext cx="5472545" cy="0"/>
+          </a:xfrm>
+          <a:prstGeom prst="line">
+            <a:avLst/>
+          </a:prstGeom>
+          <a:ln w="38100">
+            <a:solidFill>
+              <a:srgbClr val="7030A0"/>
+            </a:solidFill>
+          </a:ln>
+        </p:spPr>
+        <p:style>
+          <a:lnRef idx="1">
+            <a:schemeClr val="accent1"/>
+          </a:lnRef>
+          <a:fillRef idx="0">
+            <a:schemeClr val="accent1"/>
+          </a:fillRef>
+          <a:effectRef idx="0">
+            <a:schemeClr val="accent1"/>
+          </a:effectRef>
+          <a:fontRef idx="minor">
+            <a:schemeClr val="tx1"/>
+          </a:fontRef>
+        </p:style>
+      </p:cxnSp>
+      <p:cxnSp>
+        <p:nvCxnSpPr>
+          <p:cNvPr id="6" name="Conector recto 5">
+            <a:extLst>
+              <a:ext uri="{FF2B5EF4-FFF2-40B4-BE49-F238E27FC236}">
+                <a16:creationId xmlns:a16="http://schemas.microsoft.com/office/drawing/2014/main" id="{BEFC1D1B-E623-58C6-AEC5-FBF9FC0A9DBC}"/>
+              </a:ext>
+            </a:extLst>
+          </p:cNvPr>
+          <p:cNvCxnSpPr>
+            <a:cxnSpLocks/>
+          </p:cNvCxnSpPr>
+          <p:nvPr/>
+        </p:nvCxnSpPr>
+        <p:spPr>
+          <a:xfrm flipH="1" flipV="1">
+            <a:off x="8257309" y="0"/>
+            <a:ext cx="27710" cy="6858000"/>
+          </a:xfrm>
+          <a:prstGeom prst="line">
+            <a:avLst/>
+          </a:prstGeom>
+          <a:ln w="38100">
+            <a:solidFill>
+              <a:srgbClr val="7030A0"/>
+            </a:solidFill>
+          </a:ln>
+        </p:spPr>
+        <p:style>
+          <a:lnRef idx="1">
+            <a:schemeClr val="accent1"/>
+          </a:lnRef>
+          <a:fillRef idx="0">
+            <a:schemeClr val="accent1"/>
+          </a:fillRef>
+          <a:effectRef idx="0">
+            <a:schemeClr val="accent1"/>
+          </a:effectRef>
+          <a:fontRef idx="minor">
+            <a:schemeClr val="tx1"/>
+          </a:fontRef>
+        </p:style>
+      </p:cxnSp>
+      <p:sp>
+        <p:nvSpPr>
+          <p:cNvPr id="7" name="Subtítulo 2">
+            <a:extLst>
+              <a:ext uri="{FF2B5EF4-FFF2-40B4-BE49-F238E27FC236}">
+                <a16:creationId xmlns:a16="http://schemas.microsoft.com/office/drawing/2014/main" id="{ADB48741-DDAF-7821-2507-64D4770664D3}"/>
+              </a:ext>
+            </a:extLst>
+          </p:cNvPr>
+          <p:cNvSpPr txBox="1">
+            <a:spLocks/>
+          </p:cNvSpPr>
+          <p:nvPr/>
+        </p:nvSpPr>
+        <p:spPr>
+          <a:xfrm>
+            <a:off x="152393" y="1515464"/>
+            <a:ext cx="7966363" cy="664253"/>
+          </a:xfrm>
+          <a:prstGeom prst="rect">
+            <a:avLst/>
+          </a:prstGeom>
+        </p:spPr>
+        <p:txBody>
+          <a:bodyPr vert="horz" lIns="91440" tIns="45720" rIns="91440" bIns="45720" rtlCol="0">
+            <a:normAutofit/>
+          </a:bodyPr>
+          <a:lstStyle>
+            <a:lvl1pPr marL="0" indent="0" algn="ctr" defTabSz="914400" rtl="0" eaLnBrk="1" latinLnBrk="0" hangingPunct="1">
+              <a:lnSpc>
+                <a:spcPct val="90000"/>
+              </a:lnSpc>
+              <a:spcBef>
+                <a:spcPts val="1000"/>
+              </a:spcBef>
+              <a:buFont typeface="Arial" panose="020B0604020202020204" pitchFamily="34" charset="0"/>
+              <a:buNone/>
+              <a:defRPr sz="2400" kern="1200">
+                <a:solidFill>
+                  <a:schemeClr val="tx1"/>
+                </a:solidFill>
+                <a:latin typeface="+mn-lt"/>
+                <a:ea typeface="+mn-ea"/>
+                <a:cs typeface="+mn-cs"/>
+              </a:defRPr>
+            </a:lvl1pPr>
+            <a:lvl2pPr marL="457200" indent="0" algn="ctr" defTabSz="914400" rtl="0" eaLnBrk="1" latinLnBrk="0" hangingPunct="1">
+              <a:lnSpc>
+                <a:spcPct val="90000"/>
+              </a:lnSpc>
+              <a:spcBef>
+                <a:spcPts val="500"/>
+              </a:spcBef>
+              <a:buFont typeface="Arial" panose="020B0604020202020204" pitchFamily="34" charset="0"/>
+              <a:buNone/>
+              <a:defRPr sz="2000" kern="1200">
+                <a:solidFill>
+                  <a:schemeClr val="tx1"/>
+                </a:solidFill>
+                <a:latin typeface="+mn-lt"/>
+                <a:ea typeface="+mn-ea"/>
+                <a:cs typeface="+mn-cs"/>
+              </a:defRPr>
+            </a:lvl2pPr>
+            <a:lvl3pPr marL="914400" indent="0" algn="ctr" defTabSz="914400" rtl="0" eaLnBrk="1" latinLnBrk="0" hangingPunct="1">
+              <a:lnSpc>
+                <a:spcPct val="90000"/>
+              </a:lnSpc>
+              <a:spcBef>
+                <a:spcPts val="500"/>
+              </a:spcBef>
+              <a:buFont typeface="Arial" panose="020B0604020202020204" pitchFamily="34" charset="0"/>
+              <a:buNone/>
+              <a:defRPr sz="1800" kern="1200">
+                <a:solidFill>
+                  <a:schemeClr val="tx1"/>
+                </a:solidFill>
+                <a:latin typeface="+mn-lt"/>
+                <a:ea typeface="+mn-ea"/>
+                <a:cs typeface="+mn-cs"/>
+              </a:defRPr>
+            </a:lvl3pPr>
+            <a:lvl4pPr marL="1371600" indent="0" algn="ctr" defTabSz="914400" rtl="0" eaLnBrk="1" latinLnBrk="0" hangingPunct="1">
+              <a:lnSpc>
+                <a:spcPct val="90000"/>
+              </a:lnSpc>
+              <a:spcBef>
+                <a:spcPts val="500"/>
+              </a:spcBef>
+              <a:buFont typeface="Arial" panose="020B0604020202020204" pitchFamily="34" charset="0"/>
+              <a:buNone/>
+              <a:defRPr sz="1600" kern="1200">
+                <a:solidFill>
+                  <a:schemeClr val="tx1"/>
+                </a:solidFill>
+                <a:latin typeface="+mn-lt"/>
+                <a:ea typeface="+mn-ea"/>
+                <a:cs typeface="+mn-cs"/>
+              </a:defRPr>
+            </a:lvl4pPr>
+            <a:lvl5pPr marL="1828800" indent="0" algn="ctr" defTabSz="914400" rtl="0" eaLnBrk="1" latinLnBrk="0" hangingPunct="1">
+              <a:lnSpc>
+                <a:spcPct val="90000"/>
+              </a:lnSpc>
+              <a:spcBef>
+                <a:spcPts val="500"/>
+              </a:spcBef>
+              <a:buFont typeface="Arial" panose="020B0604020202020204" pitchFamily="34" charset="0"/>
+              <a:buNone/>
+              <a:defRPr sz="1600" kern="1200">
+                <a:solidFill>
+                  <a:schemeClr val="tx1"/>
+                </a:solidFill>
+                <a:latin typeface="+mn-lt"/>
+                <a:ea typeface="+mn-ea"/>
+                <a:cs typeface="+mn-cs"/>
+              </a:defRPr>
+            </a:lvl5pPr>
+            <a:lvl6pPr marL="2286000" indent="0" algn="ctr" defTabSz="914400" rtl="0" eaLnBrk="1" latinLnBrk="0" hangingPunct="1">
+              <a:lnSpc>
+                <a:spcPct val="90000"/>
+              </a:lnSpc>
+              <a:spcBef>
+                <a:spcPts val="500"/>
+              </a:spcBef>
+              <a:buFont typeface="Arial" panose="020B0604020202020204" pitchFamily="34" charset="0"/>
+              <a:buNone/>
+              <a:defRPr sz="1600" kern="1200">
+                <a:solidFill>
+                  <a:schemeClr val="tx1"/>
+                </a:solidFill>
+                <a:latin typeface="+mn-lt"/>
+                <a:ea typeface="+mn-ea"/>
+                <a:cs typeface="+mn-cs"/>
+              </a:defRPr>
+            </a:lvl6pPr>
+            <a:lvl7pPr marL="2743200" indent="0" algn="ctr" defTabSz="914400" rtl="0" eaLnBrk="1" latinLnBrk="0" hangingPunct="1">
+              <a:lnSpc>
+                <a:spcPct val="90000"/>
+              </a:lnSpc>
+              <a:spcBef>
+                <a:spcPts val="500"/>
+              </a:spcBef>
+              <a:buFont typeface="Arial" panose="020B0604020202020204" pitchFamily="34" charset="0"/>
+              <a:buNone/>
+              <a:defRPr sz="1600" kern="1200">
+                <a:solidFill>
+                  <a:schemeClr val="tx1"/>
+                </a:solidFill>
+                <a:latin typeface="+mn-lt"/>
+                <a:ea typeface="+mn-ea"/>
+                <a:cs typeface="+mn-cs"/>
+              </a:defRPr>
+            </a:lvl7pPr>
+            <a:lvl8pPr marL="3200400" indent="0" algn="ctr" defTabSz="914400" rtl="0" eaLnBrk="1" latinLnBrk="0" hangingPunct="1">
+              <a:lnSpc>
+                <a:spcPct val="90000"/>
+              </a:lnSpc>
+              <a:spcBef>
+                <a:spcPts val="500"/>
+              </a:spcBef>
+              <a:buFont typeface="Arial" panose="020B0604020202020204" pitchFamily="34" charset="0"/>
+              <a:buNone/>
+              <a:defRPr sz="1600" kern="1200">
+                <a:solidFill>
+                  <a:schemeClr val="tx1"/>
+                </a:solidFill>
+                <a:latin typeface="+mn-lt"/>
+                <a:ea typeface="+mn-ea"/>
+                <a:cs typeface="+mn-cs"/>
+              </a:defRPr>
+            </a:lvl8pPr>
+            <a:lvl9pPr marL="3657600" indent="0" algn="ctr" defTabSz="914400" rtl="0" eaLnBrk="1" latinLnBrk="0" hangingPunct="1">
+              <a:lnSpc>
+                <a:spcPct val="90000"/>
+              </a:lnSpc>
+              <a:spcBef>
+                <a:spcPts val="500"/>
+              </a:spcBef>
+              <a:buFont typeface="Arial" panose="020B0604020202020204" pitchFamily="34" charset="0"/>
+              <a:buNone/>
+              <a:defRPr sz="1600" kern="1200">
+                <a:solidFill>
+                  <a:schemeClr val="tx1"/>
+                </a:solidFill>
+                <a:latin typeface="+mn-lt"/>
+                <a:ea typeface="+mn-ea"/>
+                <a:cs typeface="+mn-cs"/>
+              </a:defRPr>
+            </a:lvl9pPr>
+          </a:lstStyle>
+          <a:p>
+            <a:pPr algn="l"/>
+            <a:r>
+              <a:rPr lang="es-MX" sz="2000" dirty="0"/>
+              <a:t>En </a:t>
+            </a:r>
+            <a:r>
+              <a:rPr lang="es-MX" sz="2000" b="1" dirty="0"/>
+              <a:t>SELECT</a:t>
+            </a:r>
+            <a:r>
+              <a:rPr lang="es-MX" sz="2000" dirty="0"/>
+              <a:t>:</a:t>
+            </a:r>
+          </a:p>
+        </p:txBody>
+      </p:sp>
+      <p:sp>
+        <p:nvSpPr>
+          <p:cNvPr id="8" name="Subtítulo 2">
+            <a:extLst>
+              <a:ext uri="{FF2B5EF4-FFF2-40B4-BE49-F238E27FC236}">
+                <a16:creationId xmlns:a16="http://schemas.microsoft.com/office/drawing/2014/main" id="{3727B8FC-A2E4-C9BD-C7A8-FB41348D9C00}"/>
+              </a:ext>
+            </a:extLst>
+          </p:cNvPr>
+          <p:cNvSpPr txBox="1">
+            <a:spLocks/>
+          </p:cNvSpPr>
+          <p:nvPr/>
+        </p:nvSpPr>
+        <p:spPr>
+          <a:xfrm>
+            <a:off x="152391" y="1933739"/>
+            <a:ext cx="7966363" cy="2938059"/>
+          </a:xfrm>
+          <a:prstGeom prst="rect">
+            <a:avLst/>
+          </a:prstGeom>
+        </p:spPr>
+        <p:txBody>
+          <a:bodyPr vert="horz" lIns="91440" tIns="45720" rIns="91440" bIns="45720" rtlCol="0">
+            <a:normAutofit/>
+          </a:bodyPr>
+          <a:lstStyle>
+            <a:lvl1pPr marL="0" indent="0" algn="ctr" defTabSz="914400" rtl="0" eaLnBrk="1" latinLnBrk="0" hangingPunct="1">
+              <a:lnSpc>
+                <a:spcPct val="90000"/>
+              </a:lnSpc>
+              <a:spcBef>
+                <a:spcPts val="1000"/>
+              </a:spcBef>
+              <a:buFont typeface="Arial" panose="020B0604020202020204" pitchFamily="34" charset="0"/>
+              <a:buNone/>
+              <a:defRPr sz="2400" kern="1200">
+                <a:solidFill>
+                  <a:schemeClr val="tx1"/>
+                </a:solidFill>
+                <a:latin typeface="+mn-lt"/>
+                <a:ea typeface="+mn-ea"/>
+                <a:cs typeface="+mn-cs"/>
+              </a:defRPr>
+            </a:lvl1pPr>
+            <a:lvl2pPr marL="457200" indent="0" algn="ctr" defTabSz="914400" rtl="0" eaLnBrk="1" latinLnBrk="0" hangingPunct="1">
+              <a:lnSpc>
+                <a:spcPct val="90000"/>
+              </a:lnSpc>
+              <a:spcBef>
+                <a:spcPts val="500"/>
+              </a:spcBef>
+              <a:buFont typeface="Arial" panose="020B0604020202020204" pitchFamily="34" charset="0"/>
+              <a:buNone/>
+              <a:defRPr sz="2000" kern="1200">
+                <a:solidFill>
+                  <a:schemeClr val="tx1"/>
+                </a:solidFill>
+                <a:latin typeface="+mn-lt"/>
+                <a:ea typeface="+mn-ea"/>
+                <a:cs typeface="+mn-cs"/>
+              </a:defRPr>
+            </a:lvl2pPr>
+            <a:lvl3pPr marL="914400" indent="0" algn="ctr" defTabSz="914400" rtl="0" eaLnBrk="1" latinLnBrk="0" hangingPunct="1">
+              <a:lnSpc>
+                <a:spcPct val="90000"/>
+              </a:lnSpc>
+              <a:spcBef>
+                <a:spcPts val="500"/>
+              </a:spcBef>
+              <a:buFont typeface="Arial" panose="020B0604020202020204" pitchFamily="34" charset="0"/>
+              <a:buNone/>
+              <a:defRPr sz="1800" kern="1200">
+                <a:solidFill>
+                  <a:schemeClr val="tx1"/>
+                </a:solidFill>
+                <a:latin typeface="+mn-lt"/>
+                <a:ea typeface="+mn-ea"/>
+                <a:cs typeface="+mn-cs"/>
+              </a:defRPr>
+            </a:lvl3pPr>
+            <a:lvl4pPr marL="1371600" indent="0" algn="ctr" defTabSz="914400" rtl="0" eaLnBrk="1" latinLnBrk="0" hangingPunct="1">
+              <a:lnSpc>
+                <a:spcPct val="90000"/>
+              </a:lnSpc>
+              <a:spcBef>
+                <a:spcPts val="500"/>
+              </a:spcBef>
+              <a:buFont typeface="Arial" panose="020B0604020202020204" pitchFamily="34" charset="0"/>
+              <a:buNone/>
+              <a:defRPr sz="1600" kern="1200">
+                <a:solidFill>
+                  <a:schemeClr val="tx1"/>
+                </a:solidFill>
+                <a:latin typeface="+mn-lt"/>
+                <a:ea typeface="+mn-ea"/>
+                <a:cs typeface="+mn-cs"/>
+              </a:defRPr>
+            </a:lvl4pPr>
+            <a:lvl5pPr marL="1828800" indent="0" algn="ctr" defTabSz="914400" rtl="0" eaLnBrk="1" latinLnBrk="0" hangingPunct="1">
+              <a:lnSpc>
+                <a:spcPct val="90000"/>
+              </a:lnSpc>
+              <a:spcBef>
+                <a:spcPts val="500"/>
+              </a:spcBef>
+              <a:buFont typeface="Arial" panose="020B0604020202020204" pitchFamily="34" charset="0"/>
+              <a:buNone/>
+              <a:defRPr sz="1600" kern="1200">
+                <a:solidFill>
+                  <a:schemeClr val="tx1"/>
+                </a:solidFill>
+                <a:latin typeface="+mn-lt"/>
+                <a:ea typeface="+mn-ea"/>
+                <a:cs typeface="+mn-cs"/>
+              </a:defRPr>
+            </a:lvl5pPr>
+            <a:lvl6pPr marL="2286000" indent="0" algn="ctr" defTabSz="914400" rtl="0" eaLnBrk="1" latinLnBrk="0" hangingPunct="1">
+              <a:lnSpc>
+                <a:spcPct val="90000"/>
+              </a:lnSpc>
+              <a:spcBef>
+                <a:spcPts val="500"/>
+              </a:spcBef>
+              <a:buFont typeface="Arial" panose="020B0604020202020204" pitchFamily="34" charset="0"/>
+              <a:buNone/>
+              <a:defRPr sz="1600" kern="1200">
+                <a:solidFill>
+                  <a:schemeClr val="tx1"/>
+                </a:solidFill>
+                <a:latin typeface="+mn-lt"/>
+                <a:ea typeface="+mn-ea"/>
+                <a:cs typeface="+mn-cs"/>
+              </a:defRPr>
+            </a:lvl6pPr>
+            <a:lvl7pPr marL="2743200" indent="0" algn="ctr" defTabSz="914400" rtl="0" eaLnBrk="1" latinLnBrk="0" hangingPunct="1">
+              <a:lnSpc>
+                <a:spcPct val="90000"/>
+              </a:lnSpc>
+              <a:spcBef>
+                <a:spcPts val="500"/>
+              </a:spcBef>
+              <a:buFont typeface="Arial" panose="020B0604020202020204" pitchFamily="34" charset="0"/>
+              <a:buNone/>
+              <a:defRPr sz="1600" kern="1200">
+                <a:solidFill>
+                  <a:schemeClr val="tx1"/>
+                </a:solidFill>
+                <a:latin typeface="+mn-lt"/>
+                <a:ea typeface="+mn-ea"/>
+                <a:cs typeface="+mn-cs"/>
+              </a:defRPr>
+            </a:lvl7pPr>
+            <a:lvl8pPr marL="3200400" indent="0" algn="ctr" defTabSz="914400" rtl="0" eaLnBrk="1" latinLnBrk="0" hangingPunct="1">
+              <a:lnSpc>
+                <a:spcPct val="90000"/>
+              </a:lnSpc>
+              <a:spcBef>
+                <a:spcPts val="500"/>
+              </a:spcBef>
+              <a:buFont typeface="Arial" panose="020B0604020202020204" pitchFamily="34" charset="0"/>
+              <a:buNone/>
+              <a:defRPr sz="1600" kern="1200">
+                <a:solidFill>
+                  <a:schemeClr val="tx1"/>
+                </a:solidFill>
+                <a:latin typeface="+mn-lt"/>
+                <a:ea typeface="+mn-ea"/>
+                <a:cs typeface="+mn-cs"/>
+              </a:defRPr>
+            </a:lvl8pPr>
+            <a:lvl9pPr marL="3657600" indent="0" algn="ctr" defTabSz="914400" rtl="0" eaLnBrk="1" latinLnBrk="0" hangingPunct="1">
+              <a:lnSpc>
+                <a:spcPct val="90000"/>
+              </a:lnSpc>
+              <a:spcBef>
+                <a:spcPts val="500"/>
+              </a:spcBef>
+              <a:buFont typeface="Arial" panose="020B0604020202020204" pitchFamily="34" charset="0"/>
+              <a:buNone/>
+              <a:defRPr sz="1600" kern="1200">
+                <a:solidFill>
+                  <a:schemeClr val="tx1"/>
+                </a:solidFill>
+                <a:latin typeface="+mn-lt"/>
+                <a:ea typeface="+mn-ea"/>
+                <a:cs typeface="+mn-cs"/>
+              </a:defRPr>
+            </a:lvl9pPr>
+          </a:lstStyle>
+          <a:p>
+            <a:pPr algn="l"/>
+            <a:r>
+              <a:rPr lang="es-MX" sz="2000" b="1" dirty="0">
+                <a:solidFill>
+                  <a:schemeClr val="accent1"/>
+                </a:solidFill>
+              </a:rPr>
+              <a:t>SELECT</a:t>
+            </a:r>
+            <a:r>
+              <a:rPr lang="es-MX" sz="2000" dirty="0">
+                <a:solidFill>
+                  <a:schemeClr val="accent1"/>
+                </a:solidFill>
+              </a:rPr>
+              <a:t> </a:t>
+            </a:r>
+          </a:p>
+          <a:p>
+            <a:pPr algn="l"/>
+            <a:r>
+              <a:rPr lang="es-MX" sz="2000" b="1" dirty="0">
+                <a:solidFill>
+                  <a:schemeClr val="accent1"/>
+                </a:solidFill>
+              </a:rPr>
+              <a:t>	</a:t>
+            </a:r>
+            <a:r>
+              <a:rPr lang="es-MX" sz="2000" dirty="0" err="1">
+                <a:solidFill>
+                  <a:schemeClr val="accent1"/>
+                </a:solidFill>
+              </a:rPr>
+              <a:t>customer_id</a:t>
+            </a:r>
+            <a:r>
+              <a:rPr lang="es-MX" sz="2000" dirty="0">
+                <a:solidFill>
+                  <a:schemeClr val="accent1"/>
+                </a:solidFill>
+              </a:rPr>
+              <a:t>,</a:t>
+            </a:r>
+          </a:p>
+          <a:p>
+            <a:pPr algn="l"/>
+            <a:r>
+              <a:rPr lang="es-MX" sz="2000" b="1" dirty="0">
+                <a:solidFill>
+                  <a:schemeClr val="accent1"/>
+                </a:solidFill>
+              </a:rPr>
+              <a:t>	</a:t>
+            </a:r>
+            <a:r>
+              <a:rPr lang="es-MX" sz="2000" dirty="0" err="1">
+                <a:solidFill>
+                  <a:schemeClr val="accent1"/>
+                </a:solidFill>
+              </a:rPr>
+              <a:t>order_id</a:t>
+            </a:r>
+            <a:r>
+              <a:rPr lang="es-MX" sz="2000" dirty="0">
+                <a:solidFill>
+                  <a:schemeClr val="accent1"/>
+                </a:solidFill>
+              </a:rPr>
+              <a:t>,</a:t>
+            </a:r>
+          </a:p>
+          <a:p>
+            <a:pPr algn="l"/>
+            <a:r>
+              <a:rPr lang="es-MX" sz="2000" b="1" dirty="0">
+                <a:solidFill>
+                  <a:schemeClr val="accent1"/>
+                </a:solidFill>
+              </a:rPr>
+              <a:t>	(SELECT </a:t>
+            </a:r>
+            <a:r>
+              <a:rPr lang="es-MX" sz="2000" dirty="0" err="1">
+                <a:solidFill>
+                  <a:schemeClr val="accent1"/>
+                </a:solidFill>
+              </a:rPr>
+              <a:t>customer_name</a:t>
+            </a:r>
+            <a:r>
+              <a:rPr lang="es-MX" sz="2000" dirty="0">
+                <a:solidFill>
+                  <a:schemeClr val="accent1"/>
+                </a:solidFill>
+              </a:rPr>
+              <a:t> </a:t>
+            </a:r>
+            <a:r>
+              <a:rPr lang="es-MX" sz="2000" b="1" dirty="0">
+                <a:solidFill>
+                  <a:schemeClr val="accent1"/>
+                </a:solidFill>
+              </a:rPr>
+              <a:t>FROM</a:t>
+            </a:r>
+            <a:r>
+              <a:rPr lang="es-MX" sz="2000" dirty="0">
+                <a:solidFill>
+                  <a:schemeClr val="accent1"/>
+                </a:solidFill>
+              </a:rPr>
+              <a:t> </a:t>
+            </a:r>
+            <a:r>
+              <a:rPr lang="es-MX" sz="2000" dirty="0" err="1">
+                <a:solidFill>
+                  <a:schemeClr val="accent1"/>
+                </a:solidFill>
+              </a:rPr>
+              <a:t>customer</a:t>
+            </a:r>
+            <a:endParaRPr lang="es-MX" sz="2000" dirty="0">
+              <a:solidFill>
+                <a:schemeClr val="accent1"/>
+              </a:solidFill>
+            </a:endParaRPr>
+          </a:p>
+          <a:p>
+            <a:pPr algn="l"/>
+            <a:r>
+              <a:rPr lang="es-MX" sz="2000" b="1" dirty="0">
+                <a:solidFill>
+                  <a:schemeClr val="accent1"/>
+                </a:solidFill>
+              </a:rPr>
+              <a:t>	 WHERE </a:t>
+            </a:r>
+            <a:r>
+              <a:rPr lang="es-MX" sz="2000" dirty="0" err="1">
+                <a:solidFill>
+                  <a:schemeClr val="accent1"/>
+                </a:solidFill>
+              </a:rPr>
+              <a:t>sales.customer_id</a:t>
+            </a:r>
+            <a:r>
+              <a:rPr lang="es-MX" sz="2000" dirty="0">
+                <a:solidFill>
+                  <a:schemeClr val="accent1"/>
+                </a:solidFill>
+              </a:rPr>
+              <a:t>=</a:t>
+            </a:r>
+            <a:r>
+              <a:rPr lang="es-MX" sz="2000" dirty="0" err="1">
+                <a:solidFill>
+                  <a:schemeClr val="accent1"/>
+                </a:solidFill>
+              </a:rPr>
+              <a:t>customer.customer_id</a:t>
+            </a:r>
+            <a:r>
+              <a:rPr lang="es-MX" sz="2000" b="1" dirty="0">
+                <a:solidFill>
+                  <a:schemeClr val="accent1"/>
+                </a:solidFill>
+              </a:rPr>
+              <a:t>)</a:t>
+            </a:r>
+          </a:p>
+          <a:p>
+            <a:pPr algn="l"/>
+            <a:r>
+              <a:rPr lang="es-MX" sz="2000" b="1" dirty="0">
+                <a:solidFill>
+                  <a:schemeClr val="accent1"/>
+                </a:solidFill>
+              </a:rPr>
+              <a:t>FROM</a:t>
+            </a:r>
+            <a:r>
+              <a:rPr lang="es-MX" sz="2000" dirty="0">
+                <a:solidFill>
+                  <a:schemeClr val="accent1"/>
+                </a:solidFill>
+              </a:rPr>
+              <a:t> sales</a:t>
+            </a:r>
+          </a:p>
+          <a:p>
+            <a:pPr algn="l"/>
+            <a:r>
+              <a:rPr lang="es-MX" sz="2000" b="1" dirty="0">
+                <a:solidFill>
+                  <a:schemeClr val="accent1"/>
+                </a:solidFill>
+              </a:rPr>
+              <a:t>ORDER BY </a:t>
+            </a:r>
+            <a:r>
+              <a:rPr lang="es-MX" sz="2000" dirty="0" err="1">
+                <a:solidFill>
+                  <a:schemeClr val="accent1"/>
+                </a:solidFill>
+              </a:rPr>
+              <a:t>customer_id</a:t>
+            </a:r>
+            <a:r>
+              <a:rPr lang="es-MX" sz="2000" dirty="0">
+                <a:solidFill>
+                  <a:schemeClr val="accent1"/>
+                </a:solidFill>
+              </a:rPr>
+              <a:t> </a:t>
+            </a:r>
+            <a:r>
+              <a:rPr lang="es-MX" sz="2000" b="1" dirty="0">
+                <a:solidFill>
+                  <a:schemeClr val="accent1"/>
+                </a:solidFill>
+              </a:rPr>
+              <a:t>DESC;</a:t>
+            </a:r>
+          </a:p>
+        </p:txBody>
+      </p:sp>
+      <p:sp>
+        <p:nvSpPr>
+          <p:cNvPr id="13" name="Subtítulo 2">
+            <a:extLst>
+              <a:ext uri="{FF2B5EF4-FFF2-40B4-BE49-F238E27FC236}">
+                <a16:creationId xmlns:a16="http://schemas.microsoft.com/office/drawing/2014/main" id="{4F5C2B03-8CD0-6B04-7624-E80BD58591B3}"/>
+              </a:ext>
+            </a:extLst>
+          </p:cNvPr>
+          <p:cNvSpPr txBox="1">
+            <a:spLocks/>
+          </p:cNvSpPr>
+          <p:nvPr/>
+        </p:nvSpPr>
+        <p:spPr>
+          <a:xfrm>
+            <a:off x="8271164" y="1847590"/>
+            <a:ext cx="3906981" cy="1154126"/>
+          </a:xfrm>
+          <a:prstGeom prst="rect">
+            <a:avLst/>
+          </a:prstGeom>
+        </p:spPr>
+        <p:txBody>
+          <a:bodyPr vert="horz" lIns="91440" tIns="45720" rIns="91440" bIns="45720" rtlCol="0">
+            <a:normAutofit/>
+          </a:bodyPr>
+          <a:lstStyle>
+            <a:lvl1pPr marL="0" indent="0" algn="ctr" defTabSz="914400" rtl="0" eaLnBrk="1" latinLnBrk="0" hangingPunct="1">
+              <a:lnSpc>
+                <a:spcPct val="90000"/>
+              </a:lnSpc>
+              <a:spcBef>
+                <a:spcPts val="1000"/>
+              </a:spcBef>
+              <a:buFont typeface="Arial" panose="020B0604020202020204" pitchFamily="34" charset="0"/>
+              <a:buNone/>
+              <a:defRPr sz="2400" kern="1200">
+                <a:solidFill>
+                  <a:schemeClr val="tx1"/>
+                </a:solidFill>
+                <a:latin typeface="+mn-lt"/>
+                <a:ea typeface="+mn-ea"/>
+                <a:cs typeface="+mn-cs"/>
+              </a:defRPr>
+            </a:lvl1pPr>
+            <a:lvl2pPr marL="457200" indent="0" algn="ctr" defTabSz="914400" rtl="0" eaLnBrk="1" latinLnBrk="0" hangingPunct="1">
+              <a:lnSpc>
+                <a:spcPct val="90000"/>
+              </a:lnSpc>
+              <a:spcBef>
+                <a:spcPts val="500"/>
+              </a:spcBef>
+              <a:buFont typeface="Arial" panose="020B0604020202020204" pitchFamily="34" charset="0"/>
+              <a:buNone/>
+              <a:defRPr sz="2000" kern="1200">
+                <a:solidFill>
+                  <a:schemeClr val="tx1"/>
+                </a:solidFill>
+                <a:latin typeface="+mn-lt"/>
+                <a:ea typeface="+mn-ea"/>
+                <a:cs typeface="+mn-cs"/>
+              </a:defRPr>
+            </a:lvl2pPr>
+            <a:lvl3pPr marL="914400" indent="0" algn="ctr" defTabSz="914400" rtl="0" eaLnBrk="1" latinLnBrk="0" hangingPunct="1">
+              <a:lnSpc>
+                <a:spcPct val="90000"/>
+              </a:lnSpc>
+              <a:spcBef>
+                <a:spcPts val="500"/>
+              </a:spcBef>
+              <a:buFont typeface="Arial" panose="020B0604020202020204" pitchFamily="34" charset="0"/>
+              <a:buNone/>
+              <a:defRPr sz="1800" kern="1200">
+                <a:solidFill>
+                  <a:schemeClr val="tx1"/>
+                </a:solidFill>
+                <a:latin typeface="+mn-lt"/>
+                <a:ea typeface="+mn-ea"/>
+                <a:cs typeface="+mn-cs"/>
+              </a:defRPr>
+            </a:lvl3pPr>
+            <a:lvl4pPr marL="1371600" indent="0" algn="ctr" defTabSz="914400" rtl="0" eaLnBrk="1" latinLnBrk="0" hangingPunct="1">
+              <a:lnSpc>
+                <a:spcPct val="90000"/>
+              </a:lnSpc>
+              <a:spcBef>
+                <a:spcPts val="500"/>
+              </a:spcBef>
+              <a:buFont typeface="Arial" panose="020B0604020202020204" pitchFamily="34" charset="0"/>
+              <a:buNone/>
+              <a:defRPr sz="1600" kern="1200">
+                <a:solidFill>
+                  <a:schemeClr val="tx1"/>
+                </a:solidFill>
+                <a:latin typeface="+mn-lt"/>
+                <a:ea typeface="+mn-ea"/>
+                <a:cs typeface="+mn-cs"/>
+              </a:defRPr>
+            </a:lvl4pPr>
+            <a:lvl5pPr marL="1828800" indent="0" algn="ctr" defTabSz="914400" rtl="0" eaLnBrk="1" latinLnBrk="0" hangingPunct="1">
+              <a:lnSpc>
+                <a:spcPct val="90000"/>
+              </a:lnSpc>
+              <a:spcBef>
+                <a:spcPts val="500"/>
+              </a:spcBef>
+              <a:buFont typeface="Arial" panose="020B0604020202020204" pitchFamily="34" charset="0"/>
+              <a:buNone/>
+              <a:defRPr sz="1600" kern="1200">
+                <a:solidFill>
+                  <a:schemeClr val="tx1"/>
+                </a:solidFill>
+                <a:latin typeface="+mn-lt"/>
+                <a:ea typeface="+mn-ea"/>
+                <a:cs typeface="+mn-cs"/>
+              </a:defRPr>
+            </a:lvl5pPr>
+            <a:lvl6pPr marL="2286000" indent="0" algn="ctr" defTabSz="914400" rtl="0" eaLnBrk="1" latinLnBrk="0" hangingPunct="1">
+              <a:lnSpc>
+                <a:spcPct val="90000"/>
+              </a:lnSpc>
+              <a:spcBef>
+                <a:spcPts val="500"/>
+              </a:spcBef>
+              <a:buFont typeface="Arial" panose="020B0604020202020204" pitchFamily="34" charset="0"/>
+              <a:buNone/>
+              <a:defRPr sz="1600" kern="1200">
+                <a:solidFill>
+                  <a:schemeClr val="tx1"/>
+                </a:solidFill>
+                <a:latin typeface="+mn-lt"/>
+                <a:ea typeface="+mn-ea"/>
+                <a:cs typeface="+mn-cs"/>
+              </a:defRPr>
+            </a:lvl6pPr>
+            <a:lvl7pPr marL="2743200" indent="0" algn="ctr" defTabSz="914400" rtl="0" eaLnBrk="1" latinLnBrk="0" hangingPunct="1">
+              <a:lnSpc>
+                <a:spcPct val="90000"/>
+              </a:lnSpc>
+              <a:spcBef>
+                <a:spcPts val="500"/>
+              </a:spcBef>
+              <a:buFont typeface="Arial" panose="020B0604020202020204" pitchFamily="34" charset="0"/>
+              <a:buNone/>
+              <a:defRPr sz="1600" kern="1200">
+                <a:solidFill>
+                  <a:schemeClr val="tx1"/>
+                </a:solidFill>
+                <a:latin typeface="+mn-lt"/>
+                <a:ea typeface="+mn-ea"/>
+                <a:cs typeface="+mn-cs"/>
+              </a:defRPr>
+            </a:lvl7pPr>
+            <a:lvl8pPr marL="3200400" indent="0" algn="ctr" defTabSz="914400" rtl="0" eaLnBrk="1" latinLnBrk="0" hangingPunct="1">
+              <a:lnSpc>
+                <a:spcPct val="90000"/>
+              </a:lnSpc>
+              <a:spcBef>
+                <a:spcPts val="500"/>
+              </a:spcBef>
+              <a:buFont typeface="Arial" panose="020B0604020202020204" pitchFamily="34" charset="0"/>
+              <a:buNone/>
+              <a:defRPr sz="1600" kern="1200">
+                <a:solidFill>
+                  <a:schemeClr val="tx1"/>
+                </a:solidFill>
+                <a:latin typeface="+mn-lt"/>
+                <a:ea typeface="+mn-ea"/>
+                <a:cs typeface="+mn-cs"/>
+              </a:defRPr>
+            </a:lvl8pPr>
+            <a:lvl9pPr marL="3657600" indent="0" algn="ctr" defTabSz="914400" rtl="0" eaLnBrk="1" latinLnBrk="0" hangingPunct="1">
+              <a:lnSpc>
+                <a:spcPct val="90000"/>
+              </a:lnSpc>
+              <a:spcBef>
+                <a:spcPts val="500"/>
+              </a:spcBef>
+              <a:buFont typeface="Arial" panose="020B0604020202020204" pitchFamily="34" charset="0"/>
+              <a:buNone/>
+              <a:defRPr sz="1600" kern="1200">
+                <a:solidFill>
+                  <a:schemeClr val="tx1"/>
+                </a:solidFill>
+                <a:latin typeface="+mn-lt"/>
+                <a:ea typeface="+mn-ea"/>
+                <a:cs typeface="+mn-cs"/>
+              </a:defRPr>
+            </a:lvl9pPr>
+          </a:lstStyle>
+          <a:p>
+            <a:pPr algn="l"/>
+            <a:r>
+              <a:rPr lang="es-MX" sz="1600" dirty="0"/>
+              <a:t>+ En este ejemplo se emplea la subconsulta en una columna que queremos que se muestre.</a:t>
+            </a:r>
+          </a:p>
+        </p:txBody>
+      </p:sp>
+      <p:sp>
+        <p:nvSpPr>
+          <p:cNvPr id="3" name="Subtítulo 2">
+            <a:extLst>
+              <a:ext uri="{FF2B5EF4-FFF2-40B4-BE49-F238E27FC236}">
+                <a16:creationId xmlns:a16="http://schemas.microsoft.com/office/drawing/2014/main" id="{13CFCF8B-C5F7-3D9A-9D32-8DABFD8B1FC3}"/>
+              </a:ext>
+            </a:extLst>
+          </p:cNvPr>
+          <p:cNvSpPr txBox="1">
+            <a:spLocks/>
+          </p:cNvSpPr>
+          <p:nvPr/>
+        </p:nvSpPr>
+        <p:spPr>
+          <a:xfrm>
+            <a:off x="8257309" y="3241744"/>
+            <a:ext cx="3906981" cy="1154126"/>
+          </a:xfrm>
+          <a:prstGeom prst="rect">
+            <a:avLst/>
+          </a:prstGeom>
+        </p:spPr>
+        <p:txBody>
+          <a:bodyPr vert="horz" lIns="91440" tIns="45720" rIns="91440" bIns="45720" rtlCol="0">
+            <a:normAutofit/>
+          </a:bodyPr>
+          <a:lstStyle>
+            <a:lvl1pPr marL="0" indent="0" algn="ctr" defTabSz="914400" rtl="0" eaLnBrk="1" latinLnBrk="0" hangingPunct="1">
+              <a:lnSpc>
+                <a:spcPct val="90000"/>
+              </a:lnSpc>
+              <a:spcBef>
+                <a:spcPts val="1000"/>
+              </a:spcBef>
+              <a:buFont typeface="Arial" panose="020B0604020202020204" pitchFamily="34" charset="0"/>
+              <a:buNone/>
+              <a:defRPr sz="2400" kern="1200">
+                <a:solidFill>
+                  <a:schemeClr val="tx1"/>
+                </a:solidFill>
+                <a:latin typeface="+mn-lt"/>
+                <a:ea typeface="+mn-ea"/>
+                <a:cs typeface="+mn-cs"/>
+              </a:defRPr>
+            </a:lvl1pPr>
+            <a:lvl2pPr marL="457200" indent="0" algn="ctr" defTabSz="914400" rtl="0" eaLnBrk="1" latinLnBrk="0" hangingPunct="1">
+              <a:lnSpc>
+                <a:spcPct val="90000"/>
+              </a:lnSpc>
+              <a:spcBef>
+                <a:spcPts val="500"/>
+              </a:spcBef>
+              <a:buFont typeface="Arial" panose="020B0604020202020204" pitchFamily="34" charset="0"/>
+              <a:buNone/>
+              <a:defRPr sz="2000" kern="1200">
+                <a:solidFill>
+                  <a:schemeClr val="tx1"/>
+                </a:solidFill>
+                <a:latin typeface="+mn-lt"/>
+                <a:ea typeface="+mn-ea"/>
+                <a:cs typeface="+mn-cs"/>
+              </a:defRPr>
+            </a:lvl2pPr>
+            <a:lvl3pPr marL="914400" indent="0" algn="ctr" defTabSz="914400" rtl="0" eaLnBrk="1" latinLnBrk="0" hangingPunct="1">
+              <a:lnSpc>
+                <a:spcPct val="90000"/>
+              </a:lnSpc>
+              <a:spcBef>
+                <a:spcPts val="500"/>
+              </a:spcBef>
+              <a:buFont typeface="Arial" panose="020B0604020202020204" pitchFamily="34" charset="0"/>
+              <a:buNone/>
+              <a:defRPr sz="1800" kern="1200">
+                <a:solidFill>
+                  <a:schemeClr val="tx1"/>
+                </a:solidFill>
+                <a:latin typeface="+mn-lt"/>
+                <a:ea typeface="+mn-ea"/>
+                <a:cs typeface="+mn-cs"/>
+              </a:defRPr>
+            </a:lvl3pPr>
+            <a:lvl4pPr marL="1371600" indent="0" algn="ctr" defTabSz="914400" rtl="0" eaLnBrk="1" latinLnBrk="0" hangingPunct="1">
+              <a:lnSpc>
+                <a:spcPct val="90000"/>
+              </a:lnSpc>
+              <a:spcBef>
+                <a:spcPts val="500"/>
+              </a:spcBef>
+              <a:buFont typeface="Arial" panose="020B0604020202020204" pitchFamily="34" charset="0"/>
+              <a:buNone/>
+              <a:defRPr sz="1600" kern="1200">
+                <a:solidFill>
+                  <a:schemeClr val="tx1"/>
+                </a:solidFill>
+                <a:latin typeface="+mn-lt"/>
+                <a:ea typeface="+mn-ea"/>
+                <a:cs typeface="+mn-cs"/>
+              </a:defRPr>
+            </a:lvl4pPr>
+            <a:lvl5pPr marL="1828800" indent="0" algn="ctr" defTabSz="914400" rtl="0" eaLnBrk="1" latinLnBrk="0" hangingPunct="1">
+              <a:lnSpc>
+                <a:spcPct val="90000"/>
+              </a:lnSpc>
+              <a:spcBef>
+                <a:spcPts val="500"/>
+              </a:spcBef>
+              <a:buFont typeface="Arial" panose="020B0604020202020204" pitchFamily="34" charset="0"/>
+              <a:buNone/>
+              <a:defRPr sz="1600" kern="1200">
+                <a:solidFill>
+                  <a:schemeClr val="tx1"/>
+                </a:solidFill>
+                <a:latin typeface="+mn-lt"/>
+                <a:ea typeface="+mn-ea"/>
+                <a:cs typeface="+mn-cs"/>
+              </a:defRPr>
+            </a:lvl5pPr>
+            <a:lvl6pPr marL="2286000" indent="0" algn="ctr" defTabSz="914400" rtl="0" eaLnBrk="1" latinLnBrk="0" hangingPunct="1">
+              <a:lnSpc>
+                <a:spcPct val="90000"/>
+              </a:lnSpc>
+              <a:spcBef>
+                <a:spcPts val="500"/>
+              </a:spcBef>
+              <a:buFont typeface="Arial" panose="020B0604020202020204" pitchFamily="34" charset="0"/>
+              <a:buNone/>
+              <a:defRPr sz="1600" kern="1200">
+                <a:solidFill>
+                  <a:schemeClr val="tx1"/>
+                </a:solidFill>
+                <a:latin typeface="+mn-lt"/>
+                <a:ea typeface="+mn-ea"/>
+                <a:cs typeface="+mn-cs"/>
+              </a:defRPr>
+            </a:lvl6pPr>
+            <a:lvl7pPr marL="2743200" indent="0" algn="ctr" defTabSz="914400" rtl="0" eaLnBrk="1" latinLnBrk="0" hangingPunct="1">
+              <a:lnSpc>
+                <a:spcPct val="90000"/>
+              </a:lnSpc>
+              <a:spcBef>
+                <a:spcPts val="500"/>
+              </a:spcBef>
+              <a:buFont typeface="Arial" panose="020B0604020202020204" pitchFamily="34" charset="0"/>
+              <a:buNone/>
+              <a:defRPr sz="1600" kern="1200">
+                <a:solidFill>
+                  <a:schemeClr val="tx1"/>
+                </a:solidFill>
+                <a:latin typeface="+mn-lt"/>
+                <a:ea typeface="+mn-ea"/>
+                <a:cs typeface="+mn-cs"/>
+              </a:defRPr>
+            </a:lvl7pPr>
+            <a:lvl8pPr marL="3200400" indent="0" algn="ctr" defTabSz="914400" rtl="0" eaLnBrk="1" latinLnBrk="0" hangingPunct="1">
+              <a:lnSpc>
+                <a:spcPct val="90000"/>
+              </a:lnSpc>
+              <a:spcBef>
+                <a:spcPts val="500"/>
+              </a:spcBef>
+              <a:buFont typeface="Arial" panose="020B0604020202020204" pitchFamily="34" charset="0"/>
+              <a:buNone/>
+              <a:defRPr sz="1600" kern="1200">
+                <a:solidFill>
+                  <a:schemeClr val="tx1"/>
+                </a:solidFill>
+                <a:latin typeface="+mn-lt"/>
+                <a:ea typeface="+mn-ea"/>
+                <a:cs typeface="+mn-cs"/>
+              </a:defRPr>
+            </a:lvl8pPr>
+            <a:lvl9pPr marL="3657600" indent="0" algn="ctr" defTabSz="914400" rtl="0" eaLnBrk="1" latinLnBrk="0" hangingPunct="1">
+              <a:lnSpc>
+                <a:spcPct val="90000"/>
+              </a:lnSpc>
+              <a:spcBef>
+                <a:spcPts val="500"/>
+              </a:spcBef>
+              <a:buFont typeface="Arial" panose="020B0604020202020204" pitchFamily="34" charset="0"/>
+              <a:buNone/>
+              <a:defRPr sz="1600" kern="1200">
+                <a:solidFill>
+                  <a:schemeClr val="tx1"/>
+                </a:solidFill>
+                <a:latin typeface="+mn-lt"/>
+                <a:ea typeface="+mn-ea"/>
+                <a:cs typeface="+mn-cs"/>
+              </a:defRPr>
+            </a:lvl9pPr>
+          </a:lstStyle>
+          <a:p>
+            <a:pPr algn="l"/>
+            <a:r>
+              <a:rPr lang="es-MX" sz="1600" dirty="0"/>
+              <a:t>+ La subconsulta está medio rara, pero esta es la idea que se busca ejemplificar. Ya dependerá qué instrucciones necesitemos en la subconsulta.</a:t>
+            </a:r>
+          </a:p>
+        </p:txBody>
+      </p:sp>
+    </p:spTree>
+    <p:extLst>
+      <p:ext uri="{BB962C8B-B14F-4D97-AF65-F5344CB8AC3E}">
+        <p14:creationId xmlns:p14="http://schemas.microsoft.com/office/powerpoint/2010/main" val="2738138021"/>
+      </p:ext>
+    </p:extLst>
+  </p:cSld>
+  <p:clrMapOvr>
+    <a:masterClrMapping/>
+  </p:clrMapOvr>
+</p:sld>
+</file>
+
+<file path=ppt/slides/slide41.xml><?xml version="1.0" encoding="utf-8"?>
+<p:sld xmlns:a="http://schemas.openxmlformats.org/drawingml/2006/main" xmlns:r="http://schemas.openxmlformats.org/officeDocument/2006/relationships" xmlns:p="http://schemas.openxmlformats.org/presentationml/2006/main">
+  <p:cSld>
+    <p:spTree>
+      <p:nvGrpSpPr>
+        <p:cNvPr id="1" name=""/>
+        <p:cNvGrpSpPr/>
+        <p:nvPr/>
+      </p:nvGrpSpPr>
+      <p:grpSpPr>
+        <a:xfrm>
+          <a:off x="0" y="0"/>
+          <a:ext cx="0" cy="0"/>
+          <a:chOff x="0" y="0"/>
+          <a:chExt cx="0" cy="0"/>
+        </a:xfrm>
+      </p:grpSpPr>
+      <p:sp>
+        <p:nvSpPr>
+          <p:cNvPr id="2" name="Título 1">
+            <a:extLst>
+              <a:ext uri="{FF2B5EF4-FFF2-40B4-BE49-F238E27FC236}">
+                <a16:creationId xmlns:a16="http://schemas.microsoft.com/office/drawing/2014/main" id="{095D5E06-C433-C836-106A-B2D45ADCF04F}"/>
+              </a:ext>
+            </a:extLst>
+          </p:cNvPr>
+          <p:cNvSpPr>
+            <a:spLocks noGrp="1"/>
+          </p:cNvSpPr>
+          <p:nvPr>
+            <p:ph type="ctrTitle"/>
+          </p:nvPr>
+        </p:nvSpPr>
+        <p:spPr>
+          <a:xfrm>
+            <a:off x="304800" y="277091"/>
+            <a:ext cx="9144000" cy="669781"/>
+          </a:xfrm>
+        </p:spPr>
+        <p:txBody>
+          <a:bodyPr>
+            <a:normAutofit/>
+          </a:bodyPr>
+          <a:lstStyle/>
+          <a:p>
+            <a:pPr algn="l"/>
+            <a:r>
+              <a:rPr lang="es-MX" sz="3600" b="1" dirty="0">
+                <a:latin typeface="Gadugi" panose="020B0502040204020203" pitchFamily="34" charset="0"/>
+                <a:ea typeface="Gadugi" panose="020B0502040204020203" pitchFamily="34" charset="0"/>
+              </a:rPr>
+              <a:t>VIEWS</a:t>
+            </a:r>
+          </a:p>
+        </p:txBody>
+      </p:sp>
+      <p:sp>
+        <p:nvSpPr>
+          <p:cNvPr id="3" name="Subtítulo 2">
+            <a:extLst>
+              <a:ext uri="{FF2B5EF4-FFF2-40B4-BE49-F238E27FC236}">
+                <a16:creationId xmlns:a16="http://schemas.microsoft.com/office/drawing/2014/main" id="{1A30F90B-0731-20CA-E914-48343967869A}"/>
+              </a:ext>
+            </a:extLst>
+          </p:cNvPr>
+          <p:cNvSpPr>
+            <a:spLocks noGrp="1"/>
+          </p:cNvSpPr>
+          <p:nvPr>
+            <p:ph type="subTitle" idx="1"/>
+          </p:nvPr>
+        </p:nvSpPr>
+        <p:spPr>
+          <a:xfrm>
+            <a:off x="152400" y="1602655"/>
+            <a:ext cx="7966356" cy="2623445"/>
+          </a:xfrm>
+        </p:spPr>
+        <p:txBody>
+          <a:bodyPr>
+            <a:normAutofit/>
+          </a:bodyPr>
+          <a:lstStyle/>
+          <a:p>
+            <a:pPr algn="l"/>
+            <a:r>
+              <a:rPr lang="es-MX" b="1" dirty="0"/>
+              <a:t>CREATE </a:t>
+            </a:r>
+            <a:r>
+              <a:rPr lang="es-MX" dirty="0"/>
+              <a:t>[o </a:t>
+            </a:r>
+            <a:r>
+              <a:rPr lang="es-MX" b="1" dirty="0"/>
+              <a:t>REPLACE</a:t>
+            </a:r>
+            <a:r>
+              <a:rPr lang="es-MX" dirty="0"/>
+              <a:t>] </a:t>
+            </a:r>
+            <a:r>
+              <a:rPr lang="es-MX" b="1" dirty="0"/>
+              <a:t>VIEW </a:t>
+            </a:r>
+            <a:r>
+              <a:rPr lang="es-MX" dirty="0"/>
+              <a:t> [nombre de la vista] </a:t>
+            </a:r>
+            <a:r>
+              <a:rPr lang="es-MX" b="1" dirty="0"/>
+              <a:t>AS</a:t>
+            </a:r>
+          </a:p>
+          <a:p>
+            <a:pPr algn="l"/>
+            <a:r>
+              <a:rPr lang="es-MX" b="1" dirty="0"/>
+              <a:t>SELECT </a:t>
+            </a:r>
+            <a:r>
+              <a:rPr lang="es-MX" dirty="0"/>
+              <a:t>[columnas]</a:t>
+            </a:r>
+          </a:p>
+          <a:p>
+            <a:pPr algn="l"/>
+            <a:r>
+              <a:rPr lang="es-MX" b="1" dirty="0"/>
+              <a:t>FROM</a:t>
+            </a:r>
+            <a:r>
+              <a:rPr lang="es-MX" dirty="0"/>
+              <a:t> [nombre de la tabla]</a:t>
+            </a:r>
+          </a:p>
+          <a:p>
+            <a:pPr algn="l"/>
+            <a:r>
+              <a:rPr lang="es-MX" dirty="0"/>
+              <a:t>( </a:t>
+            </a:r>
+            <a:r>
+              <a:rPr lang="es-MX" b="1" dirty="0"/>
+              <a:t>WHERE</a:t>
+            </a:r>
+            <a:r>
+              <a:rPr lang="es-MX" dirty="0"/>
+              <a:t> en caso de ser necesario) </a:t>
+            </a:r>
+            <a:r>
+              <a:rPr lang="es-MX" b="1" dirty="0"/>
+              <a:t>;</a:t>
+            </a:r>
+          </a:p>
+        </p:txBody>
+      </p:sp>
+      <p:cxnSp>
+        <p:nvCxnSpPr>
+          <p:cNvPr id="5" name="Conector recto 4">
+            <a:extLst>
+              <a:ext uri="{FF2B5EF4-FFF2-40B4-BE49-F238E27FC236}">
+                <a16:creationId xmlns:a16="http://schemas.microsoft.com/office/drawing/2014/main" id="{8185E119-0A24-A724-B622-7DB91F3252A8}"/>
+              </a:ext>
+            </a:extLst>
+          </p:cNvPr>
+          <p:cNvCxnSpPr/>
+          <p:nvPr/>
+        </p:nvCxnSpPr>
+        <p:spPr>
+          <a:xfrm>
+            <a:off x="0" y="946872"/>
+            <a:ext cx="5472545" cy="0"/>
+          </a:xfrm>
+          <a:prstGeom prst="line">
+            <a:avLst/>
+          </a:prstGeom>
+          <a:ln w="38100">
+            <a:solidFill>
+              <a:srgbClr val="7030A0"/>
+            </a:solidFill>
+          </a:ln>
+        </p:spPr>
+        <p:style>
+          <a:lnRef idx="1">
+            <a:schemeClr val="accent1"/>
+          </a:lnRef>
+          <a:fillRef idx="0">
+            <a:schemeClr val="accent1"/>
+          </a:fillRef>
+          <a:effectRef idx="0">
+            <a:schemeClr val="accent1"/>
+          </a:effectRef>
+          <a:fontRef idx="minor">
+            <a:schemeClr val="tx1"/>
+          </a:fontRef>
+        </p:style>
+      </p:cxnSp>
+      <p:cxnSp>
+        <p:nvCxnSpPr>
+          <p:cNvPr id="6" name="Conector recto 5">
+            <a:extLst>
+              <a:ext uri="{FF2B5EF4-FFF2-40B4-BE49-F238E27FC236}">
+                <a16:creationId xmlns:a16="http://schemas.microsoft.com/office/drawing/2014/main" id="{BEFC1D1B-E623-58C6-AEC5-FBF9FC0A9DBC}"/>
+              </a:ext>
+            </a:extLst>
+          </p:cNvPr>
+          <p:cNvCxnSpPr>
+            <a:cxnSpLocks/>
+          </p:cNvCxnSpPr>
+          <p:nvPr/>
+        </p:nvCxnSpPr>
+        <p:spPr>
+          <a:xfrm flipH="1" flipV="1">
+            <a:off x="8257309" y="0"/>
+            <a:ext cx="27710" cy="6858000"/>
+          </a:xfrm>
+          <a:prstGeom prst="line">
+            <a:avLst/>
+          </a:prstGeom>
+          <a:ln w="38100">
+            <a:solidFill>
+              <a:srgbClr val="7030A0"/>
+            </a:solidFill>
+          </a:ln>
+        </p:spPr>
+        <p:style>
+          <a:lnRef idx="1">
+            <a:schemeClr val="accent1"/>
+          </a:lnRef>
+          <a:fillRef idx="0">
+            <a:schemeClr val="accent1"/>
+          </a:fillRef>
+          <a:effectRef idx="0">
+            <a:schemeClr val="accent1"/>
+          </a:effectRef>
+          <a:fontRef idx="minor">
+            <a:schemeClr val="tx1"/>
+          </a:fontRef>
+        </p:style>
+      </p:cxnSp>
+      <p:sp>
+        <p:nvSpPr>
+          <p:cNvPr id="9" name="Subtítulo 2">
+            <a:extLst>
+              <a:ext uri="{FF2B5EF4-FFF2-40B4-BE49-F238E27FC236}">
+                <a16:creationId xmlns:a16="http://schemas.microsoft.com/office/drawing/2014/main" id="{B2F69EEF-1183-1D61-4B75-D786FD98E6A3}"/>
+              </a:ext>
+            </a:extLst>
+          </p:cNvPr>
+          <p:cNvSpPr txBox="1">
+            <a:spLocks/>
+          </p:cNvSpPr>
+          <p:nvPr/>
+        </p:nvSpPr>
+        <p:spPr>
+          <a:xfrm>
+            <a:off x="8285019" y="1602654"/>
+            <a:ext cx="3906981" cy="1154126"/>
+          </a:xfrm>
+          <a:prstGeom prst="rect">
+            <a:avLst/>
+          </a:prstGeom>
+        </p:spPr>
+        <p:txBody>
+          <a:bodyPr vert="horz" lIns="91440" tIns="45720" rIns="91440" bIns="45720" rtlCol="0">
+            <a:normAutofit/>
+          </a:bodyPr>
+          <a:lstStyle>
+            <a:lvl1pPr marL="0" indent="0" algn="ctr" defTabSz="914400" rtl="0" eaLnBrk="1" latinLnBrk="0" hangingPunct="1">
+              <a:lnSpc>
+                <a:spcPct val="90000"/>
+              </a:lnSpc>
+              <a:spcBef>
+                <a:spcPts val="1000"/>
+              </a:spcBef>
+              <a:buFont typeface="Arial" panose="020B0604020202020204" pitchFamily="34" charset="0"/>
+              <a:buNone/>
+              <a:defRPr sz="2400" kern="1200">
+                <a:solidFill>
+                  <a:schemeClr val="tx1"/>
+                </a:solidFill>
+                <a:latin typeface="+mn-lt"/>
+                <a:ea typeface="+mn-ea"/>
+                <a:cs typeface="+mn-cs"/>
+              </a:defRPr>
+            </a:lvl1pPr>
+            <a:lvl2pPr marL="457200" indent="0" algn="ctr" defTabSz="914400" rtl="0" eaLnBrk="1" latinLnBrk="0" hangingPunct="1">
+              <a:lnSpc>
+                <a:spcPct val="90000"/>
+              </a:lnSpc>
+              <a:spcBef>
+                <a:spcPts val="500"/>
+              </a:spcBef>
+              <a:buFont typeface="Arial" panose="020B0604020202020204" pitchFamily="34" charset="0"/>
+              <a:buNone/>
+              <a:defRPr sz="2000" kern="1200">
+                <a:solidFill>
+                  <a:schemeClr val="tx1"/>
+                </a:solidFill>
+                <a:latin typeface="+mn-lt"/>
+                <a:ea typeface="+mn-ea"/>
+                <a:cs typeface="+mn-cs"/>
+              </a:defRPr>
+            </a:lvl2pPr>
+            <a:lvl3pPr marL="914400" indent="0" algn="ctr" defTabSz="914400" rtl="0" eaLnBrk="1" latinLnBrk="0" hangingPunct="1">
+              <a:lnSpc>
+                <a:spcPct val="90000"/>
+              </a:lnSpc>
+              <a:spcBef>
+                <a:spcPts val="500"/>
+              </a:spcBef>
+              <a:buFont typeface="Arial" panose="020B0604020202020204" pitchFamily="34" charset="0"/>
+              <a:buNone/>
+              <a:defRPr sz="1800" kern="1200">
+                <a:solidFill>
+                  <a:schemeClr val="tx1"/>
+                </a:solidFill>
+                <a:latin typeface="+mn-lt"/>
+                <a:ea typeface="+mn-ea"/>
+                <a:cs typeface="+mn-cs"/>
+              </a:defRPr>
+            </a:lvl3pPr>
+            <a:lvl4pPr marL="1371600" indent="0" algn="ctr" defTabSz="914400" rtl="0" eaLnBrk="1" latinLnBrk="0" hangingPunct="1">
+              <a:lnSpc>
+                <a:spcPct val="90000"/>
+              </a:lnSpc>
+              <a:spcBef>
+                <a:spcPts val="500"/>
+              </a:spcBef>
+              <a:buFont typeface="Arial" panose="020B0604020202020204" pitchFamily="34" charset="0"/>
+              <a:buNone/>
+              <a:defRPr sz="1600" kern="1200">
+                <a:solidFill>
+                  <a:schemeClr val="tx1"/>
+                </a:solidFill>
+                <a:latin typeface="+mn-lt"/>
+                <a:ea typeface="+mn-ea"/>
+                <a:cs typeface="+mn-cs"/>
+              </a:defRPr>
+            </a:lvl4pPr>
+            <a:lvl5pPr marL="1828800" indent="0" algn="ctr" defTabSz="914400" rtl="0" eaLnBrk="1" latinLnBrk="0" hangingPunct="1">
+              <a:lnSpc>
+                <a:spcPct val="90000"/>
+              </a:lnSpc>
+              <a:spcBef>
+                <a:spcPts val="500"/>
+              </a:spcBef>
+              <a:buFont typeface="Arial" panose="020B0604020202020204" pitchFamily="34" charset="0"/>
+              <a:buNone/>
+              <a:defRPr sz="1600" kern="1200">
+                <a:solidFill>
+                  <a:schemeClr val="tx1"/>
+                </a:solidFill>
+                <a:latin typeface="+mn-lt"/>
+                <a:ea typeface="+mn-ea"/>
+                <a:cs typeface="+mn-cs"/>
+              </a:defRPr>
+            </a:lvl5pPr>
+            <a:lvl6pPr marL="2286000" indent="0" algn="ctr" defTabSz="914400" rtl="0" eaLnBrk="1" latinLnBrk="0" hangingPunct="1">
+              <a:lnSpc>
+                <a:spcPct val="90000"/>
+              </a:lnSpc>
+              <a:spcBef>
+                <a:spcPts val="500"/>
+              </a:spcBef>
+              <a:buFont typeface="Arial" panose="020B0604020202020204" pitchFamily="34" charset="0"/>
+              <a:buNone/>
+              <a:defRPr sz="1600" kern="1200">
+                <a:solidFill>
+                  <a:schemeClr val="tx1"/>
+                </a:solidFill>
+                <a:latin typeface="+mn-lt"/>
+                <a:ea typeface="+mn-ea"/>
+                <a:cs typeface="+mn-cs"/>
+              </a:defRPr>
+            </a:lvl6pPr>
+            <a:lvl7pPr marL="2743200" indent="0" algn="ctr" defTabSz="914400" rtl="0" eaLnBrk="1" latinLnBrk="0" hangingPunct="1">
+              <a:lnSpc>
+                <a:spcPct val="90000"/>
+              </a:lnSpc>
+              <a:spcBef>
+                <a:spcPts val="500"/>
+              </a:spcBef>
+              <a:buFont typeface="Arial" panose="020B0604020202020204" pitchFamily="34" charset="0"/>
+              <a:buNone/>
+              <a:defRPr sz="1600" kern="1200">
+                <a:solidFill>
+                  <a:schemeClr val="tx1"/>
+                </a:solidFill>
+                <a:latin typeface="+mn-lt"/>
+                <a:ea typeface="+mn-ea"/>
+                <a:cs typeface="+mn-cs"/>
+              </a:defRPr>
+            </a:lvl7pPr>
+            <a:lvl8pPr marL="3200400" indent="0" algn="ctr" defTabSz="914400" rtl="0" eaLnBrk="1" latinLnBrk="0" hangingPunct="1">
+              <a:lnSpc>
+                <a:spcPct val="90000"/>
+              </a:lnSpc>
+              <a:spcBef>
+                <a:spcPts val="500"/>
+              </a:spcBef>
+              <a:buFont typeface="Arial" panose="020B0604020202020204" pitchFamily="34" charset="0"/>
+              <a:buNone/>
+              <a:defRPr sz="1600" kern="1200">
+                <a:solidFill>
+                  <a:schemeClr val="tx1"/>
+                </a:solidFill>
+                <a:latin typeface="+mn-lt"/>
+                <a:ea typeface="+mn-ea"/>
+                <a:cs typeface="+mn-cs"/>
+              </a:defRPr>
+            </a:lvl8pPr>
+            <a:lvl9pPr marL="3657600" indent="0" algn="ctr" defTabSz="914400" rtl="0" eaLnBrk="1" latinLnBrk="0" hangingPunct="1">
+              <a:lnSpc>
+                <a:spcPct val="90000"/>
+              </a:lnSpc>
+              <a:spcBef>
+                <a:spcPts val="500"/>
+              </a:spcBef>
+              <a:buFont typeface="Arial" panose="020B0604020202020204" pitchFamily="34" charset="0"/>
+              <a:buNone/>
+              <a:defRPr sz="1600" kern="1200">
+                <a:solidFill>
+                  <a:schemeClr val="tx1"/>
+                </a:solidFill>
+                <a:latin typeface="+mn-lt"/>
+                <a:ea typeface="+mn-ea"/>
+                <a:cs typeface="+mn-cs"/>
+              </a:defRPr>
+            </a:lvl9pPr>
+          </a:lstStyle>
+          <a:p>
+            <a:pPr algn="l"/>
+            <a:r>
+              <a:rPr lang="es-MX" sz="1600" dirty="0"/>
+              <a:t>+ Es una tabla virtual resultado de una consulta.</a:t>
+            </a:r>
+          </a:p>
+        </p:txBody>
+      </p:sp>
+      <p:sp>
+        <p:nvSpPr>
+          <p:cNvPr id="7" name="Subtítulo 2">
+            <a:extLst>
+              <a:ext uri="{FF2B5EF4-FFF2-40B4-BE49-F238E27FC236}">
+                <a16:creationId xmlns:a16="http://schemas.microsoft.com/office/drawing/2014/main" id="{E758D946-F9E9-C528-33E9-9311FD2AF824}"/>
+              </a:ext>
+            </a:extLst>
+          </p:cNvPr>
+          <p:cNvSpPr txBox="1">
+            <a:spLocks/>
+          </p:cNvSpPr>
+          <p:nvPr/>
+        </p:nvSpPr>
+        <p:spPr>
+          <a:xfrm>
+            <a:off x="8257309" y="2420419"/>
+            <a:ext cx="3906981" cy="669781"/>
+          </a:xfrm>
+          <a:prstGeom prst="rect">
+            <a:avLst/>
+          </a:prstGeom>
+        </p:spPr>
+        <p:txBody>
+          <a:bodyPr vert="horz" lIns="91440" tIns="45720" rIns="91440" bIns="45720" rtlCol="0">
+            <a:normAutofit/>
+          </a:bodyPr>
+          <a:lstStyle>
+            <a:lvl1pPr marL="0" indent="0" algn="ctr" defTabSz="914400" rtl="0" eaLnBrk="1" latinLnBrk="0" hangingPunct="1">
+              <a:lnSpc>
+                <a:spcPct val="90000"/>
+              </a:lnSpc>
+              <a:spcBef>
+                <a:spcPts val="1000"/>
+              </a:spcBef>
+              <a:buFont typeface="Arial" panose="020B0604020202020204" pitchFamily="34" charset="0"/>
+              <a:buNone/>
+              <a:defRPr sz="2400" kern="1200">
+                <a:solidFill>
+                  <a:schemeClr val="tx1"/>
+                </a:solidFill>
+                <a:latin typeface="+mn-lt"/>
+                <a:ea typeface="+mn-ea"/>
+                <a:cs typeface="+mn-cs"/>
+              </a:defRPr>
+            </a:lvl1pPr>
+            <a:lvl2pPr marL="457200" indent="0" algn="ctr" defTabSz="914400" rtl="0" eaLnBrk="1" latinLnBrk="0" hangingPunct="1">
+              <a:lnSpc>
+                <a:spcPct val="90000"/>
+              </a:lnSpc>
+              <a:spcBef>
+                <a:spcPts val="500"/>
+              </a:spcBef>
+              <a:buFont typeface="Arial" panose="020B0604020202020204" pitchFamily="34" charset="0"/>
+              <a:buNone/>
+              <a:defRPr sz="2000" kern="1200">
+                <a:solidFill>
+                  <a:schemeClr val="tx1"/>
+                </a:solidFill>
+                <a:latin typeface="+mn-lt"/>
+                <a:ea typeface="+mn-ea"/>
+                <a:cs typeface="+mn-cs"/>
+              </a:defRPr>
+            </a:lvl2pPr>
+            <a:lvl3pPr marL="914400" indent="0" algn="ctr" defTabSz="914400" rtl="0" eaLnBrk="1" latinLnBrk="0" hangingPunct="1">
+              <a:lnSpc>
+                <a:spcPct val="90000"/>
+              </a:lnSpc>
+              <a:spcBef>
+                <a:spcPts val="500"/>
+              </a:spcBef>
+              <a:buFont typeface="Arial" panose="020B0604020202020204" pitchFamily="34" charset="0"/>
+              <a:buNone/>
+              <a:defRPr sz="1800" kern="1200">
+                <a:solidFill>
+                  <a:schemeClr val="tx1"/>
+                </a:solidFill>
+                <a:latin typeface="+mn-lt"/>
+                <a:ea typeface="+mn-ea"/>
+                <a:cs typeface="+mn-cs"/>
+              </a:defRPr>
+            </a:lvl3pPr>
+            <a:lvl4pPr marL="1371600" indent="0" algn="ctr" defTabSz="914400" rtl="0" eaLnBrk="1" latinLnBrk="0" hangingPunct="1">
+              <a:lnSpc>
+                <a:spcPct val="90000"/>
+              </a:lnSpc>
+              <a:spcBef>
+                <a:spcPts val="500"/>
+              </a:spcBef>
+              <a:buFont typeface="Arial" panose="020B0604020202020204" pitchFamily="34" charset="0"/>
+              <a:buNone/>
+              <a:defRPr sz="1600" kern="1200">
+                <a:solidFill>
+                  <a:schemeClr val="tx1"/>
+                </a:solidFill>
+                <a:latin typeface="+mn-lt"/>
+                <a:ea typeface="+mn-ea"/>
+                <a:cs typeface="+mn-cs"/>
+              </a:defRPr>
+            </a:lvl4pPr>
+            <a:lvl5pPr marL="1828800" indent="0" algn="ctr" defTabSz="914400" rtl="0" eaLnBrk="1" latinLnBrk="0" hangingPunct="1">
+              <a:lnSpc>
+                <a:spcPct val="90000"/>
+              </a:lnSpc>
+              <a:spcBef>
+                <a:spcPts val="500"/>
+              </a:spcBef>
+              <a:buFont typeface="Arial" panose="020B0604020202020204" pitchFamily="34" charset="0"/>
+              <a:buNone/>
+              <a:defRPr sz="1600" kern="1200">
+                <a:solidFill>
+                  <a:schemeClr val="tx1"/>
+                </a:solidFill>
+                <a:latin typeface="+mn-lt"/>
+                <a:ea typeface="+mn-ea"/>
+                <a:cs typeface="+mn-cs"/>
+              </a:defRPr>
+            </a:lvl5pPr>
+            <a:lvl6pPr marL="2286000" indent="0" algn="ctr" defTabSz="914400" rtl="0" eaLnBrk="1" latinLnBrk="0" hangingPunct="1">
+              <a:lnSpc>
+                <a:spcPct val="90000"/>
+              </a:lnSpc>
+              <a:spcBef>
+                <a:spcPts val="500"/>
+              </a:spcBef>
+              <a:buFont typeface="Arial" panose="020B0604020202020204" pitchFamily="34" charset="0"/>
+              <a:buNone/>
+              <a:defRPr sz="1600" kern="1200">
+                <a:solidFill>
+                  <a:schemeClr val="tx1"/>
+                </a:solidFill>
+                <a:latin typeface="+mn-lt"/>
+                <a:ea typeface="+mn-ea"/>
+                <a:cs typeface="+mn-cs"/>
+              </a:defRPr>
+            </a:lvl6pPr>
+            <a:lvl7pPr marL="2743200" indent="0" algn="ctr" defTabSz="914400" rtl="0" eaLnBrk="1" latinLnBrk="0" hangingPunct="1">
+              <a:lnSpc>
+                <a:spcPct val="90000"/>
+              </a:lnSpc>
+              <a:spcBef>
+                <a:spcPts val="500"/>
+              </a:spcBef>
+              <a:buFont typeface="Arial" panose="020B0604020202020204" pitchFamily="34" charset="0"/>
+              <a:buNone/>
+              <a:defRPr sz="1600" kern="1200">
+                <a:solidFill>
+                  <a:schemeClr val="tx1"/>
+                </a:solidFill>
+                <a:latin typeface="+mn-lt"/>
+                <a:ea typeface="+mn-ea"/>
+                <a:cs typeface="+mn-cs"/>
+              </a:defRPr>
+            </a:lvl7pPr>
+            <a:lvl8pPr marL="3200400" indent="0" algn="ctr" defTabSz="914400" rtl="0" eaLnBrk="1" latinLnBrk="0" hangingPunct="1">
+              <a:lnSpc>
+                <a:spcPct val="90000"/>
+              </a:lnSpc>
+              <a:spcBef>
+                <a:spcPts val="500"/>
+              </a:spcBef>
+              <a:buFont typeface="Arial" panose="020B0604020202020204" pitchFamily="34" charset="0"/>
+              <a:buNone/>
+              <a:defRPr sz="1600" kern="1200">
+                <a:solidFill>
+                  <a:schemeClr val="tx1"/>
+                </a:solidFill>
+                <a:latin typeface="+mn-lt"/>
+                <a:ea typeface="+mn-ea"/>
+                <a:cs typeface="+mn-cs"/>
+              </a:defRPr>
+            </a:lvl8pPr>
+            <a:lvl9pPr marL="3657600" indent="0" algn="ctr" defTabSz="914400" rtl="0" eaLnBrk="1" latinLnBrk="0" hangingPunct="1">
+              <a:lnSpc>
+                <a:spcPct val="90000"/>
+              </a:lnSpc>
+              <a:spcBef>
+                <a:spcPts val="500"/>
+              </a:spcBef>
+              <a:buFont typeface="Arial" panose="020B0604020202020204" pitchFamily="34" charset="0"/>
+              <a:buNone/>
+              <a:defRPr sz="1600" kern="1200">
+                <a:solidFill>
+                  <a:schemeClr val="tx1"/>
+                </a:solidFill>
+                <a:latin typeface="+mn-lt"/>
+                <a:ea typeface="+mn-ea"/>
+                <a:cs typeface="+mn-cs"/>
+              </a:defRPr>
+            </a:lvl9pPr>
+          </a:lstStyle>
+          <a:p>
+            <a:pPr algn="l"/>
+            <a:r>
+              <a:rPr lang="es-MX" sz="1600" dirty="0"/>
+              <a:t>+ Se almacenan en </a:t>
+            </a:r>
+          </a:p>
+          <a:p>
+            <a:pPr algn="l"/>
+            <a:r>
+              <a:rPr lang="es-MX" sz="1600" dirty="0"/>
+              <a:t>	</a:t>
+            </a:r>
+            <a:r>
+              <a:rPr lang="es-MX" sz="1600" dirty="0" err="1"/>
+              <a:t>Schemas</a:t>
+            </a:r>
+            <a:r>
+              <a:rPr lang="es-MX" sz="1600" dirty="0"/>
+              <a:t> &gt; </a:t>
+            </a:r>
+            <a:r>
+              <a:rPr lang="es-MX" sz="1600" dirty="0" err="1"/>
+              <a:t>Views</a:t>
+            </a:r>
+            <a:endParaRPr lang="es-MX" sz="1600" dirty="0"/>
+          </a:p>
+        </p:txBody>
+      </p:sp>
+      <p:sp>
+        <p:nvSpPr>
+          <p:cNvPr id="10" name="Subtítulo 2">
+            <a:extLst>
+              <a:ext uri="{FF2B5EF4-FFF2-40B4-BE49-F238E27FC236}">
+                <a16:creationId xmlns:a16="http://schemas.microsoft.com/office/drawing/2014/main" id="{1685A7A0-7290-A888-4002-8184C6B95B6C}"/>
+              </a:ext>
+            </a:extLst>
+          </p:cNvPr>
+          <p:cNvSpPr txBox="1">
+            <a:spLocks/>
+          </p:cNvSpPr>
+          <p:nvPr/>
+        </p:nvSpPr>
+        <p:spPr>
+          <a:xfrm>
+            <a:off x="152393" y="3642850"/>
+            <a:ext cx="7966363" cy="3215150"/>
+          </a:xfrm>
+          <a:prstGeom prst="rect">
+            <a:avLst/>
+          </a:prstGeom>
+        </p:spPr>
+        <p:txBody>
+          <a:bodyPr vert="horz" lIns="91440" tIns="45720" rIns="91440" bIns="45720" rtlCol="0">
+            <a:normAutofit/>
+          </a:bodyPr>
+          <a:lstStyle>
+            <a:lvl1pPr marL="0" indent="0" algn="ctr" defTabSz="914400" rtl="0" eaLnBrk="1" latinLnBrk="0" hangingPunct="1">
+              <a:lnSpc>
+                <a:spcPct val="90000"/>
+              </a:lnSpc>
+              <a:spcBef>
+                <a:spcPts val="1000"/>
+              </a:spcBef>
+              <a:buFont typeface="Arial" panose="020B0604020202020204" pitchFamily="34" charset="0"/>
+              <a:buNone/>
+              <a:defRPr sz="2400" kern="1200">
+                <a:solidFill>
+                  <a:schemeClr val="tx1"/>
+                </a:solidFill>
+                <a:latin typeface="+mn-lt"/>
+                <a:ea typeface="+mn-ea"/>
+                <a:cs typeface="+mn-cs"/>
+              </a:defRPr>
+            </a:lvl1pPr>
+            <a:lvl2pPr marL="457200" indent="0" algn="ctr" defTabSz="914400" rtl="0" eaLnBrk="1" latinLnBrk="0" hangingPunct="1">
+              <a:lnSpc>
+                <a:spcPct val="90000"/>
+              </a:lnSpc>
+              <a:spcBef>
+                <a:spcPts val="500"/>
+              </a:spcBef>
+              <a:buFont typeface="Arial" panose="020B0604020202020204" pitchFamily="34" charset="0"/>
+              <a:buNone/>
+              <a:defRPr sz="2000" kern="1200">
+                <a:solidFill>
+                  <a:schemeClr val="tx1"/>
+                </a:solidFill>
+                <a:latin typeface="+mn-lt"/>
+                <a:ea typeface="+mn-ea"/>
+                <a:cs typeface="+mn-cs"/>
+              </a:defRPr>
+            </a:lvl2pPr>
+            <a:lvl3pPr marL="914400" indent="0" algn="ctr" defTabSz="914400" rtl="0" eaLnBrk="1" latinLnBrk="0" hangingPunct="1">
+              <a:lnSpc>
+                <a:spcPct val="90000"/>
+              </a:lnSpc>
+              <a:spcBef>
+                <a:spcPts val="500"/>
+              </a:spcBef>
+              <a:buFont typeface="Arial" panose="020B0604020202020204" pitchFamily="34" charset="0"/>
+              <a:buNone/>
+              <a:defRPr sz="1800" kern="1200">
+                <a:solidFill>
+                  <a:schemeClr val="tx1"/>
+                </a:solidFill>
+                <a:latin typeface="+mn-lt"/>
+                <a:ea typeface="+mn-ea"/>
+                <a:cs typeface="+mn-cs"/>
+              </a:defRPr>
+            </a:lvl3pPr>
+            <a:lvl4pPr marL="1371600" indent="0" algn="ctr" defTabSz="914400" rtl="0" eaLnBrk="1" latinLnBrk="0" hangingPunct="1">
+              <a:lnSpc>
+                <a:spcPct val="90000"/>
+              </a:lnSpc>
+              <a:spcBef>
+                <a:spcPts val="500"/>
+              </a:spcBef>
+              <a:buFont typeface="Arial" panose="020B0604020202020204" pitchFamily="34" charset="0"/>
+              <a:buNone/>
+              <a:defRPr sz="1600" kern="1200">
+                <a:solidFill>
+                  <a:schemeClr val="tx1"/>
+                </a:solidFill>
+                <a:latin typeface="+mn-lt"/>
+                <a:ea typeface="+mn-ea"/>
+                <a:cs typeface="+mn-cs"/>
+              </a:defRPr>
+            </a:lvl4pPr>
+            <a:lvl5pPr marL="1828800" indent="0" algn="ctr" defTabSz="914400" rtl="0" eaLnBrk="1" latinLnBrk="0" hangingPunct="1">
+              <a:lnSpc>
+                <a:spcPct val="90000"/>
+              </a:lnSpc>
+              <a:spcBef>
+                <a:spcPts val="500"/>
+              </a:spcBef>
+              <a:buFont typeface="Arial" panose="020B0604020202020204" pitchFamily="34" charset="0"/>
+              <a:buNone/>
+              <a:defRPr sz="1600" kern="1200">
+                <a:solidFill>
+                  <a:schemeClr val="tx1"/>
+                </a:solidFill>
+                <a:latin typeface="+mn-lt"/>
+                <a:ea typeface="+mn-ea"/>
+                <a:cs typeface="+mn-cs"/>
+              </a:defRPr>
+            </a:lvl5pPr>
+            <a:lvl6pPr marL="2286000" indent="0" algn="ctr" defTabSz="914400" rtl="0" eaLnBrk="1" latinLnBrk="0" hangingPunct="1">
+              <a:lnSpc>
+                <a:spcPct val="90000"/>
+              </a:lnSpc>
+              <a:spcBef>
+                <a:spcPts val="500"/>
+              </a:spcBef>
+              <a:buFont typeface="Arial" panose="020B0604020202020204" pitchFamily="34" charset="0"/>
+              <a:buNone/>
+              <a:defRPr sz="1600" kern="1200">
+                <a:solidFill>
+                  <a:schemeClr val="tx1"/>
+                </a:solidFill>
+                <a:latin typeface="+mn-lt"/>
+                <a:ea typeface="+mn-ea"/>
+                <a:cs typeface="+mn-cs"/>
+              </a:defRPr>
+            </a:lvl6pPr>
+            <a:lvl7pPr marL="2743200" indent="0" algn="ctr" defTabSz="914400" rtl="0" eaLnBrk="1" latinLnBrk="0" hangingPunct="1">
+              <a:lnSpc>
+                <a:spcPct val="90000"/>
+              </a:lnSpc>
+              <a:spcBef>
+                <a:spcPts val="500"/>
+              </a:spcBef>
+              <a:buFont typeface="Arial" panose="020B0604020202020204" pitchFamily="34" charset="0"/>
+              <a:buNone/>
+              <a:defRPr sz="1600" kern="1200">
+                <a:solidFill>
+                  <a:schemeClr val="tx1"/>
+                </a:solidFill>
+                <a:latin typeface="+mn-lt"/>
+                <a:ea typeface="+mn-ea"/>
+                <a:cs typeface="+mn-cs"/>
+              </a:defRPr>
+            </a:lvl7pPr>
+            <a:lvl8pPr marL="3200400" indent="0" algn="ctr" defTabSz="914400" rtl="0" eaLnBrk="1" latinLnBrk="0" hangingPunct="1">
+              <a:lnSpc>
+                <a:spcPct val="90000"/>
+              </a:lnSpc>
+              <a:spcBef>
+                <a:spcPts val="500"/>
+              </a:spcBef>
+              <a:buFont typeface="Arial" panose="020B0604020202020204" pitchFamily="34" charset="0"/>
+              <a:buNone/>
+              <a:defRPr sz="1600" kern="1200">
+                <a:solidFill>
+                  <a:schemeClr val="tx1"/>
+                </a:solidFill>
+                <a:latin typeface="+mn-lt"/>
+                <a:ea typeface="+mn-ea"/>
+                <a:cs typeface="+mn-cs"/>
+              </a:defRPr>
+            </a:lvl8pPr>
+            <a:lvl9pPr marL="3657600" indent="0" algn="ctr" defTabSz="914400" rtl="0" eaLnBrk="1" latinLnBrk="0" hangingPunct="1">
+              <a:lnSpc>
+                <a:spcPct val="90000"/>
+              </a:lnSpc>
+              <a:spcBef>
+                <a:spcPts val="500"/>
+              </a:spcBef>
+              <a:buFont typeface="Arial" panose="020B0604020202020204" pitchFamily="34" charset="0"/>
+              <a:buNone/>
+              <a:defRPr sz="1600" kern="1200">
+                <a:solidFill>
+                  <a:schemeClr val="tx1"/>
+                </a:solidFill>
+                <a:latin typeface="+mn-lt"/>
+                <a:ea typeface="+mn-ea"/>
+                <a:cs typeface="+mn-cs"/>
+              </a:defRPr>
+            </a:lvl9pPr>
+          </a:lstStyle>
+          <a:p>
+            <a:pPr algn="l"/>
+            <a:r>
+              <a:rPr lang="es-MX" sz="2000" b="1" dirty="0">
+                <a:solidFill>
+                  <a:schemeClr val="accent1"/>
+                </a:solidFill>
+              </a:rPr>
+              <a:t>CREATE VIEW</a:t>
+            </a:r>
+            <a:r>
+              <a:rPr lang="es-MX" sz="2000" dirty="0">
+                <a:solidFill>
+                  <a:schemeClr val="accent1"/>
+                </a:solidFill>
+              </a:rPr>
+              <a:t> logística </a:t>
+            </a:r>
+            <a:r>
+              <a:rPr lang="es-MX" sz="2000" b="1" dirty="0">
+                <a:solidFill>
+                  <a:schemeClr val="accent1"/>
+                </a:solidFill>
+              </a:rPr>
+              <a:t>AS</a:t>
+            </a:r>
+          </a:p>
+          <a:p>
+            <a:pPr algn="l"/>
+            <a:r>
+              <a:rPr lang="es-MX" sz="2000" b="1" dirty="0">
+                <a:solidFill>
+                  <a:schemeClr val="accent1"/>
+                </a:solidFill>
+              </a:rPr>
+              <a:t>SELECT</a:t>
+            </a:r>
+            <a:r>
+              <a:rPr lang="es-MX" sz="2000" dirty="0">
+                <a:solidFill>
+                  <a:schemeClr val="accent1"/>
+                </a:solidFill>
+              </a:rPr>
+              <a:t> </a:t>
+            </a:r>
+            <a:r>
+              <a:rPr lang="es-MX" sz="2000" b="1" dirty="0">
+                <a:solidFill>
+                  <a:schemeClr val="accent1"/>
+                </a:solidFill>
+              </a:rPr>
+              <a:t>	</a:t>
+            </a:r>
+            <a:r>
+              <a:rPr lang="es-MX" sz="2000" dirty="0" err="1">
+                <a:solidFill>
+                  <a:schemeClr val="accent1"/>
+                </a:solidFill>
+              </a:rPr>
+              <a:t>a.order_line</a:t>
+            </a:r>
+            <a:r>
+              <a:rPr lang="es-MX" sz="2000" dirty="0">
+                <a:solidFill>
+                  <a:schemeClr val="accent1"/>
+                </a:solidFill>
+              </a:rPr>
+              <a:t>,</a:t>
+            </a:r>
+          </a:p>
+          <a:p>
+            <a:pPr algn="l"/>
+            <a:r>
+              <a:rPr lang="es-MX" sz="2000" b="1" dirty="0">
+                <a:solidFill>
+                  <a:schemeClr val="accent1"/>
+                </a:solidFill>
+              </a:rPr>
+              <a:t>	</a:t>
+            </a:r>
+            <a:r>
+              <a:rPr lang="es-MX" sz="2000" dirty="0" err="1">
+                <a:solidFill>
+                  <a:schemeClr val="accent1"/>
+                </a:solidFill>
+              </a:rPr>
+              <a:t>b.customer_name</a:t>
+            </a:r>
+            <a:r>
+              <a:rPr lang="es-MX" sz="2000" dirty="0">
+                <a:solidFill>
+                  <a:schemeClr val="accent1"/>
+                </a:solidFill>
+              </a:rPr>
+              <a:t>,</a:t>
+            </a:r>
+          </a:p>
+          <a:p>
+            <a:pPr algn="l"/>
+            <a:r>
+              <a:rPr lang="es-MX" sz="2000" dirty="0">
+                <a:solidFill>
+                  <a:schemeClr val="accent1"/>
+                </a:solidFill>
+              </a:rPr>
+              <a:t>	</a:t>
+            </a:r>
+            <a:r>
+              <a:rPr lang="es-MX" sz="2000" dirty="0" err="1">
+                <a:solidFill>
+                  <a:schemeClr val="accent1"/>
+                </a:solidFill>
+              </a:rPr>
+              <a:t>b.state</a:t>
+            </a:r>
+            <a:endParaRPr lang="es-MX" sz="2000" dirty="0">
+              <a:solidFill>
+                <a:schemeClr val="accent1"/>
+              </a:solidFill>
+            </a:endParaRPr>
+          </a:p>
+          <a:p>
+            <a:pPr algn="l"/>
+            <a:r>
+              <a:rPr lang="es-MX" sz="2000" b="1" dirty="0">
+                <a:solidFill>
+                  <a:schemeClr val="accent1"/>
+                </a:solidFill>
+              </a:rPr>
+              <a:t>FROM</a:t>
+            </a:r>
+            <a:r>
+              <a:rPr lang="es-MX" sz="2000" dirty="0">
+                <a:solidFill>
+                  <a:schemeClr val="accent1"/>
+                </a:solidFill>
+              </a:rPr>
+              <a:t> sales </a:t>
+            </a:r>
+            <a:r>
+              <a:rPr lang="es-MX" sz="2000" b="1" dirty="0">
+                <a:solidFill>
+                  <a:schemeClr val="accent1"/>
+                </a:solidFill>
+              </a:rPr>
+              <a:t>AS</a:t>
+            </a:r>
+            <a:r>
+              <a:rPr lang="es-MX" sz="2000" dirty="0">
+                <a:solidFill>
+                  <a:schemeClr val="accent1"/>
+                </a:solidFill>
+              </a:rPr>
+              <a:t> a</a:t>
+            </a:r>
+          </a:p>
+          <a:p>
+            <a:pPr algn="l"/>
+            <a:r>
+              <a:rPr lang="es-MX" sz="2000" b="1" dirty="0">
+                <a:solidFill>
+                  <a:schemeClr val="accent1"/>
+                </a:solidFill>
+              </a:rPr>
+              <a:t>LEFT JOIN</a:t>
+            </a:r>
+            <a:r>
+              <a:rPr lang="es-MX" sz="2000" dirty="0">
+                <a:solidFill>
+                  <a:schemeClr val="accent1"/>
+                </a:solidFill>
+              </a:rPr>
+              <a:t> </a:t>
+            </a:r>
+            <a:r>
+              <a:rPr lang="es-MX" sz="2000" dirty="0" err="1">
+                <a:solidFill>
+                  <a:schemeClr val="accent1"/>
+                </a:solidFill>
+              </a:rPr>
+              <a:t>customer</a:t>
+            </a:r>
+            <a:r>
+              <a:rPr lang="es-MX" sz="2000" dirty="0">
+                <a:solidFill>
+                  <a:schemeClr val="accent1"/>
+                </a:solidFill>
+              </a:rPr>
+              <a:t> </a:t>
+            </a:r>
+            <a:r>
+              <a:rPr lang="es-MX" sz="2000" b="1" dirty="0">
+                <a:solidFill>
+                  <a:schemeClr val="accent1"/>
+                </a:solidFill>
+              </a:rPr>
+              <a:t>AS</a:t>
+            </a:r>
+            <a:r>
+              <a:rPr lang="es-MX" sz="2000" dirty="0">
+                <a:solidFill>
+                  <a:schemeClr val="accent1"/>
+                </a:solidFill>
+              </a:rPr>
+              <a:t> b</a:t>
+            </a:r>
+          </a:p>
+          <a:p>
+            <a:pPr algn="l"/>
+            <a:r>
+              <a:rPr lang="es-MX" sz="2000" b="1" dirty="0">
+                <a:solidFill>
+                  <a:schemeClr val="accent1"/>
+                </a:solidFill>
+              </a:rPr>
+              <a:t>ON</a:t>
+            </a:r>
+            <a:r>
+              <a:rPr lang="es-MX" sz="2000" dirty="0">
+                <a:solidFill>
+                  <a:schemeClr val="accent1"/>
+                </a:solidFill>
+              </a:rPr>
+              <a:t> </a:t>
+            </a:r>
+            <a:r>
+              <a:rPr lang="es-MX" sz="2000" dirty="0" err="1">
+                <a:solidFill>
+                  <a:schemeClr val="accent1"/>
+                </a:solidFill>
+              </a:rPr>
+              <a:t>a.customer_id</a:t>
+            </a:r>
+            <a:r>
+              <a:rPr lang="es-MX" sz="2000" dirty="0">
+                <a:solidFill>
+                  <a:schemeClr val="accent1"/>
+                </a:solidFill>
+              </a:rPr>
+              <a:t>=</a:t>
+            </a:r>
+            <a:r>
+              <a:rPr lang="es-MX" sz="2000" dirty="0" err="1">
+                <a:solidFill>
+                  <a:schemeClr val="accent1"/>
+                </a:solidFill>
+              </a:rPr>
+              <a:t>b.customer_id</a:t>
+            </a:r>
+            <a:r>
+              <a:rPr lang="es-MX" sz="2000" dirty="0">
+                <a:solidFill>
+                  <a:schemeClr val="accent1"/>
+                </a:solidFill>
+              </a:rPr>
+              <a:t> </a:t>
+            </a:r>
+            <a:r>
+              <a:rPr lang="es-MX" sz="2000" b="1" dirty="0">
+                <a:solidFill>
+                  <a:schemeClr val="accent1"/>
+                </a:solidFill>
+              </a:rPr>
+              <a:t>;</a:t>
+            </a:r>
+          </a:p>
+        </p:txBody>
+      </p:sp>
+      <p:sp>
+        <p:nvSpPr>
+          <p:cNvPr id="11" name="Subtítulo 2">
+            <a:extLst>
+              <a:ext uri="{FF2B5EF4-FFF2-40B4-BE49-F238E27FC236}">
+                <a16:creationId xmlns:a16="http://schemas.microsoft.com/office/drawing/2014/main" id="{29D0DE39-EDAA-EA47-2DB9-72DA94222CED}"/>
+              </a:ext>
+            </a:extLst>
+          </p:cNvPr>
+          <p:cNvSpPr txBox="1">
+            <a:spLocks/>
+          </p:cNvSpPr>
+          <p:nvPr/>
+        </p:nvSpPr>
+        <p:spPr>
+          <a:xfrm>
+            <a:off x="8285019" y="4029448"/>
+            <a:ext cx="3906981" cy="669781"/>
+          </a:xfrm>
+          <a:prstGeom prst="rect">
+            <a:avLst/>
+          </a:prstGeom>
+        </p:spPr>
+        <p:txBody>
+          <a:bodyPr vert="horz" lIns="91440" tIns="45720" rIns="91440" bIns="45720" rtlCol="0">
+            <a:normAutofit/>
+          </a:bodyPr>
+          <a:lstStyle>
+            <a:lvl1pPr marL="0" indent="0" algn="ctr" defTabSz="914400" rtl="0" eaLnBrk="1" latinLnBrk="0" hangingPunct="1">
+              <a:lnSpc>
+                <a:spcPct val="90000"/>
+              </a:lnSpc>
+              <a:spcBef>
+                <a:spcPts val="1000"/>
+              </a:spcBef>
+              <a:buFont typeface="Arial" panose="020B0604020202020204" pitchFamily="34" charset="0"/>
+              <a:buNone/>
+              <a:defRPr sz="2400" kern="1200">
+                <a:solidFill>
+                  <a:schemeClr val="tx1"/>
+                </a:solidFill>
+                <a:latin typeface="+mn-lt"/>
+                <a:ea typeface="+mn-ea"/>
+                <a:cs typeface="+mn-cs"/>
+              </a:defRPr>
+            </a:lvl1pPr>
+            <a:lvl2pPr marL="457200" indent="0" algn="ctr" defTabSz="914400" rtl="0" eaLnBrk="1" latinLnBrk="0" hangingPunct="1">
+              <a:lnSpc>
+                <a:spcPct val="90000"/>
+              </a:lnSpc>
+              <a:spcBef>
+                <a:spcPts val="500"/>
+              </a:spcBef>
+              <a:buFont typeface="Arial" panose="020B0604020202020204" pitchFamily="34" charset="0"/>
+              <a:buNone/>
+              <a:defRPr sz="2000" kern="1200">
+                <a:solidFill>
+                  <a:schemeClr val="tx1"/>
+                </a:solidFill>
+                <a:latin typeface="+mn-lt"/>
+                <a:ea typeface="+mn-ea"/>
+                <a:cs typeface="+mn-cs"/>
+              </a:defRPr>
+            </a:lvl2pPr>
+            <a:lvl3pPr marL="914400" indent="0" algn="ctr" defTabSz="914400" rtl="0" eaLnBrk="1" latinLnBrk="0" hangingPunct="1">
+              <a:lnSpc>
+                <a:spcPct val="90000"/>
+              </a:lnSpc>
+              <a:spcBef>
+                <a:spcPts val="500"/>
+              </a:spcBef>
+              <a:buFont typeface="Arial" panose="020B0604020202020204" pitchFamily="34" charset="0"/>
+              <a:buNone/>
+              <a:defRPr sz="1800" kern="1200">
+                <a:solidFill>
+                  <a:schemeClr val="tx1"/>
+                </a:solidFill>
+                <a:latin typeface="+mn-lt"/>
+                <a:ea typeface="+mn-ea"/>
+                <a:cs typeface="+mn-cs"/>
+              </a:defRPr>
+            </a:lvl3pPr>
+            <a:lvl4pPr marL="1371600" indent="0" algn="ctr" defTabSz="914400" rtl="0" eaLnBrk="1" latinLnBrk="0" hangingPunct="1">
+              <a:lnSpc>
+                <a:spcPct val="90000"/>
+              </a:lnSpc>
+              <a:spcBef>
+                <a:spcPts val="500"/>
+              </a:spcBef>
+              <a:buFont typeface="Arial" panose="020B0604020202020204" pitchFamily="34" charset="0"/>
+              <a:buNone/>
+              <a:defRPr sz="1600" kern="1200">
+                <a:solidFill>
+                  <a:schemeClr val="tx1"/>
+                </a:solidFill>
+                <a:latin typeface="+mn-lt"/>
+                <a:ea typeface="+mn-ea"/>
+                <a:cs typeface="+mn-cs"/>
+              </a:defRPr>
+            </a:lvl4pPr>
+            <a:lvl5pPr marL="1828800" indent="0" algn="ctr" defTabSz="914400" rtl="0" eaLnBrk="1" latinLnBrk="0" hangingPunct="1">
+              <a:lnSpc>
+                <a:spcPct val="90000"/>
+              </a:lnSpc>
+              <a:spcBef>
+                <a:spcPts val="500"/>
+              </a:spcBef>
+              <a:buFont typeface="Arial" panose="020B0604020202020204" pitchFamily="34" charset="0"/>
+              <a:buNone/>
+              <a:defRPr sz="1600" kern="1200">
+                <a:solidFill>
+                  <a:schemeClr val="tx1"/>
+                </a:solidFill>
+                <a:latin typeface="+mn-lt"/>
+                <a:ea typeface="+mn-ea"/>
+                <a:cs typeface="+mn-cs"/>
+              </a:defRPr>
+            </a:lvl5pPr>
+            <a:lvl6pPr marL="2286000" indent="0" algn="ctr" defTabSz="914400" rtl="0" eaLnBrk="1" latinLnBrk="0" hangingPunct="1">
+              <a:lnSpc>
+                <a:spcPct val="90000"/>
+              </a:lnSpc>
+              <a:spcBef>
+                <a:spcPts val="500"/>
+              </a:spcBef>
+              <a:buFont typeface="Arial" panose="020B0604020202020204" pitchFamily="34" charset="0"/>
+              <a:buNone/>
+              <a:defRPr sz="1600" kern="1200">
+                <a:solidFill>
+                  <a:schemeClr val="tx1"/>
+                </a:solidFill>
+                <a:latin typeface="+mn-lt"/>
+                <a:ea typeface="+mn-ea"/>
+                <a:cs typeface="+mn-cs"/>
+              </a:defRPr>
+            </a:lvl6pPr>
+            <a:lvl7pPr marL="2743200" indent="0" algn="ctr" defTabSz="914400" rtl="0" eaLnBrk="1" latinLnBrk="0" hangingPunct="1">
+              <a:lnSpc>
+                <a:spcPct val="90000"/>
+              </a:lnSpc>
+              <a:spcBef>
+                <a:spcPts val="500"/>
+              </a:spcBef>
+              <a:buFont typeface="Arial" panose="020B0604020202020204" pitchFamily="34" charset="0"/>
+              <a:buNone/>
+              <a:defRPr sz="1600" kern="1200">
+                <a:solidFill>
+                  <a:schemeClr val="tx1"/>
+                </a:solidFill>
+                <a:latin typeface="+mn-lt"/>
+                <a:ea typeface="+mn-ea"/>
+                <a:cs typeface="+mn-cs"/>
+              </a:defRPr>
+            </a:lvl7pPr>
+            <a:lvl8pPr marL="3200400" indent="0" algn="ctr" defTabSz="914400" rtl="0" eaLnBrk="1" latinLnBrk="0" hangingPunct="1">
+              <a:lnSpc>
+                <a:spcPct val="90000"/>
+              </a:lnSpc>
+              <a:spcBef>
+                <a:spcPts val="500"/>
+              </a:spcBef>
+              <a:buFont typeface="Arial" panose="020B0604020202020204" pitchFamily="34" charset="0"/>
+              <a:buNone/>
+              <a:defRPr sz="1600" kern="1200">
+                <a:solidFill>
+                  <a:schemeClr val="tx1"/>
+                </a:solidFill>
+                <a:latin typeface="+mn-lt"/>
+                <a:ea typeface="+mn-ea"/>
+                <a:cs typeface="+mn-cs"/>
+              </a:defRPr>
+            </a:lvl8pPr>
+            <a:lvl9pPr marL="3657600" indent="0" algn="ctr" defTabSz="914400" rtl="0" eaLnBrk="1" latinLnBrk="0" hangingPunct="1">
+              <a:lnSpc>
+                <a:spcPct val="90000"/>
+              </a:lnSpc>
+              <a:spcBef>
+                <a:spcPts val="500"/>
+              </a:spcBef>
+              <a:buFont typeface="Arial" panose="020B0604020202020204" pitchFamily="34" charset="0"/>
+              <a:buNone/>
+              <a:defRPr sz="1600" kern="1200">
+                <a:solidFill>
+                  <a:schemeClr val="tx1"/>
+                </a:solidFill>
+                <a:latin typeface="+mn-lt"/>
+                <a:ea typeface="+mn-ea"/>
+                <a:cs typeface="+mn-cs"/>
+              </a:defRPr>
+            </a:lvl9pPr>
+          </a:lstStyle>
+          <a:p>
+            <a:pPr algn="l"/>
+            <a:r>
+              <a:rPr lang="es-MX" sz="1600" dirty="0"/>
+              <a:t>+ La </a:t>
+            </a:r>
+            <a:r>
+              <a:rPr lang="es-MX" sz="1600" dirty="0" err="1"/>
+              <a:t>query</a:t>
+            </a:r>
+            <a:r>
+              <a:rPr lang="es-MX" sz="1600" dirty="0"/>
+              <a:t> para crear la </a:t>
+            </a:r>
+            <a:r>
+              <a:rPr lang="es-MX" sz="1600" dirty="0" err="1"/>
+              <a:t>view</a:t>
+            </a:r>
+            <a:r>
+              <a:rPr lang="es-MX" sz="1600" dirty="0"/>
+              <a:t> puede ser tan compleja como lo necesitemos</a:t>
+            </a:r>
+            <a:endParaRPr lang="es-MX" sz="1600" b="1" dirty="0"/>
+          </a:p>
+        </p:txBody>
+      </p:sp>
+      <p:sp>
+        <p:nvSpPr>
+          <p:cNvPr id="12" name="Subtítulo 2">
+            <a:extLst>
+              <a:ext uri="{FF2B5EF4-FFF2-40B4-BE49-F238E27FC236}">
+                <a16:creationId xmlns:a16="http://schemas.microsoft.com/office/drawing/2014/main" id="{718053C7-1181-D98E-564F-56D937D26B27}"/>
+              </a:ext>
+            </a:extLst>
+          </p:cNvPr>
+          <p:cNvSpPr txBox="1">
+            <a:spLocks/>
+          </p:cNvSpPr>
+          <p:nvPr/>
+        </p:nvSpPr>
+        <p:spPr>
+          <a:xfrm>
+            <a:off x="8285019" y="4699229"/>
+            <a:ext cx="3906981" cy="669781"/>
+          </a:xfrm>
+          <a:prstGeom prst="rect">
+            <a:avLst/>
+          </a:prstGeom>
+        </p:spPr>
+        <p:txBody>
+          <a:bodyPr vert="horz" lIns="91440" tIns="45720" rIns="91440" bIns="45720" rtlCol="0">
+            <a:normAutofit/>
+          </a:bodyPr>
+          <a:lstStyle>
+            <a:lvl1pPr marL="0" indent="0" algn="ctr" defTabSz="914400" rtl="0" eaLnBrk="1" latinLnBrk="0" hangingPunct="1">
+              <a:lnSpc>
+                <a:spcPct val="90000"/>
+              </a:lnSpc>
+              <a:spcBef>
+                <a:spcPts val="1000"/>
+              </a:spcBef>
+              <a:buFont typeface="Arial" panose="020B0604020202020204" pitchFamily="34" charset="0"/>
+              <a:buNone/>
+              <a:defRPr sz="2400" kern="1200">
+                <a:solidFill>
+                  <a:schemeClr val="tx1"/>
+                </a:solidFill>
+                <a:latin typeface="+mn-lt"/>
+                <a:ea typeface="+mn-ea"/>
+                <a:cs typeface="+mn-cs"/>
+              </a:defRPr>
+            </a:lvl1pPr>
+            <a:lvl2pPr marL="457200" indent="0" algn="ctr" defTabSz="914400" rtl="0" eaLnBrk="1" latinLnBrk="0" hangingPunct="1">
+              <a:lnSpc>
+                <a:spcPct val="90000"/>
+              </a:lnSpc>
+              <a:spcBef>
+                <a:spcPts val="500"/>
+              </a:spcBef>
+              <a:buFont typeface="Arial" panose="020B0604020202020204" pitchFamily="34" charset="0"/>
+              <a:buNone/>
+              <a:defRPr sz="2000" kern="1200">
+                <a:solidFill>
+                  <a:schemeClr val="tx1"/>
+                </a:solidFill>
+                <a:latin typeface="+mn-lt"/>
+                <a:ea typeface="+mn-ea"/>
+                <a:cs typeface="+mn-cs"/>
+              </a:defRPr>
+            </a:lvl2pPr>
+            <a:lvl3pPr marL="914400" indent="0" algn="ctr" defTabSz="914400" rtl="0" eaLnBrk="1" latinLnBrk="0" hangingPunct="1">
+              <a:lnSpc>
+                <a:spcPct val="90000"/>
+              </a:lnSpc>
+              <a:spcBef>
+                <a:spcPts val="500"/>
+              </a:spcBef>
+              <a:buFont typeface="Arial" panose="020B0604020202020204" pitchFamily="34" charset="0"/>
+              <a:buNone/>
+              <a:defRPr sz="1800" kern="1200">
+                <a:solidFill>
+                  <a:schemeClr val="tx1"/>
+                </a:solidFill>
+                <a:latin typeface="+mn-lt"/>
+                <a:ea typeface="+mn-ea"/>
+                <a:cs typeface="+mn-cs"/>
+              </a:defRPr>
+            </a:lvl3pPr>
+            <a:lvl4pPr marL="1371600" indent="0" algn="ctr" defTabSz="914400" rtl="0" eaLnBrk="1" latinLnBrk="0" hangingPunct="1">
+              <a:lnSpc>
+                <a:spcPct val="90000"/>
+              </a:lnSpc>
+              <a:spcBef>
+                <a:spcPts val="500"/>
+              </a:spcBef>
+              <a:buFont typeface="Arial" panose="020B0604020202020204" pitchFamily="34" charset="0"/>
+              <a:buNone/>
+              <a:defRPr sz="1600" kern="1200">
+                <a:solidFill>
+                  <a:schemeClr val="tx1"/>
+                </a:solidFill>
+                <a:latin typeface="+mn-lt"/>
+                <a:ea typeface="+mn-ea"/>
+                <a:cs typeface="+mn-cs"/>
+              </a:defRPr>
+            </a:lvl4pPr>
+            <a:lvl5pPr marL="1828800" indent="0" algn="ctr" defTabSz="914400" rtl="0" eaLnBrk="1" latinLnBrk="0" hangingPunct="1">
+              <a:lnSpc>
+                <a:spcPct val="90000"/>
+              </a:lnSpc>
+              <a:spcBef>
+                <a:spcPts val="500"/>
+              </a:spcBef>
+              <a:buFont typeface="Arial" panose="020B0604020202020204" pitchFamily="34" charset="0"/>
+              <a:buNone/>
+              <a:defRPr sz="1600" kern="1200">
+                <a:solidFill>
+                  <a:schemeClr val="tx1"/>
+                </a:solidFill>
+                <a:latin typeface="+mn-lt"/>
+                <a:ea typeface="+mn-ea"/>
+                <a:cs typeface="+mn-cs"/>
+              </a:defRPr>
+            </a:lvl5pPr>
+            <a:lvl6pPr marL="2286000" indent="0" algn="ctr" defTabSz="914400" rtl="0" eaLnBrk="1" latinLnBrk="0" hangingPunct="1">
+              <a:lnSpc>
+                <a:spcPct val="90000"/>
+              </a:lnSpc>
+              <a:spcBef>
+                <a:spcPts val="500"/>
+              </a:spcBef>
+              <a:buFont typeface="Arial" panose="020B0604020202020204" pitchFamily="34" charset="0"/>
+              <a:buNone/>
+              <a:defRPr sz="1600" kern="1200">
+                <a:solidFill>
+                  <a:schemeClr val="tx1"/>
+                </a:solidFill>
+                <a:latin typeface="+mn-lt"/>
+                <a:ea typeface="+mn-ea"/>
+                <a:cs typeface="+mn-cs"/>
+              </a:defRPr>
+            </a:lvl6pPr>
+            <a:lvl7pPr marL="2743200" indent="0" algn="ctr" defTabSz="914400" rtl="0" eaLnBrk="1" latinLnBrk="0" hangingPunct="1">
+              <a:lnSpc>
+                <a:spcPct val="90000"/>
+              </a:lnSpc>
+              <a:spcBef>
+                <a:spcPts val="500"/>
+              </a:spcBef>
+              <a:buFont typeface="Arial" panose="020B0604020202020204" pitchFamily="34" charset="0"/>
+              <a:buNone/>
+              <a:defRPr sz="1600" kern="1200">
+                <a:solidFill>
+                  <a:schemeClr val="tx1"/>
+                </a:solidFill>
+                <a:latin typeface="+mn-lt"/>
+                <a:ea typeface="+mn-ea"/>
+                <a:cs typeface="+mn-cs"/>
+              </a:defRPr>
+            </a:lvl7pPr>
+            <a:lvl8pPr marL="3200400" indent="0" algn="ctr" defTabSz="914400" rtl="0" eaLnBrk="1" latinLnBrk="0" hangingPunct="1">
+              <a:lnSpc>
+                <a:spcPct val="90000"/>
+              </a:lnSpc>
+              <a:spcBef>
+                <a:spcPts val="500"/>
+              </a:spcBef>
+              <a:buFont typeface="Arial" panose="020B0604020202020204" pitchFamily="34" charset="0"/>
+              <a:buNone/>
+              <a:defRPr sz="1600" kern="1200">
+                <a:solidFill>
+                  <a:schemeClr val="tx1"/>
+                </a:solidFill>
+                <a:latin typeface="+mn-lt"/>
+                <a:ea typeface="+mn-ea"/>
+                <a:cs typeface="+mn-cs"/>
+              </a:defRPr>
+            </a:lvl8pPr>
+            <a:lvl9pPr marL="3657600" indent="0" algn="ctr" defTabSz="914400" rtl="0" eaLnBrk="1" latinLnBrk="0" hangingPunct="1">
+              <a:lnSpc>
+                <a:spcPct val="90000"/>
+              </a:lnSpc>
+              <a:spcBef>
+                <a:spcPts val="500"/>
+              </a:spcBef>
+              <a:buFont typeface="Arial" panose="020B0604020202020204" pitchFamily="34" charset="0"/>
+              <a:buNone/>
+              <a:defRPr sz="1600" kern="1200">
+                <a:solidFill>
+                  <a:schemeClr val="tx1"/>
+                </a:solidFill>
+                <a:latin typeface="+mn-lt"/>
+                <a:ea typeface="+mn-ea"/>
+                <a:cs typeface="+mn-cs"/>
+              </a:defRPr>
+            </a:lvl9pPr>
+          </a:lstStyle>
+          <a:p>
+            <a:pPr algn="l"/>
+            <a:r>
+              <a:rPr lang="es-MX" sz="1600" dirty="0"/>
+              <a:t>+ Las </a:t>
+            </a:r>
+            <a:r>
+              <a:rPr lang="es-MX" sz="1600" b="1" dirty="0"/>
+              <a:t>VIEW</a:t>
+            </a:r>
+            <a:r>
+              <a:rPr lang="es-MX" sz="1600" dirty="0"/>
+              <a:t> no son tan fáciles de actualizar, lo mejor sería tratarlas como tablas.</a:t>
+            </a:r>
+            <a:endParaRPr lang="es-MX" sz="1600" b="1" dirty="0"/>
+          </a:p>
+        </p:txBody>
+      </p:sp>
+    </p:spTree>
+    <p:extLst>
+      <p:ext uri="{BB962C8B-B14F-4D97-AF65-F5344CB8AC3E}">
+        <p14:creationId xmlns:p14="http://schemas.microsoft.com/office/powerpoint/2010/main" val="2895507507"/>
+      </p:ext>
+    </p:extLst>
+  </p:cSld>
+  <p:clrMapOvr>
+    <a:masterClrMapping/>
+  </p:clrMapOvr>
+</p:sld>
+</file>
+
+<file path=ppt/slides/slide42.xml><?xml version="1.0" encoding="utf-8"?>
+<p:sld xmlns:a="http://schemas.openxmlformats.org/drawingml/2006/main" xmlns:r="http://schemas.openxmlformats.org/officeDocument/2006/relationships" xmlns:p="http://schemas.openxmlformats.org/presentationml/2006/main">
+  <p:cSld>
+    <p:spTree>
+      <p:nvGrpSpPr>
+        <p:cNvPr id="1" name=""/>
+        <p:cNvGrpSpPr/>
+        <p:nvPr/>
+      </p:nvGrpSpPr>
+      <p:grpSpPr>
+        <a:xfrm>
+          <a:off x="0" y="0"/>
+          <a:ext cx="0" cy="0"/>
+          <a:chOff x="0" y="0"/>
+          <a:chExt cx="0" cy="0"/>
+        </a:xfrm>
+      </p:grpSpPr>
+      <p:sp>
+        <p:nvSpPr>
+          <p:cNvPr id="2" name="Título 1">
+            <a:extLst>
+              <a:ext uri="{FF2B5EF4-FFF2-40B4-BE49-F238E27FC236}">
+                <a16:creationId xmlns:a16="http://schemas.microsoft.com/office/drawing/2014/main" id="{095D5E06-C433-C836-106A-B2D45ADCF04F}"/>
+              </a:ext>
+            </a:extLst>
+          </p:cNvPr>
+          <p:cNvSpPr>
+            <a:spLocks noGrp="1"/>
+          </p:cNvSpPr>
+          <p:nvPr>
+            <p:ph type="ctrTitle"/>
+          </p:nvPr>
+        </p:nvSpPr>
+        <p:spPr>
+          <a:xfrm>
+            <a:off x="304800" y="277091"/>
+            <a:ext cx="9144000" cy="669781"/>
+          </a:xfrm>
+        </p:spPr>
+        <p:txBody>
+          <a:bodyPr>
+            <a:normAutofit/>
+          </a:bodyPr>
+          <a:lstStyle/>
+          <a:p>
+            <a:pPr algn="l"/>
+            <a:r>
+              <a:rPr lang="es-MX" sz="3600" b="1" dirty="0">
+                <a:latin typeface="Gadugi" panose="020B0502040204020203" pitchFamily="34" charset="0"/>
+                <a:ea typeface="Gadugi" panose="020B0502040204020203" pitchFamily="34" charset="0"/>
+              </a:rPr>
+              <a:t>VIEWS</a:t>
+            </a:r>
+          </a:p>
+        </p:txBody>
+      </p:sp>
+      <p:sp>
+        <p:nvSpPr>
+          <p:cNvPr id="3" name="Subtítulo 2">
+            <a:extLst>
+              <a:ext uri="{FF2B5EF4-FFF2-40B4-BE49-F238E27FC236}">
+                <a16:creationId xmlns:a16="http://schemas.microsoft.com/office/drawing/2014/main" id="{1A30F90B-0731-20CA-E914-48343967869A}"/>
+              </a:ext>
+            </a:extLst>
+          </p:cNvPr>
+          <p:cNvSpPr>
+            <a:spLocks noGrp="1"/>
+          </p:cNvSpPr>
+          <p:nvPr>
+            <p:ph type="subTitle" idx="1"/>
+          </p:nvPr>
+        </p:nvSpPr>
+        <p:spPr>
+          <a:xfrm>
+            <a:off x="277098" y="1941383"/>
+            <a:ext cx="7966356" cy="531994"/>
+          </a:xfrm>
+        </p:spPr>
+        <p:txBody>
+          <a:bodyPr>
+            <a:normAutofit/>
+          </a:bodyPr>
+          <a:lstStyle/>
+          <a:p>
+            <a:pPr algn="l"/>
+            <a:r>
+              <a:rPr lang="es-MX" b="1" dirty="0"/>
+              <a:t>DROP</a:t>
+            </a:r>
+            <a:r>
+              <a:rPr lang="es-MX" dirty="0"/>
+              <a:t> </a:t>
+            </a:r>
+            <a:r>
+              <a:rPr lang="es-MX" b="1" dirty="0"/>
+              <a:t>VIEW</a:t>
+            </a:r>
+            <a:r>
+              <a:rPr lang="es-MX" dirty="0"/>
+              <a:t> [nombre de la vista] </a:t>
+            </a:r>
+            <a:r>
+              <a:rPr lang="es-MX" b="1" dirty="0"/>
+              <a:t>;</a:t>
+            </a:r>
+          </a:p>
+        </p:txBody>
+      </p:sp>
+      <p:cxnSp>
+        <p:nvCxnSpPr>
+          <p:cNvPr id="5" name="Conector recto 4">
+            <a:extLst>
+              <a:ext uri="{FF2B5EF4-FFF2-40B4-BE49-F238E27FC236}">
+                <a16:creationId xmlns:a16="http://schemas.microsoft.com/office/drawing/2014/main" id="{8185E119-0A24-A724-B622-7DB91F3252A8}"/>
+              </a:ext>
+            </a:extLst>
+          </p:cNvPr>
+          <p:cNvCxnSpPr/>
+          <p:nvPr/>
+        </p:nvCxnSpPr>
+        <p:spPr>
+          <a:xfrm>
+            <a:off x="0" y="946872"/>
+            <a:ext cx="5472545" cy="0"/>
+          </a:xfrm>
+          <a:prstGeom prst="line">
+            <a:avLst/>
+          </a:prstGeom>
+          <a:ln w="38100">
+            <a:solidFill>
+              <a:srgbClr val="7030A0"/>
+            </a:solidFill>
+          </a:ln>
+        </p:spPr>
+        <p:style>
+          <a:lnRef idx="1">
+            <a:schemeClr val="accent1"/>
+          </a:lnRef>
+          <a:fillRef idx="0">
+            <a:schemeClr val="accent1"/>
+          </a:fillRef>
+          <a:effectRef idx="0">
+            <a:schemeClr val="accent1"/>
+          </a:effectRef>
+          <a:fontRef idx="minor">
+            <a:schemeClr val="tx1"/>
+          </a:fontRef>
+        </p:style>
+      </p:cxnSp>
+      <p:cxnSp>
+        <p:nvCxnSpPr>
+          <p:cNvPr id="6" name="Conector recto 5">
+            <a:extLst>
+              <a:ext uri="{FF2B5EF4-FFF2-40B4-BE49-F238E27FC236}">
+                <a16:creationId xmlns:a16="http://schemas.microsoft.com/office/drawing/2014/main" id="{BEFC1D1B-E623-58C6-AEC5-FBF9FC0A9DBC}"/>
+              </a:ext>
+            </a:extLst>
+          </p:cNvPr>
+          <p:cNvCxnSpPr>
+            <a:cxnSpLocks/>
+          </p:cNvCxnSpPr>
+          <p:nvPr/>
+        </p:nvCxnSpPr>
+        <p:spPr>
+          <a:xfrm flipH="1" flipV="1">
+            <a:off x="8257309" y="0"/>
+            <a:ext cx="27710" cy="6858000"/>
+          </a:xfrm>
+          <a:prstGeom prst="line">
+            <a:avLst/>
+          </a:prstGeom>
+          <a:ln w="38100">
+            <a:solidFill>
+              <a:srgbClr val="7030A0"/>
+            </a:solidFill>
+          </a:ln>
+        </p:spPr>
+        <p:style>
+          <a:lnRef idx="1">
+            <a:schemeClr val="accent1"/>
+          </a:lnRef>
+          <a:fillRef idx="0">
+            <a:schemeClr val="accent1"/>
+          </a:fillRef>
+          <a:effectRef idx="0">
+            <a:schemeClr val="accent1"/>
+          </a:effectRef>
+          <a:fontRef idx="minor">
+            <a:schemeClr val="tx1"/>
+          </a:fontRef>
+        </p:style>
+      </p:cxnSp>
+      <p:sp>
+        <p:nvSpPr>
+          <p:cNvPr id="9" name="Subtítulo 2">
+            <a:extLst>
+              <a:ext uri="{FF2B5EF4-FFF2-40B4-BE49-F238E27FC236}">
+                <a16:creationId xmlns:a16="http://schemas.microsoft.com/office/drawing/2014/main" id="{B2F69EEF-1183-1D61-4B75-D786FD98E6A3}"/>
+              </a:ext>
+            </a:extLst>
+          </p:cNvPr>
+          <p:cNvSpPr txBox="1">
+            <a:spLocks/>
+          </p:cNvSpPr>
+          <p:nvPr/>
+        </p:nvSpPr>
+        <p:spPr>
+          <a:xfrm>
+            <a:off x="8298874" y="1896314"/>
+            <a:ext cx="3906981" cy="1154126"/>
+          </a:xfrm>
+          <a:prstGeom prst="rect">
+            <a:avLst/>
+          </a:prstGeom>
+        </p:spPr>
+        <p:txBody>
+          <a:bodyPr vert="horz" lIns="91440" tIns="45720" rIns="91440" bIns="45720" rtlCol="0">
+            <a:normAutofit/>
+          </a:bodyPr>
+          <a:lstStyle>
+            <a:lvl1pPr marL="0" indent="0" algn="ctr" defTabSz="914400" rtl="0" eaLnBrk="1" latinLnBrk="0" hangingPunct="1">
+              <a:lnSpc>
+                <a:spcPct val="90000"/>
+              </a:lnSpc>
+              <a:spcBef>
+                <a:spcPts val="1000"/>
+              </a:spcBef>
+              <a:buFont typeface="Arial" panose="020B0604020202020204" pitchFamily="34" charset="0"/>
+              <a:buNone/>
+              <a:defRPr sz="2400" kern="1200">
+                <a:solidFill>
+                  <a:schemeClr val="tx1"/>
+                </a:solidFill>
+                <a:latin typeface="+mn-lt"/>
+                <a:ea typeface="+mn-ea"/>
+                <a:cs typeface="+mn-cs"/>
+              </a:defRPr>
+            </a:lvl1pPr>
+            <a:lvl2pPr marL="457200" indent="0" algn="ctr" defTabSz="914400" rtl="0" eaLnBrk="1" latinLnBrk="0" hangingPunct="1">
+              <a:lnSpc>
+                <a:spcPct val="90000"/>
+              </a:lnSpc>
+              <a:spcBef>
+                <a:spcPts val="500"/>
+              </a:spcBef>
+              <a:buFont typeface="Arial" panose="020B0604020202020204" pitchFamily="34" charset="0"/>
+              <a:buNone/>
+              <a:defRPr sz="2000" kern="1200">
+                <a:solidFill>
+                  <a:schemeClr val="tx1"/>
+                </a:solidFill>
+                <a:latin typeface="+mn-lt"/>
+                <a:ea typeface="+mn-ea"/>
+                <a:cs typeface="+mn-cs"/>
+              </a:defRPr>
+            </a:lvl2pPr>
+            <a:lvl3pPr marL="914400" indent="0" algn="ctr" defTabSz="914400" rtl="0" eaLnBrk="1" latinLnBrk="0" hangingPunct="1">
+              <a:lnSpc>
+                <a:spcPct val="90000"/>
+              </a:lnSpc>
+              <a:spcBef>
+                <a:spcPts val="500"/>
+              </a:spcBef>
+              <a:buFont typeface="Arial" panose="020B0604020202020204" pitchFamily="34" charset="0"/>
+              <a:buNone/>
+              <a:defRPr sz="1800" kern="1200">
+                <a:solidFill>
+                  <a:schemeClr val="tx1"/>
+                </a:solidFill>
+                <a:latin typeface="+mn-lt"/>
+                <a:ea typeface="+mn-ea"/>
+                <a:cs typeface="+mn-cs"/>
+              </a:defRPr>
+            </a:lvl3pPr>
+            <a:lvl4pPr marL="1371600" indent="0" algn="ctr" defTabSz="914400" rtl="0" eaLnBrk="1" latinLnBrk="0" hangingPunct="1">
+              <a:lnSpc>
+                <a:spcPct val="90000"/>
+              </a:lnSpc>
+              <a:spcBef>
+                <a:spcPts val="500"/>
+              </a:spcBef>
+              <a:buFont typeface="Arial" panose="020B0604020202020204" pitchFamily="34" charset="0"/>
+              <a:buNone/>
+              <a:defRPr sz="1600" kern="1200">
+                <a:solidFill>
+                  <a:schemeClr val="tx1"/>
+                </a:solidFill>
+                <a:latin typeface="+mn-lt"/>
+                <a:ea typeface="+mn-ea"/>
+                <a:cs typeface="+mn-cs"/>
+              </a:defRPr>
+            </a:lvl4pPr>
+            <a:lvl5pPr marL="1828800" indent="0" algn="ctr" defTabSz="914400" rtl="0" eaLnBrk="1" latinLnBrk="0" hangingPunct="1">
+              <a:lnSpc>
+                <a:spcPct val="90000"/>
+              </a:lnSpc>
+              <a:spcBef>
+                <a:spcPts val="500"/>
+              </a:spcBef>
+              <a:buFont typeface="Arial" panose="020B0604020202020204" pitchFamily="34" charset="0"/>
+              <a:buNone/>
+              <a:defRPr sz="1600" kern="1200">
+                <a:solidFill>
+                  <a:schemeClr val="tx1"/>
+                </a:solidFill>
+                <a:latin typeface="+mn-lt"/>
+                <a:ea typeface="+mn-ea"/>
+                <a:cs typeface="+mn-cs"/>
+              </a:defRPr>
+            </a:lvl5pPr>
+            <a:lvl6pPr marL="2286000" indent="0" algn="ctr" defTabSz="914400" rtl="0" eaLnBrk="1" latinLnBrk="0" hangingPunct="1">
+              <a:lnSpc>
+                <a:spcPct val="90000"/>
+              </a:lnSpc>
+              <a:spcBef>
+                <a:spcPts val="500"/>
+              </a:spcBef>
+              <a:buFont typeface="Arial" panose="020B0604020202020204" pitchFamily="34" charset="0"/>
+              <a:buNone/>
+              <a:defRPr sz="1600" kern="1200">
+                <a:solidFill>
+                  <a:schemeClr val="tx1"/>
+                </a:solidFill>
+                <a:latin typeface="+mn-lt"/>
+                <a:ea typeface="+mn-ea"/>
+                <a:cs typeface="+mn-cs"/>
+              </a:defRPr>
+            </a:lvl6pPr>
+            <a:lvl7pPr marL="2743200" indent="0" algn="ctr" defTabSz="914400" rtl="0" eaLnBrk="1" latinLnBrk="0" hangingPunct="1">
+              <a:lnSpc>
+                <a:spcPct val="90000"/>
+              </a:lnSpc>
+              <a:spcBef>
+                <a:spcPts val="500"/>
+              </a:spcBef>
+              <a:buFont typeface="Arial" panose="020B0604020202020204" pitchFamily="34" charset="0"/>
+              <a:buNone/>
+              <a:defRPr sz="1600" kern="1200">
+                <a:solidFill>
+                  <a:schemeClr val="tx1"/>
+                </a:solidFill>
+                <a:latin typeface="+mn-lt"/>
+                <a:ea typeface="+mn-ea"/>
+                <a:cs typeface="+mn-cs"/>
+              </a:defRPr>
+            </a:lvl7pPr>
+            <a:lvl8pPr marL="3200400" indent="0" algn="ctr" defTabSz="914400" rtl="0" eaLnBrk="1" latinLnBrk="0" hangingPunct="1">
+              <a:lnSpc>
+                <a:spcPct val="90000"/>
+              </a:lnSpc>
+              <a:spcBef>
+                <a:spcPts val="500"/>
+              </a:spcBef>
+              <a:buFont typeface="Arial" panose="020B0604020202020204" pitchFamily="34" charset="0"/>
+              <a:buNone/>
+              <a:defRPr sz="1600" kern="1200">
+                <a:solidFill>
+                  <a:schemeClr val="tx1"/>
+                </a:solidFill>
+                <a:latin typeface="+mn-lt"/>
+                <a:ea typeface="+mn-ea"/>
+                <a:cs typeface="+mn-cs"/>
+              </a:defRPr>
+            </a:lvl8pPr>
+            <a:lvl9pPr marL="3657600" indent="0" algn="ctr" defTabSz="914400" rtl="0" eaLnBrk="1" latinLnBrk="0" hangingPunct="1">
+              <a:lnSpc>
+                <a:spcPct val="90000"/>
+              </a:lnSpc>
+              <a:spcBef>
+                <a:spcPts val="500"/>
+              </a:spcBef>
+              <a:buFont typeface="Arial" panose="020B0604020202020204" pitchFamily="34" charset="0"/>
+              <a:buNone/>
+              <a:defRPr sz="1600" kern="1200">
+                <a:solidFill>
+                  <a:schemeClr val="tx1"/>
+                </a:solidFill>
+                <a:latin typeface="+mn-lt"/>
+                <a:ea typeface="+mn-ea"/>
+                <a:cs typeface="+mn-cs"/>
+              </a:defRPr>
+            </a:lvl9pPr>
+          </a:lstStyle>
+          <a:p>
+            <a:pPr algn="l"/>
+            <a:r>
+              <a:rPr lang="es-MX" sz="1600" dirty="0"/>
+              <a:t>+ Este resultado sí elimina la </a:t>
+            </a:r>
+            <a:r>
+              <a:rPr lang="es-MX" sz="1600" b="1" dirty="0"/>
+              <a:t>VIEW</a:t>
+            </a:r>
+            <a:r>
+              <a:rPr lang="es-MX" sz="1600" dirty="0"/>
+              <a:t> por completo de la memoria de la computadora. A diferencia de </a:t>
+            </a:r>
+            <a:r>
+              <a:rPr lang="es-MX" sz="1600" b="1" dirty="0"/>
+              <a:t>DELETE FROM, </a:t>
+            </a:r>
+            <a:r>
+              <a:rPr lang="es-MX" sz="1600" dirty="0"/>
+              <a:t>este último solo hacía un vaciado de tabla.</a:t>
+            </a:r>
+          </a:p>
+        </p:txBody>
+      </p:sp>
+      <p:sp>
+        <p:nvSpPr>
+          <p:cNvPr id="4" name="Subtítulo 2">
+            <a:extLst>
+              <a:ext uri="{FF2B5EF4-FFF2-40B4-BE49-F238E27FC236}">
+                <a16:creationId xmlns:a16="http://schemas.microsoft.com/office/drawing/2014/main" id="{5AB62197-AE10-973C-7B86-4740D386B8EE}"/>
+              </a:ext>
+            </a:extLst>
+          </p:cNvPr>
+          <p:cNvSpPr txBox="1">
+            <a:spLocks/>
+          </p:cNvSpPr>
+          <p:nvPr/>
+        </p:nvSpPr>
+        <p:spPr>
+          <a:xfrm>
+            <a:off x="297877" y="3370442"/>
+            <a:ext cx="7966356" cy="531994"/>
+          </a:xfrm>
+          <a:prstGeom prst="rect">
+            <a:avLst/>
+          </a:prstGeom>
+        </p:spPr>
+        <p:txBody>
+          <a:bodyPr vert="horz" lIns="91440" tIns="45720" rIns="91440" bIns="45720" rtlCol="0">
+            <a:normAutofit/>
+          </a:bodyPr>
+          <a:lstStyle>
+            <a:lvl1pPr marL="0" indent="0" algn="ctr" defTabSz="914400" rtl="0" eaLnBrk="1" latinLnBrk="0" hangingPunct="1">
+              <a:lnSpc>
+                <a:spcPct val="90000"/>
+              </a:lnSpc>
+              <a:spcBef>
+                <a:spcPts val="1000"/>
+              </a:spcBef>
+              <a:buFont typeface="Arial" panose="020B0604020202020204" pitchFamily="34" charset="0"/>
+              <a:buNone/>
+              <a:defRPr sz="2400" kern="1200">
+                <a:solidFill>
+                  <a:schemeClr val="tx1"/>
+                </a:solidFill>
+                <a:latin typeface="+mn-lt"/>
+                <a:ea typeface="+mn-ea"/>
+                <a:cs typeface="+mn-cs"/>
+              </a:defRPr>
+            </a:lvl1pPr>
+            <a:lvl2pPr marL="457200" indent="0" algn="ctr" defTabSz="914400" rtl="0" eaLnBrk="1" latinLnBrk="0" hangingPunct="1">
+              <a:lnSpc>
+                <a:spcPct val="90000"/>
+              </a:lnSpc>
+              <a:spcBef>
+                <a:spcPts val="500"/>
+              </a:spcBef>
+              <a:buFont typeface="Arial" panose="020B0604020202020204" pitchFamily="34" charset="0"/>
+              <a:buNone/>
+              <a:defRPr sz="2000" kern="1200">
+                <a:solidFill>
+                  <a:schemeClr val="tx1"/>
+                </a:solidFill>
+                <a:latin typeface="+mn-lt"/>
+                <a:ea typeface="+mn-ea"/>
+                <a:cs typeface="+mn-cs"/>
+              </a:defRPr>
+            </a:lvl2pPr>
+            <a:lvl3pPr marL="914400" indent="0" algn="ctr" defTabSz="914400" rtl="0" eaLnBrk="1" latinLnBrk="0" hangingPunct="1">
+              <a:lnSpc>
+                <a:spcPct val="90000"/>
+              </a:lnSpc>
+              <a:spcBef>
+                <a:spcPts val="500"/>
+              </a:spcBef>
+              <a:buFont typeface="Arial" panose="020B0604020202020204" pitchFamily="34" charset="0"/>
+              <a:buNone/>
+              <a:defRPr sz="1800" kern="1200">
+                <a:solidFill>
+                  <a:schemeClr val="tx1"/>
+                </a:solidFill>
+                <a:latin typeface="+mn-lt"/>
+                <a:ea typeface="+mn-ea"/>
+                <a:cs typeface="+mn-cs"/>
+              </a:defRPr>
+            </a:lvl3pPr>
+            <a:lvl4pPr marL="1371600" indent="0" algn="ctr" defTabSz="914400" rtl="0" eaLnBrk="1" latinLnBrk="0" hangingPunct="1">
+              <a:lnSpc>
+                <a:spcPct val="90000"/>
+              </a:lnSpc>
+              <a:spcBef>
+                <a:spcPts val="500"/>
+              </a:spcBef>
+              <a:buFont typeface="Arial" panose="020B0604020202020204" pitchFamily="34" charset="0"/>
+              <a:buNone/>
+              <a:defRPr sz="1600" kern="1200">
+                <a:solidFill>
+                  <a:schemeClr val="tx1"/>
+                </a:solidFill>
+                <a:latin typeface="+mn-lt"/>
+                <a:ea typeface="+mn-ea"/>
+                <a:cs typeface="+mn-cs"/>
+              </a:defRPr>
+            </a:lvl4pPr>
+            <a:lvl5pPr marL="1828800" indent="0" algn="ctr" defTabSz="914400" rtl="0" eaLnBrk="1" latinLnBrk="0" hangingPunct="1">
+              <a:lnSpc>
+                <a:spcPct val="90000"/>
+              </a:lnSpc>
+              <a:spcBef>
+                <a:spcPts val="500"/>
+              </a:spcBef>
+              <a:buFont typeface="Arial" panose="020B0604020202020204" pitchFamily="34" charset="0"/>
+              <a:buNone/>
+              <a:defRPr sz="1600" kern="1200">
+                <a:solidFill>
+                  <a:schemeClr val="tx1"/>
+                </a:solidFill>
+                <a:latin typeface="+mn-lt"/>
+                <a:ea typeface="+mn-ea"/>
+                <a:cs typeface="+mn-cs"/>
+              </a:defRPr>
+            </a:lvl5pPr>
+            <a:lvl6pPr marL="2286000" indent="0" algn="ctr" defTabSz="914400" rtl="0" eaLnBrk="1" latinLnBrk="0" hangingPunct="1">
+              <a:lnSpc>
+                <a:spcPct val="90000"/>
+              </a:lnSpc>
+              <a:spcBef>
+                <a:spcPts val="500"/>
+              </a:spcBef>
+              <a:buFont typeface="Arial" panose="020B0604020202020204" pitchFamily="34" charset="0"/>
+              <a:buNone/>
+              <a:defRPr sz="1600" kern="1200">
+                <a:solidFill>
+                  <a:schemeClr val="tx1"/>
+                </a:solidFill>
+                <a:latin typeface="+mn-lt"/>
+                <a:ea typeface="+mn-ea"/>
+                <a:cs typeface="+mn-cs"/>
+              </a:defRPr>
+            </a:lvl6pPr>
+            <a:lvl7pPr marL="2743200" indent="0" algn="ctr" defTabSz="914400" rtl="0" eaLnBrk="1" latinLnBrk="0" hangingPunct="1">
+              <a:lnSpc>
+                <a:spcPct val="90000"/>
+              </a:lnSpc>
+              <a:spcBef>
+                <a:spcPts val="500"/>
+              </a:spcBef>
+              <a:buFont typeface="Arial" panose="020B0604020202020204" pitchFamily="34" charset="0"/>
+              <a:buNone/>
+              <a:defRPr sz="1600" kern="1200">
+                <a:solidFill>
+                  <a:schemeClr val="tx1"/>
+                </a:solidFill>
+                <a:latin typeface="+mn-lt"/>
+                <a:ea typeface="+mn-ea"/>
+                <a:cs typeface="+mn-cs"/>
+              </a:defRPr>
+            </a:lvl7pPr>
+            <a:lvl8pPr marL="3200400" indent="0" algn="ctr" defTabSz="914400" rtl="0" eaLnBrk="1" latinLnBrk="0" hangingPunct="1">
+              <a:lnSpc>
+                <a:spcPct val="90000"/>
+              </a:lnSpc>
+              <a:spcBef>
+                <a:spcPts val="500"/>
+              </a:spcBef>
+              <a:buFont typeface="Arial" panose="020B0604020202020204" pitchFamily="34" charset="0"/>
+              <a:buNone/>
+              <a:defRPr sz="1600" kern="1200">
+                <a:solidFill>
+                  <a:schemeClr val="tx1"/>
+                </a:solidFill>
+                <a:latin typeface="+mn-lt"/>
+                <a:ea typeface="+mn-ea"/>
+                <a:cs typeface="+mn-cs"/>
+              </a:defRPr>
+            </a:lvl8pPr>
+            <a:lvl9pPr marL="3657600" indent="0" algn="ctr" defTabSz="914400" rtl="0" eaLnBrk="1" latinLnBrk="0" hangingPunct="1">
+              <a:lnSpc>
+                <a:spcPct val="90000"/>
+              </a:lnSpc>
+              <a:spcBef>
+                <a:spcPts val="500"/>
+              </a:spcBef>
+              <a:buFont typeface="Arial" panose="020B0604020202020204" pitchFamily="34" charset="0"/>
+              <a:buNone/>
+              <a:defRPr sz="1600" kern="1200">
+                <a:solidFill>
+                  <a:schemeClr val="tx1"/>
+                </a:solidFill>
+                <a:latin typeface="+mn-lt"/>
+                <a:ea typeface="+mn-ea"/>
+                <a:cs typeface="+mn-cs"/>
+              </a:defRPr>
+            </a:lvl9pPr>
+          </a:lstStyle>
+          <a:p>
+            <a:pPr algn="l"/>
+            <a:r>
+              <a:rPr lang="es-MX" b="1" dirty="0"/>
+              <a:t>SELECT * FROM</a:t>
+            </a:r>
+            <a:r>
+              <a:rPr lang="es-MX" dirty="0"/>
+              <a:t> [nombre de la vista] </a:t>
+            </a:r>
+            <a:r>
+              <a:rPr lang="es-MX" b="1" dirty="0"/>
+              <a:t>;</a:t>
+            </a:r>
+          </a:p>
+        </p:txBody>
+      </p:sp>
+      <p:sp>
+        <p:nvSpPr>
+          <p:cNvPr id="13" name="Subtítulo 2">
+            <a:extLst>
+              <a:ext uri="{FF2B5EF4-FFF2-40B4-BE49-F238E27FC236}">
+                <a16:creationId xmlns:a16="http://schemas.microsoft.com/office/drawing/2014/main" id="{F01F0CED-53FC-F45D-A295-D57788BEDE35}"/>
+              </a:ext>
+            </a:extLst>
+          </p:cNvPr>
+          <p:cNvSpPr txBox="1">
+            <a:spLocks/>
+          </p:cNvSpPr>
+          <p:nvPr/>
+        </p:nvSpPr>
+        <p:spPr>
+          <a:xfrm>
+            <a:off x="8298874" y="3370442"/>
+            <a:ext cx="3906981" cy="1154126"/>
+          </a:xfrm>
+          <a:prstGeom prst="rect">
+            <a:avLst/>
+          </a:prstGeom>
+        </p:spPr>
+        <p:txBody>
+          <a:bodyPr vert="horz" lIns="91440" tIns="45720" rIns="91440" bIns="45720" rtlCol="0">
+            <a:normAutofit/>
+          </a:bodyPr>
+          <a:lstStyle>
+            <a:lvl1pPr marL="0" indent="0" algn="ctr" defTabSz="914400" rtl="0" eaLnBrk="1" latinLnBrk="0" hangingPunct="1">
+              <a:lnSpc>
+                <a:spcPct val="90000"/>
+              </a:lnSpc>
+              <a:spcBef>
+                <a:spcPts val="1000"/>
+              </a:spcBef>
+              <a:buFont typeface="Arial" panose="020B0604020202020204" pitchFamily="34" charset="0"/>
+              <a:buNone/>
+              <a:defRPr sz="2400" kern="1200">
+                <a:solidFill>
+                  <a:schemeClr val="tx1"/>
+                </a:solidFill>
+                <a:latin typeface="+mn-lt"/>
+                <a:ea typeface="+mn-ea"/>
+                <a:cs typeface="+mn-cs"/>
+              </a:defRPr>
+            </a:lvl1pPr>
+            <a:lvl2pPr marL="457200" indent="0" algn="ctr" defTabSz="914400" rtl="0" eaLnBrk="1" latinLnBrk="0" hangingPunct="1">
+              <a:lnSpc>
+                <a:spcPct val="90000"/>
+              </a:lnSpc>
+              <a:spcBef>
+                <a:spcPts val="500"/>
+              </a:spcBef>
+              <a:buFont typeface="Arial" panose="020B0604020202020204" pitchFamily="34" charset="0"/>
+              <a:buNone/>
+              <a:defRPr sz="2000" kern="1200">
+                <a:solidFill>
+                  <a:schemeClr val="tx1"/>
+                </a:solidFill>
+                <a:latin typeface="+mn-lt"/>
+                <a:ea typeface="+mn-ea"/>
+                <a:cs typeface="+mn-cs"/>
+              </a:defRPr>
+            </a:lvl2pPr>
+            <a:lvl3pPr marL="914400" indent="0" algn="ctr" defTabSz="914400" rtl="0" eaLnBrk="1" latinLnBrk="0" hangingPunct="1">
+              <a:lnSpc>
+                <a:spcPct val="90000"/>
+              </a:lnSpc>
+              <a:spcBef>
+                <a:spcPts val="500"/>
+              </a:spcBef>
+              <a:buFont typeface="Arial" panose="020B0604020202020204" pitchFamily="34" charset="0"/>
+              <a:buNone/>
+              <a:defRPr sz="1800" kern="1200">
+                <a:solidFill>
+                  <a:schemeClr val="tx1"/>
+                </a:solidFill>
+                <a:latin typeface="+mn-lt"/>
+                <a:ea typeface="+mn-ea"/>
+                <a:cs typeface="+mn-cs"/>
+              </a:defRPr>
+            </a:lvl3pPr>
+            <a:lvl4pPr marL="1371600" indent="0" algn="ctr" defTabSz="914400" rtl="0" eaLnBrk="1" latinLnBrk="0" hangingPunct="1">
+              <a:lnSpc>
+                <a:spcPct val="90000"/>
+              </a:lnSpc>
+              <a:spcBef>
+                <a:spcPts val="500"/>
+              </a:spcBef>
+              <a:buFont typeface="Arial" panose="020B0604020202020204" pitchFamily="34" charset="0"/>
+              <a:buNone/>
+              <a:defRPr sz="1600" kern="1200">
+                <a:solidFill>
+                  <a:schemeClr val="tx1"/>
+                </a:solidFill>
+                <a:latin typeface="+mn-lt"/>
+                <a:ea typeface="+mn-ea"/>
+                <a:cs typeface="+mn-cs"/>
+              </a:defRPr>
+            </a:lvl4pPr>
+            <a:lvl5pPr marL="1828800" indent="0" algn="ctr" defTabSz="914400" rtl="0" eaLnBrk="1" latinLnBrk="0" hangingPunct="1">
+              <a:lnSpc>
+                <a:spcPct val="90000"/>
+              </a:lnSpc>
+              <a:spcBef>
+                <a:spcPts val="500"/>
+              </a:spcBef>
+              <a:buFont typeface="Arial" panose="020B0604020202020204" pitchFamily="34" charset="0"/>
+              <a:buNone/>
+              <a:defRPr sz="1600" kern="1200">
+                <a:solidFill>
+                  <a:schemeClr val="tx1"/>
+                </a:solidFill>
+                <a:latin typeface="+mn-lt"/>
+                <a:ea typeface="+mn-ea"/>
+                <a:cs typeface="+mn-cs"/>
+              </a:defRPr>
+            </a:lvl5pPr>
+            <a:lvl6pPr marL="2286000" indent="0" algn="ctr" defTabSz="914400" rtl="0" eaLnBrk="1" latinLnBrk="0" hangingPunct="1">
+              <a:lnSpc>
+                <a:spcPct val="90000"/>
+              </a:lnSpc>
+              <a:spcBef>
+                <a:spcPts val="500"/>
+              </a:spcBef>
+              <a:buFont typeface="Arial" panose="020B0604020202020204" pitchFamily="34" charset="0"/>
+              <a:buNone/>
+              <a:defRPr sz="1600" kern="1200">
+                <a:solidFill>
+                  <a:schemeClr val="tx1"/>
+                </a:solidFill>
+                <a:latin typeface="+mn-lt"/>
+                <a:ea typeface="+mn-ea"/>
+                <a:cs typeface="+mn-cs"/>
+              </a:defRPr>
+            </a:lvl6pPr>
+            <a:lvl7pPr marL="2743200" indent="0" algn="ctr" defTabSz="914400" rtl="0" eaLnBrk="1" latinLnBrk="0" hangingPunct="1">
+              <a:lnSpc>
+                <a:spcPct val="90000"/>
+              </a:lnSpc>
+              <a:spcBef>
+                <a:spcPts val="500"/>
+              </a:spcBef>
+              <a:buFont typeface="Arial" panose="020B0604020202020204" pitchFamily="34" charset="0"/>
+              <a:buNone/>
+              <a:defRPr sz="1600" kern="1200">
+                <a:solidFill>
+                  <a:schemeClr val="tx1"/>
+                </a:solidFill>
+                <a:latin typeface="+mn-lt"/>
+                <a:ea typeface="+mn-ea"/>
+                <a:cs typeface="+mn-cs"/>
+              </a:defRPr>
+            </a:lvl7pPr>
+            <a:lvl8pPr marL="3200400" indent="0" algn="ctr" defTabSz="914400" rtl="0" eaLnBrk="1" latinLnBrk="0" hangingPunct="1">
+              <a:lnSpc>
+                <a:spcPct val="90000"/>
+              </a:lnSpc>
+              <a:spcBef>
+                <a:spcPts val="500"/>
+              </a:spcBef>
+              <a:buFont typeface="Arial" panose="020B0604020202020204" pitchFamily="34" charset="0"/>
+              <a:buNone/>
+              <a:defRPr sz="1600" kern="1200">
+                <a:solidFill>
+                  <a:schemeClr val="tx1"/>
+                </a:solidFill>
+                <a:latin typeface="+mn-lt"/>
+                <a:ea typeface="+mn-ea"/>
+                <a:cs typeface="+mn-cs"/>
+              </a:defRPr>
+            </a:lvl8pPr>
+            <a:lvl9pPr marL="3657600" indent="0" algn="ctr" defTabSz="914400" rtl="0" eaLnBrk="1" latinLnBrk="0" hangingPunct="1">
+              <a:lnSpc>
+                <a:spcPct val="90000"/>
+              </a:lnSpc>
+              <a:spcBef>
+                <a:spcPts val="500"/>
+              </a:spcBef>
+              <a:buFont typeface="Arial" panose="020B0604020202020204" pitchFamily="34" charset="0"/>
+              <a:buNone/>
+              <a:defRPr sz="1600" kern="1200">
+                <a:solidFill>
+                  <a:schemeClr val="tx1"/>
+                </a:solidFill>
+                <a:latin typeface="+mn-lt"/>
+                <a:ea typeface="+mn-ea"/>
+                <a:cs typeface="+mn-cs"/>
+              </a:defRPr>
+            </a:lvl9pPr>
+          </a:lstStyle>
+          <a:p>
+            <a:pPr algn="l"/>
+            <a:r>
+              <a:rPr lang="es-MX" sz="1600" dirty="0"/>
+              <a:t>+ Para llamar a una </a:t>
+            </a:r>
+            <a:r>
+              <a:rPr lang="es-MX" sz="1600" b="1" dirty="0"/>
+              <a:t>VIEW</a:t>
+            </a:r>
+            <a:r>
+              <a:rPr lang="es-MX" sz="1600" dirty="0"/>
+              <a:t> se usa la misma sentencia que si estuviéramos llamando una tabla</a:t>
+            </a:r>
+          </a:p>
+        </p:txBody>
+      </p:sp>
+    </p:spTree>
+    <p:extLst>
+      <p:ext uri="{BB962C8B-B14F-4D97-AF65-F5344CB8AC3E}">
+        <p14:creationId xmlns:p14="http://schemas.microsoft.com/office/powerpoint/2010/main" val="714817261"/>
       </p:ext>
     </p:extLst>
   </p:cSld>
